--- a/slides/T319_Regressão_Linear (Parte VI).pptx
+++ b/slides/T319_Regressão_Linear (Parte VI).pptx
@@ -539,7 +539,7 @@
           <a:p>
             <a:fld id="{DAF0AF11-6A8A-4E64-94F5-26D4FBA2A01D}" type="datetimeFigureOut">
               <a:rPr lang="nl-BE" smtClean="0"/>
-              <a:t>21/06/2021</a:t>
+              <a:t>23/06/2021</a:t>
             </a:fld>
             <a:endParaRPr lang="nl-BE"/>
           </a:p>
@@ -1826,11 +1826,7 @@
             </a:pPr>
             <a:r>
               <a:rPr lang="pt-BR" dirty="0" smtClean="0"/>
-              <a:t>COLAB</a:t>
-            </a:r>
-            <a:r>
-              <a:rPr lang="pt-BR" dirty="0" smtClean="0"/>
-              <a:t>:</a:t>
+              <a:t>COLAB:</a:t>
             </a:r>
             <a:r>
               <a:rPr lang="pt-BR" baseline="0" dirty="0" smtClean="0"/>
@@ -1861,11 +1857,7 @@
             </a:pPr>
             <a:r>
               <a:rPr lang="pt-BR" dirty="0" smtClean="0"/>
-              <a:t>BINDER</a:t>
-            </a:r>
-            <a:r>
-              <a:rPr lang="pt-BR" dirty="0" smtClean="0"/>
-              <a:t>:</a:t>
+              <a:t>BINDER:</a:t>
             </a:r>
             <a:r>
               <a:rPr lang="pt-BR" baseline="0" dirty="0" smtClean="0"/>
@@ -2218,8 +2210,8 @@
         </p:nvSpPr>
         <p:spPr/>
       </p:sp>
-      <mc:AlternateContent xmlns:mc="http://schemas.openxmlformats.org/markup-compatibility/2006">
-        <mc:Choice xmlns:a14="http://schemas.microsoft.com/office/drawing/2010/main" Requires="a14">
+      <mc:AlternateContent xmlns:mc="http://schemas.openxmlformats.org/markup-compatibility/2006" xmlns:a14="http://schemas.microsoft.com/office/drawing/2010/main">
+        <mc:Choice Requires="a14">
           <p:sp>
             <p:nvSpPr>
               <p:cNvPr id="3" name="Notes Placeholder 2"/>
@@ -2704,19 +2696,7 @@
                     <a:ea typeface="+mn-ea"/>
                     <a:cs typeface="+mn-cs"/>
                   </a:rPr>
-                  <a:t> encontrar a relação correta</a:t>
-                </a:r>
-                <a:r>
-                  <a:rPr lang="pt-BR" sz="1200" b="0" i="0" kern="1200" dirty="0" smtClean="0">
-                    <a:solidFill>
-                      <a:schemeClr val="tx1"/>
-                    </a:solidFill>
-                    <a:effectLst/>
-                    <a:latin typeface="+mn-lt"/>
-                    <a:ea typeface="+mn-ea"/>
-                    <a:cs typeface="+mn-cs"/>
-                  </a:rPr>
-                  <a:t>.</a:t>
+                  <a:t> encontrar a relação correta.</a:t>
                 </a:r>
               </a:p>
               <a:p>
@@ -2945,7 +2925,7 @@
             </p:txBody>
           </p:sp>
         </mc:Choice>
-        <mc:Fallback>
+        <mc:Fallback xmlns="">
           <p:sp>
             <p:nvSpPr>
               <p:cNvPr id="3" name="Notes Placeholder 2"/>
@@ -3185,7 +3165,7 @@
                 </a:r>
                 <a:r>
                   <a:rPr lang="pt-BR" dirty="0">
-                    <a:hlinkClick r:id="rId3"/>
+                    <a:hlinkClick r:id="rId7"/>
                   </a:rPr>
                   <a:t>https://en.wikipedia.org/wiki/Norm_(mathematics)#Euclidean_norm</a:t>
                 </a:r>
@@ -3579,7 +3559,7 @@
               <a:p>
                 <a:r>
                   <a:rPr lang="pt-BR" dirty="0">
-                    <a:hlinkClick r:id="rId4"/>
+                    <a:hlinkClick r:id="rId8"/>
                   </a:rPr>
                   <a:t>https://stats.stackexchange.com/questions/86991/reason-for-not-shrinking-the-bias-intercept-term-in-regression</a:t>
                 </a:r>
@@ -3588,7 +3568,7 @@
               <a:p>
                 <a:r>
                   <a:rPr lang="pt-BR" dirty="0">
-                    <a:hlinkClick r:id="rId5"/>
+                    <a:hlinkClick r:id="rId9"/>
                   </a:rPr>
                   <a:t>https://stackoverflow.com/questions/54017246/why-is-theta0-skipped-while-performing-regulariztion-on-regression</a:t>
                 </a:r>
@@ -3597,7 +3577,7 @@
               <a:p>
                 <a:r>
                   <a:rPr lang="pt-BR" dirty="0">
-                    <a:hlinkClick r:id="rId6"/>
+                    <a:hlinkClick r:id="rId10"/>
                   </a:rPr>
                   <a:t>https://stackoverflow.com/questions/12578336/why-is-the-bias-term-not-regularized-in-ridge-regression</a:t>
                 </a:r>
@@ -5301,7 +5281,7 @@
           <a:p>
             <a:fld id="{C80E15A5-E95B-43EB-9AC7-9A96397448C0}" type="datetimeFigureOut">
               <a:rPr lang="nl-BE" smtClean="0"/>
-              <a:t>21/06/2021</a:t>
+              <a:t>23/06/2021</a:t>
             </a:fld>
             <a:endParaRPr lang="nl-BE"/>
           </a:p>
@@ -5471,7 +5451,7 @@
           <a:p>
             <a:fld id="{C80E15A5-E95B-43EB-9AC7-9A96397448C0}" type="datetimeFigureOut">
               <a:rPr lang="nl-BE" smtClean="0"/>
-              <a:t>21/06/2021</a:t>
+              <a:t>23/06/2021</a:t>
             </a:fld>
             <a:endParaRPr lang="nl-BE"/>
           </a:p>
@@ -5651,7 +5631,7 @@
           <a:p>
             <a:fld id="{C80E15A5-E95B-43EB-9AC7-9A96397448C0}" type="datetimeFigureOut">
               <a:rPr lang="nl-BE" smtClean="0"/>
-              <a:t>21/06/2021</a:t>
+              <a:t>23/06/2021</a:t>
             </a:fld>
             <a:endParaRPr lang="nl-BE"/>
           </a:p>
@@ -5821,7 +5801,7 @@
           <a:p>
             <a:fld id="{C80E15A5-E95B-43EB-9AC7-9A96397448C0}" type="datetimeFigureOut">
               <a:rPr lang="nl-BE" smtClean="0"/>
-              <a:t>21/06/2021</a:t>
+              <a:t>23/06/2021</a:t>
             </a:fld>
             <a:endParaRPr lang="nl-BE"/>
           </a:p>
@@ -6067,7 +6047,7 @@
           <a:p>
             <a:fld id="{C80E15A5-E95B-43EB-9AC7-9A96397448C0}" type="datetimeFigureOut">
               <a:rPr lang="nl-BE" smtClean="0"/>
-              <a:t>21/06/2021</a:t>
+              <a:t>23/06/2021</a:t>
             </a:fld>
             <a:endParaRPr lang="nl-BE"/>
           </a:p>
@@ -6299,7 +6279,7 @@
           <a:p>
             <a:fld id="{C80E15A5-E95B-43EB-9AC7-9A96397448C0}" type="datetimeFigureOut">
               <a:rPr lang="nl-BE" smtClean="0"/>
-              <a:t>21/06/2021</a:t>
+              <a:t>23/06/2021</a:t>
             </a:fld>
             <a:endParaRPr lang="nl-BE"/>
           </a:p>
@@ -6666,7 +6646,7 @@
           <a:p>
             <a:fld id="{C80E15A5-E95B-43EB-9AC7-9A96397448C0}" type="datetimeFigureOut">
               <a:rPr lang="nl-BE" smtClean="0"/>
-              <a:t>21/06/2021</a:t>
+              <a:t>23/06/2021</a:t>
             </a:fld>
             <a:endParaRPr lang="nl-BE"/>
           </a:p>
@@ -6784,7 +6764,7 @@
           <a:p>
             <a:fld id="{C80E15A5-E95B-43EB-9AC7-9A96397448C0}" type="datetimeFigureOut">
               <a:rPr lang="nl-BE" smtClean="0"/>
-              <a:t>21/06/2021</a:t>
+              <a:t>23/06/2021</a:t>
             </a:fld>
             <a:endParaRPr lang="nl-BE"/>
           </a:p>
@@ -6879,7 +6859,7 @@
           <a:p>
             <a:fld id="{C80E15A5-E95B-43EB-9AC7-9A96397448C0}" type="datetimeFigureOut">
               <a:rPr lang="nl-BE" smtClean="0"/>
-              <a:t>21/06/2021</a:t>
+              <a:t>23/06/2021</a:t>
             </a:fld>
             <a:endParaRPr lang="nl-BE"/>
           </a:p>
@@ -7156,7 +7136,7 @@
           <a:p>
             <a:fld id="{C80E15A5-E95B-43EB-9AC7-9A96397448C0}" type="datetimeFigureOut">
               <a:rPr lang="nl-BE" smtClean="0"/>
-              <a:t>21/06/2021</a:t>
+              <a:t>23/06/2021</a:t>
             </a:fld>
             <a:endParaRPr lang="nl-BE"/>
           </a:p>
@@ -7409,7 +7389,7 @@
           <a:p>
             <a:fld id="{C80E15A5-E95B-43EB-9AC7-9A96397448C0}" type="datetimeFigureOut">
               <a:rPr lang="nl-BE" smtClean="0"/>
-              <a:t>21/06/2021</a:t>
+              <a:t>23/06/2021</a:t>
             </a:fld>
             <a:endParaRPr lang="nl-BE"/>
           </a:p>
@@ -7622,7 +7602,7 @@
           <a:p>
             <a:fld id="{C80E15A5-E95B-43EB-9AC7-9A96397448C0}" type="datetimeFigureOut">
               <a:rPr lang="nl-BE" smtClean="0"/>
-              <a:t>21/06/2021</a:t>
+              <a:t>23/06/2021</a:t>
             </a:fld>
             <a:endParaRPr lang="nl-BE"/>
           </a:p>
@@ -8032,7 +8012,7 @@
           <p:cNvPr id="2" name="Título 1">
             <a:extLst>
               <a:ext uri="{FF2B5EF4-FFF2-40B4-BE49-F238E27FC236}">
-                <a16:creationId xmlns:a16="http://schemas.microsoft.com/office/drawing/2014/main" xmlns="" id="{32666AC8-2E17-4DB4-B0F5-60C640CCFD2E}"/>
+                <a16:creationId xmlns="" xmlns:a16="http://schemas.microsoft.com/office/drawing/2014/main" id="{32666AC8-2E17-4DB4-B0F5-60C640CCFD2E}"/>
               </a:ext>
             </a:extLst>
           </p:cNvPr>
@@ -8087,7 +8067,7 @@
           <p:cNvPr id="4" name="CaixaDeTexto 3">
             <a:extLst>
               <a:ext uri="{FF2B5EF4-FFF2-40B4-BE49-F238E27FC236}">
-                <a16:creationId xmlns:a16="http://schemas.microsoft.com/office/drawing/2014/main" xmlns="" id="{430EB894-B7D4-434C-9D1A-A14094D9BEEC}"/>
+                <a16:creationId xmlns="" xmlns:a16="http://schemas.microsoft.com/office/drawing/2014/main" id="{430EB894-B7D4-434C-9D1A-A14094D9BEEC}"/>
               </a:ext>
             </a:extLst>
           </p:cNvPr>
@@ -8128,7 +8108,7 @@
           <p:cNvPr id="1026" name="Picture 2" descr="Logo">
             <a:extLst>
               <a:ext uri="{FF2B5EF4-FFF2-40B4-BE49-F238E27FC236}">
-                <a16:creationId xmlns:a16="http://schemas.microsoft.com/office/drawing/2014/main" xmlns="" id="{3F2642E0-4F6A-4196-8F58-E77D36E9A33F}"/>
+                <a16:creationId xmlns="" xmlns:a16="http://schemas.microsoft.com/office/drawing/2014/main" id="{3F2642E0-4F6A-4196-8F58-E77D36E9A33F}"/>
               </a:ext>
             </a:extLst>
           </p:cNvPr>
@@ -8173,7 +8153,7 @@
           <p:cNvPr id="5122" name="Picture 2" descr="Image result for machine learning">
             <a:extLst>
               <a:ext uri="{FF2B5EF4-FFF2-40B4-BE49-F238E27FC236}">
-                <a16:creationId xmlns:a16="http://schemas.microsoft.com/office/drawing/2014/main" xmlns="" id="{810CE0A2-4102-44A6-A370-175E7896CDCB}"/>
+                <a16:creationId xmlns="" xmlns:a16="http://schemas.microsoft.com/office/drawing/2014/main" id="{810CE0A2-4102-44A6-A370-175E7896CDCB}"/>
               </a:ext>
             </a:extLst>
           </p:cNvPr>
@@ -8265,8 +8245,8 @@
           </a:p>
         </p:txBody>
       </p:sp>
-      <mc:AlternateContent xmlns:mc="http://schemas.openxmlformats.org/markup-compatibility/2006">
-        <mc:Choice xmlns:a14="http://schemas.microsoft.com/office/drawing/2010/main" Requires="a14">
+      <mc:AlternateContent xmlns:mc="http://schemas.openxmlformats.org/markup-compatibility/2006" xmlns:a14="http://schemas.microsoft.com/office/drawing/2010/main">
+        <mc:Choice Requires="a14">
           <p:sp>
             <p:nvSpPr>
               <p:cNvPr id="3" name="Content Placeholder 2"/>
@@ -8754,12 +8734,11 @@
                   <a:rPr lang="pt-BR" dirty="0" smtClean="0"/>
                   <a:t>.</a:t>
                 </a:r>
-                <a:endParaRPr lang="pt-BR" dirty="0" smtClean="0"/>
               </a:p>
             </p:txBody>
           </p:sp>
         </mc:Choice>
-        <mc:Fallback>
+        <mc:Fallback xmlns="">
           <p:sp>
             <p:nvSpPr>
               <p:cNvPr id="3" name="Content Placeholder 2"/>
@@ -8867,8 +8846,8 @@
           </a:extLst>
         </p:spPr>
       </p:pic>
-      <mc:AlternateContent xmlns:mc="http://schemas.openxmlformats.org/markup-compatibility/2006">
-        <mc:Choice xmlns:a14="http://schemas.microsoft.com/office/drawing/2010/main" Requires="a14">
+      <mc:AlternateContent xmlns:mc="http://schemas.openxmlformats.org/markup-compatibility/2006" xmlns:a14="http://schemas.microsoft.com/office/drawing/2010/main">
+        <mc:Choice Requires="a14">
           <p:sp>
             <p:nvSpPr>
               <p:cNvPr id="6" name="Rectangle 5"/>
@@ -8916,7 +8895,7 @@
             </p:txBody>
           </p:sp>
         </mc:Choice>
-        <mc:Fallback>
+        <mc:Fallback xmlns="">
           <p:sp>
             <p:nvSpPr>
               <p:cNvPr id="6" name="Rectangle 5"/>
@@ -9015,8 +8994,8 @@
           </a:p>
         </p:txBody>
       </p:sp>
-      <mc:AlternateContent xmlns:mc="http://schemas.openxmlformats.org/markup-compatibility/2006">
-        <mc:Choice xmlns:a14="http://schemas.microsoft.com/office/drawing/2010/main" Requires="a14">
+      <mc:AlternateContent xmlns:mc="http://schemas.openxmlformats.org/markup-compatibility/2006" xmlns:a14="http://schemas.microsoft.com/office/drawing/2010/main">
+        <mc:Choice Requires="a14">
           <p:sp>
             <p:nvSpPr>
               <p:cNvPr id="3" name="Content Placeholder 2"/>
@@ -9095,11 +9074,7 @@
                 </a:r>
                 <a:r>
                   <a:rPr lang="pt-BR" b="1" i="1" dirty="0" smtClean="0"/>
-                  <a:t>automática de </a:t>
-                </a:r>
-                <a:r>
-                  <a:rPr lang="pt-BR" b="1" i="1" dirty="0" smtClean="0"/>
-                  <a:t>atributos</a:t>
+                  <a:t>automática de atributos</a:t>
                 </a:r>
                 <a:r>
                   <a:rPr lang="pt-BR" dirty="0" smtClean="0"/>
@@ -9127,11 +9102,7 @@
                 </a:r>
                 <a:r>
                   <a:rPr lang="pt-BR" dirty="0" smtClean="0"/>
-                  <a:t>houverem </a:t>
-                </a:r>
-                <a:r>
-                  <a:rPr lang="pt-BR" dirty="0" smtClean="0"/>
-                  <a:t>atributos fortemente correlacionados</a:t>
+                  <a:t>houverem atributos fortemente correlacionados</a:t>
                 </a:r>
                 <a:r>
                   <a:rPr lang="pt-BR" dirty="0"/>
@@ -9192,22 +9163,14 @@
                 </a:r>
                 <a:r>
                   <a:rPr lang="pt-BR" dirty="0" smtClean="0"/>
-                  <a:t>L2 é uma boa </a:t>
-                </a:r>
-                <a:r>
-                  <a:rPr lang="pt-BR" dirty="0" smtClean="0"/>
-                  <a:t>escolha inicial </a:t>
-                </a:r>
-                <a:r>
-                  <a:rPr lang="pt-BR" dirty="0" smtClean="0"/>
-                  <a:t>para esse parâmetro.</a:t>
+                  <a:t>L2 é uma boa escolha inicial para esse parâmetro.</a:t>
                 </a:r>
                 <a:endParaRPr lang="pt-BR" dirty="0"/>
               </a:p>
             </p:txBody>
           </p:sp>
         </mc:Choice>
-        <mc:Fallback>
+        <mc:Fallback xmlns="">
           <p:sp>
             <p:nvSpPr>
               <p:cNvPr id="3" name="Content Placeholder 2"/>
@@ -9381,15 +9344,7 @@
             </a:r>
             <a:r>
               <a:rPr lang="pt-BR" dirty="0" smtClean="0"/>
-              <a:t>crescer s</a:t>
-            </a:r>
-            <a:r>
-              <a:rPr lang="pt-BR" dirty="0" smtClean="0"/>
-              <a:t>istematicamente</a:t>
-            </a:r>
-            <a:r>
-              <a:rPr lang="pt-BR" dirty="0" smtClean="0"/>
-              <a:t>.</a:t>
+              <a:t>crescer sistematicamente.</a:t>
             </a:r>
             <a:endParaRPr lang="pt-BR" dirty="0"/>
           </a:p>
@@ -9597,7 +9552,6 @@
               <a:rPr lang="pt-BR" dirty="0"/>
               <a:t>Early-stop: Exemplo</a:t>
             </a:r>
-            <a:endParaRPr lang="pt-BR" dirty="0"/>
           </a:p>
         </p:txBody>
       </p:sp>
@@ -9882,8 +9836,8 @@
           </a:prstGeom>
         </p:spPr>
       </p:pic>
-      <mc:AlternateContent xmlns:mc="http://schemas.openxmlformats.org/markup-compatibility/2006">
-        <mc:Choice xmlns:a14="http://schemas.microsoft.com/office/drawing/2010/main" Requires="a14">
+      <mc:AlternateContent xmlns:mc="http://schemas.openxmlformats.org/markup-compatibility/2006" xmlns:a14="http://schemas.microsoft.com/office/drawing/2010/main">
+        <mc:Choice Requires="a14">
           <p:sp>
             <p:nvSpPr>
               <p:cNvPr id="5" name="TextBox 4"/>
@@ -9906,6 +9860,7 @@
               </a:bodyPr>
               <a:lstStyle/>
               <a:p>
+                <a:pPr/>
                 <a14:m>
                   <m:oMathPara xmlns:m="http://schemas.openxmlformats.org/officeDocument/2006/math">
                     <m:oMathParaPr>
@@ -10009,6 +9964,7 @@
                 </a:endParaRPr>
               </a:p>
               <a:p>
+                <a:pPr/>
                 <a14:m>
                   <m:oMathPara xmlns:m="http://schemas.openxmlformats.org/officeDocument/2006/math">
                     <m:oMathParaPr>
@@ -10120,7 +10076,7 @@
             </p:txBody>
           </p:sp>
         </mc:Choice>
-        <mc:Fallback>
+        <mc:Fallback xmlns="">
           <p:sp>
             <p:nvSpPr>
               <p:cNvPr id="5" name="TextBox 4"/>
@@ -10375,7 +10331,7 @@
           <p:cNvPr id="4" name="Título 1">
             <a:extLst>
               <a:ext uri="{FF2B5EF4-FFF2-40B4-BE49-F238E27FC236}">
-                <a16:creationId xmlns:a16="http://schemas.microsoft.com/office/drawing/2014/main" xmlns="" id="{32666AC8-2E17-4DB4-B0F5-60C640CCFD2E}"/>
+                <a16:creationId xmlns="" xmlns:a16="http://schemas.microsoft.com/office/drawing/2014/main" id="{32666AC8-2E17-4DB4-B0F5-60C640CCFD2E}"/>
               </a:ext>
             </a:extLst>
           </p:cNvPr>
@@ -10819,11 +10775,7 @@
           <a:p>
             <a:r>
               <a:rPr lang="pt-BR" dirty="0" smtClean="0"/>
-              <a:t>Anteriormente, vimos </a:t>
-            </a:r>
-            <a:r>
-              <a:rPr lang="pt-BR" dirty="0" smtClean="0"/>
-              <a:t>como selecionar o melhor modelo de regressão utilizando as técnicas de validação cruzada: holdout, k-Fold e leave-P-out.</a:t>
+              <a:t>Anteriormente, vimos como selecionar o melhor modelo de regressão utilizando as técnicas de validação cruzada: holdout, k-Fold e leave-P-out.</a:t>
             </a:r>
           </a:p>
           <a:p>
@@ -11042,7 +10994,33 @@
             </a:r>
             <a:r>
               <a:rPr lang="pt-BR" dirty="0" smtClean="0"/>
-              <a:t> complexas</a:t>
+              <a:t> complexas.</a:t>
+            </a:r>
+          </a:p>
+          <a:p>
+            <a:r>
+              <a:rPr lang="pt-BR" dirty="0"/>
+              <a:t>Técnicas de </a:t>
+            </a:r>
+            <a:r>
+              <a:rPr lang="pt-BR" b="1" i="1" dirty="0"/>
+              <a:t>regularização</a:t>
+            </a:r>
+            <a:r>
+              <a:rPr lang="pt-BR" dirty="0"/>
+              <a:t> podem reduzir o risco de </a:t>
+            </a:r>
+            <a:r>
+              <a:rPr lang="pt-BR" b="1" i="1" dirty="0"/>
+              <a:t>sobreajuste</a:t>
+            </a:r>
+            <a:r>
+              <a:rPr lang="pt-BR" dirty="0"/>
+              <a:t> do modelo ao conjunto de treinamento, aumentando sua capacidade de </a:t>
+            </a:r>
+            <a:r>
+              <a:rPr lang="pt-BR" b="1" i="1" dirty="0"/>
+              <a:t>generalização</a:t>
             </a:r>
             <a:r>
               <a:rPr lang="pt-BR" dirty="0" smtClean="0"/>
@@ -11051,36 +11029,6 @@
           </a:p>
           <a:p>
             <a:r>
-              <a:rPr lang="pt-BR" dirty="0"/>
-              <a:t>Técnicas de </a:t>
-            </a:r>
-            <a:r>
-              <a:rPr lang="pt-BR" b="1" i="1" dirty="0"/>
-              <a:t>regularização</a:t>
-            </a:r>
-            <a:r>
-              <a:rPr lang="pt-BR" dirty="0"/>
-              <a:t> podem reduzir o risco de </a:t>
-            </a:r>
-            <a:r>
-              <a:rPr lang="pt-BR" b="1" i="1" dirty="0"/>
-              <a:t>sobreajuste</a:t>
-            </a:r>
-            <a:r>
-              <a:rPr lang="pt-BR" dirty="0"/>
-              <a:t> do modelo ao conjunto de treinamento, aumentando sua capacidade de </a:t>
-            </a:r>
-            <a:r>
-              <a:rPr lang="pt-BR" b="1" i="1" dirty="0"/>
-              <a:t>generalização</a:t>
-            </a:r>
-            <a:r>
-              <a:rPr lang="pt-BR" dirty="0" smtClean="0"/>
-              <a:t>.</a:t>
-            </a:r>
-          </a:p>
-          <a:p>
-            <a:r>
               <a:rPr lang="pt-BR" dirty="0" smtClean="0"/>
               <a:t>O </a:t>
             </a:r>
@@ -11120,16 +11068,11 @@
               <a:rPr lang="pt-BR" dirty="0" smtClean="0"/>
               <a:t>treinamento.</a:t>
             </a:r>
-            <a:endParaRPr lang="pt-BR" dirty="0" smtClean="0"/>
           </a:p>
           <a:p>
             <a:r>
               <a:rPr lang="pt-BR" dirty="0" smtClean="0"/>
-              <a:t>As principais técnicas </a:t>
-            </a:r>
-            <a:r>
-              <a:rPr lang="pt-BR" dirty="0" smtClean="0"/>
-              <a:t>de </a:t>
+              <a:t>As principais técnicas de </a:t>
             </a:r>
             <a:r>
               <a:rPr lang="pt-BR" b="1" i="1" dirty="0" smtClean="0"/>
@@ -11137,11 +11080,7 @@
             </a:r>
             <a:r>
               <a:rPr lang="pt-BR" dirty="0" smtClean="0"/>
-              <a:t> </a:t>
-            </a:r>
-            <a:r>
-              <a:rPr lang="pt-BR" dirty="0" smtClean="0"/>
-              <a:t>são</a:t>
+              <a:t> são</a:t>
             </a:r>
             <a:r>
               <a:rPr lang="pt-BR" dirty="0"/>
@@ -11163,7 +11102,6 @@
               <a:rPr lang="it-IT" dirty="0" smtClean="0"/>
               <a:t>.</a:t>
             </a:r>
-            <a:endParaRPr lang="it-IT" dirty="0" smtClean="0"/>
           </a:p>
         </p:txBody>
       </p:sp>
@@ -11231,8 +11169,8 @@
           </a:p>
         </p:txBody>
       </p:sp>
-      <mc:AlternateContent xmlns:mc="http://schemas.openxmlformats.org/markup-compatibility/2006">
-        <mc:Choice xmlns:a14="http://schemas.microsoft.com/office/drawing/2010/main" Requires="a14">
+      <mc:AlternateContent xmlns:mc="http://schemas.openxmlformats.org/markup-compatibility/2006" xmlns:a14="http://schemas.microsoft.com/office/drawing/2010/main">
+        <mc:Choice Requires="a14">
           <p:sp>
             <p:nvSpPr>
               <p:cNvPr id="3" name="Content Placeholder 2"/>
@@ -11257,23 +11195,7 @@
               <a:p>
                 <a:r>
                   <a:rPr lang="pt-BR" dirty="0"/>
-                  <a:t>Ao </a:t>
-                </a:r>
-                <a:r>
-                  <a:rPr lang="pt-BR" dirty="0"/>
-                  <a:t>invés de </a:t>
-                </a:r>
-                <a:r>
-                  <a:rPr lang="pt-BR" dirty="0"/>
-                  <a:t>minimizarmos </a:t>
-                </a:r>
-                <a:r>
-                  <a:rPr lang="pt-BR" dirty="0"/>
-                  <a:t>apenas o erro quadrático médio, como fizemos antes, </a:t>
-                </a:r>
-                <a:r>
-                  <a:rPr lang="pt-BR" dirty="0"/>
-                  <a:t>introduzimos um</a:t>
+                  <a:t>Ao invés de minimizarmos apenas o erro quadrático médio, como fizemos antes, introduzimos um</a:t>
                 </a:r>
                 <a:r>
                   <a:rPr lang="pt-BR" b="1" dirty="0"/>
@@ -11293,21 +11215,8 @@
                 </a:r>
                 <a:r>
                   <a:rPr lang="pt-BR" dirty="0"/>
-                  <a:t> (ou seja, </a:t>
-                </a:r>
-                <a:r>
-                  <a:rPr lang="pt-BR" dirty="0"/>
-                  <a:t>a norma </a:t>
-                </a:r>
-                <a:r>
-                  <a:rPr lang="pt-BR" dirty="0"/>
-                  <a:t>L2) do vetor de </a:t>
-                </a:r>
-                <a:r>
-                  <a:rPr lang="pt-BR" dirty="0"/>
-                  <a:t>pesos:</a:t>
-                </a:r>
-                <a:endParaRPr lang="pt-BR" dirty="0"/>
+                  <a:t> (ou seja, a norma L2) do vetor de pesos:</a:t>
+                </a:r>
               </a:p>
               <a:p>
                 <a:pPr marL="0" indent="0" algn="ctr">
@@ -11688,14 +11597,7 @@
                         <a:latin typeface="Cambria Math" panose="02040503050406030204" pitchFamily="18" charset="0"/>
                         <a:ea typeface="Cambria Math" panose="02040503050406030204" pitchFamily="18" charset="0"/>
                       </a:rPr>
-                      <m:t>≥0</m:t>
-                    </m:r>
-                    <m:r>
-                      <a:rPr lang="pt-BR" i="1">
-                        <a:latin typeface="Cambria Math" panose="02040503050406030204" pitchFamily="18" charset="0"/>
-                        <a:ea typeface="Cambria Math" panose="02040503050406030204" pitchFamily="18" charset="0"/>
-                      </a:rPr>
-                      <m:t> </m:t>
+                      <m:t>≥0 </m:t>
                     </m:r>
                   </m:oMath>
                 </a14:m>
@@ -11705,11 +11607,7 @@
                 </a:r>
                 <a:r>
                   <a:rPr lang="pt-BR" b="1" i="1" dirty="0"/>
-                  <a:t>fator </a:t>
-                </a:r>
-                <a:r>
-                  <a:rPr lang="pt-BR" b="1" i="1" dirty="0"/>
-                  <a:t>de </a:t>
+                  <a:t>fator de </a:t>
                 </a:r>
                 <a:r>
                   <a:rPr lang="pt-BR" b="1" i="1" dirty="0" smtClean="0"/>
@@ -12134,15 +12032,7 @@
                 </a14:m>
                 <a:r>
                   <a:rPr lang="pt-BR" dirty="0"/>
-                  <a:t> não é </a:t>
-                </a:r>
-                <a:r>
-                  <a:rPr lang="pt-BR" dirty="0"/>
-                  <a:t>considerado no </a:t>
-                </a:r>
-                <a:r>
-                  <a:rPr lang="pt-BR" dirty="0"/>
-                  <a:t>cálculo </a:t>
+                  <a:t> não é considerado no cálculo </a:t>
                 </a:r>
                 <a:r>
                   <a:rPr lang="pt-BR" dirty="0" smtClean="0"/>
@@ -12199,15 +12089,7 @@
                 </a14:m>
                 <a:r>
                   <a:rPr lang="pt-BR" dirty="0"/>
-                  <a:t> apenas </a:t>
-                </a:r>
-                <a:r>
-                  <a:rPr lang="pt-BR" dirty="0"/>
-                  <a:t>dita o deslocamento em </a:t>
-                </a:r>
-                <a:r>
-                  <a:rPr lang="pt-BR" dirty="0"/>
-                  <a:t>relação ao eixo </a:t>
+                  <a:t> apenas dita o deslocamento em relação ao eixo </a:t>
                 </a:r>
                 <a14:m>
                   <m:oMath xmlns:m="http://schemas.openxmlformats.org/officeDocument/2006/math">
@@ -12227,7 +12109,7 @@
             </p:txBody>
           </p:sp>
         </mc:Choice>
-        <mc:Fallback>
+        <mc:Fallback xmlns="">
           <p:sp>
             <p:nvSpPr>
               <p:cNvPr id="3" name="Content Placeholder 2"/>
@@ -12349,8 +12231,8 @@
           </a:fontRef>
         </p:style>
       </p:cxnSp>
-      <mc:AlternateContent xmlns:mc="http://schemas.openxmlformats.org/markup-compatibility/2006">
-        <mc:Choice xmlns:a14="http://schemas.microsoft.com/office/drawing/2010/main" Requires="a14">
+      <mc:AlternateContent xmlns:mc="http://schemas.openxmlformats.org/markup-compatibility/2006" xmlns:a14="http://schemas.microsoft.com/office/drawing/2010/main">
+        <mc:Choice Requires="a14">
           <p:sp>
             <p:nvSpPr>
               <p:cNvPr id="14" name="TextBox 13"/>
@@ -12666,14 +12548,7 @@
                         <a:latin typeface="Cambria Math" panose="02040503050406030204" pitchFamily="18" charset="0"/>
                         <a:ea typeface="Cambria Math" panose="02040503050406030204" pitchFamily="18" charset="0"/>
                       </a:rPr>
-                      <m:t>→</m:t>
-                    </m:r>
-                    <m:r>
-                      <a:rPr lang="pt-BR" sz="1400" i="1">
-                        <a:latin typeface="Cambria Math" panose="02040503050406030204" pitchFamily="18" charset="0"/>
-                        <a:ea typeface="Cambria Math" panose="02040503050406030204" pitchFamily="18" charset="0"/>
-                      </a:rPr>
-                      <m:t>∞</m:t>
+                      <m:t>→∞</m:t>
                     </m:r>
                   </m:oMath>
                 </a14:m>
@@ -12686,7 +12561,7 @@
             </p:txBody>
           </p:sp>
         </mc:Choice>
-        <mc:Fallback>
+        <mc:Fallback xmlns="">
           <p:sp>
             <p:nvSpPr>
               <p:cNvPr id="14" name="TextBox 13"/>
@@ -12861,8 +12736,8 @@
           </a:p>
         </p:txBody>
       </p:sp>
-      <mc:AlternateContent xmlns:mc="http://schemas.openxmlformats.org/markup-compatibility/2006">
-        <mc:Choice xmlns:a14="http://schemas.microsoft.com/office/drawing/2010/main" Requires="a14">
+      <mc:AlternateContent xmlns:mc="http://schemas.openxmlformats.org/markup-compatibility/2006" xmlns:a14="http://schemas.microsoft.com/office/drawing/2010/main">
+        <mc:Choice Requires="a14">
           <p:sp>
             <p:nvSpPr>
               <p:cNvPr id="3" name="Content Placeholder 2"/>
@@ -13048,11 +12923,7 @@
               <a:p>
                 <a:r>
                   <a:rPr lang="pt-BR" dirty="0" smtClean="0"/>
-                  <a:t>Desta forma, </a:t>
-                </a:r>
-                <a:r>
-                  <a:rPr lang="pt-BR" dirty="0" smtClean="0"/>
-                  <a:t>encontramos </a:t>
+                  <a:t>Desta forma, encontramos </a:t>
                 </a:r>
                 <a:r>
                   <a:rPr lang="pt-BR" dirty="0"/>
@@ -13859,7 +13730,7 @@
             </p:txBody>
           </p:sp>
         </mc:Choice>
-        <mc:Fallback>
+        <mc:Fallback xmlns="">
           <p:sp>
             <p:nvSpPr>
               <p:cNvPr id="3" name="Content Placeholder 2"/>
@@ -14051,8 +13922,8 @@
           </a:p>
         </p:txBody>
       </p:sp>
-      <mc:AlternateContent xmlns:mc="http://schemas.openxmlformats.org/markup-compatibility/2006">
-        <mc:Choice xmlns:a14="http://schemas.microsoft.com/office/drawing/2010/main" Requires="a14">
+      <mc:AlternateContent xmlns:mc="http://schemas.openxmlformats.org/markup-compatibility/2006" xmlns:a14="http://schemas.microsoft.com/office/drawing/2010/main">
+        <mc:Choice Requires="a14">
           <p:sp>
             <p:nvSpPr>
               <p:cNvPr id="11" name="Content Placeholder 2"/>
@@ -14292,15 +14163,7 @@
                 </a:r>
                 <a:r>
                   <a:rPr lang="pt-BR" dirty="0" smtClean="0"/>
-                  <a:t>se torna uma </a:t>
-                </a:r>
-                <a:r>
-                  <a:rPr lang="pt-BR" dirty="0" smtClean="0"/>
-                  <a:t>regressão </a:t>
-                </a:r>
-                <a:r>
-                  <a:rPr lang="pt-BR" dirty="0" smtClean="0"/>
-                  <a:t>polinomial sem regularização.</a:t>
+                  <a:t>se torna uma regressão polinomial sem regularização.</a:t>
                 </a:r>
                 <a:endParaRPr lang="pt-BR" dirty="0"/>
               </a:p>
@@ -14457,15 +14320,7 @@
                 </a:r>
                 <a:r>
                   <a:rPr lang="pt-BR" dirty="0"/>
-                  <a:t>norma </a:t>
-                </a:r>
-                <a:r>
-                  <a:rPr lang="pt-BR" dirty="0"/>
-                  <a:t>L2 do </a:t>
-                </a:r>
-                <a:r>
-                  <a:rPr lang="pt-BR" dirty="0"/>
-                  <a:t>vetor de </a:t>
+                  <a:t>norma L2 do vetor de </a:t>
                 </a:r>
                 <a:r>
                   <a:rPr lang="pt-BR" dirty="0" smtClean="0"/>
@@ -14497,7 +14352,7 @@
             </p:txBody>
           </p:sp>
         </mc:Choice>
-        <mc:Fallback>
+        <mc:Fallback xmlns="">
           <p:sp>
             <p:nvSpPr>
               <p:cNvPr id="11" name="Content Placeholder 2"/>
@@ -14777,8 +14632,8 @@
           </a:prstGeom>
         </p:spPr>
       </p:pic>
-      <mc:AlternateContent xmlns:mc="http://schemas.openxmlformats.org/markup-compatibility/2006">
-        <mc:Choice xmlns:a14="http://schemas.microsoft.com/office/drawing/2010/main" Requires="a14">
+      <mc:AlternateContent xmlns:mc="http://schemas.openxmlformats.org/markup-compatibility/2006" xmlns:a14="http://schemas.microsoft.com/office/drawing/2010/main">
+        <mc:Choice Requires="a14">
           <p:sp>
             <p:nvSpPr>
               <p:cNvPr id="10" name="Rectangle 9"/>
@@ -14825,7 +14680,7 @@
             </p:txBody>
           </p:sp>
         </mc:Choice>
-        <mc:Fallback>
+        <mc:Fallback xmlns="">
           <p:sp>
             <p:nvSpPr>
               <p:cNvPr id="10" name="Rectangle 9"/>
@@ -14928,8 +14783,8 @@
           </a:p>
         </p:txBody>
       </p:sp>
-      <mc:AlternateContent xmlns:mc="http://schemas.openxmlformats.org/markup-compatibility/2006">
-        <mc:Choice xmlns:a14="http://schemas.microsoft.com/office/drawing/2010/main" Requires="a14">
+      <mc:AlternateContent xmlns:mc="http://schemas.openxmlformats.org/markup-compatibility/2006" xmlns:a14="http://schemas.microsoft.com/office/drawing/2010/main">
+        <mc:Choice Requires="a14">
           <p:sp>
             <p:nvSpPr>
               <p:cNvPr id="3" name="Content Placeholder 2"/>
@@ -15739,7 +15594,7 @@
             </p:txBody>
           </p:sp>
         </mc:Choice>
-        <mc:Fallback>
+        <mc:Fallback xmlns="">
           <p:sp>
             <p:nvSpPr>
               <p:cNvPr id="3" name="Content Placeholder 2"/>
@@ -15981,11 +15836,7 @@
               <a:p>
                 <a:r>
                   <a:rPr lang="pt-BR" dirty="0" smtClean="0"/>
-                  <a:t>A </a:t>
-                </a:r>
-                <a:r>
-                  <a:rPr lang="pt-BR" dirty="0" smtClean="0"/>
-                  <a:t>regularização com </a:t>
+                  <a:t>A regularização com </a:t>
                 </a:r>
                 <a:r>
                   <a:rPr lang="pt-BR" b="1" i="1" dirty="0" smtClean="0"/>
@@ -16007,11 +15858,7 @@
               <a:p>
                 <a:r>
                   <a:rPr lang="pt-BR" dirty="0" smtClean="0"/>
-                  <a:t>Ou seja, </a:t>
-                </a:r>
-                <a:r>
-                  <a:rPr lang="pt-BR" dirty="0" smtClean="0"/>
-                  <a:t>vários </a:t>
+                  <a:t>Ou seja, vários </a:t>
                 </a:r>
                 <a:r>
                   <a:rPr lang="pt-BR" dirty="0"/>
@@ -16031,15 +15878,7 @@
                 </a:r>
                 <a:r>
                   <a:rPr lang="pt-BR" dirty="0" smtClean="0"/>
-                  <a:t>, </a:t>
-                </a:r>
-                <a:r>
-                  <a:rPr lang="pt-BR" dirty="0" smtClean="0"/>
-                  <a:t>indicando que </a:t>
-                </a:r>
-                <a:r>
-                  <a:rPr lang="pt-BR" dirty="0" smtClean="0"/>
-                  <a:t>os pesos correspondentes são irrelevantes. </a:t>
+                  <a:t>, indicando que os pesos correspondentes são irrelevantes. </a:t>
                 </a:r>
               </a:p>
               <a:p>
@@ -16053,19 +15892,23 @@
                 </a:r>
                 <a:r>
                   <a:rPr lang="pt-BR" b="1" i="1" dirty="0"/>
-                  <a:t>seleção </a:t>
-                </a:r>
-                <a:r>
-                  <a:rPr lang="pt-BR" b="1" i="1" dirty="0"/>
-                  <a:t>automática de </a:t>
-                </a:r>
-                <a:r>
-                  <a:rPr lang="pt-BR" b="1" i="1" dirty="0"/>
-                  <a:t>variáveis</a:t>
+                  <a:t>seleção automática </a:t>
+                </a:r>
+                <a:r>
+                  <a:rPr lang="pt-BR" b="1" i="1"/>
+                  <a:t>de </a:t>
+                </a:r>
+                <a:r>
+                  <a:rPr lang="pt-BR" b="1" i="1" smtClean="0"/>
+                  <a:t>atributos</a:t>
+                </a:r>
+                <a:r>
+                  <a:rPr lang="pt-BR" smtClean="0"/>
+                  <a:t>, </a:t>
                 </a:r>
                 <a:r>
                   <a:rPr lang="pt-BR" dirty="0"/>
-                  <a:t>, e leva a </a:t>
+                  <a:t>e leva a </a:t>
                 </a:r>
                 <a:r>
                   <a:rPr lang="pt-BR" b="1" i="1" dirty="0"/>
@@ -16610,12 +16453,11 @@
               <a:rPr lang="pt-BR" dirty="0"/>
               <a:t>Vantagem do LASSO sobre Ridge</a:t>
             </a:r>
-            <a:endParaRPr lang="pt-BR" dirty="0"/>
           </a:p>
         </p:txBody>
       </p:sp>
-      <mc:AlternateContent xmlns:mc="http://schemas.openxmlformats.org/markup-compatibility/2006">
-        <mc:Choice xmlns:a14="http://schemas.microsoft.com/office/drawing/2010/main" Requires="a14">
+      <mc:AlternateContent xmlns:mc="http://schemas.openxmlformats.org/markup-compatibility/2006" xmlns:a14="http://schemas.microsoft.com/office/drawing/2010/main">
+        <mc:Choice Requires="a14">
           <p:sp>
             <p:nvSpPr>
               <p:cNvPr id="8" name="Content Placeholder 2"/>
@@ -16679,11 +16521,7 @@
                 </a:r>
                 <a:r>
                   <a:rPr lang="pt-BR" dirty="0"/>
-                  <a:t>que as restrições </a:t>
-                </a:r>
-                <a:r>
-                  <a:rPr lang="pt-BR" dirty="0"/>
-                  <a:t>L1 (</a:t>
+                  <a:t>que as restrições L1 (</a:t>
                 </a:r>
                 <a:r>
                   <a:rPr lang="pt-BR" dirty="0" smtClean="0"/>
@@ -16799,11 +16637,53 @@
                 </a:r>
                 <a:r>
                   <a:rPr lang="pt-BR" dirty="0" smtClean="0"/>
-                  <a:t>), mais próximo </a:t>
-                </a:r>
+                  <a:t>), mais próximo do ponto de mínimo da função de erro.</a:t>
+                </a:r>
+              </a:p>
+              <a:p>
+                <a:pPr lvl="1">
+                  <a:buFont typeface="Wingdings" panose="05000000000000000000" pitchFamily="2" charset="2"/>
+                  <a:buChar char="§"/>
+                </a:pPr>
                 <a:r>
                   <a:rPr lang="pt-BR" dirty="0" smtClean="0"/>
-                  <a:t>do ponto de mínimo da função de erro.</a:t>
+                  <a:t>É fácil ver que para </a:t>
+                </a:r>
+                <a:r>
+                  <a:rPr lang="pt-BR" dirty="0"/>
+                  <a:t>uma posição arbitrária do </a:t>
+                </a:r>
+                <a:r>
+                  <a:rPr lang="pt-BR" dirty="0" smtClean="0"/>
+                  <a:t>mínimo, </a:t>
+                </a:r>
+                <a:r>
+                  <a:rPr lang="pt-BR" dirty="0"/>
+                  <a:t>será comum que um </a:t>
+                </a:r>
+                <a:r>
+                  <a:rPr lang="pt-BR" b="1" i="1" dirty="0"/>
+                  <a:t>canto</a:t>
+                </a:r>
+                <a:r>
+                  <a:rPr lang="pt-BR" dirty="0"/>
+                  <a:t> (ou </a:t>
+                </a:r>
+                <a:r>
+                  <a:rPr lang="pt-BR" dirty="0" smtClean="0"/>
+                  <a:t>ponta) do </a:t>
+                </a:r>
+                <a:r>
+                  <a:rPr lang="pt-BR" dirty="0"/>
+                  <a:t>quadrado </a:t>
+                </a:r>
+                <a:r>
+                  <a:rPr lang="pt-BR" dirty="0" smtClean="0"/>
+                  <a:t>seja o </a:t>
+                </a:r>
+                <a:r>
+                  <a:rPr lang="pt-BR" dirty="0"/>
+                  <a:t>ponto mais próximo do ponto de mínimo</a:t>
                 </a:r>
                 <a:endParaRPr lang="pt-BR" dirty="0" smtClean="0"/>
               </a:p>
@@ -16814,49 +16694,40 @@
                 </a:pPr>
                 <a:r>
                   <a:rPr lang="pt-BR" dirty="0" smtClean="0"/>
-                  <a:t>É fácil ver que para </a:t>
+                  <a:t>Os </a:t>
+                </a:r>
+                <a:r>
+                  <a:rPr lang="pt-BR" b="1" i="1" dirty="0" smtClean="0"/>
+                  <a:t>cantos</a:t>
+                </a:r>
+                <a:r>
+                  <a:rPr lang="pt-BR" dirty="0" smtClean="0"/>
+                  <a:t> na </a:t>
+                </a:r>
+                <a:r>
+                  <a:rPr lang="pt-BR" b="1" i="1" dirty="0"/>
+                  <a:t>região de factibilidade </a:t>
+                </a:r>
+                <a:r>
+                  <a:rPr lang="pt-BR" dirty="0" smtClean="0"/>
+                  <a:t>da restrição </a:t>
                 </a:r>
                 <a:r>
                   <a:rPr lang="pt-BR" dirty="0"/>
-                  <a:t>uma posição arbitrária do </a:t>
+                  <a:t>L1 </a:t>
                 </a:r>
                 <a:r>
                   <a:rPr lang="pt-BR" dirty="0" smtClean="0"/>
-                  <a:t>mínimo, </a:t>
+                  <a:t>aumenta </a:t>
                 </a:r>
                 <a:r>
                   <a:rPr lang="pt-BR" dirty="0"/>
-                  <a:t>será comum que um </a:t>
-                </a:r>
-                <a:r>
-                  <a:rPr lang="pt-BR" b="1" i="1" dirty="0"/>
-                  <a:t>canto</a:t>
-                </a:r>
-                <a:r>
-                  <a:rPr lang="pt-BR" dirty="0"/>
-                  <a:t> </a:t>
-                </a:r>
-                <a:r>
-                  <a:rPr lang="pt-BR" dirty="0"/>
-                  <a:t>(ou </a:t>
+                  <a:t>as chances de alguns pesos assumirem o valor </a:t>
                 </a:r>
                 <a:r>
                   <a:rPr lang="pt-BR" dirty="0" smtClean="0"/>
-                  <a:t>ponta) do </a:t>
-                </a:r>
-                <a:r>
-                  <a:rPr lang="pt-BR" dirty="0"/>
-                  <a:t>quadrado </a:t>
-                </a:r>
-                <a:r>
-                  <a:rPr lang="pt-BR" dirty="0" smtClean="0"/>
-                  <a:t>seja o </a:t>
-                </a:r>
-                <a:r>
-                  <a:rPr lang="pt-BR" dirty="0"/>
-                  <a:t>ponto mais próximo do ponto de mínimo</a:t>
-                </a:r>
-                <a:endParaRPr lang="pt-BR" dirty="0" smtClean="0"/>
+                  <a:t>zero. </a:t>
+                </a:r>
               </a:p>
               <a:p>
                 <a:pPr lvl="1">
@@ -16865,7 +16736,7 @@
                 </a:pPr>
                 <a:r>
                   <a:rPr lang="pt-BR" dirty="0" smtClean="0"/>
-                  <a:t>Os </a:t>
+                  <a:t>E claro, os </a:t>
                 </a:r>
                 <a:r>
                   <a:rPr lang="pt-BR" b="1" i="1" dirty="0" smtClean="0"/>
@@ -16873,63 +16744,13 @@
                 </a:r>
                 <a:r>
                   <a:rPr lang="pt-BR" dirty="0" smtClean="0"/>
-                  <a:t> na </a:t>
-                </a:r>
-                <a:r>
-                  <a:rPr lang="pt-BR" b="1" i="1" dirty="0"/>
-                  <a:t>região de factibilidade </a:t>
-                </a:r>
-                <a:r>
-                  <a:rPr lang="pt-BR" dirty="0" smtClean="0"/>
-                  <a:t>da restrição </a:t>
-                </a:r>
-                <a:r>
-                  <a:rPr lang="pt-BR" dirty="0"/>
-                  <a:t>L1 </a:t>
-                </a:r>
-                <a:r>
-                  <a:rPr lang="pt-BR" dirty="0" smtClean="0"/>
-                  <a:t>aumenta </a:t>
-                </a:r>
-                <a:r>
-                  <a:rPr lang="pt-BR" dirty="0"/>
-                  <a:t>as chances de alguns pesos assumirem o valor </a:t>
-                </a:r>
-                <a:r>
-                  <a:rPr lang="pt-BR" dirty="0" smtClean="0"/>
-                  <a:t>zero. </a:t>
-                </a:r>
-              </a:p>
-              <a:p>
-                <a:pPr lvl="1">
-                  <a:buFont typeface="Wingdings" panose="05000000000000000000" pitchFamily="2" charset="2"/>
-                  <a:buChar char="§"/>
-                </a:pPr>
-                <a:r>
-                  <a:rPr lang="pt-BR" dirty="0" smtClean="0"/>
-                  <a:t>E </a:t>
-                </a:r>
-                <a:r>
-                  <a:rPr lang="pt-BR" dirty="0" smtClean="0"/>
-                  <a:t>claro, os </a:t>
-                </a:r>
-                <a:r>
-                  <a:rPr lang="pt-BR" b="1" i="1" dirty="0" smtClean="0"/>
-                  <a:t>cantos</a:t>
-                </a:r>
-                <a:r>
-                  <a:rPr lang="pt-BR" dirty="0" smtClean="0"/>
-                  <a:t> são os pontos que possuem um valor igual a 0 em alguma das dimensões (i.e., pesos</a:t>
-                </a:r>
-                <a:r>
-                  <a:rPr lang="pt-BR" dirty="0" smtClean="0"/>
-                  <a:t>).</a:t>
+                  <a:t> são os pontos que possuem um valor igual a 0 em alguma das dimensões (i.e., pesos).</a:t>
                 </a:r>
               </a:p>
             </p:txBody>
           </p:sp>
         </mc:Choice>
-        <mc:Fallback>
+        <mc:Fallback xmlns="">
           <p:sp>
             <p:nvSpPr>
               <p:cNvPr id="8" name="Content Placeholder 2"/>
@@ -17027,8 +16848,8 @@
           </a:p>
         </p:txBody>
       </p:sp>
-      <mc:AlternateContent xmlns:mc="http://schemas.openxmlformats.org/markup-compatibility/2006">
-        <mc:Choice xmlns:a14="http://schemas.microsoft.com/office/drawing/2010/main" Requires="a14">
+      <mc:AlternateContent xmlns:mc="http://schemas.openxmlformats.org/markup-compatibility/2006" xmlns:a14="http://schemas.microsoft.com/office/drawing/2010/main">
+        <mc:Choice Requires="a14">
           <p:sp>
             <p:nvSpPr>
               <p:cNvPr id="4" name="TextBox 3"/>
@@ -17087,7 +16908,6 @@
                   <a:rPr lang="pt-BR" dirty="0" smtClean="0"/>
                   <a:t>. </a:t>
                 </a:r>
-                <a:endParaRPr lang="pt-BR" dirty="0" smtClean="0"/>
               </a:p>
               <a:p>
                 <a:pPr marL="285750" indent="-285750">
@@ -17096,18 +16916,14 @@
                 </a:pPr>
                 <a:r>
                   <a:rPr lang="pt-BR" dirty="0" smtClean="0"/>
-                  <a:t>A </a:t>
-                </a:r>
-                <a:r>
-                  <a:rPr lang="pt-BR" dirty="0" smtClean="0"/>
-                  <a:t>solução deve estar em algum lugar dentro do quadrado.</a:t>
+                  <a:t>A solução deve estar em algum lugar dentro do quadrado.</a:t>
                 </a:r>
                 <a:endParaRPr lang="pt-BR" dirty="0"/>
               </a:p>
             </p:txBody>
           </p:sp>
         </mc:Choice>
-        <mc:Fallback>
+        <mc:Fallback xmlns="">
           <p:sp>
             <p:nvSpPr>
               <p:cNvPr id="4" name="TextBox 3"/>
@@ -17146,8 +16962,8 @@
           </p:sp>
         </mc:Fallback>
       </mc:AlternateContent>
-      <mc:AlternateContent xmlns:mc="http://schemas.openxmlformats.org/markup-compatibility/2006">
-        <mc:Choice xmlns:a14="http://schemas.microsoft.com/office/drawing/2010/main" Requires="a14">
+      <mc:AlternateContent xmlns:mc="http://schemas.openxmlformats.org/markup-compatibility/2006" xmlns:a14="http://schemas.microsoft.com/office/drawing/2010/main">
+        <mc:Choice Requires="a14">
           <p:sp>
             <p:nvSpPr>
               <p:cNvPr id="10" name="TextBox 9"/>
@@ -17206,7 +17022,6 @@
                   <a:rPr lang="pt-BR" dirty="0" smtClean="0"/>
                   <a:t>. </a:t>
                 </a:r>
-                <a:endParaRPr lang="pt-BR" dirty="0" smtClean="0"/>
               </a:p>
               <a:p>
                 <a:pPr marL="285750" indent="-285750">
@@ -17230,7 +17045,7 @@
             </p:txBody>
           </p:sp>
         </mc:Choice>
-        <mc:Fallback>
+        <mc:Fallback xmlns="">
           <p:sp>
             <p:nvSpPr>
               <p:cNvPr id="10" name="TextBox 9"/>

--- a/slides/T319_Regressão_Linear (Parte VI).pptx
+++ b/slides/T319_Regressão_Linear (Parte VI).pptx
@@ -539,7 +539,7 @@
           <a:p>
             <a:fld id="{DAF0AF11-6A8A-4E64-94F5-26D4FBA2A01D}" type="datetimeFigureOut">
               <a:rPr lang="nl-BE" smtClean="0"/>
-              <a:t>23/06/2021</a:t>
+              <a:t>26/06/2021</a:t>
             </a:fld>
             <a:endParaRPr lang="nl-BE"/>
           </a:p>
@@ -5281,7 +5281,7 @@
           <a:p>
             <a:fld id="{C80E15A5-E95B-43EB-9AC7-9A96397448C0}" type="datetimeFigureOut">
               <a:rPr lang="nl-BE" smtClean="0"/>
-              <a:t>23/06/2021</a:t>
+              <a:t>26/06/2021</a:t>
             </a:fld>
             <a:endParaRPr lang="nl-BE"/>
           </a:p>
@@ -5451,7 +5451,7 @@
           <a:p>
             <a:fld id="{C80E15A5-E95B-43EB-9AC7-9A96397448C0}" type="datetimeFigureOut">
               <a:rPr lang="nl-BE" smtClean="0"/>
-              <a:t>23/06/2021</a:t>
+              <a:t>26/06/2021</a:t>
             </a:fld>
             <a:endParaRPr lang="nl-BE"/>
           </a:p>
@@ -5631,7 +5631,7 @@
           <a:p>
             <a:fld id="{C80E15A5-E95B-43EB-9AC7-9A96397448C0}" type="datetimeFigureOut">
               <a:rPr lang="nl-BE" smtClean="0"/>
-              <a:t>23/06/2021</a:t>
+              <a:t>26/06/2021</a:t>
             </a:fld>
             <a:endParaRPr lang="nl-BE"/>
           </a:p>
@@ -5801,7 +5801,7 @@
           <a:p>
             <a:fld id="{C80E15A5-E95B-43EB-9AC7-9A96397448C0}" type="datetimeFigureOut">
               <a:rPr lang="nl-BE" smtClean="0"/>
-              <a:t>23/06/2021</a:t>
+              <a:t>26/06/2021</a:t>
             </a:fld>
             <a:endParaRPr lang="nl-BE"/>
           </a:p>
@@ -6047,7 +6047,7 @@
           <a:p>
             <a:fld id="{C80E15A5-E95B-43EB-9AC7-9A96397448C0}" type="datetimeFigureOut">
               <a:rPr lang="nl-BE" smtClean="0"/>
-              <a:t>23/06/2021</a:t>
+              <a:t>26/06/2021</a:t>
             </a:fld>
             <a:endParaRPr lang="nl-BE"/>
           </a:p>
@@ -6279,7 +6279,7 @@
           <a:p>
             <a:fld id="{C80E15A5-E95B-43EB-9AC7-9A96397448C0}" type="datetimeFigureOut">
               <a:rPr lang="nl-BE" smtClean="0"/>
-              <a:t>23/06/2021</a:t>
+              <a:t>26/06/2021</a:t>
             </a:fld>
             <a:endParaRPr lang="nl-BE"/>
           </a:p>
@@ -6646,7 +6646,7 @@
           <a:p>
             <a:fld id="{C80E15A5-E95B-43EB-9AC7-9A96397448C0}" type="datetimeFigureOut">
               <a:rPr lang="nl-BE" smtClean="0"/>
-              <a:t>23/06/2021</a:t>
+              <a:t>26/06/2021</a:t>
             </a:fld>
             <a:endParaRPr lang="nl-BE"/>
           </a:p>
@@ -6764,7 +6764,7 @@
           <a:p>
             <a:fld id="{C80E15A5-E95B-43EB-9AC7-9A96397448C0}" type="datetimeFigureOut">
               <a:rPr lang="nl-BE" smtClean="0"/>
-              <a:t>23/06/2021</a:t>
+              <a:t>26/06/2021</a:t>
             </a:fld>
             <a:endParaRPr lang="nl-BE"/>
           </a:p>
@@ -6859,7 +6859,7 @@
           <a:p>
             <a:fld id="{C80E15A5-E95B-43EB-9AC7-9A96397448C0}" type="datetimeFigureOut">
               <a:rPr lang="nl-BE" smtClean="0"/>
-              <a:t>23/06/2021</a:t>
+              <a:t>26/06/2021</a:t>
             </a:fld>
             <a:endParaRPr lang="nl-BE"/>
           </a:p>
@@ -7136,7 +7136,7 @@
           <a:p>
             <a:fld id="{C80E15A5-E95B-43EB-9AC7-9A96397448C0}" type="datetimeFigureOut">
               <a:rPr lang="nl-BE" smtClean="0"/>
-              <a:t>23/06/2021</a:t>
+              <a:t>26/06/2021</a:t>
             </a:fld>
             <a:endParaRPr lang="nl-BE"/>
           </a:p>
@@ -7389,7 +7389,7 @@
           <a:p>
             <a:fld id="{C80E15A5-E95B-43EB-9AC7-9A96397448C0}" type="datetimeFigureOut">
               <a:rPr lang="nl-BE" smtClean="0"/>
-              <a:t>23/06/2021</a:t>
+              <a:t>26/06/2021</a:t>
             </a:fld>
             <a:endParaRPr lang="nl-BE"/>
           </a:p>
@@ -7602,7 +7602,7 @@
           <a:p>
             <a:fld id="{C80E15A5-E95B-43EB-9AC7-9A96397448C0}" type="datetimeFigureOut">
               <a:rPr lang="nl-BE" smtClean="0"/>
-              <a:t>23/06/2021</a:t>
+              <a:t>26/06/2021</a:t>
             </a:fld>
             <a:endParaRPr lang="nl-BE"/>
           </a:p>
@@ -8012,7 +8012,7 @@
           <p:cNvPr id="2" name="Título 1">
             <a:extLst>
               <a:ext uri="{FF2B5EF4-FFF2-40B4-BE49-F238E27FC236}">
-                <a16:creationId xmlns="" xmlns:a16="http://schemas.microsoft.com/office/drawing/2014/main" id="{32666AC8-2E17-4DB4-B0F5-60C640CCFD2E}"/>
+                <a16:creationId xmlns:a16="http://schemas.microsoft.com/office/drawing/2014/main" xmlns="" id="{32666AC8-2E17-4DB4-B0F5-60C640CCFD2E}"/>
               </a:ext>
             </a:extLst>
           </p:cNvPr>
@@ -8067,7 +8067,7 @@
           <p:cNvPr id="4" name="CaixaDeTexto 3">
             <a:extLst>
               <a:ext uri="{FF2B5EF4-FFF2-40B4-BE49-F238E27FC236}">
-                <a16:creationId xmlns="" xmlns:a16="http://schemas.microsoft.com/office/drawing/2014/main" id="{430EB894-B7D4-434C-9D1A-A14094D9BEEC}"/>
+                <a16:creationId xmlns:a16="http://schemas.microsoft.com/office/drawing/2014/main" xmlns="" id="{430EB894-B7D4-434C-9D1A-A14094D9BEEC}"/>
               </a:ext>
             </a:extLst>
           </p:cNvPr>
@@ -8108,7 +8108,7 @@
           <p:cNvPr id="1026" name="Picture 2" descr="Logo">
             <a:extLst>
               <a:ext uri="{FF2B5EF4-FFF2-40B4-BE49-F238E27FC236}">
-                <a16:creationId xmlns="" xmlns:a16="http://schemas.microsoft.com/office/drawing/2014/main" id="{3F2642E0-4F6A-4196-8F58-E77D36E9A33F}"/>
+                <a16:creationId xmlns:a16="http://schemas.microsoft.com/office/drawing/2014/main" xmlns="" id="{3F2642E0-4F6A-4196-8F58-E77D36E9A33F}"/>
               </a:ext>
             </a:extLst>
           </p:cNvPr>
@@ -8153,7 +8153,7 @@
           <p:cNvPr id="5122" name="Picture 2" descr="Image result for machine learning">
             <a:extLst>
               <a:ext uri="{FF2B5EF4-FFF2-40B4-BE49-F238E27FC236}">
-                <a16:creationId xmlns="" xmlns:a16="http://schemas.microsoft.com/office/drawing/2014/main" id="{810CE0A2-4102-44A6-A370-175E7896CDCB}"/>
+                <a16:creationId xmlns:a16="http://schemas.microsoft.com/office/drawing/2014/main" xmlns="" id="{810CE0A2-4102-44A6-A370-175E7896CDCB}"/>
               </a:ext>
             </a:extLst>
           </p:cNvPr>
@@ -10331,7 +10331,7 @@
           <p:cNvPr id="4" name="Título 1">
             <a:extLst>
               <a:ext uri="{FF2B5EF4-FFF2-40B4-BE49-F238E27FC236}">
-                <a16:creationId xmlns="" xmlns:a16="http://schemas.microsoft.com/office/drawing/2014/main" id="{32666AC8-2E17-4DB4-B0F5-60C640CCFD2E}"/>
+                <a16:creationId xmlns:a16="http://schemas.microsoft.com/office/drawing/2014/main" xmlns="" id="{32666AC8-2E17-4DB4-B0F5-60C640CCFD2E}"/>
               </a:ext>
             </a:extLst>
           </p:cNvPr>
@@ -15783,8 +15783,8 @@
           </a:p>
         </p:txBody>
       </p:sp>
-      <mc:AlternateContent xmlns:mc="http://schemas.openxmlformats.org/markup-compatibility/2006">
-        <mc:Choice xmlns:a14="http://schemas.microsoft.com/office/drawing/2010/main" Requires="a14">
+      <mc:AlternateContent xmlns:mc="http://schemas.openxmlformats.org/markup-compatibility/2006" xmlns:a14="http://schemas.microsoft.com/office/drawing/2010/main">
+        <mc:Choice Requires="a14">
           <p:sp>
             <p:nvSpPr>
               <p:cNvPr id="3" name="Content Placeholder 2"/>
@@ -16040,7 +16040,7 @@
             </p:txBody>
           </p:sp>
         </mc:Choice>
-        <mc:Fallback>
+        <mc:Fallback xmlns="">
           <p:sp>
             <p:nvSpPr>
               <p:cNvPr id="3" name="Content Placeholder 2"/>
@@ -16456,8 +16456,8 @@
           </a:p>
         </p:txBody>
       </p:sp>
-      <mc:AlternateContent xmlns:mc="http://schemas.openxmlformats.org/markup-compatibility/2006" xmlns:a14="http://schemas.microsoft.com/office/drawing/2010/main">
-        <mc:Choice Requires="a14">
+      <mc:AlternateContent xmlns:mc="http://schemas.openxmlformats.org/markup-compatibility/2006">
+        <mc:Choice xmlns:a14="http://schemas.microsoft.com/office/drawing/2010/main" Requires="a14">
           <p:sp>
             <p:nvSpPr>
               <p:cNvPr id="8" name="Content Placeholder 2"/>
@@ -16471,12 +16471,12 @@
             <p:spPr>
               <a:xfrm>
                 <a:off x="465513" y="3474995"/>
-                <a:ext cx="11520626" cy="3303175"/>
+                <a:ext cx="11520626" cy="3383005"/>
               </a:xfrm>
             </p:spPr>
             <p:txBody>
               <a:bodyPr>
-                <a:normAutofit fontScale="92500" lnSpcReduction="20000"/>
+                <a:normAutofit fontScale="85000" lnSpcReduction="20000"/>
               </a:bodyPr>
               <a:lstStyle/>
               <a:p>
@@ -16486,7 +16486,15 @@
                 </a:r>
                 <a:r>
                   <a:rPr lang="pt-BR" b="1" dirty="0" smtClean="0"/>
-                  <a:t>LASSO tem com vantagem a produção de modelos esparsos</a:t>
+                  <a:t>LASSO tem </a:t>
+                </a:r>
+                <a:r>
+                  <a:rPr lang="pt-BR" b="1" dirty="0" smtClean="0"/>
+                  <a:t>como </a:t>
+                </a:r>
+                <a:r>
+                  <a:rPr lang="pt-BR" b="1" dirty="0" smtClean="0"/>
+                  <a:t>vantagem a produção de modelos esparsos</a:t>
                 </a:r>
                 <a:r>
                   <a:rPr lang="pt-BR" dirty="0" smtClean="0"/>
@@ -16750,7 +16758,7 @@
             </p:txBody>
           </p:sp>
         </mc:Choice>
-        <mc:Fallback xmlns="">
+        <mc:Fallback>
           <p:sp>
             <p:nvSpPr>
               <p:cNvPr id="8" name="Content Placeholder 2"/>
@@ -16764,12 +16772,12 @@
             <p:spPr>
               <a:xfrm>
                 <a:off x="465513" y="3474995"/>
-                <a:ext cx="11520626" cy="3303175"/>
+                <a:ext cx="11520626" cy="3383005"/>
               </a:xfrm>
               <a:blipFill rotWithShape="0">
                 <a:blip r:embed="rId3"/>
                 <a:stretch>
-                  <a:fillRect l="-794" t="-4613" r="-582" b="-3137"/>
+                  <a:fillRect l="-688" t="-4144"/>
                 </a:stretch>
               </a:blipFill>
             </p:spPr>

--- a/slides/T319_Regressão_Linear (Parte VI).pptx
+++ b/slides/T319_Regressão_Linear (Parte VI).pptx
@@ -539,7 +539,7 @@
           <a:p>
             <a:fld id="{DAF0AF11-6A8A-4E64-94F5-26D4FBA2A01D}" type="datetimeFigureOut">
               <a:rPr lang="nl-BE" smtClean="0"/>
-              <a:t>26/06/2021</a:t>
+              <a:t>27/06/2021</a:t>
             </a:fld>
             <a:endParaRPr lang="nl-BE"/>
           </a:p>
@@ -2228,6 +2228,18 @@
               <a:lstStyle/>
               <a:p>
                 <a:r>
+                  <a:rPr lang="en-US" sz="1200" b="0" i="1" kern="1200" dirty="0" err="1" smtClean="0">
+                    <a:solidFill>
+                      <a:schemeClr val="tx1"/>
+                    </a:solidFill>
+                    <a:effectLst/>
+                    <a:latin typeface="+mn-lt"/>
+                    <a:ea typeface="+mn-ea"/>
+                    <a:cs typeface="+mn-cs"/>
+                  </a:rPr>
+                  <a:t>s.a.</a:t>
+                </a:r>
+                <a:r>
                   <a:rPr lang="en-US" sz="1200" b="0" i="1" kern="1200" dirty="0" smtClean="0">
                     <a:solidFill>
                       <a:schemeClr val="tx1"/>
@@ -2237,7 +2249,68 @@
                     <a:ea typeface="+mn-ea"/>
                     <a:cs typeface="+mn-cs"/>
                   </a:rPr>
-                  <a:t>Ridge Regression</a:t>
+                  <a:t> -&gt; </a:t>
+                </a:r>
+                <a:r>
+                  <a:rPr lang="en-US" sz="1200" b="0" i="1" kern="1200" dirty="0" err="1" smtClean="0">
+                    <a:solidFill>
+                      <a:schemeClr val="tx1"/>
+                    </a:solidFill>
+                    <a:effectLst/>
+                    <a:latin typeface="+mn-lt"/>
+                    <a:ea typeface="+mn-ea"/>
+                    <a:cs typeface="+mn-cs"/>
+                  </a:rPr>
+                  <a:t>sujeito</a:t>
+                </a:r>
+                <a:r>
+                  <a:rPr lang="en-US" sz="1200" b="0" i="1" kern="1200" dirty="0" smtClean="0">
+                    <a:solidFill>
+                      <a:schemeClr val="tx1"/>
+                    </a:solidFill>
+                    <a:effectLst/>
+                    <a:latin typeface="+mn-lt"/>
+                    <a:ea typeface="+mn-ea"/>
+                    <a:cs typeface="+mn-cs"/>
+                  </a:rPr>
+                  <a:t> a</a:t>
+                </a:r>
+              </a:p>
+              <a:p>
+                <a:endParaRPr lang="en-US" sz="1200" b="0" i="1" kern="1200" dirty="0" smtClean="0">
+                  <a:solidFill>
+                    <a:schemeClr val="tx1"/>
+                  </a:solidFill>
+                  <a:effectLst/>
+                  <a:latin typeface="+mn-lt"/>
+                  <a:ea typeface="+mn-ea"/>
+                  <a:cs typeface="+mn-cs"/>
+                </a:endParaRPr>
+              </a:p>
+              <a:p>
+                <a:r>
+                  <a:rPr lang="en-US" sz="1200" b="0" i="1" kern="1200" dirty="0" smtClean="0">
+                    <a:solidFill>
+                      <a:schemeClr val="tx1"/>
+                    </a:solidFill>
+                    <a:effectLst/>
+                    <a:latin typeface="+mn-lt"/>
+                    <a:ea typeface="+mn-ea"/>
+                    <a:cs typeface="+mn-cs"/>
+                  </a:rPr>
+                  <a:t>Ridge </a:t>
+                </a:r>
+                <a:r>
+                  <a:rPr lang="en-US" sz="1200" b="0" i="1" kern="1200" dirty="0" smtClean="0">
+                    <a:solidFill>
+                      <a:schemeClr val="tx1"/>
+                    </a:solidFill>
+                    <a:effectLst/>
+                    <a:latin typeface="+mn-lt"/>
+                    <a:ea typeface="+mn-ea"/>
+                    <a:cs typeface="+mn-cs"/>
+                  </a:rPr>
+                  <a:t>Regression</a:t>
                 </a:r>
                 <a:r>
                   <a:rPr lang="en-US" sz="1200" b="0" i="0" kern="1200" dirty="0">
@@ -2336,18 +2409,6 @@
                   <a:t> </a:t>
                 </a:r>
                 <a:r>
-                  <a:rPr lang="en-US" sz="1200" b="0" i="1" kern="1200" dirty="0" err="1">
-                    <a:solidFill>
-                      <a:schemeClr val="tx1"/>
-                    </a:solidFill>
-                    <a:effectLst/>
-                    <a:latin typeface="+mn-lt"/>
-                    <a:ea typeface="+mn-ea"/>
-                    <a:cs typeface="+mn-cs"/>
-                  </a:rPr>
-                  <a:t>Tikhonov</a:t>
-                </a:r>
-                <a:r>
                   <a:rPr lang="en-US" sz="1200" b="0" i="1" kern="1200" dirty="0">
                     <a:solidFill>
                       <a:schemeClr val="tx1"/>
@@ -2357,7 +2418,7 @@
                     <a:ea typeface="+mn-ea"/>
                     <a:cs typeface="+mn-cs"/>
                   </a:rPr>
-                  <a:t> regularization</a:t>
+                  <a:t>Tikhonov regularization</a:t>
                 </a:r>
                 <a:endParaRPr lang="pt-BR" dirty="0"/>
               </a:p>
@@ -5281,7 +5342,7 @@
           <a:p>
             <a:fld id="{C80E15A5-E95B-43EB-9AC7-9A96397448C0}" type="datetimeFigureOut">
               <a:rPr lang="nl-BE" smtClean="0"/>
-              <a:t>26/06/2021</a:t>
+              <a:t>27/06/2021</a:t>
             </a:fld>
             <a:endParaRPr lang="nl-BE"/>
           </a:p>
@@ -5451,7 +5512,7 @@
           <a:p>
             <a:fld id="{C80E15A5-E95B-43EB-9AC7-9A96397448C0}" type="datetimeFigureOut">
               <a:rPr lang="nl-BE" smtClean="0"/>
-              <a:t>26/06/2021</a:t>
+              <a:t>27/06/2021</a:t>
             </a:fld>
             <a:endParaRPr lang="nl-BE"/>
           </a:p>
@@ -5631,7 +5692,7 @@
           <a:p>
             <a:fld id="{C80E15A5-E95B-43EB-9AC7-9A96397448C0}" type="datetimeFigureOut">
               <a:rPr lang="nl-BE" smtClean="0"/>
-              <a:t>26/06/2021</a:t>
+              <a:t>27/06/2021</a:t>
             </a:fld>
             <a:endParaRPr lang="nl-BE"/>
           </a:p>
@@ -5801,7 +5862,7 @@
           <a:p>
             <a:fld id="{C80E15A5-E95B-43EB-9AC7-9A96397448C0}" type="datetimeFigureOut">
               <a:rPr lang="nl-BE" smtClean="0"/>
-              <a:t>26/06/2021</a:t>
+              <a:t>27/06/2021</a:t>
             </a:fld>
             <a:endParaRPr lang="nl-BE"/>
           </a:p>
@@ -6047,7 +6108,7 @@
           <a:p>
             <a:fld id="{C80E15A5-E95B-43EB-9AC7-9A96397448C0}" type="datetimeFigureOut">
               <a:rPr lang="nl-BE" smtClean="0"/>
-              <a:t>26/06/2021</a:t>
+              <a:t>27/06/2021</a:t>
             </a:fld>
             <a:endParaRPr lang="nl-BE"/>
           </a:p>
@@ -6279,7 +6340,7 @@
           <a:p>
             <a:fld id="{C80E15A5-E95B-43EB-9AC7-9A96397448C0}" type="datetimeFigureOut">
               <a:rPr lang="nl-BE" smtClean="0"/>
-              <a:t>26/06/2021</a:t>
+              <a:t>27/06/2021</a:t>
             </a:fld>
             <a:endParaRPr lang="nl-BE"/>
           </a:p>
@@ -6646,7 +6707,7 @@
           <a:p>
             <a:fld id="{C80E15A5-E95B-43EB-9AC7-9A96397448C0}" type="datetimeFigureOut">
               <a:rPr lang="nl-BE" smtClean="0"/>
-              <a:t>26/06/2021</a:t>
+              <a:t>27/06/2021</a:t>
             </a:fld>
             <a:endParaRPr lang="nl-BE"/>
           </a:p>
@@ -6764,7 +6825,7 @@
           <a:p>
             <a:fld id="{C80E15A5-E95B-43EB-9AC7-9A96397448C0}" type="datetimeFigureOut">
               <a:rPr lang="nl-BE" smtClean="0"/>
-              <a:t>26/06/2021</a:t>
+              <a:t>27/06/2021</a:t>
             </a:fld>
             <a:endParaRPr lang="nl-BE"/>
           </a:p>
@@ -6859,7 +6920,7 @@
           <a:p>
             <a:fld id="{C80E15A5-E95B-43EB-9AC7-9A96397448C0}" type="datetimeFigureOut">
               <a:rPr lang="nl-BE" smtClean="0"/>
-              <a:t>26/06/2021</a:t>
+              <a:t>27/06/2021</a:t>
             </a:fld>
             <a:endParaRPr lang="nl-BE"/>
           </a:p>
@@ -7136,7 +7197,7 @@
           <a:p>
             <a:fld id="{C80E15A5-E95B-43EB-9AC7-9A96397448C0}" type="datetimeFigureOut">
               <a:rPr lang="nl-BE" smtClean="0"/>
-              <a:t>26/06/2021</a:t>
+              <a:t>27/06/2021</a:t>
             </a:fld>
             <a:endParaRPr lang="nl-BE"/>
           </a:p>
@@ -7389,7 +7450,7 @@
           <a:p>
             <a:fld id="{C80E15A5-E95B-43EB-9AC7-9A96397448C0}" type="datetimeFigureOut">
               <a:rPr lang="nl-BE" smtClean="0"/>
-              <a:t>26/06/2021</a:t>
+              <a:t>27/06/2021</a:t>
             </a:fld>
             <a:endParaRPr lang="nl-BE"/>
           </a:p>
@@ -7602,7 +7663,7 @@
           <a:p>
             <a:fld id="{C80E15A5-E95B-43EB-9AC7-9A96397448C0}" type="datetimeFigureOut">
               <a:rPr lang="nl-BE" smtClean="0"/>
-              <a:t>26/06/2021</a:t>
+              <a:t>27/06/2021</a:t>
             </a:fld>
             <a:endParaRPr lang="nl-BE"/>
           </a:p>
@@ -8012,7 +8073,7 @@
           <p:cNvPr id="2" name="Título 1">
             <a:extLst>
               <a:ext uri="{FF2B5EF4-FFF2-40B4-BE49-F238E27FC236}">
-                <a16:creationId xmlns:a16="http://schemas.microsoft.com/office/drawing/2014/main" xmlns="" id="{32666AC8-2E17-4DB4-B0F5-60C640CCFD2E}"/>
+                <a16:creationId xmlns="" xmlns:a16="http://schemas.microsoft.com/office/drawing/2014/main" id="{32666AC8-2E17-4DB4-B0F5-60C640CCFD2E}"/>
               </a:ext>
             </a:extLst>
           </p:cNvPr>
@@ -8067,7 +8128,7 @@
           <p:cNvPr id="4" name="CaixaDeTexto 3">
             <a:extLst>
               <a:ext uri="{FF2B5EF4-FFF2-40B4-BE49-F238E27FC236}">
-                <a16:creationId xmlns:a16="http://schemas.microsoft.com/office/drawing/2014/main" xmlns="" id="{430EB894-B7D4-434C-9D1A-A14094D9BEEC}"/>
+                <a16:creationId xmlns="" xmlns:a16="http://schemas.microsoft.com/office/drawing/2014/main" id="{430EB894-B7D4-434C-9D1A-A14094D9BEEC}"/>
               </a:ext>
             </a:extLst>
           </p:cNvPr>
@@ -8108,7 +8169,7 @@
           <p:cNvPr id="1026" name="Picture 2" descr="Logo">
             <a:extLst>
               <a:ext uri="{FF2B5EF4-FFF2-40B4-BE49-F238E27FC236}">
-                <a16:creationId xmlns:a16="http://schemas.microsoft.com/office/drawing/2014/main" xmlns="" id="{3F2642E0-4F6A-4196-8F58-E77D36E9A33F}"/>
+                <a16:creationId xmlns="" xmlns:a16="http://schemas.microsoft.com/office/drawing/2014/main" id="{3F2642E0-4F6A-4196-8F58-E77D36E9A33F}"/>
               </a:ext>
             </a:extLst>
           </p:cNvPr>
@@ -8153,7 +8214,7 @@
           <p:cNvPr id="5122" name="Picture 2" descr="Image result for machine learning">
             <a:extLst>
               <a:ext uri="{FF2B5EF4-FFF2-40B4-BE49-F238E27FC236}">
-                <a16:creationId xmlns:a16="http://schemas.microsoft.com/office/drawing/2014/main" xmlns="" id="{810CE0A2-4102-44A6-A370-175E7896CDCB}"/>
+                <a16:creationId xmlns="" xmlns:a16="http://schemas.microsoft.com/office/drawing/2014/main" id="{810CE0A2-4102-44A6-A370-175E7896CDCB}"/>
               </a:ext>
             </a:extLst>
           </p:cNvPr>
@@ -8233,7 +8294,12 @@
             <p:ph type="title"/>
           </p:nvPr>
         </p:nvSpPr>
-        <p:spPr/>
+        <p:spPr>
+          <a:xfrm>
+            <a:off x="838200" y="281995"/>
+            <a:ext cx="10515600" cy="951057"/>
+          </a:xfrm>
+        </p:spPr>
         <p:txBody>
           <a:bodyPr/>
           <a:lstStyle/>
@@ -8245,8 +8311,8 @@
           </a:p>
         </p:txBody>
       </p:sp>
-      <mc:AlternateContent xmlns:mc="http://schemas.openxmlformats.org/markup-compatibility/2006" xmlns:a14="http://schemas.microsoft.com/office/drawing/2010/main">
-        <mc:Choice Requires="a14">
+      <mc:AlternateContent xmlns:mc="http://schemas.openxmlformats.org/markup-compatibility/2006">
+        <mc:Choice xmlns:a14="http://schemas.microsoft.com/office/drawing/2010/main" Requires="a14">
           <p:sp>
             <p:nvSpPr>
               <p:cNvPr id="3" name="Content Placeholder 2"/>
@@ -8259,8 +8325,8 @@
             </p:nvSpPr>
             <p:spPr>
               <a:xfrm>
-                <a:off x="838198" y="1709512"/>
-                <a:ext cx="11237687" cy="3051175"/>
+                <a:off x="838198" y="1468579"/>
+                <a:ext cx="11125927" cy="3195123"/>
               </a:xfrm>
             </p:spPr>
             <p:txBody>
@@ -8270,8 +8336,12 @@
               <a:lstStyle/>
               <a:p>
                 <a:r>
+                  <a:rPr lang="pt-BR" i="1" dirty="0"/>
+                  <a:t>Elastic-net</a:t>
+                </a:r>
+                <a:r>
                   <a:rPr lang="pt-BR" dirty="0"/>
-                  <a:t>Elastic-net é uma solução intermediária entre </a:t>
+                  <a:t> é uma solução intermediária entre </a:t>
                 </a:r>
                 <a:r>
                   <a:rPr lang="pt-BR" dirty="0" smtClean="0"/>
@@ -8289,7 +8359,15 @@
                 </a:r>
                 <a:r>
                   <a:rPr lang="pt-BR" dirty="0"/>
-                  <a:t>é do que uma combinação entre as penalizações baseadas nas normas L1 e L2 do vetor de pesos.</a:t>
+                  <a:t>é do que uma </a:t>
+                </a:r>
+                <a:r>
+                  <a:rPr lang="pt-BR" dirty="0" smtClean="0"/>
+                  <a:t>combinação linear entre </a:t>
+                </a:r>
+                <a:r>
+                  <a:rPr lang="pt-BR" dirty="0"/>
+                  <a:t>as penalizações baseadas nas normas L1 e L2 do vetor de pesos.</a:t>
                 </a:r>
               </a:p>
               <a:p>
@@ -8585,15 +8663,14 @@
                   <a:rPr lang="pt-BR" dirty="0" smtClean="0"/>
                   <a:t>,</a:t>
                 </a:r>
-                <a:endParaRPr lang="pt-BR" dirty="0"/>
               </a:p>
               <a:p>
                 <a:pPr marL="0" indent="0">
                   <a:buNone/>
                 </a:pPr>
                 <a:r>
-                  <a:rPr lang="pt-BR" dirty="0"/>
-                  <a:t>   onde </a:t>
+                  <a:rPr lang="pt-BR" dirty="0" smtClean="0"/>
+                  <a:t>onde </a:t>
                 </a:r>
                 <a14:m>
                   <m:oMath xmlns:m="http://schemas.openxmlformats.org/officeDocument/2006/math">
@@ -8628,9 +8705,10 @@
                   </m:oMath>
                 </a14:m>
                 <a:r>
-                  <a:rPr lang="pt-BR" dirty="0"/>
-                  <a:t>.</a:t>
-                </a:r>
+                  <a:rPr lang="pt-BR" dirty="0" smtClean="0"/>
+                  <a:t> é o termo de mistura ou parâmetro de elasticidade entre as duas normas.</a:t>
+                </a:r>
+                <a:endParaRPr lang="pt-BR" dirty="0"/>
               </a:p>
               <a:p>
                 <a:r>
@@ -8738,7 +8816,7 @@
             </p:txBody>
           </p:sp>
         </mc:Choice>
-        <mc:Fallback xmlns="">
+        <mc:Fallback>
           <p:sp>
             <p:nvSpPr>
               <p:cNvPr id="3" name="Content Placeholder 2"/>
@@ -8751,13 +8829,13 @@
             </p:nvSpPr>
             <p:spPr>
               <a:xfrm>
-                <a:off x="838198" y="1709512"/>
-                <a:ext cx="11237687" cy="3051175"/>
+                <a:off x="838198" y="1468579"/>
+                <a:ext cx="11125927" cy="3195123"/>
               </a:xfrm>
               <a:blipFill rotWithShape="0">
                 <a:blip r:embed="rId3"/>
                 <a:stretch>
-                  <a:fillRect l="-705" t="-4591"/>
+                  <a:fillRect l="-821" t="-4389" b="-2481"/>
                 </a:stretch>
               </a:blipFill>
             </p:spPr>
@@ -8994,8 +9072,8 @@
           </a:p>
         </p:txBody>
       </p:sp>
-      <mc:AlternateContent xmlns:mc="http://schemas.openxmlformats.org/markup-compatibility/2006" xmlns:a14="http://schemas.microsoft.com/office/drawing/2010/main">
-        <mc:Choice Requires="a14">
+      <mc:AlternateContent xmlns:mc="http://schemas.openxmlformats.org/markup-compatibility/2006">
+        <mc:Choice xmlns:a14="http://schemas.microsoft.com/office/drawing/2010/main" Requires="a14">
           <p:sp>
             <p:nvSpPr>
               <p:cNvPr id="3" name="Content Placeholder 2"/>
@@ -9051,8 +9129,12 @@
                   <a:t>alguns atributos são realmente úteis, você deve preferir LASSO ou </a:t>
                 </a:r>
                 <a:r>
+                  <a:rPr lang="pt-BR" i="1" dirty="0" smtClean="0"/>
+                  <a:t>Elastic-Net</a:t>
+                </a:r>
+                <a:r>
                   <a:rPr lang="pt-BR" dirty="0" smtClean="0"/>
-                  <a:t>Elastic-Net.</a:t>
+                  <a:t>.</a:t>
                 </a:r>
               </a:p>
               <a:p>
@@ -9086,7 +9168,19 @@
                 </a:r>
                 <a:r>
                   <a:rPr lang="pt-BR" dirty="0" smtClean="0"/>
-                  <a:t>atributos for </a:t>
+                  <a:t>atributos, </a:t>
+                </a:r>
+                <a:r>
+                  <a:rPr lang="pt-BR" i="1" dirty="0" smtClean="0"/>
+                  <a:t>K</a:t>
+                </a:r>
+                <a:r>
+                  <a:rPr lang="pt-BR" dirty="0" smtClean="0"/>
+                  <a:t>, </a:t>
+                </a:r>
+                <a:r>
+                  <a:rPr lang="pt-BR" dirty="0" smtClean="0"/>
+                  <a:t>for </a:t>
                 </a:r>
                 <a:r>
                   <a:rPr lang="pt-BR" dirty="0"/>
@@ -9098,7 +9192,23 @@
                 </a:r>
                 <a:r>
                   <a:rPr lang="pt-BR" dirty="0"/>
-                  <a:t>treinamento, ou quando </a:t>
+                  <a:t>treinamento</a:t>
+                </a:r>
+                <a:r>
+                  <a:rPr lang="pt-BR" dirty="0" smtClean="0"/>
+                  <a:t>, </a:t>
+                </a:r>
+                <a:r>
+                  <a:rPr lang="pt-BR" i="1" dirty="0" smtClean="0"/>
+                  <a:t>N</a:t>
+                </a:r>
+                <a:r>
+                  <a:rPr lang="pt-BR" dirty="0" smtClean="0"/>
+                  <a:t>, </a:t>
+                </a:r>
+                <a:r>
+                  <a:rPr lang="pt-BR" dirty="0"/>
+                  <a:t>ou quando </a:t>
                 </a:r>
                 <a:r>
                   <a:rPr lang="pt-BR" dirty="0" smtClean="0"/>
@@ -9110,7 +9220,15 @@
                 </a:r>
                 <a:r>
                   <a:rPr lang="pt-BR" dirty="0" smtClean="0"/>
-                  <a:t>a regressão Elastic-Net.</a:t>
+                  <a:t>a regressão </a:t>
+                </a:r>
+                <a:r>
+                  <a:rPr lang="pt-BR" i="1" dirty="0" smtClean="0"/>
+                  <a:t>Elastic-Net</a:t>
+                </a:r>
+                <a:r>
+                  <a:rPr lang="pt-BR" dirty="0" smtClean="0"/>
+                  <a:t>.</a:t>
                 </a:r>
                 <a:endParaRPr lang="pt-BR" dirty="0"/>
               </a:p>
@@ -9170,7 +9288,7 @@
             </p:txBody>
           </p:sp>
         </mc:Choice>
-        <mc:Fallback xmlns="">
+        <mc:Fallback>
           <p:sp>
             <p:nvSpPr>
               <p:cNvPr id="3" name="Content Placeholder 2"/>
@@ -9257,7 +9375,7 @@
         </p:nvSpPr>
         <p:spPr>
           <a:xfrm>
-            <a:off x="838200" y="190957"/>
+            <a:off x="838200" y="135537"/>
             <a:ext cx="10515600" cy="970189"/>
           </a:xfrm>
         </p:spPr>
@@ -9288,13 +9406,13 @@
         </p:nvSpPr>
         <p:spPr>
           <a:xfrm>
-            <a:off x="838200" y="1349829"/>
-            <a:ext cx="11196484" cy="5508171"/>
+            <a:off x="838200" y="1280554"/>
+            <a:ext cx="11145982" cy="5508171"/>
           </a:xfrm>
         </p:spPr>
         <p:txBody>
           <a:bodyPr vert="horz" lIns="91440" tIns="45720" rIns="91440" bIns="45720" rtlCol="0" anchor="t">
-            <a:normAutofit/>
+            <a:normAutofit lnSpcReduction="10000"/>
           </a:bodyPr>
           <a:lstStyle/>
           <a:p>
@@ -9380,19 +9498,13 @@
               <a:t>regularização </a:t>
             </a:r>
             <a:r>
-              <a:rPr lang="pt-BR" dirty="0">
+              <a:rPr lang="pt-BR" b="1" i="1" dirty="0" smtClean="0">
                 <a:cs typeface="Calibri"/>
               </a:rPr>
-              <a:t>no </a:t>
-            </a:r>
-            <a:r>
-              <a:rPr lang="pt-BR" b="1" i="1" dirty="0">
-                <a:cs typeface="Calibri"/>
-              </a:rPr>
-              <a:t>tempo</a:t>
-            </a:r>
-            <a:r>
-              <a:rPr lang="pt-BR" dirty="0">
+              <a:t>temporal</a:t>
+            </a:r>
+            <a:r>
+              <a:rPr lang="pt-BR" dirty="0" smtClean="0">
                 <a:cs typeface="Calibri"/>
               </a:rPr>
               <a:t>.</a:t>
@@ -9452,11 +9564,18 @@
               <a:t>Ao </a:t>
             </a:r>
             <a:r>
+              <a:rPr lang="pt-BR" dirty="0" smtClean="0">
+                <a:ea typeface="+mn-lt"/>
+                <a:cs typeface="+mn-lt"/>
+              </a:rPr>
+              <a:t>se regularizar </a:t>
+            </a:r>
+            <a:r>
               <a:rPr lang="pt-BR" dirty="0">
                 <a:ea typeface="+mn-lt"/>
                 <a:cs typeface="+mn-lt"/>
               </a:rPr>
-              <a:t>regularizar no </a:t>
+              <a:t>no </a:t>
             </a:r>
             <a:r>
               <a:rPr lang="pt-BR" b="1" i="1" dirty="0">
@@ -9486,6 +9605,19 @@
               </a:rPr>
               <a:t>.</a:t>
             </a:r>
+          </a:p>
+          <a:p>
+            <a:r>
+              <a:rPr lang="pt-BR" dirty="0" smtClean="0">
+                <a:ea typeface="+mn-lt"/>
+                <a:cs typeface="+mn-lt"/>
+              </a:rPr>
+              <a:t>Mas como saber quando interromper o treinamento? Ou seja, qual é o critério de parada?</a:t>
+            </a:r>
+            <a:endParaRPr lang="pt-BR" dirty="0" smtClean="0">
+              <a:ea typeface="+mn-lt"/>
+              <a:cs typeface="+mn-lt"/>
+            </a:endParaRPr>
           </a:p>
         </p:txBody>
       </p:sp>
@@ -9613,7 +9745,21 @@
                 <a:ea typeface="+mn-lt"/>
                 <a:cs typeface="+mn-lt"/>
               </a:rPr>
-              <a:t> épocas sucessivas.</a:t>
+              <a:t> </a:t>
+            </a:r>
+            <a:r>
+              <a:rPr lang="pt-BR" sz="2800" dirty="0" smtClean="0">
+                <a:ea typeface="+mn-lt"/>
+                <a:cs typeface="+mn-lt"/>
+              </a:rPr>
+              <a:t>(paciência) épocas </a:t>
+            </a:r>
+            <a:r>
+              <a:rPr lang="pt-BR" sz="2800" dirty="0">
+                <a:ea typeface="+mn-lt"/>
+                <a:cs typeface="+mn-lt"/>
+              </a:rPr>
+              <a:t>sucessivas.</a:t>
             </a:r>
           </a:p>
           <a:p>
@@ -9646,7 +9792,21 @@
                 <a:ea typeface="+mn-lt"/>
                 <a:cs typeface="+mn-lt"/>
               </a:rPr>
-              <a:t>Permitir que o treinamento prossiga, mas sempre armazenando os pesos associados ao </a:t>
+              <a:t>Permitir que o treinamento </a:t>
+            </a:r>
+            <a:r>
+              <a:rPr lang="pt-BR" sz="2800" dirty="0" smtClean="0">
+                <a:ea typeface="+mn-lt"/>
+                <a:cs typeface="+mn-lt"/>
+              </a:rPr>
+              <a:t>prossiga por um determinado número de épocas, </a:t>
+            </a:r>
+            <a:r>
+              <a:rPr lang="pt-BR" sz="2800" dirty="0">
+                <a:ea typeface="+mn-lt"/>
+                <a:cs typeface="+mn-lt"/>
+              </a:rPr>
+              <a:t>mas sempre armazenando os pesos associados ao </a:t>
             </a:r>
             <a:r>
               <a:rPr lang="pt-BR" sz="2800" b="1" i="1" dirty="0">
@@ -10185,9 +10345,16 @@
             <p:ph idx="1"/>
           </p:nvPr>
         </p:nvSpPr>
-        <p:spPr/>
+        <p:spPr>
+          <a:xfrm>
+            <a:off x="838199" y="1825625"/>
+            <a:ext cx="10979727" cy="4351338"/>
+          </a:xfrm>
+        </p:spPr>
         <p:txBody>
-          <a:bodyPr/>
+          <a:bodyPr>
+            <a:normAutofit lnSpcReduction="10000"/>
+          </a:bodyPr>
           <a:lstStyle/>
           <a:p>
             <a:r>
@@ -10265,16 +10432,97 @@
           </a:p>
           <a:p>
             <a:pPr lvl="1"/>
+            <a:r>
+              <a:rPr lang="pt-BR" b="1" dirty="0" smtClean="0">
+                <a:solidFill>
+                  <a:srgbClr val="FF0000"/>
+                </a:solidFill>
+              </a:rPr>
+              <a:t>Projeto pode </a:t>
+            </a:r>
             <a:r>
               <a:rPr lang="pt-BR" b="1" dirty="0">
                 <a:solidFill>
                   <a:srgbClr val="FF0000"/>
                 </a:solidFill>
               </a:rPr>
-              <a:t>Laboratórios podem ser feitos em grupo</a:t>
+              <a:t>ser </a:t>
             </a:r>
             <a:r>
               <a:rPr lang="pt-BR" b="1" dirty="0" smtClean="0">
+                <a:solidFill>
+                  <a:srgbClr val="FF0000"/>
+                </a:solidFill>
+              </a:rPr>
+              <a:t>feito </a:t>
+            </a:r>
+            <a:r>
+              <a:rPr lang="pt-BR" b="1" dirty="0">
+                <a:solidFill>
+                  <a:srgbClr val="FF0000"/>
+                </a:solidFill>
+              </a:rPr>
+              <a:t>em </a:t>
+            </a:r>
+            <a:r>
+              <a:rPr lang="pt-BR" b="1" dirty="0" smtClean="0">
+                <a:solidFill>
+                  <a:srgbClr val="FF0000"/>
+                </a:solidFill>
+              </a:rPr>
+              <a:t>grupo de no máximo 3 alunos.</a:t>
+            </a:r>
+          </a:p>
+          <a:p>
+            <a:pPr lvl="1"/>
+            <a:r>
+              <a:rPr lang="pt-BR" b="1" dirty="0" smtClean="0">
+                <a:solidFill>
+                  <a:srgbClr val="FF0000"/>
+                </a:solidFill>
+              </a:rPr>
+              <a:t>Enviar email com nomes e matrículas dos integrantes do grupo.</a:t>
+            </a:r>
+          </a:p>
+          <a:p>
+            <a:pPr lvl="1"/>
+            <a:r>
+              <a:rPr lang="pt-BR" b="1" dirty="0" smtClean="0">
+                <a:solidFill>
+                  <a:srgbClr val="FF0000"/>
+                </a:solidFill>
+              </a:rPr>
+              <a:t>Atentem-se </a:t>
+            </a:r>
+            <a:r>
+              <a:rPr lang="pt-BR" b="1" dirty="0">
+                <a:solidFill>
+                  <a:srgbClr val="FF0000"/>
+                </a:solidFill>
+              </a:rPr>
+              <a:t>ao prazo de entrega definido na tarefa do MS Teams. Entregas fora do prazo não serão aceitas</a:t>
+            </a:r>
+            <a:r>
+              <a:rPr lang="pt-BR" b="1" dirty="0" smtClean="0">
+                <a:solidFill>
+                  <a:srgbClr val="FF0000"/>
+                </a:solidFill>
+              </a:rPr>
+              <a:t>.</a:t>
+            </a:r>
+          </a:p>
+          <a:p>
+            <a:pPr lvl="1"/>
+            <a:r>
+              <a:rPr lang="pt-BR" b="1" dirty="0" smtClean="0">
+                <a:solidFill>
+                  <a:srgbClr val="FF0000"/>
+                </a:solidFill>
+              </a:rPr>
+              <a:t>Leiam os enunciados atentamente</a:t>
+            </a:r>
+            <a:r>
+              <a:rPr lang="pt-BR" b="1" dirty="0">
                 <a:solidFill>
                   <a:srgbClr val="FF0000"/>
                 </a:solidFill>
@@ -10331,7 +10579,7 @@
           <p:cNvPr id="4" name="Título 1">
             <a:extLst>
               <a:ext uri="{FF2B5EF4-FFF2-40B4-BE49-F238E27FC236}">
-                <a16:creationId xmlns:a16="http://schemas.microsoft.com/office/drawing/2014/main" xmlns="" id="{32666AC8-2E17-4DB4-B0F5-60C640CCFD2E}"/>
+                <a16:creationId xmlns="" xmlns:a16="http://schemas.microsoft.com/office/drawing/2014/main" id="{32666AC8-2E17-4DB4-B0F5-60C640CCFD2E}"/>
               </a:ext>
             </a:extLst>
           </p:cNvPr>
@@ -10763,67 +11011,121 @@
         </p:nvSpPr>
         <p:spPr>
           <a:xfrm>
-            <a:off x="838200" y="1825624"/>
-            <a:ext cx="10515600" cy="4665327"/>
+            <a:off x="838200" y="1825623"/>
+            <a:ext cx="11062648" cy="4875427"/>
           </a:xfrm>
         </p:spPr>
         <p:txBody>
           <a:bodyPr>
-            <a:normAutofit fontScale="92500" lnSpcReduction="10000"/>
+            <a:normAutofit fontScale="92500" lnSpcReduction="20000"/>
           </a:bodyPr>
           <a:lstStyle/>
           <a:p>
             <a:r>
               <a:rPr lang="pt-BR" dirty="0" smtClean="0"/>
-              <a:t>Anteriormente, vimos como selecionar o melhor modelo de regressão utilizando as técnicas de validação cruzada: holdout, k-Fold e leave-P-out.</a:t>
-            </a:r>
-          </a:p>
-          <a:p>
+              <a:t>Anteriormente, vimos como </a:t>
+            </a:r>
             <a:r>
               <a:rPr lang="pt-BR" dirty="0" smtClean="0"/>
-              <a:t>Escolhemos sempre o modelo menos complexo e que ainda apresenta valores baixos de erro.</a:t>
-            </a:r>
+              <a:t>escolher o </a:t>
+            </a:r>
+            <a:r>
+              <a:rPr lang="pt-BR" dirty="0" smtClean="0"/>
+              <a:t>melhor modelo de regressão utilizando as técnicas de validação cruzada: holdout, k-Fold e leave-P-out.</a:t>
+            </a:r>
+          </a:p>
+          <a:p>
+            <a:r>
+              <a:rPr lang="pt-BR" dirty="0" smtClean="0"/>
+              <a:t>Escolhemos sempre o modelo menos </a:t>
+            </a:r>
+            <a:r>
+              <a:rPr lang="pt-BR" dirty="0" smtClean="0"/>
+              <a:t>complexo, mas </a:t>
+            </a:r>
+            <a:r>
+              <a:rPr lang="pt-BR" dirty="0" smtClean="0"/>
+              <a:t>que </a:t>
+            </a:r>
+            <a:r>
+              <a:rPr lang="pt-BR" dirty="0" smtClean="0"/>
+              <a:t>generaliza bem. </a:t>
+            </a:r>
+          </a:p>
+          <a:p>
+            <a:r>
+              <a:rPr lang="pt-BR" dirty="0" smtClean="0"/>
+              <a:t>Ou seja, escolhemos o modelo que apresenta </a:t>
+            </a:r>
+            <a:r>
+              <a:rPr lang="pt-BR" dirty="0" smtClean="0"/>
+              <a:t>valores baixos </a:t>
+            </a:r>
+            <a:r>
+              <a:rPr lang="pt-BR" dirty="0" smtClean="0"/>
+              <a:t>para ambos os erros</a:t>
+            </a:r>
+            <a:r>
+              <a:rPr lang="pt-BR" dirty="0" smtClean="0"/>
+              <a:t> de treinamento e de validação.</a:t>
+            </a:r>
+            <a:endParaRPr lang="pt-BR" dirty="0" smtClean="0"/>
           </a:p>
           <a:p>
             <a:r>
               <a:rPr lang="pt-BR" dirty="0"/>
-              <a:t>Uma abordagem alternativa é a procura </a:t>
+              <a:t>Uma abordagem alternativa é </a:t>
             </a:r>
             <a:r>
               <a:rPr lang="pt-BR" dirty="0" smtClean="0"/>
-              <a:t>por </a:t>
-            </a:r>
-            <a:r>
-              <a:rPr lang="pt-BR" b="1" i="1" dirty="0" smtClean="0"/>
-              <a:t>funções hipótese </a:t>
+              <a:t>minimizar conjuntamente o </a:t>
             </a:r>
             <a:r>
               <a:rPr lang="pt-BR" dirty="0"/>
-              <a:t>que </a:t>
+              <a:t>erro e </a:t>
             </a:r>
             <a:r>
               <a:rPr lang="pt-BR" dirty="0" smtClean="0"/>
-              <a:t>minimizem </a:t>
-            </a:r>
-            <a:r>
-              <a:rPr lang="pt-BR" dirty="0"/>
-              <a:t>o erro e a complexidade da </a:t>
-            </a:r>
-            <a:r>
-              <a:rPr lang="pt-BR" b="1" i="1" dirty="0" smtClean="0"/>
-              <a:t>função hipótese</a:t>
-            </a:r>
-            <a:r>
-              <a:rPr lang="pt-BR" dirty="0"/>
-              <a:t>. </a:t>
+              <a:t>a </a:t>
+            </a:r>
+            <a:r>
+              <a:rPr lang="pt-BR" dirty="0" smtClean="0"/>
+              <a:t>complexidade da </a:t>
+            </a:r>
+            <a:r>
+              <a:rPr lang="pt-BR" b="1" i="1" dirty="0"/>
+              <a:t>função hipótese </a:t>
+            </a:r>
+            <a:r>
+              <a:rPr lang="pt-BR" dirty="0" smtClean="0"/>
+              <a:t>.</a:t>
+            </a:r>
+          </a:p>
+          <a:p>
+            <a:r>
+              <a:rPr lang="pt-BR" dirty="0" smtClean="0"/>
+              <a:t>Como veremos, esta abordagem combina erro e complexidade em uma única métrica, possibilitando que encontremos a melhor hipótese de uma só vez.</a:t>
             </a:r>
             <a:endParaRPr lang="pt-BR" dirty="0" smtClean="0"/>
           </a:p>
           <a:p>
             <a:r>
               <a:rPr lang="pt-BR" dirty="0" smtClean="0"/>
-              <a:t>Portanto, hoje, veremos outras formas de se selecionar o melhor modelo de regressão de forma que o erro e a complexidade da hipótese sejam minimizadas.</a:t>
-            </a:r>
+              <a:t>Portanto, hoje, veremos </a:t>
+            </a:r>
+            <a:r>
+              <a:rPr lang="pt-BR" dirty="0" smtClean="0"/>
+              <a:t>as seguintes abordagens para se escolher o </a:t>
+            </a:r>
+            <a:r>
+              <a:rPr lang="pt-BR" dirty="0" smtClean="0"/>
+              <a:t>melhor modelo de </a:t>
+            </a:r>
+            <a:r>
+              <a:rPr lang="pt-BR" dirty="0" smtClean="0"/>
+              <a:t>regressão:</a:t>
+            </a:r>
+            <a:endParaRPr lang="pt-BR" dirty="0" smtClean="0"/>
           </a:p>
           <a:p>
             <a:pPr lvl="1">
@@ -10836,7 +11138,15 @@
             </a:r>
             <a:r>
               <a:rPr lang="pt-BR" dirty="0" smtClean="0"/>
-              <a:t>: penaliza funções hipótese muito complexas, ou seja, muito flexíveis.</a:t>
+              <a:t>: penaliza </a:t>
+            </a:r>
+            <a:r>
+              <a:rPr lang="pt-BR" b="1" i="1" dirty="0" smtClean="0"/>
+              <a:t>funções hipótese </a:t>
+            </a:r>
+            <a:r>
+              <a:rPr lang="pt-BR" dirty="0" smtClean="0"/>
+              <a:t>muito complexas, ou seja, muito flexíveis.</a:t>
             </a:r>
           </a:p>
           <a:p>
@@ -10955,20 +11265,64 @@
           <a:lstStyle/>
           <a:p>
             <a:r>
+              <a:rPr lang="pt-BR" b="1" i="1" dirty="0" smtClean="0"/>
+              <a:t>Regularização</a:t>
+            </a:r>
+            <a:r>
+              <a:rPr lang="pt-BR" dirty="0" smtClean="0"/>
+              <a:t>: deixar o modelo mais regular, ou seja, menos flexível.</a:t>
+            </a:r>
+          </a:p>
+          <a:p>
+            <a:r>
+              <a:rPr lang="pt-BR" dirty="0" smtClean="0"/>
+              <a:t>A </a:t>
+            </a:r>
+            <a:r>
+              <a:rPr lang="pt-BR" dirty="0" smtClean="0"/>
+              <a:t>ideia por trás da </a:t>
+            </a:r>
+            <a:r>
+              <a:rPr lang="pt-BR" b="1" i="1" dirty="0" smtClean="0"/>
+              <a:t>regularização</a:t>
+            </a:r>
+            <a:r>
+              <a:rPr lang="pt-BR" dirty="0" smtClean="0"/>
+              <a:t> é penalizar, explicitamente, </a:t>
+            </a:r>
+            <a:r>
+              <a:rPr lang="pt-BR" b="1" i="1" dirty="0" smtClean="0"/>
+              <a:t>hipóteses</a:t>
+            </a:r>
+            <a:r>
+              <a:rPr lang="pt-BR" dirty="0" smtClean="0"/>
+              <a:t> complexas.</a:t>
+            </a:r>
+          </a:p>
+          <a:p>
+            <a:r>
               <a:rPr lang="pt-BR" dirty="0"/>
-              <a:t>A </a:t>
-            </a:r>
-            <a:r>
-              <a:rPr lang="pt-BR" b="1" dirty="0"/>
-              <a:t>regularização </a:t>
-            </a:r>
-            <a:r>
-              <a:rPr lang="pt-BR" dirty="0" smtClean="0"/>
-              <a:t>é outra forma </a:t>
+              <a:t>Técnicas de </a:t>
+            </a:r>
+            <a:r>
+              <a:rPr lang="pt-BR" b="1" i="1" dirty="0"/>
+              <a:t>regularização</a:t>
             </a:r>
             <a:r>
               <a:rPr lang="pt-BR" dirty="0"/>
-              <a:t>de se escolher o melhor modelo</a:t>
+              <a:t> podem reduzir o risco de </a:t>
+            </a:r>
+            <a:r>
+              <a:rPr lang="pt-BR" b="1" i="1" dirty="0"/>
+              <a:t>sobreajuste</a:t>
+            </a:r>
+            <a:r>
+              <a:rPr lang="pt-BR" dirty="0"/>
+              <a:t> do modelo ao conjunto de treinamento, aumentando sua capacidade de </a:t>
+            </a:r>
+            <a:r>
+              <a:rPr lang="pt-BR" b="1" i="1" dirty="0"/>
+              <a:t>generalização</a:t>
             </a:r>
             <a:r>
               <a:rPr lang="pt-BR" dirty="0" smtClean="0"/>
@@ -10978,58 +11332,6 @@
           <a:p>
             <a:r>
               <a:rPr lang="pt-BR" dirty="0" smtClean="0"/>
-              <a:t>A ideia por trás da </a:t>
-            </a:r>
-            <a:r>
-              <a:rPr lang="pt-BR" b="1" i="1" dirty="0" smtClean="0"/>
-              <a:t>regularização</a:t>
-            </a:r>
-            <a:r>
-              <a:rPr lang="pt-BR" dirty="0" smtClean="0"/>
-              <a:t> é penalizar, explicitamente, </a:t>
-            </a:r>
-            <a:r>
-              <a:rPr lang="pt-BR" b="1" i="1" dirty="0" smtClean="0"/>
-              <a:t>hipóteses</a:t>
-            </a:r>
-            <a:r>
-              <a:rPr lang="pt-BR" dirty="0" smtClean="0"/>
-              <a:t> complexas.</a:t>
-            </a:r>
-          </a:p>
-          <a:p>
-            <a:r>
-              <a:rPr lang="pt-BR" dirty="0"/>
-              <a:t>Técnicas de </a:t>
-            </a:r>
-            <a:r>
-              <a:rPr lang="pt-BR" b="1" i="1" dirty="0"/>
-              <a:t>regularização</a:t>
-            </a:r>
-            <a:r>
-              <a:rPr lang="pt-BR" dirty="0"/>
-              <a:t> podem reduzir o risco de </a:t>
-            </a:r>
-            <a:r>
-              <a:rPr lang="pt-BR" b="1" i="1" dirty="0"/>
-              <a:t>sobreajuste</a:t>
-            </a:r>
-            <a:r>
-              <a:rPr lang="pt-BR" dirty="0"/>
-              <a:t> do modelo ao conjunto de treinamento, aumentando sua capacidade de </a:t>
-            </a:r>
-            <a:r>
-              <a:rPr lang="pt-BR" b="1" i="1" dirty="0"/>
-              <a:t>generalização</a:t>
-            </a:r>
-            <a:r>
-              <a:rPr lang="pt-BR" dirty="0" smtClean="0"/>
-              <a:t>.</a:t>
-            </a:r>
-          </a:p>
-          <a:p>
-            <a:r>
-              <a:rPr lang="pt-BR" dirty="0" smtClean="0"/>
               <a:t>O </a:t>
             </a:r>
             <a:r>
@@ -11054,10 +11356,14 @@
             </a:r>
             <a:r>
               <a:rPr lang="pt-BR" dirty="0"/>
-              <a:t> do vetor de </a:t>
-            </a:r>
-            <a:r>
-              <a:rPr lang="pt-BR" dirty="0" smtClean="0"/>
+              <a:t> do </a:t>
+            </a:r>
+            <a:r>
+              <a:rPr lang="pt-BR" b="1" i="1" dirty="0"/>
+              <a:t>vetor de </a:t>
+            </a:r>
+            <a:r>
+              <a:rPr lang="pt-BR" b="1" i="1" dirty="0" smtClean="0"/>
               <a:t>pesos </a:t>
             </a:r>
             <a:r>
@@ -11169,8 +11475,8 @@
           </a:p>
         </p:txBody>
       </p:sp>
-      <mc:AlternateContent xmlns:mc="http://schemas.openxmlformats.org/markup-compatibility/2006" xmlns:a14="http://schemas.microsoft.com/office/drawing/2010/main">
-        <mc:Choice Requires="a14">
+      <mc:AlternateContent xmlns:mc="http://schemas.openxmlformats.org/markup-compatibility/2006">
+        <mc:Choice xmlns:a14="http://schemas.microsoft.com/office/drawing/2010/main" Requires="a14">
           <p:sp>
             <p:nvSpPr>
               <p:cNvPr id="3" name="Content Placeholder 2"/>
@@ -11195,7 +11501,15 @@
               <a:p>
                 <a:r>
                   <a:rPr lang="pt-BR" dirty="0"/>
-                  <a:t>Ao invés de minimizarmos apenas o erro quadrático médio, como fizemos antes, introduzimos um</a:t>
+                  <a:t>Ao invés de minimizarmos apenas o </a:t>
+                </a:r>
+                <a:r>
+                  <a:rPr lang="pt-BR" b="1" i="1" dirty="0"/>
+                  <a:t>erro quadrático médio</a:t>
+                </a:r>
+                <a:r>
+                  <a:rPr lang="pt-BR" dirty="0"/>
+                  <a:t>, como fizemos antes, introduzimos um</a:t>
                 </a:r>
                 <a:r>
                   <a:rPr lang="pt-BR" b="1" dirty="0"/>
@@ -11988,7 +12302,23 @@
                 </a14:m>
                 <a:r>
                   <a:rPr lang="pt-BR" dirty="0" smtClean="0"/>
-                  <a:t> modifica a complexidade (ou seja, flexibilidade) da função hipótese.</a:t>
+                  <a:t> </a:t>
+                </a:r>
+                <a:r>
+                  <a:rPr lang="pt-BR" dirty="0" smtClean="0"/>
+                  <a:t>altera a </a:t>
+                </a:r>
+                <a:r>
+                  <a:rPr lang="pt-BR" dirty="0" smtClean="0"/>
+                  <a:t>complexidade (ou seja, </a:t>
+                </a:r>
+                <a:r>
+                  <a:rPr lang="pt-BR" dirty="0" smtClean="0"/>
+                  <a:t>a flexibilidade</a:t>
+                </a:r>
+                <a:r>
+                  <a:rPr lang="pt-BR" dirty="0" smtClean="0"/>
+                  <a:t>) da função hipótese.</a:t>
                 </a:r>
                 <a:endParaRPr lang="pt-BR" dirty="0"/>
               </a:p>
@@ -12109,7 +12439,7 @@
             </p:txBody>
           </p:sp>
         </mc:Choice>
-        <mc:Fallback xmlns="">
+        <mc:Fallback>
           <p:sp>
             <p:nvSpPr>
               <p:cNvPr id="3" name="Content Placeholder 2"/>
@@ -12667,6 +12997,45 @@
           </a:fontRef>
         </p:style>
       </p:cxnSp>
+      <p:pic>
+        <p:nvPicPr>
+          <p:cNvPr id="1026" name="Picture 2" descr="Introduction to Regularization Methods in Deep Learning | by John Kaller |  unpackAI | Medium"/>
+          <p:cNvPicPr>
+            <a:picLocks noChangeAspect="1" noChangeArrowheads="1"/>
+          </p:cNvPicPr>
+          <p:nvPr/>
+        </p:nvPicPr>
+        <p:blipFill rotWithShape="1">
+          <a:blip r:embed="rId5">
+            <a:extLst>
+              <a:ext uri="{28A0092B-C50C-407E-A947-70E740481C1C}">
+                <a14:useLocalDpi xmlns:a14="http://schemas.microsoft.com/office/drawing/2010/main" val="0"/>
+              </a:ext>
+            </a:extLst>
+          </a:blip>
+          <a:srcRect l="59624" t="5351" r="3408" b="3790"/>
+          <a:stretch/>
+        </p:blipFill>
+        <p:spPr bwMode="auto">
+          <a:xfrm>
+            <a:off x="7207092" y="27710"/>
+            <a:ext cx="1216480" cy="1812794"/>
+          </a:xfrm>
+          <a:prstGeom prst="rect">
+            <a:avLst/>
+          </a:prstGeom>
+          <a:noFill/>
+          <a:extLst>
+            <a:ext uri="{909E8E84-426E-40DD-AFC4-6F175D3DCCD1}">
+              <a14:hiddenFill xmlns:a14="http://schemas.microsoft.com/office/drawing/2010/main">
+                <a:solidFill>
+                  <a:srgbClr val="FFFFFF"/>
+                </a:solidFill>
+              </a14:hiddenFill>
+            </a:ext>
+          </a:extLst>
+        </p:spPr>
+      </p:pic>
     </p:spTree>
     <p:extLst>
       <p:ext uri="{BB962C8B-B14F-4D97-AF65-F5344CB8AC3E}">
@@ -12736,8 +13105,8 @@
           </a:p>
         </p:txBody>
       </p:sp>
-      <mc:AlternateContent xmlns:mc="http://schemas.openxmlformats.org/markup-compatibility/2006" xmlns:a14="http://schemas.microsoft.com/office/drawing/2010/main">
-        <mc:Choice Requires="a14">
+      <mc:AlternateContent xmlns:mc="http://schemas.openxmlformats.org/markup-compatibility/2006">
+        <mc:Choice xmlns:a14="http://schemas.microsoft.com/office/drawing/2010/main" Requires="a14">
           <p:sp>
             <p:nvSpPr>
               <p:cNvPr id="3" name="Content Placeholder 2"/>
@@ -12923,11 +13292,15 @@
               <a:p>
                 <a:r>
                   <a:rPr lang="pt-BR" dirty="0" smtClean="0"/>
-                  <a:t>Desta forma, encontramos </a:t>
+                  <a:t>Desta forma, </a:t>
+                </a:r>
+                <a:r>
+                  <a:rPr lang="pt-BR" dirty="0" smtClean="0"/>
+                  <a:t>podemos encontrar uma </a:t>
                 </a:r>
                 <a:r>
                   <a:rPr lang="pt-BR" dirty="0"/>
-                  <a:t>uma solução de forma fechada seguindo o mesmo procedimento que usamos para encontrar a </a:t>
+                  <a:t>solução de forma fechada seguindo o mesmo procedimento que usamos para encontrar a </a:t>
                 </a:r>
                 <a:r>
                   <a:rPr lang="pt-BR" b="1" i="1" dirty="0"/>
@@ -13612,11 +13985,19 @@
                 </a:r>
                 <a:r>
                   <a:rPr lang="pt-BR" b="1" i="1" dirty="0"/>
-                  <a:t>posto completo</a:t>
+                  <a:t>posto </a:t>
+                </a:r>
+                <a:r>
+                  <a:rPr lang="pt-BR" b="1" i="1" dirty="0" smtClean="0"/>
+                  <a:t>completo </a:t>
+                </a:r>
+                <a:r>
+                  <a:rPr lang="pt-BR" dirty="0" smtClean="0"/>
+                  <a:t>(i.e., matriz singular), </a:t>
                 </a:r>
                 <a:r>
                   <a:rPr lang="pt-BR" dirty="0"/>
-                  <a:t>, a inversa na </a:t>
+                  <a:t>a inversa na </a:t>
                 </a:r>
                 <a:r>
                   <a:rPr lang="pt-BR" dirty="0" smtClean="0"/>
@@ -13702,7 +14083,15 @@
                 </a:r>
                 <a:r>
                   <a:rPr lang="pt-BR" dirty="0"/>
-                  <a:t>é diferenciável, os problemas de aprendizagem usando a regularização de Ridge podem ser resolvidos iterativamente através do </a:t>
+                  <a:t>é diferenciável, os problemas de aprendizagem usando a regularização de </a:t>
+                </a:r>
+                <a:r>
+                  <a:rPr lang="pt-BR" dirty="0" smtClean="0"/>
+                  <a:t>Ridge também </a:t>
+                </a:r>
+                <a:r>
+                  <a:rPr lang="pt-BR" dirty="0"/>
+                  <a:t>podem ser resolvidos iterativamente através do </a:t>
                 </a:r>
                 <a:r>
                   <a:rPr lang="pt-BR" b="1" i="1" dirty="0" smtClean="0"/>
@@ -13730,7 +14119,7 @@
             </p:txBody>
           </p:sp>
         </mc:Choice>
-        <mc:Fallback xmlns="">
+        <mc:Fallback>
           <p:sp>
             <p:nvSpPr>
               <p:cNvPr id="3" name="Content Placeholder 2"/>
@@ -13899,7 +14288,7 @@
         </p:nvSpPr>
         <p:spPr>
           <a:xfrm>
-            <a:off x="838200" y="206861"/>
+            <a:off x="838200" y="151441"/>
             <a:ext cx="10515600" cy="782110"/>
           </a:xfrm>
         </p:spPr>
@@ -13922,8 +14311,8 @@
           </a:p>
         </p:txBody>
       </p:sp>
-      <mc:AlternateContent xmlns:mc="http://schemas.openxmlformats.org/markup-compatibility/2006" xmlns:a14="http://schemas.microsoft.com/office/drawing/2010/main">
-        <mc:Choice Requires="a14">
+      <mc:AlternateContent xmlns:mc="http://schemas.openxmlformats.org/markup-compatibility/2006">
+        <mc:Choice xmlns:a14="http://schemas.microsoft.com/office/drawing/2010/main" Requires="a14">
           <p:sp>
             <p:nvSpPr>
               <p:cNvPr id="11" name="Content Placeholder 2"/>
@@ -14255,8 +14644,68 @@
               </a:p>
               <a:p>
                 <a:r>
+                  <a:rPr lang="pt-BR" b="1" dirty="0" smtClean="0">
+                    <a:solidFill>
+                      <a:srgbClr val="00B050"/>
+                    </a:solidFill>
+                  </a:rPr>
+                  <a:t>O aumento de </a:t>
+                </a:r>
+                <a14:m>
+                  <m:oMath xmlns:m="http://schemas.openxmlformats.org/officeDocument/2006/math">
+                    <m:r>
+                      <a:rPr lang="pt-BR" b="1" i="0">
+                        <a:solidFill>
+                          <a:srgbClr val="00B050"/>
+                        </a:solidFill>
+                        <a:latin typeface="Cambria Math" panose="02040503050406030204" pitchFamily="18" charset="0"/>
+                        <a:ea typeface="Cambria Math" panose="02040503050406030204" pitchFamily="18" charset="0"/>
+                      </a:rPr>
+                      <m:t>𝛌</m:t>
+                    </m:r>
+                  </m:oMath>
+                </a14:m>
+                <a:r>
+                  <a:rPr lang="pt-BR" b="1" dirty="0">
+                    <a:solidFill>
+                      <a:srgbClr val="00B050"/>
+                    </a:solidFill>
+                  </a:rPr>
+                  <a:t> leva a hipóteses </a:t>
+                </a:r>
+                <a:r>
+                  <a:rPr lang="pt-BR" b="1" dirty="0" smtClean="0">
+                    <a:solidFill>
+                      <a:srgbClr val="00B050"/>
+                    </a:solidFill>
+                  </a:rPr>
+                  <a:t>menos complexas. </a:t>
+                </a:r>
+                <a:r>
+                  <a:rPr lang="pt-BR" dirty="0" smtClean="0"/>
+                  <a:t>Isso </a:t>
+                </a:r>
+                <a:r>
                   <a:rPr lang="pt-BR" dirty="0"/>
-                  <a:t>O aumento de </a:t>
+                  <a:t>reduz a variância do modelo, mas aumenta seu bias. Ou seja, </a:t>
+                </a:r>
+                <a:r>
+                  <a:rPr lang="pt-BR" dirty="0" smtClean="0"/>
+                  <a:t>ele tende a </a:t>
+                </a:r>
+                <a:r>
+                  <a:rPr lang="pt-BR" b="1" i="1" dirty="0" smtClean="0"/>
+                  <a:t>subajustar</a:t>
+                </a:r>
+                <a:r>
+                  <a:rPr lang="pt-BR" dirty="0" smtClean="0"/>
+                  <a:t>.</a:t>
+                </a:r>
+              </a:p>
+              <a:p>
+                <a:r>
+                  <a:rPr lang="pt-BR" dirty="0"/>
+                  <a:t>Conforme </a:t>
                 </a:r>
                 <a14:m>
                   <m:oMath xmlns:m="http://schemas.openxmlformats.org/officeDocument/2006/math">
@@ -14271,33 +14720,33 @@
                 </a14:m>
                 <a:r>
                   <a:rPr lang="pt-BR" dirty="0"/>
-                  <a:t> leva a hipóteses </a:t>
+                  <a:t> aumenta, os pesos </a:t>
                 </a:r>
                 <a:r>
                   <a:rPr lang="pt-BR" dirty="0" smtClean="0"/>
-                  <a:t>menos complexas. Isso </a:t>
+                  <a:t>e a </a:t>
                 </a:r>
                 <a:r>
                   <a:rPr lang="pt-BR" dirty="0"/>
-                  <a:t>reduz a variância do modelo, mas aumenta seu bias. Ou seja, </a:t>
+                  <a:t>norma L2 do vetor de </a:t>
                 </a:r>
                 <a:r>
                   <a:rPr lang="pt-BR" dirty="0" smtClean="0"/>
-                  <a:t>ele tende a </a:t>
-                </a:r>
-                <a:r>
-                  <a:rPr lang="pt-BR" b="1" i="1" dirty="0" smtClean="0"/>
-                  <a:t>subajustar</a:t>
-                </a:r>
-                <a:r>
-                  <a:rPr lang="pt-BR" dirty="0" smtClean="0"/>
-                  <a:t>.</a:t>
+                  <a:t>pesos diminuem.</a:t>
                 </a:r>
               </a:p>
               <a:p>
                 <a:r>
-                  <a:rPr lang="pt-BR" dirty="0"/>
-                  <a:t>Conforme </a:t>
+                  <a:rPr lang="pt-BR" dirty="0" smtClean="0"/>
+                  <a:t>Utiliza-se técnicas de </a:t>
+                </a:r>
+                <a:r>
+                  <a:rPr lang="pt-BR" b="1" i="1" dirty="0" smtClean="0"/>
+                  <a:t>validação cruzada </a:t>
+                </a:r>
+                <a:r>
+                  <a:rPr lang="pt-BR" dirty="0" smtClean="0"/>
+                  <a:t>para encontrar o valor ideal de </a:t>
                 </a:r>
                 <a14:m>
                   <m:oMath xmlns:m="http://schemas.openxmlformats.org/officeDocument/2006/math">
@@ -14311,39 +14760,6 @@
                   </m:oMath>
                 </a14:m>
                 <a:r>
-                  <a:rPr lang="pt-BR" dirty="0"/>
-                  <a:t> aumenta, os pesos </a:t>
-                </a:r>
-                <a:r>
-                  <a:rPr lang="pt-BR" dirty="0" smtClean="0"/>
-                  <a:t>e a </a:t>
-                </a:r>
-                <a:r>
-                  <a:rPr lang="pt-BR" dirty="0"/>
-                  <a:t>norma L2 do vetor de </a:t>
-                </a:r>
-                <a:r>
-                  <a:rPr lang="pt-BR" dirty="0" smtClean="0"/>
-                  <a:t>pesos diminuem.</a:t>
-                </a:r>
-              </a:p>
-              <a:p>
-                <a:r>
-                  <a:rPr lang="pt-BR" dirty="0" smtClean="0"/>
-                  <a:t>Utiliza-se técnicas de validação cruzada para encontrar o valor ideal de </a:t>
-                </a:r>
-                <a14:m>
-                  <m:oMath xmlns:m="http://schemas.openxmlformats.org/officeDocument/2006/math">
-                    <m:r>
-                      <a:rPr lang="pt-BR" i="1">
-                        <a:latin typeface="Cambria Math" panose="02040503050406030204" pitchFamily="18" charset="0"/>
-                        <a:ea typeface="Cambria Math" panose="02040503050406030204" pitchFamily="18" charset="0"/>
-                      </a:rPr>
-                      <m:t>𝜆</m:t>
-                    </m:r>
-                  </m:oMath>
-                </a14:m>
-                <a:r>
                   <a:rPr lang="pt-BR" dirty="0" smtClean="0"/>
                   <a:t>.</a:t>
                 </a:r>
@@ -14352,7 +14768,7 @@
             </p:txBody>
           </p:sp>
         </mc:Choice>
-        <mc:Fallback xmlns="">
+        <mc:Fallback>
           <p:sp>
             <p:nvSpPr>
               <p:cNvPr id="11" name="Content Placeholder 2"/>
@@ -14371,7 +14787,7 @@
               <a:blipFill rotWithShape="0">
                 <a:blip r:embed="rId3"/>
                 <a:stretch>
-                  <a:fillRect l="-438" t="-3423" r="-821" b="-2703"/>
+                  <a:fillRect l="-438" t="-3423" r="-164" b="-2703"/>
                 </a:stretch>
               </a:blipFill>
             </p:spPr>
@@ -15714,6 +16130,45 @@
           </a:fontRef>
         </p:style>
       </p:cxnSp>
+      <p:pic>
+        <p:nvPicPr>
+          <p:cNvPr id="2050" name="Picture 2" descr="Introduction to Regularization Methods in Deep Learning | by John Kaller |  unpackAI | Medium"/>
+          <p:cNvPicPr>
+            <a:picLocks noChangeAspect="1" noChangeArrowheads="1"/>
+          </p:cNvPicPr>
+          <p:nvPr/>
+        </p:nvPicPr>
+        <p:blipFill rotWithShape="1">
+          <a:blip r:embed="rId4">
+            <a:extLst>
+              <a:ext uri="{28A0092B-C50C-407E-A947-70E740481C1C}">
+                <a14:useLocalDpi xmlns:a14="http://schemas.microsoft.com/office/drawing/2010/main" val="0"/>
+              </a:ext>
+            </a:extLst>
+          </a:blip>
+          <a:srcRect l="6710" t="5749" r="56564" b="3790"/>
+          <a:stretch/>
+        </p:blipFill>
+        <p:spPr bwMode="auto">
+          <a:xfrm>
+            <a:off x="7558700" y="27710"/>
+            <a:ext cx="1222444" cy="1825624"/>
+          </a:xfrm>
+          <a:prstGeom prst="rect">
+            <a:avLst/>
+          </a:prstGeom>
+          <a:noFill/>
+          <a:extLst>
+            <a:ext uri="{909E8E84-426E-40DD-AFC4-6F175D3DCCD1}">
+              <a14:hiddenFill xmlns:a14="http://schemas.microsoft.com/office/drawing/2010/main">
+                <a:solidFill>
+                  <a:srgbClr val="FFFFFF"/>
+                </a:solidFill>
+              </a14:hiddenFill>
+            </a:ext>
+          </a:extLst>
+        </p:spPr>
+      </p:pic>
     </p:spTree>
     <p:extLst>
       <p:ext uri="{BB962C8B-B14F-4D97-AF65-F5344CB8AC3E}">
@@ -15783,8 +16238,8 @@
           </a:p>
         </p:txBody>
       </p:sp>
-      <mc:AlternateContent xmlns:mc="http://schemas.openxmlformats.org/markup-compatibility/2006" xmlns:a14="http://schemas.microsoft.com/office/drawing/2010/main">
-        <mc:Choice Requires="a14">
+      <mc:AlternateContent xmlns:mc="http://schemas.openxmlformats.org/markup-compatibility/2006">
+        <mc:Choice xmlns:a14="http://schemas.microsoft.com/office/drawing/2010/main" Requires="a14">
           <p:sp>
             <p:nvSpPr>
               <p:cNvPr id="3" name="Content Placeholder 2"/>
@@ -15809,7 +16264,11 @@
               <a:p>
                 <a:r>
                   <a:rPr lang="pt-BR" dirty="0" smtClean="0"/>
-                  <a:t>Mesmas funções geradora e hipótese do exemplo anterior.</a:t>
+                  <a:t>Mesmas funções </a:t>
+                </a:r>
+                <a:r>
+                  <a:rPr lang="pt-BR" dirty="0" smtClean="0"/>
+                  <a:t>geradora e hipótese do exemplo anterior.</a:t>
                 </a:r>
               </a:p>
               <a:p>
@@ -15878,7 +16337,15 @@
                 </a:r>
                 <a:r>
                   <a:rPr lang="pt-BR" dirty="0" smtClean="0"/>
-                  <a:t>, indicando que os pesos correspondentes são irrelevantes. </a:t>
+                  <a:t>, indicando que os </a:t>
+                </a:r>
+                <a:r>
+                  <a:rPr lang="pt-BR" dirty="0" smtClean="0"/>
+                  <a:t>atributos correspondentes </a:t>
+                </a:r>
+                <a:r>
+                  <a:rPr lang="pt-BR" dirty="0" smtClean="0"/>
+                  <a:t>são irrelevantes. </a:t>
                 </a:r>
               </a:p>
               <a:p>
@@ -15892,18 +16359,14 @@
                 </a:r>
                 <a:r>
                   <a:rPr lang="pt-BR" b="1" i="1" dirty="0"/>
-                  <a:t>seleção automática </a:t>
-                </a:r>
-                <a:r>
-                  <a:rPr lang="pt-BR" b="1" i="1"/>
-                  <a:t>de </a:t>
-                </a:r>
-                <a:r>
-                  <a:rPr lang="pt-BR" b="1" i="1" smtClean="0"/>
+                  <a:t>seleção automática de </a:t>
+                </a:r>
+                <a:r>
+                  <a:rPr lang="pt-BR" b="1" i="1" dirty="0" smtClean="0"/>
                   <a:t>atributos</a:t>
                 </a:r>
                 <a:r>
-                  <a:rPr lang="pt-BR" smtClean="0"/>
+                  <a:rPr lang="pt-BR" dirty="0" smtClean="0"/>
                   <a:t>, </a:t>
                 </a:r>
                 <a:r>
@@ -16040,7 +16503,7 @@
             </p:txBody>
           </p:sp>
         </mc:Choice>
-        <mc:Fallback xmlns="">
+        <mc:Fallback>
           <p:sp>
             <p:nvSpPr>
               <p:cNvPr id="3" name="Content Placeholder 2"/>
@@ -16471,12 +16934,12 @@
             <p:spPr>
               <a:xfrm>
                 <a:off x="465513" y="3474995"/>
-                <a:ext cx="11520626" cy="3383005"/>
+                <a:ext cx="11520626" cy="3521550"/>
               </a:xfrm>
             </p:spPr>
             <p:txBody>
               <a:bodyPr>
-                <a:normAutofit fontScale="85000" lnSpcReduction="20000"/>
+                <a:normAutofit fontScale="85000" lnSpcReduction="10000"/>
               </a:bodyPr>
               <a:lstStyle/>
               <a:p>
@@ -16486,15 +16949,7 @@
                 </a:r>
                 <a:r>
                   <a:rPr lang="pt-BR" b="1" dirty="0" smtClean="0"/>
-                  <a:t>LASSO tem </a:t>
-                </a:r>
-                <a:r>
-                  <a:rPr lang="pt-BR" b="1" dirty="0" smtClean="0"/>
-                  <a:t>como </a:t>
-                </a:r>
-                <a:r>
-                  <a:rPr lang="pt-BR" b="1" dirty="0" smtClean="0"/>
-                  <a:t>vantagem a produção de modelos esparsos</a:t>
+                  <a:t>LASSO tem como vantagem a produção de modelos esparsos</a:t>
                 </a:r>
                 <a:r>
                   <a:rPr lang="pt-BR" dirty="0" smtClean="0"/>
@@ -16509,7 +16964,15 @@
                 </a:pPr>
                 <a:r>
                   <a:rPr lang="pt-BR" dirty="0" smtClean="0"/>
-                  <a:t>Figura mostra as </a:t>
+                  <a:t>A f</a:t>
+                </a:r>
+                <a:r>
+                  <a:rPr lang="pt-BR" dirty="0" smtClean="0"/>
+                  <a:t>igura </a:t>
+                </a:r>
+                <a:r>
+                  <a:rPr lang="pt-BR" dirty="0" smtClean="0"/>
+                  <a:t>mostra as </a:t>
                 </a:r>
                 <a:r>
                   <a:rPr lang="pt-BR" dirty="0"/>
@@ -16545,48 +17008,11 @@
                 </a:r>
                 <a:r>
                   <a:rPr lang="pt-BR" dirty="0"/>
-                  <a:t>válidas, considerando o caso em que dois pesos estão sujeitos </a:t>
-                </a:r>
-                <a:r>
-                  <a:rPr lang="pt-BR" dirty="0" smtClean="0"/>
-                  <a:t>a </a:t>
+                  <a:t>válidas, considerando o caso em que dois pesos </a:t>
                 </a:r>
                 <a:r>
                   <a:rPr lang="pt-BR" dirty="0"/>
-                  <a:t>regularização (</a:t>
-                </a:r>
-                <a14:m>
-                  <m:oMath xmlns:m="http://schemas.openxmlformats.org/officeDocument/2006/math">
-                    <m:sSub>
-                      <m:sSubPr>
-                        <m:ctrlPr>
-                          <a:rPr lang="pt-BR" i="1" smtClean="0">
-                            <a:latin typeface="Cambria Math" panose="02040503050406030204" pitchFamily="18" charset="0"/>
-                          </a:rPr>
-                        </m:ctrlPr>
-                      </m:sSubPr>
-                      <m:e>
-                        <m:r>
-                          <a:rPr lang="pt-BR" b="0" i="1" smtClean="0">
-                            <a:latin typeface="Cambria Math" panose="02040503050406030204" pitchFamily="18" charset="0"/>
-                          </a:rPr>
-                          <m:t>𝑎</m:t>
-                        </m:r>
-                      </m:e>
-                      <m:sub>
-                        <m:r>
-                          <a:rPr lang="pt-BR" b="0" i="1" smtClean="0">
-                            <a:latin typeface="Cambria Math" panose="02040503050406030204" pitchFamily="18" charset="0"/>
-                          </a:rPr>
-                          <m:t>1</m:t>
-                        </m:r>
-                      </m:sub>
-                    </m:sSub>
-                  </m:oMath>
-                </a14:m>
-                <a:r>
-                  <a:rPr lang="pt-BR" dirty="0"/>
-                  <a:t> e </a:t>
+                  <a:t>(</a:t>
                 </a:r>
                 <a14:m>
                   <m:oMath xmlns:m="http://schemas.openxmlformats.org/officeDocument/2006/math">
@@ -16608,7 +17034,40 @@
                       </m:e>
                       <m:sub>
                         <m:r>
-                          <a:rPr lang="pt-BR" b="0" i="1" smtClean="0">
+                          <a:rPr lang="pt-BR" i="1">
+                            <a:latin typeface="Cambria Math" panose="02040503050406030204" pitchFamily="18" charset="0"/>
+                          </a:rPr>
+                          <m:t>1</m:t>
+                        </m:r>
+                      </m:sub>
+                    </m:sSub>
+                  </m:oMath>
+                </a14:m>
+                <a:r>
+                  <a:rPr lang="pt-BR" dirty="0"/>
+                  <a:t> e </a:t>
+                </a:r>
+                <a14:m>
+                  <m:oMath xmlns:m="http://schemas.openxmlformats.org/officeDocument/2006/math">
+                    <m:sSub>
+                      <m:sSubPr>
+                        <m:ctrlPr>
+                          <a:rPr lang="pt-BR" i="1">
+                            <a:latin typeface="Cambria Math" panose="02040503050406030204" pitchFamily="18" charset="0"/>
+                          </a:rPr>
+                        </m:ctrlPr>
+                      </m:sSubPr>
+                      <m:e>
+                        <m:r>
+                          <a:rPr lang="pt-BR" i="1">
+                            <a:latin typeface="Cambria Math" panose="02040503050406030204" pitchFamily="18" charset="0"/>
+                          </a:rPr>
+                          <m:t>𝑎</m:t>
+                        </m:r>
+                      </m:e>
+                      <m:sub>
+                        <m:r>
+                          <a:rPr lang="pt-BR" i="1">
                             <a:latin typeface="Cambria Math" panose="02040503050406030204" pitchFamily="18" charset="0"/>
                           </a:rPr>
                           <m:t>2</m:t>
@@ -16618,9 +17077,22 @@
                   </m:oMath>
                 </a14:m>
                 <a:r>
+                  <a:rPr lang="pt-BR" dirty="0" smtClean="0"/>
+                  <a:t>) estão </a:t>
+                </a:r>
+                <a:r>
                   <a:rPr lang="pt-BR" dirty="0"/>
-                  <a:t>).</a:t>
-                </a:r>
+                  <a:t>sujeitos </a:t>
+                </a:r>
+                <a:r>
+                  <a:rPr lang="pt-BR" dirty="0" smtClean="0"/>
+                  <a:t>a </a:t>
+                </a:r>
+                <a:r>
+                  <a:rPr lang="pt-BR" dirty="0" smtClean="0"/>
+                  <a:t>regularização.</a:t>
+                </a:r>
+                <a:endParaRPr lang="pt-BR" dirty="0"/>
               </a:p>
               <a:p>
                 <a:pPr lvl="1">
@@ -16691,7 +17163,11 @@
                 </a:r>
                 <a:r>
                   <a:rPr lang="pt-BR" dirty="0"/>
-                  <a:t>ponto mais próximo do ponto de mínimo</a:t>
+                  <a:t>ponto mais próximo do ponto de </a:t>
+                </a:r>
+                <a:r>
+                  <a:rPr lang="pt-BR" dirty="0" smtClean="0"/>
+                  <a:t>mínimo da função de erro.</a:t>
                 </a:r>
                 <a:endParaRPr lang="pt-BR" dirty="0" smtClean="0"/>
               </a:p>
@@ -16772,12 +17248,12 @@
             <p:spPr>
               <a:xfrm>
                 <a:off x="465513" y="3474995"/>
-                <a:ext cx="11520626" cy="3383005"/>
+                <a:ext cx="11520626" cy="3521550"/>
               </a:xfrm>
               <a:blipFill rotWithShape="0">
                 <a:blip r:embed="rId3"/>
                 <a:stretch>
-                  <a:fillRect l="-688" t="-4144"/>
+                  <a:fillRect l="-688" t="-3287" r="-582"/>
                 </a:stretch>
               </a:blipFill>
             </p:spPr>

--- a/slides/T319_Regressão_Linear (Parte VI).pptx
+++ b/slides/T319_Regressão_Linear (Parte VI).pptx
@@ -539,7 +539,7 @@
           <a:p>
             <a:fld id="{DAF0AF11-6A8A-4E64-94F5-26D4FBA2A01D}" type="datetimeFigureOut">
               <a:rPr lang="nl-BE" smtClean="0"/>
-              <a:t>27/06/2021</a:t>
+              <a:t>7/07/2021</a:t>
             </a:fld>
             <a:endParaRPr lang="nl-BE"/>
           </a:p>
@@ -2298,19 +2298,7 @@
                     <a:ea typeface="+mn-ea"/>
                     <a:cs typeface="+mn-cs"/>
                   </a:rPr>
-                  <a:t>Ridge </a:t>
-                </a:r>
-                <a:r>
-                  <a:rPr lang="en-US" sz="1200" b="0" i="1" kern="1200" dirty="0" smtClean="0">
-                    <a:solidFill>
-                      <a:schemeClr val="tx1"/>
-                    </a:solidFill>
-                    <a:effectLst/>
-                    <a:latin typeface="+mn-lt"/>
-                    <a:ea typeface="+mn-ea"/>
-                    <a:cs typeface="+mn-cs"/>
-                  </a:rPr>
-                  <a:t>Regression</a:t>
+                  <a:t>Ridge Regression</a:t>
                 </a:r>
                 <a:r>
                   <a:rPr lang="en-US" sz="1200" b="0" i="0" kern="1200" dirty="0">
@@ -5342,7 +5330,7 @@
           <a:p>
             <a:fld id="{C80E15A5-E95B-43EB-9AC7-9A96397448C0}" type="datetimeFigureOut">
               <a:rPr lang="nl-BE" smtClean="0"/>
-              <a:t>27/06/2021</a:t>
+              <a:t>7/07/2021</a:t>
             </a:fld>
             <a:endParaRPr lang="nl-BE"/>
           </a:p>
@@ -5512,7 +5500,7 @@
           <a:p>
             <a:fld id="{C80E15A5-E95B-43EB-9AC7-9A96397448C0}" type="datetimeFigureOut">
               <a:rPr lang="nl-BE" smtClean="0"/>
-              <a:t>27/06/2021</a:t>
+              <a:t>7/07/2021</a:t>
             </a:fld>
             <a:endParaRPr lang="nl-BE"/>
           </a:p>
@@ -5692,7 +5680,7 @@
           <a:p>
             <a:fld id="{C80E15A5-E95B-43EB-9AC7-9A96397448C0}" type="datetimeFigureOut">
               <a:rPr lang="nl-BE" smtClean="0"/>
-              <a:t>27/06/2021</a:t>
+              <a:t>7/07/2021</a:t>
             </a:fld>
             <a:endParaRPr lang="nl-BE"/>
           </a:p>
@@ -5862,7 +5850,7 @@
           <a:p>
             <a:fld id="{C80E15A5-E95B-43EB-9AC7-9A96397448C0}" type="datetimeFigureOut">
               <a:rPr lang="nl-BE" smtClean="0"/>
-              <a:t>27/06/2021</a:t>
+              <a:t>7/07/2021</a:t>
             </a:fld>
             <a:endParaRPr lang="nl-BE"/>
           </a:p>
@@ -6108,7 +6096,7 @@
           <a:p>
             <a:fld id="{C80E15A5-E95B-43EB-9AC7-9A96397448C0}" type="datetimeFigureOut">
               <a:rPr lang="nl-BE" smtClean="0"/>
-              <a:t>27/06/2021</a:t>
+              <a:t>7/07/2021</a:t>
             </a:fld>
             <a:endParaRPr lang="nl-BE"/>
           </a:p>
@@ -6340,7 +6328,7 @@
           <a:p>
             <a:fld id="{C80E15A5-E95B-43EB-9AC7-9A96397448C0}" type="datetimeFigureOut">
               <a:rPr lang="nl-BE" smtClean="0"/>
-              <a:t>27/06/2021</a:t>
+              <a:t>7/07/2021</a:t>
             </a:fld>
             <a:endParaRPr lang="nl-BE"/>
           </a:p>
@@ -6707,7 +6695,7 @@
           <a:p>
             <a:fld id="{C80E15A5-E95B-43EB-9AC7-9A96397448C0}" type="datetimeFigureOut">
               <a:rPr lang="nl-BE" smtClean="0"/>
-              <a:t>27/06/2021</a:t>
+              <a:t>7/07/2021</a:t>
             </a:fld>
             <a:endParaRPr lang="nl-BE"/>
           </a:p>
@@ -6825,7 +6813,7 @@
           <a:p>
             <a:fld id="{C80E15A5-E95B-43EB-9AC7-9A96397448C0}" type="datetimeFigureOut">
               <a:rPr lang="nl-BE" smtClean="0"/>
-              <a:t>27/06/2021</a:t>
+              <a:t>7/07/2021</a:t>
             </a:fld>
             <a:endParaRPr lang="nl-BE"/>
           </a:p>
@@ -6920,7 +6908,7 @@
           <a:p>
             <a:fld id="{C80E15A5-E95B-43EB-9AC7-9A96397448C0}" type="datetimeFigureOut">
               <a:rPr lang="nl-BE" smtClean="0"/>
-              <a:t>27/06/2021</a:t>
+              <a:t>7/07/2021</a:t>
             </a:fld>
             <a:endParaRPr lang="nl-BE"/>
           </a:p>
@@ -7197,7 +7185,7 @@
           <a:p>
             <a:fld id="{C80E15A5-E95B-43EB-9AC7-9A96397448C0}" type="datetimeFigureOut">
               <a:rPr lang="nl-BE" smtClean="0"/>
-              <a:t>27/06/2021</a:t>
+              <a:t>7/07/2021</a:t>
             </a:fld>
             <a:endParaRPr lang="nl-BE"/>
           </a:p>
@@ -7450,7 +7438,7 @@
           <a:p>
             <a:fld id="{C80E15A5-E95B-43EB-9AC7-9A96397448C0}" type="datetimeFigureOut">
               <a:rPr lang="nl-BE" smtClean="0"/>
-              <a:t>27/06/2021</a:t>
+              <a:t>7/07/2021</a:t>
             </a:fld>
             <a:endParaRPr lang="nl-BE"/>
           </a:p>
@@ -7663,7 +7651,7 @@
           <a:p>
             <a:fld id="{C80E15A5-E95B-43EB-9AC7-9A96397448C0}" type="datetimeFigureOut">
               <a:rPr lang="nl-BE" smtClean="0"/>
-              <a:t>27/06/2021</a:t>
+              <a:t>7/07/2021</a:t>
             </a:fld>
             <a:endParaRPr lang="nl-BE"/>
           </a:p>
@@ -8073,7 +8061,7 @@
           <p:cNvPr id="2" name="Título 1">
             <a:extLst>
               <a:ext uri="{FF2B5EF4-FFF2-40B4-BE49-F238E27FC236}">
-                <a16:creationId xmlns="" xmlns:a16="http://schemas.microsoft.com/office/drawing/2014/main" id="{32666AC8-2E17-4DB4-B0F5-60C640CCFD2E}"/>
+                <a16:creationId xmlns:a16="http://schemas.microsoft.com/office/drawing/2014/main" xmlns="" id="{32666AC8-2E17-4DB4-B0F5-60C640CCFD2E}"/>
               </a:ext>
             </a:extLst>
           </p:cNvPr>
@@ -8128,7 +8116,7 @@
           <p:cNvPr id="4" name="CaixaDeTexto 3">
             <a:extLst>
               <a:ext uri="{FF2B5EF4-FFF2-40B4-BE49-F238E27FC236}">
-                <a16:creationId xmlns="" xmlns:a16="http://schemas.microsoft.com/office/drawing/2014/main" id="{430EB894-B7D4-434C-9D1A-A14094D9BEEC}"/>
+                <a16:creationId xmlns:a16="http://schemas.microsoft.com/office/drawing/2014/main" xmlns="" id="{430EB894-B7D4-434C-9D1A-A14094D9BEEC}"/>
               </a:ext>
             </a:extLst>
           </p:cNvPr>
@@ -8169,7 +8157,7 @@
           <p:cNvPr id="1026" name="Picture 2" descr="Logo">
             <a:extLst>
               <a:ext uri="{FF2B5EF4-FFF2-40B4-BE49-F238E27FC236}">
-                <a16:creationId xmlns="" xmlns:a16="http://schemas.microsoft.com/office/drawing/2014/main" id="{3F2642E0-4F6A-4196-8F58-E77D36E9A33F}"/>
+                <a16:creationId xmlns:a16="http://schemas.microsoft.com/office/drawing/2014/main" xmlns="" id="{3F2642E0-4F6A-4196-8F58-E77D36E9A33F}"/>
               </a:ext>
             </a:extLst>
           </p:cNvPr>
@@ -8214,7 +8202,7 @@
           <p:cNvPr id="5122" name="Picture 2" descr="Image result for machine learning">
             <a:extLst>
               <a:ext uri="{FF2B5EF4-FFF2-40B4-BE49-F238E27FC236}">
-                <a16:creationId xmlns="" xmlns:a16="http://schemas.microsoft.com/office/drawing/2014/main" id="{810CE0A2-4102-44A6-A370-175E7896CDCB}"/>
+                <a16:creationId xmlns:a16="http://schemas.microsoft.com/office/drawing/2014/main" xmlns="" id="{810CE0A2-4102-44A6-A370-175E7896CDCB}"/>
               </a:ext>
             </a:extLst>
           </p:cNvPr>
@@ -8311,8 +8299,8 @@
           </a:p>
         </p:txBody>
       </p:sp>
-      <mc:AlternateContent xmlns:mc="http://schemas.openxmlformats.org/markup-compatibility/2006">
-        <mc:Choice xmlns:a14="http://schemas.microsoft.com/office/drawing/2010/main" Requires="a14">
+      <mc:AlternateContent xmlns:mc="http://schemas.openxmlformats.org/markup-compatibility/2006" xmlns:a14="http://schemas.microsoft.com/office/drawing/2010/main">
+        <mc:Choice Requires="a14">
           <p:sp>
             <p:nvSpPr>
               <p:cNvPr id="3" name="Content Placeholder 2"/>
@@ -8816,7 +8804,7 @@
             </p:txBody>
           </p:sp>
         </mc:Choice>
-        <mc:Fallback>
+        <mc:Fallback xmlns="">
           <p:sp>
             <p:nvSpPr>
               <p:cNvPr id="3" name="Content Placeholder 2"/>
@@ -9072,8 +9060,8 @@
           </a:p>
         </p:txBody>
       </p:sp>
-      <mc:AlternateContent xmlns:mc="http://schemas.openxmlformats.org/markup-compatibility/2006">
-        <mc:Choice xmlns:a14="http://schemas.microsoft.com/office/drawing/2010/main" Requires="a14">
+      <mc:AlternateContent xmlns:mc="http://schemas.openxmlformats.org/markup-compatibility/2006" xmlns:a14="http://schemas.microsoft.com/office/drawing/2010/main">
+        <mc:Choice Requires="a14">
           <p:sp>
             <p:nvSpPr>
               <p:cNvPr id="3" name="Content Placeholder 2"/>
@@ -9176,11 +9164,7 @@
                 </a:r>
                 <a:r>
                   <a:rPr lang="pt-BR" dirty="0" smtClean="0"/>
-                  <a:t>, </a:t>
-                </a:r>
-                <a:r>
-                  <a:rPr lang="pt-BR" dirty="0" smtClean="0"/>
-                  <a:t>for </a:t>
+                  <a:t>, for </a:t>
                 </a:r>
                 <a:r>
                   <a:rPr lang="pt-BR" dirty="0"/>
@@ -9288,7 +9272,7 @@
             </p:txBody>
           </p:sp>
         </mc:Choice>
-        <mc:Fallback>
+        <mc:Fallback xmlns="">
           <p:sp>
             <p:nvSpPr>
               <p:cNvPr id="3" name="Content Placeholder 2"/>
@@ -9561,14 +9545,7 @@
                 <a:ea typeface="+mn-lt"/>
                 <a:cs typeface="+mn-lt"/>
               </a:rPr>
-              <a:t>Ao </a:t>
-            </a:r>
-            <a:r>
-              <a:rPr lang="pt-BR" dirty="0" smtClean="0">
-                <a:ea typeface="+mn-lt"/>
-                <a:cs typeface="+mn-lt"/>
-              </a:rPr>
-              <a:t>se regularizar </a:t>
+              <a:t>Ao se regularizar </a:t>
             </a:r>
             <a:r>
               <a:rPr lang="pt-BR" dirty="0">
@@ -9614,10 +9591,6 @@
               </a:rPr>
               <a:t>Mas como saber quando interromper o treinamento? Ou seja, qual é o critério de parada?</a:t>
             </a:r>
-            <a:endParaRPr lang="pt-BR" dirty="0" smtClean="0">
-              <a:ea typeface="+mn-lt"/>
-              <a:cs typeface="+mn-lt"/>
-            </a:endParaRPr>
           </a:p>
         </p:txBody>
       </p:sp>
@@ -10500,7 +10473,39 @@
                   <a:srgbClr val="FF0000"/>
                 </a:solidFill>
               </a:rPr>
-              <a:t>ao prazo de entrega definido na tarefa do MS Teams. Entregas fora do prazo não serão aceitas</a:t>
+              <a:t>ao prazo de entrega definido na tarefa do MS Teams</a:t>
+            </a:r>
+            <a:r>
+              <a:rPr lang="pt-BR" b="1">
+                <a:solidFill>
+                  <a:srgbClr val="FF0000"/>
+                </a:solidFill>
+              </a:rPr>
+              <a:t>. </a:t>
+            </a:r>
+            <a:endParaRPr lang="pt-BR" b="1" smtClean="0">
+              <a:solidFill>
+                <a:srgbClr val="FF0000"/>
+              </a:solidFill>
+            </a:endParaRPr>
+          </a:p>
+          <a:p>
+            <a:pPr lvl="1"/>
+            <a:r>
+              <a:rPr lang="pt-BR" b="1" smtClean="0">
+                <a:solidFill>
+                  <a:srgbClr val="FF0000"/>
+                </a:solidFill>
+              </a:rPr>
+              <a:t>Entregas </a:t>
+            </a:r>
+            <a:r>
+              <a:rPr lang="pt-BR" b="1" dirty="0">
+                <a:solidFill>
+                  <a:srgbClr val="FF0000"/>
+                </a:solidFill>
+              </a:rPr>
+              <a:t>fora do prazo não serão aceitas</a:t>
             </a:r>
             <a:r>
               <a:rPr lang="pt-BR" b="1" dirty="0" smtClean="0">
@@ -10529,11 +10534,6 @@
               </a:rPr>
               <a:t>.</a:t>
             </a:r>
-            <a:endParaRPr lang="pt-BR" b="1" dirty="0">
-              <a:solidFill>
-                <a:srgbClr val="FF0000"/>
-              </a:solidFill>
-            </a:endParaRPr>
           </a:p>
         </p:txBody>
       </p:sp>
@@ -10579,7 +10579,7 @@
           <p:cNvPr id="4" name="Título 1">
             <a:extLst>
               <a:ext uri="{FF2B5EF4-FFF2-40B4-BE49-F238E27FC236}">
-                <a16:creationId xmlns="" xmlns:a16="http://schemas.microsoft.com/office/drawing/2014/main" id="{32666AC8-2E17-4DB4-B0F5-60C640CCFD2E}"/>
+                <a16:creationId xmlns:a16="http://schemas.microsoft.com/office/drawing/2014/main" xmlns="" id="{32666AC8-2E17-4DB4-B0F5-60C640CCFD2E}"/>
               </a:ext>
             </a:extLst>
           </p:cNvPr>
@@ -11023,53 +11023,20 @@
           <a:p>
             <a:r>
               <a:rPr lang="pt-BR" dirty="0" smtClean="0"/>
-              <a:t>Anteriormente, vimos como </a:t>
-            </a:r>
+              <a:t>Anteriormente, vimos como escolher o melhor modelo de regressão utilizando as técnicas de validação cruzada: holdout, k-Fold e leave-P-out.</a:t>
+            </a:r>
+          </a:p>
+          <a:p>
             <a:r>
               <a:rPr lang="pt-BR" dirty="0" smtClean="0"/>
-              <a:t>escolher o </a:t>
-            </a:r>
+              <a:t>Escolhemos sempre o modelo menos complexo, mas que generaliza bem. </a:t>
+            </a:r>
+          </a:p>
+          <a:p>
             <a:r>
               <a:rPr lang="pt-BR" dirty="0" smtClean="0"/>
-              <a:t>melhor modelo de regressão utilizando as técnicas de validação cruzada: holdout, k-Fold e leave-P-out.</a:t>
-            </a:r>
-          </a:p>
-          <a:p>
-            <a:r>
-              <a:rPr lang="pt-BR" dirty="0" smtClean="0"/>
-              <a:t>Escolhemos sempre o modelo menos </a:t>
-            </a:r>
-            <a:r>
-              <a:rPr lang="pt-BR" dirty="0" smtClean="0"/>
-              <a:t>complexo, mas </a:t>
-            </a:r>
-            <a:r>
-              <a:rPr lang="pt-BR" dirty="0" smtClean="0"/>
-              <a:t>que </a:t>
-            </a:r>
-            <a:r>
-              <a:rPr lang="pt-BR" dirty="0" smtClean="0"/>
-              <a:t>generaliza bem. </a:t>
-            </a:r>
-          </a:p>
-          <a:p>
-            <a:r>
-              <a:rPr lang="pt-BR" dirty="0" smtClean="0"/>
-              <a:t>Ou seja, escolhemos o modelo que apresenta </a:t>
-            </a:r>
-            <a:r>
-              <a:rPr lang="pt-BR" dirty="0" smtClean="0"/>
-              <a:t>valores baixos </a:t>
-            </a:r>
-            <a:r>
-              <a:rPr lang="pt-BR" dirty="0" smtClean="0"/>
-              <a:t>para ambos os erros</a:t>
-            </a:r>
-            <a:r>
-              <a:rPr lang="pt-BR" dirty="0" smtClean="0"/>
-              <a:t> de treinamento e de validação.</a:t>
-            </a:r>
-            <a:endParaRPr lang="pt-BR" dirty="0" smtClean="0"/>
+              <a:t>Ou seja, escolhemos o modelo que apresenta valores baixos para ambos os erros de treinamento e de validação.</a:t>
+            </a:r>
           </a:p>
           <a:p>
             <a:r>
@@ -11086,11 +11053,7 @@
             </a:r>
             <a:r>
               <a:rPr lang="pt-BR" dirty="0" smtClean="0"/>
-              <a:t>a </a:t>
-            </a:r>
-            <a:r>
-              <a:rPr lang="pt-BR" dirty="0" smtClean="0"/>
-              <a:t>complexidade da </a:t>
+              <a:t>a complexidade da </a:t>
             </a:r>
             <a:r>
               <a:rPr lang="pt-BR" b="1" i="1" dirty="0"/>
@@ -11106,26 +11069,12 @@
               <a:rPr lang="pt-BR" dirty="0" smtClean="0"/>
               <a:t>Como veremos, esta abordagem combina erro e complexidade em uma única métrica, possibilitando que encontremos a melhor hipótese de uma só vez.</a:t>
             </a:r>
-            <a:endParaRPr lang="pt-BR" dirty="0" smtClean="0"/>
           </a:p>
           <a:p>
             <a:r>
               <a:rPr lang="pt-BR" dirty="0" smtClean="0"/>
-              <a:t>Portanto, hoje, veremos </a:t>
-            </a:r>
-            <a:r>
-              <a:rPr lang="pt-BR" dirty="0" smtClean="0"/>
-              <a:t>as seguintes abordagens para se escolher o </a:t>
-            </a:r>
-            <a:r>
-              <a:rPr lang="pt-BR" dirty="0" smtClean="0"/>
-              <a:t>melhor modelo de </a:t>
-            </a:r>
-            <a:r>
-              <a:rPr lang="pt-BR" dirty="0" smtClean="0"/>
-              <a:t>regressão:</a:t>
-            </a:r>
-            <a:endParaRPr lang="pt-BR" dirty="0" smtClean="0"/>
+              <a:t>Portanto, hoje, veremos as seguintes abordagens para se escolher o melhor modelo de regressão:</a:t>
+            </a:r>
           </a:p>
           <a:p>
             <a:pPr lvl="1">
@@ -11276,11 +11225,7 @@
           <a:p>
             <a:r>
               <a:rPr lang="pt-BR" dirty="0" smtClean="0"/>
-              <a:t>A </a:t>
-            </a:r>
-            <a:r>
-              <a:rPr lang="pt-BR" dirty="0" smtClean="0"/>
-              <a:t>ideia por trás da </a:t>
+              <a:t>A ideia por trás da </a:t>
             </a:r>
             <a:r>
               <a:rPr lang="pt-BR" b="1" i="1" dirty="0" smtClean="0"/>
@@ -11475,8 +11420,8 @@
           </a:p>
         </p:txBody>
       </p:sp>
-      <mc:AlternateContent xmlns:mc="http://schemas.openxmlformats.org/markup-compatibility/2006">
-        <mc:Choice xmlns:a14="http://schemas.microsoft.com/office/drawing/2010/main" Requires="a14">
+      <mc:AlternateContent xmlns:mc="http://schemas.openxmlformats.org/markup-compatibility/2006" xmlns:a14="http://schemas.microsoft.com/office/drawing/2010/main">
+        <mc:Choice Requires="a14">
           <p:sp>
             <p:nvSpPr>
               <p:cNvPr id="3" name="Content Placeholder 2"/>
@@ -12302,23 +12247,7 @@
                 </a14:m>
                 <a:r>
                   <a:rPr lang="pt-BR" dirty="0" smtClean="0"/>
-                  <a:t> </a:t>
-                </a:r>
-                <a:r>
-                  <a:rPr lang="pt-BR" dirty="0" smtClean="0"/>
-                  <a:t>altera a </a:t>
-                </a:r>
-                <a:r>
-                  <a:rPr lang="pt-BR" dirty="0" smtClean="0"/>
-                  <a:t>complexidade (ou seja, </a:t>
-                </a:r>
-                <a:r>
-                  <a:rPr lang="pt-BR" dirty="0" smtClean="0"/>
-                  <a:t>a flexibilidade</a:t>
-                </a:r>
-                <a:r>
-                  <a:rPr lang="pt-BR" dirty="0" smtClean="0"/>
-                  <a:t>) da função hipótese.</a:t>
+                  <a:t> altera a complexidade (ou seja, a flexibilidade) da função hipótese.</a:t>
                 </a:r>
                 <a:endParaRPr lang="pt-BR" dirty="0"/>
               </a:p>
@@ -12439,7 +12368,7 @@
             </p:txBody>
           </p:sp>
         </mc:Choice>
-        <mc:Fallback>
+        <mc:Fallback xmlns="">
           <p:sp>
             <p:nvSpPr>
               <p:cNvPr id="3" name="Content Placeholder 2"/>
@@ -13105,8 +13034,8 @@
           </a:p>
         </p:txBody>
       </p:sp>
-      <mc:AlternateContent xmlns:mc="http://schemas.openxmlformats.org/markup-compatibility/2006">
-        <mc:Choice xmlns:a14="http://schemas.microsoft.com/office/drawing/2010/main" Requires="a14">
+      <mc:AlternateContent xmlns:mc="http://schemas.openxmlformats.org/markup-compatibility/2006" xmlns:a14="http://schemas.microsoft.com/office/drawing/2010/main">
+        <mc:Choice Requires="a14">
           <p:sp>
             <p:nvSpPr>
               <p:cNvPr id="3" name="Content Placeholder 2"/>
@@ -13292,11 +13221,7 @@
               <a:p>
                 <a:r>
                   <a:rPr lang="pt-BR" dirty="0" smtClean="0"/>
-                  <a:t>Desta forma, </a:t>
-                </a:r>
-                <a:r>
-                  <a:rPr lang="pt-BR" dirty="0" smtClean="0"/>
-                  <a:t>podemos encontrar uma </a:t>
+                  <a:t>Desta forma, podemos encontrar uma </a:t>
                 </a:r>
                 <a:r>
                   <a:rPr lang="pt-BR" dirty="0"/>
@@ -14119,7 +14044,7 @@
             </p:txBody>
           </p:sp>
         </mc:Choice>
-        <mc:Fallback>
+        <mc:Fallback xmlns="">
           <p:sp>
             <p:nvSpPr>
               <p:cNvPr id="3" name="Content Placeholder 2"/>
@@ -14311,8 +14236,8 @@
           </a:p>
         </p:txBody>
       </p:sp>
-      <mc:AlternateContent xmlns:mc="http://schemas.openxmlformats.org/markup-compatibility/2006">
-        <mc:Choice xmlns:a14="http://schemas.microsoft.com/office/drawing/2010/main" Requires="a14">
+      <mc:AlternateContent xmlns:mc="http://schemas.openxmlformats.org/markup-compatibility/2006" xmlns:a14="http://schemas.microsoft.com/office/drawing/2010/main">
+        <mc:Choice Requires="a14">
           <p:sp>
             <p:nvSpPr>
               <p:cNvPr id="11" name="Content Placeholder 2"/>
@@ -14768,7 +14693,7 @@
             </p:txBody>
           </p:sp>
         </mc:Choice>
-        <mc:Fallback>
+        <mc:Fallback xmlns="">
           <p:sp>
             <p:nvSpPr>
               <p:cNvPr id="11" name="Content Placeholder 2"/>
@@ -16238,8 +16163,8 @@
           </a:p>
         </p:txBody>
       </p:sp>
-      <mc:AlternateContent xmlns:mc="http://schemas.openxmlformats.org/markup-compatibility/2006">
-        <mc:Choice xmlns:a14="http://schemas.microsoft.com/office/drawing/2010/main" Requires="a14">
+      <mc:AlternateContent xmlns:mc="http://schemas.openxmlformats.org/markup-compatibility/2006" xmlns:a14="http://schemas.microsoft.com/office/drawing/2010/main">
+        <mc:Choice Requires="a14">
           <p:sp>
             <p:nvSpPr>
               <p:cNvPr id="3" name="Content Placeholder 2"/>
@@ -16264,11 +16189,7 @@
               <a:p>
                 <a:r>
                   <a:rPr lang="pt-BR" dirty="0" smtClean="0"/>
-                  <a:t>Mesmas funções </a:t>
-                </a:r>
-                <a:r>
-                  <a:rPr lang="pt-BR" dirty="0" smtClean="0"/>
-                  <a:t>geradora e hipótese do exemplo anterior.</a:t>
+                  <a:t>Mesmas funções geradora e hipótese do exemplo anterior.</a:t>
                 </a:r>
               </a:p>
               <a:p>
@@ -16337,15 +16258,7 @@
                 </a:r>
                 <a:r>
                   <a:rPr lang="pt-BR" dirty="0" smtClean="0"/>
-                  <a:t>, indicando que os </a:t>
-                </a:r>
-                <a:r>
-                  <a:rPr lang="pt-BR" dirty="0" smtClean="0"/>
-                  <a:t>atributos correspondentes </a:t>
-                </a:r>
-                <a:r>
-                  <a:rPr lang="pt-BR" dirty="0" smtClean="0"/>
-                  <a:t>são irrelevantes. </a:t>
+                  <a:t>, indicando que os atributos correspondentes são irrelevantes. </a:t>
                 </a:r>
               </a:p>
               <a:p>
@@ -16503,7 +16416,7 @@
             </p:txBody>
           </p:sp>
         </mc:Choice>
-        <mc:Fallback>
+        <mc:Fallback xmlns="">
           <p:sp>
             <p:nvSpPr>
               <p:cNvPr id="3" name="Content Placeholder 2"/>
@@ -16919,8 +16832,8 @@
           </a:p>
         </p:txBody>
       </p:sp>
-      <mc:AlternateContent xmlns:mc="http://schemas.openxmlformats.org/markup-compatibility/2006">
-        <mc:Choice xmlns:a14="http://schemas.microsoft.com/office/drawing/2010/main" Requires="a14">
+      <mc:AlternateContent xmlns:mc="http://schemas.openxmlformats.org/markup-compatibility/2006" xmlns:a14="http://schemas.microsoft.com/office/drawing/2010/main">
+        <mc:Choice Requires="a14">
           <p:sp>
             <p:nvSpPr>
               <p:cNvPr id="8" name="Content Placeholder 2"/>
@@ -16964,15 +16877,7 @@
                 </a:pPr>
                 <a:r>
                   <a:rPr lang="pt-BR" dirty="0" smtClean="0"/>
-                  <a:t>A f</a:t>
-                </a:r>
-                <a:r>
-                  <a:rPr lang="pt-BR" dirty="0" smtClean="0"/>
-                  <a:t>igura </a:t>
-                </a:r>
-                <a:r>
-                  <a:rPr lang="pt-BR" dirty="0" smtClean="0"/>
-                  <a:t>mostra as </a:t>
+                  <a:t>A figura mostra as </a:t>
                 </a:r>
                 <a:r>
                   <a:rPr lang="pt-BR" dirty="0"/>
@@ -17008,11 +16913,7 @@
                 </a:r>
                 <a:r>
                   <a:rPr lang="pt-BR" dirty="0"/>
-                  <a:t>válidas, considerando o caso em que dois pesos </a:t>
-                </a:r>
-                <a:r>
-                  <a:rPr lang="pt-BR" dirty="0"/>
-                  <a:t>(</a:t>
+                  <a:t>válidas, considerando o caso em que dois pesos (</a:t>
                 </a:r>
                 <a14:m>
                   <m:oMath xmlns:m="http://schemas.openxmlformats.org/officeDocument/2006/math">
@@ -17086,11 +16987,7 @@
                 </a:r>
                 <a:r>
                   <a:rPr lang="pt-BR" dirty="0" smtClean="0"/>
-                  <a:t>a </a:t>
-                </a:r>
-                <a:r>
-                  <a:rPr lang="pt-BR" dirty="0" smtClean="0"/>
-                  <a:t>regularização.</a:t>
+                  <a:t>a regularização.</a:t>
                 </a:r>
                 <a:endParaRPr lang="pt-BR" dirty="0"/>
               </a:p>
@@ -17169,7 +17066,6 @@
                   <a:rPr lang="pt-BR" dirty="0" smtClean="0"/>
                   <a:t>mínimo da função de erro.</a:t>
                 </a:r>
-                <a:endParaRPr lang="pt-BR" dirty="0" smtClean="0"/>
               </a:p>
               <a:p>
                 <a:pPr lvl="1">
@@ -17234,7 +17130,7 @@
             </p:txBody>
           </p:sp>
         </mc:Choice>
-        <mc:Fallback>
+        <mc:Fallback xmlns="">
           <p:sp>
             <p:nvSpPr>
               <p:cNvPr id="8" name="Content Placeholder 2"/>

--- a/slides/T319_Regressão_Linear (Parte VI).pptx
+++ b/slides/T319_Regressão_Linear (Parte VI).pptx
@@ -539,7 +539,7 @@
           <a:p>
             <a:fld id="{DAF0AF11-6A8A-4E64-94F5-26D4FBA2A01D}" type="datetimeFigureOut">
               <a:rPr lang="nl-BE" smtClean="0"/>
-              <a:t>7/07/2021</a:t>
+              <a:t>19/07/2021</a:t>
             </a:fld>
             <a:endParaRPr lang="nl-BE"/>
           </a:p>
@@ -5330,7 +5330,7 @@
           <a:p>
             <a:fld id="{C80E15A5-E95B-43EB-9AC7-9A96397448C0}" type="datetimeFigureOut">
               <a:rPr lang="nl-BE" smtClean="0"/>
-              <a:t>7/07/2021</a:t>
+              <a:t>19/07/2021</a:t>
             </a:fld>
             <a:endParaRPr lang="nl-BE"/>
           </a:p>
@@ -5500,7 +5500,7 @@
           <a:p>
             <a:fld id="{C80E15A5-E95B-43EB-9AC7-9A96397448C0}" type="datetimeFigureOut">
               <a:rPr lang="nl-BE" smtClean="0"/>
-              <a:t>7/07/2021</a:t>
+              <a:t>19/07/2021</a:t>
             </a:fld>
             <a:endParaRPr lang="nl-BE"/>
           </a:p>
@@ -5680,7 +5680,7 @@
           <a:p>
             <a:fld id="{C80E15A5-E95B-43EB-9AC7-9A96397448C0}" type="datetimeFigureOut">
               <a:rPr lang="nl-BE" smtClean="0"/>
-              <a:t>7/07/2021</a:t>
+              <a:t>19/07/2021</a:t>
             </a:fld>
             <a:endParaRPr lang="nl-BE"/>
           </a:p>
@@ -5850,7 +5850,7 @@
           <a:p>
             <a:fld id="{C80E15A5-E95B-43EB-9AC7-9A96397448C0}" type="datetimeFigureOut">
               <a:rPr lang="nl-BE" smtClean="0"/>
-              <a:t>7/07/2021</a:t>
+              <a:t>19/07/2021</a:t>
             </a:fld>
             <a:endParaRPr lang="nl-BE"/>
           </a:p>
@@ -6096,7 +6096,7 @@
           <a:p>
             <a:fld id="{C80E15A5-E95B-43EB-9AC7-9A96397448C0}" type="datetimeFigureOut">
               <a:rPr lang="nl-BE" smtClean="0"/>
-              <a:t>7/07/2021</a:t>
+              <a:t>19/07/2021</a:t>
             </a:fld>
             <a:endParaRPr lang="nl-BE"/>
           </a:p>
@@ -6328,7 +6328,7 @@
           <a:p>
             <a:fld id="{C80E15A5-E95B-43EB-9AC7-9A96397448C0}" type="datetimeFigureOut">
               <a:rPr lang="nl-BE" smtClean="0"/>
-              <a:t>7/07/2021</a:t>
+              <a:t>19/07/2021</a:t>
             </a:fld>
             <a:endParaRPr lang="nl-BE"/>
           </a:p>
@@ -6695,7 +6695,7 @@
           <a:p>
             <a:fld id="{C80E15A5-E95B-43EB-9AC7-9A96397448C0}" type="datetimeFigureOut">
               <a:rPr lang="nl-BE" smtClean="0"/>
-              <a:t>7/07/2021</a:t>
+              <a:t>19/07/2021</a:t>
             </a:fld>
             <a:endParaRPr lang="nl-BE"/>
           </a:p>
@@ -6813,7 +6813,7 @@
           <a:p>
             <a:fld id="{C80E15A5-E95B-43EB-9AC7-9A96397448C0}" type="datetimeFigureOut">
               <a:rPr lang="nl-BE" smtClean="0"/>
-              <a:t>7/07/2021</a:t>
+              <a:t>19/07/2021</a:t>
             </a:fld>
             <a:endParaRPr lang="nl-BE"/>
           </a:p>
@@ -6908,7 +6908,7 @@
           <a:p>
             <a:fld id="{C80E15A5-E95B-43EB-9AC7-9A96397448C0}" type="datetimeFigureOut">
               <a:rPr lang="nl-BE" smtClean="0"/>
-              <a:t>7/07/2021</a:t>
+              <a:t>19/07/2021</a:t>
             </a:fld>
             <a:endParaRPr lang="nl-BE"/>
           </a:p>
@@ -7185,7 +7185,7 @@
           <a:p>
             <a:fld id="{C80E15A5-E95B-43EB-9AC7-9A96397448C0}" type="datetimeFigureOut">
               <a:rPr lang="nl-BE" smtClean="0"/>
-              <a:t>7/07/2021</a:t>
+              <a:t>19/07/2021</a:t>
             </a:fld>
             <a:endParaRPr lang="nl-BE"/>
           </a:p>
@@ -7438,7 +7438,7 @@
           <a:p>
             <a:fld id="{C80E15A5-E95B-43EB-9AC7-9A96397448C0}" type="datetimeFigureOut">
               <a:rPr lang="nl-BE" smtClean="0"/>
-              <a:t>7/07/2021</a:t>
+              <a:t>19/07/2021</a:t>
             </a:fld>
             <a:endParaRPr lang="nl-BE"/>
           </a:p>
@@ -7651,7 +7651,7 @@
           <a:p>
             <a:fld id="{C80E15A5-E95B-43EB-9AC7-9A96397448C0}" type="datetimeFigureOut">
               <a:rPr lang="nl-BE" smtClean="0"/>
-              <a:t>7/07/2021</a:t>
+              <a:t>19/07/2021</a:t>
             </a:fld>
             <a:endParaRPr lang="nl-BE"/>
           </a:p>
@@ -8061,7 +8061,7 @@
           <p:cNvPr id="2" name="Título 1">
             <a:extLst>
               <a:ext uri="{FF2B5EF4-FFF2-40B4-BE49-F238E27FC236}">
-                <a16:creationId xmlns:a16="http://schemas.microsoft.com/office/drawing/2014/main" xmlns="" id="{32666AC8-2E17-4DB4-B0F5-60C640CCFD2E}"/>
+                <a16:creationId xmlns="" xmlns:a16="http://schemas.microsoft.com/office/drawing/2014/main" id="{32666AC8-2E17-4DB4-B0F5-60C640CCFD2E}"/>
               </a:ext>
             </a:extLst>
           </p:cNvPr>
@@ -8116,7 +8116,7 @@
           <p:cNvPr id="4" name="CaixaDeTexto 3">
             <a:extLst>
               <a:ext uri="{FF2B5EF4-FFF2-40B4-BE49-F238E27FC236}">
-                <a16:creationId xmlns:a16="http://schemas.microsoft.com/office/drawing/2014/main" xmlns="" id="{430EB894-B7D4-434C-9D1A-A14094D9BEEC}"/>
+                <a16:creationId xmlns="" xmlns:a16="http://schemas.microsoft.com/office/drawing/2014/main" id="{430EB894-B7D4-434C-9D1A-A14094D9BEEC}"/>
               </a:ext>
             </a:extLst>
           </p:cNvPr>
@@ -8157,7 +8157,7 @@
           <p:cNvPr id="1026" name="Picture 2" descr="Logo">
             <a:extLst>
               <a:ext uri="{FF2B5EF4-FFF2-40B4-BE49-F238E27FC236}">
-                <a16:creationId xmlns:a16="http://schemas.microsoft.com/office/drawing/2014/main" xmlns="" id="{3F2642E0-4F6A-4196-8F58-E77D36E9A33F}"/>
+                <a16:creationId xmlns="" xmlns:a16="http://schemas.microsoft.com/office/drawing/2014/main" id="{3F2642E0-4F6A-4196-8F58-E77D36E9A33F}"/>
               </a:ext>
             </a:extLst>
           </p:cNvPr>
@@ -8202,7 +8202,7 @@
           <p:cNvPr id="5122" name="Picture 2" descr="Image result for machine learning">
             <a:extLst>
               <a:ext uri="{FF2B5EF4-FFF2-40B4-BE49-F238E27FC236}">
-                <a16:creationId xmlns:a16="http://schemas.microsoft.com/office/drawing/2014/main" xmlns="" id="{810CE0A2-4102-44A6-A370-175E7896CDCB}"/>
+                <a16:creationId xmlns="" xmlns:a16="http://schemas.microsoft.com/office/drawing/2014/main" id="{810CE0A2-4102-44A6-A370-175E7896CDCB}"/>
               </a:ext>
             </a:extLst>
           </p:cNvPr>
@@ -8284,8 +8284,8 @@
         </p:nvSpPr>
         <p:spPr>
           <a:xfrm>
-            <a:off x="838200" y="281995"/>
-            <a:ext cx="10515600" cy="951057"/>
+            <a:off x="838200" y="212720"/>
+            <a:ext cx="10515600" cy="726741"/>
           </a:xfrm>
         </p:spPr>
         <p:txBody>
@@ -8299,8 +8299,8 @@
           </a:p>
         </p:txBody>
       </p:sp>
-      <mc:AlternateContent xmlns:mc="http://schemas.openxmlformats.org/markup-compatibility/2006" xmlns:a14="http://schemas.microsoft.com/office/drawing/2010/main">
-        <mc:Choice Requires="a14">
+      <mc:AlternateContent xmlns:mc="http://schemas.openxmlformats.org/markup-compatibility/2006">
+        <mc:Choice xmlns:a14="http://schemas.microsoft.com/office/drawing/2010/main" Requires="a14">
           <p:sp>
             <p:nvSpPr>
               <p:cNvPr id="3" name="Content Placeholder 2"/>
@@ -8313,8 +8313,8 @@
             </p:nvSpPr>
             <p:spPr>
               <a:xfrm>
-                <a:off x="838198" y="1468579"/>
-                <a:ext cx="11125927" cy="3195123"/>
+                <a:off x="838198" y="1205345"/>
+                <a:ext cx="11229111" cy="3458357"/>
               </a:xfrm>
             </p:spPr>
             <p:txBody>
@@ -8716,7 +8716,15 @@
                 </a14:m>
                 <a:r>
                   <a:rPr lang="pt-BR" dirty="0"/>
-                  <a:t> = 0, a Elastic-net é equivalente </a:t>
+                  <a:t> = 0, a </a:t>
+                </a:r>
+                <a:r>
+                  <a:rPr lang="pt-BR" i="1" dirty="0"/>
+                  <a:t>Elastic-net</a:t>
+                </a:r>
+                <a:r>
+                  <a:rPr lang="pt-BR" dirty="0"/>
+                  <a:t> é equivalente </a:t>
                 </a:r>
                 <a:r>
                   <a:rPr lang="pt-BR" dirty="0" smtClean="0"/>
@@ -8752,16 +8760,8 @@
               </a:p>
               <a:p>
                 <a:r>
-                  <a:rPr lang="pt-BR" dirty="0" smtClean="0"/>
-                  <a:t>Utiliza-se </a:t>
-                </a:r>
-                <a:r>
                   <a:rPr lang="pt-BR" dirty="0"/>
-                  <a:t>técnicas de validação cruzada para encontrar </a:t>
-                </a:r>
-                <a:r>
-                  <a:rPr lang="pt-BR" dirty="0" smtClean="0"/>
-                  <a:t>os valores ideais de </a:t>
+                  <a:t>A seleção dos hiperparâmetros </a:t>
                 </a:r>
                 <a14:m>
                   <m:oMath xmlns:m="http://schemas.openxmlformats.org/officeDocument/2006/math">
@@ -8794,17 +8794,40 @@
                       </a:rPr>
                       <m:t>𝜆</m:t>
                     </m:r>
+                    <m:r>
+                      <a:rPr lang="pt-BR" i="1">
+                        <a:latin typeface="Cambria Math" panose="02040503050406030204" pitchFamily="18" charset="0"/>
+                        <a:ea typeface="Cambria Math" panose="02040503050406030204" pitchFamily="18" charset="0"/>
+                      </a:rPr>
+                      <m:t> </m:t>
+                    </m:r>
                   </m:oMath>
                 </a14:m>
                 <a:r>
-                  <a:rPr lang="pt-BR" dirty="0" smtClean="0"/>
-                  <a:t>.</a:t>
+                  <a:rPr lang="pt-BR" dirty="0"/>
+                  <a:t>pode ser feita por meio de </a:t>
+                </a:r>
+                <a:r>
+                  <a:rPr lang="pt-BR" b="1" dirty="0"/>
+                  <a:t>validação cruzada</a:t>
+                </a:r>
+                <a:r>
+                  <a:rPr lang="pt-BR" dirty="0"/>
+                  <a:t>. Isso </a:t>
+                </a:r>
+                <a:r>
+                  <a:rPr lang="pt-BR" dirty="0"/>
+                  <a:t>também se </a:t>
+                </a:r>
+                <a:r>
+                  <a:rPr lang="pt-BR" dirty="0"/>
+                  <a:t>aplica ao dois outros métodos anteriores.</a:t>
                 </a:r>
               </a:p>
             </p:txBody>
           </p:sp>
         </mc:Choice>
-        <mc:Fallback xmlns="">
+        <mc:Fallback>
           <p:sp>
             <p:nvSpPr>
               <p:cNvPr id="3" name="Content Placeholder 2"/>
@@ -8817,13 +8840,13 @@
             </p:nvSpPr>
             <p:spPr>
               <a:xfrm>
-                <a:off x="838198" y="1468579"/>
-                <a:ext cx="11125927" cy="3195123"/>
+                <a:off x="838198" y="1205345"/>
+                <a:ext cx="11229111" cy="3458357"/>
               </a:xfrm>
               <a:blipFill rotWithShape="0">
                 <a:blip r:embed="rId3"/>
                 <a:stretch>
-                  <a:fillRect l="-821" t="-4389" b="-2481"/>
+                  <a:fillRect l="-814" t="-4056" r="-1139"/>
                 </a:stretch>
               </a:blipFill>
             </p:spPr>
@@ -8894,8 +8917,8 @@
         </p:blipFill>
         <p:spPr bwMode="auto">
           <a:xfrm>
-            <a:off x="1429781" y="4601029"/>
-            <a:ext cx="5536140" cy="2188708"/>
+            <a:off x="795653" y="4350327"/>
+            <a:ext cx="6170268" cy="2439410"/>
           </a:xfrm>
           <a:prstGeom prst="rect">
             <a:avLst/>
@@ -9644,19 +9667,20 @@
         <p:spPr>
           <a:xfrm>
             <a:off x="838199" y="223486"/>
-            <a:ext cx="10515600" cy="669196"/>
+            <a:ext cx="10515600" cy="781856"/>
           </a:xfrm>
         </p:spPr>
         <p:txBody>
           <a:bodyPr>
-            <a:normAutofit fontScale="90000"/>
+            <a:normAutofit/>
           </a:bodyPr>
           <a:lstStyle/>
           <a:p>
             <a:r>
-              <a:rPr lang="pt-BR" dirty="0"/>
-              <a:t>Early-stop: Exemplo</a:t>
-            </a:r>
+              <a:rPr lang="pt-BR" dirty="0" smtClean="0"/>
+              <a:t>Exemplo: Early-stop</a:t>
+            </a:r>
+            <a:endParaRPr lang="pt-BR" dirty="0"/>
           </a:p>
         </p:txBody>
       </p:sp>
@@ -10579,7 +10603,7 @@
           <p:cNvPr id="4" name="Título 1">
             <a:extLst>
               <a:ext uri="{FF2B5EF4-FFF2-40B4-BE49-F238E27FC236}">
-                <a16:creationId xmlns:a16="http://schemas.microsoft.com/office/drawing/2014/main" xmlns="" id="{32666AC8-2E17-4DB4-B0F5-60C640CCFD2E}"/>
+                <a16:creationId xmlns="" xmlns:a16="http://schemas.microsoft.com/office/drawing/2014/main" id="{32666AC8-2E17-4DB4-B0F5-60C640CCFD2E}"/>
               </a:ext>
             </a:extLst>
           </p:cNvPr>
@@ -14136,8 +14160,8 @@
         </p:nvCxnSpPr>
         <p:spPr>
           <a:xfrm flipH="1" flipV="1">
-            <a:off x="4895719" y="3604954"/>
-            <a:ext cx="1991778" cy="716323"/>
+            <a:off x="4895719" y="3604955"/>
+            <a:ext cx="4372972" cy="773081"/>
           </a:xfrm>
           <a:prstGeom prst="straightConnector1">
             <a:avLst/>

--- a/slides/T319_Regressão_Linear (Parte VI).pptx
+++ b/slides/T319_Regressão_Linear (Parte VI).pptx
@@ -539,7 +539,7 @@
           <a:p>
             <a:fld id="{DAF0AF11-6A8A-4E64-94F5-26D4FBA2A01D}" type="datetimeFigureOut">
               <a:rPr lang="nl-BE" smtClean="0"/>
-              <a:t>19/07/2021</a:t>
+              <a:t>22/07/2021</a:t>
             </a:fld>
             <a:endParaRPr lang="nl-BE"/>
           </a:p>
@@ -5330,7 +5330,7 @@
           <a:p>
             <a:fld id="{C80E15A5-E95B-43EB-9AC7-9A96397448C0}" type="datetimeFigureOut">
               <a:rPr lang="nl-BE" smtClean="0"/>
-              <a:t>19/07/2021</a:t>
+              <a:t>22/07/2021</a:t>
             </a:fld>
             <a:endParaRPr lang="nl-BE"/>
           </a:p>
@@ -5500,7 +5500,7 @@
           <a:p>
             <a:fld id="{C80E15A5-E95B-43EB-9AC7-9A96397448C0}" type="datetimeFigureOut">
               <a:rPr lang="nl-BE" smtClean="0"/>
-              <a:t>19/07/2021</a:t>
+              <a:t>22/07/2021</a:t>
             </a:fld>
             <a:endParaRPr lang="nl-BE"/>
           </a:p>
@@ -5680,7 +5680,7 @@
           <a:p>
             <a:fld id="{C80E15A5-E95B-43EB-9AC7-9A96397448C0}" type="datetimeFigureOut">
               <a:rPr lang="nl-BE" smtClean="0"/>
-              <a:t>19/07/2021</a:t>
+              <a:t>22/07/2021</a:t>
             </a:fld>
             <a:endParaRPr lang="nl-BE"/>
           </a:p>
@@ -5850,7 +5850,7 @@
           <a:p>
             <a:fld id="{C80E15A5-E95B-43EB-9AC7-9A96397448C0}" type="datetimeFigureOut">
               <a:rPr lang="nl-BE" smtClean="0"/>
-              <a:t>19/07/2021</a:t>
+              <a:t>22/07/2021</a:t>
             </a:fld>
             <a:endParaRPr lang="nl-BE"/>
           </a:p>
@@ -6096,7 +6096,7 @@
           <a:p>
             <a:fld id="{C80E15A5-E95B-43EB-9AC7-9A96397448C0}" type="datetimeFigureOut">
               <a:rPr lang="nl-BE" smtClean="0"/>
-              <a:t>19/07/2021</a:t>
+              <a:t>22/07/2021</a:t>
             </a:fld>
             <a:endParaRPr lang="nl-BE"/>
           </a:p>
@@ -6328,7 +6328,7 @@
           <a:p>
             <a:fld id="{C80E15A5-E95B-43EB-9AC7-9A96397448C0}" type="datetimeFigureOut">
               <a:rPr lang="nl-BE" smtClean="0"/>
-              <a:t>19/07/2021</a:t>
+              <a:t>22/07/2021</a:t>
             </a:fld>
             <a:endParaRPr lang="nl-BE"/>
           </a:p>
@@ -6695,7 +6695,7 @@
           <a:p>
             <a:fld id="{C80E15A5-E95B-43EB-9AC7-9A96397448C0}" type="datetimeFigureOut">
               <a:rPr lang="nl-BE" smtClean="0"/>
-              <a:t>19/07/2021</a:t>
+              <a:t>22/07/2021</a:t>
             </a:fld>
             <a:endParaRPr lang="nl-BE"/>
           </a:p>
@@ -6813,7 +6813,7 @@
           <a:p>
             <a:fld id="{C80E15A5-E95B-43EB-9AC7-9A96397448C0}" type="datetimeFigureOut">
               <a:rPr lang="nl-BE" smtClean="0"/>
-              <a:t>19/07/2021</a:t>
+              <a:t>22/07/2021</a:t>
             </a:fld>
             <a:endParaRPr lang="nl-BE"/>
           </a:p>
@@ -6908,7 +6908,7 @@
           <a:p>
             <a:fld id="{C80E15A5-E95B-43EB-9AC7-9A96397448C0}" type="datetimeFigureOut">
               <a:rPr lang="nl-BE" smtClean="0"/>
-              <a:t>19/07/2021</a:t>
+              <a:t>22/07/2021</a:t>
             </a:fld>
             <a:endParaRPr lang="nl-BE"/>
           </a:p>
@@ -7185,7 +7185,7 @@
           <a:p>
             <a:fld id="{C80E15A5-E95B-43EB-9AC7-9A96397448C0}" type="datetimeFigureOut">
               <a:rPr lang="nl-BE" smtClean="0"/>
-              <a:t>19/07/2021</a:t>
+              <a:t>22/07/2021</a:t>
             </a:fld>
             <a:endParaRPr lang="nl-BE"/>
           </a:p>
@@ -7438,7 +7438,7 @@
           <a:p>
             <a:fld id="{C80E15A5-E95B-43EB-9AC7-9A96397448C0}" type="datetimeFigureOut">
               <a:rPr lang="nl-BE" smtClean="0"/>
-              <a:t>19/07/2021</a:t>
+              <a:t>22/07/2021</a:t>
             </a:fld>
             <a:endParaRPr lang="nl-BE"/>
           </a:p>
@@ -7651,7 +7651,7 @@
           <a:p>
             <a:fld id="{C80E15A5-E95B-43EB-9AC7-9A96397448C0}" type="datetimeFigureOut">
               <a:rPr lang="nl-BE" smtClean="0"/>
-              <a:t>19/07/2021</a:t>
+              <a:t>22/07/2021</a:t>
             </a:fld>
             <a:endParaRPr lang="nl-BE"/>
           </a:p>
@@ -8061,7 +8061,7 @@
           <p:cNvPr id="2" name="Título 1">
             <a:extLst>
               <a:ext uri="{FF2B5EF4-FFF2-40B4-BE49-F238E27FC236}">
-                <a16:creationId xmlns="" xmlns:a16="http://schemas.microsoft.com/office/drawing/2014/main" id="{32666AC8-2E17-4DB4-B0F5-60C640CCFD2E}"/>
+                <a16:creationId xmlns:a16="http://schemas.microsoft.com/office/drawing/2014/main" xmlns="" id="{32666AC8-2E17-4DB4-B0F5-60C640CCFD2E}"/>
               </a:ext>
             </a:extLst>
           </p:cNvPr>
@@ -8116,7 +8116,7 @@
           <p:cNvPr id="4" name="CaixaDeTexto 3">
             <a:extLst>
               <a:ext uri="{FF2B5EF4-FFF2-40B4-BE49-F238E27FC236}">
-                <a16:creationId xmlns="" xmlns:a16="http://schemas.microsoft.com/office/drawing/2014/main" id="{430EB894-B7D4-434C-9D1A-A14094D9BEEC}"/>
+                <a16:creationId xmlns:a16="http://schemas.microsoft.com/office/drawing/2014/main" xmlns="" id="{430EB894-B7D4-434C-9D1A-A14094D9BEEC}"/>
               </a:ext>
             </a:extLst>
           </p:cNvPr>
@@ -8157,7 +8157,7 @@
           <p:cNvPr id="1026" name="Picture 2" descr="Logo">
             <a:extLst>
               <a:ext uri="{FF2B5EF4-FFF2-40B4-BE49-F238E27FC236}">
-                <a16:creationId xmlns="" xmlns:a16="http://schemas.microsoft.com/office/drawing/2014/main" id="{3F2642E0-4F6A-4196-8F58-E77D36E9A33F}"/>
+                <a16:creationId xmlns:a16="http://schemas.microsoft.com/office/drawing/2014/main" xmlns="" id="{3F2642E0-4F6A-4196-8F58-E77D36E9A33F}"/>
               </a:ext>
             </a:extLst>
           </p:cNvPr>
@@ -8202,7 +8202,7 @@
           <p:cNvPr id="5122" name="Picture 2" descr="Image result for machine learning">
             <a:extLst>
               <a:ext uri="{FF2B5EF4-FFF2-40B4-BE49-F238E27FC236}">
-                <a16:creationId xmlns="" xmlns:a16="http://schemas.microsoft.com/office/drawing/2014/main" id="{810CE0A2-4102-44A6-A370-175E7896CDCB}"/>
+                <a16:creationId xmlns:a16="http://schemas.microsoft.com/office/drawing/2014/main" xmlns="" id="{810CE0A2-4102-44A6-A370-175E7896CDCB}"/>
               </a:ext>
             </a:extLst>
           </p:cNvPr>
@@ -8299,8 +8299,8 @@
           </a:p>
         </p:txBody>
       </p:sp>
-      <mc:AlternateContent xmlns:mc="http://schemas.openxmlformats.org/markup-compatibility/2006">
-        <mc:Choice xmlns:a14="http://schemas.microsoft.com/office/drawing/2010/main" Requires="a14">
+      <mc:AlternateContent xmlns:mc="http://schemas.openxmlformats.org/markup-compatibility/2006" xmlns:a14="http://schemas.microsoft.com/office/drawing/2010/main">
+        <mc:Choice Requires="a14">
           <p:sp>
             <p:nvSpPr>
               <p:cNvPr id="3" name="Content Placeholder 2"/>
@@ -8813,21 +8813,13 @@
                 </a:r>
                 <a:r>
                   <a:rPr lang="pt-BR" dirty="0"/>
-                  <a:t>. Isso </a:t>
-                </a:r>
-                <a:r>
-                  <a:rPr lang="pt-BR" dirty="0"/>
-                  <a:t>também se </a:t>
-                </a:r>
-                <a:r>
-                  <a:rPr lang="pt-BR" dirty="0"/>
-                  <a:t>aplica ao dois outros métodos anteriores.</a:t>
+                  <a:t>. Isso também se aplica ao dois outros métodos anteriores.</a:t>
                 </a:r>
               </a:p>
             </p:txBody>
           </p:sp>
         </mc:Choice>
-        <mc:Fallback>
+        <mc:Fallback xmlns="">
           <p:sp>
             <p:nvSpPr>
               <p:cNvPr id="3" name="Content Placeholder 2"/>
@@ -10350,7 +10342,7 @@
         </p:spPr>
         <p:txBody>
           <a:bodyPr>
-            <a:normAutofit lnSpcReduction="10000"/>
+            <a:normAutofit/>
           </a:bodyPr>
           <a:lstStyle/>
           <a:p>
@@ -10368,15 +10360,15 @@
             </a:r>
             <a:r>
               <a:rPr lang="pt-BR" i="1" dirty="0" smtClean="0"/>
-              <a:t>VI </a:t>
-            </a:r>
-            <a:r>
-              <a:rPr lang="pt-BR" i="1" dirty="0"/>
-              <a:t>(1S2021)</a:t>
+              <a:t>VI</a:t>
+            </a:r>
+            <a:r>
+              <a:rPr lang="pt-BR" dirty="0" smtClean="0"/>
+              <a:t>” </a:t>
             </a:r>
             <a:r>
               <a:rPr lang="pt-BR" dirty="0"/>
-              <a:t>” que se encontra no MS Teams.</a:t>
+              <a:t>que se encontra no MS Teams.</a:t>
             </a:r>
           </a:p>
           <a:p>
@@ -10497,17 +10489,9 @@
                   <a:srgbClr val="FF0000"/>
                 </a:solidFill>
               </a:rPr>
-              <a:t>ao prazo de entrega definido na tarefa do MS Teams</a:t>
-            </a:r>
-            <a:r>
-              <a:rPr lang="pt-BR" b="1">
-                <a:solidFill>
-                  <a:srgbClr val="FF0000"/>
-                </a:solidFill>
-              </a:rPr>
-              <a:t>. </a:t>
-            </a:r>
-            <a:endParaRPr lang="pt-BR" b="1" smtClean="0">
+              <a:t>ao prazo de entrega definido na tarefa do MS Teams. </a:t>
+            </a:r>
+            <a:endParaRPr lang="pt-BR" b="1" dirty="0" smtClean="0">
               <a:solidFill>
                 <a:srgbClr val="FF0000"/>
               </a:solidFill>
@@ -10516,7 +10500,7 @@
           <a:p>
             <a:pPr lvl="1"/>
             <a:r>
-              <a:rPr lang="pt-BR" b="1" smtClean="0">
+              <a:rPr lang="pt-BR" b="1" dirty="0" smtClean="0">
                 <a:solidFill>
                   <a:srgbClr val="FF0000"/>
                 </a:solidFill>
@@ -10603,7 +10587,7 @@
           <p:cNvPr id="4" name="Título 1">
             <a:extLst>
               <a:ext uri="{FF2B5EF4-FFF2-40B4-BE49-F238E27FC236}">
-                <a16:creationId xmlns="" xmlns:a16="http://schemas.microsoft.com/office/drawing/2014/main" id="{32666AC8-2E17-4DB4-B0F5-60C640CCFD2E}"/>
+                <a16:creationId xmlns:a16="http://schemas.microsoft.com/office/drawing/2014/main" xmlns="" id="{32666AC8-2E17-4DB4-B0F5-60C640CCFD2E}"/>
               </a:ext>
             </a:extLst>
           </p:cNvPr>

--- a/slides/T319_Regressão_Linear (Parte VI).pptx
+++ b/slides/T319_Regressão_Linear (Parte VI).pptx
@@ -539,7 +539,7 @@
           <a:p>
             <a:fld id="{DAF0AF11-6A8A-4E64-94F5-26D4FBA2A01D}" type="datetimeFigureOut">
               <a:rPr lang="nl-BE" smtClean="0"/>
-              <a:t>22/07/2021</a:t>
+              <a:t>19/11/2021</a:t>
             </a:fld>
             <a:endParaRPr lang="nl-BE"/>
           </a:p>
@@ -5330,7 +5330,7 @@
           <a:p>
             <a:fld id="{C80E15A5-E95B-43EB-9AC7-9A96397448C0}" type="datetimeFigureOut">
               <a:rPr lang="nl-BE" smtClean="0"/>
-              <a:t>22/07/2021</a:t>
+              <a:t>19/11/2021</a:t>
             </a:fld>
             <a:endParaRPr lang="nl-BE"/>
           </a:p>
@@ -5500,7 +5500,7 @@
           <a:p>
             <a:fld id="{C80E15A5-E95B-43EB-9AC7-9A96397448C0}" type="datetimeFigureOut">
               <a:rPr lang="nl-BE" smtClean="0"/>
-              <a:t>22/07/2021</a:t>
+              <a:t>19/11/2021</a:t>
             </a:fld>
             <a:endParaRPr lang="nl-BE"/>
           </a:p>
@@ -5680,7 +5680,7 @@
           <a:p>
             <a:fld id="{C80E15A5-E95B-43EB-9AC7-9A96397448C0}" type="datetimeFigureOut">
               <a:rPr lang="nl-BE" smtClean="0"/>
-              <a:t>22/07/2021</a:t>
+              <a:t>19/11/2021</a:t>
             </a:fld>
             <a:endParaRPr lang="nl-BE"/>
           </a:p>
@@ -5850,7 +5850,7 @@
           <a:p>
             <a:fld id="{C80E15A5-E95B-43EB-9AC7-9A96397448C0}" type="datetimeFigureOut">
               <a:rPr lang="nl-BE" smtClean="0"/>
-              <a:t>22/07/2021</a:t>
+              <a:t>19/11/2021</a:t>
             </a:fld>
             <a:endParaRPr lang="nl-BE"/>
           </a:p>
@@ -6096,7 +6096,7 @@
           <a:p>
             <a:fld id="{C80E15A5-E95B-43EB-9AC7-9A96397448C0}" type="datetimeFigureOut">
               <a:rPr lang="nl-BE" smtClean="0"/>
-              <a:t>22/07/2021</a:t>
+              <a:t>19/11/2021</a:t>
             </a:fld>
             <a:endParaRPr lang="nl-BE"/>
           </a:p>
@@ -6328,7 +6328,7 @@
           <a:p>
             <a:fld id="{C80E15A5-E95B-43EB-9AC7-9A96397448C0}" type="datetimeFigureOut">
               <a:rPr lang="nl-BE" smtClean="0"/>
-              <a:t>22/07/2021</a:t>
+              <a:t>19/11/2021</a:t>
             </a:fld>
             <a:endParaRPr lang="nl-BE"/>
           </a:p>
@@ -6695,7 +6695,7 @@
           <a:p>
             <a:fld id="{C80E15A5-E95B-43EB-9AC7-9A96397448C0}" type="datetimeFigureOut">
               <a:rPr lang="nl-BE" smtClean="0"/>
-              <a:t>22/07/2021</a:t>
+              <a:t>19/11/2021</a:t>
             </a:fld>
             <a:endParaRPr lang="nl-BE"/>
           </a:p>
@@ -6813,7 +6813,7 @@
           <a:p>
             <a:fld id="{C80E15A5-E95B-43EB-9AC7-9A96397448C0}" type="datetimeFigureOut">
               <a:rPr lang="nl-BE" smtClean="0"/>
-              <a:t>22/07/2021</a:t>
+              <a:t>19/11/2021</a:t>
             </a:fld>
             <a:endParaRPr lang="nl-BE"/>
           </a:p>
@@ -6908,7 +6908,7 @@
           <a:p>
             <a:fld id="{C80E15A5-E95B-43EB-9AC7-9A96397448C0}" type="datetimeFigureOut">
               <a:rPr lang="nl-BE" smtClean="0"/>
-              <a:t>22/07/2021</a:t>
+              <a:t>19/11/2021</a:t>
             </a:fld>
             <a:endParaRPr lang="nl-BE"/>
           </a:p>
@@ -7185,7 +7185,7 @@
           <a:p>
             <a:fld id="{C80E15A5-E95B-43EB-9AC7-9A96397448C0}" type="datetimeFigureOut">
               <a:rPr lang="nl-BE" smtClean="0"/>
-              <a:t>22/07/2021</a:t>
+              <a:t>19/11/2021</a:t>
             </a:fld>
             <a:endParaRPr lang="nl-BE"/>
           </a:p>
@@ -7438,7 +7438,7 @@
           <a:p>
             <a:fld id="{C80E15A5-E95B-43EB-9AC7-9A96397448C0}" type="datetimeFigureOut">
               <a:rPr lang="nl-BE" smtClean="0"/>
-              <a:t>22/07/2021</a:t>
+              <a:t>19/11/2021</a:t>
             </a:fld>
             <a:endParaRPr lang="nl-BE"/>
           </a:p>
@@ -7651,7 +7651,7 @@
           <a:p>
             <a:fld id="{C80E15A5-E95B-43EB-9AC7-9A96397448C0}" type="datetimeFigureOut">
               <a:rPr lang="nl-BE" smtClean="0"/>
-              <a:t>22/07/2021</a:t>
+              <a:t>19/11/2021</a:t>
             </a:fld>
             <a:endParaRPr lang="nl-BE"/>
           </a:p>
@@ -8061,7 +8061,7 @@
           <p:cNvPr id="2" name="Título 1">
             <a:extLst>
               <a:ext uri="{FF2B5EF4-FFF2-40B4-BE49-F238E27FC236}">
-                <a16:creationId xmlns:a16="http://schemas.microsoft.com/office/drawing/2014/main" xmlns="" id="{32666AC8-2E17-4DB4-B0F5-60C640CCFD2E}"/>
+                <a16:creationId xmlns="" xmlns:a16="http://schemas.microsoft.com/office/drawing/2014/main" id="{32666AC8-2E17-4DB4-B0F5-60C640CCFD2E}"/>
               </a:ext>
             </a:extLst>
           </p:cNvPr>
@@ -8116,7 +8116,7 @@
           <p:cNvPr id="4" name="CaixaDeTexto 3">
             <a:extLst>
               <a:ext uri="{FF2B5EF4-FFF2-40B4-BE49-F238E27FC236}">
-                <a16:creationId xmlns:a16="http://schemas.microsoft.com/office/drawing/2014/main" xmlns="" id="{430EB894-B7D4-434C-9D1A-A14094D9BEEC}"/>
+                <a16:creationId xmlns="" xmlns:a16="http://schemas.microsoft.com/office/drawing/2014/main" id="{430EB894-B7D4-434C-9D1A-A14094D9BEEC}"/>
               </a:ext>
             </a:extLst>
           </p:cNvPr>
@@ -8157,7 +8157,7 @@
           <p:cNvPr id="1026" name="Picture 2" descr="Logo">
             <a:extLst>
               <a:ext uri="{FF2B5EF4-FFF2-40B4-BE49-F238E27FC236}">
-                <a16:creationId xmlns:a16="http://schemas.microsoft.com/office/drawing/2014/main" xmlns="" id="{3F2642E0-4F6A-4196-8F58-E77D36E9A33F}"/>
+                <a16:creationId xmlns="" xmlns:a16="http://schemas.microsoft.com/office/drawing/2014/main" id="{3F2642E0-4F6A-4196-8F58-E77D36E9A33F}"/>
               </a:ext>
             </a:extLst>
           </p:cNvPr>
@@ -8202,7 +8202,7 @@
           <p:cNvPr id="5122" name="Picture 2" descr="Image result for machine learning">
             <a:extLst>
               <a:ext uri="{FF2B5EF4-FFF2-40B4-BE49-F238E27FC236}">
-                <a16:creationId xmlns:a16="http://schemas.microsoft.com/office/drawing/2014/main" xmlns="" id="{810CE0A2-4102-44A6-A370-175E7896CDCB}"/>
+                <a16:creationId xmlns="" xmlns:a16="http://schemas.microsoft.com/office/drawing/2014/main" id="{810CE0A2-4102-44A6-A370-175E7896CDCB}"/>
               </a:ext>
             </a:extLst>
           </p:cNvPr>
@@ -10465,18 +10465,7 @@
           <a:p>
             <a:pPr lvl="1"/>
             <a:r>
-              <a:rPr lang="pt-BR" b="1" dirty="0" smtClean="0">
-                <a:solidFill>
-                  <a:srgbClr val="FF0000"/>
-                </a:solidFill>
-              </a:rPr>
-              <a:t>Enviar email com nomes e matrículas dos integrantes do grupo.</a:t>
-            </a:r>
-          </a:p>
-          <a:p>
-            <a:pPr lvl="1"/>
-            <a:r>
-              <a:rPr lang="pt-BR" b="1" dirty="0" smtClean="0">
+              <a:rPr lang="pt-BR" b="1" smtClean="0">
                 <a:solidFill>
                   <a:srgbClr val="FF0000"/>
                 </a:solidFill>
@@ -10587,7 +10576,7 @@
           <p:cNvPr id="4" name="Título 1">
             <a:extLst>
               <a:ext uri="{FF2B5EF4-FFF2-40B4-BE49-F238E27FC236}">
-                <a16:creationId xmlns:a16="http://schemas.microsoft.com/office/drawing/2014/main" xmlns="" id="{32666AC8-2E17-4DB4-B0F5-60C640CCFD2E}"/>
+                <a16:creationId xmlns="" xmlns:a16="http://schemas.microsoft.com/office/drawing/2014/main" id="{32666AC8-2E17-4DB4-B0F5-60C640CCFD2E}"/>
               </a:ext>
             </a:extLst>
           </p:cNvPr>

--- a/slides/T319_Regressão_Linear (Parte VI).pptx
+++ b/slides/T319_Regressão_Linear (Parte VI).pptx
@@ -539,7 +539,7 @@
           <a:p>
             <a:fld id="{DAF0AF11-6A8A-4E64-94F5-26D4FBA2A01D}" type="datetimeFigureOut">
               <a:rPr lang="nl-BE" smtClean="0"/>
-              <a:t>19/11/2021</a:t>
+              <a:t>29/11/2021</a:t>
             </a:fld>
             <a:endParaRPr lang="nl-BE"/>
           </a:p>
@@ -1830,7 +1830,11 @@
             </a:r>
             <a:r>
               <a:rPr lang="pt-BR" baseline="0" dirty="0" smtClean="0"/>
-              <a:t> https://colab.research.google.com/github/zz4fap/t319_aprendizado_de_maquina/blob/main/projeto/projeto_final_1S2021.ipynb</a:t>
+              <a:t> https://</a:t>
+            </a:r>
+            <a:r>
+              <a:rPr lang="pt-BR" baseline="0" dirty="0" smtClean="0"/>
+              <a:t>colab.research.google.com/github/zz4fap/t319_aprendizado_de_maquina/blob/main/projeto/projeto_final_2S2021.ipynb</a:t>
             </a:r>
             <a:endParaRPr lang="pt-BR" dirty="0" smtClean="0"/>
           </a:p>
@@ -5330,7 +5334,7 @@
           <a:p>
             <a:fld id="{C80E15A5-E95B-43EB-9AC7-9A96397448C0}" type="datetimeFigureOut">
               <a:rPr lang="nl-BE" smtClean="0"/>
-              <a:t>19/11/2021</a:t>
+              <a:t>29/11/2021</a:t>
             </a:fld>
             <a:endParaRPr lang="nl-BE"/>
           </a:p>
@@ -5500,7 +5504,7 @@
           <a:p>
             <a:fld id="{C80E15A5-E95B-43EB-9AC7-9A96397448C0}" type="datetimeFigureOut">
               <a:rPr lang="nl-BE" smtClean="0"/>
-              <a:t>19/11/2021</a:t>
+              <a:t>29/11/2021</a:t>
             </a:fld>
             <a:endParaRPr lang="nl-BE"/>
           </a:p>
@@ -5680,7 +5684,7 @@
           <a:p>
             <a:fld id="{C80E15A5-E95B-43EB-9AC7-9A96397448C0}" type="datetimeFigureOut">
               <a:rPr lang="nl-BE" smtClean="0"/>
-              <a:t>19/11/2021</a:t>
+              <a:t>29/11/2021</a:t>
             </a:fld>
             <a:endParaRPr lang="nl-BE"/>
           </a:p>
@@ -5850,7 +5854,7 @@
           <a:p>
             <a:fld id="{C80E15A5-E95B-43EB-9AC7-9A96397448C0}" type="datetimeFigureOut">
               <a:rPr lang="nl-BE" smtClean="0"/>
-              <a:t>19/11/2021</a:t>
+              <a:t>29/11/2021</a:t>
             </a:fld>
             <a:endParaRPr lang="nl-BE"/>
           </a:p>
@@ -6096,7 +6100,7 @@
           <a:p>
             <a:fld id="{C80E15A5-E95B-43EB-9AC7-9A96397448C0}" type="datetimeFigureOut">
               <a:rPr lang="nl-BE" smtClean="0"/>
-              <a:t>19/11/2021</a:t>
+              <a:t>29/11/2021</a:t>
             </a:fld>
             <a:endParaRPr lang="nl-BE"/>
           </a:p>
@@ -6328,7 +6332,7 @@
           <a:p>
             <a:fld id="{C80E15A5-E95B-43EB-9AC7-9A96397448C0}" type="datetimeFigureOut">
               <a:rPr lang="nl-BE" smtClean="0"/>
-              <a:t>19/11/2021</a:t>
+              <a:t>29/11/2021</a:t>
             </a:fld>
             <a:endParaRPr lang="nl-BE"/>
           </a:p>
@@ -6695,7 +6699,7 @@
           <a:p>
             <a:fld id="{C80E15A5-E95B-43EB-9AC7-9A96397448C0}" type="datetimeFigureOut">
               <a:rPr lang="nl-BE" smtClean="0"/>
-              <a:t>19/11/2021</a:t>
+              <a:t>29/11/2021</a:t>
             </a:fld>
             <a:endParaRPr lang="nl-BE"/>
           </a:p>
@@ -6813,7 +6817,7 @@
           <a:p>
             <a:fld id="{C80E15A5-E95B-43EB-9AC7-9A96397448C0}" type="datetimeFigureOut">
               <a:rPr lang="nl-BE" smtClean="0"/>
-              <a:t>19/11/2021</a:t>
+              <a:t>29/11/2021</a:t>
             </a:fld>
             <a:endParaRPr lang="nl-BE"/>
           </a:p>
@@ -6908,7 +6912,7 @@
           <a:p>
             <a:fld id="{C80E15A5-E95B-43EB-9AC7-9A96397448C0}" type="datetimeFigureOut">
               <a:rPr lang="nl-BE" smtClean="0"/>
-              <a:t>19/11/2021</a:t>
+              <a:t>29/11/2021</a:t>
             </a:fld>
             <a:endParaRPr lang="nl-BE"/>
           </a:p>
@@ -7185,7 +7189,7 @@
           <a:p>
             <a:fld id="{C80E15A5-E95B-43EB-9AC7-9A96397448C0}" type="datetimeFigureOut">
               <a:rPr lang="nl-BE" smtClean="0"/>
-              <a:t>19/11/2021</a:t>
+              <a:t>29/11/2021</a:t>
             </a:fld>
             <a:endParaRPr lang="nl-BE"/>
           </a:p>
@@ -7438,7 +7442,7 @@
           <a:p>
             <a:fld id="{C80E15A5-E95B-43EB-9AC7-9A96397448C0}" type="datetimeFigureOut">
               <a:rPr lang="nl-BE" smtClean="0"/>
-              <a:t>19/11/2021</a:t>
+              <a:t>29/11/2021</a:t>
             </a:fld>
             <a:endParaRPr lang="nl-BE"/>
           </a:p>
@@ -7651,7 +7655,7 @@
           <a:p>
             <a:fld id="{C80E15A5-E95B-43EB-9AC7-9A96397448C0}" type="datetimeFigureOut">
               <a:rPr lang="nl-BE" smtClean="0"/>
-              <a:t>19/11/2021</a:t>
+              <a:t>29/11/2021</a:t>
             </a:fld>
             <a:endParaRPr lang="nl-BE"/>
           </a:p>
@@ -8061,7 +8065,7 @@
           <p:cNvPr id="2" name="Título 1">
             <a:extLst>
               <a:ext uri="{FF2B5EF4-FFF2-40B4-BE49-F238E27FC236}">
-                <a16:creationId xmlns="" xmlns:a16="http://schemas.microsoft.com/office/drawing/2014/main" id="{32666AC8-2E17-4DB4-B0F5-60C640CCFD2E}"/>
+                <a16:creationId xmlns:a16="http://schemas.microsoft.com/office/drawing/2014/main" xmlns="" id="{32666AC8-2E17-4DB4-B0F5-60C640CCFD2E}"/>
               </a:ext>
             </a:extLst>
           </p:cNvPr>
@@ -8116,7 +8120,7 @@
           <p:cNvPr id="4" name="CaixaDeTexto 3">
             <a:extLst>
               <a:ext uri="{FF2B5EF4-FFF2-40B4-BE49-F238E27FC236}">
-                <a16:creationId xmlns="" xmlns:a16="http://schemas.microsoft.com/office/drawing/2014/main" id="{430EB894-B7D4-434C-9D1A-A14094D9BEEC}"/>
+                <a16:creationId xmlns:a16="http://schemas.microsoft.com/office/drawing/2014/main" xmlns="" id="{430EB894-B7D4-434C-9D1A-A14094D9BEEC}"/>
               </a:ext>
             </a:extLst>
           </p:cNvPr>
@@ -8157,7 +8161,7 @@
           <p:cNvPr id="1026" name="Picture 2" descr="Logo">
             <a:extLst>
               <a:ext uri="{FF2B5EF4-FFF2-40B4-BE49-F238E27FC236}">
-                <a16:creationId xmlns="" xmlns:a16="http://schemas.microsoft.com/office/drawing/2014/main" id="{3F2642E0-4F6A-4196-8F58-E77D36E9A33F}"/>
+                <a16:creationId xmlns:a16="http://schemas.microsoft.com/office/drawing/2014/main" xmlns="" id="{3F2642E0-4F6A-4196-8F58-E77D36E9A33F}"/>
               </a:ext>
             </a:extLst>
           </p:cNvPr>
@@ -8202,7 +8206,7 @@
           <p:cNvPr id="5122" name="Picture 2" descr="Image result for machine learning">
             <a:extLst>
               <a:ext uri="{FF2B5EF4-FFF2-40B4-BE49-F238E27FC236}">
-                <a16:creationId xmlns="" xmlns:a16="http://schemas.microsoft.com/office/drawing/2014/main" id="{810CE0A2-4102-44A6-A370-175E7896CDCB}"/>
+                <a16:creationId xmlns:a16="http://schemas.microsoft.com/office/drawing/2014/main" xmlns="" id="{810CE0A2-4102-44A6-A370-175E7896CDCB}"/>
               </a:ext>
             </a:extLst>
           </p:cNvPr>
@@ -10465,7 +10469,7 @@
           <a:p>
             <a:pPr lvl="1"/>
             <a:r>
-              <a:rPr lang="pt-BR" b="1" smtClean="0">
+              <a:rPr lang="pt-BR" b="1" dirty="0" smtClean="0">
                 <a:solidFill>
                   <a:srgbClr val="FF0000"/>
                 </a:solidFill>
@@ -10576,7 +10580,7 @@
           <p:cNvPr id="4" name="Título 1">
             <a:extLst>
               <a:ext uri="{FF2B5EF4-FFF2-40B4-BE49-F238E27FC236}">
-                <a16:creationId xmlns="" xmlns:a16="http://schemas.microsoft.com/office/drawing/2014/main" id="{32666AC8-2E17-4DB4-B0F5-60C640CCFD2E}"/>
+                <a16:creationId xmlns:a16="http://schemas.microsoft.com/office/drawing/2014/main" xmlns="" id="{32666AC8-2E17-4DB4-B0F5-60C640CCFD2E}"/>
               </a:ext>
             </a:extLst>
           </p:cNvPr>

--- a/slides/T319_Regressão_Linear (Parte VI).pptx
+++ b/slides/T319_Regressão_Linear (Parte VI).pptx
@@ -12,14 +12,14 @@
     <p:sldId id="416" r:id="rId3"/>
     <p:sldId id="364" r:id="rId4"/>
     <p:sldId id="417" r:id="rId5"/>
-    <p:sldId id="390" r:id="rId6"/>
+    <p:sldId id="422" r:id="rId6"/>
     <p:sldId id="392" r:id="rId7"/>
     <p:sldId id="383" r:id="rId8"/>
     <p:sldId id="394" r:id="rId9"/>
     <p:sldId id="421" r:id="rId10"/>
     <p:sldId id="384" r:id="rId11"/>
     <p:sldId id="411" r:id="rId12"/>
-    <p:sldId id="378" r:id="rId13"/>
+    <p:sldId id="423" r:id="rId13"/>
     <p:sldId id="397" r:id="rId14"/>
     <p:sldId id="419" r:id="rId15"/>
     <p:sldId id="317" r:id="rId16"/>
@@ -539,7 +539,7 @@
           <a:p>
             <a:fld id="{DAF0AF11-6A8A-4E64-94F5-26D4FBA2A01D}" type="datetimeFigureOut">
               <a:rPr lang="nl-BE" smtClean="0"/>
-              <a:t>29/11/2021</a:t>
+              <a:t>3/12/2021</a:t>
             </a:fld>
             <a:endParaRPr lang="nl-BE"/>
           </a:p>
@@ -935,30 +935,707 @@
           <a:bodyPr/>
           <a:lstStyle/>
           <a:p>
-            <a:r>
-              <a:rPr lang="pt-BR" dirty="0" smtClean="0"/>
-              <a:t>Então, quando você deve usar a regressão linear, Ridge, LASSO ou Elastic-Net? </a:t>
-            </a:r>
-          </a:p>
-          <a:p>
-            <a:endParaRPr lang="pt-BR" dirty="0" smtClean="0"/>
-          </a:p>
-          <a:p>
-            <a:r>
-              <a:rPr lang="pt-BR" dirty="0" smtClean="0"/>
-              <a:t>Quase sempre é preferível ter pelo menos um pouco de regularização, então geralmente você deve evitar a regressão linear simples. Ridge é um bom começo, mas se você suspeitar que apenas alguns atributos são realmente úteis, você deve preferir LASSO ou Elastic-Net, pois eles tendem a reduzir os pesos dos atributos inúteis a zero. Em geral, o Elastic-Net é preferível ao LASSO, pois o LASSO pode se comportar de maneira errática quando o número de atributos é maior do que o número de exemplos de treinamento ou quando vários atributos</a:t>
-            </a:r>
-            <a:r>
-              <a:rPr lang="pt-BR" baseline="0" dirty="0" smtClean="0"/>
+            <a:pPr marL="0" marR="0" lvl="0" indent="0" algn="l" defTabSz="914400" rtl="0" eaLnBrk="1" fontAlgn="auto" latinLnBrk="0" hangingPunct="1">
+              <a:lnSpc>
+                <a:spcPct val="100000"/>
+              </a:lnSpc>
+              <a:spcBef>
+                <a:spcPts val="0"/>
+              </a:spcBef>
+              <a:spcAft>
+                <a:spcPts val="0"/>
+              </a:spcAft>
+              <a:buClrTx/>
+              <a:buSzTx/>
+              <a:buFontTx/>
+              <a:buNone/>
+              <a:tabLst/>
+              <a:defRPr/>
+            </a:pPr>
+            <a:r>
+              <a:rPr lang="en-US" dirty="0" smtClean="0"/>
+              <a:t>Na </a:t>
+            </a:r>
+            <a:r>
+              <a:rPr lang="en-US" dirty="0" err="1" smtClean="0"/>
+              <a:t>prática</a:t>
+            </a:r>
+            <a:r>
+              <a:rPr lang="en-US" dirty="0" smtClean="0"/>
+              <a:t>, o early stopping é </a:t>
+            </a:r>
+            <a:r>
+              <a:rPr lang="en-US" dirty="0" err="1" smtClean="0"/>
+              <a:t>implementado</a:t>
+            </a:r>
+            <a:r>
+              <a:rPr lang="en-US" dirty="0" smtClean="0"/>
               <a:t> </a:t>
             </a:r>
             <a:r>
-              <a:rPr lang="pt-BR" dirty="0" smtClean="0"/>
-              <a:t>são fortemente correlacionados</a:t>
-            </a:r>
-          </a:p>
-          <a:p>
-            <a:endParaRPr lang="pt-BR" dirty="0" smtClean="0"/>
+              <a:rPr lang="en-US" dirty="0" err="1" smtClean="0"/>
+              <a:t>através</a:t>
+            </a:r>
+            <a:r>
+              <a:rPr lang="en-US" dirty="0" smtClean="0"/>
+              <a:t> do </a:t>
+            </a:r>
+            <a:r>
+              <a:rPr lang="en-US" dirty="0" err="1" smtClean="0"/>
+              <a:t>treinamento</a:t>
+            </a:r>
+            <a:r>
+              <a:rPr lang="en-US" dirty="0" smtClean="0"/>
+              <a:t> </a:t>
+            </a:r>
+            <a:r>
+              <a:rPr lang="en-US" dirty="0" err="1" smtClean="0"/>
+              <a:t>em</a:t>
+            </a:r>
+            <a:r>
+              <a:rPr lang="en-US" dirty="0" smtClean="0"/>
+              <a:t> um </a:t>
+            </a:r>
+            <a:r>
+              <a:rPr lang="en-US" dirty="0" err="1" smtClean="0"/>
+              <a:t>conjunto</a:t>
+            </a:r>
+            <a:r>
+              <a:rPr lang="en-US" dirty="0" smtClean="0"/>
+              <a:t> de </a:t>
+            </a:r>
+            <a:r>
+              <a:rPr lang="en-US" dirty="0" err="1" smtClean="0"/>
+              <a:t>treinamento</a:t>
+            </a:r>
+            <a:r>
+              <a:rPr lang="en-US" dirty="0" smtClean="0"/>
+              <a:t> e </a:t>
+            </a:r>
+            <a:r>
+              <a:rPr lang="en-US" dirty="0" err="1" smtClean="0"/>
+              <a:t>medindo</a:t>
+            </a:r>
+            <a:r>
+              <a:rPr lang="en-US" dirty="0" smtClean="0"/>
+              <a:t> a </a:t>
+            </a:r>
+            <a:r>
+              <a:rPr lang="en-US" dirty="0" err="1" smtClean="0"/>
+              <a:t>precisão</a:t>
+            </a:r>
+            <a:r>
+              <a:rPr lang="en-US" dirty="0" smtClean="0"/>
+              <a:t> </a:t>
+            </a:r>
+            <a:r>
+              <a:rPr lang="en-US" dirty="0" err="1" smtClean="0"/>
+              <a:t>em</a:t>
+            </a:r>
+            <a:r>
+              <a:rPr lang="en-US" dirty="0" smtClean="0"/>
+              <a:t> um </a:t>
+            </a:r>
+            <a:r>
+              <a:rPr lang="en-US" dirty="0" err="1" smtClean="0"/>
+              <a:t>conjunto</a:t>
+            </a:r>
+            <a:r>
+              <a:rPr lang="en-US" dirty="0" smtClean="0"/>
+              <a:t> de </a:t>
+            </a:r>
+            <a:r>
+              <a:rPr lang="en-US" dirty="0" err="1" smtClean="0"/>
+              <a:t>validação</a:t>
+            </a:r>
+            <a:r>
+              <a:rPr lang="en-US" dirty="0" smtClean="0"/>
+              <a:t> </a:t>
+            </a:r>
+            <a:r>
+              <a:rPr lang="en-US" dirty="0" err="1" smtClean="0"/>
+              <a:t>estatisticamente</a:t>
+            </a:r>
+            <a:r>
+              <a:rPr lang="en-US" dirty="0" smtClean="0"/>
+              <a:t> </a:t>
+            </a:r>
+            <a:r>
+              <a:rPr lang="en-US" dirty="0" err="1" smtClean="0"/>
+              <a:t>independente</a:t>
+            </a:r>
+            <a:r>
+              <a:rPr lang="en-US" dirty="0" smtClean="0"/>
+              <a:t>. O </a:t>
+            </a:r>
+            <a:r>
+              <a:rPr lang="en-US" dirty="0" err="1" smtClean="0"/>
+              <a:t>modelo</a:t>
+            </a:r>
+            <a:r>
+              <a:rPr lang="en-US" dirty="0" smtClean="0"/>
+              <a:t> é </a:t>
+            </a:r>
+            <a:r>
+              <a:rPr lang="en-US" dirty="0" err="1" smtClean="0"/>
+              <a:t>treinado</a:t>
+            </a:r>
+            <a:r>
+              <a:rPr lang="en-US" dirty="0" smtClean="0"/>
+              <a:t> </a:t>
+            </a:r>
+            <a:r>
+              <a:rPr lang="en-US" dirty="0" err="1" smtClean="0"/>
+              <a:t>até</a:t>
+            </a:r>
+            <a:r>
+              <a:rPr lang="en-US" dirty="0" smtClean="0"/>
+              <a:t> que o </a:t>
+            </a:r>
+            <a:r>
+              <a:rPr lang="en-US" dirty="0" err="1" smtClean="0"/>
+              <a:t>desempenho</a:t>
+            </a:r>
+            <a:r>
+              <a:rPr lang="en-US" dirty="0" smtClean="0"/>
+              <a:t> no </a:t>
+            </a:r>
+            <a:r>
+              <a:rPr lang="en-US" dirty="0" err="1" smtClean="0"/>
+              <a:t>conjunto</a:t>
+            </a:r>
+            <a:r>
+              <a:rPr lang="en-US" dirty="0" smtClean="0"/>
+              <a:t> de </a:t>
+            </a:r>
+            <a:r>
+              <a:rPr lang="en-US" dirty="0" err="1" smtClean="0"/>
+              <a:t>validação</a:t>
+            </a:r>
+            <a:r>
+              <a:rPr lang="en-US" dirty="0" smtClean="0"/>
+              <a:t> </a:t>
+            </a:r>
+            <a:r>
+              <a:rPr lang="en-US" dirty="0" err="1" smtClean="0"/>
+              <a:t>não</a:t>
+            </a:r>
+            <a:r>
+              <a:rPr lang="en-US" dirty="0" smtClean="0"/>
+              <a:t> </a:t>
+            </a:r>
+            <a:r>
+              <a:rPr lang="en-US" dirty="0" err="1" smtClean="0"/>
+              <a:t>melhore</a:t>
+            </a:r>
+            <a:r>
+              <a:rPr lang="en-US" dirty="0" smtClean="0"/>
+              <a:t> </a:t>
+            </a:r>
+            <a:r>
+              <a:rPr lang="en-US" dirty="0" err="1" smtClean="0"/>
+              <a:t>mais</a:t>
+            </a:r>
+            <a:r>
+              <a:rPr lang="en-US" dirty="0" smtClean="0"/>
+              <a:t>. O </a:t>
+            </a:r>
+            <a:r>
+              <a:rPr lang="en-US" dirty="0" err="1" smtClean="0"/>
+              <a:t>modelo</a:t>
+            </a:r>
+            <a:r>
+              <a:rPr lang="en-US" dirty="0" smtClean="0"/>
+              <a:t> é </a:t>
+            </a:r>
+            <a:r>
+              <a:rPr lang="en-US" dirty="0" err="1" smtClean="0"/>
+              <a:t>então</a:t>
+            </a:r>
+            <a:r>
+              <a:rPr lang="en-US" dirty="0" smtClean="0"/>
+              <a:t> </a:t>
+            </a:r>
+            <a:r>
+              <a:rPr lang="en-US" dirty="0" err="1" smtClean="0"/>
+              <a:t>testado</a:t>
+            </a:r>
+            <a:r>
+              <a:rPr lang="en-US" dirty="0" smtClean="0"/>
+              <a:t> </a:t>
+            </a:r>
+            <a:r>
+              <a:rPr lang="en-US" dirty="0" err="1" smtClean="0"/>
+              <a:t>em</a:t>
+            </a:r>
+            <a:r>
+              <a:rPr lang="en-US" dirty="0" smtClean="0"/>
+              <a:t> um </a:t>
+            </a:r>
+            <a:r>
+              <a:rPr lang="en-US" dirty="0" err="1" smtClean="0"/>
+              <a:t>conjunto</a:t>
+            </a:r>
+            <a:r>
+              <a:rPr lang="en-US" dirty="0" smtClean="0"/>
+              <a:t> de testes.</a:t>
+            </a:r>
+          </a:p>
+          <a:p>
+            <a:endParaRPr lang="en-US" dirty="0" smtClean="0"/>
+          </a:p>
+          <a:p>
+            <a:r>
+              <a:rPr lang="en-US" dirty="0" err="1" smtClean="0"/>
+              <a:t>Intuitivamente</a:t>
+            </a:r>
+            <a:r>
+              <a:rPr lang="en-US" dirty="0" smtClean="0"/>
+              <a:t>, o </a:t>
+            </a:r>
+            <a:r>
+              <a:rPr lang="en-US" dirty="0" err="1" smtClean="0"/>
+              <a:t>algoritmo</a:t>
+            </a:r>
+            <a:r>
+              <a:rPr lang="en-US" dirty="0" smtClean="0"/>
+              <a:t> do </a:t>
+            </a:r>
+            <a:r>
+              <a:rPr lang="en-US" dirty="0" err="1" smtClean="0"/>
+              <a:t>gradiente</a:t>
+            </a:r>
+            <a:r>
+              <a:rPr lang="en-US" dirty="0" smtClean="0"/>
+              <a:t> </a:t>
+            </a:r>
+            <a:r>
+              <a:rPr lang="en-US" dirty="0" err="1" smtClean="0"/>
+              <a:t>descendente</a:t>
+            </a:r>
+            <a:r>
+              <a:rPr lang="en-US" dirty="0" smtClean="0"/>
+              <a:t> </a:t>
+            </a:r>
+            <a:r>
+              <a:rPr lang="en-US" dirty="0" err="1" smtClean="0"/>
+              <a:t>tenderá</a:t>
+            </a:r>
+            <a:r>
+              <a:rPr lang="en-US" dirty="0" smtClean="0"/>
+              <a:t> a </a:t>
+            </a:r>
+            <a:r>
+              <a:rPr lang="en-US" dirty="0" err="1" smtClean="0"/>
+              <a:t>aprender</a:t>
+            </a:r>
+            <a:r>
+              <a:rPr lang="en-US" dirty="0" smtClean="0"/>
+              <a:t> </a:t>
+            </a:r>
+            <a:r>
+              <a:rPr lang="en-US" dirty="0" err="1" smtClean="0"/>
+              <a:t>modelos</a:t>
+            </a:r>
+            <a:r>
+              <a:rPr lang="en-US" dirty="0" smtClean="0"/>
+              <a:t> </a:t>
+            </a:r>
+            <a:r>
+              <a:rPr lang="en-US" dirty="0" err="1" smtClean="0"/>
+              <a:t>cada</a:t>
+            </a:r>
+            <a:r>
+              <a:rPr lang="en-US" dirty="0" smtClean="0"/>
+              <a:t> </a:t>
+            </a:r>
+            <a:r>
+              <a:rPr lang="en-US" dirty="0" err="1" smtClean="0"/>
+              <a:t>vez</a:t>
+            </a:r>
+            <a:r>
+              <a:rPr lang="en-US" dirty="0" smtClean="0"/>
+              <a:t> </a:t>
+            </a:r>
+            <a:r>
+              <a:rPr lang="en-US" dirty="0" err="1" smtClean="0"/>
+              <a:t>mais</a:t>
+            </a:r>
+            <a:r>
+              <a:rPr lang="en-US" dirty="0" smtClean="0"/>
+              <a:t> </a:t>
+            </a:r>
+            <a:r>
+              <a:rPr lang="en-US" dirty="0" err="1" smtClean="0"/>
+              <a:t>complexos</a:t>
+            </a:r>
+            <a:r>
+              <a:rPr lang="en-US" dirty="0" smtClean="0"/>
+              <a:t> à </a:t>
+            </a:r>
+            <a:r>
+              <a:rPr lang="en-US" dirty="0" err="1" smtClean="0"/>
+              <a:t>medida</a:t>
+            </a:r>
+            <a:r>
+              <a:rPr lang="en-US" dirty="0" smtClean="0"/>
+              <a:t> que o </a:t>
+            </a:r>
+            <a:r>
+              <a:rPr lang="en-US" dirty="0" err="1" smtClean="0"/>
+              <a:t>número</a:t>
+            </a:r>
+            <a:r>
+              <a:rPr lang="en-US" dirty="0" smtClean="0"/>
+              <a:t> de </a:t>
+            </a:r>
+            <a:r>
+              <a:rPr lang="en-US" dirty="0" err="1" smtClean="0"/>
+              <a:t>iterações</a:t>
+            </a:r>
+            <a:r>
+              <a:rPr lang="en-US" dirty="0" smtClean="0"/>
+              <a:t> (</a:t>
+            </a:r>
+            <a:r>
+              <a:rPr lang="en-US" dirty="0" err="1" smtClean="0"/>
+              <a:t>ou</a:t>
+            </a:r>
+            <a:r>
+              <a:rPr lang="en-US" dirty="0" smtClean="0"/>
+              <a:t> </a:t>
+            </a:r>
+            <a:r>
+              <a:rPr lang="en-US" dirty="0" err="1" smtClean="0"/>
+              <a:t>épocas</a:t>
+            </a:r>
+            <a:r>
+              <a:rPr lang="en-US" dirty="0" smtClean="0"/>
+              <a:t>) </a:t>
+            </a:r>
+            <a:r>
+              <a:rPr lang="en-US" dirty="0" err="1" smtClean="0"/>
+              <a:t>aumenta</a:t>
+            </a:r>
+            <a:r>
+              <a:rPr lang="en-US" dirty="0" smtClean="0"/>
+              <a:t>. </a:t>
+            </a:r>
+            <a:r>
+              <a:rPr lang="en-US" dirty="0" err="1" smtClean="0"/>
+              <a:t>Ao</a:t>
+            </a:r>
+            <a:r>
+              <a:rPr lang="en-US" dirty="0" smtClean="0"/>
+              <a:t> </a:t>
+            </a:r>
+            <a:r>
+              <a:rPr lang="en-US" dirty="0" err="1" smtClean="0"/>
+              <a:t>regularizar</a:t>
+            </a:r>
+            <a:r>
+              <a:rPr lang="en-US" dirty="0" smtClean="0"/>
+              <a:t> no tempo, a </a:t>
+            </a:r>
+            <a:r>
+              <a:rPr lang="en-US" dirty="0" err="1" smtClean="0"/>
+              <a:t>complexidade</a:t>
+            </a:r>
+            <a:r>
+              <a:rPr lang="en-US" dirty="0" smtClean="0"/>
+              <a:t> do </a:t>
+            </a:r>
+            <a:r>
+              <a:rPr lang="en-US" dirty="0" err="1" smtClean="0"/>
+              <a:t>modelo</a:t>
+            </a:r>
+            <a:r>
+              <a:rPr lang="en-US" dirty="0" smtClean="0"/>
+              <a:t> </a:t>
+            </a:r>
+            <a:r>
+              <a:rPr lang="en-US" dirty="0" err="1" smtClean="0"/>
+              <a:t>pode</a:t>
+            </a:r>
+            <a:r>
+              <a:rPr lang="en-US" dirty="0" smtClean="0"/>
+              <a:t> </a:t>
+            </a:r>
+            <a:r>
+              <a:rPr lang="en-US" dirty="0" err="1" smtClean="0"/>
+              <a:t>ser</a:t>
+            </a:r>
+            <a:r>
+              <a:rPr lang="en-US" dirty="0" smtClean="0"/>
+              <a:t> </a:t>
+            </a:r>
+            <a:r>
+              <a:rPr lang="en-US" dirty="0" err="1" smtClean="0"/>
+              <a:t>controlada</a:t>
+            </a:r>
+            <a:r>
+              <a:rPr lang="en-US" dirty="0" smtClean="0"/>
+              <a:t>, </a:t>
+            </a:r>
+            <a:r>
+              <a:rPr lang="en-US" dirty="0" err="1" smtClean="0"/>
+              <a:t>melhorando</a:t>
+            </a:r>
+            <a:r>
+              <a:rPr lang="en-US" dirty="0" smtClean="0"/>
+              <a:t> </a:t>
+            </a:r>
+            <a:r>
+              <a:rPr lang="en-US" dirty="0" err="1" smtClean="0"/>
+              <a:t>sua</a:t>
+            </a:r>
+            <a:r>
+              <a:rPr lang="en-US" dirty="0" smtClean="0"/>
+              <a:t> </a:t>
+            </a:r>
+            <a:r>
+              <a:rPr lang="en-US" dirty="0" err="1" smtClean="0"/>
+              <a:t>generalização</a:t>
+            </a:r>
+            <a:r>
+              <a:rPr lang="en-US" dirty="0" smtClean="0"/>
+              <a:t>.</a:t>
+            </a:r>
+          </a:p>
+          <a:p>
+            <a:endParaRPr lang="en-US" dirty="0" smtClean="0">
+              <a:cs typeface="Calibri"/>
+            </a:endParaRPr>
+          </a:p>
+          <a:p>
+            <a:r>
+              <a:rPr lang="en-US" dirty="0" smtClean="0"/>
+              <a:t>Na </a:t>
+            </a:r>
+            <a:r>
+              <a:rPr lang="en-US" dirty="0" err="1" smtClean="0"/>
+              <a:t>prática</a:t>
+            </a:r>
+            <a:r>
+              <a:rPr lang="en-US" dirty="0" smtClean="0"/>
+              <a:t>, o early stopping é </a:t>
+            </a:r>
+            <a:r>
+              <a:rPr lang="en-US" dirty="0" err="1" smtClean="0"/>
+              <a:t>implementado</a:t>
+            </a:r>
+            <a:r>
+              <a:rPr lang="en-US" dirty="0" smtClean="0"/>
+              <a:t> </a:t>
+            </a:r>
+            <a:r>
+              <a:rPr lang="en-US" dirty="0" err="1" smtClean="0"/>
+              <a:t>através</a:t>
+            </a:r>
+            <a:r>
+              <a:rPr lang="en-US" dirty="0" smtClean="0"/>
+              <a:t> do </a:t>
+            </a:r>
+            <a:r>
+              <a:rPr lang="en-US" dirty="0" err="1" smtClean="0"/>
+              <a:t>treinamento</a:t>
+            </a:r>
+            <a:r>
+              <a:rPr lang="en-US" dirty="0" smtClean="0"/>
+              <a:t> </a:t>
+            </a:r>
+            <a:r>
+              <a:rPr lang="en-US" dirty="0" err="1" smtClean="0"/>
+              <a:t>em</a:t>
+            </a:r>
+            <a:r>
+              <a:rPr lang="en-US" dirty="0" smtClean="0"/>
+              <a:t> um </a:t>
+            </a:r>
+            <a:r>
+              <a:rPr lang="en-US" dirty="0" err="1" smtClean="0"/>
+              <a:t>conjunto</a:t>
+            </a:r>
+            <a:r>
+              <a:rPr lang="en-US" dirty="0" smtClean="0"/>
+              <a:t> de </a:t>
+            </a:r>
+            <a:r>
+              <a:rPr lang="en-US" dirty="0" err="1" smtClean="0"/>
+              <a:t>treinamento</a:t>
+            </a:r>
+            <a:r>
+              <a:rPr lang="en-US" dirty="0" smtClean="0"/>
+              <a:t> e </a:t>
+            </a:r>
+            <a:r>
+              <a:rPr lang="en-US" dirty="0" err="1" smtClean="0"/>
+              <a:t>medindo</a:t>
+            </a:r>
+            <a:r>
+              <a:rPr lang="en-US" dirty="0" smtClean="0"/>
+              <a:t> a </a:t>
+            </a:r>
+            <a:r>
+              <a:rPr lang="en-US" dirty="0" err="1" smtClean="0"/>
+              <a:t>precisão</a:t>
+            </a:r>
+            <a:r>
+              <a:rPr lang="en-US" dirty="0" smtClean="0"/>
+              <a:t> </a:t>
+            </a:r>
+            <a:r>
+              <a:rPr lang="en-US" dirty="0" err="1" smtClean="0"/>
+              <a:t>em</a:t>
+            </a:r>
+            <a:r>
+              <a:rPr lang="en-US" dirty="0" smtClean="0"/>
+              <a:t> um </a:t>
+            </a:r>
+            <a:r>
+              <a:rPr lang="en-US" dirty="0" err="1" smtClean="0"/>
+              <a:t>conjunto</a:t>
+            </a:r>
+            <a:r>
+              <a:rPr lang="en-US" dirty="0" smtClean="0"/>
+              <a:t> de </a:t>
+            </a:r>
+            <a:r>
+              <a:rPr lang="en-US" dirty="0" err="1" smtClean="0"/>
+              <a:t>validação</a:t>
+            </a:r>
+            <a:r>
+              <a:rPr lang="en-US" dirty="0" smtClean="0"/>
+              <a:t> </a:t>
+            </a:r>
+            <a:r>
+              <a:rPr lang="en-US" dirty="0" err="1" smtClean="0"/>
+              <a:t>estatisticamente</a:t>
+            </a:r>
+            <a:r>
+              <a:rPr lang="en-US" dirty="0" smtClean="0"/>
+              <a:t> </a:t>
+            </a:r>
+            <a:r>
+              <a:rPr lang="en-US" dirty="0" err="1" smtClean="0"/>
+              <a:t>independente</a:t>
+            </a:r>
+            <a:r>
+              <a:rPr lang="en-US" dirty="0" smtClean="0"/>
+              <a:t>. O </a:t>
+            </a:r>
+            <a:r>
+              <a:rPr lang="en-US" dirty="0" err="1" smtClean="0"/>
+              <a:t>modelo</a:t>
+            </a:r>
+            <a:r>
+              <a:rPr lang="en-US" dirty="0" smtClean="0"/>
+              <a:t> é </a:t>
+            </a:r>
+            <a:r>
+              <a:rPr lang="en-US" dirty="0" err="1" smtClean="0"/>
+              <a:t>treinado</a:t>
+            </a:r>
+            <a:r>
+              <a:rPr lang="en-US" dirty="0" smtClean="0"/>
+              <a:t> </a:t>
+            </a:r>
+            <a:r>
+              <a:rPr lang="en-US" dirty="0" err="1" smtClean="0"/>
+              <a:t>até</a:t>
+            </a:r>
+            <a:r>
+              <a:rPr lang="en-US" dirty="0" smtClean="0"/>
+              <a:t> que o </a:t>
+            </a:r>
+            <a:r>
+              <a:rPr lang="en-US" dirty="0" err="1" smtClean="0"/>
+              <a:t>desempenho</a:t>
+            </a:r>
+            <a:r>
+              <a:rPr lang="en-US" dirty="0" smtClean="0"/>
+              <a:t> no </a:t>
+            </a:r>
+            <a:r>
+              <a:rPr lang="en-US" dirty="0" err="1" smtClean="0"/>
+              <a:t>conjunto</a:t>
+            </a:r>
+            <a:r>
+              <a:rPr lang="en-US" dirty="0" smtClean="0"/>
+              <a:t> de </a:t>
+            </a:r>
+            <a:r>
+              <a:rPr lang="en-US" dirty="0" err="1" smtClean="0"/>
+              <a:t>validação</a:t>
+            </a:r>
+            <a:r>
+              <a:rPr lang="en-US" dirty="0" smtClean="0"/>
+              <a:t> </a:t>
+            </a:r>
+            <a:r>
+              <a:rPr lang="en-US" dirty="0" err="1" smtClean="0"/>
+              <a:t>não</a:t>
+            </a:r>
+            <a:r>
+              <a:rPr lang="en-US" dirty="0" smtClean="0"/>
+              <a:t> </a:t>
+            </a:r>
+            <a:r>
+              <a:rPr lang="en-US" dirty="0" err="1" smtClean="0"/>
+              <a:t>melhore</a:t>
+            </a:r>
+            <a:r>
+              <a:rPr lang="en-US" dirty="0" smtClean="0"/>
+              <a:t> </a:t>
+            </a:r>
+            <a:r>
+              <a:rPr lang="en-US" dirty="0" err="1" smtClean="0"/>
+              <a:t>mais</a:t>
+            </a:r>
+            <a:r>
+              <a:rPr lang="en-US" dirty="0" smtClean="0"/>
+              <a:t>. O </a:t>
+            </a:r>
+            <a:r>
+              <a:rPr lang="en-US" dirty="0" err="1" smtClean="0"/>
+              <a:t>modelo</a:t>
+            </a:r>
+            <a:r>
+              <a:rPr lang="en-US" dirty="0" smtClean="0"/>
+              <a:t> é </a:t>
+            </a:r>
+            <a:r>
+              <a:rPr lang="en-US" dirty="0" err="1" smtClean="0"/>
+              <a:t>então</a:t>
+            </a:r>
+            <a:r>
+              <a:rPr lang="en-US" dirty="0" smtClean="0"/>
+              <a:t> </a:t>
+            </a:r>
+            <a:r>
+              <a:rPr lang="en-US" dirty="0" err="1" smtClean="0"/>
+              <a:t>testado</a:t>
+            </a:r>
+            <a:r>
+              <a:rPr lang="en-US" dirty="0" smtClean="0"/>
+              <a:t> </a:t>
+            </a:r>
+            <a:r>
+              <a:rPr lang="en-US" dirty="0" err="1" smtClean="0"/>
+              <a:t>em</a:t>
+            </a:r>
+            <a:r>
+              <a:rPr lang="en-US" dirty="0" smtClean="0"/>
+              <a:t> um </a:t>
+            </a:r>
+            <a:r>
+              <a:rPr lang="en-US" dirty="0" err="1" smtClean="0"/>
+              <a:t>conjunto</a:t>
+            </a:r>
+            <a:r>
+              <a:rPr lang="en-US" dirty="0" smtClean="0"/>
+              <a:t> de testes.</a:t>
+            </a:r>
           </a:p>
           <a:p>
             <a:endParaRPr lang="pt-BR" dirty="0"/>
@@ -982,7 +1659,7 @@
           <a:p>
             <a:fld id="{DA8B99DF-01BC-492A-8CEF-4FD88D18DD9D}" type="slidenum">
               <a:rPr lang="nl-BE" smtClean="0"/>
-              <a:t>11</a:t>
+              <a:t>12</a:t>
             </a:fld>
             <a:endParaRPr lang="nl-BE"/>
           </a:p>
@@ -991,7 +1668,7 @@
     </p:spTree>
     <p:extLst>
       <p:ext uri="{BB962C8B-B14F-4D97-AF65-F5344CB8AC3E}">
-        <p14:creationId xmlns:p14="http://schemas.microsoft.com/office/powerpoint/2010/main" val="3054069362"/>
+        <p14:creationId xmlns:p14="http://schemas.microsoft.com/office/powerpoint/2010/main" val="4010957296"/>
       </p:ext>
     </p:extLst>
   </p:cSld>
@@ -1045,483 +1722,125 @@
           <a:bodyPr/>
           <a:lstStyle/>
           <a:p>
-            <a:pPr marL="0" marR="0" lvl="0" indent="0" algn="l" defTabSz="914400" rtl="0" eaLnBrk="1" fontAlgn="auto" latinLnBrk="0" hangingPunct="1">
-              <a:lnSpc>
-                <a:spcPct val="100000"/>
-              </a:lnSpc>
-              <a:spcBef>
-                <a:spcPts val="0"/>
-              </a:spcBef>
-              <a:spcAft>
-                <a:spcPts val="0"/>
-              </a:spcAft>
-              <a:buClrTx/>
-              <a:buSzTx/>
-              <a:buFontTx/>
-              <a:buNone/>
-              <a:tabLst/>
-              <a:defRPr/>
-            </a:pPr>
-            <a:r>
-              <a:rPr lang="en-US" dirty="0" smtClean="0"/>
-              <a:t>Na </a:t>
-            </a:r>
-            <a:r>
-              <a:rPr lang="en-US" dirty="0" err="1" smtClean="0"/>
-              <a:t>prática</a:t>
-            </a:r>
-            <a:r>
-              <a:rPr lang="en-US" dirty="0" smtClean="0"/>
-              <a:t>, o early stopping é </a:t>
-            </a:r>
-            <a:r>
-              <a:rPr lang="en-US" dirty="0" err="1" smtClean="0"/>
-              <a:t>implementado</a:t>
-            </a:r>
-            <a:r>
-              <a:rPr lang="en-US" dirty="0" smtClean="0"/>
+            <a:r>
+              <a:rPr lang="pt-BR" b="1" dirty="0" smtClean="0"/>
+              <a:t>Exemplo</a:t>
+            </a:r>
+            <a:r>
+              <a:rPr lang="pt-BR" b="0" dirty="0" smtClean="0"/>
+              <a:t>:</a:t>
+            </a:r>
+            <a:r>
+              <a:rPr lang="pt-BR" b="0" baseline="0" dirty="0" smtClean="0"/>
               <a:t> </a:t>
             </a:r>
             <a:r>
-              <a:rPr lang="en-US" dirty="0" err="1" smtClean="0"/>
-              <a:t>através</a:t>
-            </a:r>
-            <a:r>
-              <a:rPr lang="en-US" dirty="0" smtClean="0"/>
-              <a:t> do </a:t>
-            </a:r>
-            <a:r>
-              <a:rPr lang="en-US" dirty="0" err="1" smtClean="0"/>
-              <a:t>treinamento</a:t>
-            </a:r>
-            <a:r>
-              <a:rPr lang="en-US" dirty="0" smtClean="0"/>
+              <a:rPr lang="pt-BR" dirty="0" smtClean="0"/>
+              <a:t>https://mybinder.org/v2/gh/zz4fap/t319_aprendizado_de_maquina/main?filepath=notebooks%2Fregression%2F</a:t>
+            </a:r>
+            <a:r>
+              <a:rPr lang="pt-BR" sz="1200" dirty="0" smtClean="0"/>
+              <a:t>early_stopv2.ipynb</a:t>
+            </a:r>
+          </a:p>
+          <a:p>
+            <a:endParaRPr lang="pt-BR" dirty="0" smtClean="0"/>
+          </a:p>
+          <a:p>
+            <a:r>
+              <a:rPr lang="pt-BR" dirty="0" smtClean="0"/>
+              <a:t>A </a:t>
+            </a:r>
+            <a:r>
+              <a:rPr lang="pt-BR" dirty="0"/>
+              <a:t>figura mostra um modelo complexo (um modelo de regressão polinomial de alto grau) sendo treinado usando</a:t>
+            </a:r>
+            <a:r>
+              <a:rPr lang="pt-BR" baseline="0" dirty="0"/>
+              <a:t> o gradiente descendente estocástico</a:t>
+            </a:r>
+            <a:r>
+              <a:rPr lang="pt-BR" dirty="0"/>
+              <a:t>. À medida que as épocas passam, o algoritmo aprende e seu erro quadrático médio no conjunto de treinamento diminui, juntamente com</a:t>
+            </a:r>
+            <a:r>
+              <a:rPr lang="pt-BR" baseline="0" dirty="0"/>
+              <a:t> o </a:t>
+            </a:r>
+            <a:r>
+              <a:rPr lang="pt-BR" dirty="0"/>
+              <a:t>erro de predição no conjunto de validação. No entanto, após algumas</a:t>
+            </a:r>
+            <a:r>
+              <a:rPr lang="pt-BR" baseline="0" dirty="0"/>
+              <a:t> épocas</a:t>
+            </a:r>
+            <a:r>
+              <a:rPr lang="pt-BR" dirty="0"/>
+              <a:t>, o erro de validação para de diminuir e começa a voltar a crescer. Isso indica que o modelo começou a sobreajustar os dados de treinamento. Com a parada antecipada, você apenas para de treinar assim que o erro de validação atinge o mínimo.</a:t>
+            </a:r>
+          </a:p>
+          <a:p>
+            <a:endParaRPr lang="pt-BR" dirty="0"/>
+          </a:p>
+          <a:p>
+            <a:r>
+              <a:rPr lang="pt-BR" b="1" dirty="0"/>
+              <a:t>Dica</a:t>
+            </a:r>
+            <a:r>
+              <a:rPr lang="pt-BR" dirty="0"/>
+              <a:t>: Com</a:t>
+            </a:r>
+            <a:r>
+              <a:rPr lang="pt-BR" baseline="0" dirty="0"/>
+              <a:t> o gradiente descendente estocástico e o mini-batch</a:t>
+            </a:r>
+            <a:r>
+              <a:rPr lang="pt-BR" dirty="0"/>
+              <a:t>, as curvas de erro não são tão suaves e pode ser difícil saber se você atingiu o mínimo ou não. Uma solução é parar apenas depois que o erro de validação estiver acima do mínimo por algum tempo (quando você estiver confiante de que o modelo não ficará melhor) e reverta os pesos do modelo para o ponto em que o erro de validação atingiu o mínimo.</a:t>
+            </a:r>
+          </a:p>
+          <a:p>
+            <a:endParaRPr lang="pt-BR" dirty="0"/>
+          </a:p>
+          <a:p>
+            <a:r>
+              <a:rPr lang="pt-BR" b="1" dirty="0"/>
+              <a:t>Exemplo</a:t>
+            </a:r>
+            <a:r>
+              <a:rPr lang="pt-BR" dirty="0"/>
+              <a:t>: </a:t>
+            </a:r>
+            <a:r>
+              <a:rPr lang="pt-BR" dirty="0">
+                <a:hlinkClick r:id="rId3"/>
+              </a:rPr>
+              <a:t>early_stoppingv2.ipynb</a:t>
+            </a:r>
+            <a:endParaRPr lang="pt-BR" dirty="0"/>
+          </a:p>
+          <a:p>
+            <a:r>
+              <a:rPr lang="pt-BR" b="1" dirty="0"/>
+              <a:t>Link</a:t>
+            </a:r>
+            <a:r>
+              <a:rPr lang="pt-BR" dirty="0"/>
+              <a:t>:</a:t>
+            </a:r>
+            <a:r>
+              <a:rPr lang="pt-BR" baseline="0" dirty="0"/>
               <a:t> </a:t>
             </a:r>
             <a:r>
-              <a:rPr lang="en-US" dirty="0" err="1" smtClean="0"/>
-              <a:t>em</a:t>
-            </a:r>
-            <a:r>
-              <a:rPr lang="en-US" dirty="0" smtClean="0"/>
-              <a:t> um </a:t>
-            </a:r>
-            <a:r>
-              <a:rPr lang="en-US" dirty="0" err="1" smtClean="0"/>
-              <a:t>conjunto</a:t>
-            </a:r>
-            <a:r>
-              <a:rPr lang="en-US" dirty="0" smtClean="0"/>
-              <a:t> de </a:t>
-            </a:r>
-            <a:r>
-              <a:rPr lang="en-US" dirty="0" err="1" smtClean="0"/>
-              <a:t>treinamento</a:t>
-            </a:r>
-            <a:r>
-              <a:rPr lang="en-US" dirty="0" smtClean="0"/>
-              <a:t> e </a:t>
-            </a:r>
-            <a:r>
-              <a:rPr lang="en-US" dirty="0" err="1" smtClean="0"/>
-              <a:t>medindo</a:t>
-            </a:r>
-            <a:r>
-              <a:rPr lang="en-US" dirty="0" smtClean="0"/>
-              <a:t> a </a:t>
-            </a:r>
-            <a:r>
-              <a:rPr lang="en-US" dirty="0" err="1" smtClean="0"/>
-              <a:t>precisão</a:t>
-            </a:r>
-            <a:r>
-              <a:rPr lang="en-US" dirty="0" smtClean="0"/>
-              <a:t> </a:t>
-            </a:r>
-            <a:r>
-              <a:rPr lang="en-US" dirty="0" err="1" smtClean="0"/>
-              <a:t>em</a:t>
-            </a:r>
-            <a:r>
-              <a:rPr lang="en-US" dirty="0" smtClean="0"/>
-              <a:t> um </a:t>
-            </a:r>
-            <a:r>
-              <a:rPr lang="en-US" dirty="0" err="1" smtClean="0"/>
-              <a:t>conjunto</a:t>
-            </a:r>
-            <a:r>
-              <a:rPr lang="en-US" dirty="0" smtClean="0"/>
-              <a:t> de </a:t>
-            </a:r>
-            <a:r>
-              <a:rPr lang="en-US" dirty="0" err="1" smtClean="0"/>
-              <a:t>validação</a:t>
-            </a:r>
-            <a:r>
-              <a:rPr lang="en-US" dirty="0" smtClean="0"/>
-              <a:t> </a:t>
-            </a:r>
-            <a:r>
-              <a:rPr lang="en-US" dirty="0" err="1" smtClean="0"/>
-              <a:t>estatisticamente</a:t>
-            </a:r>
-            <a:r>
-              <a:rPr lang="en-US" dirty="0" smtClean="0"/>
-              <a:t> </a:t>
-            </a:r>
-            <a:r>
-              <a:rPr lang="en-US" dirty="0" err="1" smtClean="0"/>
-              <a:t>independente</a:t>
-            </a:r>
-            <a:r>
-              <a:rPr lang="en-US" dirty="0" smtClean="0"/>
-              <a:t>. O </a:t>
-            </a:r>
-            <a:r>
-              <a:rPr lang="en-US" dirty="0" err="1" smtClean="0"/>
-              <a:t>modelo</a:t>
-            </a:r>
-            <a:r>
-              <a:rPr lang="en-US" dirty="0" smtClean="0"/>
-              <a:t> é </a:t>
-            </a:r>
-            <a:r>
-              <a:rPr lang="en-US" dirty="0" err="1" smtClean="0"/>
-              <a:t>treinado</a:t>
-            </a:r>
-            <a:r>
-              <a:rPr lang="en-US" dirty="0" smtClean="0"/>
-              <a:t> </a:t>
-            </a:r>
-            <a:r>
-              <a:rPr lang="en-US" dirty="0" err="1" smtClean="0"/>
-              <a:t>até</a:t>
-            </a:r>
-            <a:r>
-              <a:rPr lang="en-US" dirty="0" smtClean="0"/>
-              <a:t> que o </a:t>
-            </a:r>
-            <a:r>
-              <a:rPr lang="en-US" dirty="0" err="1" smtClean="0"/>
-              <a:t>desempenho</a:t>
-            </a:r>
-            <a:r>
-              <a:rPr lang="en-US" dirty="0" smtClean="0"/>
-              <a:t> no </a:t>
-            </a:r>
-            <a:r>
-              <a:rPr lang="en-US" dirty="0" err="1" smtClean="0"/>
-              <a:t>conjunto</a:t>
-            </a:r>
-            <a:r>
-              <a:rPr lang="en-US" dirty="0" smtClean="0"/>
-              <a:t> de </a:t>
-            </a:r>
-            <a:r>
-              <a:rPr lang="en-US" dirty="0" err="1" smtClean="0"/>
-              <a:t>validação</a:t>
-            </a:r>
-            <a:r>
-              <a:rPr lang="en-US" dirty="0" smtClean="0"/>
-              <a:t> </a:t>
-            </a:r>
-            <a:r>
-              <a:rPr lang="en-US" dirty="0" err="1" smtClean="0"/>
-              <a:t>não</a:t>
-            </a:r>
-            <a:r>
-              <a:rPr lang="en-US" dirty="0" smtClean="0"/>
-              <a:t> </a:t>
-            </a:r>
-            <a:r>
-              <a:rPr lang="en-US" dirty="0" err="1" smtClean="0"/>
-              <a:t>melhore</a:t>
-            </a:r>
-            <a:r>
-              <a:rPr lang="en-US" dirty="0" smtClean="0"/>
-              <a:t> </a:t>
-            </a:r>
-            <a:r>
-              <a:rPr lang="en-US" dirty="0" err="1" smtClean="0"/>
-              <a:t>mais</a:t>
-            </a:r>
-            <a:r>
-              <a:rPr lang="en-US" dirty="0" smtClean="0"/>
-              <a:t>. O </a:t>
-            </a:r>
-            <a:r>
-              <a:rPr lang="en-US" dirty="0" err="1" smtClean="0"/>
-              <a:t>modelo</a:t>
-            </a:r>
-            <a:r>
-              <a:rPr lang="en-US" dirty="0" smtClean="0"/>
-              <a:t> é </a:t>
-            </a:r>
-            <a:r>
-              <a:rPr lang="en-US" dirty="0" err="1" smtClean="0"/>
-              <a:t>então</a:t>
-            </a:r>
-            <a:r>
-              <a:rPr lang="en-US" dirty="0" smtClean="0"/>
-              <a:t> </a:t>
-            </a:r>
-            <a:r>
-              <a:rPr lang="en-US" dirty="0" err="1" smtClean="0"/>
-              <a:t>testado</a:t>
-            </a:r>
-            <a:r>
-              <a:rPr lang="en-US" dirty="0" smtClean="0"/>
-              <a:t> </a:t>
-            </a:r>
-            <a:r>
-              <a:rPr lang="en-US" dirty="0" err="1" smtClean="0"/>
-              <a:t>em</a:t>
-            </a:r>
-            <a:r>
-              <a:rPr lang="en-US" dirty="0" smtClean="0"/>
-              <a:t> um </a:t>
-            </a:r>
-            <a:r>
-              <a:rPr lang="en-US" dirty="0" err="1" smtClean="0"/>
-              <a:t>conjunto</a:t>
-            </a:r>
-            <a:r>
-              <a:rPr lang="en-US" dirty="0" smtClean="0"/>
-              <a:t> de testes.</a:t>
-            </a:r>
-          </a:p>
-          <a:p>
-            <a:endParaRPr lang="en-US" dirty="0" smtClean="0"/>
-          </a:p>
-          <a:p>
-            <a:r>
-              <a:rPr lang="en-US" dirty="0" err="1" smtClean="0"/>
-              <a:t>Intuitivamente</a:t>
-            </a:r>
-            <a:r>
-              <a:rPr lang="en-US" dirty="0"/>
-              <a:t>, o </a:t>
-            </a:r>
-            <a:r>
-              <a:rPr lang="en-US" dirty="0" err="1"/>
-              <a:t>algoritmo</a:t>
-            </a:r>
-            <a:r>
-              <a:rPr lang="en-US" dirty="0"/>
-              <a:t> do </a:t>
-            </a:r>
-            <a:r>
-              <a:rPr lang="en-US" dirty="0" err="1"/>
-              <a:t>gradiente</a:t>
-            </a:r>
-            <a:r>
-              <a:rPr lang="en-US" dirty="0"/>
-              <a:t> </a:t>
-            </a:r>
-            <a:r>
-              <a:rPr lang="en-US" dirty="0" err="1"/>
-              <a:t>descendente</a:t>
-            </a:r>
-            <a:r>
-              <a:rPr lang="en-US" dirty="0"/>
-              <a:t> </a:t>
-            </a:r>
-            <a:r>
-              <a:rPr lang="en-US" dirty="0" err="1"/>
-              <a:t>tenderá</a:t>
-            </a:r>
-            <a:r>
-              <a:rPr lang="en-US" dirty="0"/>
-              <a:t> a </a:t>
-            </a:r>
-            <a:r>
-              <a:rPr lang="en-US" dirty="0" err="1"/>
-              <a:t>aprender</a:t>
-            </a:r>
-            <a:r>
-              <a:rPr lang="en-US" dirty="0"/>
-              <a:t> </a:t>
-            </a:r>
-            <a:r>
-              <a:rPr lang="en-US" dirty="0" err="1"/>
-              <a:t>modelos</a:t>
-            </a:r>
-            <a:r>
-              <a:rPr lang="en-US" dirty="0"/>
-              <a:t> </a:t>
-            </a:r>
-            <a:r>
-              <a:rPr lang="en-US" dirty="0" err="1"/>
-              <a:t>cada</a:t>
-            </a:r>
-            <a:r>
-              <a:rPr lang="en-US" dirty="0"/>
-              <a:t> </a:t>
-            </a:r>
-            <a:r>
-              <a:rPr lang="en-US" dirty="0" err="1"/>
-              <a:t>vez</a:t>
-            </a:r>
-            <a:r>
-              <a:rPr lang="en-US" dirty="0"/>
-              <a:t> </a:t>
-            </a:r>
-            <a:r>
-              <a:rPr lang="en-US" dirty="0" err="1"/>
-              <a:t>mais</a:t>
-            </a:r>
-            <a:r>
-              <a:rPr lang="en-US" dirty="0"/>
-              <a:t> </a:t>
-            </a:r>
-            <a:r>
-              <a:rPr lang="en-US" dirty="0" err="1"/>
-              <a:t>complexos</a:t>
-            </a:r>
-            <a:r>
-              <a:rPr lang="en-US" dirty="0"/>
-              <a:t> à </a:t>
-            </a:r>
-            <a:r>
-              <a:rPr lang="en-US" dirty="0" err="1"/>
-              <a:t>medida</a:t>
-            </a:r>
-            <a:r>
-              <a:rPr lang="en-US" dirty="0"/>
-              <a:t> que o </a:t>
-            </a:r>
-            <a:r>
-              <a:rPr lang="en-US" dirty="0" err="1"/>
-              <a:t>número</a:t>
-            </a:r>
-            <a:r>
-              <a:rPr lang="en-US" dirty="0"/>
-              <a:t> de </a:t>
-            </a:r>
-            <a:r>
-              <a:rPr lang="en-US" dirty="0" err="1" smtClean="0"/>
-              <a:t>iterações</a:t>
-            </a:r>
-            <a:r>
-              <a:rPr lang="en-US" dirty="0" smtClean="0"/>
-              <a:t> (</a:t>
-            </a:r>
-            <a:r>
-              <a:rPr lang="en-US" dirty="0" err="1" smtClean="0"/>
-              <a:t>ou</a:t>
-            </a:r>
-            <a:r>
-              <a:rPr lang="en-US" dirty="0" smtClean="0"/>
-              <a:t> </a:t>
-            </a:r>
-            <a:r>
-              <a:rPr lang="en-US" dirty="0" err="1" smtClean="0"/>
-              <a:t>épocas</a:t>
-            </a:r>
-            <a:r>
-              <a:rPr lang="en-US" dirty="0" smtClean="0"/>
-              <a:t>) </a:t>
-            </a:r>
-            <a:r>
-              <a:rPr lang="en-US" dirty="0" err="1"/>
-              <a:t>aumenta</a:t>
-            </a:r>
-            <a:r>
-              <a:rPr lang="en-US" dirty="0"/>
-              <a:t>. </a:t>
-            </a:r>
-            <a:r>
-              <a:rPr lang="en-US" dirty="0" err="1"/>
-              <a:t>Ao</a:t>
-            </a:r>
-            <a:r>
-              <a:rPr lang="en-US" dirty="0"/>
-              <a:t> </a:t>
-            </a:r>
-            <a:r>
-              <a:rPr lang="en-US" dirty="0" err="1"/>
-              <a:t>regularizar</a:t>
-            </a:r>
-            <a:r>
-              <a:rPr lang="en-US" dirty="0"/>
-              <a:t> no tempo, a </a:t>
-            </a:r>
-            <a:r>
-              <a:rPr lang="en-US" dirty="0" err="1"/>
-              <a:t>complexidade</a:t>
-            </a:r>
-            <a:r>
-              <a:rPr lang="en-US" dirty="0"/>
-              <a:t> do </a:t>
-            </a:r>
-            <a:r>
-              <a:rPr lang="en-US" dirty="0" err="1"/>
-              <a:t>modelo</a:t>
-            </a:r>
-            <a:r>
-              <a:rPr lang="en-US" dirty="0"/>
-              <a:t> </a:t>
-            </a:r>
-            <a:r>
-              <a:rPr lang="en-US" dirty="0" err="1"/>
-              <a:t>pode</a:t>
-            </a:r>
-            <a:r>
-              <a:rPr lang="en-US" dirty="0"/>
-              <a:t> ser </a:t>
-            </a:r>
-            <a:r>
-              <a:rPr lang="en-US" dirty="0" err="1"/>
-              <a:t>controlada</a:t>
-            </a:r>
-            <a:r>
-              <a:rPr lang="en-US" dirty="0"/>
-              <a:t>, </a:t>
-            </a:r>
-            <a:r>
-              <a:rPr lang="en-US" dirty="0" err="1"/>
-              <a:t>melhorando</a:t>
-            </a:r>
-            <a:r>
-              <a:rPr lang="en-US" dirty="0"/>
-              <a:t> </a:t>
-            </a:r>
-            <a:r>
-              <a:rPr lang="en-US" dirty="0" err="1"/>
-              <a:t>sua</a:t>
-            </a:r>
-            <a:r>
-              <a:rPr lang="en-US" dirty="0"/>
-              <a:t> </a:t>
-            </a:r>
-            <a:r>
-              <a:rPr lang="en-US" dirty="0" err="1"/>
-              <a:t>generalização</a:t>
-            </a:r>
-            <a:r>
-              <a:rPr lang="en-US" dirty="0"/>
-              <a:t>.</a:t>
-            </a:r>
-          </a:p>
-          <a:p>
-            <a:endParaRPr lang="en-US" dirty="0">
-              <a:cs typeface="Calibri"/>
-            </a:endParaRPr>
-          </a:p>
-          <a:p>
-            <a:r>
-              <a:rPr lang="en-US" dirty="0"/>
-              <a:t>Na </a:t>
-            </a:r>
-            <a:r>
-              <a:rPr lang="en-US" dirty="0" err="1"/>
-              <a:t>prática</a:t>
-            </a:r>
-            <a:r>
-              <a:rPr lang="en-US" dirty="0"/>
-              <a:t>, o early stopping é implementado através do treinamento em um conjunto de treinamento e medindo a precisão em um conjunto de validação estatisticamente independente. O modelo é treinado até que o desempenho no conjunto de validação não melhore mais. O modelo é então testado em um conjunto de testes.</a:t>
-            </a:r>
+              <a:rPr lang="pt-BR" dirty="0">
+                <a:hlinkClick r:id="rId3"/>
+              </a:rPr>
+              <a:t>https://colab.research.google.com/github/zz4fap/tp555-machine-learning/blob/master/exemplos/polynomial/regularization/early_stoppingv2.ipynb</a:t>
+            </a:r>
+            <a:endParaRPr lang="pt-BR" dirty="0"/>
           </a:p>
         </p:txBody>
       </p:sp>
@@ -1532,7 +1851,7 @@
             <a:spLocks noGrp="1"/>
           </p:cNvSpPr>
           <p:nvPr>
-            <p:ph type="sldNum" sz="quarter" idx="5"/>
+            <p:ph type="sldNum" sz="quarter" idx="10"/>
           </p:nvPr>
         </p:nvSpPr>
         <p:spPr/>
@@ -1542,7 +1861,7 @@
           <a:p>
             <a:fld id="{DA8B99DF-01BC-492A-8CEF-4FD88D18DD9D}" type="slidenum">
               <a:rPr lang="nl-BE" smtClean="0"/>
-              <a:t>12</a:t>
+              <a:t>13</a:t>
             </a:fld>
             <a:endParaRPr lang="nl-BE"/>
           </a:p>
@@ -1551,7 +1870,7 @@
     </p:spTree>
     <p:extLst>
       <p:ext uri="{BB962C8B-B14F-4D97-AF65-F5344CB8AC3E}">
-        <p14:creationId xmlns:p14="http://schemas.microsoft.com/office/powerpoint/2010/main" val="1097638783"/>
+        <p14:creationId xmlns:p14="http://schemas.microsoft.com/office/powerpoint/2010/main" val="1250587823"/>
       </p:ext>
     </p:extLst>
   </p:cSld>
@@ -1605,208 +1924,6 @@
           <a:bodyPr/>
           <a:lstStyle/>
           <a:p>
-            <a:r>
-              <a:rPr lang="pt-BR" b="1" dirty="0" smtClean="0"/>
-              <a:t>Exemplo</a:t>
-            </a:r>
-            <a:r>
-              <a:rPr lang="pt-BR" b="0" dirty="0" smtClean="0"/>
-              <a:t>:</a:t>
-            </a:r>
-            <a:r>
-              <a:rPr lang="pt-BR" b="0" baseline="0" dirty="0" smtClean="0"/>
-              <a:t> </a:t>
-            </a:r>
-            <a:r>
-              <a:rPr lang="pt-BR" dirty="0" smtClean="0"/>
-              <a:t>https://mybinder.org/v2/gh/zz4fap/t319_aprendizado_de_maquina/main?filepath=notebooks%2Fregression%2F</a:t>
-            </a:r>
-            <a:r>
-              <a:rPr lang="pt-BR" sz="1200" dirty="0" smtClean="0"/>
-              <a:t>early_stopv2.ipynb</a:t>
-            </a:r>
-          </a:p>
-          <a:p>
-            <a:endParaRPr lang="pt-BR" dirty="0" smtClean="0"/>
-          </a:p>
-          <a:p>
-            <a:r>
-              <a:rPr lang="pt-BR" dirty="0" smtClean="0"/>
-              <a:t>A </a:t>
-            </a:r>
-            <a:r>
-              <a:rPr lang="pt-BR" dirty="0"/>
-              <a:t>figura mostra um modelo complexo (um modelo de regressão polinomial de alto grau) sendo treinado usando</a:t>
-            </a:r>
-            <a:r>
-              <a:rPr lang="pt-BR" baseline="0" dirty="0"/>
-              <a:t> o gradiente descendente estocástico</a:t>
-            </a:r>
-            <a:r>
-              <a:rPr lang="pt-BR" dirty="0"/>
-              <a:t>. À medida que as épocas passam, o algoritmo aprende e seu erro quadrático médio no conjunto de treinamento diminui, juntamente com</a:t>
-            </a:r>
-            <a:r>
-              <a:rPr lang="pt-BR" baseline="0" dirty="0"/>
-              <a:t> o </a:t>
-            </a:r>
-            <a:r>
-              <a:rPr lang="pt-BR" dirty="0"/>
-              <a:t>erro de predição no conjunto de validação. No entanto, após algumas</a:t>
-            </a:r>
-            <a:r>
-              <a:rPr lang="pt-BR" baseline="0" dirty="0"/>
-              <a:t> épocas</a:t>
-            </a:r>
-            <a:r>
-              <a:rPr lang="pt-BR" dirty="0"/>
-              <a:t>, o erro de validação para de diminuir e começa a voltar a crescer. Isso indica que o modelo começou a sobreajustar os dados de treinamento. Com a parada antecipada, você apenas para de treinar assim que o erro de validação atinge o mínimo.</a:t>
-            </a:r>
-          </a:p>
-          <a:p>
-            <a:endParaRPr lang="pt-BR" dirty="0"/>
-          </a:p>
-          <a:p>
-            <a:r>
-              <a:rPr lang="pt-BR" b="1" dirty="0"/>
-              <a:t>Dica</a:t>
-            </a:r>
-            <a:r>
-              <a:rPr lang="pt-BR" dirty="0"/>
-              <a:t>: Com</a:t>
-            </a:r>
-            <a:r>
-              <a:rPr lang="pt-BR" baseline="0" dirty="0"/>
-              <a:t> o gradiente descendente estocástico e o mini-batch</a:t>
-            </a:r>
-            <a:r>
-              <a:rPr lang="pt-BR" dirty="0"/>
-              <a:t>, as curvas de erro não são tão suaves e pode ser difícil saber se você atingiu o mínimo ou não. Uma solução é parar apenas depois que o erro de validação estiver acima do mínimo por algum tempo (quando você estiver confiante de que o modelo não ficará melhor) e reverta os pesos do modelo para o ponto em que o erro de validação atingiu o mínimo.</a:t>
-            </a:r>
-          </a:p>
-          <a:p>
-            <a:endParaRPr lang="pt-BR" dirty="0"/>
-          </a:p>
-          <a:p>
-            <a:r>
-              <a:rPr lang="pt-BR" b="1" dirty="0"/>
-              <a:t>Exemplo</a:t>
-            </a:r>
-            <a:r>
-              <a:rPr lang="pt-BR" dirty="0"/>
-              <a:t>: </a:t>
-            </a:r>
-            <a:r>
-              <a:rPr lang="pt-BR" dirty="0">
-                <a:hlinkClick r:id="rId3"/>
-              </a:rPr>
-              <a:t>early_stoppingv2.ipynb</a:t>
-            </a:r>
-            <a:endParaRPr lang="pt-BR" dirty="0"/>
-          </a:p>
-          <a:p>
-            <a:r>
-              <a:rPr lang="pt-BR" b="1" dirty="0"/>
-              <a:t>Link</a:t>
-            </a:r>
-            <a:r>
-              <a:rPr lang="pt-BR" dirty="0"/>
-              <a:t>:</a:t>
-            </a:r>
-            <a:r>
-              <a:rPr lang="pt-BR" baseline="0" dirty="0"/>
-              <a:t> </a:t>
-            </a:r>
-            <a:r>
-              <a:rPr lang="pt-BR" dirty="0">
-                <a:hlinkClick r:id="rId3"/>
-              </a:rPr>
-              <a:t>https://colab.research.google.com/github/zz4fap/tp555-machine-learning/blob/master/exemplos/polynomial/regularization/early_stoppingv2.ipynb</a:t>
-            </a:r>
-            <a:endParaRPr lang="pt-BR" dirty="0"/>
-          </a:p>
-        </p:txBody>
-      </p:sp>
-      <p:sp>
-        <p:nvSpPr>
-          <p:cNvPr id="4" name="Slide Number Placeholder 3"/>
-          <p:cNvSpPr>
-            <a:spLocks noGrp="1"/>
-          </p:cNvSpPr>
-          <p:nvPr>
-            <p:ph type="sldNum" sz="quarter" idx="10"/>
-          </p:nvPr>
-        </p:nvSpPr>
-        <p:spPr/>
-        <p:txBody>
-          <a:bodyPr/>
-          <a:lstStyle/>
-          <a:p>
-            <a:fld id="{DA8B99DF-01BC-492A-8CEF-4FD88D18DD9D}" type="slidenum">
-              <a:rPr lang="nl-BE" smtClean="0"/>
-              <a:t>13</a:t>
-            </a:fld>
-            <a:endParaRPr lang="nl-BE"/>
-          </a:p>
-        </p:txBody>
-      </p:sp>
-    </p:spTree>
-    <p:extLst>
-      <p:ext uri="{BB962C8B-B14F-4D97-AF65-F5344CB8AC3E}">
-        <p14:creationId xmlns:p14="http://schemas.microsoft.com/office/powerpoint/2010/main" val="1250587823"/>
-      </p:ext>
-    </p:extLst>
-  </p:cSld>
-  <p:clrMapOvr>
-    <a:masterClrMapping/>
-  </p:clrMapOvr>
-</p:notes>
-</file>
-
-<file path=ppt/notesSlides/notesSlide13.xml><?xml version="1.0" encoding="utf-8"?>
-<p:notes xmlns:a="http://schemas.openxmlformats.org/drawingml/2006/main" xmlns:r="http://schemas.openxmlformats.org/officeDocument/2006/relationships" xmlns:p="http://schemas.openxmlformats.org/presentationml/2006/main">
-  <p:cSld>
-    <p:spTree>
-      <p:nvGrpSpPr>
-        <p:cNvPr id="1" name=""/>
-        <p:cNvGrpSpPr/>
-        <p:nvPr/>
-      </p:nvGrpSpPr>
-      <p:grpSpPr>
-        <a:xfrm>
-          <a:off x="0" y="0"/>
-          <a:ext cx="0" cy="0"/>
-          <a:chOff x="0" y="0"/>
-          <a:chExt cx="0" cy="0"/>
-        </a:xfrm>
-      </p:grpSpPr>
-      <p:sp>
-        <p:nvSpPr>
-          <p:cNvPr id="2" name="Slide Image Placeholder 1"/>
-          <p:cNvSpPr>
-            <a:spLocks noGrp="1" noRot="1" noChangeAspect="1"/>
-          </p:cNvSpPr>
-          <p:nvPr>
-            <p:ph type="sldImg"/>
-          </p:nvPr>
-        </p:nvSpPr>
-        <p:spPr/>
-      </p:sp>
-      <p:sp>
-        <p:nvSpPr>
-          <p:cNvPr id="3" name="Notes Placeholder 2"/>
-          <p:cNvSpPr>
-            <a:spLocks noGrp="1"/>
-          </p:cNvSpPr>
-          <p:nvPr>
-            <p:ph type="body" idx="1"/>
-          </p:nvPr>
-        </p:nvSpPr>
-        <p:spPr/>
-        <p:txBody>
-          <a:bodyPr/>
-          <a:lstStyle/>
-          <a:p>
             <a:pPr marL="0" marR="0" lvl="0" indent="0" algn="l" defTabSz="914400" rtl="0" eaLnBrk="1" fontAlgn="auto" latinLnBrk="0" hangingPunct="1">
               <a:lnSpc>
                 <a:spcPct val="100000"/>
@@ -1830,11 +1947,7 @@
             </a:r>
             <a:r>
               <a:rPr lang="pt-BR" baseline="0" dirty="0" smtClean="0"/>
-              <a:t> https://</a:t>
-            </a:r>
-            <a:r>
-              <a:rPr lang="pt-BR" baseline="0" dirty="0" smtClean="0"/>
-              <a:t>colab.research.google.com/github/zz4fap/t319_aprendizado_de_maquina/blob/main/projeto/projeto_final_2S2021.ipynb</a:t>
+              <a:t> https://colab.research.google.com/github/zz4fap/t319_aprendizado_de_maquina/blob/main/projeto/projeto_final_2S2021.ipynb</a:t>
             </a:r>
             <a:endParaRPr lang="pt-BR" dirty="0" smtClean="0"/>
           </a:p>
@@ -3708,90 +3821,6 @@
         </p:nvSpPr>
         <p:spPr/>
       </p:sp>
-      <p:sp>
-        <p:nvSpPr>
-          <p:cNvPr id="3" name="Notes Placeholder 2"/>
-          <p:cNvSpPr>
-            <a:spLocks noGrp="1"/>
-          </p:cNvSpPr>
-          <p:nvPr>
-            <p:ph type="body" idx="1"/>
-          </p:nvPr>
-        </p:nvSpPr>
-        <p:spPr/>
-        <p:txBody>
-          <a:bodyPr/>
-          <a:lstStyle/>
-          <a:p>
-            <a:endParaRPr lang="pt-BR" dirty="0"/>
-          </a:p>
-        </p:txBody>
-      </p:sp>
-      <p:sp>
-        <p:nvSpPr>
-          <p:cNvPr id="4" name="Slide Number Placeholder 3"/>
-          <p:cNvSpPr>
-            <a:spLocks noGrp="1"/>
-          </p:cNvSpPr>
-          <p:nvPr>
-            <p:ph type="sldNum" sz="quarter" idx="10"/>
-          </p:nvPr>
-        </p:nvSpPr>
-        <p:spPr/>
-        <p:txBody>
-          <a:bodyPr/>
-          <a:lstStyle/>
-          <a:p>
-            <a:fld id="{DA8B99DF-01BC-492A-8CEF-4FD88D18DD9D}" type="slidenum">
-              <a:rPr lang="nl-BE" smtClean="0"/>
-              <a:t>5</a:t>
-            </a:fld>
-            <a:endParaRPr lang="nl-BE"/>
-          </a:p>
-        </p:txBody>
-      </p:sp>
-    </p:spTree>
-    <p:extLst>
-      <p:ext uri="{BB962C8B-B14F-4D97-AF65-F5344CB8AC3E}">
-        <p14:creationId xmlns:p14="http://schemas.microsoft.com/office/powerpoint/2010/main" val="2611148448"/>
-      </p:ext>
-    </p:extLst>
-  </p:cSld>
-  <p:clrMapOvr>
-    <a:masterClrMapping/>
-  </p:clrMapOvr>
-</p:notes>
-</file>
-
-<file path=ppt/notesSlides/notesSlide5.xml><?xml version="1.0" encoding="utf-8"?>
-<p:notes xmlns:a="http://schemas.openxmlformats.org/drawingml/2006/main" xmlns:r="http://schemas.openxmlformats.org/officeDocument/2006/relationships" xmlns:p="http://schemas.openxmlformats.org/presentationml/2006/main">
-  <p:cSld>
-    <p:spTree>
-      <p:nvGrpSpPr>
-        <p:cNvPr id="1" name=""/>
-        <p:cNvGrpSpPr/>
-        <p:nvPr/>
-      </p:nvGrpSpPr>
-      <p:grpSpPr>
-        <a:xfrm>
-          <a:off x="0" y="0"/>
-          <a:ext cx="0" cy="0"/>
-          <a:chOff x="0" y="0"/>
-          <a:chExt cx="0" cy="0"/>
-        </a:xfrm>
-      </p:grpSpPr>
-      <p:sp>
-        <p:nvSpPr>
-          <p:cNvPr id="2" name="Slide Image Placeholder 1"/>
-          <p:cNvSpPr>
-            <a:spLocks noGrp="1" noRot="1" noChangeAspect="1"/>
-          </p:cNvSpPr>
-          <p:nvPr>
-            <p:ph type="sldImg"/>
-          </p:nvPr>
-        </p:nvSpPr>
-        <p:spPr/>
-      </p:sp>
       <mc:AlternateContent xmlns:mc="http://schemas.openxmlformats.org/markup-compatibility/2006" xmlns:a14="http://schemas.microsoft.com/office/drawing/2010/main">
         <mc:Choice Requires="a14">
           <p:sp>
@@ -4003,7 +4032,7 @@
 </p:notes>
 </file>
 
-<file path=ppt/notesSlides/notesSlide6.xml><?xml version="1.0" encoding="utf-8"?>
+<file path=ppt/notesSlides/notesSlide5.xml><?xml version="1.0" encoding="utf-8"?>
 <p:notes xmlns:a="http://schemas.openxmlformats.org/drawingml/2006/main" xmlns:r="http://schemas.openxmlformats.org/officeDocument/2006/relationships" xmlns:p="http://schemas.openxmlformats.org/presentationml/2006/main">
   <p:cSld>
     <p:spTree>
@@ -4140,7 +4169,7 @@
 </p:notes>
 </file>
 
-<file path=ppt/notesSlides/notesSlide7.xml><?xml version="1.0" encoding="utf-8"?>
+<file path=ppt/notesSlides/notesSlide6.xml><?xml version="1.0" encoding="utf-8"?>
 <p:notes xmlns:a="http://schemas.openxmlformats.org/drawingml/2006/main" xmlns:r="http://schemas.openxmlformats.org/officeDocument/2006/relationships" xmlns:p="http://schemas.openxmlformats.org/presentationml/2006/main">
   <p:cSld>
     <p:spTree>
@@ -4343,7 +4372,7 @@
 </p:notes>
 </file>
 
-<file path=ppt/notesSlides/notesSlide8.xml><?xml version="1.0" encoding="utf-8"?>
+<file path=ppt/notesSlides/notesSlide7.xml><?xml version="1.0" encoding="utf-8"?>
 <p:notes xmlns:a="http://schemas.openxmlformats.org/drawingml/2006/main" xmlns:r="http://schemas.openxmlformats.org/officeDocument/2006/relationships" xmlns:p="http://schemas.openxmlformats.org/presentationml/2006/main">
   <p:cSld>
     <p:spTree>
@@ -4898,7 +4927,7 @@
 </p:notes>
 </file>
 
-<file path=ppt/notesSlides/notesSlide9.xml><?xml version="1.0" encoding="utf-8"?>
+<file path=ppt/notesSlides/notesSlide8.xml><?xml version="1.0" encoding="utf-8"?>
 <p:notes xmlns:a="http://schemas.openxmlformats.org/drawingml/2006/main" xmlns:r="http://schemas.openxmlformats.org/officeDocument/2006/relationships" xmlns:p="http://schemas.openxmlformats.org/presentationml/2006/main">
   <p:cSld>
     <p:spTree>
@@ -5203,6 +5232,116 @@
 </p:notes>
 </file>
 
+<file path=ppt/notesSlides/notesSlide9.xml><?xml version="1.0" encoding="utf-8"?>
+<p:notes xmlns:a="http://schemas.openxmlformats.org/drawingml/2006/main" xmlns:r="http://schemas.openxmlformats.org/officeDocument/2006/relationships" xmlns:p="http://schemas.openxmlformats.org/presentationml/2006/main">
+  <p:cSld>
+    <p:spTree>
+      <p:nvGrpSpPr>
+        <p:cNvPr id="1" name=""/>
+        <p:cNvGrpSpPr/>
+        <p:nvPr/>
+      </p:nvGrpSpPr>
+      <p:grpSpPr>
+        <a:xfrm>
+          <a:off x="0" y="0"/>
+          <a:ext cx="0" cy="0"/>
+          <a:chOff x="0" y="0"/>
+          <a:chExt cx="0" cy="0"/>
+        </a:xfrm>
+      </p:grpSpPr>
+      <p:sp>
+        <p:nvSpPr>
+          <p:cNvPr id="2" name="Slide Image Placeholder 1"/>
+          <p:cNvSpPr>
+            <a:spLocks noGrp="1" noRot="1" noChangeAspect="1"/>
+          </p:cNvSpPr>
+          <p:nvPr>
+            <p:ph type="sldImg"/>
+          </p:nvPr>
+        </p:nvSpPr>
+        <p:spPr/>
+      </p:sp>
+      <p:sp>
+        <p:nvSpPr>
+          <p:cNvPr id="3" name="Notes Placeholder 2"/>
+          <p:cNvSpPr>
+            <a:spLocks noGrp="1"/>
+          </p:cNvSpPr>
+          <p:nvPr>
+            <p:ph type="body" idx="1"/>
+          </p:nvPr>
+        </p:nvSpPr>
+        <p:spPr/>
+        <p:txBody>
+          <a:bodyPr/>
+          <a:lstStyle/>
+          <a:p>
+            <a:r>
+              <a:rPr lang="pt-BR" dirty="0" smtClean="0"/>
+              <a:t>Então, quando você deve usar a regressão linear, Ridge, LASSO ou Elastic-Net? </a:t>
+            </a:r>
+          </a:p>
+          <a:p>
+            <a:endParaRPr lang="pt-BR" dirty="0" smtClean="0"/>
+          </a:p>
+          <a:p>
+            <a:r>
+              <a:rPr lang="pt-BR" dirty="0" smtClean="0"/>
+              <a:t>Quase sempre é preferível ter pelo menos um pouco de regularização, então geralmente você deve evitar a regressão linear simples. Ridge é um bom começo, mas se você suspeitar que apenas alguns atributos são realmente úteis, você deve preferir LASSO ou Elastic-Net, pois eles tendem a reduzir os pesos dos atributos inúteis a zero. Em geral, o Elastic-Net é preferível ao LASSO, pois o LASSO pode se comportar de maneira errática quando o número de atributos é maior do que o número de exemplos de treinamento ou quando vários atributos</a:t>
+            </a:r>
+            <a:r>
+              <a:rPr lang="pt-BR" baseline="0" dirty="0" smtClean="0"/>
+              <a:t> </a:t>
+            </a:r>
+            <a:r>
+              <a:rPr lang="pt-BR" dirty="0" smtClean="0"/>
+              <a:t>são fortemente correlacionados</a:t>
+            </a:r>
+          </a:p>
+          <a:p>
+            <a:endParaRPr lang="pt-BR" dirty="0" smtClean="0"/>
+          </a:p>
+          <a:p>
+            <a:endParaRPr lang="pt-BR" dirty="0"/>
+          </a:p>
+        </p:txBody>
+      </p:sp>
+      <p:sp>
+        <p:nvSpPr>
+          <p:cNvPr id="4" name="Slide Number Placeholder 3"/>
+          <p:cNvSpPr>
+            <a:spLocks noGrp="1"/>
+          </p:cNvSpPr>
+          <p:nvPr>
+            <p:ph type="sldNum" sz="quarter" idx="10"/>
+          </p:nvPr>
+        </p:nvSpPr>
+        <p:spPr/>
+        <p:txBody>
+          <a:bodyPr/>
+          <a:lstStyle/>
+          <a:p>
+            <a:fld id="{DA8B99DF-01BC-492A-8CEF-4FD88D18DD9D}" type="slidenum">
+              <a:rPr lang="nl-BE" smtClean="0"/>
+              <a:t>11</a:t>
+            </a:fld>
+            <a:endParaRPr lang="nl-BE"/>
+          </a:p>
+        </p:txBody>
+      </p:sp>
+    </p:spTree>
+    <p:extLst>
+      <p:ext uri="{BB962C8B-B14F-4D97-AF65-F5344CB8AC3E}">
+        <p14:creationId xmlns:p14="http://schemas.microsoft.com/office/powerpoint/2010/main" val="3054069362"/>
+      </p:ext>
+    </p:extLst>
+  </p:cSld>
+  <p:clrMapOvr>
+    <a:masterClrMapping/>
+  </p:clrMapOvr>
+</p:notes>
+</file>
+
 <file path=ppt/slideLayouts/slideLayout1.xml><?xml version="1.0" encoding="utf-8"?>
 <p:sldLayout xmlns:a="http://schemas.openxmlformats.org/drawingml/2006/main" xmlns:r="http://schemas.openxmlformats.org/officeDocument/2006/relationships" xmlns:p="http://schemas.openxmlformats.org/presentationml/2006/main" type="title" preserve="1">
   <p:cSld name="Title Slide">
@@ -5334,7 +5473,7 @@
           <a:p>
             <a:fld id="{C80E15A5-E95B-43EB-9AC7-9A96397448C0}" type="datetimeFigureOut">
               <a:rPr lang="nl-BE" smtClean="0"/>
-              <a:t>29/11/2021</a:t>
+              <a:t>3/12/2021</a:t>
             </a:fld>
             <a:endParaRPr lang="nl-BE"/>
           </a:p>
@@ -5504,7 +5643,7 @@
           <a:p>
             <a:fld id="{C80E15A5-E95B-43EB-9AC7-9A96397448C0}" type="datetimeFigureOut">
               <a:rPr lang="nl-BE" smtClean="0"/>
-              <a:t>29/11/2021</a:t>
+              <a:t>3/12/2021</a:t>
             </a:fld>
             <a:endParaRPr lang="nl-BE"/>
           </a:p>
@@ -5684,7 +5823,7 @@
           <a:p>
             <a:fld id="{C80E15A5-E95B-43EB-9AC7-9A96397448C0}" type="datetimeFigureOut">
               <a:rPr lang="nl-BE" smtClean="0"/>
-              <a:t>29/11/2021</a:t>
+              <a:t>3/12/2021</a:t>
             </a:fld>
             <a:endParaRPr lang="nl-BE"/>
           </a:p>
@@ -5854,7 +5993,7 @@
           <a:p>
             <a:fld id="{C80E15A5-E95B-43EB-9AC7-9A96397448C0}" type="datetimeFigureOut">
               <a:rPr lang="nl-BE" smtClean="0"/>
-              <a:t>29/11/2021</a:t>
+              <a:t>3/12/2021</a:t>
             </a:fld>
             <a:endParaRPr lang="nl-BE"/>
           </a:p>
@@ -6100,7 +6239,7 @@
           <a:p>
             <a:fld id="{C80E15A5-E95B-43EB-9AC7-9A96397448C0}" type="datetimeFigureOut">
               <a:rPr lang="nl-BE" smtClean="0"/>
-              <a:t>29/11/2021</a:t>
+              <a:t>3/12/2021</a:t>
             </a:fld>
             <a:endParaRPr lang="nl-BE"/>
           </a:p>
@@ -6332,7 +6471,7 @@
           <a:p>
             <a:fld id="{C80E15A5-E95B-43EB-9AC7-9A96397448C0}" type="datetimeFigureOut">
               <a:rPr lang="nl-BE" smtClean="0"/>
-              <a:t>29/11/2021</a:t>
+              <a:t>3/12/2021</a:t>
             </a:fld>
             <a:endParaRPr lang="nl-BE"/>
           </a:p>
@@ -6699,7 +6838,7 @@
           <a:p>
             <a:fld id="{C80E15A5-E95B-43EB-9AC7-9A96397448C0}" type="datetimeFigureOut">
               <a:rPr lang="nl-BE" smtClean="0"/>
-              <a:t>29/11/2021</a:t>
+              <a:t>3/12/2021</a:t>
             </a:fld>
             <a:endParaRPr lang="nl-BE"/>
           </a:p>
@@ -6817,7 +6956,7 @@
           <a:p>
             <a:fld id="{C80E15A5-E95B-43EB-9AC7-9A96397448C0}" type="datetimeFigureOut">
               <a:rPr lang="nl-BE" smtClean="0"/>
-              <a:t>29/11/2021</a:t>
+              <a:t>3/12/2021</a:t>
             </a:fld>
             <a:endParaRPr lang="nl-BE"/>
           </a:p>
@@ -6912,7 +7051,7 @@
           <a:p>
             <a:fld id="{C80E15A5-E95B-43EB-9AC7-9A96397448C0}" type="datetimeFigureOut">
               <a:rPr lang="nl-BE" smtClean="0"/>
-              <a:t>29/11/2021</a:t>
+              <a:t>3/12/2021</a:t>
             </a:fld>
             <a:endParaRPr lang="nl-BE"/>
           </a:p>
@@ -7189,7 +7328,7 @@
           <a:p>
             <a:fld id="{C80E15A5-E95B-43EB-9AC7-9A96397448C0}" type="datetimeFigureOut">
               <a:rPr lang="nl-BE" smtClean="0"/>
-              <a:t>29/11/2021</a:t>
+              <a:t>3/12/2021</a:t>
             </a:fld>
             <a:endParaRPr lang="nl-BE"/>
           </a:p>
@@ -7442,7 +7581,7 @@
           <a:p>
             <a:fld id="{C80E15A5-E95B-43EB-9AC7-9A96397448C0}" type="datetimeFigureOut">
               <a:rPr lang="nl-BE" smtClean="0"/>
-              <a:t>29/11/2021</a:t>
+              <a:t>3/12/2021</a:t>
             </a:fld>
             <a:endParaRPr lang="nl-BE"/>
           </a:p>
@@ -7655,7 +7794,7 @@
           <a:p>
             <a:fld id="{C80E15A5-E95B-43EB-9AC7-9A96397448C0}" type="datetimeFigureOut">
               <a:rPr lang="nl-BE" smtClean="0"/>
-              <a:t>29/11/2021</a:t>
+              <a:t>3/12/2021</a:t>
             </a:fld>
             <a:endParaRPr lang="nl-BE"/>
           </a:p>
@@ -8065,7 +8204,7 @@
           <p:cNvPr id="2" name="Título 1">
             <a:extLst>
               <a:ext uri="{FF2B5EF4-FFF2-40B4-BE49-F238E27FC236}">
-                <a16:creationId xmlns:a16="http://schemas.microsoft.com/office/drawing/2014/main" xmlns="" id="{32666AC8-2E17-4DB4-B0F5-60C640CCFD2E}"/>
+                <a16:creationId xmlns="" xmlns:a16="http://schemas.microsoft.com/office/drawing/2014/main" id="{32666AC8-2E17-4DB4-B0F5-60C640CCFD2E}"/>
               </a:ext>
             </a:extLst>
           </p:cNvPr>
@@ -8120,7 +8259,7 @@
           <p:cNvPr id="4" name="CaixaDeTexto 3">
             <a:extLst>
               <a:ext uri="{FF2B5EF4-FFF2-40B4-BE49-F238E27FC236}">
-                <a16:creationId xmlns:a16="http://schemas.microsoft.com/office/drawing/2014/main" xmlns="" id="{430EB894-B7D4-434C-9D1A-A14094D9BEEC}"/>
+                <a16:creationId xmlns="" xmlns:a16="http://schemas.microsoft.com/office/drawing/2014/main" id="{430EB894-B7D4-434C-9D1A-A14094D9BEEC}"/>
               </a:ext>
             </a:extLst>
           </p:cNvPr>
@@ -8161,7 +8300,7 @@
           <p:cNvPr id="1026" name="Picture 2" descr="Logo">
             <a:extLst>
               <a:ext uri="{FF2B5EF4-FFF2-40B4-BE49-F238E27FC236}">
-                <a16:creationId xmlns:a16="http://schemas.microsoft.com/office/drawing/2014/main" xmlns="" id="{3F2642E0-4F6A-4196-8F58-E77D36E9A33F}"/>
+                <a16:creationId xmlns="" xmlns:a16="http://schemas.microsoft.com/office/drawing/2014/main" id="{3F2642E0-4F6A-4196-8F58-E77D36E9A33F}"/>
               </a:ext>
             </a:extLst>
           </p:cNvPr>
@@ -8206,7 +8345,7 @@
           <p:cNvPr id="5122" name="Picture 2" descr="Image result for machine learning">
             <a:extLst>
               <a:ext uri="{FF2B5EF4-FFF2-40B4-BE49-F238E27FC236}">
-                <a16:creationId xmlns:a16="http://schemas.microsoft.com/office/drawing/2014/main" xmlns="" id="{810CE0A2-4102-44A6-A370-175E7896CDCB}"/>
+                <a16:creationId xmlns="" xmlns:a16="http://schemas.microsoft.com/office/drawing/2014/main" id="{810CE0A2-4102-44A6-A370-175E7896CDCB}"/>
               </a:ext>
             </a:extLst>
           </p:cNvPr>
@@ -8303,8 +8442,8 @@
           </a:p>
         </p:txBody>
       </p:sp>
-      <mc:AlternateContent xmlns:mc="http://schemas.openxmlformats.org/markup-compatibility/2006" xmlns:a14="http://schemas.microsoft.com/office/drawing/2010/main">
-        <mc:Choice Requires="a14">
+      <mc:AlternateContent xmlns:mc="http://schemas.openxmlformats.org/markup-compatibility/2006">
+        <mc:Choice xmlns:a14="http://schemas.microsoft.com/office/drawing/2010/main" Requires="a14">
           <p:sp>
             <p:nvSpPr>
               <p:cNvPr id="3" name="Content Placeholder 2"/>
@@ -8347,11 +8486,7 @@
               <a:p>
                 <a:r>
                   <a:rPr lang="pt-BR" dirty="0" smtClean="0"/>
-                  <a:t>Nada mais </a:t>
-                </a:r>
-                <a:r>
-                  <a:rPr lang="pt-BR" dirty="0"/>
-                  <a:t>é do que uma </a:t>
+                  <a:t>É uma </a:t>
                 </a:r>
                 <a:r>
                   <a:rPr lang="pt-BR" dirty="0" smtClean="0"/>
@@ -8698,7 +8833,15 @@
                 </a14:m>
                 <a:r>
                   <a:rPr lang="pt-BR" dirty="0" smtClean="0"/>
-                  <a:t> é o termo de mistura ou parâmetro de elasticidade entre as duas normas.</a:t>
+                  <a:t> é o termo de mistura ou parâmetro de elasticidade</a:t>
+                </a:r>
+                <a:r>
+                  <a:rPr lang="pt-BR" dirty="0" smtClean="0"/>
+                  <a:t> entre </a:t>
+                </a:r>
+                <a:r>
+                  <a:rPr lang="pt-BR" dirty="0" smtClean="0"/>
+                  <a:t>as duas normas.</a:t>
                 </a:r>
                 <a:endParaRPr lang="pt-BR" dirty="0"/>
               </a:p>
@@ -8731,12 +8874,20 @@
                   <a:t> é equivalente </a:t>
                 </a:r>
                 <a:r>
+                  <a:rPr lang="pt-BR" dirty="0"/>
+                  <a:t>a </a:t>
+                </a:r>
+                <a:r>
                   <a:rPr lang="pt-BR" dirty="0" smtClean="0"/>
-                  <a:t>a </a:t>
+                  <a:t>regressão </a:t>
                 </a:r>
                 <a:r>
                   <a:rPr lang="pt-BR" dirty="0"/>
-                  <a:t>Ridge regression, e quando </a:t>
+                  <a:t>Ridge </a:t>
+                </a:r>
+                <a:r>
+                  <a:rPr lang="pt-BR" dirty="0"/>
+                  <a:t>e quando </a:t>
                 </a:r>
                 <a14:m>
                   <m:oMath xmlns:m="http://schemas.openxmlformats.org/officeDocument/2006/math">
@@ -8759,8 +8910,13 @@
                 </a:r>
                 <a:r>
                   <a:rPr lang="pt-BR" dirty="0"/>
-                  <a:t>Regressão Lasso.</a:t>
-                </a:r>
+                  <a:t>r</a:t>
+                </a:r>
+                <a:r>
+                  <a:rPr lang="pt-BR" dirty="0" smtClean="0"/>
+                  <a:t>egressão LASSO.</a:t>
+                </a:r>
+                <a:endParaRPr lang="pt-BR" dirty="0"/>
               </a:p>
               <a:p>
                 <a:r>
@@ -8812,18 +8968,23 @@
                   <a:t>pode ser feita por meio de </a:t>
                 </a:r>
                 <a:r>
-                  <a:rPr lang="pt-BR" b="1" dirty="0"/>
+                  <a:rPr lang="pt-BR" b="1" i="1" dirty="0"/>
                   <a:t>validação cruzada</a:t>
                 </a:r>
                 <a:r>
                   <a:rPr lang="pt-BR" dirty="0"/>
-                  <a:t>. Isso também se aplica ao dois outros métodos anteriores.</a:t>
-                </a:r>
+                  <a:t>. Isso também se aplica ao dois outros métodos </a:t>
+                </a:r>
+                <a:r>
+                  <a:rPr lang="pt-BR" dirty="0" smtClean="0"/>
+                  <a:t>anteriores.</a:t>
+                </a:r>
+                <a:endParaRPr lang="pt-BR" dirty="0"/>
               </a:p>
             </p:txBody>
           </p:sp>
         </mc:Choice>
-        <mc:Fallback xmlns="">
+        <mc:Fallback>
           <p:sp>
             <p:nvSpPr>
               <p:cNvPr id="3" name="Content Placeholder 2"/>
@@ -8842,7 +9003,7 @@
               <a:blipFill rotWithShape="0">
                 <a:blip r:embed="rId3"/>
                 <a:stretch>
-                  <a:fillRect l="-814" t="-4056" r="-1139"/>
+                  <a:fillRect l="-814" t="-4056" r="-1411"/>
                 </a:stretch>
               </a:blipFill>
             </p:spPr>
@@ -9079,8 +9240,8 @@
           </a:p>
         </p:txBody>
       </p:sp>
-      <mc:AlternateContent xmlns:mc="http://schemas.openxmlformats.org/markup-compatibility/2006" xmlns:a14="http://schemas.microsoft.com/office/drawing/2010/main">
-        <mc:Choice Requires="a14">
+      <mc:AlternateContent xmlns:mc="http://schemas.openxmlformats.org/markup-compatibility/2006">
+        <mc:Choice xmlns:a14="http://schemas.microsoft.com/office/drawing/2010/main" Requires="a14">
           <p:sp>
             <p:nvSpPr>
               <p:cNvPr id="3" name="Content Placeholder 2"/>
@@ -9104,7 +9265,7 @@
               <a:lstStyle/>
               <a:p>
                 <a:r>
-                  <a:rPr lang="pt-BR" b="1" dirty="0"/>
+                  <a:rPr lang="pt-BR" b="1" dirty="0" smtClean="0"/>
                   <a:t>Regressão de </a:t>
                 </a:r>
                 <a:r>
@@ -9177,13 +9338,23 @@
                   <a:rPr lang="pt-BR" dirty="0" smtClean="0"/>
                   <a:t>atributos, </a:t>
                 </a:r>
-                <a:r>
-                  <a:rPr lang="pt-BR" i="1" dirty="0" smtClean="0"/>
-                  <a:t>K</a:t>
-                </a:r>
+                <a14:m>
+                  <m:oMath xmlns:m="http://schemas.openxmlformats.org/officeDocument/2006/math">
+                    <m:r>
+                      <a:rPr lang="pt-BR" b="0" i="1" smtClean="0">
+                        <a:latin typeface="Cambria Math" panose="02040503050406030204" pitchFamily="18" charset="0"/>
+                      </a:rPr>
+                      <m:t>𝐾</m:t>
+                    </m:r>
+                  </m:oMath>
+                </a14:m>
                 <a:r>
                   <a:rPr lang="pt-BR" dirty="0" smtClean="0"/>
-                  <a:t>, for </a:t>
+                  <a:t>, </a:t>
+                </a:r>
+                <a:r>
+                  <a:rPr lang="pt-BR" dirty="0" smtClean="0"/>
+                  <a:t>for </a:t>
                 </a:r>
                 <a:r>
                   <a:rPr lang="pt-BR" dirty="0"/>
@@ -9201,10 +9372,16 @@
                   <a:rPr lang="pt-BR" dirty="0" smtClean="0"/>
                   <a:t>, </a:t>
                 </a:r>
-                <a:r>
-                  <a:rPr lang="pt-BR" i="1" dirty="0" smtClean="0"/>
-                  <a:t>N</a:t>
-                </a:r>
+                <a14:m>
+                  <m:oMath xmlns:m="http://schemas.openxmlformats.org/officeDocument/2006/math">
+                    <m:r>
+                      <a:rPr lang="pt-BR" b="0" i="1" smtClean="0">
+                        <a:latin typeface="Cambria Math" panose="02040503050406030204" pitchFamily="18" charset="0"/>
+                      </a:rPr>
+                      <m:t>𝑁</m:t>
+                    </m:r>
+                  </m:oMath>
+                </a14:m>
                 <a:r>
                   <a:rPr lang="pt-BR" dirty="0" smtClean="0"/>
                   <a:t>, </a:t>
@@ -9291,7 +9468,7 @@
             </p:txBody>
           </p:sp>
         </mc:Choice>
-        <mc:Fallback xmlns="">
+        <mc:Fallback>
           <p:sp>
             <p:nvSpPr>
               <p:cNvPr id="3" name="Content Placeholder 2"/>
@@ -9376,12 +9553,7 @@
             <p:ph type="title"/>
           </p:nvPr>
         </p:nvSpPr>
-        <p:spPr>
-          <a:xfrm>
-            <a:off x="838200" y="135537"/>
-            <a:ext cx="10515600" cy="970189"/>
-          </a:xfrm>
-        </p:spPr>
+        <p:spPr/>
         <p:txBody>
           <a:bodyPr/>
           <a:lstStyle/>
@@ -9409,23 +9581,19 @@
         </p:nvSpPr>
         <p:spPr>
           <a:xfrm>
-            <a:off x="838200" y="1280554"/>
-            <a:ext cx="11145982" cy="5508171"/>
+            <a:off x="838200" y="1825624"/>
+            <a:ext cx="11102788" cy="5032375"/>
           </a:xfrm>
         </p:spPr>
         <p:txBody>
-          <a:bodyPr vert="horz" lIns="91440" tIns="45720" rIns="91440" bIns="45720" rtlCol="0" anchor="t">
-            <a:normAutofit lnSpcReduction="10000"/>
+          <a:bodyPr>
+            <a:normAutofit fontScale="92500" lnSpcReduction="10000"/>
           </a:bodyPr>
           <a:lstStyle/>
           <a:p>
             <a:r>
-              <a:rPr lang="pt-BR" dirty="0" smtClean="0"/>
-              <a:t>Uma forma de </a:t>
-            </a:r>
-            <a:r>
               <a:rPr lang="pt-BR" dirty="0"/>
-              <a:t>se </a:t>
+              <a:t>Uma forma de se </a:t>
             </a:r>
             <a:r>
               <a:rPr lang="pt-BR" b="1" i="1" dirty="0"/>
@@ -9456,18 +9624,9 @@
               <a:t>erro de validação </a:t>
             </a:r>
             <a:r>
-              <a:rPr lang="pt-BR" dirty="0" smtClean="0"/>
-              <a:t>comece </a:t>
-            </a:r>
-            <a:r>
               <a:rPr lang="pt-BR" dirty="0"/>
-              <a:t>a </a:t>
-            </a:r>
-            <a:r>
-              <a:rPr lang="pt-BR" dirty="0" smtClean="0"/>
-              <a:t>crescer sistematicamente.</a:t>
-            </a:r>
-            <a:endParaRPr lang="pt-BR" dirty="0"/>
+              <a:t>comece a crescer sistematicamente.</a:t>
+            </a:r>
           </a:p>
           <a:p>
             <a:r>
@@ -9475,39 +9634,27 @@
               <a:t>Essa abordagem é chamada de </a:t>
             </a:r>
             <a:r>
-              <a:rPr lang="pt-BR" b="1" i="1" dirty="0" smtClean="0"/>
+              <a:rPr lang="pt-BR" b="1" i="1" dirty="0"/>
               <a:t>early-stop </a:t>
             </a:r>
             <a:r>
-              <a:rPr lang="pt-BR" dirty="0" smtClean="0"/>
+              <a:rPr lang="pt-BR" dirty="0"/>
               <a:t>e pode </a:t>
-            </a:r>
-            <a:r>
-              <a:rPr lang="pt-BR" dirty="0" smtClean="0">
-                <a:cs typeface="Calibri"/>
-              </a:rPr>
-              <a:t>ser </a:t>
             </a:r>
             <a:r>
               <a:rPr lang="pt-BR" dirty="0">
                 <a:cs typeface="Calibri"/>
               </a:rPr>
-              <a:t>vista como uma </a:t>
+              <a:t>ser vista como uma </a:t>
             </a:r>
             <a:r>
               <a:rPr lang="pt-BR" b="1" i="1" dirty="0">
                 <a:cs typeface="Calibri"/>
               </a:rPr>
-              <a:t>regularização </a:t>
-            </a:r>
-            <a:r>
-              <a:rPr lang="pt-BR" b="1" i="1" dirty="0" smtClean="0">
-                <a:cs typeface="Calibri"/>
-              </a:rPr>
-              <a:t>temporal</a:t>
-            </a:r>
-            <a:r>
-              <a:rPr lang="pt-BR" dirty="0" smtClean="0">
+              <a:t>regularização temporal</a:t>
+            </a:r>
+            <a:r>
+              <a:rPr lang="pt-BR" dirty="0">
                 <a:cs typeface="Calibri"/>
               </a:rPr>
               <a:t>.</a:t>
@@ -9551,27 +9698,30 @@
                 <a:ea typeface="+mn-lt"/>
                 <a:cs typeface="+mn-lt"/>
               </a:rPr>
-              <a:t> tenderá a aprender modelos cada vez mais complexos à medida que o número de épocas aumenta. </a:t>
-            </a:r>
-            <a:endParaRPr lang="pt-BR" dirty="0" smtClean="0">
-              <a:ea typeface="+mn-lt"/>
-              <a:cs typeface="+mn-lt"/>
-            </a:endParaRPr>
-          </a:p>
-          <a:p>
-            <a:r>
-              <a:rPr lang="pt-BR" dirty="0" smtClean="0">
+              <a:t> tenderá a aprender modelos cada vez mais </a:t>
+            </a:r>
+            <a:r>
+              <a:rPr lang="pt-BR" b="1" i="1" dirty="0">
                 <a:ea typeface="+mn-lt"/>
                 <a:cs typeface="+mn-lt"/>
               </a:rPr>
-              <a:t>Ao se regularizar </a:t>
+              <a:t>complexos</a:t>
             </a:r>
             <a:r>
               <a:rPr lang="pt-BR" dirty="0">
                 <a:ea typeface="+mn-lt"/>
                 <a:cs typeface="+mn-lt"/>
               </a:rPr>
-              <a:t>no </a:t>
+              <a:t> à medida que o número de épocas aumenta. </a:t>
+            </a:r>
+          </a:p>
+          <a:p>
+            <a:r>
+              <a:rPr lang="pt-BR" dirty="0">
+                <a:ea typeface="+mn-lt"/>
+                <a:cs typeface="+mn-lt"/>
+              </a:rPr>
+              <a:t>Ao se regularizar no </a:t>
             </a:r>
             <a:r>
               <a:rPr lang="pt-BR" b="1" i="1" dirty="0">
@@ -9595,41 +9745,45 @@
               <a:t>generalização</a:t>
             </a:r>
             <a:r>
+              <a:rPr lang="pt-BR" dirty="0">
+                <a:ea typeface="+mn-lt"/>
+                <a:cs typeface="+mn-lt"/>
+              </a:rPr>
+              <a:t>.</a:t>
+            </a:r>
+          </a:p>
+          <a:p>
+            <a:r>
+              <a:rPr lang="pt-BR" dirty="0">
+                <a:ea typeface="+mn-lt"/>
+                <a:cs typeface="+mn-lt"/>
+              </a:rPr>
+              <a:t>Mas como saber quando interromper o treinamento? Ou seja, qual é o critério de parada</a:t>
+            </a:r>
+            <a:r>
               <a:rPr lang="pt-BR" dirty="0" smtClean="0">
                 <a:ea typeface="+mn-lt"/>
                 <a:cs typeface="+mn-lt"/>
               </a:rPr>
-              <a:t>.</a:t>
-            </a:r>
-          </a:p>
-          <a:p>
-            <a:r>
-              <a:rPr lang="pt-BR" dirty="0" smtClean="0">
-                <a:ea typeface="+mn-lt"/>
-                <a:cs typeface="+mn-lt"/>
-              </a:rPr>
-              <a:t>Mas como saber quando interromper o treinamento? Ou seja, qual é o critério de parada?</a:t>
-            </a:r>
+              <a:t>?</a:t>
+            </a:r>
+            <a:endParaRPr lang="pt-BR" dirty="0">
+              <a:ea typeface="+mn-lt"/>
+              <a:cs typeface="+mn-lt"/>
+            </a:endParaRPr>
           </a:p>
         </p:txBody>
       </p:sp>
     </p:spTree>
     <p:extLst>
       <p:ext uri="{BB962C8B-B14F-4D97-AF65-F5344CB8AC3E}">
-        <p14:creationId xmlns:p14="http://schemas.microsoft.com/office/powerpoint/2010/main" val="3813385247"/>
+        <p14:creationId xmlns:p14="http://schemas.microsoft.com/office/powerpoint/2010/main" val="2724382369"/>
       </p:ext>
     </p:extLst>
   </p:cSld>
   <p:clrMapOvr>
     <a:masterClrMapping/>
   </p:clrMapOvr>
-  <p:timing>
-    <p:tnLst>
-      <p:par>
-        <p:cTn id="1" dur="indefinite" restart="never" nodeType="tmRoot"/>
-      </p:par>
-    </p:tnLst>
-  </p:timing>
 </p:sld>
 </file>
 
@@ -9693,7 +9847,7 @@
         <p:spPr>
           <a:xfrm>
             <a:off x="838199" y="1233712"/>
-            <a:ext cx="8037516" cy="5580388"/>
+            <a:ext cx="8037516" cy="5624288"/>
           </a:xfrm>
         </p:spPr>
         <p:txBody>
@@ -9851,7 +10005,15 @@
           <a:p>
             <a:r>
               <a:rPr lang="pt-BR" dirty="0"/>
-              <a:t>À medida que as épocas passam, o algoritmo aprende e seu erro quadrático médio no conjunto de treinamento diminui, juntamente com o erro de predição no conjunto de validação. </a:t>
+              <a:t>À medida que as épocas passam, o algoritmo aprende e seu erro quadrático médio no conjunto de treinamento diminui, juntamente com o </a:t>
+            </a:r>
+            <a:r>
+              <a:rPr lang="pt-BR" dirty="0" smtClean="0"/>
+              <a:t>erro no </a:t>
+            </a:r>
+            <a:r>
+              <a:rPr lang="pt-BR" dirty="0"/>
+              <a:t>conjunto de validação. </a:t>
             </a:r>
           </a:p>
           <a:p>
@@ -9952,7 +10114,7 @@
         </p:blipFill>
         <p:spPr>
           <a:xfrm>
-            <a:off x="8875715" y="666141"/>
+            <a:off x="8875715" y="4033888"/>
             <a:ext cx="3271935" cy="2182333"/>
           </a:xfrm>
           <a:prstGeom prst="rect">
@@ -9981,7 +10143,7 @@
         </p:blipFill>
         <p:spPr>
           <a:xfrm>
-            <a:off x="8875715" y="3841681"/>
+            <a:off x="8886602" y="1716440"/>
             <a:ext cx="3261048" cy="2260355"/>
           </a:xfrm>
           <a:prstGeom prst="rect">
@@ -9989,8 +10151,8 @@
           </a:prstGeom>
         </p:spPr>
       </p:pic>
-      <mc:AlternateContent xmlns:mc="http://schemas.openxmlformats.org/markup-compatibility/2006" xmlns:a14="http://schemas.microsoft.com/office/drawing/2010/main">
-        <mc:Choice Requires="a14">
+      <mc:AlternateContent xmlns:mc="http://schemas.openxmlformats.org/markup-compatibility/2006">
+        <mc:Choice xmlns:a14="http://schemas.microsoft.com/office/drawing/2010/main" Requires="a14">
           <p:sp>
             <p:nvSpPr>
               <p:cNvPr id="5" name="TextBox 4"/>
@@ -9999,7 +10161,7 @@
             </p:nvSpPr>
             <p:spPr>
               <a:xfrm>
-                <a:off x="8875715" y="3068232"/>
+                <a:off x="8920037" y="930404"/>
                 <a:ext cx="3261048" cy="671851"/>
               </a:xfrm>
               <a:prstGeom prst="rect">
@@ -10229,7 +10391,7 @@
             </p:txBody>
           </p:sp>
         </mc:Choice>
-        <mc:Fallback xmlns="">
+        <mc:Fallback>
           <p:sp>
             <p:nvSpPr>
               <p:cNvPr id="5" name="TextBox 4"/>
@@ -10240,7 +10402,7 @@
             </p:nvSpPr>
             <p:spPr>
               <a:xfrm>
-                <a:off x="8875715" y="3068232"/>
+                <a:off x="8920037" y="930404"/>
                 <a:ext cx="3261048" cy="671851"/>
               </a:xfrm>
               <a:prstGeom prst="rect">
@@ -10249,7 +10411,7 @@
               <a:blipFill rotWithShape="0">
                 <a:blip r:embed="rId6"/>
                 <a:stretch>
-                  <a:fillRect r="-561" b="-7207"/>
+                  <a:fillRect r="-561" b="-7273"/>
                 </a:stretch>
               </a:blipFill>
             </p:spPr>
@@ -10394,34 +10556,7 @@
               <a:rPr lang="pt-BR" dirty="0" smtClean="0"/>
               <a:t>.</a:t>
             </a:r>
-            <a:endParaRPr lang="pt-BR" dirty="0"/>
-          </a:p>
-          <a:p>
-            <a:pPr lvl="1"/>
-            <a:r>
-              <a:rPr lang="pt-BR" dirty="0"/>
-              <a:t>Pode ser baixado do MS Teams ou do GitHub.</a:t>
-            </a:r>
-          </a:p>
-          <a:p>
-            <a:pPr lvl="1"/>
-            <a:r>
-              <a:rPr lang="pt-BR" dirty="0"/>
-              <a:t>Pode ser respondido através do link acima (na nuvem) ou localmente.</a:t>
-            </a:r>
-          </a:p>
-          <a:p>
-            <a:pPr lvl="1"/>
-            <a:r>
-              <a:rPr lang="pt-BR" dirty="0">
-                <a:hlinkClick r:id="rId4"/>
-              </a:rPr>
-              <a:t>Instruções para resolução e entrega dos laboratórios</a:t>
-            </a:r>
-            <a:r>
-              <a:rPr lang="pt-BR" dirty="0" smtClean="0"/>
-              <a:t>.</a:t>
-            </a:r>
+            <a:endParaRPr lang="pt-BR" dirty="0" smtClean="0"/>
           </a:p>
           <a:p>
             <a:pPr lvl="1"/>
@@ -10482,7 +10617,15 @@
                   <a:srgbClr val="FF0000"/>
                 </a:solidFill>
               </a:rPr>
-              <a:t>ao prazo de entrega definido na tarefa do MS Teams. </a:t>
+              <a:t>ao prazo de entrega definido na tarefa do MS </a:t>
+            </a:r>
+            <a:r>
+              <a:rPr lang="pt-BR" b="1" dirty="0" smtClean="0">
+                <a:solidFill>
+                  <a:srgbClr val="FF0000"/>
+                </a:solidFill>
+              </a:rPr>
+              <a:t>Teams (12/12/2021). </a:t>
             </a:r>
             <a:endParaRPr lang="pt-BR" b="1" dirty="0" smtClean="0">
               <a:solidFill>
@@ -10580,7 +10723,7 @@
           <p:cNvPr id="4" name="Título 1">
             <a:extLst>
               <a:ext uri="{FF2B5EF4-FFF2-40B4-BE49-F238E27FC236}">
-                <a16:creationId xmlns:a16="http://schemas.microsoft.com/office/drawing/2014/main" xmlns="" id="{32666AC8-2E17-4DB4-B0F5-60C640CCFD2E}"/>
+                <a16:creationId xmlns="" xmlns:a16="http://schemas.microsoft.com/office/drawing/2014/main" id="{32666AC8-2E17-4DB4-B0F5-60C640CCFD2E}"/>
               </a:ext>
             </a:extLst>
           </p:cNvPr>
@@ -11012,8 +11155,8 @@
         </p:nvSpPr>
         <p:spPr>
           <a:xfrm>
-            <a:off x="838200" y="1825623"/>
-            <a:ext cx="11062648" cy="4875427"/>
+            <a:off x="838199" y="1825623"/>
+            <a:ext cx="11138647" cy="5032377"/>
           </a:xfrm>
         </p:spPr>
         <p:txBody>
@@ -11045,8 +11188,12 @@
               <a:t>Uma abordagem alternativa é </a:t>
             </a:r>
             <a:r>
+              <a:rPr lang="pt-BR" b="1" i="1" dirty="0" smtClean="0"/>
+              <a:t>minimizar conjuntamente</a:t>
+            </a:r>
+            <a:r>
               <a:rPr lang="pt-BR" dirty="0" smtClean="0"/>
-              <a:t>minimizar conjuntamente o </a:t>
+              <a:t> o </a:t>
             </a:r>
             <a:r>
               <a:rPr lang="pt-BR" dirty="0"/>
@@ -11058,17 +11205,38 @@
             </a:r>
             <a:r>
               <a:rPr lang="pt-BR" b="1" i="1" dirty="0"/>
-              <a:t>função hipótese </a:t>
+              <a:t>função </a:t>
+            </a:r>
+            <a:r>
+              <a:rPr lang="pt-BR" b="1" i="1" dirty="0" smtClean="0"/>
+              <a:t>hipótese</a:t>
             </a:r>
             <a:r>
               <a:rPr lang="pt-BR" dirty="0" smtClean="0"/>
               <a:t>.</a:t>
             </a:r>
+            <a:endParaRPr lang="pt-BR" dirty="0" smtClean="0"/>
           </a:p>
           <a:p>
             <a:r>
               <a:rPr lang="pt-BR" dirty="0" smtClean="0"/>
-              <a:t>Como veremos, esta abordagem combina erro e complexidade em uma única métrica, possibilitando que encontremos a melhor hipótese de uma só vez.</a:t>
+              <a:t>Como veremos, esta abordagem combina erro e complexidade </a:t>
+            </a:r>
+            <a:r>
+              <a:rPr lang="pt-BR" b="1" i="1" dirty="0" smtClean="0"/>
+              <a:t>em uma única </a:t>
+            </a:r>
+            <a:r>
+              <a:rPr lang="pt-BR" b="1" i="1" dirty="0" smtClean="0"/>
+              <a:t>função de erro</a:t>
+            </a:r>
+            <a:r>
+              <a:rPr lang="pt-BR" dirty="0" smtClean="0"/>
+              <a:t>, </a:t>
+            </a:r>
+            <a:r>
+              <a:rPr lang="pt-BR" dirty="0" smtClean="0"/>
+              <a:t>possibilitando que encontremos a melhor hipótese de uma só vez.</a:t>
             </a:r>
           </a:p>
           <a:p>
@@ -11110,7 +11278,15 @@
             </a:r>
             <a:r>
               <a:rPr lang="pt-BR" dirty="0" smtClean="0"/>
-              <a:t>: encerra o treinamento de algoritmos iterativos quando o erro de validação for o menor possível.</a:t>
+              <a:t>: encerra o treinamento de </a:t>
+            </a:r>
+            <a:r>
+              <a:rPr lang="pt-BR" b="1" i="1" dirty="0" smtClean="0"/>
+              <a:t>algoritmos iterativos </a:t>
+            </a:r>
+            <a:r>
+              <a:rPr lang="pt-BR" dirty="0" smtClean="0"/>
+              <a:t>quando o erro de validação for o menor possível.</a:t>
             </a:r>
             <a:endParaRPr lang="pt-BR" dirty="0"/>
           </a:p>
@@ -11205,12 +11381,12 @@
         <p:spPr>
           <a:xfrm>
             <a:off x="838199" y="1863968"/>
-            <a:ext cx="11149014" cy="4794007"/>
+            <a:ext cx="11149014" cy="4994032"/>
           </a:xfrm>
         </p:spPr>
         <p:txBody>
           <a:bodyPr>
-            <a:normAutofit/>
+            <a:normAutofit fontScale="92500"/>
           </a:bodyPr>
           <a:lstStyle/>
           <a:p>
@@ -11238,11 +11414,15 @@
             </a:r>
             <a:r>
               <a:rPr lang="pt-BR" b="1" i="1" dirty="0" smtClean="0"/>
-              <a:t>hipóteses</a:t>
+              <a:t>funções hipótese</a:t>
             </a:r>
             <a:r>
               <a:rPr lang="pt-BR" dirty="0" smtClean="0"/>
-              <a:t> complexas.</a:t>
+              <a:t> </a:t>
+            </a:r>
+            <a:r>
+              <a:rPr lang="pt-BR" dirty="0" smtClean="0"/>
+              <a:t>complexas.</a:t>
             </a:r>
           </a:p>
           <a:p>
@@ -11256,7 +11436,15 @@
             </a:r>
             <a:r>
               <a:rPr lang="pt-BR" dirty="0"/>
-              <a:t> podem reduzir o risco de </a:t>
+              <a:t> </a:t>
+            </a:r>
+            <a:r>
+              <a:rPr lang="pt-BR" dirty="0" smtClean="0"/>
+              <a:t>reduzem </a:t>
+            </a:r>
+            <a:r>
+              <a:rPr lang="pt-BR" dirty="0"/>
+              <a:t>o risco de </a:t>
             </a:r>
             <a:r>
               <a:rPr lang="pt-BR" b="1" i="1" dirty="0"/>
@@ -11276,6 +11464,41 @@
             </a:r>
           </a:p>
           <a:p>
+            <a:pPr lvl="1">
+              <a:buFont typeface="Wingdings" panose="05000000000000000000" pitchFamily="2" charset="2"/>
+              <a:buChar char="§"/>
+            </a:pPr>
+            <a:r>
+              <a:rPr lang="pt-BR" dirty="0" smtClean="0"/>
+              <a:t>Quanto </a:t>
+            </a:r>
+            <a:r>
+              <a:rPr lang="pt-BR" dirty="0"/>
+              <a:t>menos graus de liberdade </a:t>
+            </a:r>
+            <a:r>
+              <a:rPr lang="pt-BR" dirty="0" smtClean="0"/>
+              <a:t>o modelo </a:t>
+            </a:r>
+            <a:r>
+              <a:rPr lang="pt-BR" dirty="0"/>
+              <a:t>tiver, mais difícil será para </a:t>
+            </a:r>
+            <a:r>
+              <a:rPr lang="pt-BR" dirty="0" smtClean="0"/>
+              <a:t>ele se </a:t>
+            </a:r>
+            <a:r>
+              <a:rPr lang="pt-BR" b="1" i="1" dirty="0" smtClean="0"/>
+              <a:t>sobreajustar</a:t>
+            </a:r>
+            <a:r>
+              <a:rPr lang="pt-BR" dirty="0" smtClean="0"/>
+              <a:t> aos dados de treinamento.</a:t>
+            </a:r>
+            <a:endParaRPr lang="pt-BR" dirty="0" smtClean="0"/>
+          </a:p>
+          <a:p>
             <a:r>
               <a:rPr lang="pt-BR" dirty="0" smtClean="0"/>
               <a:t>O </a:t>
@@ -11294,7 +11517,15 @@
             </a:r>
             <a:r>
               <a:rPr lang="pt-BR" dirty="0" smtClean="0"/>
-              <a:t>proporcionais à alguma </a:t>
+              <a:t>proporcionais </a:t>
+            </a:r>
+            <a:r>
+              <a:rPr lang="pt-BR" dirty="0" smtClean="0"/>
+              <a:t>a </a:t>
+            </a:r>
+            <a:r>
+              <a:rPr lang="pt-BR" dirty="0" smtClean="0"/>
+              <a:t>alguma </a:t>
             </a:r>
             <a:r>
               <a:rPr lang="pt-BR" b="1" i="1" dirty="0"/>
@@ -11340,11 +11571,19 @@
             </a:r>
             <a:r>
               <a:rPr lang="it-IT" i="1" dirty="0"/>
-              <a:t>rigde regression</a:t>
+              <a:t>R</a:t>
+            </a:r>
+            <a:r>
+              <a:rPr lang="it-IT" i="1" dirty="0" smtClean="0"/>
+              <a:t>igde</a:t>
+            </a:r>
+            <a:r>
+              <a:rPr lang="it-IT" dirty="0" smtClean="0"/>
+              <a:t>, </a:t>
             </a:r>
             <a:r>
               <a:rPr lang="it-IT" dirty="0"/>
-              <a:t>, LASSO e </a:t>
+              <a:t>LASSO e </a:t>
             </a:r>
             <a:r>
               <a:rPr lang="it-IT" i="1" dirty="0" smtClean="0"/>
@@ -11354,6 +11593,37 @@
               <a:rPr lang="it-IT" dirty="0" smtClean="0"/>
               <a:t>.</a:t>
             </a:r>
+          </a:p>
+          <a:p>
+            <a:r>
+              <a:rPr lang="pt-BR" dirty="0" smtClean="0"/>
+              <a:t>A </a:t>
+            </a:r>
+            <a:r>
+              <a:rPr lang="pt-BR" b="1" i="1" dirty="0" smtClean="0"/>
+              <a:t>regularização</a:t>
+            </a:r>
+            <a:r>
+              <a:rPr lang="pt-BR" dirty="0" smtClean="0"/>
+              <a:t> </a:t>
+            </a:r>
+            <a:r>
+              <a:rPr lang="pt-BR" dirty="0"/>
+              <a:t>força o algoritmo de aprendizado não apenas a </a:t>
+            </a:r>
+            <a:r>
+              <a:rPr lang="pt-BR" dirty="0" smtClean="0"/>
+              <a:t>se ajustar aos </a:t>
+            </a:r>
+            <a:r>
+              <a:rPr lang="pt-BR" dirty="0"/>
+              <a:t>dados, mas também a manter os pesos do modelo os menores possíveis</a:t>
+            </a:r>
+            <a:r>
+              <a:rPr lang="pt-BR" dirty="0" smtClean="0"/>
+              <a:t>.</a:t>
+            </a:r>
+            <a:endParaRPr lang="pt-BR" dirty="0"/>
           </a:p>
         </p:txBody>
       </p:sp>
@@ -11421,8 +11691,8 @@
           </a:p>
         </p:txBody>
       </p:sp>
-      <mc:AlternateContent xmlns:mc="http://schemas.openxmlformats.org/markup-compatibility/2006" xmlns:a14="http://schemas.microsoft.com/office/drawing/2010/main">
-        <mc:Choice Requires="a14">
+      <mc:AlternateContent xmlns:mc="http://schemas.openxmlformats.org/markup-compatibility/2006">
+        <mc:Choice xmlns:a14="http://schemas.microsoft.com/office/drawing/2010/main" Requires="a14">
           <p:sp>
             <p:nvSpPr>
               <p:cNvPr id="3" name="Content Placeholder 2"/>
@@ -11475,7 +11745,15 @@
                 </a:r>
                 <a:r>
                   <a:rPr lang="pt-BR" dirty="0"/>
-                  <a:t> (ou seja, a norma L2) do vetor de pesos:</a:t>
+                  <a:t> (ou seja, a </a:t>
+                </a:r>
+                <a:r>
+                  <a:rPr lang="pt-BR" b="1" i="1" dirty="0"/>
+                  <a:t>norma L2</a:t>
+                </a:r>
+                <a:r>
+                  <a:rPr lang="pt-BR" dirty="0"/>
+                  <a:t>) do vetor de pesos:</a:t>
                 </a:r>
               </a:p>
               <a:p>
@@ -11939,11 +12217,11 @@
                 </a:r>
                 <a:r>
                   <a:rPr lang="pt-BR" b="1" i="1" dirty="0"/>
-                  <a:t>problema de otimização </a:t>
+                  <a:t>problema de otimização com restrições </a:t>
                 </a:r>
                 <a:r>
                   <a:rPr lang="pt-BR" dirty="0"/>
-                  <a:t>com restrições da seguinte forma</a:t>
+                  <a:t>da seguinte forma</a:t>
                 </a:r>
               </a:p>
               <a:p>
@@ -12248,13 +12526,16 @@
                 </a14:m>
                 <a:r>
                   <a:rPr lang="pt-BR" dirty="0" smtClean="0"/>
-                  <a:t> altera a complexidade (ou seja, a flexibilidade) da função hipótese.</a:t>
-                </a:r>
-                <a:endParaRPr lang="pt-BR" dirty="0"/>
+                  <a:t> altera a complexidade (ou seja, a flexibilidade) da função hipótese</a:t>
+                </a:r>
+                <a:r>
+                  <a:rPr lang="pt-BR" dirty="0" smtClean="0"/>
+                  <a:t>.</a:t>
+                </a:r>
               </a:p>
               <a:p>
                 <a:r>
-                  <a:rPr lang="pt-BR" b="1" dirty="0"/>
+                  <a:rPr lang="pt-BR" b="1" dirty="0" smtClean="0"/>
                   <a:t>OBS</a:t>
                 </a:r>
                 <a:r>
@@ -12369,7 +12650,7 @@
             </p:txBody>
           </p:sp>
         </mc:Choice>
-        <mc:Fallback xmlns="">
+        <mc:Fallback>
           <p:sp>
             <p:nvSpPr>
               <p:cNvPr id="3" name="Content Placeholder 2"/>
@@ -12949,7 +13230,7 @@
         <p:spPr bwMode="auto">
           <a:xfrm>
             <a:off x="7207092" y="27710"/>
-            <a:ext cx="1216480" cy="1812794"/>
+            <a:ext cx="1178602" cy="1756349"/>
           </a:xfrm>
           <a:prstGeom prst="rect">
             <a:avLst/>
@@ -12966,6 +13247,85 @@
           </a:extLst>
         </p:spPr>
       </p:pic>
+      <p:sp>
+        <p:nvSpPr>
+          <p:cNvPr id="4" name="Rectangle 3"/>
+          <p:cNvSpPr/>
+          <p:nvPr/>
+        </p:nvSpPr>
+        <p:spPr>
+          <a:xfrm>
+            <a:off x="8890128" y="675540"/>
+            <a:ext cx="2369544" cy="830997"/>
+          </a:xfrm>
+          <a:prstGeom prst="rect">
+            <a:avLst/>
+          </a:prstGeom>
+        </p:spPr>
+        <p:txBody>
+          <a:bodyPr wrap="square">
+            <a:spAutoFit/>
+          </a:bodyPr>
+          <a:lstStyle/>
+          <a:p>
+            <a:r>
+              <a:rPr lang="pt-BR" sz="1200" b="1" dirty="0" smtClean="0"/>
+              <a:t>Região </a:t>
+            </a:r>
+            <a:r>
+              <a:rPr lang="pt-BR" sz="1200" b="1" dirty="0"/>
+              <a:t>de </a:t>
+            </a:r>
+            <a:r>
+              <a:rPr lang="pt-BR" sz="1200" b="1" dirty="0" smtClean="0"/>
+              <a:t>factibilidade</a:t>
+            </a:r>
+            <a:r>
+              <a:rPr lang="pt-BR" sz="1200" dirty="0" smtClean="0"/>
+              <a:t>: possíveis valores que os pesos podem assumir. O raio do círculo é dado pelo fator de regularização.</a:t>
+            </a:r>
+            <a:endParaRPr lang="pt-BR" sz="1200" dirty="0"/>
+          </a:p>
+        </p:txBody>
+      </p:sp>
+      <p:cxnSp>
+        <p:nvCxnSpPr>
+          <p:cNvPr id="7" name="Straight Arrow Connector 6"/>
+          <p:cNvCxnSpPr>
+            <a:endCxn id="4" idx="1"/>
+          </p:cNvCxnSpPr>
+          <p:nvPr/>
+        </p:nvCxnSpPr>
+        <p:spPr>
+          <a:xfrm flipV="1">
+            <a:off x="7799294" y="1091039"/>
+            <a:ext cx="1090834" cy="200061"/>
+          </a:xfrm>
+          <a:prstGeom prst="straightConnector1">
+            <a:avLst/>
+          </a:prstGeom>
+          <a:ln>
+            <a:solidFill>
+              <a:srgbClr val="FF0000"/>
+            </a:solidFill>
+            <a:tailEnd type="triangle"/>
+          </a:ln>
+        </p:spPr>
+        <p:style>
+          <a:lnRef idx="1">
+            <a:schemeClr val="accent1"/>
+          </a:lnRef>
+          <a:fillRef idx="0">
+            <a:schemeClr val="accent1"/>
+          </a:fillRef>
+          <a:effectRef idx="0">
+            <a:schemeClr val="accent1"/>
+          </a:effectRef>
+          <a:fontRef idx="minor">
+            <a:schemeClr val="tx1"/>
+          </a:fontRef>
+        </p:style>
+      </p:cxnSp>
     </p:spTree>
     <p:extLst>
       <p:ext uri="{BB962C8B-B14F-4D97-AF65-F5344CB8AC3E}">
@@ -13013,30 +13373,20 @@
             <p:ph type="title"/>
           </p:nvPr>
         </p:nvSpPr>
-        <p:spPr>
-          <a:xfrm>
-            <a:off x="838200" y="188149"/>
-            <a:ext cx="10515600" cy="844243"/>
-          </a:xfrm>
-        </p:spPr>
+        <p:spPr/>
         <p:txBody>
           <a:bodyPr/>
           <a:lstStyle/>
           <a:p>
             <a:r>
               <a:rPr lang="pt-BR" dirty="0"/>
-              <a:t>Ridge </a:t>
-            </a:r>
-            <a:r>
-              <a:rPr lang="pt-BR" dirty="0" smtClean="0"/>
-              <a:t>Regression</a:t>
-            </a:r>
-            <a:endParaRPr lang="pt-BR" dirty="0"/>
+              <a:t>Ridge Regression</a:t>
+            </a:r>
           </a:p>
         </p:txBody>
       </p:sp>
-      <mc:AlternateContent xmlns:mc="http://schemas.openxmlformats.org/markup-compatibility/2006" xmlns:a14="http://schemas.microsoft.com/office/drawing/2010/main">
-        <mc:Choice Requires="a14">
+      <mc:AlternateContent xmlns:mc="http://schemas.openxmlformats.org/markup-compatibility/2006">
+        <mc:Choice xmlns:a14="http://schemas.microsoft.com/office/drawing/2010/main" Requires="a14">
           <p:sp>
             <p:nvSpPr>
               <p:cNvPr id="3" name="Content Placeholder 2"/>
@@ -13049,8 +13399,8 @@
             </p:nvSpPr>
             <p:spPr>
               <a:xfrm>
-                <a:off x="838199" y="1283110"/>
-                <a:ext cx="11103592" cy="5456903"/>
+                <a:off x="838200" y="1825624"/>
+                <a:ext cx="11156576" cy="5032375"/>
               </a:xfrm>
             </p:spPr>
             <p:txBody>
@@ -13060,16 +13410,20 @@
               <a:lstStyle/>
               <a:p>
                 <a:r>
-                  <a:rPr lang="pt-BR" dirty="0" smtClean="0"/>
+                  <a:rPr lang="pt-BR" dirty="0"/>
                   <a:t>A </a:t>
                 </a:r>
                 <a:r>
+                  <a:rPr lang="pt-BR" b="1" i="1" dirty="0"/>
+                  <a:t>equação </a:t>
+                </a:r>
+                <a:r>
+                  <a:rPr lang="pt-BR" b="1" i="1" dirty="0"/>
+                  <a:t>de erro regularizado</a:t>
+                </a:r>
+                <a:r>
                   <a:rPr lang="pt-BR" dirty="0"/>
-                  <a:t>equação </a:t>
-                </a:r>
-                <a:r>
-                  <a:rPr lang="pt-BR" dirty="0" smtClean="0"/>
-                  <a:t>de erro regularizado, </a:t>
+                  <a:t>, </a:t>
                 </a:r>
                 <a14:m>
                   <m:oMath xmlns:m="http://schemas.openxmlformats.org/officeDocument/2006/math">
@@ -13195,7 +13549,7 @@
                   </m:oMath>
                 </a14:m>
                 <a:r>
-                  <a:rPr lang="pt-BR" dirty="0" smtClean="0"/>
+                  <a:rPr lang="pt-BR" dirty="0"/>
                   <a:t>, </a:t>
                 </a:r>
                 <a:r>
@@ -13203,7 +13557,7 @@
                   <a:t>continua sendo quadrática com relação aos </a:t>
                 </a:r>
                 <a:r>
-                  <a:rPr lang="pt-BR" dirty="0" smtClean="0"/>
+                  <a:rPr lang="pt-BR" dirty="0"/>
                   <a:t>pesos, e portanto, a </a:t>
                 </a:r>
                 <a:r>
@@ -13211,7 +13565,7 @@
                   <a:t>superfície de erro continua </a:t>
                 </a:r>
                 <a:r>
-                  <a:rPr lang="pt-BR" dirty="0" smtClean="0"/>
+                  <a:rPr lang="pt-BR" dirty="0"/>
                   <a:t>sendo convexa</a:t>
                 </a:r>
                 <a:r>
@@ -13221,8 +13575,8 @@
               </a:p>
               <a:p>
                 <a:r>
-                  <a:rPr lang="pt-BR" dirty="0" smtClean="0"/>
-                  <a:t>Desta forma, podemos encontrar uma </a:t>
+                  <a:rPr lang="pt-BR" dirty="0"/>
+                  <a:t>Desta forma, encontramos uma </a:t>
                 </a:r>
                 <a:r>
                   <a:rPr lang="pt-BR" dirty="0"/>
@@ -13233,11 +13587,11 @@
                   <a:t>equação </a:t>
                 </a:r>
                 <a:r>
-                  <a:rPr lang="pt-BR" b="1" i="1" dirty="0" smtClean="0"/>
+                  <a:rPr lang="pt-BR" b="1" i="1" dirty="0"/>
                   <a:t>normal</a:t>
                 </a:r>
                 <a:r>
-                  <a:rPr lang="pt-BR" dirty="0" smtClean="0"/>
+                  <a:rPr lang="pt-BR" dirty="0"/>
                   <a:t>:</a:t>
                 </a:r>
                 <a:endParaRPr lang="pt-BR" dirty="0"/>
@@ -13324,7 +13678,7 @@
                               <m:t>𝜱</m:t>
                             </m:r>
                             <m:r>
-                              <a:rPr lang="pt-BR" b="1" i="1" smtClean="0">
+                              <a:rPr lang="pt-BR" b="1" i="1">
                                 <a:latin typeface="Cambria Math" panose="02040503050406030204" pitchFamily="18" charset="0"/>
                               </a:rPr>
                               <m:t>+</m:t>
@@ -13337,14 +13691,14 @@
                               <m:t>𝜆</m:t>
                             </m:r>
                             <m:r>
-                              <a:rPr lang="pt-BR" b="1" i="1" smtClean="0">
+                              <a:rPr lang="pt-BR" b="1" i="1">
                                 <a:latin typeface="Cambria Math" panose="02040503050406030204" pitchFamily="18" charset="0"/>
                                 <a:ea typeface="Cambria Math" panose="02040503050406030204" pitchFamily="18" charset="0"/>
                               </a:rPr>
                               <m:t>𝑰</m:t>
                             </m:r>
                             <m:r>
-                              <a:rPr lang="pt-BR" b="1" i="1" smtClean="0">
+                              <a:rPr lang="pt-BR" b="1" i="1">
                                 <a:latin typeface="Cambria Math" panose="02040503050406030204" pitchFamily="18" charset="0"/>
                                 <a:ea typeface="Cambria Math" panose="02040503050406030204" pitchFamily="18" charset="0"/>
                               </a:rPr>
@@ -13410,7 +13764,7 @@
                     <m:sSup>
                       <m:sSupPr>
                         <m:ctrlPr>
-                          <a:rPr lang="pt-BR" b="1" i="1" smtClean="0">
+                          <a:rPr lang="pt-BR" b="1" i="1">
                             <a:latin typeface="Cambria Math" panose="02040503050406030204" pitchFamily="18" charset="0"/>
                             <a:ea typeface="Cambria Math" panose="02040503050406030204" pitchFamily="18" charset="0"/>
                           </a:rPr>
@@ -13427,7 +13781,7 @@
                       </m:e>
                       <m:sup>
                         <m:r>
-                          <a:rPr lang="pt-BR" b="1" i="1" smtClean="0">
+                          <a:rPr lang="pt-BR" b="1" i="1">
                             <a:latin typeface="Cambria Math" panose="02040503050406030204" pitchFamily="18" charset="0"/>
                             <a:ea typeface="Cambria Math" panose="02040503050406030204" pitchFamily="18" charset="0"/>
                           </a:rPr>
@@ -13436,7 +13790,7 @@
                       </m:sup>
                     </m:sSup>
                     <m:r>
-                      <a:rPr lang="pt-BR" b="1" i="1" smtClean="0">
+                      <a:rPr lang="pt-BR" b="1" i="1">
                         <a:latin typeface="Cambria Math" panose="02040503050406030204" pitchFamily="18" charset="0"/>
                         <a:ea typeface="Cambria Math" panose="02040503050406030204" pitchFamily="18" charset="0"/>
                       </a:rPr>
@@ -13447,7 +13801,7 @@
                         <m:begChr m:val="["/>
                         <m:endChr m:val="]"/>
                         <m:ctrlPr>
-                          <a:rPr lang="pt-BR" i="1" smtClean="0">
+                          <a:rPr lang="pt-BR" i="1">
                             <a:latin typeface="Cambria Math" panose="02040503050406030204" pitchFamily="18" charset="0"/>
                             <a:ea typeface="Cambria Math" panose="02040503050406030204" pitchFamily="18" charset="0"/>
                           </a:rPr>
@@ -13465,7 +13819,7 @@
                               </m:mc>
                             </m:mcs>
                             <m:ctrlPr>
-                              <a:rPr lang="pt-BR" i="1" smtClean="0">
+                              <a:rPr lang="pt-BR" i="1">
                                 <a:latin typeface="Cambria Math" panose="02040503050406030204" pitchFamily="18" charset="0"/>
                                 <a:ea typeface="Cambria Math" panose="02040503050406030204" pitchFamily="18" charset="0"/>
                               </a:rPr>
@@ -13484,7 +13838,7 @@
                                     </m:mc>
                                   </m:mcs>
                                   <m:ctrlPr>
-                                    <a:rPr lang="pt-BR" i="1" smtClean="0">
+                                    <a:rPr lang="pt-BR" i="1">
                                       <a:latin typeface="Cambria Math" panose="02040503050406030204" pitchFamily="18" charset="0"/>
                                       <a:ea typeface="Cambria Math" panose="02040503050406030204" pitchFamily="18" charset="0"/>
                                     </a:rPr>
@@ -13503,7 +13857,7 @@
                                           </m:mc>
                                         </m:mcs>
                                         <m:ctrlPr>
-                                          <a:rPr lang="pt-BR" i="1" smtClean="0">
+                                          <a:rPr lang="pt-BR" i="1">
                                             <a:latin typeface="Cambria Math" panose="02040503050406030204" pitchFamily="18" charset="0"/>
                                             <a:ea typeface="Cambria Math" panose="02040503050406030204" pitchFamily="18" charset="0"/>
                                           </a:rPr>
@@ -13522,7 +13876,7 @@
                                                 </m:mc>
                                               </m:mcs>
                                               <m:ctrlPr>
-                                                <a:rPr lang="pt-BR" i="1" smtClean="0">
+                                                <a:rPr lang="pt-BR" i="1">
                                                   <a:latin typeface="Cambria Math" panose="02040503050406030204" pitchFamily="18" charset="0"/>
                                                   <a:ea typeface="Cambria Math" panose="02040503050406030204" pitchFamily="18" charset="0"/>
                                                 </a:rPr>
@@ -13541,7 +13895,7 @@
                                                       </m:mc>
                                                     </m:mcs>
                                                     <m:ctrlPr>
-                                                      <a:rPr lang="pt-BR" i="1" smtClean="0">
+                                                      <a:rPr lang="pt-BR" i="1">
                                                         <a:latin typeface="Cambria Math" panose="02040503050406030204" pitchFamily="18" charset="0"/>
                                                         <a:ea typeface="Cambria Math" panose="02040503050406030204" pitchFamily="18" charset="0"/>
                                                       </a:rPr>
@@ -13553,7 +13907,7 @@
                                                         <m:rPr>
                                                           <m:brk m:alnAt="7"/>
                                                         </m:rPr>
-                                                        <a:rPr lang="pt-BR" b="0" i="1" smtClean="0">
+                                                        <a:rPr lang="pt-BR" i="1">
                                                           <a:latin typeface="Cambria Math" panose="02040503050406030204" pitchFamily="18" charset="0"/>
                                                           <a:ea typeface="Cambria Math" panose="02040503050406030204" pitchFamily="18" charset="0"/>
                                                         </a:rPr>
@@ -13564,7 +13918,7 @@
                                                   <m:mr>
                                                     <m:e>
                                                       <m:r>
-                                                        <a:rPr lang="pt-BR" b="0" i="1" smtClean="0">
+                                                        <a:rPr lang="pt-BR" i="1">
                                                           <a:latin typeface="Cambria Math" panose="02040503050406030204" pitchFamily="18" charset="0"/>
                                                           <a:ea typeface="Cambria Math" panose="02040503050406030204" pitchFamily="18" charset="0"/>
                                                         </a:rPr>
@@ -13578,7 +13932,7 @@
                                             <m:mr>
                                               <m:e>
                                                 <m:r>
-                                                  <a:rPr lang="pt-BR" b="0" i="1" smtClean="0">
+                                                  <a:rPr lang="pt-BR" i="1">
                                                     <a:latin typeface="Cambria Math" panose="02040503050406030204" pitchFamily="18" charset="0"/>
                                                     <a:ea typeface="Cambria Math" panose="02040503050406030204" pitchFamily="18" charset="0"/>
                                                   </a:rPr>
@@ -13589,7 +13943,7 @@
                                             <m:mr>
                                               <m:e>
                                                 <m:r>
-                                                  <a:rPr lang="pt-BR" b="0" i="1" smtClean="0">
+                                                  <a:rPr lang="pt-BR" i="1">
                                                     <a:latin typeface="Cambria Math" panose="02040503050406030204" pitchFamily="18" charset="0"/>
                                                     <a:ea typeface="Cambria Math" panose="02040503050406030204" pitchFamily="18" charset="0"/>
                                                   </a:rPr>
@@ -13611,7 +13965,7 @@
                                                 </m:mc>
                                               </m:mcs>
                                               <m:ctrlPr>
-                                                <a:rPr lang="pt-BR" i="1" smtClean="0">
+                                                <a:rPr lang="pt-BR" i="1">
                                                   <a:latin typeface="Cambria Math" panose="02040503050406030204" pitchFamily="18" charset="0"/>
                                                   <a:ea typeface="Cambria Math" panose="02040503050406030204" pitchFamily="18" charset="0"/>
                                                 </a:rPr>
@@ -13630,7 +13984,7 @@
                                                       </m:mc>
                                                     </m:mcs>
                                                     <m:ctrlPr>
-                                                      <a:rPr lang="pt-BR" i="1" smtClean="0">
+                                                      <a:rPr lang="pt-BR" i="1">
                                                         <a:latin typeface="Cambria Math" panose="02040503050406030204" pitchFamily="18" charset="0"/>
                                                         <a:ea typeface="Cambria Math" panose="02040503050406030204" pitchFamily="18" charset="0"/>
                                                       </a:rPr>
@@ -13642,7 +13996,7 @@
                                                         <m:rPr>
                                                           <m:brk m:alnAt="7"/>
                                                         </m:rPr>
-                                                        <a:rPr lang="pt-BR" b="0" i="1" smtClean="0">
+                                                        <a:rPr lang="pt-BR" i="1">
                                                           <a:latin typeface="Cambria Math" panose="02040503050406030204" pitchFamily="18" charset="0"/>
                                                           <a:ea typeface="Cambria Math" panose="02040503050406030204" pitchFamily="18" charset="0"/>
                                                         </a:rPr>
@@ -13653,7 +14007,7 @@
                                                   <m:mr>
                                                     <m:e>
                                                       <m:r>
-                                                        <a:rPr lang="pt-BR" b="0" i="1" smtClean="0">
+                                                        <a:rPr lang="pt-BR" i="1">
                                                           <a:latin typeface="Cambria Math" panose="02040503050406030204" pitchFamily="18" charset="0"/>
                                                           <a:ea typeface="Cambria Math" panose="02040503050406030204" pitchFamily="18" charset="0"/>
                                                         </a:rPr>
@@ -13667,7 +14021,7 @@
                                             <m:mr>
                                               <m:e>
                                                 <m:r>
-                                                  <a:rPr lang="pt-BR" i="1" smtClean="0">
+                                                  <a:rPr lang="pt-BR" i="1">
                                                     <a:latin typeface="Cambria Math" panose="02040503050406030204" pitchFamily="18" charset="0"/>
                                                     <a:ea typeface="Cambria Math" panose="02040503050406030204" pitchFamily="18" charset="0"/>
                                                   </a:rPr>
@@ -13678,7 +14032,7 @@
                                             <m:mr>
                                               <m:e>
                                                 <m:r>
-                                                  <a:rPr lang="pt-BR" b="0" i="1" smtClean="0">
+                                                  <a:rPr lang="pt-BR" i="1">
                                                     <a:latin typeface="Cambria Math" panose="02040503050406030204" pitchFamily="18" charset="0"/>
                                                     <a:ea typeface="Cambria Math" panose="02040503050406030204" pitchFamily="18" charset="0"/>
                                                   </a:rPr>
@@ -13703,7 +14057,7 @@
                                           </m:mc>
                                         </m:mcs>
                                         <m:ctrlPr>
-                                          <a:rPr lang="pt-BR" i="1" smtClean="0">
+                                          <a:rPr lang="pt-BR" i="1">
                                             <a:latin typeface="Cambria Math" panose="02040503050406030204" pitchFamily="18" charset="0"/>
                                             <a:ea typeface="Cambria Math" panose="02040503050406030204" pitchFamily="18" charset="0"/>
                                           </a:rPr>
@@ -13722,7 +14076,7 @@
                                                 </m:mc>
                                               </m:mcs>
                                               <m:ctrlPr>
-                                                <a:rPr lang="pt-BR" i="1" smtClean="0">
+                                                <a:rPr lang="pt-BR" i="1">
                                                   <a:latin typeface="Cambria Math" panose="02040503050406030204" pitchFamily="18" charset="0"/>
                                                   <a:ea typeface="Cambria Math" panose="02040503050406030204" pitchFamily="18" charset="0"/>
                                                 </a:rPr>
@@ -13734,7 +14088,7 @@
                                                   <m:rPr>
                                                     <m:brk m:alnAt="7"/>
                                                   </m:rPr>
-                                                  <a:rPr lang="pt-BR" i="1" smtClean="0">
+                                                  <a:rPr lang="pt-BR" i="1">
                                                     <a:latin typeface="Cambria Math" panose="02040503050406030204" pitchFamily="18" charset="0"/>
                                                     <a:ea typeface="Cambria Math" panose="02040503050406030204" pitchFamily="18" charset="0"/>
                                                   </a:rPr>
@@ -13745,7 +14099,7 @@
                                             <m:mr>
                                               <m:e>
                                                 <m:r>
-                                                  <a:rPr lang="pt-BR" i="1" smtClean="0">
+                                                  <a:rPr lang="pt-BR" i="1">
                                                     <a:latin typeface="Cambria Math" panose="02040503050406030204" pitchFamily="18" charset="0"/>
                                                     <a:ea typeface="Cambria Math" panose="02040503050406030204" pitchFamily="18" charset="0"/>
                                                   </a:rPr>
@@ -13759,7 +14113,7 @@
                                       <m:mr>
                                         <m:e>
                                           <m:r>
-                                            <a:rPr lang="pt-BR" i="1" smtClean="0">
+                                            <a:rPr lang="pt-BR" i="1">
                                               <a:latin typeface="Cambria Math" panose="02040503050406030204" pitchFamily="18" charset="0"/>
                                               <a:ea typeface="Cambria Math" panose="02040503050406030204" pitchFamily="18" charset="0"/>
                                             </a:rPr>
@@ -13770,7 +14124,7 @@
                                       <m:mr>
                                         <m:e>
                                           <m:r>
-                                            <a:rPr lang="pt-BR" i="1" smtClean="0">
+                                            <a:rPr lang="pt-BR" i="1">
                                               <a:latin typeface="Cambria Math" panose="02040503050406030204" pitchFamily="18" charset="0"/>
                                               <a:ea typeface="Cambria Math" panose="02040503050406030204" pitchFamily="18" charset="0"/>
                                             </a:rPr>
@@ -13795,7 +14149,7 @@
                                     </m:mc>
                                   </m:mcs>
                                   <m:ctrlPr>
-                                    <a:rPr lang="pt-BR" i="1" smtClean="0">
+                                    <a:rPr lang="pt-BR" i="1">
                                       <a:latin typeface="Cambria Math" panose="02040503050406030204" pitchFamily="18" charset="0"/>
                                       <a:ea typeface="Cambria Math" panose="02040503050406030204" pitchFamily="18" charset="0"/>
                                     </a:rPr>
@@ -13814,7 +14168,7 @@
                                           </m:mc>
                                         </m:mcs>
                                         <m:ctrlPr>
-                                          <a:rPr lang="pt-BR" i="1" smtClean="0">
+                                          <a:rPr lang="pt-BR" i="1">
                                             <a:latin typeface="Cambria Math" panose="02040503050406030204" pitchFamily="18" charset="0"/>
                                             <a:ea typeface="Cambria Math" panose="02040503050406030204" pitchFamily="18" charset="0"/>
                                           </a:rPr>
@@ -13826,7 +14180,7 @@
                                             <m:rPr>
                                               <m:brk m:alnAt="7"/>
                                             </m:rPr>
-                                            <a:rPr lang="pt-BR" b="0" i="1" smtClean="0">
+                                            <a:rPr lang="pt-BR" i="1">
                                               <a:latin typeface="Cambria Math" panose="02040503050406030204" pitchFamily="18" charset="0"/>
                                               <a:ea typeface="Cambria Math" panose="02040503050406030204" pitchFamily="18" charset="0"/>
                                             </a:rPr>
@@ -13837,7 +14191,7 @@
                                       <m:mr>
                                         <m:e>
                                           <m:r>
-                                            <a:rPr lang="pt-BR" b="0" i="1" smtClean="0">
+                                            <a:rPr lang="pt-BR" i="1">
                                               <a:latin typeface="Cambria Math" panose="02040503050406030204" pitchFamily="18" charset="0"/>
                                               <a:ea typeface="Cambria Math" panose="02040503050406030204" pitchFamily="18" charset="0"/>
                                             </a:rPr>
@@ -13851,7 +14205,7 @@
                                 <m:mr>
                                   <m:e>
                                     <m:r>
-                                      <a:rPr lang="pt-BR" i="1" smtClean="0">
+                                      <a:rPr lang="pt-BR" i="1">
                                         <a:latin typeface="Cambria Math" panose="02040503050406030204" pitchFamily="18" charset="0"/>
                                         <a:ea typeface="Cambria Math" panose="02040503050406030204" pitchFamily="18" charset="0"/>
                                       </a:rPr>
@@ -13862,7 +14216,7 @@
                                 <m:mr>
                                   <m:e>
                                     <m:r>
-                                      <a:rPr lang="pt-BR" b="0" i="1" smtClean="0">
+                                      <a:rPr lang="pt-BR" i="1">
                                         <a:latin typeface="Cambria Math" panose="02040503050406030204" pitchFamily="18" charset="0"/>
                                         <a:ea typeface="Cambria Math" panose="02040503050406030204" pitchFamily="18" charset="0"/>
                                       </a:rPr>
@@ -13881,6 +14235,10 @@
                 <a:endParaRPr lang="pt-BR" b="1" dirty="0"/>
               </a:p>
               <a:p>
+                <a:pPr lvl="1">
+                  <a:buFont typeface="Wingdings" panose="05000000000000000000" pitchFamily="2" charset="2"/>
+                  <a:buChar char="§"/>
+                </a:pPr>
                 <a:r>
                   <a:rPr lang="pt-BR" b="1" dirty="0"/>
                   <a:t>OBS.1</a:t>
@@ -13914,11 +14272,11 @@
                   <a:t>posto </a:t>
                 </a:r>
                 <a:r>
-                  <a:rPr lang="pt-BR" b="1" i="1" dirty="0" smtClean="0"/>
+                  <a:rPr lang="pt-BR" b="1" i="1" dirty="0"/>
                   <a:t>completo </a:t>
                 </a:r>
                 <a:r>
-                  <a:rPr lang="pt-BR" dirty="0" smtClean="0"/>
+                  <a:rPr lang="pt-BR" dirty="0"/>
                   <a:t>(i.e., matriz singular), </a:t>
                 </a:r>
                 <a:r>
@@ -13926,7 +14284,7 @@
                   <a:t>a inversa na </a:t>
                 </a:r>
                 <a:r>
-                  <a:rPr lang="pt-BR" dirty="0" smtClean="0"/>
+                  <a:rPr lang="pt-BR" dirty="0"/>
                   <a:t>equação </a:t>
                 </a:r>
                 <a:r>
@@ -13934,7 +14292,7 @@
                   <a:t>acima sempre </a:t>
                 </a:r>
                 <a:r>
-                  <a:rPr lang="pt-BR" dirty="0" smtClean="0"/>
+                  <a:rPr lang="pt-BR" dirty="0"/>
                   <a:t>existirá </a:t>
                 </a:r>
                 <a:r>
@@ -13950,7 +14308,7 @@
                   <a:t>à diagonal </a:t>
                 </a:r>
                 <a:r>
-                  <a:rPr lang="pt-BR" dirty="0" smtClean="0"/>
+                  <a:rPr lang="pt-BR" dirty="0"/>
                   <a:t>principal da matriz quadrada </a:t>
                 </a:r>
                 <a14:m>
@@ -13989,12 +14347,16 @@
                   </m:oMath>
                 </a14:m>
                 <a:r>
-                  <a:rPr lang="pt-BR" dirty="0" smtClean="0"/>
+                  <a:rPr lang="pt-BR" dirty="0"/>
                   <a:t>.</a:t>
                 </a:r>
                 <a:endParaRPr lang="pt-BR" dirty="0"/>
               </a:p>
               <a:p>
+                <a:pPr lvl="1">
+                  <a:buFont typeface="Wingdings" panose="05000000000000000000" pitchFamily="2" charset="2"/>
+                  <a:buChar char="§"/>
+                </a:pPr>
                 <a:r>
                   <a:rPr lang="pt-BR" b="1" dirty="0"/>
                   <a:t>OBS.2</a:t>
@@ -14004,7 +14366,7 @@
                   <a:t>: como a </a:t>
                 </a:r>
                 <a:r>
-                  <a:rPr lang="pt-BR" b="1" dirty="0"/>
+                  <a:rPr lang="pt-BR" b="1" i="1" dirty="0"/>
                   <a:t>norma L2 </a:t>
                 </a:r>
                 <a:r>
@@ -14012,7 +14374,7 @@
                   <a:t>é diferenciável, os problemas de aprendizagem usando a regularização de </a:t>
                 </a:r>
                 <a:r>
-                  <a:rPr lang="pt-BR" dirty="0" smtClean="0"/>
+                  <a:rPr lang="pt-BR" dirty="0"/>
                   <a:t>Ridge também </a:t>
                 </a:r>
                 <a:r>
@@ -14020,32 +14382,61 @@
                   <a:t>podem ser resolvidos iterativamente através do </a:t>
                 </a:r>
                 <a:r>
+                  <a:rPr lang="pt-BR" b="1" i="1" dirty="0"/>
+                  <a:t>algoritmo </a:t>
+                </a:r>
+                <a:r>
+                  <a:rPr lang="pt-BR" b="1" i="1" dirty="0"/>
+                  <a:t>do gradiente </a:t>
+                </a:r>
+                <a:r>
                   <a:rPr lang="pt-BR" b="1" i="1" dirty="0" smtClean="0"/>
-                  <a:t>algoritmo </a:t>
-                </a:r>
-                <a:r>
-                  <a:rPr lang="pt-BR" b="1" i="1" dirty="0"/>
-                  <a:t>do gradiente descendente</a:t>
-                </a:r>
-                <a:r>
-                  <a:rPr lang="pt-BR" dirty="0"/>
+                  <a:t>descendente</a:t>
+                </a:r>
+                <a:r>
+                  <a:rPr lang="pt-BR" dirty="0" smtClean="0"/>
                   <a:t>.</a:t>
                 </a:r>
               </a:p>
               <a:p>
-                <a:r>
-                  <a:rPr lang="pt-BR" b="1" dirty="0"/>
+                <a:pPr lvl="1">
+                  <a:buFont typeface="Wingdings" panose="05000000000000000000" pitchFamily="2" charset="2"/>
+                  <a:buChar char="§"/>
+                </a:pPr>
+                <a:r>
+                  <a:rPr lang="pt-BR" b="1" dirty="0" smtClean="0"/>
                   <a:t>OBS.3</a:t>
                 </a:r>
                 <a:r>
                   <a:rPr lang="pt-BR" dirty="0"/>
-                  <a:t>: o termo de regularização deve ser adicionado apenas à função de erro durante o treinamento. Depois que o modelo é treinado, a avaliação do desempenho do modelo não utiliza a regularização.</a:t>
-                </a:r>
+                  <a:t>: o </a:t>
+                </a:r>
+                <a:r>
+                  <a:rPr lang="pt-BR" b="1" i="1" dirty="0"/>
+                  <a:t>termo de regularização </a:t>
+                </a:r>
+                <a:r>
+                  <a:rPr lang="pt-BR" dirty="0"/>
+                  <a:t>deve ser adicionado apenas à função de erro durante o treinamento. Depois que o modelo é treinado, a avaliação </a:t>
+                </a:r>
+                <a:r>
+                  <a:rPr lang="pt-BR" dirty="0" smtClean="0"/>
+                  <a:t>do seu desempenho não </a:t>
+                </a:r>
+                <a:r>
+                  <a:rPr lang="pt-BR" dirty="0"/>
+                  <a:t>utiliza a regularização</a:t>
+                </a:r>
+                <a:r>
+                  <a:rPr lang="pt-BR" dirty="0" smtClean="0"/>
+                  <a:t>.</a:t>
+                </a:r>
+                <a:endParaRPr lang="pt-BR" dirty="0"/>
               </a:p>
             </p:txBody>
           </p:sp>
         </mc:Choice>
-        <mc:Fallback xmlns="">
+        <mc:Fallback>
           <p:sp>
             <p:nvSpPr>
               <p:cNvPr id="3" name="Content Placeholder 2"/>
@@ -14058,13 +14449,13 @@
             </p:nvSpPr>
             <p:spPr>
               <a:xfrm>
-                <a:off x="838199" y="1283110"/>
-                <a:ext cx="11103592" cy="5456903"/>
+                <a:off x="838200" y="1825624"/>
+                <a:ext cx="11156576" cy="5032375"/>
               </a:xfrm>
               <a:blipFill rotWithShape="0">
-                <a:blip r:embed="rId3"/>
+                <a:blip r:embed="rId2"/>
                 <a:stretch>
-                  <a:fillRect l="-714" t="-2567" r="-933" b="-1451"/>
+                  <a:fillRect l="-765" t="-2785" r="-273"/>
                 </a:stretch>
               </a:blipFill>
             </p:spPr>
@@ -14091,7 +14482,7 @@
         </p:nvSpPr>
         <p:spPr>
           <a:xfrm>
-            <a:off x="4555762" y="3119762"/>
+            <a:off x="4591622" y="3666614"/>
             <a:ext cx="679915" cy="485192"/>
           </a:xfrm>
           <a:prstGeom prst="rect">
@@ -14131,14 +14522,14 @@
       </p:sp>
       <p:cxnSp>
         <p:nvCxnSpPr>
-          <p:cNvPr id="6" name="Straight Arrow Connector 5"/>
+          <p:cNvPr id="5" name="Straight Arrow Connector 4"/>
           <p:cNvCxnSpPr/>
           <p:nvPr/>
         </p:nvCxnSpPr>
         <p:spPr>
           <a:xfrm flipH="1" flipV="1">
-            <a:off x="4895719" y="3604955"/>
-            <a:ext cx="4372972" cy="773081"/>
+            <a:off x="5271537" y="4151807"/>
+            <a:ext cx="3020816" cy="653275"/>
           </a:xfrm>
           <a:prstGeom prst="straightConnector1">
             <a:avLst/>
@@ -14168,20 +14559,13 @@
     </p:spTree>
     <p:extLst>
       <p:ext uri="{BB962C8B-B14F-4D97-AF65-F5344CB8AC3E}">
-        <p14:creationId xmlns:p14="http://schemas.microsoft.com/office/powerpoint/2010/main" val="3694992385"/>
+        <p14:creationId xmlns:p14="http://schemas.microsoft.com/office/powerpoint/2010/main" val="3648452961"/>
       </p:ext>
     </p:extLst>
   </p:cSld>
   <p:clrMapOvr>
     <a:masterClrMapping/>
   </p:clrMapOvr>
-  <p:timing>
-    <p:tnLst>
-      <p:par>
-        <p:cTn id="1" dur="indefinite" restart="never" nodeType="tmRoot"/>
-      </p:par>
-    </p:tnLst>
-  </p:timing>
 </p:sld>
 </file>
 
@@ -14237,8 +14621,8 @@
           </a:p>
         </p:txBody>
       </p:sp>
-      <mc:AlternateContent xmlns:mc="http://schemas.openxmlformats.org/markup-compatibility/2006" xmlns:a14="http://schemas.microsoft.com/office/drawing/2010/main">
-        <mc:Choice Requires="a14">
+      <mc:AlternateContent xmlns:mc="http://schemas.openxmlformats.org/markup-compatibility/2006">
+        <mc:Choice xmlns:a14="http://schemas.microsoft.com/office/drawing/2010/main" Requires="a14">
           <p:sp>
             <p:nvSpPr>
               <p:cNvPr id="11" name="Content Placeholder 2"/>
@@ -14262,18 +14646,193 @@
               <a:lstStyle/>
               <a:p>
                 <a:r>
+                  <a:rPr lang="pt-BR" dirty="0" smtClean="0"/>
+                  <a:t>Função observável: </a:t>
+                </a:r>
+                <a14:m>
+                  <m:oMath xmlns:m="http://schemas.openxmlformats.org/officeDocument/2006/math">
+                    <m:sSub>
+                      <m:sSubPr>
+                        <m:ctrlPr>
+                          <a:rPr lang="pt-BR" i="1">
+                            <a:latin typeface="Cambria Math" panose="02040503050406030204" pitchFamily="18" charset="0"/>
+                          </a:rPr>
+                        </m:ctrlPr>
+                      </m:sSubPr>
+                      <m:e>
+                        <m:r>
+                          <a:rPr lang="pt-BR" i="1">
+                            <a:latin typeface="Cambria Math" panose="02040503050406030204" pitchFamily="18" charset="0"/>
+                          </a:rPr>
+                          <m:t>𝑦</m:t>
+                        </m:r>
+                      </m:e>
+                      <m:sub>
+                        <m:r>
+                          <m:rPr>
+                            <m:sty m:val="p"/>
+                          </m:rPr>
+                          <a:rPr lang="pt-BR">
+                            <a:latin typeface="Cambria Math" panose="02040503050406030204" pitchFamily="18" charset="0"/>
+                          </a:rPr>
+                          <m:t>noisy</m:t>
+                        </m:r>
+                      </m:sub>
+                    </m:sSub>
+                    <m:r>
+                      <a:rPr lang="pt-BR" i="1">
+                        <a:latin typeface="Cambria Math" panose="02040503050406030204" pitchFamily="18" charset="0"/>
+                      </a:rPr>
+                      <m:t>=1+0.5</m:t>
+                    </m:r>
+                    <m:r>
+                      <a:rPr lang="pt-BR" i="1">
+                        <a:latin typeface="Cambria Math" panose="02040503050406030204" pitchFamily="18" charset="0"/>
+                      </a:rPr>
+                      <m:t>𝑥</m:t>
+                    </m:r>
+                    <m:r>
+                      <a:rPr lang="pt-BR" i="1">
+                        <a:latin typeface="Cambria Math" panose="02040503050406030204" pitchFamily="18" charset="0"/>
+                      </a:rPr>
+                      <m:t>+2</m:t>
+                    </m:r>
+                    <m:sSup>
+                      <m:sSupPr>
+                        <m:ctrlPr>
+                          <a:rPr lang="pt-BR" i="1">
+                            <a:latin typeface="Cambria Math" panose="02040503050406030204" pitchFamily="18" charset="0"/>
+                          </a:rPr>
+                        </m:ctrlPr>
+                      </m:sSupPr>
+                      <m:e>
+                        <m:r>
+                          <a:rPr lang="pt-BR" i="1">
+                            <a:latin typeface="Cambria Math" panose="02040503050406030204" pitchFamily="18" charset="0"/>
+                          </a:rPr>
+                          <m:t>𝑥</m:t>
+                        </m:r>
+                      </m:e>
+                      <m:sup>
+                        <m:r>
+                          <a:rPr lang="pt-BR" i="1">
+                            <a:latin typeface="Cambria Math" panose="02040503050406030204" pitchFamily="18" charset="0"/>
+                          </a:rPr>
+                          <m:t>2</m:t>
+                        </m:r>
+                      </m:sup>
+                    </m:sSup>
+                    <m:r>
+                      <a:rPr lang="pt-BR" i="1">
+                        <a:latin typeface="Cambria Math" panose="02040503050406030204" pitchFamily="18" charset="0"/>
+                      </a:rPr>
+                      <m:t>+</m:t>
+                    </m:r>
+                    <m:r>
+                      <a:rPr lang="pt-BR" i="1">
+                        <a:latin typeface="Cambria Math" panose="02040503050406030204" pitchFamily="18" charset="0"/>
+                      </a:rPr>
+                      <m:t>𝑤</m:t>
+                    </m:r>
+                  </m:oMath>
+                </a14:m>
+                <a:r>
                   <a:rPr lang="pt-BR" dirty="0"/>
-                  <a:t>Função hipótese polinomial de grau 15</a:t>
-                </a:r>
-                <a:r>
-                  <a:rPr lang="pt-BR" dirty="0" smtClean="0"/>
+                  <a:t>, onde </a:t>
+                </a:r>
+                <a14:m>
+                  <m:oMath xmlns:m="http://schemas.openxmlformats.org/officeDocument/2006/math">
+                    <m:r>
+                      <a:rPr lang="pt-BR" i="1">
+                        <a:latin typeface="Cambria Math" panose="02040503050406030204" pitchFamily="18" charset="0"/>
+                      </a:rPr>
+                      <m:t>𝑥</m:t>
+                    </m:r>
+                    <m:r>
+                      <a:rPr lang="pt-BR" i="1">
+                        <a:latin typeface="Cambria Math" panose="02040503050406030204" pitchFamily="18" charset="0"/>
+                      </a:rPr>
+                      <m:t> </m:t>
+                    </m:r>
+                    <m:r>
+                      <a:rPr lang="pt-BR" i="1">
+                        <a:latin typeface="Cambria Math" panose="02040503050406030204" pitchFamily="18" charset="0"/>
+                        <a:ea typeface="Cambria Math" panose="02040503050406030204" pitchFamily="18" charset="0"/>
+                      </a:rPr>
+                      <m:t>~ </m:t>
+                    </m:r>
+                    <m:r>
+                      <a:rPr lang="pt-BR" i="1">
+                        <a:latin typeface="Cambria Math" panose="02040503050406030204" pitchFamily="18" charset="0"/>
+                        <a:ea typeface="Cambria Math" panose="02040503050406030204" pitchFamily="18" charset="0"/>
+                      </a:rPr>
+                      <m:t>𝑈</m:t>
+                    </m:r>
+                    <m:r>
+                      <a:rPr lang="pt-BR" i="1">
+                        <a:latin typeface="Cambria Math" panose="02040503050406030204" pitchFamily="18" charset="0"/>
+                        <a:ea typeface="Cambria Math" panose="02040503050406030204" pitchFamily="18" charset="0"/>
+                      </a:rPr>
+                      <m:t>(−1,1)</m:t>
+                    </m:r>
+                  </m:oMath>
+                </a14:m>
+                <a:r>
+                  <a:rPr lang="pt-BR" dirty="0"/>
+                  <a:t> e </a:t>
+                </a:r>
+                <a14:m>
+                  <m:oMath xmlns:m="http://schemas.openxmlformats.org/officeDocument/2006/math">
+                    <m:r>
+                      <a:rPr lang="pt-BR" i="1">
+                        <a:latin typeface="Cambria Math" panose="02040503050406030204" pitchFamily="18" charset="0"/>
+                      </a:rPr>
+                      <m:t>𝑤</m:t>
+                    </m:r>
+                    <m:r>
+                      <a:rPr lang="pt-BR" i="1">
+                        <a:latin typeface="Cambria Math" panose="02040503050406030204" pitchFamily="18" charset="0"/>
+                      </a:rPr>
+                      <m:t> ~ </m:t>
+                    </m:r>
+                    <m:r>
+                      <a:rPr lang="pt-BR" i="1">
+                        <a:latin typeface="Cambria Math" panose="02040503050406030204" pitchFamily="18" charset="0"/>
+                        <a:ea typeface="Cambria Math" panose="02040503050406030204" pitchFamily="18" charset="0"/>
+                      </a:rPr>
+                      <m:t>𝑁</m:t>
+                    </m:r>
+                    <m:r>
+                      <a:rPr lang="pt-BR" i="1">
+                        <a:latin typeface="Cambria Math" panose="02040503050406030204" pitchFamily="18" charset="0"/>
+                        <a:ea typeface="Cambria Math" panose="02040503050406030204" pitchFamily="18" charset="0"/>
+                      </a:rPr>
+                      <m:t>(0,1)</m:t>
+                    </m:r>
+                  </m:oMath>
+                </a14:m>
+                <a:r>
+                  <a:rPr lang="pt-BR" dirty="0"/>
                   <a:t>.</a:t>
                 </a:r>
+                <a:endParaRPr lang="pt-BR" dirty="0" smtClean="0"/>
               </a:p>
               <a:p>
                 <a:r>
                   <a:rPr lang="pt-BR" dirty="0" smtClean="0"/>
-                  <a:t>Modelo treinado com 30 amostras geradas a partir de </a:t>
+                  <a:t>Função </a:t>
+                </a:r>
+                <a:r>
+                  <a:rPr lang="pt-BR" dirty="0"/>
+                  <a:t>hipótese polinomial de </a:t>
+                </a:r>
+                <a:r>
+                  <a:rPr lang="pt-BR" dirty="0" smtClean="0"/>
+                  <a:t>ordem 15 treinada </a:t>
+                </a:r>
+                <a:r>
+                  <a:rPr lang="pt-BR" dirty="0" smtClean="0"/>
+                  <a:t>com 30 amostras geradas a partir de </a:t>
                 </a:r>
                 <a14:m>
                   <m:oMath xmlns:m="http://schemas.openxmlformats.org/officeDocument/2006/math">
@@ -14305,149 +14864,13 @@
                         </m:r>
                       </m:sub>
                     </m:sSub>
-                    <m:r>
-                      <a:rPr lang="pt-BR" b="0" i="1" smtClean="0">
-                        <a:latin typeface="Cambria Math" panose="02040503050406030204" pitchFamily="18" charset="0"/>
-                      </a:rPr>
-                      <m:t>=1+0.5</m:t>
-                    </m:r>
-                    <m:r>
-                      <a:rPr lang="pt-BR" b="0" i="1" smtClean="0">
-                        <a:latin typeface="Cambria Math" panose="02040503050406030204" pitchFamily="18" charset="0"/>
-                      </a:rPr>
-                      <m:t>𝑥</m:t>
-                    </m:r>
-                    <m:r>
-                      <a:rPr lang="pt-BR" b="0" i="1" smtClean="0">
-                        <a:latin typeface="Cambria Math" panose="02040503050406030204" pitchFamily="18" charset="0"/>
-                      </a:rPr>
-                      <m:t>+2</m:t>
-                    </m:r>
-                    <m:sSup>
-                      <m:sSupPr>
-                        <m:ctrlPr>
-                          <a:rPr lang="pt-BR" b="0" i="1" smtClean="0">
-                            <a:latin typeface="Cambria Math" panose="02040503050406030204" pitchFamily="18" charset="0"/>
-                          </a:rPr>
-                        </m:ctrlPr>
-                      </m:sSupPr>
-                      <m:e>
-                        <m:r>
-                          <a:rPr lang="pt-BR" b="0" i="1" smtClean="0">
-                            <a:latin typeface="Cambria Math" panose="02040503050406030204" pitchFamily="18" charset="0"/>
-                          </a:rPr>
-                          <m:t>𝑥</m:t>
-                        </m:r>
-                      </m:e>
-                      <m:sup>
-                        <m:r>
-                          <a:rPr lang="pt-BR" b="0" i="1" smtClean="0">
-                            <a:latin typeface="Cambria Math" panose="02040503050406030204" pitchFamily="18" charset="0"/>
-                          </a:rPr>
-                          <m:t>2</m:t>
-                        </m:r>
-                      </m:sup>
-                    </m:sSup>
-                    <m:r>
-                      <a:rPr lang="pt-BR" b="0" i="1" smtClean="0">
-                        <a:latin typeface="Cambria Math" panose="02040503050406030204" pitchFamily="18" charset="0"/>
-                      </a:rPr>
-                      <m:t>+</m:t>
-                    </m:r>
-                    <m:r>
-                      <a:rPr lang="pt-BR" b="0" i="1" smtClean="0">
-                        <a:latin typeface="Cambria Math" panose="02040503050406030204" pitchFamily="18" charset="0"/>
-                      </a:rPr>
-                      <m:t>𝑤</m:t>
-                    </m:r>
                   </m:oMath>
                 </a14:m>
                 <a:r>
                   <a:rPr lang="pt-BR" dirty="0" smtClean="0"/>
-                  <a:t>, onde </a:t>
-                </a:r>
-                <a14:m>
-                  <m:oMath xmlns:m="http://schemas.openxmlformats.org/officeDocument/2006/math">
-                    <m:r>
-                      <a:rPr lang="pt-BR" i="1">
-                        <a:latin typeface="Cambria Math" panose="02040503050406030204" pitchFamily="18" charset="0"/>
-                      </a:rPr>
-                      <m:t>𝑥</m:t>
-                    </m:r>
-                    <m:r>
-                      <a:rPr lang="pt-BR" b="0" i="1" smtClean="0">
-                        <a:latin typeface="Cambria Math" panose="02040503050406030204" pitchFamily="18" charset="0"/>
-                      </a:rPr>
-                      <m:t> </m:t>
-                    </m:r>
-                    <m:r>
-                      <a:rPr lang="pt-BR" i="1" smtClean="0">
-                        <a:latin typeface="Cambria Math" panose="02040503050406030204" pitchFamily="18" charset="0"/>
-                        <a:ea typeface="Cambria Math" panose="02040503050406030204" pitchFamily="18" charset="0"/>
-                      </a:rPr>
-                      <m:t>~</m:t>
-                    </m:r>
-                    <m:r>
-                      <a:rPr lang="pt-BR" b="0" i="1" smtClean="0">
-                        <a:latin typeface="Cambria Math" panose="02040503050406030204" pitchFamily="18" charset="0"/>
-                        <a:ea typeface="Cambria Math" panose="02040503050406030204" pitchFamily="18" charset="0"/>
-                      </a:rPr>
-                      <m:t> </m:t>
-                    </m:r>
-                    <m:r>
-                      <a:rPr lang="pt-BR" b="0" i="1" smtClean="0">
-                        <a:latin typeface="Cambria Math" panose="02040503050406030204" pitchFamily="18" charset="0"/>
-                        <a:ea typeface="Cambria Math" panose="02040503050406030204" pitchFamily="18" charset="0"/>
-                      </a:rPr>
-                      <m:t>𝑈</m:t>
-                    </m:r>
-                    <m:r>
-                      <a:rPr lang="pt-BR" b="0" i="1" smtClean="0">
-                        <a:latin typeface="Cambria Math" panose="02040503050406030204" pitchFamily="18" charset="0"/>
-                        <a:ea typeface="Cambria Math" panose="02040503050406030204" pitchFamily="18" charset="0"/>
-                      </a:rPr>
-                      <m:t>(−1,1)</m:t>
-                    </m:r>
-                  </m:oMath>
-                </a14:m>
-                <a:r>
-                  <a:rPr lang="pt-BR" dirty="0" smtClean="0"/>
-                  <a:t> e </a:t>
-                </a:r>
-                <a14:m>
-                  <m:oMath xmlns:m="http://schemas.openxmlformats.org/officeDocument/2006/math">
-                    <m:r>
-                      <a:rPr lang="pt-BR" b="0" i="1" smtClean="0">
-                        <a:latin typeface="Cambria Math" panose="02040503050406030204" pitchFamily="18" charset="0"/>
-                      </a:rPr>
-                      <m:t>𝑤</m:t>
-                    </m:r>
-                    <m:r>
-                      <a:rPr lang="pt-BR" b="0" i="1" smtClean="0">
-                        <a:latin typeface="Cambria Math" panose="02040503050406030204" pitchFamily="18" charset="0"/>
-                      </a:rPr>
-                      <m:t> ~ </m:t>
-                    </m:r>
-                    <m:r>
-                      <a:rPr lang="pt-BR" b="0" i="1" smtClean="0">
-                        <a:latin typeface="Cambria Math" panose="02040503050406030204" pitchFamily="18" charset="0"/>
-                        <a:ea typeface="Cambria Math" panose="02040503050406030204" pitchFamily="18" charset="0"/>
-                      </a:rPr>
-                      <m:t>𝑁</m:t>
-                    </m:r>
-                    <m:r>
-                      <a:rPr lang="pt-BR" b="0" i="1" smtClean="0">
-                        <a:latin typeface="Cambria Math" panose="02040503050406030204" pitchFamily="18" charset="0"/>
-                        <a:ea typeface="Cambria Math" panose="02040503050406030204" pitchFamily="18" charset="0"/>
-                      </a:rPr>
-                      <m:t>(0,1)</m:t>
-                    </m:r>
-                  </m:oMath>
-                </a14:m>
-                <a:r>
-                  <a:rPr lang="pt-BR" dirty="0" smtClean="0"/>
-                  <a:t>. </a:t>
-                </a:r>
+                  <a:t>.</a:t>
+                </a:r>
+                <a:endParaRPr lang="pt-BR" dirty="0" smtClean="0"/>
               </a:p>
               <a:p>
                 <a:r>
@@ -14541,7 +14964,15 @@
                 </a:r>
                 <a:r>
                   <a:rPr lang="pt-BR" dirty="0"/>
-                  <a:t>todos os pesos acabarão muito próximos de zero e o resultado será uma linha reta que passa pela </a:t>
+                  <a:t>todos os pesos acabarão muito próximos de zero e o resultado será </a:t>
+                </a:r>
+                <a:r>
+                  <a:rPr lang="pt-BR" dirty="0" smtClean="0"/>
+                  <a:t>uma reta </a:t>
+                </a:r>
+                <a:r>
+                  <a:rPr lang="pt-BR" dirty="0"/>
+                  <a:t>que passa pela </a:t>
                 </a:r>
                 <a:r>
                   <a:rPr lang="pt-BR" b="1" i="1" dirty="0"/>
@@ -14694,7 +15125,7 @@
             </p:txBody>
           </p:sp>
         </mc:Choice>
-        <mc:Fallback xmlns="">
+        <mc:Fallback>
           <p:sp>
             <p:nvSpPr>
               <p:cNvPr id="11" name="Content Placeholder 2"/>
@@ -14713,7 +15144,7 @@
               <a:blipFill rotWithShape="0">
                 <a:blip r:embed="rId3"/>
                 <a:stretch>
-                  <a:fillRect l="-438" t="-3423" r="-164" b="-2703"/>
+                  <a:fillRect l="-438" t="-3063" r="-164"/>
                 </a:stretch>
               </a:blipFill>
             </p:spPr>
@@ -16095,6 +16526,83 @@
           </a:extLst>
         </p:spPr>
       </p:pic>
+      <p:sp>
+        <p:nvSpPr>
+          <p:cNvPr id="7" name="Rectangle 6"/>
+          <p:cNvSpPr/>
+          <p:nvPr/>
+        </p:nvSpPr>
+        <p:spPr>
+          <a:xfrm>
+            <a:off x="9159070" y="511661"/>
+            <a:ext cx="2369544" cy="830997"/>
+          </a:xfrm>
+          <a:prstGeom prst="rect">
+            <a:avLst/>
+          </a:prstGeom>
+        </p:spPr>
+        <p:txBody>
+          <a:bodyPr wrap="square">
+            <a:spAutoFit/>
+          </a:bodyPr>
+          <a:lstStyle/>
+          <a:p>
+            <a:r>
+              <a:rPr lang="pt-BR" sz="1200" b="1" dirty="0" smtClean="0"/>
+              <a:t>Região </a:t>
+            </a:r>
+            <a:r>
+              <a:rPr lang="pt-BR" sz="1200" b="1" dirty="0"/>
+              <a:t>de </a:t>
+            </a:r>
+            <a:r>
+              <a:rPr lang="pt-BR" sz="1200" b="1" dirty="0" smtClean="0"/>
+              <a:t>factibilidade</a:t>
+            </a:r>
+            <a:r>
+              <a:rPr lang="pt-BR" sz="1200" dirty="0" smtClean="0"/>
+              <a:t>: possíveis valores que os pesos podem assumir. A área do quadrado é dada pelo fator de regularização.</a:t>
+            </a:r>
+            <a:endParaRPr lang="pt-BR" sz="1200" dirty="0"/>
+          </a:p>
+        </p:txBody>
+      </p:sp>
+      <p:cxnSp>
+        <p:nvCxnSpPr>
+          <p:cNvPr id="8" name="Straight Arrow Connector 7"/>
+          <p:cNvCxnSpPr/>
+          <p:nvPr/>
+        </p:nvCxnSpPr>
+        <p:spPr>
+          <a:xfrm flipV="1">
+            <a:off x="8169922" y="927161"/>
+            <a:ext cx="1108549" cy="255340"/>
+          </a:xfrm>
+          <a:prstGeom prst="straightConnector1">
+            <a:avLst/>
+          </a:prstGeom>
+          <a:ln>
+            <a:solidFill>
+              <a:srgbClr val="FF0000"/>
+            </a:solidFill>
+            <a:tailEnd type="triangle"/>
+          </a:ln>
+        </p:spPr>
+        <p:style>
+          <a:lnRef idx="1">
+            <a:schemeClr val="accent1"/>
+          </a:lnRef>
+          <a:fillRef idx="0">
+            <a:schemeClr val="accent1"/>
+          </a:fillRef>
+          <a:effectRef idx="0">
+            <a:schemeClr val="accent1"/>
+          </a:effectRef>
+          <a:fontRef idx="minor">
+            <a:schemeClr val="tx1"/>
+          </a:fontRef>
+        </p:style>
+      </p:cxnSp>
     </p:spTree>
     <p:extLst>
       <p:ext uri="{BB962C8B-B14F-4D97-AF65-F5344CB8AC3E}">
@@ -16164,8 +16672,8 @@
           </a:p>
         </p:txBody>
       </p:sp>
-      <mc:AlternateContent xmlns:mc="http://schemas.openxmlformats.org/markup-compatibility/2006" xmlns:a14="http://schemas.microsoft.com/office/drawing/2010/main">
-        <mc:Choice Requires="a14">
+      <mc:AlternateContent xmlns:mc="http://schemas.openxmlformats.org/markup-compatibility/2006">
+        <mc:Choice xmlns:a14="http://schemas.microsoft.com/office/drawing/2010/main" Requires="a14">
           <p:sp>
             <p:nvSpPr>
               <p:cNvPr id="3" name="Content Placeholder 2"/>
@@ -16184,13 +16692,21 @@
             </p:spPr>
             <p:txBody>
               <a:bodyPr>
-                <a:normAutofit fontScale="70000" lnSpcReduction="20000"/>
+                <a:normAutofit fontScale="77500" lnSpcReduction="20000"/>
               </a:bodyPr>
               <a:lstStyle/>
               <a:p>
                 <a:r>
                   <a:rPr lang="pt-BR" dirty="0" smtClean="0"/>
-                  <a:t>Mesmas funções geradora e hipótese do exemplo anterior.</a:t>
+                  <a:t>Mesmas funções </a:t>
+                </a:r>
+                <a:r>
+                  <a:rPr lang="pt-BR" dirty="0" smtClean="0"/>
+                  <a:t>observável e </a:t>
+                </a:r>
+                <a:r>
+                  <a:rPr lang="pt-BR" dirty="0" smtClean="0"/>
+                  <a:t>hipótese do exemplo anterior.</a:t>
                 </a:r>
               </a:p>
               <a:p>
@@ -16237,6 +16753,10 @@
                 </a:r>
               </a:p>
               <a:p>
+                <a:pPr lvl="1">
+                  <a:buFont typeface="Wingdings" panose="05000000000000000000" pitchFamily="2" charset="2"/>
+                  <a:buChar char="§"/>
+                </a:pPr>
                 <a:r>
                   <a:rPr lang="pt-BR" dirty="0" smtClean="0"/>
                   <a:t>Ou seja, vários </a:t>
@@ -16259,8 +16779,13 @@
                 </a:r>
                 <a:r>
                   <a:rPr lang="pt-BR" dirty="0" smtClean="0"/>
-                  <a:t>, indicando que os atributos correspondentes são irrelevantes. </a:t>
-                </a:r>
+                  <a:t>, indicando que os atributos correspondentes são </a:t>
+                </a:r>
+                <a:r>
+                  <a:rPr lang="pt-BR" dirty="0" smtClean="0"/>
+                  <a:t>irrelevantes para o processo de regressão. </a:t>
+                </a:r>
+                <a:endParaRPr lang="pt-BR" dirty="0" smtClean="0"/>
               </a:p>
               <a:p>
                 <a:r>
@@ -16281,7 +16806,7 @@
                 </a:r>
                 <a:r>
                   <a:rPr lang="pt-BR" dirty="0" smtClean="0"/>
-                  <a:t>, </a:t>
+                  <a:t> </a:t>
                 </a:r>
                 <a:r>
                   <a:rPr lang="pt-BR" dirty="0"/>
@@ -16385,12 +16910,13 @@
                 </a14:m>
                 <a:r>
                   <a:rPr lang="pt-BR" dirty="0"/>
-                  <a:t>, o problema da minimização não possui solução em forma fechada</a:t>
+                  <a:t>, o problema da minimização não possui solução em forma </a:t>
                 </a:r>
                 <a:r>
                   <a:rPr lang="pt-BR" dirty="0" smtClean="0"/>
-                  <a:t>.</a:t>
-                </a:r>
+                  <a:t>fechada, mas pode ser implementada com o GD.</a:t>
+                </a:r>
+                <a:endParaRPr lang="pt-BR" dirty="0" smtClean="0"/>
               </a:p>
               <a:p>
                 <a:r>
@@ -16417,7 +16943,7 @@
             </p:txBody>
           </p:sp>
         </mc:Choice>
-        <mc:Fallback xmlns="">
+        <mc:Fallback>
           <p:sp>
             <p:nvSpPr>
               <p:cNvPr id="3" name="Content Placeholder 2"/>
@@ -16436,7 +16962,7 @@
               <a:blipFill rotWithShape="0">
                 <a:blip r:embed="rId3"/>
                 <a:stretch>
-                  <a:fillRect l="-435" t="-3381"/>
+                  <a:fillRect l="-599" t="-3737" r="-163" b="-534"/>
                 </a:stretch>
               </a:blipFill>
             </p:spPr>
@@ -16463,8 +16989,8 @@
         </p:nvSpPr>
         <p:spPr>
           <a:xfrm>
-            <a:off x="9282992" y="6519446"/>
-            <a:ext cx="2889958" cy="338554"/>
+            <a:off x="9613403" y="6550223"/>
+            <a:ext cx="2559547" cy="307777"/>
           </a:xfrm>
           <a:prstGeom prst="rect">
             <a:avLst/>
@@ -16477,18 +17003,18 @@
           <a:lstStyle/>
           <a:p>
             <a:r>
-              <a:rPr lang="pt-BR" sz="1600" dirty="0">
+              <a:rPr lang="pt-BR" sz="1400" dirty="0">
                 <a:hlinkClick r:id="rId4"/>
               </a:rPr>
               <a:t>Exemplo: </a:t>
             </a:r>
             <a:r>
-              <a:rPr lang="pt-BR" sz="1600" dirty="0" smtClean="0">
+              <a:rPr lang="pt-BR" sz="1400" dirty="0" smtClean="0">
                 <a:hlinkClick r:id="rId4"/>
               </a:rPr>
               <a:t>lasso_regression.ipynb</a:t>
             </a:r>
-            <a:endParaRPr lang="pt-BR" sz="1600" dirty="0"/>
+            <a:endParaRPr lang="pt-BR" sz="1400" dirty="0"/>
           </a:p>
         </p:txBody>
       </p:sp>
@@ -16833,8 +17359,8 @@
           </a:p>
         </p:txBody>
       </p:sp>
-      <mc:AlternateContent xmlns:mc="http://schemas.openxmlformats.org/markup-compatibility/2006" xmlns:a14="http://schemas.microsoft.com/office/drawing/2010/main">
-        <mc:Choice Requires="a14">
+      <mc:AlternateContent xmlns:mc="http://schemas.openxmlformats.org/markup-compatibility/2006">
+        <mc:Choice xmlns:a14="http://schemas.microsoft.com/office/drawing/2010/main" Requires="a14">
           <p:sp>
             <p:nvSpPr>
               <p:cNvPr id="8" name="Content Placeholder 2"/>
@@ -16848,7 +17374,7 @@
             <p:spPr>
               <a:xfrm>
                 <a:off x="465513" y="3474995"/>
-                <a:ext cx="11520626" cy="3521550"/>
+                <a:ext cx="11520626" cy="3383005"/>
               </a:xfrm>
             </p:spPr>
             <p:txBody>
@@ -16881,8 +17407,20 @@
                   <a:t>A figura mostra as </a:t>
                 </a:r>
                 <a:r>
+                  <a:rPr lang="pt-BR" b="1" i="1" dirty="0"/>
+                  <a:t>curvas de nível </a:t>
+                </a:r>
+                <a:r>
                   <a:rPr lang="pt-BR" dirty="0"/>
-                  <a:t>curvas de nível da função de erro de um problema de regressão linear, bem como as regiões do </a:t>
+                  <a:t>da função de erro de um problema de regressão </a:t>
+                </a:r>
+                <a:r>
+                  <a:rPr lang="pt-BR" dirty="0" smtClean="0"/>
+                  <a:t>linear e as </a:t>
+                </a:r>
+                <a:r>
+                  <a:rPr lang="pt-BR" dirty="0"/>
+                  <a:t>regiões do </a:t>
                 </a:r>
                 <a:r>
                   <a:rPr lang="pt-BR" b="1" i="1" dirty="0"/>
@@ -17099,7 +17637,7 @@
                 </a:r>
                 <a:r>
                   <a:rPr lang="pt-BR" dirty="0" smtClean="0"/>
-                  <a:t>aumenta </a:t>
+                  <a:t>aumentam </a:t>
                 </a:r>
                 <a:r>
                   <a:rPr lang="pt-BR" dirty="0"/>
@@ -17125,13 +17663,21 @@
                 </a:r>
                 <a:r>
                   <a:rPr lang="pt-BR" dirty="0" smtClean="0"/>
-                  <a:t> são os pontos que possuem um valor igual a 0 em alguma das dimensões (i.e., pesos).</a:t>
+                  <a:t> são os pontos que possuem </a:t>
+                </a:r>
+                <a:r>
+                  <a:rPr lang="pt-BR" dirty="0" smtClean="0"/>
+                  <a:t>valor </a:t>
+                </a:r>
+                <a:r>
+                  <a:rPr lang="pt-BR" dirty="0" smtClean="0"/>
+                  <a:t>igual a 0 em alguma das dimensões (i.e., pesos).</a:t>
                 </a:r>
               </a:p>
             </p:txBody>
           </p:sp>
         </mc:Choice>
-        <mc:Fallback xmlns="">
+        <mc:Fallback>
           <p:sp>
             <p:nvSpPr>
               <p:cNvPr id="8" name="Content Placeholder 2"/>
@@ -17145,12 +17691,12 @@
             <p:spPr>
               <a:xfrm>
                 <a:off x="465513" y="3474995"/>
-                <a:ext cx="11520626" cy="3521550"/>
+                <a:ext cx="11520626" cy="3383005"/>
               </a:xfrm>
               <a:blipFill rotWithShape="0">
                 <a:blip r:embed="rId3"/>
                 <a:stretch>
-                  <a:fillRect l="-688" t="-3287" r="-582"/>
+                  <a:fillRect l="-688" t="-3423" r="-106"/>
                 </a:stretch>
               </a:blipFill>
             </p:spPr>
@@ -17229,8 +17775,8 @@
           </a:p>
         </p:txBody>
       </p:sp>
-      <mc:AlternateContent xmlns:mc="http://schemas.openxmlformats.org/markup-compatibility/2006" xmlns:a14="http://schemas.microsoft.com/office/drawing/2010/main">
-        <mc:Choice Requires="a14">
+      <mc:AlternateContent xmlns:mc="http://schemas.openxmlformats.org/markup-compatibility/2006">
+        <mc:Choice xmlns:a14="http://schemas.microsoft.com/office/drawing/2010/main" Requires="a14">
           <p:sp>
             <p:nvSpPr>
               <p:cNvPr id="4" name="TextBox 3"/>
@@ -17297,14 +17843,26 @@
                 </a:pPr>
                 <a:r>
                   <a:rPr lang="pt-BR" dirty="0" smtClean="0"/>
-                  <a:t>A solução deve estar em algum lugar dentro do quadrado.</a:t>
+                  <a:t>A solução </a:t>
+                </a:r>
+                <a:r>
+                  <a:rPr lang="pt-BR" dirty="0" smtClean="0"/>
+                  <a:t>deve estar dentro </a:t>
+                </a:r>
+                <a:r>
+                  <a:rPr lang="pt-BR" dirty="0" smtClean="0"/>
+                  <a:t>do </a:t>
+                </a:r>
+                <a:r>
+                  <a:rPr lang="pt-BR" dirty="0" smtClean="0"/>
+                  <a:t>quadrado, o mais próximo do mínimo.</a:t>
                 </a:r>
                 <a:endParaRPr lang="pt-BR" dirty="0"/>
               </a:p>
             </p:txBody>
           </p:sp>
         </mc:Choice>
-        <mc:Fallback xmlns="">
+        <mc:Fallback>
           <p:sp>
             <p:nvSpPr>
               <p:cNvPr id="4" name="TextBox 3"/>
@@ -17324,7 +17882,7 @@
               <a:blipFill rotWithShape="0">
                 <a:blip r:embed="rId4"/>
                 <a:stretch>
-                  <a:fillRect l="-1188" t="-1319" r="-2574" b="-3166"/>
+                  <a:fillRect l="-1188" t="-1319" r="-2772" b="-3166"/>
                 </a:stretch>
               </a:blipFill>
             </p:spPr>
@@ -17343,8 +17901,8 @@
           </p:sp>
         </mc:Fallback>
       </mc:AlternateContent>
-      <mc:AlternateContent xmlns:mc="http://schemas.openxmlformats.org/markup-compatibility/2006" xmlns:a14="http://schemas.microsoft.com/office/drawing/2010/main">
-        <mc:Choice Requires="a14">
+      <mc:AlternateContent xmlns:mc="http://schemas.openxmlformats.org/markup-compatibility/2006">
+        <mc:Choice xmlns:a14="http://schemas.microsoft.com/office/drawing/2010/main" Requires="a14">
           <p:sp>
             <p:nvSpPr>
               <p:cNvPr id="10" name="TextBox 9"/>
@@ -17353,7 +17911,7 @@
             </p:nvSpPr>
             <p:spPr>
               <a:xfrm>
-                <a:off x="8737600" y="1034947"/>
+                <a:off x="8881508" y="899988"/>
                 <a:ext cx="3248539" cy="2308324"/>
               </a:xfrm>
               <a:prstGeom prst="rect">
@@ -17403,6 +17961,7 @@
                   <a:rPr lang="pt-BR" dirty="0" smtClean="0"/>
                   <a:t>. </a:t>
                 </a:r>
+                <a:endParaRPr lang="pt-BR" dirty="0" smtClean="0"/>
               </a:p>
               <a:p>
                 <a:pPr marL="285750" indent="-285750">
@@ -17410,23 +17969,27 @@
                   <a:buChar char="•"/>
                 </a:pPr>
                 <a:r>
+                  <a:rPr lang="pt-BR" dirty="0"/>
+                  <a:t>A solução deve estar dentro do </a:t>
+                </a:r>
+                <a:r>
                   <a:rPr lang="pt-BR" dirty="0" smtClean="0"/>
-                  <a:t>A </a:t>
+                  <a:t>círculo, o </a:t>
                 </a:r>
                 <a:r>
                   <a:rPr lang="pt-BR" dirty="0"/>
-                  <a:t>solução deve estar em algum lugar dentro </a:t>
+                  <a:t>mais próximo do mínimo</a:t>
                 </a:r>
                 <a:r>
                   <a:rPr lang="pt-BR" dirty="0" smtClean="0"/>
-                  <a:t>do círculo.</a:t>
+                  <a:t>.</a:t>
                 </a:r>
                 <a:endParaRPr lang="pt-BR" dirty="0"/>
               </a:p>
             </p:txBody>
           </p:sp>
         </mc:Choice>
-        <mc:Fallback xmlns="">
+        <mc:Fallback>
           <p:sp>
             <p:nvSpPr>
               <p:cNvPr id="10" name="TextBox 9"/>
@@ -17437,7 +18000,7 @@
             </p:nvSpPr>
             <p:spPr>
               <a:xfrm>
-                <a:off x="8737600" y="1034947"/>
+                <a:off x="8881508" y="899988"/>
                 <a:ext cx="3248539" cy="2308324"/>
               </a:xfrm>
               <a:prstGeom prst="rect">
@@ -17446,7 +18009,7 @@
               <a:blipFill rotWithShape="0">
                 <a:blip r:embed="rId5"/>
                 <a:stretch>
-                  <a:fillRect l="-1126" t="-1587" b="-3439"/>
+                  <a:fillRect l="-1313" t="-1587" r="-1689" b="-3439"/>
                 </a:stretch>
               </a:blipFill>
             </p:spPr>

--- a/slides/T319_Regressão_Linear (Parte VI).pptx
+++ b/slides/T319_Regressão_Linear (Parte VI).pptx
@@ -539,7 +539,7 @@
           <a:p>
             <a:fld id="{DAF0AF11-6A8A-4E64-94F5-26D4FBA2A01D}" type="datetimeFigureOut">
               <a:rPr lang="nl-BE" smtClean="0"/>
-              <a:t>3/12/2021</a:t>
+              <a:t>14/06/2022</a:t>
             </a:fld>
             <a:endParaRPr lang="nl-BE"/>
           </a:p>
@@ -698,7 +698,7 @@
           <a:p>
             <a:fld id="{DA8B99DF-01BC-492A-8CEF-4FD88D18DD9D}" type="slidenum">
               <a:rPr lang="nl-BE" smtClean="0"/>
-              <a:t>‹#›</a:t>
+              <a:t>‹nº›</a:t>
             </a:fld>
             <a:endParaRPr lang="nl-BE"/>
           </a:p>
@@ -1736,12 +1736,34 @@
             </a:r>
             <a:r>
               <a:rPr lang="pt-BR" dirty="0" smtClean="0"/>
-              <a:t>https://mybinder.org/v2/gh/zz4fap/t319_aprendizado_de_maquina/main?filepath=notebooks%2Fregression%2F</a:t>
+              <a:t>https://</a:t>
+            </a:r>
+            <a:r>
+              <a:rPr lang="pt-BR" dirty="0" smtClean="0"/>
+              <a:t>mybinder.org/v2/gh/zz4fap/t319_aprendizado_de_maquina/main?filepath=notebooks%2Fregression%2F</a:t>
             </a:r>
             <a:r>
               <a:rPr lang="pt-BR" sz="1200" dirty="0" smtClean="0"/>
               <a:t>early_stopv2.ipynb</a:t>
             </a:r>
+          </a:p>
+          <a:p>
+            <a:endParaRPr lang="pt-BR" sz="1200" dirty="0" smtClean="0"/>
+          </a:p>
+          <a:p>
+            <a:r>
+              <a:rPr lang="pt-BR" sz="1200" dirty="0" smtClean="0"/>
+              <a:t>Exemplo: </a:t>
+            </a:r>
+            <a:r>
+              <a:rPr lang="pt-BR" baseline="0" dirty="0" smtClean="0"/>
+              <a:t>https://colab.research.google.com/github/zz4fap/t319_aprendizado_de_maquina/blob/main/notebooks/regression/</a:t>
+            </a:r>
+            <a:r>
+              <a:rPr lang="pt-BR" sz="1200" dirty="0" smtClean="0"/>
+              <a:t>early_stopv2.ipynb</a:t>
+            </a:r>
+            <a:endParaRPr lang="pt-BR" sz="1200" dirty="0" smtClean="0"/>
           </a:p>
           <a:p>
             <a:endParaRPr lang="pt-BR" dirty="0" smtClean="0"/>
@@ -3852,8 +3874,47 @@
                 </a:r>
                 <a:r>
                   <a:rPr lang="pt-BR" dirty="0" smtClean="0"/>
-                  <a:t>https://mybinder.org/v2/gh/zz4fap/t319_aprendizado_de_maquina/main?filepath=notebooks%2Fregression%2Fridge_regression.ipynb</a:t>
-                </a:r>
+                  <a:t>https://</a:t>
+                </a:r>
+                <a:r>
+                  <a:rPr lang="pt-BR" dirty="0" smtClean="0"/>
+                  <a:t>mybinder.org/v2/gh/zz4fap/t319_aprendizado_de_maquina/main?filepath=notebooks%2Fregression%2Fridge_regression.ipynb</a:t>
+                </a:r>
+              </a:p>
+              <a:p>
+                <a:endParaRPr lang="pt-BR" dirty="0" smtClean="0"/>
+              </a:p>
+              <a:p>
+                <a:pPr marL="0" marR="0" lvl="0" indent="0" algn="l" defTabSz="914400" rtl="0" eaLnBrk="1" fontAlgn="auto" latinLnBrk="0" hangingPunct="1">
+                  <a:lnSpc>
+                    <a:spcPct val="100000"/>
+                  </a:lnSpc>
+                  <a:spcBef>
+                    <a:spcPts val="0"/>
+                  </a:spcBef>
+                  <a:spcAft>
+                    <a:spcPts val="0"/>
+                  </a:spcAft>
+                  <a:buClrTx/>
+                  <a:buSzTx/>
+                  <a:buFontTx/>
+                  <a:buNone/>
+                  <a:tabLst/>
+                  <a:defRPr/>
+                </a:pPr>
+                <a:r>
+                  <a:rPr lang="pt-BR" sz="1200" dirty="0" smtClean="0"/>
+                  <a:t>Exemplo: </a:t>
+                </a:r>
+                <a:r>
+                  <a:rPr lang="pt-BR" baseline="0" dirty="0" smtClean="0"/>
+                  <a:t>https://colab.research.google.com/github/zz4fap/t319_aprendizado_de_maquina/blob/main/notebooks/regression/</a:t>
+                </a:r>
+                <a:r>
+                  <a:rPr lang="pt-BR" dirty="0" smtClean="0"/>
+                  <a:t>ridge_regression.ipynb</a:t>
+                </a:r>
+                <a:endParaRPr lang="pt-BR" dirty="0" smtClean="0"/>
               </a:p>
               <a:p>
                 <a:endParaRPr lang="pt-BR" dirty="0" smtClean="0"/>
@@ -4246,12 +4307,87 @@
                 </a:r>
                 <a:r>
                   <a:rPr lang="pt-BR" dirty="0" smtClean="0"/>
-                  <a:t>https://mybinder.org/v2/gh/zz4fap/t319_aprendizado_de_maquina/main?filepath=notebooks%2Fregression%2F</a:t>
+                  <a:t>https://</a:t>
+                </a:r>
+                <a:r>
+                  <a:rPr lang="pt-BR" dirty="0" smtClean="0"/>
+                  <a:t>mybinder.org/v2/gh/zz4fap/t319_aprendizado_de_maquina/main?filepath=notebooks%2Fregression%2F</a:t>
                 </a:r>
                 <a:r>
                   <a:rPr lang="pt-BR" b="0" dirty="0" smtClean="0"/>
                   <a:t>lasso_regression.ipynb</a:t>
                 </a:r>
+              </a:p>
+              <a:p>
+                <a:pPr marL="0" marR="0" lvl="0" indent="0" algn="l" defTabSz="914400" rtl="0" eaLnBrk="1" fontAlgn="auto" latinLnBrk="0" hangingPunct="1">
+                  <a:lnSpc>
+                    <a:spcPct val="100000"/>
+                  </a:lnSpc>
+                  <a:spcBef>
+                    <a:spcPts val="0"/>
+                  </a:spcBef>
+                  <a:spcAft>
+                    <a:spcPts val="0"/>
+                  </a:spcAft>
+                  <a:buClrTx/>
+                  <a:buSzTx/>
+                  <a:buFontTx/>
+                  <a:buNone/>
+                  <a:tabLst/>
+                  <a:defRPr/>
+                </a:pPr>
+                <a:endParaRPr lang="pt-BR" b="0" dirty="0" smtClean="0"/>
+              </a:p>
+              <a:p>
+                <a:pPr marL="0" marR="0" lvl="0" indent="0" algn="l" defTabSz="914400" rtl="0" eaLnBrk="1" fontAlgn="auto" latinLnBrk="0" hangingPunct="1">
+                  <a:lnSpc>
+                    <a:spcPct val="100000"/>
+                  </a:lnSpc>
+                  <a:spcBef>
+                    <a:spcPts val="0"/>
+                  </a:spcBef>
+                  <a:spcAft>
+                    <a:spcPts val="0"/>
+                  </a:spcAft>
+                  <a:buClrTx/>
+                  <a:buSzTx/>
+                  <a:buFontTx/>
+                  <a:buNone/>
+                  <a:tabLst/>
+                  <a:defRPr/>
+                </a:pPr>
+                <a:r>
+                  <a:rPr lang="pt-BR" sz="1200" dirty="0" smtClean="0"/>
+                  <a:t>Exemplo: </a:t>
+                </a:r>
+                <a:r>
+                  <a:rPr lang="pt-BR" baseline="0" dirty="0" smtClean="0"/>
+                  <a:t>https://colab.research.google.com/github/zz4fap/t319_aprendizado_de_maquina/blob/main/notebooks/regression/</a:t>
+                </a:r>
+                <a:r>
+                  <a:rPr lang="pt-BR" b="0" dirty="0" smtClean="0"/>
+                  <a:t>lasso_regression.ipynb</a:t>
+                </a:r>
+                <a:endParaRPr lang="pt-BR" dirty="0" smtClean="0"/>
+              </a:p>
+              <a:p>
+                <a:pPr marL="0" marR="0" lvl="0" indent="0" algn="l" defTabSz="914400" rtl="0" eaLnBrk="1" fontAlgn="auto" latinLnBrk="0" hangingPunct="1">
+                  <a:lnSpc>
+                    <a:spcPct val="100000"/>
+                  </a:lnSpc>
+                  <a:spcBef>
+                    <a:spcPts val="0"/>
+                  </a:spcBef>
+                  <a:spcAft>
+                    <a:spcPts val="0"/>
+                  </a:spcAft>
+                  <a:buClrTx/>
+                  <a:buSzTx/>
+                  <a:buFontTx/>
+                  <a:buNone/>
+                  <a:tabLst/>
+                  <a:defRPr/>
+                </a:pPr>
                 <a:endParaRPr lang="pt-BR" dirty="0" smtClean="0"/>
               </a:p>
               <a:p>
@@ -5004,7 +5140,62 @@
                 </a:r>
                 <a:r>
                   <a:rPr lang="pt-BR" dirty="0" smtClean="0"/>
-                  <a:t>https://mybinder.org/v2/gh/zz4fap/t319_aprendizado_de_maquina/main?filepath=notebooks%2Fregression%2F</a:t>
+                  <a:t>https://</a:t>
+                </a:r>
+                <a:r>
+                  <a:rPr lang="pt-BR" dirty="0" smtClean="0"/>
+                  <a:t>mybinder.org/v2/gh/zz4fap/t319_aprendizado_de_maquina/main?filepath=notebooks%2Fregression%2F</a:t>
+                </a:r>
+                <a:r>
+                  <a:rPr lang="pt-BR" sz="1200" dirty="0" smtClean="0"/>
+                  <a:t>elastic_net_regression.ipynb</a:t>
+                </a:r>
+              </a:p>
+              <a:p>
+                <a:pPr marL="0" marR="0" lvl="0" indent="0" algn="l" defTabSz="914400" rtl="0" eaLnBrk="1" fontAlgn="auto" latinLnBrk="0" hangingPunct="1">
+                  <a:lnSpc>
+                    <a:spcPct val="100000"/>
+                  </a:lnSpc>
+                  <a:spcBef>
+                    <a:spcPts val="0"/>
+                  </a:spcBef>
+                  <a:spcAft>
+                    <a:spcPts val="0"/>
+                  </a:spcAft>
+                  <a:buClrTx/>
+                  <a:buSzTx/>
+                  <a:buFontTx/>
+                  <a:buNone/>
+                  <a:tabLst/>
+                  <a:defRPr/>
+                </a:pPr>
+                <a:endParaRPr lang="pt-BR" sz="1200" dirty="0" smtClean="0"/>
+              </a:p>
+              <a:p>
+                <a:pPr marL="0" marR="0" lvl="0" indent="0" algn="l" defTabSz="914400" rtl="0" eaLnBrk="1" fontAlgn="auto" latinLnBrk="0" hangingPunct="1">
+                  <a:lnSpc>
+                    <a:spcPct val="100000"/>
+                  </a:lnSpc>
+                  <a:spcBef>
+                    <a:spcPts val="0"/>
+                  </a:spcBef>
+                  <a:spcAft>
+                    <a:spcPts val="0"/>
+                  </a:spcAft>
+                  <a:buClrTx/>
+                  <a:buSzTx/>
+                  <a:buFontTx/>
+                  <a:buNone/>
+                  <a:tabLst/>
+                  <a:defRPr/>
+                </a:pPr>
+                <a:r>
+                  <a:rPr lang="pt-BR" sz="1200" dirty="0" smtClean="0"/>
+                  <a:t>Exemplo: </a:t>
+                </a:r>
+                <a:r>
+                  <a:rPr lang="pt-BR" baseline="0" dirty="0" smtClean="0"/>
+                  <a:t>https://colab.research.google.com/github/zz4fap/t319_aprendizado_de_maquina/blob/main/notebooks/regression/</a:t>
                 </a:r>
                 <a:r>
                   <a:rPr lang="pt-BR" sz="1200" dirty="0" smtClean="0"/>
@@ -5473,7 +5664,7 @@
           <a:p>
             <a:fld id="{C80E15A5-E95B-43EB-9AC7-9A96397448C0}" type="datetimeFigureOut">
               <a:rPr lang="nl-BE" smtClean="0"/>
-              <a:t>3/12/2021</a:t>
+              <a:t>14/06/2022</a:t>
             </a:fld>
             <a:endParaRPr lang="nl-BE"/>
           </a:p>
@@ -5515,7 +5706,7 @@
           <a:p>
             <a:fld id="{67C3C120-4544-49C4-A71C-C78FE5187513}" type="slidenum">
               <a:rPr lang="nl-BE" smtClean="0"/>
-              <a:t>‹#›</a:t>
+              <a:t>‹nº›</a:t>
             </a:fld>
             <a:endParaRPr lang="nl-BE"/>
           </a:p>
@@ -5643,7 +5834,7 @@
           <a:p>
             <a:fld id="{C80E15A5-E95B-43EB-9AC7-9A96397448C0}" type="datetimeFigureOut">
               <a:rPr lang="nl-BE" smtClean="0"/>
-              <a:t>3/12/2021</a:t>
+              <a:t>14/06/2022</a:t>
             </a:fld>
             <a:endParaRPr lang="nl-BE"/>
           </a:p>
@@ -5685,7 +5876,7 @@
           <a:p>
             <a:fld id="{67C3C120-4544-49C4-A71C-C78FE5187513}" type="slidenum">
               <a:rPr lang="nl-BE" smtClean="0"/>
-              <a:t>‹#›</a:t>
+              <a:t>‹nº›</a:t>
             </a:fld>
             <a:endParaRPr lang="nl-BE"/>
           </a:p>
@@ -5823,7 +6014,7 @@
           <a:p>
             <a:fld id="{C80E15A5-E95B-43EB-9AC7-9A96397448C0}" type="datetimeFigureOut">
               <a:rPr lang="nl-BE" smtClean="0"/>
-              <a:t>3/12/2021</a:t>
+              <a:t>14/06/2022</a:t>
             </a:fld>
             <a:endParaRPr lang="nl-BE"/>
           </a:p>
@@ -5865,7 +6056,7 @@
           <a:p>
             <a:fld id="{67C3C120-4544-49C4-A71C-C78FE5187513}" type="slidenum">
               <a:rPr lang="nl-BE" smtClean="0"/>
-              <a:t>‹#›</a:t>
+              <a:t>‹nº›</a:t>
             </a:fld>
             <a:endParaRPr lang="nl-BE"/>
           </a:p>
@@ -5993,7 +6184,7 @@
           <a:p>
             <a:fld id="{C80E15A5-E95B-43EB-9AC7-9A96397448C0}" type="datetimeFigureOut">
               <a:rPr lang="nl-BE" smtClean="0"/>
-              <a:t>3/12/2021</a:t>
+              <a:t>14/06/2022</a:t>
             </a:fld>
             <a:endParaRPr lang="nl-BE"/>
           </a:p>
@@ -6035,7 +6226,7 @@
           <a:p>
             <a:fld id="{67C3C120-4544-49C4-A71C-C78FE5187513}" type="slidenum">
               <a:rPr lang="nl-BE" smtClean="0"/>
-              <a:t>‹#›</a:t>
+              <a:t>‹nº›</a:t>
             </a:fld>
             <a:endParaRPr lang="nl-BE"/>
           </a:p>
@@ -6239,7 +6430,7 @@
           <a:p>
             <a:fld id="{C80E15A5-E95B-43EB-9AC7-9A96397448C0}" type="datetimeFigureOut">
               <a:rPr lang="nl-BE" smtClean="0"/>
-              <a:t>3/12/2021</a:t>
+              <a:t>14/06/2022</a:t>
             </a:fld>
             <a:endParaRPr lang="nl-BE"/>
           </a:p>
@@ -6281,7 +6472,7 @@
           <a:p>
             <a:fld id="{67C3C120-4544-49C4-A71C-C78FE5187513}" type="slidenum">
               <a:rPr lang="nl-BE" smtClean="0"/>
-              <a:t>‹#›</a:t>
+              <a:t>‹nº›</a:t>
             </a:fld>
             <a:endParaRPr lang="nl-BE"/>
           </a:p>
@@ -6471,7 +6662,7 @@
           <a:p>
             <a:fld id="{C80E15A5-E95B-43EB-9AC7-9A96397448C0}" type="datetimeFigureOut">
               <a:rPr lang="nl-BE" smtClean="0"/>
-              <a:t>3/12/2021</a:t>
+              <a:t>14/06/2022</a:t>
             </a:fld>
             <a:endParaRPr lang="nl-BE"/>
           </a:p>
@@ -6513,7 +6704,7 @@
           <a:p>
             <a:fld id="{67C3C120-4544-49C4-A71C-C78FE5187513}" type="slidenum">
               <a:rPr lang="nl-BE" smtClean="0"/>
-              <a:t>‹#›</a:t>
+              <a:t>‹nº›</a:t>
             </a:fld>
             <a:endParaRPr lang="nl-BE"/>
           </a:p>
@@ -6838,7 +7029,7 @@
           <a:p>
             <a:fld id="{C80E15A5-E95B-43EB-9AC7-9A96397448C0}" type="datetimeFigureOut">
               <a:rPr lang="nl-BE" smtClean="0"/>
-              <a:t>3/12/2021</a:t>
+              <a:t>14/06/2022</a:t>
             </a:fld>
             <a:endParaRPr lang="nl-BE"/>
           </a:p>
@@ -6880,7 +7071,7 @@
           <a:p>
             <a:fld id="{67C3C120-4544-49C4-A71C-C78FE5187513}" type="slidenum">
               <a:rPr lang="nl-BE" smtClean="0"/>
-              <a:t>‹#›</a:t>
+              <a:t>‹nº›</a:t>
             </a:fld>
             <a:endParaRPr lang="nl-BE"/>
           </a:p>
@@ -6956,7 +7147,7 @@
           <a:p>
             <a:fld id="{C80E15A5-E95B-43EB-9AC7-9A96397448C0}" type="datetimeFigureOut">
               <a:rPr lang="nl-BE" smtClean="0"/>
-              <a:t>3/12/2021</a:t>
+              <a:t>14/06/2022</a:t>
             </a:fld>
             <a:endParaRPr lang="nl-BE"/>
           </a:p>
@@ -6998,7 +7189,7 @@
           <a:p>
             <a:fld id="{67C3C120-4544-49C4-A71C-C78FE5187513}" type="slidenum">
               <a:rPr lang="nl-BE" smtClean="0"/>
-              <a:t>‹#›</a:t>
+              <a:t>‹nº›</a:t>
             </a:fld>
             <a:endParaRPr lang="nl-BE"/>
           </a:p>
@@ -7051,7 +7242,7 @@
           <a:p>
             <a:fld id="{C80E15A5-E95B-43EB-9AC7-9A96397448C0}" type="datetimeFigureOut">
               <a:rPr lang="nl-BE" smtClean="0"/>
-              <a:t>3/12/2021</a:t>
+              <a:t>14/06/2022</a:t>
             </a:fld>
             <a:endParaRPr lang="nl-BE"/>
           </a:p>
@@ -7093,7 +7284,7 @@
           <a:p>
             <a:fld id="{67C3C120-4544-49C4-A71C-C78FE5187513}" type="slidenum">
               <a:rPr lang="nl-BE" smtClean="0"/>
-              <a:t>‹#›</a:t>
+              <a:t>‹nº›</a:t>
             </a:fld>
             <a:endParaRPr lang="nl-BE"/>
           </a:p>
@@ -7328,7 +7519,7 @@
           <a:p>
             <a:fld id="{C80E15A5-E95B-43EB-9AC7-9A96397448C0}" type="datetimeFigureOut">
               <a:rPr lang="nl-BE" smtClean="0"/>
-              <a:t>3/12/2021</a:t>
+              <a:t>14/06/2022</a:t>
             </a:fld>
             <a:endParaRPr lang="nl-BE"/>
           </a:p>
@@ -7370,7 +7561,7 @@
           <a:p>
             <a:fld id="{67C3C120-4544-49C4-A71C-C78FE5187513}" type="slidenum">
               <a:rPr lang="nl-BE" smtClean="0"/>
-              <a:t>‹#›</a:t>
+              <a:t>‹nº›</a:t>
             </a:fld>
             <a:endParaRPr lang="nl-BE"/>
           </a:p>
@@ -7581,7 +7772,7 @@
           <a:p>
             <a:fld id="{C80E15A5-E95B-43EB-9AC7-9A96397448C0}" type="datetimeFigureOut">
               <a:rPr lang="nl-BE" smtClean="0"/>
-              <a:t>3/12/2021</a:t>
+              <a:t>14/06/2022</a:t>
             </a:fld>
             <a:endParaRPr lang="nl-BE"/>
           </a:p>
@@ -7623,7 +7814,7 @@
           <a:p>
             <a:fld id="{67C3C120-4544-49C4-A71C-C78FE5187513}" type="slidenum">
               <a:rPr lang="nl-BE" smtClean="0"/>
-              <a:t>‹#›</a:t>
+              <a:t>‹nº›</a:t>
             </a:fld>
             <a:endParaRPr lang="nl-BE"/>
           </a:p>
@@ -7794,7 +7985,7 @@
           <a:p>
             <a:fld id="{C80E15A5-E95B-43EB-9AC7-9A96397448C0}" type="datetimeFigureOut">
               <a:rPr lang="nl-BE" smtClean="0"/>
-              <a:t>3/12/2021</a:t>
+              <a:t>14/06/2022</a:t>
             </a:fld>
             <a:endParaRPr lang="nl-BE"/>
           </a:p>
@@ -7872,7 +8063,7 @@
           <a:p>
             <a:fld id="{67C3C120-4544-49C4-A71C-C78FE5187513}" type="slidenum">
               <a:rPr lang="nl-BE" smtClean="0"/>
-              <a:t>‹#›</a:t>
+              <a:t>‹nº›</a:t>
             </a:fld>
             <a:endParaRPr lang="nl-BE"/>
           </a:p>
@@ -8204,7 +8395,7 @@
           <p:cNvPr id="2" name="Título 1">
             <a:extLst>
               <a:ext uri="{FF2B5EF4-FFF2-40B4-BE49-F238E27FC236}">
-                <a16:creationId xmlns="" xmlns:a16="http://schemas.microsoft.com/office/drawing/2014/main" id="{32666AC8-2E17-4DB4-B0F5-60C640CCFD2E}"/>
+                <a16:creationId xmlns:a16="http://schemas.microsoft.com/office/drawing/2014/main" xmlns="" id="{32666AC8-2E17-4DB4-B0F5-60C640CCFD2E}"/>
               </a:ext>
             </a:extLst>
           </p:cNvPr>
@@ -8259,7 +8450,7 @@
           <p:cNvPr id="4" name="CaixaDeTexto 3">
             <a:extLst>
               <a:ext uri="{FF2B5EF4-FFF2-40B4-BE49-F238E27FC236}">
-                <a16:creationId xmlns="" xmlns:a16="http://schemas.microsoft.com/office/drawing/2014/main" id="{430EB894-B7D4-434C-9D1A-A14094D9BEEC}"/>
+                <a16:creationId xmlns:a16="http://schemas.microsoft.com/office/drawing/2014/main" xmlns="" id="{430EB894-B7D4-434C-9D1A-A14094D9BEEC}"/>
               </a:ext>
             </a:extLst>
           </p:cNvPr>
@@ -8300,7 +8491,7 @@
           <p:cNvPr id="1026" name="Picture 2" descr="Logo">
             <a:extLst>
               <a:ext uri="{FF2B5EF4-FFF2-40B4-BE49-F238E27FC236}">
-                <a16:creationId xmlns="" xmlns:a16="http://schemas.microsoft.com/office/drawing/2014/main" id="{3F2642E0-4F6A-4196-8F58-E77D36E9A33F}"/>
+                <a16:creationId xmlns:a16="http://schemas.microsoft.com/office/drawing/2014/main" xmlns="" id="{3F2642E0-4F6A-4196-8F58-E77D36E9A33F}"/>
               </a:ext>
             </a:extLst>
           </p:cNvPr>
@@ -8345,7 +8536,7 @@
           <p:cNvPr id="5122" name="Picture 2" descr="Image result for machine learning">
             <a:extLst>
               <a:ext uri="{FF2B5EF4-FFF2-40B4-BE49-F238E27FC236}">
-                <a16:creationId xmlns="" xmlns:a16="http://schemas.microsoft.com/office/drawing/2014/main" id="{810CE0A2-4102-44A6-A370-175E7896CDCB}"/>
+                <a16:creationId xmlns:a16="http://schemas.microsoft.com/office/drawing/2014/main" xmlns="" id="{810CE0A2-4102-44A6-A370-175E7896CDCB}"/>
               </a:ext>
             </a:extLst>
           </p:cNvPr>
@@ -8442,8 +8633,8 @@
           </a:p>
         </p:txBody>
       </p:sp>
-      <mc:AlternateContent xmlns:mc="http://schemas.openxmlformats.org/markup-compatibility/2006">
-        <mc:Choice xmlns:a14="http://schemas.microsoft.com/office/drawing/2010/main" Requires="a14">
+      <mc:AlternateContent xmlns:mc="http://schemas.openxmlformats.org/markup-compatibility/2006" xmlns:a14="http://schemas.microsoft.com/office/drawing/2010/main">
+        <mc:Choice Requires="a14">
           <p:sp>
             <p:nvSpPr>
               <p:cNvPr id="3" name="Content Placeholder 2"/>
@@ -8486,11 +8677,7 @@
               <a:p>
                 <a:r>
                   <a:rPr lang="pt-BR" dirty="0" smtClean="0"/>
-                  <a:t>É uma </a:t>
-                </a:r>
-                <a:r>
-                  <a:rPr lang="pt-BR" dirty="0" smtClean="0"/>
-                  <a:t>combinação linear entre </a:t>
+                  <a:t>É uma combinação linear entre </a:t>
                 </a:r>
                 <a:r>
                   <a:rPr lang="pt-BR" dirty="0"/>
@@ -8833,15 +9020,7 @@
                 </a14:m>
                 <a:r>
                   <a:rPr lang="pt-BR" dirty="0" smtClean="0"/>
-                  <a:t> é o termo de mistura ou parâmetro de elasticidade</a:t>
-                </a:r>
-                <a:r>
-                  <a:rPr lang="pt-BR" dirty="0" smtClean="0"/>
-                  <a:t> entre </a:t>
-                </a:r>
-                <a:r>
-                  <a:rPr lang="pt-BR" dirty="0" smtClean="0"/>
-                  <a:t>as duas normas.</a:t>
+                  <a:t> é o termo de mistura ou parâmetro de elasticidade entre as duas normas.</a:t>
                 </a:r>
                 <a:endParaRPr lang="pt-BR" dirty="0"/>
               </a:p>
@@ -8871,11 +9050,7 @@
                 </a:r>
                 <a:r>
                   <a:rPr lang="pt-BR" dirty="0"/>
-                  <a:t> é equivalente </a:t>
-                </a:r>
-                <a:r>
-                  <a:rPr lang="pt-BR" dirty="0"/>
-                  <a:t>a </a:t>
+                  <a:t> é equivalente a </a:t>
                 </a:r>
                 <a:r>
                   <a:rPr lang="pt-BR" dirty="0" smtClean="0"/>
@@ -8883,11 +9058,7 @@
                 </a:r>
                 <a:r>
                   <a:rPr lang="pt-BR" dirty="0"/>
-                  <a:t>Ridge </a:t>
-                </a:r>
-                <a:r>
-                  <a:rPr lang="pt-BR" dirty="0"/>
-                  <a:t>e quando </a:t>
+                  <a:t>Ridge e quando </a:t>
                 </a:r>
                 <a14:m>
                   <m:oMath xmlns:m="http://schemas.openxmlformats.org/officeDocument/2006/math">
@@ -8984,7 +9155,7 @@
             </p:txBody>
           </p:sp>
         </mc:Choice>
-        <mc:Fallback>
+        <mc:Fallback xmlns="">
           <p:sp>
             <p:nvSpPr>
               <p:cNvPr id="3" name="Content Placeholder 2"/>
@@ -9240,8 +9411,8 @@
           </a:p>
         </p:txBody>
       </p:sp>
-      <mc:AlternateContent xmlns:mc="http://schemas.openxmlformats.org/markup-compatibility/2006">
-        <mc:Choice xmlns:a14="http://schemas.microsoft.com/office/drawing/2010/main" Requires="a14">
+      <mc:AlternateContent xmlns:mc="http://schemas.openxmlformats.org/markup-compatibility/2006" xmlns:a14="http://schemas.microsoft.com/office/drawing/2010/main">
+        <mc:Choice Requires="a14">
           <p:sp>
             <p:nvSpPr>
               <p:cNvPr id="3" name="Content Placeholder 2"/>
@@ -9266,11 +9437,7 @@
               <a:p>
                 <a:r>
                   <a:rPr lang="pt-BR" b="1" dirty="0" smtClean="0"/>
-                  <a:t>Regressão de </a:t>
-                </a:r>
-                <a:r>
-                  <a:rPr lang="pt-BR" b="1" dirty="0" smtClean="0"/>
-                  <a:t>Ridge</a:t>
+                  <a:t>Regressão de Ridge</a:t>
                 </a:r>
                 <a:r>
                   <a:rPr lang="pt-BR" dirty="0" smtClean="0"/>
@@ -9350,11 +9517,7 @@
                 </a14:m>
                 <a:r>
                   <a:rPr lang="pt-BR" dirty="0" smtClean="0"/>
-                  <a:t>, </a:t>
-                </a:r>
-                <a:r>
-                  <a:rPr lang="pt-BR" dirty="0" smtClean="0"/>
-                  <a:t>for </a:t>
+                  <a:t>, for </a:t>
                 </a:r>
                 <a:r>
                   <a:rPr lang="pt-BR" dirty="0"/>
@@ -9468,7 +9631,7 @@
             </p:txBody>
           </p:sp>
         </mc:Choice>
-        <mc:Fallback>
+        <mc:Fallback xmlns="">
           <p:sp>
             <p:nvSpPr>
               <p:cNvPr id="3" name="Content Placeholder 2"/>
@@ -10151,8 +10314,8 @@
           </a:prstGeom>
         </p:spPr>
       </p:pic>
-      <mc:AlternateContent xmlns:mc="http://schemas.openxmlformats.org/markup-compatibility/2006">
-        <mc:Choice xmlns:a14="http://schemas.microsoft.com/office/drawing/2010/main" Requires="a14">
+      <mc:AlternateContent xmlns:mc="http://schemas.openxmlformats.org/markup-compatibility/2006" xmlns:a14="http://schemas.microsoft.com/office/drawing/2010/main">
+        <mc:Choice Requires="a14">
           <p:sp>
             <p:nvSpPr>
               <p:cNvPr id="5" name="TextBox 4"/>
@@ -10391,7 +10554,7 @@
             </p:txBody>
           </p:sp>
         </mc:Choice>
-        <mc:Fallback>
+        <mc:Fallback xmlns="">
           <p:sp>
             <p:nvSpPr>
               <p:cNvPr id="5" name="TextBox 4"/>
@@ -10556,7 +10719,6 @@
               <a:rPr lang="pt-BR" dirty="0" smtClean="0"/>
               <a:t>.</a:t>
             </a:r>
-            <a:endParaRPr lang="pt-BR" dirty="0" smtClean="0"/>
           </a:p>
           <a:p>
             <a:pPr lvl="1"/>
@@ -10627,11 +10789,6 @@
               </a:rPr>
               <a:t>Teams (12/12/2021). </a:t>
             </a:r>
-            <a:endParaRPr lang="pt-BR" b="1" dirty="0" smtClean="0">
-              <a:solidFill>
-                <a:srgbClr val="FF0000"/>
-              </a:solidFill>
-            </a:endParaRPr>
           </a:p>
           <a:p>
             <a:pPr lvl="1"/>
@@ -10723,7 +10880,7 @@
           <p:cNvPr id="4" name="Título 1">
             <a:extLst>
               <a:ext uri="{FF2B5EF4-FFF2-40B4-BE49-F238E27FC236}">
-                <a16:creationId xmlns="" xmlns:a16="http://schemas.microsoft.com/office/drawing/2014/main" id="{32666AC8-2E17-4DB4-B0F5-60C640CCFD2E}"/>
+                <a16:creationId xmlns:a16="http://schemas.microsoft.com/office/drawing/2014/main" xmlns="" id="{32666AC8-2E17-4DB4-B0F5-60C640CCFD2E}"/>
               </a:ext>
             </a:extLst>
           </p:cNvPr>
@@ -11215,7 +11372,6 @@
               <a:rPr lang="pt-BR" dirty="0" smtClean="0"/>
               <a:t>.</a:t>
             </a:r>
-            <a:endParaRPr lang="pt-BR" dirty="0" smtClean="0"/>
           </a:p>
           <a:p>
             <a:r>
@@ -11224,19 +11380,11 @@
             </a:r>
             <a:r>
               <a:rPr lang="pt-BR" b="1" i="1" dirty="0" smtClean="0"/>
-              <a:t>em uma única </a:t>
-            </a:r>
-            <a:r>
-              <a:rPr lang="pt-BR" b="1" i="1" dirty="0" smtClean="0"/>
-              <a:t>função de erro</a:t>
+              <a:t>em uma única função de erro</a:t>
             </a:r>
             <a:r>
               <a:rPr lang="pt-BR" dirty="0" smtClean="0"/>
-              <a:t>, </a:t>
-            </a:r>
-            <a:r>
-              <a:rPr lang="pt-BR" dirty="0" smtClean="0"/>
-              <a:t>possibilitando que encontremos a melhor hipótese de uma só vez.</a:t>
+              <a:t>, possibilitando que encontremos a melhor hipótese de uma só vez.</a:t>
             </a:r>
           </a:p>
           <a:p>
@@ -11418,11 +11566,7 @@
             </a:r>
             <a:r>
               <a:rPr lang="pt-BR" dirty="0" smtClean="0"/>
-              <a:t> </a:t>
-            </a:r>
-            <a:r>
-              <a:rPr lang="pt-BR" dirty="0" smtClean="0"/>
-              <a:t>complexas.</a:t>
+              <a:t> complexas.</a:t>
             </a:r>
           </a:p>
           <a:p>
@@ -11496,7 +11640,6 @@
               <a:rPr lang="pt-BR" dirty="0" smtClean="0"/>
               <a:t> aos dados de treinamento.</a:t>
             </a:r>
-            <a:endParaRPr lang="pt-BR" dirty="0" smtClean="0"/>
           </a:p>
           <a:p>
             <a:r>
@@ -11517,15 +11660,7 @@
             </a:r>
             <a:r>
               <a:rPr lang="pt-BR" dirty="0" smtClean="0"/>
-              <a:t>proporcionais </a:t>
-            </a:r>
-            <a:r>
-              <a:rPr lang="pt-BR" dirty="0" smtClean="0"/>
-              <a:t>a </a:t>
-            </a:r>
-            <a:r>
-              <a:rPr lang="pt-BR" dirty="0" smtClean="0"/>
-              <a:t>alguma </a:t>
+              <a:t>proporcionais a alguma </a:t>
             </a:r>
             <a:r>
               <a:rPr lang="pt-BR" b="1" i="1" dirty="0"/>
@@ -11691,8 +11826,8 @@
           </a:p>
         </p:txBody>
       </p:sp>
-      <mc:AlternateContent xmlns:mc="http://schemas.openxmlformats.org/markup-compatibility/2006">
-        <mc:Choice xmlns:a14="http://schemas.microsoft.com/office/drawing/2010/main" Requires="a14">
+      <mc:AlternateContent xmlns:mc="http://schemas.openxmlformats.org/markup-compatibility/2006" xmlns:a14="http://schemas.microsoft.com/office/drawing/2010/main">
+        <mc:Choice Requires="a14">
           <p:sp>
             <p:nvSpPr>
               <p:cNvPr id="3" name="Content Placeholder 2"/>
@@ -12526,11 +12661,7 @@
                 </a14:m>
                 <a:r>
                   <a:rPr lang="pt-BR" dirty="0" smtClean="0"/>
-                  <a:t> altera a complexidade (ou seja, a flexibilidade) da função hipótese</a:t>
-                </a:r>
-                <a:r>
-                  <a:rPr lang="pt-BR" dirty="0" smtClean="0"/>
-                  <a:t>.</a:t>
+                  <a:t> altera a complexidade (ou seja, a flexibilidade) da função hipótese.</a:t>
                 </a:r>
               </a:p>
               <a:p>
@@ -12650,7 +12781,7 @@
             </p:txBody>
           </p:sp>
         </mc:Choice>
-        <mc:Fallback>
+        <mc:Fallback xmlns="">
           <p:sp>
             <p:nvSpPr>
               <p:cNvPr id="3" name="Content Placeholder 2"/>
@@ -13385,8 +13516,8 @@
           </a:p>
         </p:txBody>
       </p:sp>
-      <mc:AlternateContent xmlns:mc="http://schemas.openxmlformats.org/markup-compatibility/2006">
-        <mc:Choice xmlns:a14="http://schemas.microsoft.com/office/drawing/2010/main" Requires="a14">
+      <mc:AlternateContent xmlns:mc="http://schemas.openxmlformats.org/markup-compatibility/2006" xmlns:a14="http://schemas.microsoft.com/office/drawing/2010/main">
+        <mc:Choice Requires="a14">
           <p:sp>
             <p:nvSpPr>
               <p:cNvPr id="3" name="Content Placeholder 2"/>
@@ -13415,11 +13546,7 @@
                 </a:r>
                 <a:r>
                   <a:rPr lang="pt-BR" b="1" i="1" dirty="0"/>
-                  <a:t>equação </a:t>
-                </a:r>
-                <a:r>
-                  <a:rPr lang="pt-BR" b="1" i="1" dirty="0"/>
-                  <a:t>de erro regularizado</a:t>
+                  <a:t>equação de erro regularizado</a:t>
                 </a:r>
                 <a:r>
                   <a:rPr lang="pt-BR" dirty="0"/>
@@ -13550,51 +13677,22 @@
                 </a14:m>
                 <a:r>
                   <a:rPr lang="pt-BR" dirty="0"/>
-                  <a:t>, </a:t>
-                </a:r>
-                <a:r>
-                  <a:rPr lang="pt-BR" dirty="0"/>
-                  <a:t>continua sendo quadrática com relação aos </a:t>
-                </a:r>
-                <a:r>
-                  <a:rPr lang="pt-BR" dirty="0"/>
-                  <a:t>pesos, e portanto, a </a:t>
-                </a:r>
-                <a:r>
-                  <a:rPr lang="pt-BR" dirty="0"/>
-                  <a:t>superfície de erro continua </a:t>
-                </a:r>
-                <a:r>
-                  <a:rPr lang="pt-BR" dirty="0"/>
-                  <a:t>sendo convexa</a:t>
-                </a:r>
-                <a:r>
-                  <a:rPr lang="pt-BR" dirty="0"/>
-                  <a:t>.</a:t>
+                  <a:t>, continua sendo quadrática com relação aos pesos, e portanto, a superfície de erro continua sendo convexa.</a:t>
                 </a:r>
               </a:p>
               <a:p>
                 <a:r>
                   <a:rPr lang="pt-BR" dirty="0"/>
-                  <a:t>Desta forma, encontramos uma </a:t>
-                </a:r>
-                <a:r>
-                  <a:rPr lang="pt-BR" dirty="0"/>
-                  <a:t>solução de forma fechada seguindo o mesmo procedimento que usamos para encontrar a </a:t>
+                  <a:t>Desta forma, encontramos uma solução de forma fechada seguindo o mesmo procedimento que usamos para encontrar a </a:t>
                 </a:r>
                 <a:r>
                   <a:rPr lang="pt-BR" b="1" i="1" dirty="0"/>
-                  <a:t>equação </a:t>
-                </a:r>
-                <a:r>
-                  <a:rPr lang="pt-BR" b="1" i="1" dirty="0"/>
-                  <a:t>normal</a:t>
+                  <a:t>equação normal</a:t>
                 </a:r>
                 <a:r>
                   <a:rPr lang="pt-BR" dirty="0"/>
                   <a:t>:</a:t>
                 </a:r>
-                <a:endParaRPr lang="pt-BR" dirty="0"/>
               </a:p>
               <a:p>
                 <a:pPr marL="0" indent="0" algn="ctr">
@@ -14269,35 +14367,11 @@
                 </a:r>
                 <a:r>
                   <a:rPr lang="pt-BR" b="1" i="1" dirty="0"/>
-                  <a:t>posto </a:t>
-                </a:r>
-                <a:r>
-                  <a:rPr lang="pt-BR" b="1" i="1" dirty="0"/>
-                  <a:t>completo </a:t>
+                  <a:t>posto completo </a:t>
                 </a:r>
                 <a:r>
                   <a:rPr lang="pt-BR" dirty="0"/>
-                  <a:t>(i.e., matriz singular), </a:t>
-                </a:r>
-                <a:r>
-                  <a:rPr lang="pt-BR" dirty="0"/>
-                  <a:t>a inversa na </a:t>
-                </a:r>
-                <a:r>
-                  <a:rPr lang="pt-BR" dirty="0"/>
-                  <a:t>equação </a:t>
-                </a:r>
-                <a:r>
-                  <a:rPr lang="pt-BR" dirty="0"/>
-                  <a:t>acima sempre </a:t>
-                </a:r>
-                <a:r>
-                  <a:rPr lang="pt-BR" dirty="0"/>
-                  <a:t>existirá </a:t>
-                </a:r>
-                <a:r>
-                  <a:rPr lang="pt-BR" dirty="0"/>
-                  <a:t>por conta da adição do </a:t>
+                  <a:t>(i.e., matriz singular), a inversa na equação acima sempre existirá por conta da adição do </a:t>
                 </a:r>
                 <a:r>
                   <a:rPr lang="pt-BR" b="1" i="1" dirty="0"/>
@@ -14305,11 +14379,7 @@
                 </a:r>
                 <a:r>
                   <a:rPr lang="pt-BR" dirty="0"/>
-                  <a:t>à diagonal </a:t>
-                </a:r>
-                <a:r>
-                  <a:rPr lang="pt-BR" dirty="0"/>
-                  <a:t>principal da matriz quadrada </a:t>
+                  <a:t>à diagonal principal da matriz quadrada </a:t>
                 </a:r>
                 <a14:m>
                   <m:oMath xmlns:m="http://schemas.openxmlformats.org/officeDocument/2006/math">
@@ -14350,7 +14420,6 @@
                   <a:rPr lang="pt-BR" dirty="0"/>
                   <a:t>.</a:t>
                 </a:r>
-                <a:endParaRPr lang="pt-BR" dirty="0"/>
               </a:p>
               <a:p>
                 <a:pPr lvl="1">
@@ -14371,23 +14440,11 @@
                 </a:r>
                 <a:r>
                   <a:rPr lang="pt-BR" dirty="0"/>
-                  <a:t>é diferenciável, os problemas de aprendizagem usando a regularização de </a:t>
-                </a:r>
-                <a:r>
-                  <a:rPr lang="pt-BR" dirty="0"/>
-                  <a:t>Ridge também </a:t>
-                </a:r>
-                <a:r>
-                  <a:rPr lang="pt-BR" dirty="0"/>
-                  <a:t>podem ser resolvidos iterativamente através do </a:t>
+                  <a:t>é diferenciável, os problemas de aprendizagem usando a regularização de Ridge também podem ser resolvidos iterativamente através do </a:t>
                 </a:r>
                 <a:r>
                   <a:rPr lang="pt-BR" b="1" i="1" dirty="0"/>
-                  <a:t>algoritmo </a:t>
-                </a:r>
-                <a:r>
-                  <a:rPr lang="pt-BR" b="1" i="1" dirty="0"/>
-                  <a:t>do gradiente </a:t>
+                  <a:t>algoritmo do gradiente </a:t>
                 </a:r>
                 <a:r>
                   <a:rPr lang="pt-BR" b="1" i="1" dirty="0" smtClean="0"/>
@@ -14436,7 +14493,7 @@
             </p:txBody>
           </p:sp>
         </mc:Choice>
-        <mc:Fallback>
+        <mc:Fallback xmlns="">
           <p:sp>
             <p:nvSpPr>
               <p:cNvPr id="3" name="Content Placeholder 2"/>
@@ -14621,8 +14678,8 @@
           </a:p>
         </p:txBody>
       </p:sp>
-      <mc:AlternateContent xmlns:mc="http://schemas.openxmlformats.org/markup-compatibility/2006">
-        <mc:Choice xmlns:a14="http://schemas.microsoft.com/office/drawing/2010/main" Requires="a14">
+      <mc:AlternateContent xmlns:mc="http://schemas.openxmlformats.org/markup-compatibility/2006" xmlns:a14="http://schemas.microsoft.com/office/drawing/2010/main">
+        <mc:Choice Requires="a14">
           <p:sp>
             <p:nvSpPr>
               <p:cNvPr id="11" name="Content Placeholder 2"/>
@@ -14752,14 +14809,7 @@
                       <a:rPr lang="pt-BR" i="1">
                         <a:latin typeface="Cambria Math" panose="02040503050406030204" pitchFamily="18" charset="0"/>
                       </a:rPr>
-                      <m:t> </m:t>
-                    </m:r>
-                    <m:r>
-                      <a:rPr lang="pt-BR" i="1">
-                        <a:latin typeface="Cambria Math" panose="02040503050406030204" pitchFamily="18" charset="0"/>
-                        <a:ea typeface="Cambria Math" panose="02040503050406030204" pitchFamily="18" charset="0"/>
-                      </a:rPr>
-                      <m:t>~ </m:t>
+                      <m:t> ~ </m:t>
                     </m:r>
                     <m:r>
                       <a:rPr lang="pt-BR" i="1">
@@ -14828,11 +14878,7 @@
                 </a:r>
                 <a:r>
                   <a:rPr lang="pt-BR" dirty="0" smtClean="0"/>
-                  <a:t>ordem 15 treinada </a:t>
-                </a:r>
-                <a:r>
-                  <a:rPr lang="pt-BR" dirty="0" smtClean="0"/>
-                  <a:t>com 30 amostras geradas a partir de </a:t>
+                  <a:t>ordem 15 treinada com 30 amostras geradas a partir de </a:t>
                 </a:r>
                 <a14:m>
                   <m:oMath xmlns:m="http://schemas.openxmlformats.org/officeDocument/2006/math">
@@ -14870,7 +14916,6 @@
                   <a:rPr lang="pt-BR" dirty="0" smtClean="0"/>
                   <a:t>.</a:t>
                 </a:r>
-                <a:endParaRPr lang="pt-BR" dirty="0" smtClean="0"/>
               </a:p>
               <a:p>
                 <a:r>
@@ -15125,7 +15170,7 @@
             </p:txBody>
           </p:sp>
         </mc:Choice>
-        <mc:Fallback>
+        <mc:Fallback xmlns="">
           <p:sp>
             <p:nvSpPr>
               <p:cNvPr id="11" name="Content Placeholder 2"/>
@@ -16672,8 +16717,8 @@
           </a:p>
         </p:txBody>
       </p:sp>
-      <mc:AlternateContent xmlns:mc="http://schemas.openxmlformats.org/markup-compatibility/2006">
-        <mc:Choice xmlns:a14="http://schemas.microsoft.com/office/drawing/2010/main" Requires="a14">
+      <mc:AlternateContent xmlns:mc="http://schemas.openxmlformats.org/markup-compatibility/2006" xmlns:a14="http://schemas.microsoft.com/office/drawing/2010/main">
+        <mc:Choice Requires="a14">
           <p:sp>
             <p:nvSpPr>
               <p:cNvPr id="3" name="Content Placeholder 2"/>
@@ -16698,15 +16743,7 @@
               <a:p>
                 <a:r>
                   <a:rPr lang="pt-BR" dirty="0" smtClean="0"/>
-                  <a:t>Mesmas funções </a:t>
-                </a:r>
-                <a:r>
-                  <a:rPr lang="pt-BR" dirty="0" smtClean="0"/>
-                  <a:t>observável e </a:t>
-                </a:r>
-                <a:r>
-                  <a:rPr lang="pt-BR" dirty="0" smtClean="0"/>
-                  <a:t>hipótese do exemplo anterior.</a:t>
+                  <a:t>Mesmas funções observável e hipótese do exemplo anterior.</a:t>
                 </a:r>
               </a:p>
               <a:p>
@@ -16779,13 +16816,8 @@
                 </a:r>
                 <a:r>
                   <a:rPr lang="pt-BR" dirty="0" smtClean="0"/>
-                  <a:t>, indicando que os atributos correspondentes são </a:t>
-                </a:r>
-                <a:r>
-                  <a:rPr lang="pt-BR" dirty="0" smtClean="0"/>
-                  <a:t>irrelevantes para o processo de regressão. </a:t>
-                </a:r>
-                <a:endParaRPr lang="pt-BR" dirty="0" smtClean="0"/>
+                  <a:t>, indicando que os atributos correspondentes são irrelevantes para o processo de regressão. </a:t>
+                </a:r>
               </a:p>
               <a:p>
                 <a:r>
@@ -16916,7 +16948,6 @@
                   <a:rPr lang="pt-BR" dirty="0" smtClean="0"/>
                   <a:t>fechada, mas pode ser implementada com o GD.</a:t>
                 </a:r>
-                <a:endParaRPr lang="pt-BR" dirty="0" smtClean="0"/>
               </a:p>
               <a:p>
                 <a:r>
@@ -16943,7 +16974,7 @@
             </p:txBody>
           </p:sp>
         </mc:Choice>
-        <mc:Fallback>
+        <mc:Fallback xmlns="">
           <p:sp>
             <p:nvSpPr>
               <p:cNvPr id="3" name="Content Placeholder 2"/>
@@ -17359,8 +17390,8 @@
           </a:p>
         </p:txBody>
       </p:sp>
-      <mc:AlternateContent xmlns:mc="http://schemas.openxmlformats.org/markup-compatibility/2006">
-        <mc:Choice xmlns:a14="http://schemas.microsoft.com/office/drawing/2010/main" Requires="a14">
+      <mc:AlternateContent xmlns:mc="http://schemas.openxmlformats.org/markup-compatibility/2006" xmlns:a14="http://schemas.microsoft.com/office/drawing/2010/main">
+        <mc:Choice Requires="a14">
           <p:sp>
             <p:nvSpPr>
               <p:cNvPr id="8" name="Content Placeholder 2"/>
@@ -17663,21 +17694,13 @@
                 </a:r>
                 <a:r>
                   <a:rPr lang="pt-BR" dirty="0" smtClean="0"/>
-                  <a:t> são os pontos que possuem </a:t>
-                </a:r>
-                <a:r>
-                  <a:rPr lang="pt-BR" dirty="0" smtClean="0"/>
-                  <a:t>valor </a:t>
-                </a:r>
-                <a:r>
-                  <a:rPr lang="pt-BR" dirty="0" smtClean="0"/>
-                  <a:t>igual a 0 em alguma das dimensões (i.e., pesos).</a:t>
+                  <a:t> são os pontos que possuem valor igual a 0 em alguma das dimensões (i.e., pesos).</a:t>
                 </a:r>
               </a:p>
             </p:txBody>
           </p:sp>
         </mc:Choice>
-        <mc:Fallback>
+        <mc:Fallback xmlns="">
           <p:sp>
             <p:nvSpPr>
               <p:cNvPr id="8" name="Content Placeholder 2"/>
@@ -17775,8 +17798,8 @@
           </a:p>
         </p:txBody>
       </p:sp>
-      <mc:AlternateContent xmlns:mc="http://schemas.openxmlformats.org/markup-compatibility/2006">
-        <mc:Choice xmlns:a14="http://schemas.microsoft.com/office/drawing/2010/main" Requires="a14">
+      <mc:AlternateContent xmlns:mc="http://schemas.openxmlformats.org/markup-compatibility/2006" xmlns:a14="http://schemas.microsoft.com/office/drawing/2010/main">
+        <mc:Choice Requires="a14">
           <p:sp>
             <p:nvSpPr>
               <p:cNvPr id="4" name="TextBox 3"/>
@@ -17843,26 +17866,14 @@
                 </a:pPr>
                 <a:r>
                   <a:rPr lang="pt-BR" dirty="0" smtClean="0"/>
-                  <a:t>A solução </a:t>
-                </a:r>
-                <a:r>
-                  <a:rPr lang="pt-BR" dirty="0" smtClean="0"/>
-                  <a:t>deve estar dentro </a:t>
-                </a:r>
-                <a:r>
-                  <a:rPr lang="pt-BR" dirty="0" smtClean="0"/>
-                  <a:t>do </a:t>
-                </a:r>
-                <a:r>
-                  <a:rPr lang="pt-BR" dirty="0" smtClean="0"/>
-                  <a:t>quadrado, o mais próximo do mínimo.</a:t>
+                  <a:t>A solução deve estar dentro do quadrado, o mais próximo do mínimo.</a:t>
                 </a:r>
                 <a:endParaRPr lang="pt-BR" dirty="0"/>
               </a:p>
             </p:txBody>
           </p:sp>
         </mc:Choice>
-        <mc:Fallback>
+        <mc:Fallback xmlns="">
           <p:sp>
             <p:nvSpPr>
               <p:cNvPr id="4" name="TextBox 3"/>
@@ -17901,8 +17912,8 @@
           </p:sp>
         </mc:Fallback>
       </mc:AlternateContent>
-      <mc:AlternateContent xmlns:mc="http://schemas.openxmlformats.org/markup-compatibility/2006">
-        <mc:Choice xmlns:a14="http://schemas.microsoft.com/office/drawing/2010/main" Requires="a14">
+      <mc:AlternateContent xmlns:mc="http://schemas.openxmlformats.org/markup-compatibility/2006" xmlns:a14="http://schemas.microsoft.com/office/drawing/2010/main">
+        <mc:Choice Requires="a14">
           <p:sp>
             <p:nvSpPr>
               <p:cNvPr id="10" name="TextBox 9"/>
@@ -17961,7 +17972,6 @@
                   <a:rPr lang="pt-BR" dirty="0" smtClean="0"/>
                   <a:t>. </a:t>
                 </a:r>
-                <a:endParaRPr lang="pt-BR" dirty="0" smtClean="0"/>
               </a:p>
               <a:p>
                 <a:pPr marL="285750" indent="-285750">
@@ -17989,7 +17999,7 @@
             </p:txBody>
           </p:sp>
         </mc:Choice>
-        <mc:Fallback>
+        <mc:Fallback xmlns="">
           <p:sp>
             <p:nvSpPr>
               <p:cNvPr id="10" name="TextBox 9"/>

--- a/slides/T319_Regressão_Linear (Parte VI).pptx
+++ b/slides/T319_Regressão_Linear (Parte VI).pptx
@@ -539,7 +539,7 @@
           <a:p>
             <a:fld id="{DAF0AF11-6A8A-4E64-94F5-26D4FBA2A01D}" type="datetimeFigureOut">
               <a:rPr lang="nl-BE" smtClean="0"/>
-              <a:t>14/06/2022</a:t>
+              <a:t>24/06/2022</a:t>
             </a:fld>
             <a:endParaRPr lang="nl-BE"/>
           </a:p>
@@ -1736,11 +1736,7 @@
             </a:r>
             <a:r>
               <a:rPr lang="pt-BR" dirty="0" smtClean="0"/>
-              <a:t>https://</a:t>
-            </a:r>
-            <a:r>
-              <a:rPr lang="pt-BR" dirty="0" smtClean="0"/>
-              <a:t>mybinder.org/v2/gh/zz4fap/t319_aprendizado_de_maquina/main?filepath=notebooks%2Fregression%2F</a:t>
+              <a:t>https://mybinder.org/v2/gh/zz4fap/t319_aprendizado_de_maquina/main?filepath=notebooks%2Fregression%2F</a:t>
             </a:r>
             <a:r>
               <a:rPr lang="pt-BR" sz="1200" dirty="0" smtClean="0"/>
@@ -1763,7 +1759,6 @@
               <a:rPr lang="pt-BR" sz="1200" dirty="0" smtClean="0"/>
               <a:t>early_stopv2.ipynb</a:t>
             </a:r>
-            <a:endParaRPr lang="pt-BR" sz="1200" dirty="0" smtClean="0"/>
           </a:p>
           <a:p>
             <a:endParaRPr lang="pt-BR" dirty="0" smtClean="0"/>
@@ -1969,7 +1964,11 @@
             </a:r>
             <a:r>
               <a:rPr lang="pt-BR" baseline="0" dirty="0" smtClean="0"/>
-              <a:t> https://colab.research.google.com/github/zz4fap/t319_aprendizado_de_maquina/blob/main/projeto/projeto_final_2S2021.ipynb</a:t>
+              <a:t> </a:t>
+            </a:r>
+            <a:r>
+              <a:rPr lang="pt-BR" baseline="0" dirty="0" smtClean="0"/>
+              <a:t>https://colab.research.google.com/github/zz4fap/t319_aprendizado_de_maquina/blob/main/projeto/projeto_final_T319_1S2022.ipynb</a:t>
             </a:r>
             <a:endParaRPr lang="pt-BR" dirty="0" smtClean="0"/>
           </a:p>
@@ -2004,8 +2003,13 @@
             </a:r>
             <a:r>
               <a:rPr lang="pt-BR" dirty="0" smtClean="0"/>
-              <a:t>https://mybinder.org/v2/gh/zz4fap/t319_aprendizado_de_maquina/main?filepath=projeto%2Fprojeto_final_1S2021.ipynb</a:t>
-            </a:r>
+              <a:t>https://</a:t>
+            </a:r>
+            <a:r>
+              <a:rPr lang="pt-BR" dirty="0" smtClean="0"/>
+              <a:t>mybinder.org/v2/gh/zz4fap/t319_aprendizado_de_maquina/main?filepath=projeto%2Fprojeto_final_T319_1S2022.ipynb</a:t>
+            </a:r>
+            <a:endParaRPr lang="pt-BR" dirty="0" smtClean="0"/>
           </a:p>
           <a:p>
             <a:pPr marL="0" marR="0" lvl="0" indent="0" algn="l" defTabSz="914400" rtl="0" eaLnBrk="1" fontAlgn="auto" latinLnBrk="0" hangingPunct="1">
@@ -2626,8 +2630,35 @@
                 </a14:m>
                 <a:r>
                   <a:rPr lang="pt-BR" baseline="0" dirty="0" smtClean="0"/>
-                  <a:t>, maior a quantidade de redução/encolhimento.</a:t>
-                </a:r>
+                  <a:t>, maior a quantidade de redução/encolhimento</a:t>
+                </a:r>
+                <a:r>
+                  <a:rPr lang="pt-BR" baseline="0" dirty="0" smtClean="0"/>
+                  <a:t>.</a:t>
+                </a:r>
+              </a:p>
+              <a:p>
+                <a:endParaRPr lang="pt-BR" baseline="0" dirty="0" smtClean="0"/>
+              </a:p>
+              <a:p>
+                <a:r>
+                  <a:rPr lang="pt-BR" b="1" baseline="0" dirty="0" smtClean="0"/>
+                  <a:t>Referência</a:t>
+                </a:r>
+                <a:r>
+                  <a:rPr lang="pt-BR" baseline="0" dirty="0" smtClean="0"/>
+                  <a:t>:</a:t>
+                </a:r>
+              </a:p>
+              <a:p>
+                <a:endParaRPr lang="pt-BR" baseline="0" dirty="0" smtClean="0"/>
+              </a:p>
+              <a:p>
+                <a:r>
+                  <a:rPr lang="pt-BR" baseline="0" dirty="0" smtClean="0"/>
+                  <a:t>[1] https://machinelearningmastery.com/weight-regularization-to-reduce-overfitting-of-deep-learning-models/</a:t>
+                </a:r>
+                <a:endParaRPr lang="pt-BR" baseline="0" dirty="0" smtClean="0"/>
               </a:p>
               <a:p>
                 <a:endParaRPr lang="pt-BR" b="1" baseline="0" dirty="0" smtClean="0"/>
@@ -3874,11 +3905,7 @@
                 </a:r>
                 <a:r>
                   <a:rPr lang="pt-BR" dirty="0" smtClean="0"/>
-                  <a:t>https://</a:t>
-                </a:r>
-                <a:r>
-                  <a:rPr lang="pt-BR" dirty="0" smtClean="0"/>
-                  <a:t>mybinder.org/v2/gh/zz4fap/t319_aprendizado_de_maquina/main?filepath=notebooks%2Fregression%2Fridge_regression.ipynb</a:t>
+                  <a:t>https://mybinder.org/v2/gh/zz4fap/t319_aprendizado_de_maquina/main?filepath=notebooks%2Fregression%2Fridge_regression.ipynb</a:t>
                 </a:r>
               </a:p>
               <a:p>
@@ -3914,7 +3941,6 @@
                   <a:rPr lang="pt-BR" dirty="0" smtClean="0"/>
                   <a:t>ridge_regression.ipynb</a:t>
                 </a:r>
-                <a:endParaRPr lang="pt-BR" dirty="0" smtClean="0"/>
               </a:p>
               <a:p>
                 <a:endParaRPr lang="pt-BR" dirty="0" smtClean="0"/>
@@ -3922,7 +3948,15 @@
               <a:p>
                 <a:r>
                   <a:rPr lang="pt-BR" dirty="0" smtClean="0"/>
-                  <a:t>É importante escalonar os dados (por exemplo, usando a classe StandardScaler) antes de executar a regressão de Ridge, pois ela</a:t>
+                  <a:t>É importante escalonar os dados (por exemplo, usando a classe StandardScaler) antes de executar a regressão </a:t>
+                </a:r>
+                <a:r>
+                  <a:rPr lang="pt-BR" dirty="0" err="1" smtClean="0"/>
+                  <a:t>Ridge</a:t>
+                </a:r>
+                <a:r>
+                  <a:rPr lang="pt-BR" dirty="0" smtClean="0"/>
+                  <a:t>, pois ela</a:t>
                 </a:r>
                 <a:r>
                   <a:rPr lang="pt-BR" baseline="0" dirty="0" smtClean="0"/>
@@ -4307,11 +4341,7 @@
                 </a:r>
                 <a:r>
                   <a:rPr lang="pt-BR" dirty="0" smtClean="0"/>
-                  <a:t>https://</a:t>
-                </a:r>
-                <a:r>
-                  <a:rPr lang="pt-BR" dirty="0" smtClean="0"/>
-                  <a:t>mybinder.org/v2/gh/zz4fap/t319_aprendizado_de_maquina/main?filepath=notebooks%2Fregression%2F</a:t>
+                  <a:t>https://mybinder.org/v2/gh/zz4fap/t319_aprendizado_de_maquina/main?filepath=notebooks%2Fregression%2F</a:t>
                 </a:r>
                 <a:r>
                   <a:rPr lang="pt-BR" b="0" dirty="0" smtClean="0"/>
@@ -5140,11 +5170,7 @@
                 </a:r>
                 <a:r>
                   <a:rPr lang="pt-BR" dirty="0" smtClean="0"/>
-                  <a:t>https://</a:t>
-                </a:r>
-                <a:r>
-                  <a:rPr lang="pt-BR" dirty="0" smtClean="0"/>
-                  <a:t>mybinder.org/v2/gh/zz4fap/t319_aprendizado_de_maquina/main?filepath=notebooks%2Fregression%2F</a:t>
+                  <a:t>https://mybinder.org/v2/gh/zz4fap/t319_aprendizado_de_maquina/main?filepath=notebooks%2Fregression%2F</a:t>
                 </a:r>
                 <a:r>
                   <a:rPr lang="pt-BR" sz="1200" dirty="0" smtClean="0"/>
@@ -5664,7 +5690,7 @@
           <a:p>
             <a:fld id="{C80E15A5-E95B-43EB-9AC7-9A96397448C0}" type="datetimeFigureOut">
               <a:rPr lang="nl-BE" smtClean="0"/>
-              <a:t>14/06/2022</a:t>
+              <a:t>24/06/2022</a:t>
             </a:fld>
             <a:endParaRPr lang="nl-BE"/>
           </a:p>
@@ -5834,7 +5860,7 @@
           <a:p>
             <a:fld id="{C80E15A5-E95B-43EB-9AC7-9A96397448C0}" type="datetimeFigureOut">
               <a:rPr lang="nl-BE" smtClean="0"/>
-              <a:t>14/06/2022</a:t>
+              <a:t>24/06/2022</a:t>
             </a:fld>
             <a:endParaRPr lang="nl-BE"/>
           </a:p>
@@ -6014,7 +6040,7 @@
           <a:p>
             <a:fld id="{C80E15A5-E95B-43EB-9AC7-9A96397448C0}" type="datetimeFigureOut">
               <a:rPr lang="nl-BE" smtClean="0"/>
-              <a:t>14/06/2022</a:t>
+              <a:t>24/06/2022</a:t>
             </a:fld>
             <a:endParaRPr lang="nl-BE"/>
           </a:p>
@@ -6184,7 +6210,7 @@
           <a:p>
             <a:fld id="{C80E15A5-E95B-43EB-9AC7-9A96397448C0}" type="datetimeFigureOut">
               <a:rPr lang="nl-BE" smtClean="0"/>
-              <a:t>14/06/2022</a:t>
+              <a:t>24/06/2022</a:t>
             </a:fld>
             <a:endParaRPr lang="nl-BE"/>
           </a:p>
@@ -6430,7 +6456,7 @@
           <a:p>
             <a:fld id="{C80E15A5-E95B-43EB-9AC7-9A96397448C0}" type="datetimeFigureOut">
               <a:rPr lang="nl-BE" smtClean="0"/>
-              <a:t>14/06/2022</a:t>
+              <a:t>24/06/2022</a:t>
             </a:fld>
             <a:endParaRPr lang="nl-BE"/>
           </a:p>
@@ -6662,7 +6688,7 @@
           <a:p>
             <a:fld id="{C80E15A5-E95B-43EB-9AC7-9A96397448C0}" type="datetimeFigureOut">
               <a:rPr lang="nl-BE" smtClean="0"/>
-              <a:t>14/06/2022</a:t>
+              <a:t>24/06/2022</a:t>
             </a:fld>
             <a:endParaRPr lang="nl-BE"/>
           </a:p>
@@ -7029,7 +7055,7 @@
           <a:p>
             <a:fld id="{C80E15A5-E95B-43EB-9AC7-9A96397448C0}" type="datetimeFigureOut">
               <a:rPr lang="nl-BE" smtClean="0"/>
-              <a:t>14/06/2022</a:t>
+              <a:t>24/06/2022</a:t>
             </a:fld>
             <a:endParaRPr lang="nl-BE"/>
           </a:p>
@@ -7147,7 +7173,7 @@
           <a:p>
             <a:fld id="{C80E15A5-E95B-43EB-9AC7-9A96397448C0}" type="datetimeFigureOut">
               <a:rPr lang="nl-BE" smtClean="0"/>
-              <a:t>14/06/2022</a:t>
+              <a:t>24/06/2022</a:t>
             </a:fld>
             <a:endParaRPr lang="nl-BE"/>
           </a:p>
@@ -7242,7 +7268,7 @@
           <a:p>
             <a:fld id="{C80E15A5-E95B-43EB-9AC7-9A96397448C0}" type="datetimeFigureOut">
               <a:rPr lang="nl-BE" smtClean="0"/>
-              <a:t>14/06/2022</a:t>
+              <a:t>24/06/2022</a:t>
             </a:fld>
             <a:endParaRPr lang="nl-BE"/>
           </a:p>
@@ -7519,7 +7545,7 @@
           <a:p>
             <a:fld id="{C80E15A5-E95B-43EB-9AC7-9A96397448C0}" type="datetimeFigureOut">
               <a:rPr lang="nl-BE" smtClean="0"/>
-              <a:t>14/06/2022</a:t>
+              <a:t>24/06/2022</a:t>
             </a:fld>
             <a:endParaRPr lang="nl-BE"/>
           </a:p>
@@ -7772,7 +7798,7 @@
           <a:p>
             <a:fld id="{C80E15A5-E95B-43EB-9AC7-9A96397448C0}" type="datetimeFigureOut">
               <a:rPr lang="nl-BE" smtClean="0"/>
-              <a:t>14/06/2022</a:t>
+              <a:t>24/06/2022</a:t>
             </a:fld>
             <a:endParaRPr lang="nl-BE"/>
           </a:p>
@@ -7985,7 +8011,7 @@
           <a:p>
             <a:fld id="{C80E15A5-E95B-43EB-9AC7-9A96397448C0}" type="datetimeFigureOut">
               <a:rPr lang="nl-BE" smtClean="0"/>
-              <a:t>14/06/2022</a:t>
+              <a:t>24/06/2022</a:t>
             </a:fld>
             <a:endParaRPr lang="nl-BE"/>
           </a:p>
@@ -8395,7 +8421,7 @@
           <p:cNvPr id="2" name="Título 1">
             <a:extLst>
               <a:ext uri="{FF2B5EF4-FFF2-40B4-BE49-F238E27FC236}">
-                <a16:creationId xmlns:a16="http://schemas.microsoft.com/office/drawing/2014/main" xmlns="" id="{32666AC8-2E17-4DB4-B0F5-60C640CCFD2E}"/>
+                <a16:creationId xmlns="" xmlns:a16="http://schemas.microsoft.com/office/drawing/2014/main" id="{32666AC8-2E17-4DB4-B0F5-60C640CCFD2E}"/>
               </a:ext>
             </a:extLst>
           </p:cNvPr>
@@ -8450,7 +8476,7 @@
           <p:cNvPr id="4" name="CaixaDeTexto 3">
             <a:extLst>
               <a:ext uri="{FF2B5EF4-FFF2-40B4-BE49-F238E27FC236}">
-                <a16:creationId xmlns:a16="http://schemas.microsoft.com/office/drawing/2014/main" xmlns="" id="{430EB894-B7D4-434C-9D1A-A14094D9BEEC}"/>
+                <a16:creationId xmlns="" xmlns:a16="http://schemas.microsoft.com/office/drawing/2014/main" id="{430EB894-B7D4-434C-9D1A-A14094D9BEEC}"/>
               </a:ext>
             </a:extLst>
           </p:cNvPr>
@@ -8491,7 +8517,7 @@
           <p:cNvPr id="1026" name="Picture 2" descr="Logo">
             <a:extLst>
               <a:ext uri="{FF2B5EF4-FFF2-40B4-BE49-F238E27FC236}">
-                <a16:creationId xmlns:a16="http://schemas.microsoft.com/office/drawing/2014/main" xmlns="" id="{3F2642E0-4F6A-4196-8F58-E77D36E9A33F}"/>
+                <a16:creationId xmlns="" xmlns:a16="http://schemas.microsoft.com/office/drawing/2014/main" id="{3F2642E0-4F6A-4196-8F58-E77D36E9A33F}"/>
               </a:ext>
             </a:extLst>
           </p:cNvPr>
@@ -8536,7 +8562,7 @@
           <p:cNvPr id="5122" name="Picture 2" descr="Image result for machine learning">
             <a:extLst>
               <a:ext uri="{FF2B5EF4-FFF2-40B4-BE49-F238E27FC236}">
-                <a16:creationId xmlns:a16="http://schemas.microsoft.com/office/drawing/2014/main" xmlns="" id="{810CE0A2-4102-44A6-A370-175E7896CDCB}"/>
+                <a16:creationId xmlns="" xmlns:a16="http://schemas.microsoft.com/office/drawing/2014/main" id="{810CE0A2-4102-44A6-A370-175E7896CDCB}"/>
               </a:ext>
             </a:extLst>
           </p:cNvPr>
@@ -8633,8 +8659,8 @@
           </a:p>
         </p:txBody>
       </p:sp>
-      <mc:AlternateContent xmlns:mc="http://schemas.openxmlformats.org/markup-compatibility/2006" xmlns:a14="http://schemas.microsoft.com/office/drawing/2010/main">
-        <mc:Choice Requires="a14">
+      <mc:AlternateContent xmlns:mc="http://schemas.openxmlformats.org/markup-compatibility/2006">
+        <mc:Choice xmlns:a14="http://schemas.microsoft.com/office/drawing/2010/main" Requires="a14">
           <p:sp>
             <p:nvSpPr>
               <p:cNvPr id="3" name="Content Placeholder 2"/>
@@ -8677,7 +8703,15 @@
               <a:p>
                 <a:r>
                   <a:rPr lang="pt-BR" dirty="0" smtClean="0"/>
-                  <a:t>É uma combinação linear entre </a:t>
+                  <a:t>É uma </a:t>
+                </a:r>
+                <a:r>
+                  <a:rPr lang="pt-BR" b="1" i="1" dirty="0" smtClean="0"/>
+                  <a:t>combinação linear </a:t>
+                </a:r>
+                <a:r>
+                  <a:rPr lang="pt-BR" dirty="0" smtClean="0"/>
+                  <a:t>entre </a:t>
                 </a:r>
                 <a:r>
                   <a:rPr lang="pt-BR" dirty="0"/>
@@ -9155,7 +9189,7 @@
             </p:txBody>
           </p:sp>
         </mc:Choice>
-        <mc:Fallback xmlns="">
+        <mc:Fallback>
           <p:sp>
             <p:nvSpPr>
               <p:cNvPr id="3" name="Content Placeholder 2"/>
@@ -9183,7 +9217,7 @@
               <a:lstStyle/>
               <a:p>
                 <a:r>
-                  <a:rPr lang="pt-BR">
+                  <a:rPr lang="en-US">
                     <a:noFill/>
                   </a:rPr>
                   <a:t> </a:t>
@@ -9411,8 +9445,8 @@
           </a:p>
         </p:txBody>
       </p:sp>
-      <mc:AlternateContent xmlns:mc="http://schemas.openxmlformats.org/markup-compatibility/2006" xmlns:a14="http://schemas.microsoft.com/office/drawing/2010/main">
-        <mc:Choice Requires="a14">
+      <mc:AlternateContent xmlns:mc="http://schemas.openxmlformats.org/markup-compatibility/2006">
+        <mc:Choice xmlns:a14="http://schemas.microsoft.com/office/drawing/2010/main" Requires="a14">
           <p:sp>
             <p:nvSpPr>
               <p:cNvPr id="3" name="Content Placeholder 2"/>
@@ -9437,7 +9471,11 @@
               <a:p>
                 <a:r>
                   <a:rPr lang="pt-BR" b="1" dirty="0" smtClean="0"/>
-                  <a:t>Regressão de Ridge</a:t>
+                  <a:t>Regressão </a:t>
+                </a:r>
+                <a:r>
+                  <a:rPr lang="pt-BR" b="1" dirty="0" smtClean="0"/>
+                  <a:t>Ridge</a:t>
                 </a:r>
                 <a:r>
                   <a:rPr lang="pt-BR" dirty="0" smtClean="0"/>
@@ -9461,7 +9499,23 @@
                 </a:r>
                 <a:r>
                   <a:rPr lang="pt-BR" dirty="0"/>
-                  <a:t>alguns atributos são realmente úteis, você deve preferir LASSO ou </a:t>
+                  <a:t>alguns </a:t>
+                </a:r>
+                <a:r>
+                  <a:rPr lang="pt-BR" dirty="0" smtClean="0"/>
+                  <a:t>atributos </a:t>
+                </a:r>
+                <a:r>
+                  <a:rPr lang="pt-BR" dirty="0"/>
+                  <a:t>são </a:t>
+                </a:r>
+                <a:r>
+                  <a:rPr lang="pt-BR" dirty="0" smtClean="0"/>
+                  <a:t>realmente úteis</a:t>
+                </a:r>
+                <a:r>
+                  <a:rPr lang="pt-BR" dirty="0"/>
+                  <a:t>, você deve preferir LASSO ou </a:t>
                 </a:r>
                 <a:r>
                   <a:rPr lang="pt-BR" i="1" dirty="0" smtClean="0"/>
@@ -9631,7 +9685,7 @@
             </p:txBody>
           </p:sp>
         </mc:Choice>
-        <mc:Fallback xmlns="">
+        <mc:Fallback>
           <p:sp>
             <p:nvSpPr>
               <p:cNvPr id="3" name="Content Placeholder 2"/>
@@ -9659,7 +9713,7 @@
               <a:lstStyle/>
               <a:p>
                 <a:r>
-                  <a:rPr lang="pt-BR">
+                  <a:rPr lang="en-US">
                     <a:noFill/>
                   </a:rPr>
                   <a:t> </a:t>
@@ -9750,104 +9804,23 @@
         </p:spPr>
         <p:txBody>
           <a:bodyPr>
-            <a:normAutofit fontScale="92500" lnSpcReduction="10000"/>
+            <a:normAutofit fontScale="92500" lnSpcReduction="20000"/>
           </a:bodyPr>
           <a:lstStyle/>
           <a:p>
             <a:r>
-              <a:rPr lang="pt-BR" dirty="0"/>
-              <a:t>Uma forma de se </a:t>
-            </a:r>
-            <a:r>
-              <a:rPr lang="pt-BR" b="1" i="1" dirty="0"/>
-              <a:t>regularizar</a:t>
-            </a:r>
-            <a:r>
-              <a:rPr lang="pt-BR" dirty="0"/>
-              <a:t> algoritmos de </a:t>
-            </a:r>
-            <a:r>
-              <a:rPr lang="pt-BR" b="1" i="1" dirty="0"/>
-              <a:t>aprendizado iterativo</a:t>
-            </a:r>
-            <a:r>
-              <a:rPr lang="pt-BR" dirty="0"/>
-              <a:t>, como o </a:t>
-            </a:r>
-            <a:r>
-              <a:rPr lang="pt-BR" b="1" i="1" dirty="0"/>
-              <a:t>gradiente descendente</a:t>
-            </a:r>
-            <a:r>
-              <a:rPr lang="pt-BR" dirty="0"/>
-              <a:t>, é interromper seu treinamento assim que o </a:t>
-            </a:r>
-            <a:r>
-              <a:rPr lang="pt-BR" b="1" i="1" dirty="0"/>
-              <a:t>erro de validação </a:t>
-            </a:r>
-            <a:r>
-              <a:rPr lang="pt-BR" dirty="0"/>
-              <a:t>comece a crescer sistematicamente.</a:t>
-            </a:r>
-          </a:p>
-          <a:p>
-            <a:r>
-              <a:rPr lang="pt-BR" dirty="0"/>
-              <a:t>Essa abordagem é chamada de </a:t>
-            </a:r>
-            <a:r>
-              <a:rPr lang="pt-BR" b="1" i="1" dirty="0"/>
-              <a:t>early-stop </a:t>
-            </a:r>
-            <a:r>
-              <a:rPr lang="pt-BR" dirty="0"/>
-              <a:t>e pode </a:t>
-            </a:r>
-            <a:r>
-              <a:rPr lang="pt-BR" dirty="0">
-                <a:cs typeface="Calibri"/>
+              <a:rPr lang="pt-BR" dirty="0" smtClean="0">
+                <a:ea typeface="+mn-lt"/>
+                <a:cs typeface="+mn-lt"/>
               </a:rPr>
-              <a:t>ser vista como uma </a:t>
-            </a:r>
-            <a:r>
-              <a:rPr lang="pt-BR" b="1" i="1" dirty="0">
-                <a:cs typeface="Calibri"/>
-              </a:rPr>
-              <a:t>regularização temporal</a:t>
-            </a:r>
-            <a:r>
-              <a:rPr lang="pt-BR" dirty="0">
-                <a:cs typeface="Calibri"/>
-              </a:rPr>
-              <a:t>.</a:t>
-            </a:r>
-            <a:endParaRPr lang="pt-BR" dirty="0"/>
-          </a:p>
-          <a:p>
-            <a:r>
-              <a:rPr lang="pt-BR" dirty="0"/>
-              <a:t>Assim como as outras abordagens, ela tem o objetivo de evitar o </a:t>
-            </a:r>
-            <a:r>
-              <a:rPr lang="pt-BR" b="1" i="1" dirty="0"/>
-              <a:t>sobreajuste</a:t>
-            </a:r>
-            <a:r>
-              <a:rPr lang="pt-BR" dirty="0"/>
-              <a:t> de um modelo.</a:t>
-            </a:r>
-            <a:endParaRPr lang="pt-BR" dirty="0">
-              <a:cs typeface="Calibri"/>
-            </a:endParaRPr>
-          </a:p>
-          <a:p>
+              <a:t>O algoritmo </a:t>
+            </a:r>
             <a:r>
               <a:rPr lang="pt-BR" dirty="0">
                 <a:ea typeface="+mn-lt"/>
                 <a:cs typeface="+mn-lt"/>
               </a:rPr>
-              <a:t>Intuitivamente, o algoritmo do </a:t>
+              <a:t>do </a:t>
             </a:r>
             <a:r>
               <a:rPr lang="pt-BR" b="1" i="1" dirty="0">
@@ -9861,7 +9834,21 @@
                 <a:ea typeface="+mn-lt"/>
                 <a:cs typeface="+mn-lt"/>
               </a:rPr>
-              <a:t> tenderá a aprender modelos cada vez mais </a:t>
+              <a:t> </a:t>
+            </a:r>
+            <a:r>
+              <a:rPr lang="pt-BR" dirty="0" smtClean="0">
+                <a:ea typeface="+mn-lt"/>
+                <a:cs typeface="+mn-lt"/>
+              </a:rPr>
+              <a:t>tende a </a:t>
+            </a:r>
+            <a:r>
+              <a:rPr lang="pt-BR" dirty="0">
+                <a:ea typeface="+mn-lt"/>
+                <a:cs typeface="+mn-lt"/>
+              </a:rPr>
+              <a:t>aprender modelos cada vez mais </a:t>
             </a:r>
             <a:r>
               <a:rPr lang="pt-BR" b="1" i="1" dirty="0">
@@ -9875,7 +9862,14 @@
                 <a:ea typeface="+mn-lt"/>
                 <a:cs typeface="+mn-lt"/>
               </a:rPr>
-              <a:t> à medida que o número de épocas aumenta. </a:t>
+              <a:t> à medida que o número de épocas </a:t>
+            </a:r>
+            <a:r>
+              <a:rPr lang="pt-BR" dirty="0" smtClean="0">
+                <a:ea typeface="+mn-lt"/>
+                <a:cs typeface="+mn-lt"/>
+              </a:rPr>
+              <a:t>aumenta.</a:t>
             </a:r>
           </a:p>
           <a:p>
@@ -9884,7 +9878,137 @@
                 <a:ea typeface="+mn-lt"/>
                 <a:cs typeface="+mn-lt"/>
               </a:rPr>
-              <a:t>Ao se regularizar no </a:t>
+              <a:t>O</a:t>
+            </a:r>
+            <a:r>
+              <a:rPr lang="pt-BR" dirty="0" smtClean="0">
+                <a:ea typeface="+mn-lt"/>
+                <a:cs typeface="+mn-lt"/>
+              </a:rPr>
+              <a:t>u seja, ele se </a:t>
+            </a:r>
+            <a:r>
+              <a:rPr lang="pt-BR" b="1" i="1" dirty="0" smtClean="0">
+                <a:ea typeface="+mn-lt"/>
+                <a:cs typeface="+mn-lt"/>
+              </a:rPr>
+              <a:t>sobreajusta</a:t>
+            </a:r>
+            <a:r>
+              <a:rPr lang="pt-BR" dirty="0" smtClean="0">
+                <a:ea typeface="+mn-lt"/>
+                <a:cs typeface="+mn-lt"/>
+              </a:rPr>
+              <a:t> ao conjunto de treinamento ao longo do tempo. </a:t>
+            </a:r>
+            <a:endParaRPr lang="pt-BR" dirty="0" smtClean="0"/>
+          </a:p>
+          <a:p>
+            <a:r>
+              <a:rPr lang="pt-BR" dirty="0" smtClean="0"/>
+              <a:t>Uma </a:t>
+            </a:r>
+            <a:r>
+              <a:rPr lang="pt-BR" dirty="0"/>
+              <a:t>forma de se </a:t>
+            </a:r>
+            <a:r>
+              <a:rPr lang="pt-BR" b="1" i="1" dirty="0"/>
+              <a:t>regularizar</a:t>
+            </a:r>
+            <a:r>
+              <a:rPr lang="pt-BR" dirty="0"/>
+              <a:t> algoritmos de </a:t>
+            </a:r>
+            <a:r>
+              <a:rPr lang="pt-BR" b="1" i="1" dirty="0"/>
+              <a:t>aprendizado iterativo</a:t>
+            </a:r>
+            <a:r>
+              <a:rPr lang="pt-BR" dirty="0"/>
+              <a:t>, como o </a:t>
+            </a:r>
+            <a:r>
+              <a:rPr lang="pt-BR" b="1" i="1" dirty="0"/>
+              <a:t>gradiente descendente</a:t>
+            </a:r>
+            <a:r>
+              <a:rPr lang="pt-BR" dirty="0"/>
+              <a:t>, é interromper seu treinamento assim que o </a:t>
+            </a:r>
+            <a:r>
+              <a:rPr lang="pt-BR" b="1" i="1" dirty="0"/>
+              <a:t>erro de validação </a:t>
+            </a:r>
+            <a:r>
+              <a:rPr lang="pt-BR" dirty="0"/>
+              <a:t>comece a crescer sistematicamente.</a:t>
+            </a:r>
+          </a:p>
+          <a:p>
+            <a:r>
+              <a:rPr lang="pt-BR" dirty="0"/>
+              <a:t>Essa abordagem é chamada de </a:t>
+            </a:r>
+            <a:r>
+              <a:rPr lang="pt-BR" b="1" i="1" dirty="0"/>
+              <a:t>early-stop </a:t>
+            </a:r>
+            <a:r>
+              <a:rPr lang="pt-BR" dirty="0"/>
+              <a:t>e pode </a:t>
+            </a:r>
+            <a:r>
+              <a:rPr lang="pt-BR" dirty="0">
+                <a:cs typeface="Calibri"/>
+              </a:rPr>
+              <a:t>ser vista como uma </a:t>
+            </a:r>
+            <a:r>
+              <a:rPr lang="pt-BR" b="1" i="1" dirty="0">
+                <a:cs typeface="Calibri"/>
+              </a:rPr>
+              <a:t>regularização temporal</a:t>
+            </a:r>
+            <a:r>
+              <a:rPr lang="pt-BR" dirty="0">
+                <a:cs typeface="Calibri"/>
+              </a:rPr>
+              <a:t>.</a:t>
+            </a:r>
+            <a:endParaRPr lang="pt-BR" dirty="0"/>
+          </a:p>
+          <a:p>
+            <a:r>
+              <a:rPr lang="pt-BR" dirty="0"/>
+              <a:t>Assim como as outras abordagens, ela tem o objetivo de evitar o </a:t>
+            </a:r>
+            <a:r>
+              <a:rPr lang="pt-BR" b="1" i="1" dirty="0"/>
+              <a:t>sobreajuste</a:t>
+            </a:r>
+            <a:r>
+              <a:rPr lang="pt-BR" dirty="0"/>
+              <a:t> de um modelo.</a:t>
+            </a:r>
+            <a:endParaRPr lang="pt-BR" dirty="0">
+              <a:cs typeface="Calibri"/>
+            </a:endParaRPr>
+          </a:p>
+          <a:p>
+            <a:r>
+              <a:rPr lang="pt-BR" dirty="0" smtClean="0">
+                <a:ea typeface="+mn-lt"/>
+                <a:cs typeface="+mn-lt"/>
+              </a:rPr>
+              <a:t>Ao </a:t>
+            </a:r>
+            <a:r>
+              <a:rPr lang="pt-BR" dirty="0">
+                <a:ea typeface="+mn-lt"/>
+                <a:cs typeface="+mn-lt"/>
+              </a:rPr>
+              <a:t>se regularizar no </a:t>
             </a:r>
             <a:r>
               <a:rPr lang="pt-BR" b="1" i="1" dirty="0">
@@ -10227,7 +10351,7 @@
         </p:nvSpPr>
         <p:spPr>
           <a:xfrm>
-            <a:off x="8675207" y="6330406"/>
+            <a:off x="9428833" y="6367833"/>
             <a:ext cx="2582245" cy="338554"/>
           </a:xfrm>
           <a:prstGeom prst="rect">
@@ -10593,6 +10717,52 @@
           </p:sp>
         </mc:Fallback>
       </mc:AlternateContent>
+      <p:sp>
+        <p:nvSpPr>
+          <p:cNvPr id="8" name="Retângulo 7"/>
+          <p:cNvSpPr/>
+          <p:nvPr/>
+        </p:nvSpPr>
+        <p:spPr>
+          <a:xfrm>
+            <a:off x="10018208" y="950500"/>
+            <a:ext cx="1379914" cy="303308"/>
+          </a:xfrm>
+          <a:prstGeom prst="rect">
+            <a:avLst/>
+          </a:prstGeom>
+          <a:noFill/>
+          <a:ln>
+            <a:solidFill>
+              <a:srgbClr val="FF0000"/>
+            </a:solidFill>
+          </a:ln>
+        </p:spPr>
+        <p:style>
+          <a:lnRef idx="2">
+            <a:schemeClr val="accent1">
+              <a:shade val="50000"/>
+            </a:schemeClr>
+          </a:lnRef>
+          <a:fillRef idx="1">
+            <a:schemeClr val="accent1"/>
+          </a:fillRef>
+          <a:effectRef idx="0">
+            <a:schemeClr val="accent1"/>
+          </a:effectRef>
+          <a:fontRef idx="minor">
+            <a:schemeClr val="lt1"/>
+          </a:fontRef>
+        </p:style>
+        <p:txBody>
+          <a:bodyPr rtlCol="0" anchor="ctr"/>
+          <a:lstStyle/>
+          <a:p>
+            <a:pPr algn="ctr"/>
+            <a:endParaRPr lang="en-US"/>
+          </a:p>
+        </p:txBody>
+      </p:sp>
     </p:spTree>
     <p:extLst>
       <p:ext uri="{BB962C8B-B14F-4D97-AF65-F5344CB8AC3E}">
@@ -10782,13 +10952,50 @@
               <a:t>ao prazo de entrega definido na tarefa do MS </a:t>
             </a:r>
             <a:r>
+              <a:rPr lang="pt-BR" b="1" dirty="0" err="1" smtClean="0">
+                <a:solidFill>
+                  <a:srgbClr val="FF0000"/>
+                </a:solidFill>
+              </a:rPr>
+              <a:t>Teams</a:t>
+            </a:r>
+            <a:r>
               <a:rPr lang="pt-BR" b="1" dirty="0" smtClean="0">
                 <a:solidFill>
                   <a:srgbClr val="FF0000"/>
                 </a:solidFill>
               </a:rPr>
-              <a:t>Teams (12/12/2021). </a:t>
-            </a:r>
+              <a:t> </a:t>
+            </a:r>
+            <a:r>
+              <a:rPr lang="pt-BR" b="1" dirty="0" smtClean="0">
+                <a:solidFill>
+                  <a:srgbClr val="FF0000"/>
+                </a:solidFill>
+              </a:rPr>
+              <a:t>(</a:t>
+            </a:r>
+            <a:r>
+              <a:rPr lang="pt-BR" b="1" dirty="0" smtClean="0">
+                <a:solidFill>
+                  <a:srgbClr val="FF0000"/>
+                </a:solidFill>
+              </a:rPr>
+              <a:t>26</a:t>
+            </a:r>
+            <a:r>
+              <a:rPr lang="pt-BR" b="1" dirty="0" smtClean="0">
+                <a:solidFill>
+                  <a:srgbClr val="FF0000"/>
+                </a:solidFill>
+              </a:rPr>
+              <a:t>/06/2022). </a:t>
+            </a:r>
+            <a:endParaRPr lang="pt-BR" b="1" dirty="0" smtClean="0">
+              <a:solidFill>
+                <a:srgbClr val="FF0000"/>
+              </a:solidFill>
+            </a:endParaRPr>
           </a:p>
           <a:p>
             <a:pPr lvl="1"/>
@@ -10880,7 +11087,7 @@
           <p:cNvPr id="4" name="Título 1">
             <a:extLst>
               <a:ext uri="{FF2B5EF4-FFF2-40B4-BE49-F238E27FC236}">
-                <a16:creationId xmlns:a16="http://schemas.microsoft.com/office/drawing/2014/main" xmlns="" id="{32666AC8-2E17-4DB4-B0F5-60C640CCFD2E}"/>
+                <a16:creationId xmlns="" xmlns:a16="http://schemas.microsoft.com/office/drawing/2014/main" id="{32666AC8-2E17-4DB4-B0F5-60C640CCFD2E}"/>
               </a:ext>
             </a:extLst>
           </p:cNvPr>
@@ -11324,7 +11531,15 @@
           <a:p>
             <a:r>
               <a:rPr lang="pt-BR" dirty="0" smtClean="0"/>
-              <a:t>Anteriormente, vimos como escolher o melhor modelo de regressão utilizando as técnicas de validação cruzada: holdout, k-Fold e leave-P-out.</a:t>
+              <a:t>Anteriormente, vimos como escolher o melhor modelo de regressão utilizando as técnicas de </a:t>
+            </a:r>
+            <a:r>
+              <a:rPr lang="pt-BR" b="1" i="1" dirty="0" smtClean="0"/>
+              <a:t>validação cruzada</a:t>
+            </a:r>
+            <a:r>
+              <a:rPr lang="pt-BR" dirty="0" smtClean="0"/>
+              <a:t>: holdout, k-Fold e leave-P-out.</a:t>
             </a:r>
           </a:p>
           <a:p>
@@ -11336,7 +11551,15 @@
           <a:p>
             <a:r>
               <a:rPr lang="pt-BR" dirty="0" smtClean="0"/>
-              <a:t>Ou seja, escolhemos o modelo que apresenta valores baixos para ambos os erros de treinamento e de validação.</a:t>
+              <a:t>Ou seja, escolhemos o modelo que apresenta valores baixos para ambos os </a:t>
+            </a:r>
+            <a:r>
+              <a:rPr lang="pt-BR" dirty="0" smtClean="0"/>
+              <a:t>erros, </a:t>
+            </a:r>
+            <a:r>
+              <a:rPr lang="pt-BR" dirty="0" smtClean="0"/>
+              <a:t>de treinamento e de validação.</a:t>
             </a:r>
           </a:p>
           <a:p>
@@ -11384,13 +11607,29 @@
             </a:r>
             <a:r>
               <a:rPr lang="pt-BR" dirty="0" smtClean="0"/>
-              <a:t>, possibilitando que encontremos a melhor hipótese de uma só vez.</a:t>
-            </a:r>
-          </a:p>
-          <a:p>
+              <a:t>, possibilitando que encontremos a melhor </a:t>
+            </a:r>
+            <a:r>
+              <a:rPr lang="pt-BR" b="1" i="1" dirty="0" smtClean="0"/>
+              <a:t>função hipótese </a:t>
+            </a:r>
             <a:r>
               <a:rPr lang="pt-BR" dirty="0" smtClean="0"/>
-              <a:t>Portanto, hoje, veremos as seguintes abordagens para se escolher o melhor modelo de regressão:</a:t>
+              <a:t>de uma só vez.</a:t>
+            </a:r>
+          </a:p>
+          <a:p>
+            <a:r>
+              <a:rPr lang="pt-BR" dirty="0" smtClean="0"/>
+              <a:t>Portanto, hoje, veremos as seguintes abordagens para se </a:t>
+            </a:r>
+            <a:r>
+              <a:rPr lang="pt-BR" dirty="0" smtClean="0"/>
+              <a:t>encontrar o </a:t>
+            </a:r>
+            <a:r>
+              <a:rPr lang="pt-BR" dirty="0" smtClean="0"/>
+              <a:t>melhor modelo de regressão:</a:t>
             </a:r>
           </a:p>
           <a:p>
@@ -11534,17 +11773,23 @@
         </p:spPr>
         <p:txBody>
           <a:bodyPr>
-            <a:normAutofit fontScale="92500"/>
+            <a:normAutofit fontScale="92500" lnSpcReduction="20000"/>
           </a:bodyPr>
           <a:lstStyle/>
           <a:p>
             <a:r>
+              <a:rPr lang="pt-BR" dirty="0" smtClean="0"/>
+              <a:t>Grandes magnitudes dos pesos de um modelo são um claro sinal de um modelo mais complexo que sobreajustou os dados de treinamento.</a:t>
+            </a:r>
+          </a:p>
+          <a:p>
+            <a:r>
               <a:rPr lang="pt-BR" b="1" i="1" dirty="0" smtClean="0"/>
               <a:t>Regularização</a:t>
             </a:r>
             <a:r>
               <a:rPr lang="pt-BR" dirty="0" smtClean="0"/>
-              <a:t>: deixar o modelo mais regular, ou seja, menos flexível.</a:t>
+              <a:t>: deixar o modelo menos flexível (ou seja, complexo).</a:t>
             </a:r>
           </a:p>
           <a:p>
@@ -11571,35 +11816,27 @@
           </a:p>
           <a:p>
             <a:r>
-              <a:rPr lang="pt-BR" dirty="0"/>
+              <a:rPr lang="pt-BR" dirty="0" smtClean="0"/>
               <a:t>Técnicas de </a:t>
             </a:r>
             <a:r>
-              <a:rPr lang="pt-BR" b="1" i="1" dirty="0"/>
+              <a:rPr lang="pt-BR" b="1" i="1" dirty="0" smtClean="0"/>
               <a:t>regularização</a:t>
             </a:r>
             <a:r>
-              <a:rPr lang="pt-BR" dirty="0"/>
-              <a:t> </a:t>
-            </a:r>
-            <a:r>
               <a:rPr lang="pt-BR" dirty="0" smtClean="0"/>
-              <a:t>reduzem </a:t>
-            </a:r>
-            <a:r>
-              <a:rPr lang="pt-BR" dirty="0"/>
-              <a:t>o risco de </a:t>
-            </a:r>
-            <a:r>
-              <a:rPr lang="pt-BR" b="1" i="1" dirty="0"/>
+              <a:t> reduzem o risco de </a:t>
+            </a:r>
+            <a:r>
+              <a:rPr lang="pt-BR" b="1" i="1" dirty="0" err="1" smtClean="0"/>
               <a:t>sobreajuste</a:t>
             </a:r>
             <a:r>
-              <a:rPr lang="pt-BR" dirty="0"/>
+              <a:rPr lang="pt-BR" dirty="0" smtClean="0"/>
               <a:t> do modelo ao conjunto de treinamento, aumentando sua capacidade de </a:t>
             </a:r>
             <a:r>
-              <a:rPr lang="pt-BR" b="1" i="1" dirty="0"/>
+              <a:rPr lang="pt-BR" b="1" i="1" dirty="0" smtClean="0"/>
               <a:t>generalização</a:t>
             </a:r>
             <a:r>
@@ -11614,26 +11851,10 @@
             </a:pPr>
             <a:r>
               <a:rPr lang="pt-BR" dirty="0" smtClean="0"/>
-              <a:t>Quanto </a:t>
-            </a:r>
-            <a:r>
-              <a:rPr lang="pt-BR" dirty="0"/>
-              <a:t>menos graus de liberdade </a:t>
-            </a:r>
-            <a:r>
-              <a:rPr lang="pt-BR" dirty="0" smtClean="0"/>
-              <a:t>o modelo </a:t>
-            </a:r>
-            <a:r>
-              <a:rPr lang="pt-BR" dirty="0"/>
-              <a:t>tiver, mais difícil será para </a:t>
-            </a:r>
-            <a:r>
-              <a:rPr lang="pt-BR" dirty="0" smtClean="0"/>
-              <a:t>ele se </a:t>
-            </a:r>
-            <a:r>
-              <a:rPr lang="pt-BR" b="1" i="1" dirty="0" smtClean="0"/>
+              <a:t>Quanto menos graus de liberdade o modelo tiver, mais difícil será para ele se </a:t>
+            </a:r>
+            <a:r>
+              <a:rPr lang="pt-BR" b="1" i="1" dirty="0" err="1" smtClean="0"/>
               <a:t>sobreajustar</a:t>
             </a:r>
             <a:r>
@@ -11644,15 +11865,15 @@
           <a:p>
             <a:r>
               <a:rPr lang="pt-BR" dirty="0" smtClean="0"/>
-              <a:t>O </a:t>
-            </a:r>
-            <a:r>
-              <a:rPr lang="pt-BR" b="1" i="1" dirty="0" smtClean="0"/>
+              <a:t>O risco de </a:t>
+            </a:r>
+            <a:r>
+              <a:rPr lang="pt-BR" b="1" i="1" dirty="0" err="1" smtClean="0"/>
               <a:t>sobreajuste</a:t>
             </a:r>
             <a:r>
               <a:rPr lang="pt-BR" dirty="0" smtClean="0"/>
-              <a:t> pode ser evitado incorporando </a:t>
+              <a:t> é reduzido incorporando-se </a:t>
             </a:r>
             <a:r>
               <a:rPr lang="pt-BR" b="1" i="1" dirty="0" smtClean="0"/>
@@ -11663,28 +11884,20 @@
               <a:t>proporcionais a alguma </a:t>
             </a:r>
             <a:r>
-              <a:rPr lang="pt-BR" b="1" i="1" dirty="0"/>
+              <a:rPr lang="pt-BR" b="1" i="1" dirty="0" smtClean="0"/>
               <a:t>norma</a:t>
             </a:r>
             <a:r>
-              <a:rPr lang="pt-BR" dirty="0"/>
+              <a:rPr lang="pt-BR" dirty="0" smtClean="0"/>
               <a:t> do </a:t>
             </a:r>
             <a:r>
-              <a:rPr lang="pt-BR" b="1" i="1" dirty="0"/>
-              <a:t>vetor de </a:t>
-            </a:r>
-            <a:r>
               <a:rPr lang="pt-BR" b="1" i="1" dirty="0" smtClean="0"/>
-              <a:t>pesos </a:t>
-            </a:r>
-            <a:r>
-              <a:rPr lang="pt-BR" dirty="0"/>
-              <a:t>ao processo de </a:t>
+              <a:t>vetor de pesos </a:t>
             </a:r>
             <a:r>
               <a:rPr lang="pt-BR" dirty="0" smtClean="0"/>
-              <a:t>treinamento.</a:t>
+              <a:t>ao processo de treinamento.</a:t>
             </a:r>
           </a:p>
           <a:p>
@@ -11698,34 +11911,26 @@
             </a:r>
             <a:r>
               <a:rPr lang="pt-BR" dirty="0" smtClean="0"/>
-              <a:t> são</a:t>
-            </a:r>
-            <a:r>
-              <a:rPr lang="pt-BR" dirty="0"/>
-              <a:t>: </a:t>
-            </a:r>
-            <a:r>
-              <a:rPr lang="it-IT" i="1" dirty="0"/>
-              <a:t>R</a:t>
-            </a:r>
-            <a:r>
-              <a:rPr lang="it-IT" i="1" dirty="0" smtClean="0"/>
-              <a:t>igde</a:t>
-            </a:r>
-            <a:r>
-              <a:rPr lang="it-IT" dirty="0" smtClean="0"/>
-              <a:t>, </a:t>
-            </a:r>
-            <a:r>
-              <a:rPr lang="it-IT" dirty="0"/>
-              <a:t>LASSO e </a:t>
-            </a:r>
-            <a:r>
-              <a:rPr lang="it-IT" i="1" dirty="0" smtClean="0"/>
-              <a:t>elastic-net</a:t>
-            </a:r>
-            <a:r>
-              <a:rPr lang="it-IT" dirty="0" smtClean="0"/>
+              <a:t> são: </a:t>
+            </a:r>
+            <a:r>
+              <a:rPr lang="pt-BR" i="1" dirty="0" err="1" smtClean="0"/>
+              <a:t>Rigde</a:t>
+            </a:r>
+            <a:r>
+              <a:rPr lang="pt-BR" dirty="0" smtClean="0"/>
+              <a:t>, LASSO e </a:t>
+            </a:r>
+            <a:r>
+              <a:rPr lang="pt-BR" i="1" dirty="0" err="1" smtClean="0"/>
+              <a:t>elastic</a:t>
+            </a:r>
+            <a:r>
+              <a:rPr lang="pt-BR" i="1" dirty="0" smtClean="0"/>
+              <a:t>-net</a:t>
+            </a:r>
+            <a:r>
+              <a:rPr lang="pt-BR" dirty="0" smtClean="0"/>
               <a:t>.</a:t>
             </a:r>
           </a:p>
@@ -11740,23 +11945,7 @@
             </a:r>
             <a:r>
               <a:rPr lang="pt-BR" dirty="0" smtClean="0"/>
-              <a:t> </a:t>
-            </a:r>
-            <a:r>
-              <a:rPr lang="pt-BR" dirty="0"/>
-              <a:t>força o algoritmo de aprendizado não apenas a </a:t>
-            </a:r>
-            <a:r>
-              <a:rPr lang="pt-BR" dirty="0" smtClean="0"/>
-              <a:t>se ajustar aos </a:t>
-            </a:r>
-            <a:r>
-              <a:rPr lang="pt-BR" dirty="0"/>
-              <a:t>dados, mas também a manter os pesos do modelo os menores possíveis</a:t>
-            </a:r>
-            <a:r>
-              <a:rPr lang="pt-BR" dirty="0" smtClean="0"/>
-              <a:t>.</a:t>
+              <a:t> força o algoritmo de aprendizado não apenas a se ajustar aos dados, mas também a manter os pesos do modelo os menores possíveis.</a:t>
             </a:r>
             <a:endParaRPr lang="pt-BR" dirty="0"/>
           </a:p>
@@ -11826,8 +12015,8 @@
           </a:p>
         </p:txBody>
       </p:sp>
-      <mc:AlternateContent xmlns:mc="http://schemas.openxmlformats.org/markup-compatibility/2006" xmlns:a14="http://schemas.microsoft.com/office/drawing/2010/main">
-        <mc:Choice Requires="a14">
+      <mc:AlternateContent xmlns:mc="http://schemas.openxmlformats.org/markup-compatibility/2006">
+        <mc:Choice xmlns:a14="http://schemas.microsoft.com/office/drawing/2010/main" Requires="a14">
           <p:sp>
             <p:nvSpPr>
               <p:cNvPr id="3" name="Content Placeholder 2"/>
@@ -12625,7 +12814,23 @@
                 </a14:m>
                 <a:r>
                   <a:rPr lang="pt-BR" dirty="0"/>
-                  <a:t> restringe a magnitude dos pesos e é inversamente proporcional à </a:t>
+                  <a:t> </a:t>
+                </a:r>
+                <a:r>
+                  <a:rPr lang="pt-BR" b="1" i="1" dirty="0"/>
+                  <a:t>restringe a magnitude dos </a:t>
+                </a:r>
+                <a:r>
+                  <a:rPr lang="pt-BR" b="1" i="1" dirty="0"/>
+                  <a:t>pesos </a:t>
+                </a:r>
+                <a:r>
+                  <a:rPr lang="pt-BR" dirty="0" smtClean="0"/>
+                  <a:t>e </a:t>
+                </a:r>
+                <a:r>
+                  <a:rPr lang="pt-BR" dirty="0"/>
+                  <a:t>é inversamente proporcional à </a:t>
                 </a:r>
                 <a14:m>
                   <m:oMath xmlns:m="http://schemas.openxmlformats.org/officeDocument/2006/math">
@@ -12781,7 +12986,7 @@
             </p:txBody>
           </p:sp>
         </mc:Choice>
-        <mc:Fallback xmlns="">
+        <mc:Fallback>
           <p:sp>
             <p:nvSpPr>
               <p:cNvPr id="3" name="Content Placeholder 2"/>
@@ -12809,7 +13014,7 @@
               <a:lstStyle/>
               <a:p>
                 <a:r>
-                  <a:rPr lang="pt-BR">
+                  <a:rPr lang="en-US">
                     <a:noFill/>
                   </a:rPr>
                   <a:t> </a:t>
@@ -12903,8 +13108,8 @@
           </a:fontRef>
         </p:style>
       </p:cxnSp>
-      <mc:AlternateContent xmlns:mc="http://schemas.openxmlformats.org/markup-compatibility/2006" xmlns:a14="http://schemas.microsoft.com/office/drawing/2010/main">
-        <mc:Choice Requires="a14">
+      <mc:AlternateContent xmlns:mc="http://schemas.openxmlformats.org/markup-compatibility/2006">
+        <mc:Choice xmlns:a14="http://schemas.microsoft.com/office/drawing/2010/main" Requires="a14">
           <p:sp>
             <p:nvSpPr>
               <p:cNvPr id="14" name="TextBox 13"/>
@@ -12913,8 +13118,8 @@
             </p:nvSpPr>
             <p:spPr>
               <a:xfrm>
-                <a:off x="7498884" y="4149645"/>
-                <a:ext cx="4404852" cy="959750"/>
+                <a:off x="7498884" y="3995409"/>
+                <a:ext cx="4508896" cy="1175194"/>
               </a:xfrm>
               <a:prstGeom prst="rect">
                 <a:avLst/>
@@ -13215,25 +13420,54 @@
                         </m:r>
                       </m:sub>
                     </m:sSub>
+                  </m:oMath>
+                </a14:m>
+                <a:r>
+                  <a:rPr lang="pt-BR" sz="1400" dirty="0" smtClean="0"/>
+                  <a:t> pode assumir qualquer valor. </a:t>
+                </a:r>
+              </a:p>
+              <a:p>
+                <a:pPr marL="285750" indent="-285750">
+                  <a:buFont typeface="Arial" panose="020B0604020202020204" pitchFamily="34" charset="0"/>
+                  <a:buChar char="•"/>
+                </a:pPr>
+                <a14:m>
+                  <m:oMath xmlns:m="http://schemas.openxmlformats.org/officeDocument/2006/math">
                     <m:r>
                       <a:rPr lang="pt-BR" sz="1400" i="1">
                         <a:latin typeface="Cambria Math" panose="02040503050406030204" pitchFamily="18" charset="0"/>
                         <a:ea typeface="Cambria Math" panose="02040503050406030204" pitchFamily="18" charset="0"/>
                       </a:rPr>
-                      <m:t>→∞</m:t>
+                      <m:t>𝑐</m:t>
+                    </m:r>
+                    <m:r>
+                      <a:rPr lang="pt-BR" sz="1400" i="1">
+                        <a:latin typeface="Cambria Math" panose="02040503050406030204" pitchFamily="18" charset="0"/>
+                        <a:ea typeface="Cambria Math" panose="02040503050406030204" pitchFamily="18" charset="0"/>
+                      </a:rPr>
+                      <m:t> </m:t>
                     </m:r>
                   </m:oMath>
                 </a14:m>
                 <a:r>
                   <a:rPr lang="pt-BR" sz="1400" dirty="0" smtClean="0"/>
-                  <a:t>. </a:t>
+                  <a:t> define o tamanho da região </a:t>
+                </a:r>
+                <a:r>
+                  <a:rPr lang="pt-BR" sz="1400" dirty="0"/>
+                  <a:t>de </a:t>
+                </a:r>
+                <a:r>
+                  <a:rPr lang="pt-BR" sz="1400" dirty="0" smtClean="0"/>
+                  <a:t>factibilidade.</a:t>
                 </a:r>
                 <a:endParaRPr lang="pt-BR" sz="1400" dirty="0"/>
               </a:p>
             </p:txBody>
           </p:sp>
         </mc:Choice>
-        <mc:Fallback xmlns="">
+        <mc:Fallback>
           <p:sp>
             <p:nvSpPr>
               <p:cNvPr id="14" name="TextBox 13"/>
@@ -13244,8 +13478,8 @@
             </p:nvSpPr>
             <p:spPr>
               <a:xfrm>
-                <a:off x="7498884" y="4149645"/>
-                <a:ext cx="4404852" cy="959750"/>
+                <a:off x="7498884" y="3995409"/>
+                <a:ext cx="4508896" cy="1175194"/>
               </a:xfrm>
               <a:prstGeom prst="rect">
                 <a:avLst/>
@@ -13253,7 +13487,7 @@
               <a:blipFill rotWithShape="0">
                 <a:blip r:embed="rId4"/>
                 <a:stretch>
-                  <a:fillRect l="-138" t="-637" r="-692" b="-5732"/>
+                  <a:fillRect l="-135" b="-4663"/>
                 </a:stretch>
               </a:blipFill>
             </p:spPr>
@@ -13262,7 +13496,7 @@
               <a:lstStyle/>
               <a:p>
                 <a:r>
-                  <a:rPr lang="pt-BR">
+                  <a:rPr lang="en-US">
                     <a:noFill/>
                   </a:rPr>
                   <a:t> </a:t>
@@ -13378,47 +13612,108 @@
           </a:extLst>
         </p:spPr>
       </p:pic>
-      <p:sp>
-        <p:nvSpPr>
-          <p:cNvPr id="4" name="Rectangle 3"/>
-          <p:cNvSpPr/>
-          <p:nvPr/>
-        </p:nvSpPr>
-        <p:spPr>
-          <a:xfrm>
-            <a:off x="8890128" y="675540"/>
-            <a:ext cx="2369544" cy="830997"/>
-          </a:xfrm>
-          <a:prstGeom prst="rect">
-            <a:avLst/>
-          </a:prstGeom>
-        </p:spPr>
-        <p:txBody>
-          <a:bodyPr wrap="square">
-            <a:spAutoFit/>
-          </a:bodyPr>
-          <a:lstStyle/>
-          <a:p>
-            <a:r>
-              <a:rPr lang="pt-BR" sz="1200" b="1" dirty="0" smtClean="0"/>
-              <a:t>Região </a:t>
-            </a:r>
-            <a:r>
-              <a:rPr lang="pt-BR" sz="1200" b="1" dirty="0"/>
-              <a:t>de </a:t>
-            </a:r>
-            <a:r>
-              <a:rPr lang="pt-BR" sz="1200" b="1" dirty="0" smtClean="0"/>
-              <a:t>factibilidade</a:t>
-            </a:r>
-            <a:r>
-              <a:rPr lang="pt-BR" sz="1200" dirty="0" smtClean="0"/>
-              <a:t>: possíveis valores que os pesos podem assumir. O raio do círculo é dado pelo fator de regularização.</a:t>
-            </a:r>
-            <a:endParaRPr lang="pt-BR" sz="1200" dirty="0"/>
-          </a:p>
-        </p:txBody>
-      </p:sp>
+      <mc:AlternateContent xmlns:mc="http://schemas.openxmlformats.org/markup-compatibility/2006">
+        <mc:Choice xmlns:a14="http://schemas.microsoft.com/office/drawing/2010/main" Requires="a14">
+          <p:sp>
+            <p:nvSpPr>
+              <p:cNvPr id="4" name="Rectangle 3"/>
+              <p:cNvSpPr/>
+              <p:nvPr/>
+            </p:nvSpPr>
+            <p:spPr>
+              <a:xfrm>
+                <a:off x="8890128" y="675540"/>
+                <a:ext cx="2369544" cy="830997"/>
+              </a:xfrm>
+              <a:prstGeom prst="rect">
+                <a:avLst/>
+              </a:prstGeom>
+            </p:spPr>
+            <p:txBody>
+              <a:bodyPr wrap="square">
+                <a:spAutoFit/>
+              </a:bodyPr>
+              <a:lstStyle/>
+              <a:p>
+                <a:r>
+                  <a:rPr lang="pt-BR" sz="1200" b="1" dirty="0" smtClean="0"/>
+                  <a:t>Região </a:t>
+                </a:r>
+                <a:r>
+                  <a:rPr lang="pt-BR" sz="1200" b="1" dirty="0"/>
+                  <a:t>de </a:t>
+                </a:r>
+                <a:r>
+                  <a:rPr lang="pt-BR" sz="1200" b="1" dirty="0" smtClean="0"/>
+                  <a:t>factibilidade</a:t>
+                </a:r>
+                <a:r>
+                  <a:rPr lang="pt-BR" sz="1200" dirty="0" smtClean="0"/>
+                  <a:t>: possíveis valores que os pesos podem assumir. O raio do círculo é dado pelo fator de </a:t>
+                </a:r>
+                <a:r>
+                  <a:rPr lang="pt-BR" sz="1200" dirty="0" smtClean="0"/>
+                  <a:t>regularização, </a:t>
+                </a:r>
+                <a14:m>
+                  <m:oMath xmlns:m="http://schemas.openxmlformats.org/officeDocument/2006/math">
+                    <m:r>
+                      <a:rPr lang="pt-BR" sz="1200" i="1">
+                        <a:latin typeface="Cambria Math" panose="02040503050406030204" pitchFamily="18" charset="0"/>
+                        <a:ea typeface="Cambria Math" panose="02040503050406030204" pitchFamily="18" charset="0"/>
+                      </a:rPr>
+                      <m:t>𝜆</m:t>
+                    </m:r>
+                  </m:oMath>
+                </a14:m>
+                <a:r>
+                  <a:rPr lang="pt-BR" sz="1200" dirty="0" smtClean="0"/>
+                  <a:t>.</a:t>
+                </a:r>
+                <a:endParaRPr lang="pt-BR" sz="1200" dirty="0"/>
+              </a:p>
+            </p:txBody>
+          </p:sp>
+        </mc:Choice>
+        <mc:Fallback>
+          <p:sp>
+            <p:nvSpPr>
+              <p:cNvPr id="4" name="Rectangle 3"/>
+              <p:cNvSpPr>
+                <a:spLocks noRot="1" noChangeAspect="1" noMove="1" noResize="1" noEditPoints="1" noAdjustHandles="1" noChangeArrowheads="1" noChangeShapeType="1" noTextEdit="1"/>
+              </p:cNvSpPr>
+              <p:nvPr/>
+            </p:nvSpPr>
+            <p:spPr>
+              <a:xfrm>
+                <a:off x="8890128" y="675540"/>
+                <a:ext cx="2369544" cy="830997"/>
+              </a:xfrm>
+              <a:prstGeom prst="rect">
+                <a:avLst/>
+              </a:prstGeom>
+              <a:blipFill rotWithShape="0">
+                <a:blip r:embed="rId6"/>
+                <a:stretch>
+                  <a:fillRect t="-735" b="-5147"/>
+                </a:stretch>
+              </a:blipFill>
+            </p:spPr>
+            <p:txBody>
+              <a:bodyPr/>
+              <a:lstStyle/>
+              <a:p>
+                <a:r>
+                  <a:rPr lang="en-US">
+                    <a:noFill/>
+                  </a:rPr>
+                  <a:t> </a:t>
+                </a:r>
+              </a:p>
+            </p:txBody>
+          </p:sp>
+        </mc:Fallback>
+      </mc:AlternateContent>
       <p:cxnSp>
         <p:nvCxnSpPr>
           <p:cNvPr id="7" name="Straight Arrow Connector 6"/>
@@ -13430,7 +13725,7 @@
         <p:spPr>
           <a:xfrm flipV="1">
             <a:off x="7799294" y="1091039"/>
-            <a:ext cx="1090834" cy="200061"/>
+            <a:ext cx="1090834" cy="200062"/>
           </a:xfrm>
           <a:prstGeom prst="straightConnector1">
             <a:avLst/>
@@ -13516,8 +13811,8 @@
           </a:p>
         </p:txBody>
       </p:sp>
-      <mc:AlternateContent xmlns:mc="http://schemas.openxmlformats.org/markup-compatibility/2006" xmlns:a14="http://schemas.microsoft.com/office/drawing/2010/main">
-        <mc:Choice Requires="a14">
+      <mc:AlternateContent xmlns:mc="http://schemas.openxmlformats.org/markup-compatibility/2006">
+        <mc:Choice xmlns:a14="http://schemas.microsoft.com/office/drawing/2010/main" Requires="a14">
           <p:sp>
             <p:nvSpPr>
               <p:cNvPr id="3" name="Content Placeholder 2"/>
@@ -13536,7 +13831,7 @@
             </p:spPr>
             <p:txBody>
               <a:bodyPr>
-                <a:normAutofit fontScale="85000" lnSpcReduction="20000"/>
+                <a:normAutofit fontScale="85000" lnSpcReduction="10000"/>
               </a:bodyPr>
               <a:lstStyle/>
               <a:p>
@@ -13690,14 +13985,9 @@
                   <a:t>equação normal</a:t>
                 </a:r>
                 <a:r>
-                  <a:rPr lang="pt-BR" dirty="0"/>
+                  <a:rPr lang="pt-BR" dirty="0" smtClean="0"/>
                   <a:t>:</a:t>
                 </a:r>
-              </a:p>
-              <a:p>
-                <a:pPr marL="0" indent="0" algn="ctr">
-                  <a:buNone/>
-                </a:pPr>
                 <a:endParaRPr lang="pt-BR" b="1" i="1" dirty="0">
                   <a:latin typeface="Cambria Math" panose="02040503050406030204" pitchFamily="18" charset="0"/>
                 </a:endParaRPr>
@@ -14493,7 +14783,7 @@
             </p:txBody>
           </p:sp>
         </mc:Choice>
-        <mc:Fallback xmlns="">
+        <mc:Fallback>
           <p:sp>
             <p:nvSpPr>
               <p:cNvPr id="3" name="Content Placeholder 2"/>
@@ -14512,7 +14802,7 @@
               <a:blipFill rotWithShape="0">
                 <a:blip r:embed="rId2"/>
                 <a:stretch>
-                  <a:fillRect l="-765" t="-2785" r="-273"/>
+                  <a:fillRect l="-765" t="-2300" r="-273" b="-1211"/>
                 </a:stretch>
               </a:blipFill>
             </p:spPr>
@@ -14521,7 +14811,7 @@
               <a:lstStyle/>
               <a:p>
                 <a:r>
-                  <a:rPr lang="pt-BR">
+                  <a:rPr lang="en-US">
                     <a:noFill/>
                   </a:rPr>
                   <a:t> </a:t>
@@ -14539,7 +14829,7 @@
         </p:nvSpPr>
         <p:spPr>
           <a:xfrm>
-            <a:off x="4591622" y="3666614"/>
+            <a:off x="4591622" y="3556086"/>
             <a:ext cx="679915" cy="485192"/>
           </a:xfrm>
           <a:prstGeom prst="rect">
@@ -14585,8 +14875,8 @@
         </p:nvCxnSpPr>
         <p:spPr>
           <a:xfrm flipH="1" flipV="1">
-            <a:off x="5271537" y="4151807"/>
-            <a:ext cx="3020816" cy="653275"/>
+            <a:off x="5271537" y="4041278"/>
+            <a:ext cx="2636516" cy="681448"/>
           </a:xfrm>
           <a:prstGeom prst="straightConnector1">
             <a:avLst/>
@@ -14678,8 +14968,8 @@
           </a:p>
         </p:txBody>
       </p:sp>
-      <mc:AlternateContent xmlns:mc="http://schemas.openxmlformats.org/markup-compatibility/2006" xmlns:a14="http://schemas.microsoft.com/office/drawing/2010/main">
-        <mc:Choice Requires="a14">
+      <mc:AlternateContent xmlns:mc="http://schemas.openxmlformats.org/markup-compatibility/2006">
+        <mc:Choice xmlns:a14="http://schemas.microsoft.com/office/drawing/2010/main" Requires="a14">
           <p:sp>
             <p:nvSpPr>
               <p:cNvPr id="11" name="Content Placeholder 2"/>
@@ -14857,7 +15147,14 @@
                         <a:latin typeface="Cambria Math" panose="02040503050406030204" pitchFamily="18" charset="0"/>
                         <a:ea typeface="Cambria Math" panose="02040503050406030204" pitchFamily="18" charset="0"/>
                       </a:rPr>
-                      <m:t>(0,1)</m:t>
+                      <m:t>(0, 0.0</m:t>
+                    </m:r>
+                    <m:r>
+                      <a:rPr lang="pt-BR" i="1">
+                        <a:latin typeface="Cambria Math" panose="02040503050406030204" pitchFamily="18" charset="0"/>
+                        <a:ea typeface="Cambria Math" panose="02040503050406030204" pitchFamily="18" charset="0"/>
+                      </a:rPr>
+                      <m:t>9)</m:t>
                     </m:r>
                   </m:oMath>
                 </a14:m>
@@ -14869,12 +15166,16 @@
               </a:p>
               <a:p>
                 <a:r>
-                  <a:rPr lang="pt-BR" dirty="0" smtClean="0"/>
+                  <a:rPr lang="pt-BR" b="1" i="1" dirty="0" smtClean="0"/>
                   <a:t>Função </a:t>
                 </a:r>
                 <a:r>
+                  <a:rPr lang="pt-BR" b="1" i="1" dirty="0"/>
+                  <a:t>hipótese polinomial </a:t>
+                </a:r>
+                <a:r>
                   <a:rPr lang="pt-BR" dirty="0"/>
-                  <a:t>hipótese polinomial de </a:t>
+                  <a:t>de </a:t>
                 </a:r>
                 <a:r>
                   <a:rPr lang="pt-BR" dirty="0" smtClean="0"/>
@@ -14942,11 +15243,23 @@
                 </a14:m>
                 <a:r>
                   <a:rPr lang="pt-BR" dirty="0"/>
-                  <a:t>, regressão de Ridge </a:t>
+                  <a:t>, regressão </a:t>
+                </a:r>
+                <a:r>
+                  <a:rPr lang="pt-BR" dirty="0" err="1" smtClean="0"/>
+                  <a:t>Ridge</a:t>
                 </a:r>
                 <a:r>
                   <a:rPr lang="pt-BR" dirty="0" smtClean="0"/>
-                  <a:t>se torna uma regressão polinomial sem regularização.</a:t>
+                  <a:t> </a:t>
+                </a:r>
+                <a:r>
+                  <a:rPr lang="pt-BR" dirty="0" smtClean="0"/>
+                  <a:t>se torna uma regressão polinomial sem </a:t>
+                </a:r>
+                <a:r>
+                  <a:rPr lang="pt-BR" dirty="0" smtClean="0"/>
+                  <a:t>regularização e sobreajusta.</a:t>
                 </a:r>
                 <a:endParaRPr lang="pt-BR" dirty="0"/>
               </a:p>
@@ -14968,7 +15281,15 @@
                 </a14:m>
                 <a:r>
                   <a:rPr lang="pt-BR" dirty="0"/>
-                  <a:t> aumenta, o modelo não se “</a:t>
+                  <a:t> aumenta, o modelo </a:t>
+                </a:r>
+                <a:r>
+                  <a:rPr lang="pt-BR" dirty="0" smtClean="0"/>
+                  <a:t>se </a:t>
+                </a:r>
+                <a:r>
+                  <a:rPr lang="pt-BR" dirty="0"/>
+                  <a:t>“</a:t>
                 </a:r>
                 <a:r>
                   <a:rPr lang="pt-BR" i="1" dirty="0"/>
@@ -14976,16 +15297,21 @@
                 </a:r>
                 <a:r>
                   <a:rPr lang="pt-BR" dirty="0"/>
-                  <a:t> tanto </a:t>
+                  <a:t> </a:t>
                 </a:r>
                 <a:r>
                   <a:rPr lang="pt-BR" dirty="0" smtClean="0"/>
-                  <a:t>e passa a se </a:t>
-                </a:r>
-                <a:r>
-                  <a:rPr lang="pt-BR" dirty="0"/>
-                  <a:t>ajustar aos dados de treinamento.</a:t>
-                </a:r>
+                  <a:t>menos e </a:t>
+                </a:r>
+                <a:r>
+                  <a:rPr lang="pt-BR" dirty="0" smtClean="0"/>
+                  <a:t>passa a se </a:t>
+                </a:r>
+                <a:r>
+                  <a:rPr lang="pt-BR" dirty="0" smtClean="0"/>
+                  <a:t>ajustar à função verdadeira.</a:t>
+                </a:r>
+                <a:endParaRPr lang="pt-BR" dirty="0"/>
               </a:p>
               <a:p>
                 <a:r>
@@ -15134,13 +15460,26 @@
                 </a:r>
                 <a:r>
                   <a:rPr lang="pt-BR" dirty="0" smtClean="0"/>
-                  <a:t>pesos diminuem.</a:t>
-                </a:r>
+                  <a:t>pesos </a:t>
+                </a:r>
+                <a:r>
+                  <a:rPr lang="pt-BR" dirty="0" smtClean="0"/>
+                  <a:t>diminuem (figuras 4 e 5).</a:t>
+                </a:r>
+                <a:endParaRPr lang="pt-BR" dirty="0" smtClean="0"/>
               </a:p>
               <a:p>
                 <a:r>
                   <a:rPr lang="pt-BR" dirty="0" smtClean="0"/>
-                  <a:t>Utiliza-se técnicas de </a:t>
+                  <a:t>Devemos u</a:t>
+                </a:r>
+                <a:r>
+                  <a:rPr lang="pt-BR" dirty="0" smtClean="0"/>
+                  <a:t>tilizamos </a:t>
+                </a:r>
+                <a:r>
+                  <a:rPr lang="pt-BR" dirty="0" smtClean="0"/>
+                  <a:t>técnicas de </a:t>
                 </a:r>
                 <a:r>
                   <a:rPr lang="pt-BR" b="1" i="1" dirty="0" smtClean="0"/>
@@ -15170,7 +15509,7 @@
             </p:txBody>
           </p:sp>
         </mc:Choice>
-        <mc:Fallback xmlns="">
+        <mc:Fallback>
           <p:sp>
             <p:nvSpPr>
               <p:cNvPr id="11" name="Content Placeholder 2"/>
@@ -15189,7 +15528,7 @@
               <a:blipFill rotWithShape="0">
                 <a:blip r:embed="rId3"/>
                 <a:stretch>
-                  <a:fillRect l="-438" t="-3063" r="-164"/>
+                  <a:fillRect l="-438" t="-3063"/>
                 </a:stretch>
               </a:blipFill>
             </p:spPr>
@@ -15198,7 +15537,7 @@
               <a:lstStyle/>
               <a:p>
                 <a:r>
-                  <a:rPr lang="pt-BR">
+                  <a:rPr lang="en-US">
                     <a:noFill/>
                   </a:rPr>
                   <a:t> </a:t>
@@ -15216,7 +15555,7 @@
         </p:nvSpPr>
         <p:spPr>
           <a:xfrm>
-            <a:off x="9078188" y="6391003"/>
+            <a:off x="9078188" y="6481435"/>
             <a:ext cx="2899448" cy="338554"/>
           </a:xfrm>
           <a:prstGeom prst="rect">
@@ -15537,6 +15876,52 @@
           </p:sp>
         </mc:Fallback>
       </mc:AlternateContent>
+      <p:sp>
+        <p:nvSpPr>
+          <p:cNvPr id="3" name="Retângulo 2"/>
+          <p:cNvSpPr/>
+          <p:nvPr/>
+        </p:nvSpPr>
+        <p:spPr>
+          <a:xfrm>
+            <a:off x="4119824" y="3379394"/>
+            <a:ext cx="1688123" cy="388738"/>
+          </a:xfrm>
+          <a:prstGeom prst="rect">
+            <a:avLst/>
+          </a:prstGeom>
+          <a:noFill/>
+          <a:ln>
+            <a:solidFill>
+              <a:srgbClr val="FF0000"/>
+            </a:solidFill>
+          </a:ln>
+        </p:spPr>
+        <p:style>
+          <a:lnRef idx="2">
+            <a:schemeClr val="accent1">
+              <a:shade val="50000"/>
+            </a:schemeClr>
+          </a:lnRef>
+          <a:fillRef idx="1">
+            <a:schemeClr val="accent1"/>
+          </a:fillRef>
+          <a:effectRef idx="0">
+            <a:schemeClr val="accent1"/>
+          </a:effectRef>
+          <a:fontRef idx="minor">
+            <a:schemeClr val="lt1"/>
+          </a:fontRef>
+        </p:style>
+        <p:txBody>
+          <a:bodyPr rtlCol="0" anchor="ctr"/>
+          <a:lstStyle/>
+          <a:p>
+            <a:pPr algn="ctr"/>
+            <a:endParaRPr lang="en-US"/>
+          </a:p>
+        </p:txBody>
+      </p:sp>
     </p:spTree>
     <p:extLst>
       <p:ext uri="{BB962C8B-B14F-4D97-AF65-F5344CB8AC3E}">
@@ -16717,8 +17102,8 @@
           </a:p>
         </p:txBody>
       </p:sp>
-      <mc:AlternateContent xmlns:mc="http://schemas.openxmlformats.org/markup-compatibility/2006" xmlns:a14="http://schemas.microsoft.com/office/drawing/2010/main">
-        <mc:Choice Requires="a14">
+      <mc:AlternateContent xmlns:mc="http://schemas.openxmlformats.org/markup-compatibility/2006">
+        <mc:Choice xmlns:a14="http://schemas.microsoft.com/office/drawing/2010/main" Requires="a14">
           <p:sp>
             <p:nvSpPr>
               <p:cNvPr id="3" name="Content Placeholder 2"/>
@@ -16764,7 +17149,39 @@
                 </a14:m>
                 <a:r>
                   <a:rPr lang="pt-BR" dirty="0" smtClean="0"/>
-                  <a:t> fazem LASSO se comportar como regressão tradicional e valores muito grandes fazem os pesos serem anulados.</a:t>
+                  <a:t> fazem </a:t>
+                </a:r>
+                <a:r>
+                  <a:rPr lang="pt-BR" dirty="0" smtClean="0"/>
+                  <a:t>o </a:t>
+                </a:r>
+                <a:r>
+                  <a:rPr lang="pt-BR" dirty="0" err="1" smtClean="0"/>
+                  <a:t>regressor</a:t>
+                </a:r>
+                <a:r>
+                  <a:rPr lang="pt-BR" dirty="0" smtClean="0"/>
+                  <a:t> LASSO </a:t>
+                </a:r>
+                <a:r>
+                  <a:rPr lang="pt-BR" dirty="0" smtClean="0"/>
+                  <a:t>se comportar </a:t>
+                </a:r>
+                <a:r>
+                  <a:rPr lang="pt-BR" dirty="0" smtClean="0"/>
+                  <a:t>com um </a:t>
+                </a:r>
+                <a:r>
+                  <a:rPr lang="pt-BR" dirty="0" err="1" smtClean="0"/>
+                  <a:t>regressor</a:t>
+                </a:r>
+                <a:r>
+                  <a:rPr lang="pt-BR" dirty="0" smtClean="0"/>
+                  <a:t> </a:t>
+                </a:r>
+                <a:r>
+                  <a:rPr lang="pt-BR" dirty="0" smtClean="0"/>
+                  <a:t>tradicional e valores muito grandes fazem os pesos serem anulados.</a:t>
                 </a:r>
               </a:p>
               <a:p>
@@ -16974,7 +17391,7 @@
             </p:txBody>
           </p:sp>
         </mc:Choice>
-        <mc:Fallback xmlns="">
+        <mc:Fallback>
           <p:sp>
             <p:nvSpPr>
               <p:cNvPr id="3" name="Content Placeholder 2"/>
@@ -17002,7 +17419,7 @@
               <a:lstStyle/>
               <a:p>
                 <a:r>
-                  <a:rPr lang="pt-BR">
+                  <a:rPr lang="en-US">
                     <a:noFill/>
                   </a:rPr>
                   <a:t> </a:t>
@@ -17375,23 +17792,34 @@
         </p:nvSpPr>
         <p:spPr>
           <a:xfrm>
-            <a:off x="838200" y="83575"/>
+            <a:off x="838200" y="194103"/>
             <a:ext cx="10515600" cy="729157"/>
           </a:xfrm>
         </p:spPr>
         <p:txBody>
-          <a:bodyPr/>
+          <a:bodyPr vert="horz" lIns="91440" tIns="45720" rIns="91440" bIns="45720" rtlCol="0" anchor="ctr">
+            <a:normAutofit/>
+          </a:bodyPr>
           <a:lstStyle/>
           <a:p>
             <a:r>
               <a:rPr lang="pt-BR" dirty="0"/>
-              <a:t>Vantagem do LASSO sobre Ridge</a:t>
-            </a:r>
+              <a:t>Por que </a:t>
+            </a:r>
+            <a:r>
+              <a:rPr lang="pt-BR" dirty="0" smtClean="0"/>
+              <a:t>LASSO produz </a:t>
+            </a:r>
+            <a:r>
+              <a:rPr lang="pt-BR" dirty="0"/>
+              <a:t>modelos esparsos?</a:t>
+            </a:r>
+            <a:endParaRPr lang="pt-BR" dirty="0"/>
           </a:p>
         </p:txBody>
       </p:sp>
-      <mc:AlternateContent xmlns:mc="http://schemas.openxmlformats.org/markup-compatibility/2006" xmlns:a14="http://schemas.microsoft.com/office/drawing/2010/main">
-        <mc:Choice Requires="a14">
+      <mc:AlternateContent xmlns:mc="http://schemas.openxmlformats.org/markup-compatibility/2006">
+        <mc:Choice xmlns:a14="http://schemas.microsoft.com/office/drawing/2010/main" Requires="a14">
           <p:sp>
             <p:nvSpPr>
               <p:cNvPr id="8" name="Content Placeholder 2"/>
@@ -17404,38 +17832,27 @@
             </p:nvSpPr>
             <p:spPr>
               <a:xfrm>
-                <a:off x="465513" y="3474995"/>
-                <a:ext cx="11520626" cy="3383005"/>
+                <a:off x="465512" y="3627456"/>
+                <a:ext cx="11592509" cy="3230544"/>
               </a:xfrm>
             </p:spPr>
             <p:txBody>
               <a:bodyPr>
-                <a:normAutofit fontScale="85000" lnSpcReduction="10000"/>
+                <a:normAutofit fontScale="77500" lnSpcReduction="20000"/>
               </a:bodyPr>
               <a:lstStyle/>
               <a:p>
-                <a:r>
-                  <a:rPr lang="pt-BR" b="1" dirty="0"/>
-                  <a:t>Por que a regressão </a:t>
-                </a:r>
-                <a:r>
-                  <a:rPr lang="pt-BR" b="1" dirty="0" smtClean="0"/>
-                  <a:t>LASSO tem como vantagem a produção de modelos esparsos</a:t>
-                </a:r>
-                <a:r>
-                  <a:rPr lang="pt-BR" dirty="0" smtClean="0"/>
-                  <a:t>?</a:t>
-                </a:r>
-                <a:endParaRPr lang="pt-BR" dirty="0"/>
-              </a:p>
-              <a:p>
-                <a:pPr lvl="1">
+                <a:pPr>
                   <a:buFont typeface="Wingdings" panose="05000000000000000000" pitchFamily="2" charset="2"/>
                   <a:buChar char="§"/>
                 </a:pPr>
                 <a:r>
                   <a:rPr lang="pt-BR" dirty="0" smtClean="0"/>
-                  <a:t>A figura mostra as </a:t>
+                  <a:t>A </a:t>
+                </a:r>
+                <a:r>
+                  <a:rPr lang="pt-BR" dirty="0" smtClean="0"/>
+                  <a:t>figura mostra as </a:t>
                 </a:r>
                 <a:r>
                   <a:rPr lang="pt-BR" b="1" i="1" dirty="0"/>
@@ -17443,47 +17860,23 @@
                 </a:r>
                 <a:r>
                   <a:rPr lang="pt-BR" dirty="0"/>
-                  <a:t>da função de erro de um problema de regressão </a:t>
+                  <a:t>da </a:t>
+                </a:r>
+                <a:r>
+                  <a:rPr lang="pt-BR" b="1" i="1" dirty="0"/>
+                  <a:t>função de erro </a:t>
+                </a:r>
+                <a:r>
+                  <a:rPr lang="pt-BR" dirty="0"/>
+                  <a:t>de um problema de regressão </a:t>
                 </a:r>
                 <a:r>
                   <a:rPr lang="pt-BR" dirty="0" smtClean="0"/>
-                  <a:t>linear e as </a:t>
+                  <a:t>linear </a:t>
                 </a:r>
                 <a:r>
                   <a:rPr lang="pt-BR" dirty="0"/>
-                  <a:t>regiões do </a:t>
-                </a:r>
-                <a:r>
-                  <a:rPr lang="pt-BR" b="1" i="1" dirty="0"/>
-                  <a:t>espaço </a:t>
-                </a:r>
-                <a:r>
-                  <a:rPr lang="pt-BR" b="1" i="1" dirty="0" smtClean="0"/>
-                  <a:t>de hipóteses </a:t>
-                </a:r>
-                <a:r>
-                  <a:rPr lang="pt-BR" dirty="0" smtClean="0"/>
-                  <a:t>em </a:t>
-                </a:r>
-                <a:r>
-                  <a:rPr lang="pt-BR" dirty="0"/>
-                  <a:t>que as restrições L1 (</a:t>
-                </a:r>
-                <a:r>
-                  <a:rPr lang="pt-BR" dirty="0" smtClean="0"/>
-                  <a:t>esquerda) e L2 </a:t>
-                </a:r>
-                <a:r>
-                  <a:rPr lang="pt-BR" dirty="0"/>
-                  <a:t>(direita) </a:t>
-                </a:r>
-                <a:r>
-                  <a:rPr lang="pt-BR" dirty="0" smtClean="0"/>
-                  <a:t>são </a:t>
-                </a:r>
-                <a:r>
-                  <a:rPr lang="pt-BR" dirty="0"/>
-                  <a:t>válidas, considerando o caso em que dois pesos (</a:t>
+                  <a:t>com dois pesos (</a:t>
                 </a:r>
                 <a14:m>
                   <m:oMath xmlns:m="http://schemas.openxmlformats.org/officeDocument/2006/math">
@@ -17548,21 +17941,57 @@
                   </m:oMath>
                 </a14:m>
                 <a:r>
+                  <a:rPr lang="pt-BR" dirty="0"/>
+                  <a:t>) </a:t>
+                </a:r>
+                <a:r>
                   <a:rPr lang="pt-BR" dirty="0" smtClean="0"/>
-                  <a:t>) estão </a:t>
+                  <a:t>e </a:t>
+                </a:r>
+                <a:r>
+                  <a:rPr lang="pt-BR" dirty="0" smtClean="0"/>
+                  <a:t>as </a:t>
                 </a:r>
                 <a:r>
                   <a:rPr lang="pt-BR" dirty="0"/>
-                  <a:t>sujeitos </a:t>
+                  <a:t>regiões do </a:t>
+                </a:r>
+                <a:r>
+                  <a:rPr lang="pt-BR" b="1" i="1" dirty="0"/>
+                  <a:t>espaço </a:t>
+                </a:r>
+                <a:r>
+                  <a:rPr lang="pt-BR" b="1" i="1" dirty="0" smtClean="0"/>
+                  <a:t>de hipóteses </a:t>
                 </a:r>
                 <a:r>
                   <a:rPr lang="pt-BR" dirty="0" smtClean="0"/>
-                  <a:t>a regularização.</a:t>
+                  <a:t>onde as </a:t>
+                </a:r>
+                <a:r>
+                  <a:rPr lang="pt-BR" dirty="0"/>
+                  <a:t>restrições L1 (</a:t>
+                </a:r>
+                <a:r>
+                  <a:rPr lang="pt-BR" dirty="0" smtClean="0"/>
+                  <a:t>esquerda) e L2 </a:t>
+                </a:r>
+                <a:r>
+                  <a:rPr lang="pt-BR" dirty="0"/>
+                  <a:t>(direita) </a:t>
+                </a:r>
+                <a:r>
+                  <a:rPr lang="pt-BR" dirty="0" smtClean="0"/>
+                  <a:t>são </a:t>
+                </a:r>
+                <a:r>
+                  <a:rPr lang="pt-BR" dirty="0" smtClean="0"/>
+                  <a:t>válidas.</a:t>
                 </a:r>
                 <a:endParaRPr lang="pt-BR" dirty="0"/>
               </a:p>
               <a:p>
-                <a:pPr lvl="1">
+                <a:pPr>
                   <a:buFont typeface="Wingdings" panose="05000000000000000000" pitchFamily="2" charset="2"/>
                   <a:buChar char="§"/>
                 </a:pPr>
@@ -17588,7 +18017,7 @@
                 </a:r>
               </a:p>
               <a:p>
-                <a:pPr lvl="1">
+                <a:pPr>
                   <a:buFont typeface="Wingdings" panose="05000000000000000000" pitchFamily="2" charset="2"/>
                   <a:buChar char="§"/>
                 </a:pPr>
@@ -17638,7 +18067,7 @@
                 </a:r>
               </a:p>
               <a:p>
-                <a:pPr lvl="1">
+                <a:pPr>
                   <a:buFont typeface="Wingdings" panose="05000000000000000000" pitchFamily="2" charset="2"/>
                   <a:buChar char="§"/>
                 </a:pPr>
@@ -17680,7 +18109,7 @@
                 </a:r>
               </a:p>
               <a:p>
-                <a:pPr lvl="1">
+                <a:pPr>
                   <a:buFont typeface="Wingdings" panose="05000000000000000000" pitchFamily="2" charset="2"/>
                   <a:buChar char="§"/>
                 </a:pPr>
@@ -17700,7 +18129,7 @@
             </p:txBody>
           </p:sp>
         </mc:Choice>
-        <mc:Fallback xmlns="">
+        <mc:Fallback>
           <p:sp>
             <p:nvSpPr>
               <p:cNvPr id="8" name="Content Placeholder 2"/>
@@ -17713,13 +18142,13 @@
             </p:nvSpPr>
             <p:spPr>
               <a:xfrm>
-                <a:off x="465513" y="3474995"/>
-                <a:ext cx="11520626" cy="3383005"/>
+                <a:off x="465512" y="3627456"/>
+                <a:ext cx="11592509" cy="3230544"/>
               </a:xfrm>
               <a:blipFill rotWithShape="0">
                 <a:blip r:embed="rId3"/>
                 <a:stretch>
-                  <a:fillRect l="-688" t="-3423" r="-106"/>
+                  <a:fillRect l="-578" t="-3962" r="-946" b="-2830"/>
                 </a:stretch>
               </a:blipFill>
             </p:spPr>
@@ -17728,7 +18157,7 @@
               <a:lstStyle/>
               <a:p>
                 <a:r>
-                  <a:rPr lang="pt-BR">
+                  <a:rPr lang="en-US">
                     <a:noFill/>
                   </a:rPr>
                   <a:t> </a:t>
@@ -17798,8 +18227,8 @@
           </a:p>
         </p:txBody>
       </p:sp>
-      <mc:AlternateContent xmlns:mc="http://schemas.openxmlformats.org/markup-compatibility/2006" xmlns:a14="http://schemas.microsoft.com/office/drawing/2010/main">
-        <mc:Choice Requires="a14">
+      <mc:AlternateContent xmlns:mc="http://schemas.openxmlformats.org/markup-compatibility/2006">
+        <mc:Choice xmlns:a14="http://schemas.microsoft.com/office/drawing/2010/main" Requires="a14">
           <p:sp>
             <p:nvSpPr>
               <p:cNvPr id="4" name="TextBox 3"/>
@@ -17808,7 +18237,7 @@
             </p:nvSpPr>
             <p:spPr>
               <a:xfrm>
-                <a:off x="116115" y="903732"/>
+                <a:off x="116115" y="1154932"/>
                 <a:ext cx="3077028" cy="2308324"/>
               </a:xfrm>
               <a:prstGeom prst="rect">
@@ -17873,7 +18302,7 @@
             </p:txBody>
           </p:sp>
         </mc:Choice>
-        <mc:Fallback xmlns="">
+        <mc:Fallback>
           <p:sp>
             <p:nvSpPr>
               <p:cNvPr id="4" name="TextBox 3"/>
@@ -17884,7 +18313,7 @@
             </p:nvSpPr>
             <p:spPr>
               <a:xfrm>
-                <a:off x="116115" y="903732"/>
+                <a:off x="116115" y="1154932"/>
                 <a:ext cx="3077028" cy="2308324"/>
               </a:xfrm>
               <a:prstGeom prst="rect">
@@ -17902,7 +18331,7 @@
               <a:lstStyle/>
               <a:p>
                 <a:r>
-                  <a:rPr lang="pt-BR">
+                  <a:rPr lang="en-US">
                     <a:noFill/>
                   </a:rPr>
                   <a:t> </a:t>
@@ -17912,8 +18341,8 @@
           </p:sp>
         </mc:Fallback>
       </mc:AlternateContent>
-      <mc:AlternateContent xmlns:mc="http://schemas.openxmlformats.org/markup-compatibility/2006" xmlns:a14="http://schemas.microsoft.com/office/drawing/2010/main">
-        <mc:Choice Requires="a14">
+      <mc:AlternateContent xmlns:mc="http://schemas.openxmlformats.org/markup-compatibility/2006">
+        <mc:Choice xmlns:a14="http://schemas.microsoft.com/office/drawing/2010/main" Requires="a14">
           <p:sp>
             <p:nvSpPr>
               <p:cNvPr id="10" name="TextBox 9"/>
@@ -17922,7 +18351,7 @@
             </p:nvSpPr>
             <p:spPr>
               <a:xfrm>
-                <a:off x="8881508" y="899988"/>
+                <a:off x="8881508" y="1151188"/>
                 <a:ext cx="3248539" cy="2308324"/>
               </a:xfrm>
               <a:prstGeom prst="rect">
@@ -17999,7 +18428,7 @@
             </p:txBody>
           </p:sp>
         </mc:Choice>
-        <mc:Fallback xmlns="">
+        <mc:Fallback>
           <p:sp>
             <p:nvSpPr>
               <p:cNvPr id="10" name="TextBox 9"/>
@@ -18010,7 +18439,7 @@
             </p:nvSpPr>
             <p:spPr>
               <a:xfrm>
-                <a:off x="8881508" y="899988"/>
+                <a:off x="8881508" y="1151188"/>
                 <a:ext cx="3248539" cy="2308324"/>
               </a:xfrm>
               <a:prstGeom prst="rect">
@@ -18019,7 +18448,7 @@
               <a:blipFill rotWithShape="0">
                 <a:blip r:embed="rId5"/>
                 <a:stretch>
-                  <a:fillRect l="-1313" t="-1587" r="-1689" b="-3439"/>
+                  <a:fillRect l="-1313" t="-1583" r="-1689" b="-3166"/>
                 </a:stretch>
               </a:blipFill>
             </p:spPr>
@@ -18028,7 +18457,7 @@
               <a:lstStyle/>
               <a:p>
                 <a:r>
-                  <a:rPr lang="pt-BR">
+                  <a:rPr lang="en-US">
                     <a:noFill/>
                   </a:rPr>
                   <a:t> </a:t>
@@ -18059,7 +18488,7 @@
         </p:blipFill>
         <p:spPr>
           <a:xfrm>
-            <a:off x="6055763" y="799042"/>
+            <a:off x="6055763" y="1050242"/>
             <a:ext cx="2681837" cy="2443936"/>
           </a:xfrm>
           <a:prstGeom prst="rect">
@@ -18088,7 +18517,7 @@
         </p:blipFill>
         <p:spPr>
           <a:xfrm>
-            <a:off x="3074800" y="860986"/>
+            <a:off x="3074800" y="1112186"/>
             <a:ext cx="2693378" cy="2386329"/>
           </a:xfrm>
           <a:prstGeom prst="rect">
@@ -18096,6 +18525,113 @@
           </a:prstGeom>
         </p:spPr>
       </p:pic>
+      <p:sp>
+        <p:nvSpPr>
+          <p:cNvPr id="5" name="CaixaDeTexto 4"/>
+          <p:cNvSpPr txBox="1"/>
+          <p:nvPr/>
+        </p:nvSpPr>
+        <p:spPr>
+          <a:xfrm>
+            <a:off x="5466303" y="1597933"/>
+            <a:ext cx="914400" cy="523220"/>
+          </a:xfrm>
+          <a:prstGeom prst="rect">
+            <a:avLst/>
+          </a:prstGeom>
+          <a:noFill/>
+        </p:spPr>
+        <p:txBody>
+          <a:bodyPr wrap="square" rtlCol="0">
+            <a:spAutoFit/>
+          </a:bodyPr>
+          <a:lstStyle/>
+          <a:p>
+            <a:pPr algn="ctr"/>
+            <a:r>
+              <a:rPr lang="pt-BR" sz="1400" dirty="0" smtClean="0"/>
+              <a:t>pontos de mínimo</a:t>
+            </a:r>
+            <a:endParaRPr lang="en-US" sz="1400" dirty="0"/>
+          </a:p>
+        </p:txBody>
+      </p:sp>
+      <p:cxnSp>
+        <p:nvCxnSpPr>
+          <p:cNvPr id="12" name="Conector de seta reta 11"/>
+          <p:cNvCxnSpPr>
+            <a:stCxn id="5" idx="3"/>
+          </p:cNvCxnSpPr>
+          <p:nvPr/>
+        </p:nvCxnSpPr>
+        <p:spPr>
+          <a:xfrm>
+            <a:off x="6380703" y="1859543"/>
+            <a:ext cx="834013" cy="140079"/>
+          </a:xfrm>
+          <a:prstGeom prst="straightConnector1">
+            <a:avLst/>
+          </a:prstGeom>
+          <a:ln>
+            <a:solidFill>
+              <a:srgbClr val="FF0000"/>
+            </a:solidFill>
+            <a:tailEnd type="triangle"/>
+          </a:ln>
+        </p:spPr>
+        <p:style>
+          <a:lnRef idx="1">
+            <a:schemeClr val="accent1"/>
+          </a:lnRef>
+          <a:fillRef idx="0">
+            <a:schemeClr val="accent1"/>
+          </a:fillRef>
+          <a:effectRef idx="0">
+            <a:schemeClr val="accent1"/>
+          </a:effectRef>
+          <a:fontRef idx="minor">
+            <a:schemeClr val="tx1"/>
+          </a:fontRef>
+        </p:style>
+      </p:cxnSp>
+      <p:cxnSp>
+        <p:nvCxnSpPr>
+          <p:cNvPr id="15" name="Conector de seta reta 14"/>
+          <p:cNvCxnSpPr>
+            <a:stCxn id="5" idx="1"/>
+          </p:cNvCxnSpPr>
+          <p:nvPr/>
+        </p:nvCxnSpPr>
+        <p:spPr>
+          <a:xfrm flipH="1">
+            <a:off x="4471517" y="1859543"/>
+            <a:ext cx="994786" cy="180272"/>
+          </a:xfrm>
+          <a:prstGeom prst="straightConnector1">
+            <a:avLst/>
+          </a:prstGeom>
+          <a:ln>
+            <a:solidFill>
+              <a:srgbClr val="FF0000"/>
+            </a:solidFill>
+            <a:tailEnd type="triangle"/>
+          </a:ln>
+        </p:spPr>
+        <p:style>
+          <a:lnRef idx="1">
+            <a:schemeClr val="accent1"/>
+          </a:lnRef>
+          <a:fillRef idx="0">
+            <a:schemeClr val="accent1"/>
+          </a:fillRef>
+          <a:effectRef idx="0">
+            <a:schemeClr val="accent1"/>
+          </a:effectRef>
+          <a:fontRef idx="minor">
+            <a:schemeClr val="tx1"/>
+          </a:fontRef>
+        </p:style>
+      </p:cxnSp>
     </p:spTree>
     <p:extLst>
       <p:ext uri="{BB962C8B-B14F-4D97-AF65-F5344CB8AC3E}">

--- a/slides/T319_Regressão_Linear (Parte VI).pptx
+++ b/slides/T319_Regressão_Linear (Parte VI).pptx
@@ -539,7 +539,7 @@
           <a:p>
             <a:fld id="{DAF0AF11-6A8A-4E64-94F5-26D4FBA2A01D}" type="datetimeFigureOut">
               <a:rPr lang="nl-BE" smtClean="0"/>
-              <a:t>24/06/2022</a:t>
+              <a:t>18/11/2022</a:t>
             </a:fld>
             <a:endParaRPr lang="nl-BE"/>
           </a:p>
@@ -1964,11 +1964,7 @@
             </a:r>
             <a:r>
               <a:rPr lang="pt-BR" baseline="0" dirty="0" smtClean="0"/>
-              <a:t> </a:t>
-            </a:r>
-            <a:r>
-              <a:rPr lang="pt-BR" baseline="0" dirty="0" smtClean="0"/>
-              <a:t>https://colab.research.google.com/github/zz4fap/t319_aprendizado_de_maquina/blob/main/projeto/projeto_final_T319_1S2022.ipynb</a:t>
+              <a:t> https://colab.research.google.com/github/zz4fap/t319_aprendizado_de_maquina/blob/main/projeto/projeto_final_T319_1S2022.ipynb</a:t>
             </a:r>
             <a:endParaRPr lang="pt-BR" dirty="0" smtClean="0"/>
           </a:p>
@@ -2003,13 +1999,8 @@
             </a:r>
             <a:r>
               <a:rPr lang="pt-BR" dirty="0" smtClean="0"/>
-              <a:t>https://</a:t>
-            </a:r>
-            <a:r>
-              <a:rPr lang="pt-BR" dirty="0" smtClean="0"/>
-              <a:t>mybinder.org/v2/gh/zz4fap/t319_aprendizado_de_maquina/main?filepath=projeto%2Fprojeto_final_T319_1S2022.ipynb</a:t>
-            </a:r>
-            <a:endParaRPr lang="pt-BR" dirty="0" smtClean="0"/>
+              <a:t>https://mybinder.org/v2/gh/zz4fap/t319_aprendizado_de_maquina/main?filepath=projeto%2Fprojeto_final_T319_1S2022.ipynb</a:t>
+            </a:r>
           </a:p>
           <a:p>
             <a:pPr marL="0" marR="0" lvl="0" indent="0" algn="l" defTabSz="914400" rtl="0" eaLnBrk="1" fontAlgn="auto" latinLnBrk="0" hangingPunct="1">
@@ -2630,11 +2621,7 @@
                 </a14:m>
                 <a:r>
                   <a:rPr lang="pt-BR" baseline="0" dirty="0" smtClean="0"/>
-                  <a:t>, maior a quantidade de redução/encolhimento</a:t>
-                </a:r>
-                <a:r>
-                  <a:rPr lang="pt-BR" baseline="0" dirty="0" smtClean="0"/>
-                  <a:t>.</a:t>
+                  <a:t>, maior a quantidade de redução/encolhimento.</a:t>
                 </a:r>
               </a:p>
               <a:p>
@@ -2658,7 +2645,6 @@
                   <a:rPr lang="pt-BR" baseline="0" dirty="0" smtClean="0"/>
                   <a:t>[1] https://machinelearningmastery.com/weight-regularization-to-reduce-overfitting-of-deep-learning-models/</a:t>
                 </a:r>
-                <a:endParaRPr lang="pt-BR" baseline="0" dirty="0" smtClean="0"/>
               </a:p>
               <a:p>
                 <a:endParaRPr lang="pt-BR" b="1" baseline="0" dirty="0" smtClean="0"/>
@@ -5690,7 +5676,7 @@
           <a:p>
             <a:fld id="{C80E15A5-E95B-43EB-9AC7-9A96397448C0}" type="datetimeFigureOut">
               <a:rPr lang="nl-BE" smtClean="0"/>
-              <a:t>24/06/2022</a:t>
+              <a:t>18/11/2022</a:t>
             </a:fld>
             <a:endParaRPr lang="nl-BE"/>
           </a:p>
@@ -5860,7 +5846,7 @@
           <a:p>
             <a:fld id="{C80E15A5-E95B-43EB-9AC7-9A96397448C0}" type="datetimeFigureOut">
               <a:rPr lang="nl-BE" smtClean="0"/>
-              <a:t>24/06/2022</a:t>
+              <a:t>18/11/2022</a:t>
             </a:fld>
             <a:endParaRPr lang="nl-BE"/>
           </a:p>
@@ -6040,7 +6026,7 @@
           <a:p>
             <a:fld id="{C80E15A5-E95B-43EB-9AC7-9A96397448C0}" type="datetimeFigureOut">
               <a:rPr lang="nl-BE" smtClean="0"/>
-              <a:t>24/06/2022</a:t>
+              <a:t>18/11/2022</a:t>
             </a:fld>
             <a:endParaRPr lang="nl-BE"/>
           </a:p>
@@ -6210,7 +6196,7 @@
           <a:p>
             <a:fld id="{C80E15A5-E95B-43EB-9AC7-9A96397448C0}" type="datetimeFigureOut">
               <a:rPr lang="nl-BE" smtClean="0"/>
-              <a:t>24/06/2022</a:t>
+              <a:t>18/11/2022</a:t>
             </a:fld>
             <a:endParaRPr lang="nl-BE"/>
           </a:p>
@@ -6456,7 +6442,7 @@
           <a:p>
             <a:fld id="{C80E15A5-E95B-43EB-9AC7-9A96397448C0}" type="datetimeFigureOut">
               <a:rPr lang="nl-BE" smtClean="0"/>
-              <a:t>24/06/2022</a:t>
+              <a:t>18/11/2022</a:t>
             </a:fld>
             <a:endParaRPr lang="nl-BE"/>
           </a:p>
@@ -6688,7 +6674,7 @@
           <a:p>
             <a:fld id="{C80E15A5-E95B-43EB-9AC7-9A96397448C0}" type="datetimeFigureOut">
               <a:rPr lang="nl-BE" smtClean="0"/>
-              <a:t>24/06/2022</a:t>
+              <a:t>18/11/2022</a:t>
             </a:fld>
             <a:endParaRPr lang="nl-BE"/>
           </a:p>
@@ -7055,7 +7041,7 @@
           <a:p>
             <a:fld id="{C80E15A5-E95B-43EB-9AC7-9A96397448C0}" type="datetimeFigureOut">
               <a:rPr lang="nl-BE" smtClean="0"/>
-              <a:t>24/06/2022</a:t>
+              <a:t>18/11/2022</a:t>
             </a:fld>
             <a:endParaRPr lang="nl-BE"/>
           </a:p>
@@ -7173,7 +7159,7 @@
           <a:p>
             <a:fld id="{C80E15A5-E95B-43EB-9AC7-9A96397448C0}" type="datetimeFigureOut">
               <a:rPr lang="nl-BE" smtClean="0"/>
-              <a:t>24/06/2022</a:t>
+              <a:t>18/11/2022</a:t>
             </a:fld>
             <a:endParaRPr lang="nl-BE"/>
           </a:p>
@@ -7268,7 +7254,7 @@
           <a:p>
             <a:fld id="{C80E15A5-E95B-43EB-9AC7-9A96397448C0}" type="datetimeFigureOut">
               <a:rPr lang="nl-BE" smtClean="0"/>
-              <a:t>24/06/2022</a:t>
+              <a:t>18/11/2022</a:t>
             </a:fld>
             <a:endParaRPr lang="nl-BE"/>
           </a:p>
@@ -7545,7 +7531,7 @@
           <a:p>
             <a:fld id="{C80E15A5-E95B-43EB-9AC7-9A96397448C0}" type="datetimeFigureOut">
               <a:rPr lang="nl-BE" smtClean="0"/>
-              <a:t>24/06/2022</a:t>
+              <a:t>18/11/2022</a:t>
             </a:fld>
             <a:endParaRPr lang="nl-BE"/>
           </a:p>
@@ -7798,7 +7784,7 @@
           <a:p>
             <a:fld id="{C80E15A5-E95B-43EB-9AC7-9A96397448C0}" type="datetimeFigureOut">
               <a:rPr lang="nl-BE" smtClean="0"/>
-              <a:t>24/06/2022</a:t>
+              <a:t>18/11/2022</a:t>
             </a:fld>
             <a:endParaRPr lang="nl-BE"/>
           </a:p>
@@ -8011,7 +7997,7 @@
           <a:p>
             <a:fld id="{C80E15A5-E95B-43EB-9AC7-9A96397448C0}" type="datetimeFigureOut">
               <a:rPr lang="nl-BE" smtClean="0"/>
-              <a:t>24/06/2022</a:t>
+              <a:t>18/11/2022</a:t>
             </a:fld>
             <a:endParaRPr lang="nl-BE"/>
           </a:p>
@@ -8421,7 +8407,7 @@
           <p:cNvPr id="2" name="Título 1">
             <a:extLst>
               <a:ext uri="{FF2B5EF4-FFF2-40B4-BE49-F238E27FC236}">
-                <a16:creationId xmlns="" xmlns:a16="http://schemas.microsoft.com/office/drawing/2014/main" id="{32666AC8-2E17-4DB4-B0F5-60C640CCFD2E}"/>
+                <a16:creationId xmlns:a16="http://schemas.microsoft.com/office/drawing/2014/main" xmlns="" id="{32666AC8-2E17-4DB4-B0F5-60C640CCFD2E}"/>
               </a:ext>
             </a:extLst>
           </p:cNvPr>
@@ -8476,7 +8462,7 @@
           <p:cNvPr id="4" name="CaixaDeTexto 3">
             <a:extLst>
               <a:ext uri="{FF2B5EF4-FFF2-40B4-BE49-F238E27FC236}">
-                <a16:creationId xmlns="" xmlns:a16="http://schemas.microsoft.com/office/drawing/2014/main" id="{430EB894-B7D4-434C-9D1A-A14094D9BEEC}"/>
+                <a16:creationId xmlns:a16="http://schemas.microsoft.com/office/drawing/2014/main" xmlns="" id="{430EB894-B7D4-434C-9D1A-A14094D9BEEC}"/>
               </a:ext>
             </a:extLst>
           </p:cNvPr>
@@ -8517,7 +8503,7 @@
           <p:cNvPr id="1026" name="Picture 2" descr="Logo">
             <a:extLst>
               <a:ext uri="{FF2B5EF4-FFF2-40B4-BE49-F238E27FC236}">
-                <a16:creationId xmlns="" xmlns:a16="http://schemas.microsoft.com/office/drawing/2014/main" id="{3F2642E0-4F6A-4196-8F58-E77D36E9A33F}"/>
+                <a16:creationId xmlns:a16="http://schemas.microsoft.com/office/drawing/2014/main" xmlns="" id="{3F2642E0-4F6A-4196-8F58-E77D36E9A33F}"/>
               </a:ext>
             </a:extLst>
           </p:cNvPr>
@@ -8562,7 +8548,7 @@
           <p:cNvPr id="5122" name="Picture 2" descr="Image result for machine learning">
             <a:extLst>
               <a:ext uri="{FF2B5EF4-FFF2-40B4-BE49-F238E27FC236}">
-                <a16:creationId xmlns="" xmlns:a16="http://schemas.microsoft.com/office/drawing/2014/main" id="{810CE0A2-4102-44A6-A370-175E7896CDCB}"/>
+                <a16:creationId xmlns:a16="http://schemas.microsoft.com/office/drawing/2014/main" xmlns="" id="{810CE0A2-4102-44A6-A370-175E7896CDCB}"/>
               </a:ext>
             </a:extLst>
           </p:cNvPr>
@@ -8659,8 +8645,8 @@
           </a:p>
         </p:txBody>
       </p:sp>
-      <mc:AlternateContent xmlns:mc="http://schemas.openxmlformats.org/markup-compatibility/2006">
-        <mc:Choice xmlns:a14="http://schemas.microsoft.com/office/drawing/2010/main" Requires="a14">
+      <mc:AlternateContent xmlns:mc="http://schemas.openxmlformats.org/markup-compatibility/2006" xmlns:a14="http://schemas.microsoft.com/office/drawing/2010/main">
+        <mc:Choice Requires="a14">
           <p:sp>
             <p:nvSpPr>
               <p:cNvPr id="3" name="Content Placeholder 2"/>
@@ -9189,7 +9175,7 @@
             </p:txBody>
           </p:sp>
         </mc:Choice>
-        <mc:Fallback>
+        <mc:Fallback xmlns="">
           <p:sp>
             <p:nvSpPr>
               <p:cNvPr id="3" name="Content Placeholder 2"/>
@@ -9445,8 +9431,8 @@
           </a:p>
         </p:txBody>
       </p:sp>
-      <mc:AlternateContent xmlns:mc="http://schemas.openxmlformats.org/markup-compatibility/2006">
-        <mc:Choice xmlns:a14="http://schemas.microsoft.com/office/drawing/2010/main" Requires="a14">
+      <mc:AlternateContent xmlns:mc="http://schemas.openxmlformats.org/markup-compatibility/2006" xmlns:a14="http://schemas.microsoft.com/office/drawing/2010/main">
+        <mc:Choice Requires="a14">
           <p:sp>
             <p:nvSpPr>
               <p:cNvPr id="3" name="Content Placeholder 2"/>
@@ -9471,11 +9457,7 @@
               <a:p>
                 <a:r>
                   <a:rPr lang="pt-BR" b="1" dirty="0" smtClean="0"/>
-                  <a:t>Regressão </a:t>
-                </a:r>
-                <a:r>
-                  <a:rPr lang="pt-BR" b="1" dirty="0" smtClean="0"/>
-                  <a:t>Ridge</a:t>
+                  <a:t>Regressão Ridge</a:t>
                 </a:r>
                 <a:r>
                   <a:rPr lang="pt-BR" dirty="0" smtClean="0"/>
@@ -9685,7 +9667,7 @@
             </p:txBody>
           </p:sp>
         </mc:Choice>
-        <mc:Fallback>
+        <mc:Fallback xmlns="">
           <p:sp>
             <p:nvSpPr>
               <p:cNvPr id="3" name="Content Placeholder 2"/>
@@ -10981,7 +10963,7 @@
                   <a:srgbClr val="FF0000"/>
                 </a:solidFill>
               </a:rPr>
-              <a:t>26</a:t>
+              <a:t>11</a:t>
             </a:r>
             <a:r>
               <a:rPr lang="pt-BR" b="1" dirty="0" smtClean="0">
@@ -10989,13 +10971,16 @@
                   <a:srgbClr val="FF0000"/>
                 </a:solidFill>
               </a:rPr>
-              <a:t>/06/2022). </a:t>
-            </a:r>
-            <a:endParaRPr lang="pt-BR" b="1" dirty="0" smtClean="0">
-              <a:solidFill>
-                <a:srgbClr val="FF0000"/>
-              </a:solidFill>
-            </a:endParaRPr>
+              <a:t>/12/2022</a:t>
+            </a:r>
+            <a:r>
+              <a:rPr lang="pt-BR" b="1" dirty="0" smtClean="0">
+                <a:solidFill>
+                  <a:srgbClr val="FF0000"/>
+                </a:solidFill>
+              </a:rPr>
+              <a:t>). </a:t>
+            </a:r>
           </a:p>
           <a:p>
             <a:pPr lvl="1"/>
@@ -11087,7 +11072,7 @@
           <p:cNvPr id="4" name="Título 1">
             <a:extLst>
               <a:ext uri="{FF2B5EF4-FFF2-40B4-BE49-F238E27FC236}">
-                <a16:creationId xmlns="" xmlns:a16="http://schemas.microsoft.com/office/drawing/2014/main" id="{32666AC8-2E17-4DB4-B0F5-60C640CCFD2E}"/>
+                <a16:creationId xmlns:a16="http://schemas.microsoft.com/office/drawing/2014/main" xmlns="" id="{32666AC8-2E17-4DB4-B0F5-60C640CCFD2E}"/>
               </a:ext>
             </a:extLst>
           </p:cNvPr>
@@ -11551,15 +11536,7 @@
           <a:p>
             <a:r>
               <a:rPr lang="pt-BR" dirty="0" smtClean="0"/>
-              <a:t>Ou seja, escolhemos o modelo que apresenta valores baixos para ambos os </a:t>
-            </a:r>
-            <a:r>
-              <a:rPr lang="pt-BR" dirty="0" smtClean="0"/>
-              <a:t>erros, </a:t>
-            </a:r>
-            <a:r>
-              <a:rPr lang="pt-BR" dirty="0" smtClean="0"/>
-              <a:t>de treinamento e de validação.</a:t>
+              <a:t>Ou seja, escolhemos o modelo que apresenta valores baixos para ambos os erros, de treinamento e de validação.</a:t>
             </a:r>
           </a:p>
           <a:p>
@@ -11621,15 +11598,7 @@
           <a:p>
             <a:r>
               <a:rPr lang="pt-BR" dirty="0" smtClean="0"/>
-              <a:t>Portanto, hoje, veremos as seguintes abordagens para se </a:t>
-            </a:r>
-            <a:r>
-              <a:rPr lang="pt-BR" dirty="0" smtClean="0"/>
-              <a:t>encontrar o </a:t>
-            </a:r>
-            <a:r>
-              <a:rPr lang="pt-BR" dirty="0" smtClean="0"/>
-              <a:t>melhor modelo de regressão:</a:t>
+              <a:t>Portanto, hoje, veremos as seguintes abordagens para se encontrar o melhor modelo de regressão:</a:t>
             </a:r>
           </a:p>
           <a:p>
@@ -12015,8 +11984,8 @@
           </a:p>
         </p:txBody>
       </p:sp>
-      <mc:AlternateContent xmlns:mc="http://schemas.openxmlformats.org/markup-compatibility/2006">
-        <mc:Choice xmlns:a14="http://schemas.microsoft.com/office/drawing/2010/main" Requires="a14">
+      <mc:AlternateContent xmlns:mc="http://schemas.openxmlformats.org/markup-compatibility/2006" xmlns:a14="http://schemas.microsoft.com/office/drawing/2010/main">
+        <mc:Choice Requires="a14">
           <p:sp>
             <p:nvSpPr>
               <p:cNvPr id="3" name="Content Placeholder 2"/>
@@ -12818,11 +12787,7 @@
                 </a:r>
                 <a:r>
                   <a:rPr lang="pt-BR" b="1" i="1" dirty="0"/>
-                  <a:t>restringe a magnitude dos </a:t>
-                </a:r>
-                <a:r>
-                  <a:rPr lang="pt-BR" b="1" i="1" dirty="0"/>
-                  <a:t>pesos </a:t>
+                  <a:t>restringe a magnitude dos pesos </a:t>
                 </a:r>
                 <a:r>
                   <a:rPr lang="pt-BR" dirty="0" smtClean="0"/>
@@ -12986,7 +12951,7 @@
             </p:txBody>
           </p:sp>
         </mc:Choice>
-        <mc:Fallback>
+        <mc:Fallback xmlns="">
           <p:sp>
             <p:nvSpPr>
               <p:cNvPr id="3" name="Content Placeholder 2"/>
@@ -13108,8 +13073,8 @@
           </a:fontRef>
         </p:style>
       </p:cxnSp>
-      <mc:AlternateContent xmlns:mc="http://schemas.openxmlformats.org/markup-compatibility/2006">
-        <mc:Choice xmlns:a14="http://schemas.microsoft.com/office/drawing/2010/main" Requires="a14">
+      <mc:AlternateContent xmlns:mc="http://schemas.openxmlformats.org/markup-compatibility/2006" xmlns:a14="http://schemas.microsoft.com/office/drawing/2010/main">
+        <mc:Choice Requires="a14">
           <p:sp>
             <p:nvSpPr>
               <p:cNvPr id="14" name="TextBox 13"/>
@@ -13467,7 +13432,7 @@
             </p:txBody>
           </p:sp>
         </mc:Choice>
-        <mc:Fallback>
+        <mc:Fallback xmlns="">
           <p:sp>
             <p:nvSpPr>
               <p:cNvPr id="14" name="TextBox 13"/>
@@ -13612,8 +13577,8 @@
           </a:extLst>
         </p:spPr>
       </p:pic>
-      <mc:AlternateContent xmlns:mc="http://schemas.openxmlformats.org/markup-compatibility/2006">
-        <mc:Choice xmlns:a14="http://schemas.microsoft.com/office/drawing/2010/main" Requires="a14">
+      <mc:AlternateContent xmlns:mc="http://schemas.openxmlformats.org/markup-compatibility/2006" xmlns:a14="http://schemas.microsoft.com/office/drawing/2010/main">
+        <mc:Choice Requires="a14">
           <p:sp>
             <p:nvSpPr>
               <p:cNvPr id="4" name="Rectangle 3"/>
@@ -13649,11 +13614,7 @@
                 </a:r>
                 <a:r>
                   <a:rPr lang="pt-BR" sz="1200" dirty="0" smtClean="0"/>
-                  <a:t>: possíveis valores que os pesos podem assumir. O raio do círculo é dado pelo fator de </a:t>
-                </a:r>
-                <a:r>
-                  <a:rPr lang="pt-BR" sz="1200" dirty="0" smtClean="0"/>
-                  <a:t>regularização, </a:t>
+                  <a:t>: possíveis valores que os pesos podem assumir. O raio do círculo é dado pelo fator de regularização, </a:t>
                 </a:r>
                 <a14:m>
                   <m:oMath xmlns:m="http://schemas.openxmlformats.org/officeDocument/2006/math">
@@ -13675,7 +13636,7 @@
             </p:txBody>
           </p:sp>
         </mc:Choice>
-        <mc:Fallback>
+        <mc:Fallback xmlns="">
           <p:sp>
             <p:nvSpPr>
               <p:cNvPr id="4" name="Rectangle 3"/>
@@ -13811,8 +13772,8 @@
           </a:p>
         </p:txBody>
       </p:sp>
-      <mc:AlternateContent xmlns:mc="http://schemas.openxmlformats.org/markup-compatibility/2006">
-        <mc:Choice xmlns:a14="http://schemas.microsoft.com/office/drawing/2010/main" Requires="a14">
+      <mc:AlternateContent xmlns:mc="http://schemas.openxmlformats.org/markup-compatibility/2006" xmlns:a14="http://schemas.microsoft.com/office/drawing/2010/main">
+        <mc:Choice Requires="a14">
           <p:sp>
             <p:nvSpPr>
               <p:cNvPr id="3" name="Content Placeholder 2"/>
@@ -14783,7 +14744,7 @@
             </p:txBody>
           </p:sp>
         </mc:Choice>
-        <mc:Fallback>
+        <mc:Fallback xmlns="">
           <p:sp>
             <p:nvSpPr>
               <p:cNvPr id="3" name="Content Placeholder 2"/>
@@ -14968,8 +14929,8 @@
           </a:p>
         </p:txBody>
       </p:sp>
-      <mc:AlternateContent xmlns:mc="http://schemas.openxmlformats.org/markup-compatibility/2006">
-        <mc:Choice xmlns:a14="http://schemas.microsoft.com/office/drawing/2010/main" Requires="a14">
+      <mc:AlternateContent xmlns:mc="http://schemas.openxmlformats.org/markup-compatibility/2006" xmlns:a14="http://schemas.microsoft.com/office/drawing/2010/main">
+        <mc:Choice Requires="a14">
           <p:sp>
             <p:nvSpPr>
               <p:cNvPr id="11" name="Content Placeholder 2"/>
@@ -15147,14 +15108,7 @@
                         <a:latin typeface="Cambria Math" panose="02040503050406030204" pitchFamily="18" charset="0"/>
                         <a:ea typeface="Cambria Math" panose="02040503050406030204" pitchFamily="18" charset="0"/>
                       </a:rPr>
-                      <m:t>(0, 0.0</m:t>
-                    </m:r>
-                    <m:r>
-                      <a:rPr lang="pt-BR" i="1">
-                        <a:latin typeface="Cambria Math" panose="02040503050406030204" pitchFamily="18" charset="0"/>
-                        <a:ea typeface="Cambria Math" panose="02040503050406030204" pitchFamily="18" charset="0"/>
-                      </a:rPr>
-                      <m:t>9)</m:t>
+                      <m:t>(0, 0.09)</m:t>
                     </m:r>
                   </m:oMath>
                 </a14:m>
@@ -15251,15 +15205,7 @@
                 </a:r>
                 <a:r>
                   <a:rPr lang="pt-BR" dirty="0" smtClean="0"/>
-                  <a:t> </a:t>
-                </a:r>
-                <a:r>
-                  <a:rPr lang="pt-BR" dirty="0" smtClean="0"/>
-                  <a:t>se torna uma regressão polinomial sem </a:t>
-                </a:r>
-                <a:r>
-                  <a:rPr lang="pt-BR" dirty="0" smtClean="0"/>
-                  <a:t>regularização e sobreajusta.</a:t>
+                  <a:t> se torna uma regressão polinomial sem regularização e sobreajusta.</a:t>
                 </a:r>
                 <a:endParaRPr lang="pt-BR" dirty="0"/>
               </a:p>
@@ -15301,15 +15247,7 @@
                 </a:r>
                 <a:r>
                   <a:rPr lang="pt-BR" dirty="0" smtClean="0"/>
-                  <a:t>menos e </a:t>
-                </a:r>
-                <a:r>
-                  <a:rPr lang="pt-BR" dirty="0" smtClean="0"/>
-                  <a:t>passa a se </a:t>
-                </a:r>
-                <a:r>
-                  <a:rPr lang="pt-BR" dirty="0" smtClean="0"/>
-                  <a:t>ajustar à função verdadeira.</a:t>
+                  <a:t>menos e passa a se ajustar à função verdadeira.</a:t>
                 </a:r>
                 <a:endParaRPr lang="pt-BR" dirty="0"/>
               </a:p>
@@ -15460,26 +15398,13 @@
                 </a:r>
                 <a:r>
                   <a:rPr lang="pt-BR" dirty="0" smtClean="0"/>
-                  <a:t>pesos </a:t>
-                </a:r>
-                <a:r>
-                  <a:rPr lang="pt-BR" dirty="0" smtClean="0"/>
-                  <a:t>diminuem (figuras 4 e 5).</a:t>
-                </a:r>
-                <a:endParaRPr lang="pt-BR" dirty="0" smtClean="0"/>
+                  <a:t>pesos diminuem (figuras 4 e 5).</a:t>
+                </a:r>
               </a:p>
               <a:p>
                 <a:r>
                   <a:rPr lang="pt-BR" dirty="0" smtClean="0"/>
-                  <a:t>Devemos u</a:t>
-                </a:r>
-                <a:r>
-                  <a:rPr lang="pt-BR" dirty="0" smtClean="0"/>
-                  <a:t>tilizamos </a:t>
-                </a:r>
-                <a:r>
-                  <a:rPr lang="pt-BR" dirty="0" smtClean="0"/>
-                  <a:t>técnicas de </a:t>
+                  <a:t>Devemos utilizamos técnicas de </a:t>
                 </a:r>
                 <a:r>
                   <a:rPr lang="pt-BR" b="1" i="1" dirty="0" smtClean="0"/>
@@ -15509,7 +15434,7 @@
             </p:txBody>
           </p:sp>
         </mc:Choice>
-        <mc:Fallback>
+        <mc:Fallback xmlns="">
           <p:sp>
             <p:nvSpPr>
               <p:cNvPr id="11" name="Content Placeholder 2"/>
@@ -17102,8 +17027,8 @@
           </a:p>
         </p:txBody>
       </p:sp>
-      <mc:AlternateContent xmlns:mc="http://schemas.openxmlformats.org/markup-compatibility/2006">
-        <mc:Choice xmlns:a14="http://schemas.microsoft.com/office/drawing/2010/main" Requires="a14">
+      <mc:AlternateContent xmlns:mc="http://schemas.openxmlformats.org/markup-compatibility/2006" xmlns:a14="http://schemas.microsoft.com/office/drawing/2010/main">
+        <mc:Choice Requires="a14">
           <p:sp>
             <p:nvSpPr>
               <p:cNvPr id="3" name="Content Placeholder 2"/>
@@ -17149,11 +17074,7 @@
                 </a14:m>
                 <a:r>
                   <a:rPr lang="pt-BR" dirty="0" smtClean="0"/>
-                  <a:t> fazem </a:t>
-                </a:r>
-                <a:r>
-                  <a:rPr lang="pt-BR" dirty="0" smtClean="0"/>
-                  <a:t>o </a:t>
+                  <a:t> fazem o </a:t>
                 </a:r>
                 <a:r>
                   <a:rPr lang="pt-BR" dirty="0" err="1" smtClean="0"/>
@@ -17161,15 +17082,7 @@
                 </a:r>
                 <a:r>
                   <a:rPr lang="pt-BR" dirty="0" smtClean="0"/>
-                  <a:t> LASSO </a:t>
-                </a:r>
-                <a:r>
-                  <a:rPr lang="pt-BR" dirty="0" smtClean="0"/>
-                  <a:t>se comportar </a:t>
-                </a:r>
-                <a:r>
-                  <a:rPr lang="pt-BR" dirty="0" smtClean="0"/>
-                  <a:t>com um </a:t>
+                  <a:t> LASSO se comportar com um </a:t>
                 </a:r>
                 <a:r>
                   <a:rPr lang="pt-BR" dirty="0" err="1" smtClean="0"/>
@@ -17177,11 +17090,7 @@
                 </a:r>
                 <a:r>
                   <a:rPr lang="pt-BR" dirty="0" smtClean="0"/>
-                  <a:t> </a:t>
-                </a:r>
-                <a:r>
-                  <a:rPr lang="pt-BR" dirty="0" smtClean="0"/>
-                  <a:t>tradicional e valores muito grandes fazem os pesos serem anulados.</a:t>
+                  <a:t> tradicional e valores muito grandes fazem os pesos serem anulados.</a:t>
                 </a:r>
               </a:p>
               <a:p>
@@ -17391,7 +17300,7 @@
             </p:txBody>
           </p:sp>
         </mc:Choice>
-        <mc:Fallback>
+        <mc:Fallback xmlns="">
           <p:sp>
             <p:nvSpPr>
               <p:cNvPr id="3" name="Content Placeholder 2"/>
@@ -17814,12 +17723,11 @@
               <a:rPr lang="pt-BR" dirty="0"/>
               <a:t>modelos esparsos?</a:t>
             </a:r>
-            <a:endParaRPr lang="pt-BR" dirty="0"/>
           </a:p>
         </p:txBody>
       </p:sp>
-      <mc:AlternateContent xmlns:mc="http://schemas.openxmlformats.org/markup-compatibility/2006">
-        <mc:Choice xmlns:a14="http://schemas.microsoft.com/office/drawing/2010/main" Requires="a14">
+      <mc:AlternateContent xmlns:mc="http://schemas.openxmlformats.org/markup-compatibility/2006" xmlns:a14="http://schemas.microsoft.com/office/drawing/2010/main">
+        <mc:Choice Requires="a14">
           <p:sp>
             <p:nvSpPr>
               <p:cNvPr id="8" name="Content Placeholder 2"/>
@@ -17848,11 +17756,7 @@
                 </a:pPr>
                 <a:r>
                   <a:rPr lang="pt-BR" dirty="0" smtClean="0"/>
-                  <a:t>A </a:t>
-                </a:r>
-                <a:r>
-                  <a:rPr lang="pt-BR" dirty="0" smtClean="0"/>
-                  <a:t>figura mostra as </a:t>
+                  <a:t>A figura mostra as </a:t>
                 </a:r>
                 <a:r>
                   <a:rPr lang="pt-BR" b="1" i="1" dirty="0"/>
@@ -17946,11 +17850,7 @@
                 </a:r>
                 <a:r>
                   <a:rPr lang="pt-BR" dirty="0" smtClean="0"/>
-                  <a:t>e </a:t>
-                </a:r>
-                <a:r>
-                  <a:rPr lang="pt-BR" dirty="0" smtClean="0"/>
-                  <a:t>as </a:t>
+                  <a:t>e as </a:t>
                 </a:r>
                 <a:r>
                   <a:rPr lang="pt-BR" dirty="0"/>
@@ -17982,11 +17882,7 @@
                 </a:r>
                 <a:r>
                   <a:rPr lang="pt-BR" dirty="0" smtClean="0"/>
-                  <a:t>são </a:t>
-                </a:r>
-                <a:r>
-                  <a:rPr lang="pt-BR" dirty="0" smtClean="0"/>
-                  <a:t>válidas.</a:t>
+                  <a:t>são válidas.</a:t>
                 </a:r>
                 <a:endParaRPr lang="pt-BR" dirty="0"/>
               </a:p>
@@ -18129,7 +18025,7 @@
             </p:txBody>
           </p:sp>
         </mc:Choice>
-        <mc:Fallback>
+        <mc:Fallback xmlns="">
           <p:sp>
             <p:nvSpPr>
               <p:cNvPr id="8" name="Content Placeholder 2"/>
@@ -18227,8 +18123,8 @@
           </a:p>
         </p:txBody>
       </p:sp>
-      <mc:AlternateContent xmlns:mc="http://schemas.openxmlformats.org/markup-compatibility/2006">
-        <mc:Choice xmlns:a14="http://schemas.microsoft.com/office/drawing/2010/main" Requires="a14">
+      <mc:AlternateContent xmlns:mc="http://schemas.openxmlformats.org/markup-compatibility/2006" xmlns:a14="http://schemas.microsoft.com/office/drawing/2010/main">
+        <mc:Choice Requires="a14">
           <p:sp>
             <p:nvSpPr>
               <p:cNvPr id="4" name="TextBox 3"/>
@@ -18302,7 +18198,7 @@
             </p:txBody>
           </p:sp>
         </mc:Choice>
-        <mc:Fallback>
+        <mc:Fallback xmlns="">
           <p:sp>
             <p:nvSpPr>
               <p:cNvPr id="4" name="TextBox 3"/>
@@ -18341,8 +18237,8 @@
           </p:sp>
         </mc:Fallback>
       </mc:AlternateContent>
-      <mc:AlternateContent xmlns:mc="http://schemas.openxmlformats.org/markup-compatibility/2006">
-        <mc:Choice xmlns:a14="http://schemas.microsoft.com/office/drawing/2010/main" Requires="a14">
+      <mc:AlternateContent xmlns:mc="http://schemas.openxmlformats.org/markup-compatibility/2006" xmlns:a14="http://schemas.microsoft.com/office/drawing/2010/main">
+        <mc:Choice Requires="a14">
           <p:sp>
             <p:nvSpPr>
               <p:cNvPr id="10" name="TextBox 9"/>
@@ -18428,7 +18324,7 @@
             </p:txBody>
           </p:sp>
         </mc:Choice>
-        <mc:Fallback>
+        <mc:Fallback xmlns="">
           <p:sp>
             <p:nvSpPr>
               <p:cNvPr id="10" name="TextBox 9"/>

--- a/slides/T319_Regressão_Linear (Parte VI).pptx
+++ b/slides/T319_Regressão_Linear (Parte VI).pptx
@@ -539,7 +539,7 @@
           <a:p>
             <a:fld id="{DAF0AF11-6A8A-4E64-94F5-26D4FBA2A01D}" type="datetimeFigureOut">
               <a:rPr lang="nl-BE" smtClean="0"/>
-              <a:t>18/11/2022</a:t>
+              <a:t>22/10/2023</a:t>
             </a:fld>
             <a:endParaRPr lang="nl-BE"/>
           </a:p>
@@ -953,687 +953,687 @@
               <a:defRPr/>
             </a:pPr>
             <a:r>
-              <a:rPr lang="en-US" dirty="0" smtClean="0"/>
+              <a:rPr lang="en-US" dirty="0"/>
               <a:t>Na </a:t>
             </a:r>
             <a:r>
-              <a:rPr lang="en-US" dirty="0" err="1" smtClean="0"/>
+              <a:rPr lang="en-US" dirty="0" err="1"/>
               <a:t>prática</a:t>
             </a:r>
             <a:r>
-              <a:rPr lang="en-US" dirty="0" smtClean="0"/>
+              <a:rPr lang="en-US" dirty="0"/>
               <a:t>, o early stopping é </a:t>
             </a:r>
             <a:r>
-              <a:rPr lang="en-US" dirty="0" err="1" smtClean="0"/>
+              <a:rPr lang="en-US" dirty="0" err="1"/>
               <a:t>implementado</a:t>
             </a:r>
             <a:r>
-              <a:rPr lang="en-US" dirty="0" smtClean="0"/>
+              <a:rPr lang="en-US" dirty="0"/>
               <a:t> </a:t>
             </a:r>
             <a:r>
-              <a:rPr lang="en-US" dirty="0" err="1" smtClean="0"/>
+              <a:rPr lang="en-US" dirty="0" err="1"/>
               <a:t>através</a:t>
             </a:r>
             <a:r>
-              <a:rPr lang="en-US" dirty="0" smtClean="0"/>
+              <a:rPr lang="en-US" dirty="0"/>
               <a:t> do </a:t>
             </a:r>
             <a:r>
-              <a:rPr lang="en-US" dirty="0" err="1" smtClean="0"/>
+              <a:rPr lang="en-US" dirty="0" err="1"/>
               <a:t>treinamento</a:t>
             </a:r>
             <a:r>
-              <a:rPr lang="en-US" dirty="0" smtClean="0"/>
+              <a:rPr lang="en-US" dirty="0"/>
               <a:t> </a:t>
             </a:r>
             <a:r>
-              <a:rPr lang="en-US" dirty="0" err="1" smtClean="0"/>
+              <a:rPr lang="en-US" dirty="0" err="1"/>
               <a:t>em</a:t>
             </a:r>
             <a:r>
-              <a:rPr lang="en-US" dirty="0" smtClean="0"/>
+              <a:rPr lang="en-US" dirty="0"/>
               <a:t> um </a:t>
             </a:r>
             <a:r>
-              <a:rPr lang="en-US" dirty="0" err="1" smtClean="0"/>
+              <a:rPr lang="en-US" dirty="0" err="1"/>
               <a:t>conjunto</a:t>
             </a:r>
             <a:r>
-              <a:rPr lang="en-US" dirty="0" smtClean="0"/>
+              <a:rPr lang="en-US" dirty="0"/>
               <a:t> de </a:t>
             </a:r>
             <a:r>
-              <a:rPr lang="en-US" dirty="0" err="1" smtClean="0"/>
+              <a:rPr lang="en-US" dirty="0" err="1"/>
               <a:t>treinamento</a:t>
             </a:r>
             <a:r>
-              <a:rPr lang="en-US" dirty="0" smtClean="0"/>
+              <a:rPr lang="en-US" dirty="0"/>
               <a:t> e </a:t>
             </a:r>
             <a:r>
-              <a:rPr lang="en-US" dirty="0" err="1" smtClean="0"/>
+              <a:rPr lang="en-US" dirty="0" err="1"/>
               <a:t>medindo</a:t>
             </a:r>
             <a:r>
-              <a:rPr lang="en-US" dirty="0" smtClean="0"/>
+              <a:rPr lang="en-US" dirty="0"/>
               <a:t> a </a:t>
             </a:r>
             <a:r>
-              <a:rPr lang="en-US" dirty="0" err="1" smtClean="0"/>
+              <a:rPr lang="en-US" dirty="0" err="1"/>
               <a:t>precisão</a:t>
             </a:r>
             <a:r>
-              <a:rPr lang="en-US" dirty="0" smtClean="0"/>
+              <a:rPr lang="en-US" dirty="0"/>
               <a:t> </a:t>
             </a:r>
             <a:r>
-              <a:rPr lang="en-US" dirty="0" err="1" smtClean="0"/>
+              <a:rPr lang="en-US" dirty="0" err="1"/>
               <a:t>em</a:t>
             </a:r>
             <a:r>
-              <a:rPr lang="en-US" dirty="0" smtClean="0"/>
+              <a:rPr lang="en-US" dirty="0"/>
               <a:t> um </a:t>
             </a:r>
             <a:r>
-              <a:rPr lang="en-US" dirty="0" err="1" smtClean="0"/>
+              <a:rPr lang="en-US" dirty="0" err="1"/>
               <a:t>conjunto</a:t>
             </a:r>
             <a:r>
-              <a:rPr lang="en-US" dirty="0" smtClean="0"/>
+              <a:rPr lang="en-US" dirty="0"/>
               <a:t> de </a:t>
             </a:r>
             <a:r>
-              <a:rPr lang="en-US" dirty="0" err="1" smtClean="0"/>
+              <a:rPr lang="en-US" dirty="0" err="1"/>
               <a:t>validação</a:t>
             </a:r>
             <a:r>
-              <a:rPr lang="en-US" dirty="0" smtClean="0"/>
+              <a:rPr lang="en-US" dirty="0"/>
               <a:t> </a:t>
             </a:r>
             <a:r>
-              <a:rPr lang="en-US" dirty="0" err="1" smtClean="0"/>
+              <a:rPr lang="en-US" dirty="0" err="1"/>
               <a:t>estatisticamente</a:t>
             </a:r>
             <a:r>
-              <a:rPr lang="en-US" dirty="0" smtClean="0"/>
+              <a:rPr lang="en-US" dirty="0"/>
               <a:t> </a:t>
             </a:r>
             <a:r>
-              <a:rPr lang="en-US" dirty="0" err="1" smtClean="0"/>
+              <a:rPr lang="en-US" dirty="0" err="1"/>
               <a:t>independente</a:t>
             </a:r>
             <a:r>
-              <a:rPr lang="en-US" dirty="0" smtClean="0"/>
+              <a:rPr lang="en-US" dirty="0"/>
               <a:t>. O </a:t>
             </a:r>
             <a:r>
-              <a:rPr lang="en-US" dirty="0" err="1" smtClean="0"/>
+              <a:rPr lang="en-US" dirty="0" err="1"/>
               <a:t>modelo</a:t>
             </a:r>
             <a:r>
-              <a:rPr lang="en-US" dirty="0" smtClean="0"/>
+              <a:rPr lang="en-US" dirty="0"/>
               <a:t> é </a:t>
             </a:r>
             <a:r>
-              <a:rPr lang="en-US" dirty="0" err="1" smtClean="0"/>
+              <a:rPr lang="en-US" dirty="0" err="1"/>
               <a:t>treinado</a:t>
             </a:r>
             <a:r>
-              <a:rPr lang="en-US" dirty="0" smtClean="0"/>
+              <a:rPr lang="en-US" dirty="0"/>
               <a:t> </a:t>
             </a:r>
             <a:r>
-              <a:rPr lang="en-US" dirty="0" err="1" smtClean="0"/>
+              <a:rPr lang="en-US" dirty="0" err="1"/>
               <a:t>até</a:t>
             </a:r>
             <a:r>
-              <a:rPr lang="en-US" dirty="0" smtClean="0"/>
+              <a:rPr lang="en-US" dirty="0"/>
               <a:t> que o </a:t>
             </a:r>
             <a:r>
-              <a:rPr lang="en-US" dirty="0" err="1" smtClean="0"/>
+              <a:rPr lang="en-US" dirty="0" err="1"/>
               <a:t>desempenho</a:t>
             </a:r>
             <a:r>
-              <a:rPr lang="en-US" dirty="0" smtClean="0"/>
+              <a:rPr lang="en-US" dirty="0"/>
               <a:t> no </a:t>
             </a:r>
             <a:r>
-              <a:rPr lang="en-US" dirty="0" err="1" smtClean="0"/>
+              <a:rPr lang="en-US" dirty="0" err="1"/>
               <a:t>conjunto</a:t>
             </a:r>
             <a:r>
-              <a:rPr lang="en-US" dirty="0" smtClean="0"/>
+              <a:rPr lang="en-US" dirty="0"/>
               <a:t> de </a:t>
             </a:r>
             <a:r>
-              <a:rPr lang="en-US" dirty="0" err="1" smtClean="0"/>
+              <a:rPr lang="en-US" dirty="0" err="1"/>
               <a:t>validação</a:t>
             </a:r>
             <a:r>
-              <a:rPr lang="en-US" dirty="0" smtClean="0"/>
+              <a:rPr lang="en-US" dirty="0"/>
               <a:t> </a:t>
             </a:r>
             <a:r>
-              <a:rPr lang="en-US" dirty="0" err="1" smtClean="0"/>
+              <a:rPr lang="en-US" dirty="0" err="1"/>
               <a:t>não</a:t>
             </a:r>
             <a:r>
-              <a:rPr lang="en-US" dirty="0" smtClean="0"/>
+              <a:rPr lang="en-US" dirty="0"/>
               <a:t> </a:t>
             </a:r>
             <a:r>
-              <a:rPr lang="en-US" dirty="0" err="1" smtClean="0"/>
+              <a:rPr lang="en-US" dirty="0" err="1"/>
               <a:t>melhore</a:t>
             </a:r>
             <a:r>
-              <a:rPr lang="en-US" dirty="0" smtClean="0"/>
+              <a:rPr lang="en-US" dirty="0"/>
               <a:t> </a:t>
             </a:r>
             <a:r>
-              <a:rPr lang="en-US" dirty="0" err="1" smtClean="0"/>
+              <a:rPr lang="en-US" dirty="0" err="1"/>
               <a:t>mais</a:t>
             </a:r>
             <a:r>
-              <a:rPr lang="en-US" dirty="0" smtClean="0"/>
+              <a:rPr lang="en-US" dirty="0"/>
               <a:t>. O </a:t>
             </a:r>
             <a:r>
-              <a:rPr lang="en-US" dirty="0" err="1" smtClean="0"/>
+              <a:rPr lang="en-US" dirty="0" err="1"/>
               <a:t>modelo</a:t>
             </a:r>
             <a:r>
-              <a:rPr lang="en-US" dirty="0" smtClean="0"/>
+              <a:rPr lang="en-US" dirty="0"/>
               <a:t> é </a:t>
             </a:r>
             <a:r>
-              <a:rPr lang="en-US" dirty="0" err="1" smtClean="0"/>
+              <a:rPr lang="en-US" dirty="0" err="1"/>
               <a:t>então</a:t>
             </a:r>
             <a:r>
-              <a:rPr lang="en-US" dirty="0" smtClean="0"/>
+              <a:rPr lang="en-US" dirty="0"/>
               <a:t> </a:t>
             </a:r>
             <a:r>
-              <a:rPr lang="en-US" dirty="0" err="1" smtClean="0"/>
+              <a:rPr lang="en-US" dirty="0" err="1"/>
               <a:t>testado</a:t>
             </a:r>
             <a:r>
-              <a:rPr lang="en-US" dirty="0" smtClean="0"/>
+              <a:rPr lang="en-US" dirty="0"/>
               <a:t> </a:t>
             </a:r>
             <a:r>
-              <a:rPr lang="en-US" dirty="0" err="1" smtClean="0"/>
+              <a:rPr lang="en-US" dirty="0" err="1"/>
               <a:t>em</a:t>
             </a:r>
             <a:r>
-              <a:rPr lang="en-US" dirty="0" smtClean="0"/>
+              <a:rPr lang="en-US" dirty="0"/>
               <a:t> um </a:t>
             </a:r>
             <a:r>
-              <a:rPr lang="en-US" dirty="0" err="1" smtClean="0"/>
+              <a:rPr lang="en-US" dirty="0" err="1"/>
               <a:t>conjunto</a:t>
             </a:r>
             <a:r>
-              <a:rPr lang="en-US" dirty="0" smtClean="0"/>
+              <a:rPr lang="en-US" dirty="0"/>
               <a:t> de testes.</a:t>
             </a:r>
           </a:p>
           <a:p>
-            <a:endParaRPr lang="en-US" dirty="0" smtClean="0"/>
-          </a:p>
-          <a:p>
-            <a:r>
-              <a:rPr lang="en-US" dirty="0" err="1" smtClean="0"/>
+            <a:endParaRPr lang="en-US" dirty="0"/>
+          </a:p>
+          <a:p>
+            <a:r>
+              <a:rPr lang="en-US" dirty="0" err="1"/>
               <a:t>Intuitivamente</a:t>
             </a:r>
             <a:r>
-              <a:rPr lang="en-US" dirty="0" smtClean="0"/>
+              <a:rPr lang="en-US" dirty="0"/>
               <a:t>, o </a:t>
             </a:r>
             <a:r>
-              <a:rPr lang="en-US" dirty="0" err="1" smtClean="0"/>
+              <a:rPr lang="en-US" dirty="0" err="1"/>
               <a:t>algoritmo</a:t>
             </a:r>
             <a:r>
-              <a:rPr lang="en-US" dirty="0" smtClean="0"/>
+              <a:rPr lang="en-US" dirty="0"/>
               <a:t> do </a:t>
             </a:r>
             <a:r>
-              <a:rPr lang="en-US" dirty="0" err="1" smtClean="0"/>
+              <a:rPr lang="en-US" dirty="0" err="1"/>
               <a:t>gradiente</a:t>
             </a:r>
             <a:r>
-              <a:rPr lang="en-US" dirty="0" smtClean="0"/>
+              <a:rPr lang="en-US" dirty="0"/>
               <a:t> </a:t>
             </a:r>
             <a:r>
-              <a:rPr lang="en-US" dirty="0" err="1" smtClean="0"/>
+              <a:rPr lang="en-US" dirty="0" err="1"/>
               <a:t>descendente</a:t>
             </a:r>
             <a:r>
-              <a:rPr lang="en-US" dirty="0" smtClean="0"/>
+              <a:rPr lang="en-US" dirty="0"/>
               <a:t> </a:t>
             </a:r>
             <a:r>
-              <a:rPr lang="en-US" dirty="0" err="1" smtClean="0"/>
+              <a:rPr lang="en-US" dirty="0" err="1"/>
               <a:t>tenderá</a:t>
             </a:r>
             <a:r>
-              <a:rPr lang="en-US" dirty="0" smtClean="0"/>
+              <a:rPr lang="en-US" dirty="0"/>
               <a:t> a </a:t>
             </a:r>
             <a:r>
-              <a:rPr lang="en-US" dirty="0" err="1" smtClean="0"/>
+              <a:rPr lang="en-US" dirty="0" err="1"/>
               <a:t>aprender</a:t>
             </a:r>
             <a:r>
-              <a:rPr lang="en-US" dirty="0" smtClean="0"/>
+              <a:rPr lang="en-US" dirty="0"/>
               <a:t> </a:t>
             </a:r>
             <a:r>
-              <a:rPr lang="en-US" dirty="0" err="1" smtClean="0"/>
+              <a:rPr lang="en-US" dirty="0" err="1"/>
               <a:t>modelos</a:t>
             </a:r>
             <a:r>
-              <a:rPr lang="en-US" dirty="0" smtClean="0"/>
+              <a:rPr lang="en-US" dirty="0"/>
               <a:t> </a:t>
             </a:r>
             <a:r>
-              <a:rPr lang="en-US" dirty="0" err="1" smtClean="0"/>
+              <a:rPr lang="en-US" dirty="0" err="1"/>
               <a:t>cada</a:t>
             </a:r>
             <a:r>
-              <a:rPr lang="en-US" dirty="0" smtClean="0"/>
+              <a:rPr lang="en-US" dirty="0"/>
               <a:t> </a:t>
             </a:r>
             <a:r>
-              <a:rPr lang="en-US" dirty="0" err="1" smtClean="0"/>
+              <a:rPr lang="en-US" dirty="0" err="1"/>
               <a:t>vez</a:t>
             </a:r>
             <a:r>
-              <a:rPr lang="en-US" dirty="0" smtClean="0"/>
+              <a:rPr lang="en-US" dirty="0"/>
               <a:t> </a:t>
             </a:r>
             <a:r>
-              <a:rPr lang="en-US" dirty="0" err="1" smtClean="0"/>
+              <a:rPr lang="en-US" dirty="0" err="1"/>
               <a:t>mais</a:t>
             </a:r>
             <a:r>
-              <a:rPr lang="en-US" dirty="0" smtClean="0"/>
+              <a:rPr lang="en-US" dirty="0"/>
               <a:t> </a:t>
             </a:r>
             <a:r>
-              <a:rPr lang="en-US" dirty="0" err="1" smtClean="0"/>
+              <a:rPr lang="en-US" dirty="0" err="1"/>
               <a:t>complexos</a:t>
             </a:r>
             <a:r>
-              <a:rPr lang="en-US" dirty="0" smtClean="0"/>
+              <a:rPr lang="en-US" dirty="0"/>
               <a:t> à </a:t>
             </a:r>
             <a:r>
-              <a:rPr lang="en-US" dirty="0" err="1" smtClean="0"/>
+              <a:rPr lang="en-US" dirty="0" err="1"/>
               <a:t>medida</a:t>
             </a:r>
             <a:r>
-              <a:rPr lang="en-US" dirty="0" smtClean="0"/>
+              <a:rPr lang="en-US" dirty="0"/>
               <a:t> que o </a:t>
             </a:r>
             <a:r>
-              <a:rPr lang="en-US" dirty="0" err="1" smtClean="0"/>
+              <a:rPr lang="en-US" dirty="0" err="1"/>
               <a:t>número</a:t>
             </a:r>
             <a:r>
-              <a:rPr lang="en-US" dirty="0" smtClean="0"/>
+              <a:rPr lang="en-US" dirty="0"/>
               <a:t> de </a:t>
             </a:r>
             <a:r>
-              <a:rPr lang="en-US" dirty="0" err="1" smtClean="0"/>
+              <a:rPr lang="en-US" dirty="0" err="1"/>
               <a:t>iterações</a:t>
             </a:r>
             <a:r>
-              <a:rPr lang="en-US" dirty="0" smtClean="0"/>
+              <a:rPr lang="en-US" dirty="0"/>
               <a:t> (</a:t>
             </a:r>
             <a:r>
-              <a:rPr lang="en-US" dirty="0" err="1" smtClean="0"/>
+              <a:rPr lang="en-US" dirty="0" err="1"/>
               <a:t>ou</a:t>
             </a:r>
             <a:r>
-              <a:rPr lang="en-US" dirty="0" smtClean="0"/>
+              <a:rPr lang="en-US" dirty="0"/>
               <a:t> </a:t>
             </a:r>
             <a:r>
-              <a:rPr lang="en-US" dirty="0" err="1" smtClean="0"/>
+              <a:rPr lang="en-US" dirty="0" err="1"/>
               <a:t>épocas</a:t>
             </a:r>
             <a:r>
-              <a:rPr lang="en-US" dirty="0" smtClean="0"/>
+              <a:rPr lang="en-US" dirty="0"/>
               <a:t>) </a:t>
             </a:r>
             <a:r>
-              <a:rPr lang="en-US" dirty="0" err="1" smtClean="0"/>
+              <a:rPr lang="en-US" dirty="0" err="1"/>
               <a:t>aumenta</a:t>
             </a:r>
             <a:r>
-              <a:rPr lang="en-US" dirty="0" smtClean="0"/>
+              <a:rPr lang="en-US" dirty="0"/>
               <a:t>. </a:t>
             </a:r>
             <a:r>
-              <a:rPr lang="en-US" dirty="0" err="1" smtClean="0"/>
+              <a:rPr lang="en-US" dirty="0" err="1"/>
               <a:t>Ao</a:t>
             </a:r>
             <a:r>
-              <a:rPr lang="en-US" dirty="0" smtClean="0"/>
+              <a:rPr lang="en-US" dirty="0"/>
               <a:t> </a:t>
             </a:r>
             <a:r>
-              <a:rPr lang="en-US" dirty="0" err="1" smtClean="0"/>
+              <a:rPr lang="en-US" dirty="0" err="1"/>
               <a:t>regularizar</a:t>
             </a:r>
             <a:r>
-              <a:rPr lang="en-US" dirty="0" smtClean="0"/>
+              <a:rPr lang="en-US" dirty="0"/>
               <a:t> no tempo, a </a:t>
             </a:r>
             <a:r>
-              <a:rPr lang="en-US" dirty="0" err="1" smtClean="0"/>
+              <a:rPr lang="en-US" dirty="0" err="1"/>
               <a:t>complexidade</a:t>
             </a:r>
             <a:r>
-              <a:rPr lang="en-US" dirty="0" smtClean="0"/>
+              <a:rPr lang="en-US" dirty="0"/>
               <a:t> do </a:t>
             </a:r>
             <a:r>
-              <a:rPr lang="en-US" dirty="0" err="1" smtClean="0"/>
+              <a:rPr lang="en-US" dirty="0" err="1"/>
               <a:t>modelo</a:t>
             </a:r>
             <a:r>
-              <a:rPr lang="en-US" dirty="0" smtClean="0"/>
+              <a:rPr lang="en-US" dirty="0"/>
               <a:t> </a:t>
             </a:r>
             <a:r>
-              <a:rPr lang="en-US" dirty="0" err="1" smtClean="0"/>
+              <a:rPr lang="en-US" dirty="0" err="1"/>
               <a:t>pode</a:t>
             </a:r>
             <a:r>
-              <a:rPr lang="en-US" dirty="0" smtClean="0"/>
+              <a:rPr lang="en-US" dirty="0"/>
               <a:t> </a:t>
             </a:r>
             <a:r>
-              <a:rPr lang="en-US" dirty="0" err="1" smtClean="0"/>
+              <a:rPr lang="en-US" dirty="0" err="1"/>
               <a:t>ser</a:t>
             </a:r>
             <a:r>
-              <a:rPr lang="en-US" dirty="0" smtClean="0"/>
+              <a:rPr lang="en-US" dirty="0"/>
               <a:t> </a:t>
             </a:r>
             <a:r>
-              <a:rPr lang="en-US" dirty="0" err="1" smtClean="0"/>
+              <a:rPr lang="en-US" dirty="0" err="1"/>
               <a:t>controlada</a:t>
             </a:r>
             <a:r>
-              <a:rPr lang="en-US" dirty="0" smtClean="0"/>
+              <a:rPr lang="en-US" dirty="0"/>
               <a:t>, </a:t>
             </a:r>
             <a:r>
-              <a:rPr lang="en-US" dirty="0" err="1" smtClean="0"/>
+              <a:rPr lang="en-US" dirty="0" err="1"/>
               <a:t>melhorando</a:t>
             </a:r>
             <a:r>
-              <a:rPr lang="en-US" dirty="0" smtClean="0"/>
+              <a:rPr lang="en-US" dirty="0"/>
               <a:t> </a:t>
             </a:r>
             <a:r>
-              <a:rPr lang="en-US" dirty="0" err="1" smtClean="0"/>
+              <a:rPr lang="en-US" dirty="0" err="1"/>
               <a:t>sua</a:t>
             </a:r>
             <a:r>
-              <a:rPr lang="en-US" dirty="0" smtClean="0"/>
+              <a:rPr lang="en-US" dirty="0"/>
               <a:t> </a:t>
             </a:r>
             <a:r>
-              <a:rPr lang="en-US" dirty="0" err="1" smtClean="0"/>
+              <a:rPr lang="en-US" dirty="0" err="1"/>
               <a:t>generalização</a:t>
             </a:r>
             <a:r>
-              <a:rPr lang="en-US" dirty="0" smtClean="0"/>
+              <a:rPr lang="en-US" dirty="0"/>
               <a:t>.</a:t>
             </a:r>
           </a:p>
           <a:p>
-            <a:endParaRPr lang="en-US" dirty="0" smtClean="0">
+            <a:endParaRPr lang="en-US" dirty="0">
               <a:cs typeface="Calibri"/>
             </a:endParaRPr>
           </a:p>
           <a:p>
             <a:r>
-              <a:rPr lang="en-US" dirty="0" smtClean="0"/>
+              <a:rPr lang="en-US" dirty="0"/>
               <a:t>Na </a:t>
             </a:r>
             <a:r>
-              <a:rPr lang="en-US" dirty="0" err="1" smtClean="0"/>
+              <a:rPr lang="en-US" dirty="0" err="1"/>
               <a:t>prática</a:t>
             </a:r>
             <a:r>
-              <a:rPr lang="en-US" dirty="0" smtClean="0"/>
+              <a:rPr lang="en-US" dirty="0"/>
               <a:t>, o early stopping é </a:t>
             </a:r>
             <a:r>
-              <a:rPr lang="en-US" dirty="0" err="1" smtClean="0"/>
+              <a:rPr lang="en-US" dirty="0" err="1"/>
               <a:t>implementado</a:t>
             </a:r>
             <a:r>
-              <a:rPr lang="en-US" dirty="0" smtClean="0"/>
+              <a:rPr lang="en-US" dirty="0"/>
               <a:t> </a:t>
             </a:r>
             <a:r>
-              <a:rPr lang="en-US" dirty="0" err="1" smtClean="0"/>
+              <a:rPr lang="en-US" dirty="0" err="1"/>
               <a:t>através</a:t>
             </a:r>
             <a:r>
-              <a:rPr lang="en-US" dirty="0" smtClean="0"/>
+              <a:rPr lang="en-US" dirty="0"/>
               <a:t> do </a:t>
             </a:r>
             <a:r>
-              <a:rPr lang="en-US" dirty="0" err="1" smtClean="0"/>
+              <a:rPr lang="en-US" dirty="0" err="1"/>
               <a:t>treinamento</a:t>
             </a:r>
             <a:r>
-              <a:rPr lang="en-US" dirty="0" smtClean="0"/>
+              <a:rPr lang="en-US" dirty="0"/>
               <a:t> </a:t>
             </a:r>
             <a:r>
-              <a:rPr lang="en-US" dirty="0" err="1" smtClean="0"/>
+              <a:rPr lang="en-US" dirty="0" err="1"/>
               <a:t>em</a:t>
             </a:r>
             <a:r>
-              <a:rPr lang="en-US" dirty="0" smtClean="0"/>
+              <a:rPr lang="en-US" dirty="0"/>
               <a:t> um </a:t>
             </a:r>
             <a:r>
-              <a:rPr lang="en-US" dirty="0" err="1" smtClean="0"/>
+              <a:rPr lang="en-US" dirty="0" err="1"/>
               <a:t>conjunto</a:t>
             </a:r>
             <a:r>
-              <a:rPr lang="en-US" dirty="0" smtClean="0"/>
+              <a:rPr lang="en-US" dirty="0"/>
               <a:t> de </a:t>
             </a:r>
             <a:r>
-              <a:rPr lang="en-US" dirty="0" err="1" smtClean="0"/>
+              <a:rPr lang="en-US" dirty="0" err="1"/>
               <a:t>treinamento</a:t>
             </a:r>
             <a:r>
-              <a:rPr lang="en-US" dirty="0" smtClean="0"/>
+              <a:rPr lang="en-US" dirty="0"/>
               <a:t> e </a:t>
             </a:r>
             <a:r>
-              <a:rPr lang="en-US" dirty="0" err="1" smtClean="0"/>
+              <a:rPr lang="en-US" dirty="0" err="1"/>
               <a:t>medindo</a:t>
             </a:r>
             <a:r>
-              <a:rPr lang="en-US" dirty="0" smtClean="0"/>
+              <a:rPr lang="en-US" dirty="0"/>
               <a:t> a </a:t>
             </a:r>
             <a:r>
-              <a:rPr lang="en-US" dirty="0" err="1" smtClean="0"/>
+              <a:rPr lang="en-US" dirty="0" err="1"/>
               <a:t>precisão</a:t>
             </a:r>
             <a:r>
-              <a:rPr lang="en-US" dirty="0" smtClean="0"/>
+              <a:rPr lang="en-US" dirty="0"/>
               <a:t> </a:t>
             </a:r>
             <a:r>
-              <a:rPr lang="en-US" dirty="0" err="1" smtClean="0"/>
+              <a:rPr lang="en-US" dirty="0" err="1"/>
               <a:t>em</a:t>
             </a:r>
             <a:r>
-              <a:rPr lang="en-US" dirty="0" smtClean="0"/>
+              <a:rPr lang="en-US" dirty="0"/>
               <a:t> um </a:t>
             </a:r>
             <a:r>
-              <a:rPr lang="en-US" dirty="0" err="1" smtClean="0"/>
+              <a:rPr lang="en-US" dirty="0" err="1"/>
               <a:t>conjunto</a:t>
             </a:r>
             <a:r>
-              <a:rPr lang="en-US" dirty="0" smtClean="0"/>
+              <a:rPr lang="en-US" dirty="0"/>
               <a:t> de </a:t>
             </a:r>
             <a:r>
-              <a:rPr lang="en-US" dirty="0" err="1" smtClean="0"/>
+              <a:rPr lang="en-US" dirty="0" err="1"/>
               <a:t>validação</a:t>
             </a:r>
             <a:r>
-              <a:rPr lang="en-US" dirty="0" smtClean="0"/>
+              <a:rPr lang="en-US" dirty="0"/>
               <a:t> </a:t>
             </a:r>
             <a:r>
-              <a:rPr lang="en-US" dirty="0" err="1" smtClean="0"/>
+              <a:rPr lang="en-US" dirty="0" err="1"/>
               <a:t>estatisticamente</a:t>
             </a:r>
             <a:r>
-              <a:rPr lang="en-US" dirty="0" smtClean="0"/>
+              <a:rPr lang="en-US" dirty="0"/>
               <a:t> </a:t>
             </a:r>
             <a:r>
-              <a:rPr lang="en-US" dirty="0" err="1" smtClean="0"/>
+              <a:rPr lang="en-US" dirty="0" err="1"/>
               <a:t>independente</a:t>
             </a:r>
             <a:r>
-              <a:rPr lang="en-US" dirty="0" smtClean="0"/>
+              <a:rPr lang="en-US" dirty="0"/>
               <a:t>. O </a:t>
             </a:r>
             <a:r>
-              <a:rPr lang="en-US" dirty="0" err="1" smtClean="0"/>
+              <a:rPr lang="en-US" dirty="0" err="1"/>
               <a:t>modelo</a:t>
             </a:r>
             <a:r>
-              <a:rPr lang="en-US" dirty="0" smtClean="0"/>
+              <a:rPr lang="en-US" dirty="0"/>
               <a:t> é </a:t>
             </a:r>
             <a:r>
-              <a:rPr lang="en-US" dirty="0" err="1" smtClean="0"/>
+              <a:rPr lang="en-US" dirty="0" err="1"/>
               <a:t>treinado</a:t>
             </a:r>
             <a:r>
-              <a:rPr lang="en-US" dirty="0" smtClean="0"/>
+              <a:rPr lang="en-US" dirty="0"/>
               <a:t> </a:t>
             </a:r>
             <a:r>
-              <a:rPr lang="en-US" dirty="0" err="1" smtClean="0"/>
+              <a:rPr lang="en-US" dirty="0" err="1"/>
               <a:t>até</a:t>
             </a:r>
             <a:r>
-              <a:rPr lang="en-US" dirty="0" smtClean="0"/>
+              <a:rPr lang="en-US" dirty="0"/>
               <a:t> que o </a:t>
             </a:r>
             <a:r>
-              <a:rPr lang="en-US" dirty="0" err="1" smtClean="0"/>
+              <a:rPr lang="en-US" dirty="0" err="1"/>
               <a:t>desempenho</a:t>
             </a:r>
             <a:r>
-              <a:rPr lang="en-US" dirty="0" smtClean="0"/>
+              <a:rPr lang="en-US" dirty="0"/>
               <a:t> no </a:t>
             </a:r>
             <a:r>
-              <a:rPr lang="en-US" dirty="0" err="1" smtClean="0"/>
+              <a:rPr lang="en-US" dirty="0" err="1"/>
               <a:t>conjunto</a:t>
             </a:r>
             <a:r>
-              <a:rPr lang="en-US" dirty="0" smtClean="0"/>
+              <a:rPr lang="en-US" dirty="0"/>
               <a:t> de </a:t>
             </a:r>
             <a:r>
-              <a:rPr lang="en-US" dirty="0" err="1" smtClean="0"/>
+              <a:rPr lang="en-US" dirty="0" err="1"/>
               <a:t>validação</a:t>
             </a:r>
             <a:r>
-              <a:rPr lang="en-US" dirty="0" smtClean="0"/>
+              <a:rPr lang="en-US" dirty="0"/>
               <a:t> </a:t>
             </a:r>
             <a:r>
-              <a:rPr lang="en-US" dirty="0" err="1" smtClean="0"/>
+              <a:rPr lang="en-US" dirty="0" err="1"/>
               <a:t>não</a:t>
             </a:r>
             <a:r>
-              <a:rPr lang="en-US" dirty="0" smtClean="0"/>
+              <a:rPr lang="en-US" dirty="0"/>
               <a:t> </a:t>
             </a:r>
             <a:r>
-              <a:rPr lang="en-US" dirty="0" err="1" smtClean="0"/>
+              <a:rPr lang="en-US" dirty="0" err="1"/>
               <a:t>melhore</a:t>
             </a:r>
             <a:r>
-              <a:rPr lang="en-US" dirty="0" smtClean="0"/>
+              <a:rPr lang="en-US" dirty="0"/>
               <a:t> </a:t>
             </a:r>
             <a:r>
-              <a:rPr lang="en-US" dirty="0" err="1" smtClean="0"/>
+              <a:rPr lang="en-US" dirty="0" err="1"/>
               <a:t>mais</a:t>
             </a:r>
             <a:r>
-              <a:rPr lang="en-US" dirty="0" smtClean="0"/>
+              <a:rPr lang="en-US" dirty="0"/>
               <a:t>. O </a:t>
             </a:r>
             <a:r>
-              <a:rPr lang="en-US" dirty="0" err="1" smtClean="0"/>
+              <a:rPr lang="en-US" dirty="0" err="1"/>
               <a:t>modelo</a:t>
             </a:r>
             <a:r>
-              <a:rPr lang="en-US" dirty="0" smtClean="0"/>
+              <a:rPr lang="en-US" dirty="0"/>
               <a:t> é </a:t>
             </a:r>
             <a:r>
-              <a:rPr lang="en-US" dirty="0" err="1" smtClean="0"/>
+              <a:rPr lang="en-US" dirty="0" err="1"/>
               <a:t>então</a:t>
             </a:r>
             <a:r>
-              <a:rPr lang="en-US" dirty="0" smtClean="0"/>
+              <a:rPr lang="en-US" dirty="0"/>
               <a:t> </a:t>
             </a:r>
             <a:r>
-              <a:rPr lang="en-US" dirty="0" err="1" smtClean="0"/>
+              <a:rPr lang="en-US" dirty="0" err="1"/>
               <a:t>testado</a:t>
             </a:r>
             <a:r>
-              <a:rPr lang="en-US" dirty="0" smtClean="0"/>
+              <a:rPr lang="en-US" dirty="0"/>
               <a:t> </a:t>
             </a:r>
             <a:r>
-              <a:rPr lang="en-US" dirty="0" err="1" smtClean="0"/>
+              <a:rPr lang="en-US" dirty="0" err="1"/>
               <a:t>em</a:t>
             </a:r>
             <a:r>
-              <a:rPr lang="en-US" dirty="0" smtClean="0"/>
+              <a:rPr lang="en-US" dirty="0"/>
               <a:t> um </a:t>
             </a:r>
             <a:r>
-              <a:rPr lang="en-US" dirty="0" err="1" smtClean="0"/>
+              <a:rPr lang="en-US" dirty="0" err="1"/>
               <a:t>conjunto</a:t>
             </a:r>
             <a:r>
-              <a:rPr lang="en-US" dirty="0" smtClean="0"/>
+              <a:rPr lang="en-US" dirty="0"/>
               <a:t> de testes.</a:t>
             </a:r>
           </a:p>
@@ -1723,54 +1723,50 @@
           <a:lstStyle/>
           <a:p>
             <a:r>
-              <a:rPr lang="pt-BR" b="1" dirty="0" smtClean="0"/>
+              <a:rPr lang="pt-BR" b="1" dirty="0"/>
               <a:t>Exemplo</a:t>
             </a:r>
             <a:r>
-              <a:rPr lang="pt-BR" b="0" dirty="0" smtClean="0"/>
+              <a:rPr lang="pt-BR" b="0" dirty="0"/>
               <a:t>:</a:t>
             </a:r>
             <a:r>
-              <a:rPr lang="pt-BR" b="0" baseline="0" dirty="0" smtClean="0"/>
+              <a:rPr lang="pt-BR" b="0" baseline="0" dirty="0"/>
               <a:t> </a:t>
             </a:r>
             <a:r>
-              <a:rPr lang="pt-BR" dirty="0" smtClean="0"/>
+              <a:rPr lang="pt-BR" dirty="0"/>
               <a:t>https://mybinder.org/v2/gh/zz4fap/t319_aprendizado_de_maquina/main?filepath=notebooks%2Fregression%2F</a:t>
             </a:r>
             <a:r>
-              <a:rPr lang="pt-BR" sz="1200" dirty="0" smtClean="0"/>
+              <a:rPr lang="pt-BR" sz="1200" dirty="0"/>
               <a:t>early_stopv2.ipynb</a:t>
             </a:r>
           </a:p>
           <a:p>
-            <a:endParaRPr lang="pt-BR" sz="1200" dirty="0" smtClean="0"/>
-          </a:p>
-          <a:p>
-            <a:r>
-              <a:rPr lang="pt-BR" sz="1200" dirty="0" smtClean="0"/>
+            <a:endParaRPr lang="pt-BR" sz="1200" dirty="0"/>
+          </a:p>
+          <a:p>
+            <a:r>
+              <a:rPr lang="pt-BR" sz="1200" dirty="0"/>
               <a:t>Exemplo: </a:t>
             </a:r>
             <a:r>
-              <a:rPr lang="pt-BR" baseline="0" dirty="0" smtClean="0"/>
+              <a:rPr lang="pt-BR" baseline="0" dirty="0"/>
               <a:t>https://colab.research.google.com/github/zz4fap/t319_aprendizado_de_maquina/blob/main/notebooks/regression/</a:t>
             </a:r>
             <a:r>
-              <a:rPr lang="pt-BR" sz="1200" dirty="0" smtClean="0"/>
+              <a:rPr lang="pt-BR" sz="1200" dirty="0"/>
               <a:t>early_stopv2.ipynb</a:t>
             </a:r>
           </a:p>
           <a:p>
-            <a:endParaRPr lang="pt-BR" dirty="0" smtClean="0"/>
-          </a:p>
-          <a:p>
-            <a:r>
-              <a:rPr lang="pt-BR" dirty="0" smtClean="0"/>
-              <a:t>A </a:t>
-            </a:r>
+            <a:endParaRPr lang="pt-BR" dirty="0"/>
+          </a:p>
+          <a:p>
             <a:r>
               <a:rPr lang="pt-BR" dirty="0"/>
-              <a:t>figura mostra um modelo complexo (um modelo de regressão polinomial de alto grau) sendo treinado usando</a:t>
+              <a:t>A figura mostra um modelo complexo (um modelo de regressão polinomial de alto grau) sendo treinado usando</a:t>
             </a:r>
             <a:r>
               <a:rPr lang="pt-BR" baseline="0" dirty="0"/>
@@ -1959,17 +1955,17 @@
               <a:defRPr/>
             </a:pPr>
             <a:r>
-              <a:rPr lang="pt-BR" dirty="0" smtClean="0"/>
+              <a:rPr lang="pt-BR" dirty="0"/>
               <a:t>COLAB:</a:t>
             </a:r>
             <a:r>
-              <a:rPr lang="pt-BR" baseline="0" dirty="0" smtClean="0"/>
+              <a:rPr lang="pt-BR" baseline="0" dirty="0"/>
               <a:t> https://colab.research.google.com/github/zz4fap/t319_aprendizado_de_maquina/blob/main/projeto/projeto_final_T319_1S2022.ipynb</a:t>
             </a:r>
-            <a:endParaRPr lang="pt-BR" dirty="0" smtClean="0"/>
-          </a:p>
-          <a:p>
-            <a:endParaRPr lang="pt-BR" dirty="0" smtClean="0"/>
+            <a:endParaRPr lang="pt-BR" dirty="0"/>
+          </a:p>
+          <a:p>
+            <a:endParaRPr lang="pt-BR" dirty="0"/>
           </a:p>
           <a:p>
             <a:pPr marL="0" marR="0" lvl="0" indent="0" algn="l" defTabSz="914400" rtl="0" eaLnBrk="1" fontAlgn="auto" latinLnBrk="0" hangingPunct="1">
@@ -1990,15 +1986,15 @@
               <a:defRPr/>
             </a:pPr>
             <a:r>
-              <a:rPr lang="pt-BR" dirty="0" smtClean="0"/>
+              <a:rPr lang="pt-BR" dirty="0"/>
               <a:t>BINDER:</a:t>
             </a:r>
             <a:r>
-              <a:rPr lang="pt-BR" baseline="0" dirty="0" smtClean="0"/>
+              <a:rPr lang="pt-BR" baseline="0" dirty="0"/>
               <a:t> </a:t>
             </a:r>
             <a:r>
-              <a:rPr lang="pt-BR" dirty="0" smtClean="0"/>
+              <a:rPr lang="pt-BR" dirty="0"/>
               <a:t>https://mybinder.org/v2/gh/zz4fap/t319_aprendizado_de_maquina/main?filepath=projeto%2Fprojeto_final_T319_1S2022.ipynb</a:t>
             </a:r>
           </a:p>
@@ -2020,7 +2016,7 @@
               <a:tabLst/>
               <a:defRPr/>
             </a:pPr>
-            <a:endParaRPr lang="pt-BR" dirty="0" smtClean="0"/>
+            <a:endParaRPr lang="pt-BR" dirty="0"/>
           </a:p>
           <a:p>
             <a:pPr marL="0" marR="0" lvl="0" indent="0" algn="l" defTabSz="914400" rtl="0" eaLnBrk="1" fontAlgn="auto" latinLnBrk="0" hangingPunct="1">
@@ -2040,7 +2036,7 @@
               <a:tabLst/>
               <a:defRPr/>
             </a:pPr>
-            <a:endParaRPr lang="pt-BR" dirty="0" smtClean="0"/>
+            <a:endParaRPr lang="pt-BR" dirty="0"/>
           </a:p>
           <a:p>
             <a:pPr marL="0" marR="0" lvl="0" indent="0" algn="l" defTabSz="914400" rtl="0" eaLnBrk="1" fontAlgn="auto" latinLnBrk="0" hangingPunct="1">
@@ -2060,7 +2056,7 @@
               <a:tabLst/>
               <a:defRPr/>
             </a:pPr>
-            <a:endParaRPr lang="pt-BR" dirty="0" smtClean="0"/>
+            <a:endParaRPr lang="pt-BR" dirty="0"/>
           </a:p>
           <a:p>
             <a:endParaRPr lang="pt-BR" dirty="0"/>
@@ -2161,20 +2157,16 @@
           </a:p>
           <a:p>
             <a:r>
-              <a:rPr lang="pt-BR" b="0" i="0" baseline="0" dirty="0" smtClean="0"/>
+              <a:rPr lang="pt-BR" b="0" i="0" baseline="0" dirty="0"/>
               <a:t>A </a:t>
             </a:r>
             <a:r>
-              <a:rPr lang="pt-BR" b="1" baseline="0" dirty="0" smtClean="0"/>
+              <a:rPr lang="pt-BR" b="1" baseline="0" dirty="0"/>
               <a:t>Regularização</a:t>
             </a:r>
             <a:r>
-              <a:rPr lang="pt-BR" baseline="0" dirty="0" smtClean="0"/>
-              <a:t> </a:t>
-            </a:r>
-            <a:r>
               <a:rPr lang="pt-BR" baseline="0" dirty="0"/>
-              <a:t>penaliza explicitamente </a:t>
+              <a:t> penaliza explicitamente </a:t>
             </a:r>
             <a:r>
               <a:rPr lang="pt-BR" b="1" baseline="0" dirty="0"/>
@@ -2224,29 +2216,16 @@
             </a:r>
             <a:r>
               <a:rPr lang="pt-BR" dirty="0"/>
-              <a:t> refere-se a procedimentos que visam obter um modelo de aproximação bem-comportado através da incorporação de informações adicionais ao processo de treinamento do modelo, na forma de restrições de suavidade junto ao mapeamento, ou de penalizações proporcionais à norma do vetor de </a:t>
-            </a:r>
-            <a:r>
-              <a:rPr lang="pt-BR" dirty="0" smtClean="0"/>
-              <a:t>pesos.</a:t>
-            </a:r>
+              <a:t> refere-se a procedimentos que visam obter um modelo de aproximação bem-comportado através da incorporação de informações adicionais ao processo de treinamento do modelo, na forma de restrições de suavidade junto ao mapeamento, ou de penalizações proporcionais à norma do vetor de pesos.</a:t>
+            </a:r>
+          </a:p>
+          <a:p>
             <a:endParaRPr lang="pt-BR" dirty="0"/>
           </a:p>
           <a:p>
-            <a:endParaRPr lang="pt-BR" dirty="0"/>
-          </a:p>
-          <a:p>
             <a:r>
               <a:rPr lang="pt-BR" dirty="0"/>
-              <a:t>As 3 técnicas mencionadas aqui, rigde regression, LASSO e elastic net, introduzem restrições ligadas a alguma norma do vetor de </a:t>
-            </a:r>
-            <a:r>
-              <a:rPr lang="pt-BR" dirty="0" smtClean="0"/>
-              <a:t>pesos, </a:t>
-            </a:r>
-            <a:r>
-              <a:rPr lang="pt-BR" dirty="0"/>
-              <a:t>sendo, por este motivo, também conhecidas como técnicas de </a:t>
+              <a:t>As 3 técnicas mencionadas aqui, rigde regression, LASSO e elastic net, introduzem restrições ligadas a alguma norma do vetor de pesos, sendo, por este motivo, também conhecidas como técnicas de </a:t>
             </a:r>
             <a:r>
               <a:rPr lang="pt-BR" b="1" i="1" dirty="0"/>
@@ -2254,28 +2233,23 @@
             </a:r>
             <a:r>
               <a:rPr lang="pt-BR" b="0" i="0" baseline="0" dirty="0"/>
-              <a:t> (redução, encolhimento</a:t>
-            </a:r>
-            <a:r>
-              <a:rPr lang="pt-BR" b="0" i="0" baseline="0" dirty="0" smtClean="0"/>
-              <a:t>).</a:t>
-            </a:r>
-          </a:p>
-          <a:p>
-            <a:endParaRPr lang="pt-BR" b="0" i="0" baseline="0" dirty="0" smtClean="0"/>
-          </a:p>
-          <a:p>
-            <a:r>
-              <a:rPr lang="pt-BR" b="0" i="0" baseline="0" dirty="0" smtClean="0"/>
+              <a:t> (redução, encolhimento).</a:t>
+            </a:r>
+          </a:p>
+          <a:p>
+            <a:endParaRPr lang="pt-BR" b="0" i="0" baseline="0" dirty="0"/>
+          </a:p>
+          <a:p>
+            <a:r>
+              <a:rPr lang="pt-BR" b="0" i="0" baseline="0" dirty="0"/>
               <a:t>Referência:</a:t>
             </a:r>
           </a:p>
           <a:p>
             <a:r>
-              <a:rPr lang="pt-BR" dirty="0" smtClean="0"/>
+              <a:rPr lang="pt-BR" dirty="0"/>
               <a:t>https://dafriedman97.github.io/mlbook/content/c2/s1/regularized.html</a:t>
             </a:r>
-            <a:endParaRPr lang="pt-BR" dirty="0"/>
           </a:p>
         </p:txBody>
       </p:sp>
@@ -2362,7 +2336,7 @@
               <a:lstStyle/>
               <a:p>
                 <a:r>
-                  <a:rPr lang="en-US" sz="1200" b="0" i="1" kern="1200" dirty="0" err="1" smtClean="0">
+                  <a:rPr lang="en-US" sz="1200" b="0" i="1" kern="1200" dirty="0" err="1">
                     <a:solidFill>
                       <a:schemeClr val="tx1"/>
                     </a:solidFill>
@@ -2374,7 +2348,7 @@
                   <a:t>s.a.</a:t>
                 </a:r>
                 <a:r>
-                  <a:rPr lang="en-US" sz="1200" b="0" i="1" kern="1200" dirty="0" smtClean="0">
+                  <a:rPr lang="en-US" sz="1200" b="0" i="1" kern="1200" dirty="0">
                     <a:solidFill>
                       <a:schemeClr val="tx1"/>
                     </a:solidFill>
@@ -2386,7 +2360,7 @@
                   <a:t> -&gt; </a:t>
                 </a:r>
                 <a:r>
-                  <a:rPr lang="en-US" sz="1200" b="0" i="1" kern="1200" dirty="0" err="1" smtClean="0">
+                  <a:rPr lang="en-US" sz="1200" b="0" i="1" kern="1200" dirty="0" err="1">
                     <a:solidFill>
                       <a:schemeClr val="tx1"/>
                     </a:solidFill>
@@ -2398,7 +2372,7 @@
                   <a:t>sujeito</a:t>
                 </a:r>
                 <a:r>
-                  <a:rPr lang="en-US" sz="1200" b="0" i="1" kern="1200" dirty="0" smtClean="0">
+                  <a:rPr lang="en-US" sz="1200" b="0" i="1" kern="1200" dirty="0">
                     <a:solidFill>
                       <a:schemeClr val="tx1"/>
                     </a:solidFill>
@@ -2411,7 +2385,7 @@
                 </a:r>
               </a:p>
               <a:p>
-                <a:endParaRPr lang="en-US" sz="1200" b="0" i="1" kern="1200" dirty="0" smtClean="0">
+                <a:endParaRPr lang="en-US" sz="1200" b="0" i="1" kern="1200" dirty="0">
                   <a:solidFill>
                     <a:schemeClr val="tx1"/>
                   </a:solidFill>
@@ -2423,7 +2397,7 @@
               </a:p>
               <a:p>
                 <a:r>
-                  <a:rPr lang="en-US" sz="1200" b="0" i="1" kern="1200" dirty="0" smtClean="0">
+                  <a:rPr lang="en-US" sz="1200" b="0" i="1" kern="1200" dirty="0">
                     <a:solidFill>
                       <a:schemeClr val="tx1"/>
                     </a:solidFill>
@@ -2578,19 +2552,15 @@
                 </a:r>
                 <a:r>
                   <a:rPr lang="pt-BR" baseline="0" dirty="0"/>
-                  <a:t> pesos</a:t>
-                </a:r>
-                <a:r>
-                  <a:rPr lang="pt-BR" baseline="0" dirty="0" smtClean="0"/>
-                  <a:t>.</a:t>
-                </a:r>
-              </a:p>
-              <a:p>
-                <a:endParaRPr lang="pt-BR" baseline="0" dirty="0" smtClean="0"/>
-              </a:p>
-              <a:p>
-                <a:r>
-                  <a:rPr lang="pt-BR" baseline="0" dirty="0" smtClean="0"/>
+                  <a:t> pesos.</a:t>
+                </a:r>
+              </a:p>
+              <a:p>
+                <a:endParaRPr lang="pt-BR" baseline="0" dirty="0"/>
+              </a:p>
+              <a:p>
+                <a:r>
+                  <a:rPr lang="pt-BR" baseline="0" dirty="0"/>
                   <a:t>O parâmetro </a:t>
                 </a:r>
                 <a14:m>
@@ -2605,7 +2575,7 @@
                   </m:oMath>
                 </a14:m>
                 <a:r>
-                  <a:rPr lang="pt-BR" baseline="0" dirty="0" smtClean="0"/>
+                  <a:rPr lang="pt-BR" baseline="0" dirty="0"/>
                   <a:t> é também conhecido como parâmetro de complexidade e controla a quantidade de redução/encolhimento dos pesos: quanto maior o valor de </a:t>
                 </a:r>
                 <a14:m>
@@ -2620,43 +2590,39 @@
                   </m:oMath>
                 </a14:m>
                 <a:r>
-                  <a:rPr lang="pt-BR" baseline="0" dirty="0" smtClean="0"/>
+                  <a:rPr lang="pt-BR" baseline="0" dirty="0"/>
                   <a:t>, maior a quantidade de redução/encolhimento.</a:t>
                 </a:r>
               </a:p>
               <a:p>
-                <a:endParaRPr lang="pt-BR" baseline="0" dirty="0" smtClean="0"/>
-              </a:p>
-              <a:p>
-                <a:r>
-                  <a:rPr lang="pt-BR" b="1" baseline="0" dirty="0" smtClean="0"/>
+                <a:endParaRPr lang="pt-BR" baseline="0" dirty="0"/>
+              </a:p>
+              <a:p>
+                <a:r>
+                  <a:rPr lang="pt-BR" b="1" baseline="0" dirty="0"/>
                   <a:t>Referência</a:t>
                 </a:r>
                 <a:r>
-                  <a:rPr lang="pt-BR" baseline="0" dirty="0" smtClean="0"/>
+                  <a:rPr lang="pt-BR" baseline="0" dirty="0"/>
                   <a:t>:</a:t>
                 </a:r>
               </a:p>
               <a:p>
-                <a:endParaRPr lang="pt-BR" baseline="0" dirty="0" smtClean="0"/>
-              </a:p>
-              <a:p>
-                <a:r>
-                  <a:rPr lang="pt-BR" baseline="0" dirty="0" smtClean="0"/>
+                <a:endParaRPr lang="pt-BR" baseline="0" dirty="0"/>
+              </a:p>
+              <a:p>
+                <a:r>
+                  <a:rPr lang="pt-BR" baseline="0" dirty="0"/>
                   <a:t>[1] https://machinelearningmastery.com/weight-regularization-to-reduce-overfitting-of-deep-learning-models/</a:t>
                 </a:r>
               </a:p>
               <a:p>
-                <a:endParaRPr lang="pt-BR" b="1" baseline="0" dirty="0" smtClean="0"/>
-              </a:p>
-              <a:p>
-                <a:r>
-                  <a:rPr lang="pt-BR" b="1" baseline="0" dirty="0" smtClean="0"/>
-                  <a:t>Norma </a:t>
-                </a:r>
+                <a:endParaRPr lang="pt-BR" b="1" baseline="0" dirty="0"/>
+              </a:p>
+              <a:p>
                 <a:r>
                   <a:rPr lang="pt-BR" b="1" baseline="0" dirty="0"/>
-                  <a:t>Euclidiana</a:t>
+                  <a:t>Norma Euclidiana</a:t>
                 </a:r>
                 <a:r>
                   <a:rPr lang="pt-BR" baseline="0" dirty="0"/>
@@ -2684,31 +2650,7 @@
                     <a:ea typeface="+mn-ea"/>
                     <a:cs typeface="+mn-cs"/>
                   </a:rPr>
-                  <a:t>A regularização força o algoritmo de aprendizado a não apenas ajustar os pesos, mas </a:t>
-                </a:r>
-                <a:r>
-                  <a:rPr lang="pt-BR" sz="1200" b="0" i="0" kern="1200" dirty="0" smtClean="0">
-                    <a:solidFill>
-                      <a:schemeClr val="tx1"/>
-                    </a:solidFill>
-                    <a:effectLst/>
-                    <a:latin typeface="+mn-lt"/>
-                    <a:ea typeface="+mn-ea"/>
-                    <a:cs typeface="+mn-cs"/>
-                  </a:rPr>
-                  <a:t>também, </a:t>
-                </a:r>
-                <a:r>
-                  <a:rPr lang="pt-BR" sz="1200" b="0" i="0" kern="1200" dirty="0">
-                    <a:solidFill>
-                      <a:schemeClr val="tx1"/>
-                    </a:solidFill>
-                    <a:effectLst/>
-                    <a:latin typeface="+mn-lt"/>
-                    <a:ea typeface="+mn-ea"/>
-                    <a:cs typeface="+mn-cs"/>
-                  </a:rPr>
-                  <a:t>manté-los</a:t>
+                  <a:t>A regularização força o algoritmo de aprendizado a não apenas ajustar os pesos, mas também, manté-los</a:t>
                 </a:r>
                 <a:r>
                   <a:rPr lang="pt-BR" sz="1200" b="0" i="0" kern="1200" baseline="0" dirty="0">
@@ -2732,23 +2674,11 @@
                     <a:ea typeface="+mn-ea"/>
                     <a:cs typeface="+mn-cs"/>
                   </a:rPr>
-                  <a:t>o menor possível</a:t>
-                </a:r>
-                <a:r>
-                  <a:rPr lang="pt-BR" sz="1200" b="0" i="0" kern="1200" dirty="0" smtClean="0">
-                    <a:solidFill>
-                      <a:schemeClr val="tx1"/>
-                    </a:solidFill>
-                    <a:effectLst/>
-                    <a:latin typeface="+mn-lt"/>
-                    <a:ea typeface="+mn-ea"/>
-                    <a:cs typeface="+mn-cs"/>
-                  </a:rPr>
-                  <a:t>.</a:t>
-                </a:r>
-              </a:p>
-              <a:p>
-                <a:endParaRPr lang="pt-BR" sz="1200" b="0" i="0" kern="1200" dirty="0" smtClean="0">
+                  <a:t>o menor possível.</a:t>
+                </a:r>
+              </a:p>
+              <a:p>
+                <a:endParaRPr lang="pt-BR" sz="1200" b="0" i="0" kern="1200" dirty="0">
                   <a:solidFill>
                     <a:schemeClr val="tx1"/>
                   </a:solidFill>
@@ -2760,7 +2690,7 @@
               </a:p>
               <a:p>
                 <a:r>
-                  <a:rPr lang="pt-BR" sz="1200" b="0" i="0" kern="1200" dirty="0" smtClean="0">
+                  <a:rPr lang="pt-BR" sz="1200" b="0" i="0" kern="1200" dirty="0">
                     <a:solidFill>
                       <a:schemeClr val="tx1"/>
                     </a:solidFill>
@@ -2772,7 +2702,7 @@
                   <a:t>A regularização é baseada na ideia de que o sobreajuste é causado pelo fato dos </a:t>
                 </a:r>
                 <a:r>
-                  <a:rPr lang="pt-BR" sz="1200" b="1" i="1" kern="1200" baseline="0" dirty="0" smtClean="0">
+                  <a:rPr lang="pt-BR" sz="1200" b="1" i="1" kern="1200" baseline="0" dirty="0">
                     <a:solidFill>
                       <a:schemeClr val="tx1"/>
                     </a:solidFill>
@@ -2784,7 +2714,7 @@
                   <a:t>pesos</a:t>
                 </a:r>
                 <a:r>
-                  <a:rPr lang="pt-BR" sz="1200" b="0" i="0" kern="1200" baseline="0" dirty="0" smtClean="0">
+                  <a:rPr lang="pt-BR" sz="1200" b="0" i="0" kern="1200" baseline="0" dirty="0">
                     <a:solidFill>
                       <a:schemeClr val="tx1"/>
                     </a:solidFill>
@@ -2796,7 +2726,7 @@
                   <a:t> (a1 até aK) </a:t>
                 </a:r>
                 <a:r>
-                  <a:rPr lang="pt-BR" sz="1200" b="0" i="0" kern="1200" dirty="0" smtClean="0">
+                  <a:rPr lang="pt-BR" sz="1200" b="0" i="0" kern="1200" dirty="0">
                     <a:solidFill>
                       <a:schemeClr val="tx1"/>
                     </a:solidFill>
@@ -2808,7 +2738,7 @@
                   <a:t>serem "excessivamente específicos", ou</a:t>
                 </a:r>
                 <a:r>
-                  <a:rPr lang="pt-BR" sz="1200" b="0" i="0" kern="1200" baseline="0" dirty="0" smtClean="0">
+                  <a:rPr lang="pt-BR" sz="1200" b="0" i="0" kern="1200" baseline="0" dirty="0">
                     <a:solidFill>
                       <a:schemeClr val="tx1"/>
                     </a:solidFill>
@@ -2820,7 +2750,7 @@
                   <a:t> seja</a:t>
                 </a:r>
                 <a:r>
-                  <a:rPr lang="pt-BR" sz="1200" b="0" i="0" kern="1200" dirty="0" smtClean="0">
+                  <a:rPr lang="pt-BR" sz="1200" b="0" i="0" kern="1200" dirty="0">
                     <a:solidFill>
                       <a:schemeClr val="tx1"/>
                     </a:solidFill>
@@ -2832,7 +2762,7 @@
                   <a:t>, que seus valores sejam grandes</a:t>
                 </a:r>
                 <a:r>
-                  <a:rPr lang="pt-BR" sz="1200" b="0" i="0" kern="1200" baseline="0" dirty="0" smtClean="0">
+                  <a:rPr lang="pt-BR" sz="1200" b="0" i="0" kern="1200" baseline="0" dirty="0">
                     <a:solidFill>
                       <a:schemeClr val="tx1"/>
                     </a:solidFill>
@@ -2844,7 +2774,7 @@
                   <a:t> demais. </a:t>
                 </a:r>
                 <a:r>
-                  <a:rPr lang="pt-BR" sz="1200" b="0" i="0" kern="1200" dirty="0" smtClean="0">
+                  <a:rPr lang="pt-BR" sz="1200" b="0" i="0" kern="1200" dirty="0">
                     <a:solidFill>
                       <a:schemeClr val="tx1"/>
                     </a:solidFill>
@@ -2856,7 +2786,7 @@
                   <a:t>O bias, a0, meramente compensa (desloca) a relação entre y e a1*x1+a2*x2+...+aK*xK e sua escala, portanto, é muito menos importante para o problema de regularização. Além disso, no caso de uma grande compensação (deslocamento/offset/bias) ser necessária por qualquer motivo, regularizar</a:t>
                 </a:r>
                 <a:r>
-                  <a:rPr lang="pt-BR" sz="1200" b="0" i="0" kern="1200" baseline="0" dirty="0" smtClean="0">
+                  <a:rPr lang="pt-BR" sz="1200" b="0" i="0" kern="1200" baseline="0" dirty="0">
                     <a:solidFill>
                       <a:schemeClr val="tx1"/>
                     </a:solidFill>
@@ -2868,7 +2798,7 @@
                   <a:t> o bias (a0)</a:t>
                 </a:r>
                 <a:r>
-                  <a:rPr lang="pt-BR" sz="1200" b="0" i="0" kern="1200" dirty="0" smtClean="0">
+                  <a:rPr lang="pt-BR" sz="1200" b="0" i="0" kern="1200" dirty="0">
                     <a:solidFill>
                       <a:schemeClr val="tx1"/>
                     </a:solidFill>
@@ -2880,7 +2810,7 @@
                   <a:t> impedirá o modelo</a:t>
                 </a:r>
                 <a:r>
-                  <a:rPr lang="pt-BR" sz="1200" b="0" i="0" kern="1200" baseline="0" dirty="0" smtClean="0">
+                  <a:rPr lang="pt-BR" sz="1200" b="0" i="0" kern="1200" baseline="0" dirty="0">
                     <a:solidFill>
                       <a:schemeClr val="tx1"/>
                     </a:solidFill>
@@ -2892,7 +2822,7 @@
                   <a:t> de</a:t>
                 </a:r>
                 <a:r>
-                  <a:rPr lang="pt-BR" sz="1200" b="0" i="0" kern="1200" dirty="0" smtClean="0">
+                  <a:rPr lang="pt-BR" sz="1200" b="0" i="0" kern="1200" dirty="0">
                     <a:solidFill>
                       <a:schemeClr val="tx1"/>
                     </a:solidFill>
@@ -2905,7 +2835,7 @@
                 </a:r>
               </a:p>
               <a:p>
-                <a:endParaRPr lang="pt-BR" sz="1200" b="0" i="0" kern="1200" dirty="0" smtClean="0">
+                <a:endParaRPr lang="pt-BR" sz="1200" b="0" i="0" kern="1200" dirty="0">
                   <a:solidFill>
                     <a:schemeClr val="tx1"/>
                   </a:solidFill>
@@ -2917,7 +2847,7 @@
               </a:p>
               <a:p>
                 <a:r>
-                  <a:rPr lang="pt-BR" b="1" dirty="0" smtClean="0"/>
+                  <a:rPr lang="pt-BR" b="1" dirty="0"/>
                   <a:t>OBS</a:t>
                 </a:r>
                 <a:r>
@@ -2959,14 +2889,10 @@
                 </a:r>
                 <a:r>
                   <a:rPr lang="pt-BR" b="1" i="1" dirty="0"/>
-                  <a:t>termo de </a:t>
-                </a:r>
-                <a:r>
-                  <a:rPr lang="pt-BR" b="1" i="1" dirty="0" smtClean="0"/>
-                  <a:t>penalização</a:t>
-                </a:r>
-                <a:r>
-                  <a:rPr lang="pt-BR" dirty="0" smtClean="0"/>
+                  <a:t>termo de penalização</a:t>
+                </a:r>
+                <a:r>
+                  <a:rPr lang="pt-BR" dirty="0"/>
                   <a:t>. </a:t>
                 </a:r>
               </a:p>
@@ -2977,15 +2903,7 @@
                 </a:pPr>
                 <a:r>
                   <a:rPr lang="pt-BR" dirty="0"/>
-                  <a:t>E</a:t>
-                </a:r>
-                <a:r>
-                  <a:rPr lang="pt-BR" dirty="0" smtClean="0"/>
-                  <a:t>le fornece </a:t>
-                </a:r>
-                <a:r>
-                  <a:rPr lang="pt-BR" dirty="0"/>
-                  <a:t>apenas o deslocamento da </a:t>
+                  <a:t>Ele fornece apenas o deslocamento da </a:t>
                 </a:r>
                 <a:r>
                   <a:rPr lang="pt-BR" b="1" i="1" dirty="0"/>
@@ -3050,15 +2968,7 @@
                 </a14:m>
                 <a:r>
                   <a:rPr lang="pt-BR" dirty="0"/>
-                  <a:t> apenas </a:t>
-                </a:r>
-                <a:r>
-                  <a:rPr lang="pt-BR" dirty="0" smtClean="0"/>
-                  <a:t>dita o deslocamento em </a:t>
-                </a:r>
-                <a:r>
-                  <a:rPr lang="pt-BR" dirty="0"/>
-                  <a:t>relação ao eixo </a:t>
+                  <a:t> apenas dita o deslocamento em relação ao eixo </a:t>
                 </a:r>
                 <a14:m>
                   <m:oMath xmlns:m="http://schemas.openxmlformats.org/officeDocument/2006/math">
@@ -3071,7 +2981,7 @@
                   </m:oMath>
                 </a14:m>
                 <a:r>
-                  <a:rPr lang="pt-BR" dirty="0" smtClean="0"/>
+                  <a:rPr lang="pt-BR" dirty="0"/>
                   <a:t>.</a:t>
                 </a:r>
               </a:p>
@@ -3878,24 +3788,24 @@
               <a:lstStyle/>
               <a:p>
                 <a:r>
-                  <a:rPr lang="pt-BR" b="1" dirty="0" smtClean="0"/>
+                  <a:rPr lang="pt-BR" b="1" dirty="0"/>
                   <a:t>Exemplo</a:t>
                 </a:r>
                 <a:r>
-                  <a:rPr lang="pt-BR" dirty="0" smtClean="0"/>
+                  <a:rPr lang="pt-BR" dirty="0"/>
                   <a:t>:</a:t>
                 </a:r>
                 <a:r>
-                  <a:rPr lang="pt-BR" baseline="0" dirty="0" smtClean="0"/>
+                  <a:rPr lang="pt-BR" baseline="0" dirty="0"/>
                   <a:t> </a:t>
                 </a:r>
                 <a:r>
-                  <a:rPr lang="pt-BR" dirty="0" smtClean="0"/>
+                  <a:rPr lang="pt-BR" dirty="0"/>
                   <a:t>https://mybinder.org/v2/gh/zz4fap/t319_aprendizado_de_maquina/main?filepath=notebooks%2Fregression%2Fridge_regression.ipynb</a:t>
                 </a:r>
               </a:p>
               <a:p>
-                <a:endParaRPr lang="pt-BR" dirty="0" smtClean="0"/>
+                <a:endParaRPr lang="pt-BR" dirty="0"/>
               </a:p>
               <a:p>
                 <a:pPr marL="0" marR="0" lvl="0" indent="0" algn="l" defTabSz="914400" rtl="0" eaLnBrk="1" fontAlgn="auto" latinLnBrk="0" hangingPunct="1">
@@ -3916,49 +3826,49 @@
                   <a:defRPr/>
                 </a:pPr>
                 <a:r>
-                  <a:rPr lang="pt-BR" sz="1200" dirty="0" smtClean="0"/>
+                  <a:rPr lang="pt-BR" sz="1200" dirty="0"/>
                   <a:t>Exemplo: </a:t>
                 </a:r>
                 <a:r>
-                  <a:rPr lang="pt-BR" baseline="0" dirty="0" smtClean="0"/>
+                  <a:rPr lang="pt-BR" baseline="0" dirty="0"/>
                   <a:t>https://colab.research.google.com/github/zz4fap/t319_aprendizado_de_maquina/blob/main/notebooks/regression/</a:t>
                 </a:r>
                 <a:r>
-                  <a:rPr lang="pt-BR" dirty="0" smtClean="0"/>
+                  <a:rPr lang="pt-BR" dirty="0"/>
                   <a:t>ridge_regression.ipynb</a:t>
                 </a:r>
               </a:p>
               <a:p>
-                <a:endParaRPr lang="pt-BR" dirty="0" smtClean="0"/>
-              </a:p>
-              <a:p>
-                <a:r>
-                  <a:rPr lang="pt-BR" dirty="0" smtClean="0"/>
+                <a:endParaRPr lang="pt-BR" dirty="0"/>
+              </a:p>
+              <a:p>
+                <a:r>
+                  <a:rPr lang="pt-BR" dirty="0"/>
                   <a:t>É importante escalonar os dados (por exemplo, usando a classe StandardScaler) antes de executar a regressão </a:t>
                 </a:r>
                 <a:r>
-                  <a:rPr lang="pt-BR" dirty="0" err="1" smtClean="0"/>
+                  <a:rPr lang="pt-BR" dirty="0" err="1"/>
                   <a:t>Ridge</a:t>
                 </a:r>
                 <a:r>
-                  <a:rPr lang="pt-BR" dirty="0" smtClean="0"/>
+                  <a:rPr lang="pt-BR" dirty="0"/>
                   <a:t>, pois ela</a:t>
                 </a:r>
                 <a:r>
-                  <a:rPr lang="pt-BR" baseline="0" dirty="0" smtClean="0"/>
+                  <a:rPr lang="pt-BR" baseline="0" dirty="0"/>
                   <a:t> é</a:t>
                 </a:r>
                 <a:r>
-                  <a:rPr lang="pt-BR" dirty="0" smtClean="0"/>
+                  <a:rPr lang="pt-BR" dirty="0"/>
                   <a:t> sensível à escala dos atributos. Isso é verdade para a maioria dos modelos regularizados.</a:t>
                 </a:r>
               </a:p>
               <a:p>
-                <a:endParaRPr lang="pt-BR" dirty="0" smtClean="0"/>
-              </a:p>
-              <a:p>
-                <a:r>
-                  <a:rPr lang="pt-BR" dirty="0" smtClean="0"/>
+                <a:endParaRPr lang="pt-BR" dirty="0"/>
+              </a:p>
+              <a:p>
+                <a:r>
+                  <a:rPr lang="pt-BR" dirty="0"/>
                   <a:t>Se </a:t>
                 </a:r>
                 <a14:m>
@@ -4189,28 +4099,23 @@
             </a:r>
             <a:r>
               <a:rPr lang="pt-BR" baseline="0" dirty="0"/>
-              <a:t> norma do vetor de pesos é diferenciável em qualquer ponto, exceto no ponto ai = 0 (i=1,...,K), onde ela faz uma curva acentuada ao cruzar o eixo y</a:t>
-            </a:r>
-            <a:r>
-              <a:rPr lang="pt-BR" baseline="0" dirty="0" smtClean="0"/>
-              <a:t>.</a:t>
-            </a:r>
-          </a:p>
-          <a:p>
-            <a:endParaRPr lang="pt-BR" baseline="0" dirty="0" smtClean="0"/>
-          </a:p>
-          <a:p>
-            <a:r>
-              <a:rPr lang="pt-BR" b="1" baseline="0" dirty="0" smtClean="0"/>
+              <a:t> norma do vetor de pesos é diferenciável em qualquer ponto, exceto no ponto ai = 0 (i=1,...,K), onde ela faz uma curva acentuada ao cruzar o eixo y.</a:t>
+            </a:r>
+          </a:p>
+          <a:p>
+            <a:endParaRPr lang="pt-BR" baseline="0" dirty="0"/>
+          </a:p>
+          <a:p>
+            <a:r>
+              <a:rPr lang="pt-BR" b="1" baseline="0" dirty="0"/>
               <a:t>IMPORTANTE</a:t>
             </a:r>
           </a:p>
           <a:p>
             <a:r>
-              <a:rPr lang="pt-BR" dirty="0" smtClean="0"/>
+              <a:rPr lang="pt-BR" dirty="0"/>
               <a:t>Conforme mencionado na documentação do Scikit-Learn, a classe LASSO não é recomendada para uso com alfa = 0. Nesses casos, a classe LinearRegression deve ser usada.</a:t>
             </a:r>
-            <a:endParaRPr lang="pt-BR" dirty="0"/>
           </a:p>
         </p:txBody>
       </p:sp>
@@ -4314,23 +4219,23 @@
                   <a:defRPr/>
                 </a:pPr>
                 <a:r>
-                  <a:rPr lang="pt-BR" b="1" dirty="0" smtClean="0"/>
+                  <a:rPr lang="pt-BR" b="1" dirty="0"/>
                   <a:t>Exemplo</a:t>
                 </a:r>
                 <a:r>
-                  <a:rPr lang="pt-BR" b="0" dirty="0" smtClean="0"/>
+                  <a:rPr lang="pt-BR" b="0" dirty="0"/>
                   <a:t>:</a:t>
                 </a:r>
                 <a:r>
-                  <a:rPr lang="pt-BR" b="0" baseline="0" dirty="0" smtClean="0"/>
+                  <a:rPr lang="pt-BR" b="0" baseline="0" dirty="0"/>
                   <a:t> </a:t>
                 </a:r>
                 <a:r>
-                  <a:rPr lang="pt-BR" dirty="0" smtClean="0"/>
+                  <a:rPr lang="pt-BR" dirty="0"/>
                   <a:t>https://mybinder.org/v2/gh/zz4fap/t319_aprendizado_de_maquina/main?filepath=notebooks%2Fregression%2F</a:t>
                 </a:r>
                 <a:r>
-                  <a:rPr lang="pt-BR" b="0" dirty="0" smtClean="0"/>
+                  <a:rPr lang="pt-BR" b="0" dirty="0"/>
                   <a:t>lasso_regression.ipynb</a:t>
                 </a:r>
               </a:p>
@@ -4352,7 +4257,7 @@
                   <a:tabLst/>
                   <a:defRPr/>
                 </a:pPr>
-                <a:endParaRPr lang="pt-BR" b="0" dirty="0" smtClean="0"/>
+                <a:endParaRPr lang="pt-BR" b="0" dirty="0"/>
               </a:p>
               <a:p>
                 <a:pPr marL="0" marR="0" lvl="0" indent="0" algn="l" defTabSz="914400" rtl="0" eaLnBrk="1" fontAlgn="auto" latinLnBrk="0" hangingPunct="1">
@@ -4373,18 +4278,18 @@
                   <a:defRPr/>
                 </a:pPr>
                 <a:r>
-                  <a:rPr lang="pt-BR" sz="1200" dirty="0" smtClean="0"/>
+                  <a:rPr lang="pt-BR" sz="1200" dirty="0"/>
                   <a:t>Exemplo: </a:t>
                 </a:r>
                 <a:r>
-                  <a:rPr lang="pt-BR" baseline="0" dirty="0" smtClean="0"/>
+                  <a:rPr lang="pt-BR" baseline="0" dirty="0"/>
                   <a:t>https://colab.research.google.com/github/zz4fap/t319_aprendizado_de_maquina/blob/main/notebooks/regression/</a:t>
                 </a:r>
                 <a:r>
-                  <a:rPr lang="pt-BR" b="0" dirty="0" smtClean="0"/>
+                  <a:rPr lang="pt-BR" b="0" dirty="0"/>
                   <a:t>lasso_regression.ipynb</a:t>
                 </a:r>
-                <a:endParaRPr lang="pt-BR" dirty="0" smtClean="0"/>
+                <a:endParaRPr lang="pt-BR" dirty="0"/>
               </a:p>
               <a:p>
                 <a:pPr marL="0" marR="0" lvl="0" indent="0" algn="l" defTabSz="914400" rtl="0" eaLnBrk="1" fontAlgn="auto" latinLnBrk="0" hangingPunct="1">
@@ -4404,7 +4309,7 @@
                   <a:tabLst/>
                   <a:defRPr/>
                 </a:pPr>
-                <a:endParaRPr lang="pt-BR" dirty="0" smtClean="0"/>
+                <a:endParaRPr lang="pt-BR" dirty="0"/>
               </a:p>
               <a:p>
                 <a:endParaRPr lang="pt-BR" dirty="0"/>
@@ -4592,23 +4497,15 @@
                 </a:r>
                 <a:r>
                   <a:rPr lang="pt-BR" dirty="0"/>
-                  <a:t>problema de regressão linear, bem como as regiões do espaço </a:t>
-                </a:r>
-                <a:r>
-                  <a:rPr lang="pt-BR" dirty="0" smtClean="0"/>
-                  <a:t>de hipóteses</a:t>
-                </a:r>
-                <a:r>
-                  <a:rPr lang="pt-BR" baseline="0" dirty="0" smtClean="0"/>
+                  <a:t>problema de regressão linear, bem como as regiões do espaço de hipóteses</a:t>
+                </a:r>
+                <a:r>
+                  <a:rPr lang="pt-BR" baseline="0" dirty="0"/>
                   <a:t> </a:t>
                 </a:r>
                 <a:r>
-                  <a:rPr lang="pt-BR" dirty="0" smtClean="0"/>
-                  <a:t>em </a:t>
-                </a:r>
-                <a:r>
-                  <a:rPr lang="pt-BR" dirty="0"/>
-                  <a:t>que as restrições L2 (direita) e L1 (esquerda) são válidas, considerando o caso em que o vetor possui dois pesos sujeitos à regularização.</a:t>
+                  <a:rPr lang="pt-BR" dirty="0"/>
+                  <a:t>em que as restrições L2 (direita) e L1 (esquerda) são válidas, considerando o caso em que o vetor possui dois pesos sujeitos à regularização.</a:t>
                 </a:r>
               </a:p>
               <a:p>
@@ -4744,13 +4641,8 @@
                 </a:pPr>
                 <a:r>
                   <a:rPr lang="pt-BR" b="0" baseline="0" dirty="0"/>
-                  <a:t>E claro, os cantos são os pontos que exibem valor zero em alguma </a:t>
-                </a:r>
-                <a:r>
-                  <a:rPr lang="pt-BR" b="0" baseline="0" dirty="0" smtClean="0"/>
-                  <a:t>direção (dimensão).</a:t>
-                </a:r>
-                <a:endParaRPr lang="pt-BR" b="0" baseline="0" dirty="0"/>
+                  <a:t>E claro, os cantos são os pontos que exibem valor zero em alguma direção (dimensão).</a:t>
+                </a:r>
               </a:p>
               <a:p>
                 <a:pPr marL="171450" indent="-171450">
@@ -5143,23 +5035,23 @@
                   <a:defRPr/>
                 </a:pPr>
                 <a:r>
-                  <a:rPr lang="pt-BR" b="1" dirty="0" smtClean="0"/>
+                  <a:rPr lang="pt-BR" b="1" dirty="0"/>
                   <a:t>Exemplo</a:t>
                 </a:r>
                 <a:r>
-                  <a:rPr lang="pt-BR" b="0" dirty="0" smtClean="0"/>
+                  <a:rPr lang="pt-BR" b="0" dirty="0"/>
                   <a:t>:</a:t>
                 </a:r>
                 <a:r>
-                  <a:rPr lang="pt-BR" b="0" baseline="0" dirty="0" smtClean="0"/>
+                  <a:rPr lang="pt-BR" b="0" baseline="0" dirty="0"/>
                   <a:t> </a:t>
                 </a:r>
                 <a:r>
-                  <a:rPr lang="pt-BR" dirty="0" smtClean="0"/>
+                  <a:rPr lang="pt-BR" dirty="0"/>
                   <a:t>https://mybinder.org/v2/gh/zz4fap/t319_aprendizado_de_maquina/main?filepath=notebooks%2Fregression%2F</a:t>
                 </a:r>
                 <a:r>
-                  <a:rPr lang="pt-BR" sz="1200" dirty="0" smtClean="0"/>
+                  <a:rPr lang="pt-BR" sz="1200" dirty="0"/>
                   <a:t>elastic_net_regression.ipynb</a:t>
                 </a:r>
               </a:p>
@@ -5181,7 +5073,7 @@
                   <a:tabLst/>
                   <a:defRPr/>
                 </a:pPr>
-                <a:endParaRPr lang="pt-BR" sz="1200" dirty="0" smtClean="0"/>
+                <a:endParaRPr lang="pt-BR" sz="1200" dirty="0"/>
               </a:p>
               <a:p>
                 <a:pPr marL="0" marR="0" lvl="0" indent="0" algn="l" defTabSz="914400" rtl="0" eaLnBrk="1" fontAlgn="auto" latinLnBrk="0" hangingPunct="1">
@@ -5202,30 +5094,26 @@
                   <a:defRPr/>
                 </a:pPr>
                 <a:r>
-                  <a:rPr lang="pt-BR" sz="1200" dirty="0" smtClean="0"/>
+                  <a:rPr lang="pt-BR" sz="1200" dirty="0"/>
                   <a:t>Exemplo: </a:t>
                 </a:r>
                 <a:r>
-                  <a:rPr lang="pt-BR" baseline="0" dirty="0" smtClean="0"/>
+                  <a:rPr lang="pt-BR" baseline="0" dirty="0"/>
                   <a:t>https://colab.research.google.com/github/zz4fap/t319_aprendizado_de_maquina/blob/main/notebooks/regression/</a:t>
                 </a:r>
                 <a:r>
-                  <a:rPr lang="pt-BR" sz="1200" dirty="0" smtClean="0"/>
+                  <a:rPr lang="pt-BR" sz="1200" dirty="0"/>
                   <a:t>elastic_net_regression.ipynb</a:t>
                 </a:r>
-                <a:endParaRPr lang="pt-BR" dirty="0" smtClean="0"/>
-              </a:p>
-              <a:p>
-                <a:endParaRPr lang="pt-BR" dirty="0" smtClean="0"/>
-              </a:p>
-              <a:p>
-                <a:r>
-                  <a:rPr lang="pt-BR" dirty="0" smtClean="0"/>
-                  <a:t>Uma </a:t>
-                </a:r>
-                <a:r>
-                  <a:rPr lang="pt-BR" dirty="0"/>
-                  <a:t>solução intermediária entre ridge regression e LASSO é a elastic net,</a:t>
+                <a:endParaRPr lang="pt-BR" dirty="0"/>
+              </a:p>
+              <a:p>
+                <a:endParaRPr lang="pt-BR" dirty="0"/>
+              </a:p>
+              <a:p>
+                <a:r>
+                  <a:rPr lang="pt-BR" dirty="0"/>
+                  <a:t>Uma solução intermediária entre ridge regression e LASSO é a elastic net,</a:t>
                 </a:r>
                 <a:r>
                   <a:rPr lang="pt-BR" baseline="0" dirty="0"/>
@@ -5301,7 +5189,7 @@
                   <a:tabLst/>
                   <a:defRPr/>
                 </a:pPr>
-                <a:endParaRPr lang="pt-BR" dirty="0" smtClean="0"/>
+                <a:endParaRPr lang="pt-BR" dirty="0"/>
               </a:p>
               <a:p>
                 <a:pPr marL="0" marR="0" indent="0" algn="l" defTabSz="914400" rtl="0" eaLnBrk="1" fontAlgn="auto" latinLnBrk="0" hangingPunct="1">
@@ -5480,29 +5368,29 @@
           <a:lstStyle/>
           <a:p>
             <a:r>
-              <a:rPr lang="pt-BR" dirty="0" smtClean="0"/>
+              <a:rPr lang="pt-BR" dirty="0"/>
               <a:t>Então, quando você deve usar a regressão linear, Ridge, LASSO ou Elastic-Net? </a:t>
             </a:r>
           </a:p>
           <a:p>
-            <a:endParaRPr lang="pt-BR" dirty="0" smtClean="0"/>
-          </a:p>
-          <a:p>
-            <a:r>
-              <a:rPr lang="pt-BR" dirty="0" smtClean="0"/>
+            <a:endParaRPr lang="pt-BR" dirty="0"/>
+          </a:p>
+          <a:p>
+            <a:r>
+              <a:rPr lang="pt-BR" dirty="0"/>
               <a:t>Quase sempre é preferível ter pelo menos um pouco de regularização, então geralmente você deve evitar a regressão linear simples. Ridge é um bom começo, mas se você suspeitar que apenas alguns atributos são realmente úteis, você deve preferir LASSO ou Elastic-Net, pois eles tendem a reduzir os pesos dos atributos inúteis a zero. Em geral, o Elastic-Net é preferível ao LASSO, pois o LASSO pode se comportar de maneira errática quando o número de atributos é maior do que o número de exemplos de treinamento ou quando vários atributos</a:t>
             </a:r>
             <a:r>
-              <a:rPr lang="pt-BR" baseline="0" dirty="0" smtClean="0"/>
+              <a:rPr lang="pt-BR" baseline="0" dirty="0"/>
               <a:t> </a:t>
             </a:r>
             <a:r>
-              <a:rPr lang="pt-BR" dirty="0" smtClean="0"/>
+              <a:rPr lang="pt-BR" dirty="0"/>
               <a:t>são fortemente correlacionados</a:t>
             </a:r>
           </a:p>
           <a:p>
-            <a:endParaRPr lang="pt-BR" dirty="0" smtClean="0"/>
+            <a:endParaRPr lang="pt-BR" dirty="0"/>
           </a:p>
           <a:p>
             <a:endParaRPr lang="pt-BR" dirty="0"/>
@@ -5676,7 +5564,7 @@
           <a:p>
             <a:fld id="{C80E15A5-E95B-43EB-9AC7-9A96397448C0}" type="datetimeFigureOut">
               <a:rPr lang="nl-BE" smtClean="0"/>
-              <a:t>18/11/2022</a:t>
+              <a:t>22/10/2023</a:t>
             </a:fld>
             <a:endParaRPr lang="nl-BE"/>
           </a:p>
@@ -5846,7 +5734,7 @@
           <a:p>
             <a:fld id="{C80E15A5-E95B-43EB-9AC7-9A96397448C0}" type="datetimeFigureOut">
               <a:rPr lang="nl-BE" smtClean="0"/>
-              <a:t>18/11/2022</a:t>
+              <a:t>22/10/2023</a:t>
             </a:fld>
             <a:endParaRPr lang="nl-BE"/>
           </a:p>
@@ -6026,7 +5914,7 @@
           <a:p>
             <a:fld id="{C80E15A5-E95B-43EB-9AC7-9A96397448C0}" type="datetimeFigureOut">
               <a:rPr lang="nl-BE" smtClean="0"/>
-              <a:t>18/11/2022</a:t>
+              <a:t>22/10/2023</a:t>
             </a:fld>
             <a:endParaRPr lang="nl-BE"/>
           </a:p>
@@ -6196,7 +6084,7 @@
           <a:p>
             <a:fld id="{C80E15A5-E95B-43EB-9AC7-9A96397448C0}" type="datetimeFigureOut">
               <a:rPr lang="nl-BE" smtClean="0"/>
-              <a:t>18/11/2022</a:t>
+              <a:t>22/10/2023</a:t>
             </a:fld>
             <a:endParaRPr lang="nl-BE"/>
           </a:p>
@@ -6442,7 +6330,7 @@
           <a:p>
             <a:fld id="{C80E15A5-E95B-43EB-9AC7-9A96397448C0}" type="datetimeFigureOut">
               <a:rPr lang="nl-BE" smtClean="0"/>
-              <a:t>18/11/2022</a:t>
+              <a:t>22/10/2023</a:t>
             </a:fld>
             <a:endParaRPr lang="nl-BE"/>
           </a:p>
@@ -6674,7 +6562,7 @@
           <a:p>
             <a:fld id="{C80E15A5-E95B-43EB-9AC7-9A96397448C0}" type="datetimeFigureOut">
               <a:rPr lang="nl-BE" smtClean="0"/>
-              <a:t>18/11/2022</a:t>
+              <a:t>22/10/2023</a:t>
             </a:fld>
             <a:endParaRPr lang="nl-BE"/>
           </a:p>
@@ -7041,7 +6929,7 @@
           <a:p>
             <a:fld id="{C80E15A5-E95B-43EB-9AC7-9A96397448C0}" type="datetimeFigureOut">
               <a:rPr lang="nl-BE" smtClean="0"/>
-              <a:t>18/11/2022</a:t>
+              <a:t>22/10/2023</a:t>
             </a:fld>
             <a:endParaRPr lang="nl-BE"/>
           </a:p>
@@ -7159,7 +7047,7 @@
           <a:p>
             <a:fld id="{C80E15A5-E95B-43EB-9AC7-9A96397448C0}" type="datetimeFigureOut">
               <a:rPr lang="nl-BE" smtClean="0"/>
-              <a:t>18/11/2022</a:t>
+              <a:t>22/10/2023</a:t>
             </a:fld>
             <a:endParaRPr lang="nl-BE"/>
           </a:p>
@@ -7254,7 +7142,7 @@
           <a:p>
             <a:fld id="{C80E15A5-E95B-43EB-9AC7-9A96397448C0}" type="datetimeFigureOut">
               <a:rPr lang="nl-BE" smtClean="0"/>
-              <a:t>18/11/2022</a:t>
+              <a:t>22/10/2023</a:t>
             </a:fld>
             <a:endParaRPr lang="nl-BE"/>
           </a:p>
@@ -7531,7 +7419,7 @@
           <a:p>
             <a:fld id="{C80E15A5-E95B-43EB-9AC7-9A96397448C0}" type="datetimeFigureOut">
               <a:rPr lang="nl-BE" smtClean="0"/>
-              <a:t>18/11/2022</a:t>
+              <a:t>22/10/2023</a:t>
             </a:fld>
             <a:endParaRPr lang="nl-BE"/>
           </a:p>
@@ -7784,7 +7672,7 @@
           <a:p>
             <a:fld id="{C80E15A5-E95B-43EB-9AC7-9A96397448C0}" type="datetimeFigureOut">
               <a:rPr lang="nl-BE" smtClean="0"/>
-              <a:t>18/11/2022</a:t>
+              <a:t>22/10/2023</a:t>
             </a:fld>
             <a:endParaRPr lang="nl-BE"/>
           </a:p>
@@ -7997,7 +7885,7 @@
           <a:p>
             <a:fld id="{C80E15A5-E95B-43EB-9AC7-9A96397448C0}" type="datetimeFigureOut">
               <a:rPr lang="nl-BE" smtClean="0"/>
-              <a:t>18/11/2022</a:t>
+              <a:t>22/10/2023</a:t>
             </a:fld>
             <a:endParaRPr lang="nl-BE"/>
           </a:p>
@@ -8407,7 +8295,7 @@
           <p:cNvPr id="2" name="Título 1">
             <a:extLst>
               <a:ext uri="{FF2B5EF4-FFF2-40B4-BE49-F238E27FC236}">
-                <a16:creationId xmlns:a16="http://schemas.microsoft.com/office/drawing/2014/main" xmlns="" id="{32666AC8-2E17-4DB4-B0F5-60C640CCFD2E}"/>
+                <a16:creationId xmlns:a16="http://schemas.microsoft.com/office/drawing/2014/main" id="{32666AC8-2E17-4DB4-B0F5-60C640CCFD2E}"/>
               </a:ext>
             </a:extLst>
           </p:cNvPr>
@@ -8431,29 +8319,16 @@
           <a:lstStyle/>
           <a:p>
             <a:r>
-              <a:rPr lang="pt-BR" sz="5400" dirty="0" smtClean="0"/>
-              <a:t>T319 </a:t>
-            </a:r>
-            <a:r>
               <a:rPr lang="pt-BR" sz="5400" dirty="0"/>
-              <a:t>- Introdução ao Aprendizado de </a:t>
-            </a:r>
-            <a:r>
-              <a:rPr lang="pt-BR" sz="5400" dirty="0" smtClean="0"/>
-              <a:t>Máquina:</a:t>
-            </a:r>
-            <a:r>
-              <a:rPr lang="pt-BR" dirty="0"/>
-              <a:t/>
+              <a:t>T319 - Introdução ao Aprendizado de Máquina:</a:t>
             </a:r>
             <a:br>
               <a:rPr lang="pt-BR" dirty="0"/>
             </a:br>
             <a:r>
-              <a:rPr lang="pt-BR" b="1" i="1" dirty="0" smtClean="0"/>
+              <a:rPr lang="pt-BR" b="1" i="1" dirty="0"/>
               <a:t>Regressão Linear (Parte VI)</a:t>
             </a:r>
-            <a:endParaRPr lang="pt-BR" b="1" i="1" dirty="0"/>
           </a:p>
         </p:txBody>
       </p:sp>
@@ -8462,7 +8337,7 @@
           <p:cNvPr id="4" name="CaixaDeTexto 3">
             <a:extLst>
               <a:ext uri="{FF2B5EF4-FFF2-40B4-BE49-F238E27FC236}">
-                <a16:creationId xmlns:a16="http://schemas.microsoft.com/office/drawing/2014/main" xmlns="" id="{430EB894-B7D4-434C-9D1A-A14094D9BEEC}"/>
+                <a16:creationId xmlns:a16="http://schemas.microsoft.com/office/drawing/2014/main" id="{430EB894-B7D4-434C-9D1A-A14094D9BEEC}"/>
               </a:ext>
             </a:extLst>
           </p:cNvPr>
@@ -8503,7 +8378,7 @@
           <p:cNvPr id="1026" name="Picture 2" descr="Logo">
             <a:extLst>
               <a:ext uri="{FF2B5EF4-FFF2-40B4-BE49-F238E27FC236}">
-                <a16:creationId xmlns:a16="http://schemas.microsoft.com/office/drawing/2014/main" xmlns="" id="{3F2642E0-4F6A-4196-8F58-E77D36E9A33F}"/>
+                <a16:creationId xmlns:a16="http://schemas.microsoft.com/office/drawing/2014/main" id="{3F2642E0-4F6A-4196-8F58-E77D36E9A33F}"/>
               </a:ext>
             </a:extLst>
           </p:cNvPr>
@@ -8548,7 +8423,7 @@
           <p:cNvPr id="5122" name="Picture 2" descr="Image result for machine learning">
             <a:extLst>
               <a:ext uri="{FF2B5EF4-FFF2-40B4-BE49-F238E27FC236}">
-                <a16:creationId xmlns:a16="http://schemas.microsoft.com/office/drawing/2014/main" xmlns="" id="{810CE0A2-4102-44A6-A370-175E7896CDCB}"/>
+                <a16:creationId xmlns:a16="http://schemas.microsoft.com/office/drawing/2014/main" id="{810CE0A2-4102-44A6-A370-175E7896CDCB}"/>
               </a:ext>
             </a:extLst>
           </p:cNvPr>
@@ -8675,33 +8550,21 @@
                 </a:r>
                 <a:r>
                   <a:rPr lang="pt-BR" dirty="0"/>
-                  <a:t> é uma solução intermediária entre </a:t>
-                </a:r>
-                <a:r>
-                  <a:rPr lang="pt-BR" dirty="0" smtClean="0"/>
-                  <a:t>as regressões Ridge e </a:t>
-                </a:r>
-                <a:r>
-                  <a:rPr lang="pt-BR" dirty="0"/>
-                  <a:t>LASSO.</a:t>
-                </a:r>
-              </a:p>
-              <a:p>
-                <a:r>
-                  <a:rPr lang="pt-BR" dirty="0" smtClean="0"/>
+                  <a:t> é uma solução intermediária entre as regressões Ridge e LASSO.</a:t>
+                </a:r>
+              </a:p>
+              <a:p>
+                <a:r>
+                  <a:rPr lang="pt-BR" dirty="0"/>
                   <a:t>É uma </a:t>
                 </a:r>
                 <a:r>
-                  <a:rPr lang="pt-BR" b="1" i="1" dirty="0" smtClean="0"/>
+                  <a:rPr lang="pt-BR" b="1" i="1" dirty="0"/>
                   <a:t>combinação linear </a:t>
                 </a:r>
                 <a:r>
-                  <a:rPr lang="pt-BR" dirty="0" smtClean="0"/>
-                  <a:t>entre </a:t>
-                </a:r>
-                <a:r>
-                  <a:rPr lang="pt-BR" dirty="0"/>
-                  <a:t>as penalizações baseadas nas normas L1 e L2 do vetor de pesos.</a:t>
+                  <a:rPr lang="pt-BR" dirty="0"/>
+                  <a:t>entre as penalizações baseadas nas normas L1 e L2 do vetor de pesos.</a:t>
                 </a:r>
               </a:p>
               <a:p>
@@ -8994,7 +8857,7 @@
                   </m:oMath>
                 </a14:m>
                 <a:r>
-                  <a:rPr lang="pt-BR" dirty="0" smtClean="0"/>
+                  <a:rPr lang="pt-BR" dirty="0"/>
                   <a:t>,</a:t>
                 </a:r>
               </a:p>
@@ -9003,7 +8866,7 @@
                   <a:buNone/>
                 </a:pPr>
                 <a:r>
-                  <a:rPr lang="pt-BR" dirty="0" smtClean="0"/>
+                  <a:rPr lang="pt-BR" dirty="0"/>
                   <a:t>onde </a:t>
                 </a:r>
                 <a14:m>
@@ -9039,10 +8902,9 @@
                   </m:oMath>
                 </a14:m>
                 <a:r>
-                  <a:rPr lang="pt-BR" dirty="0" smtClean="0"/>
+                  <a:rPr lang="pt-BR" dirty="0"/>
                   <a:t> é o termo de mistura ou parâmetro de elasticidade entre as duas normas.</a:t>
                 </a:r>
-                <a:endParaRPr lang="pt-BR" dirty="0"/>
               </a:p>
               <a:p>
                 <a:r>
@@ -9070,15 +8932,7 @@
                 </a:r>
                 <a:r>
                   <a:rPr lang="pt-BR" dirty="0"/>
-                  <a:t> é equivalente a </a:t>
-                </a:r>
-                <a:r>
-                  <a:rPr lang="pt-BR" dirty="0" smtClean="0"/>
-                  <a:t>regressão </a:t>
-                </a:r>
-                <a:r>
-                  <a:rPr lang="pt-BR" dirty="0"/>
-                  <a:t>Ridge e quando </a:t>
+                  <a:t> é equivalente a regressão Ridge e quando </a:t>
                 </a:r>
                 <a14:m>
                   <m:oMath xmlns:m="http://schemas.openxmlformats.org/officeDocument/2006/math">
@@ -9093,21 +8947,8 @@
                 </a14:m>
                 <a:r>
                   <a:rPr lang="pt-BR" dirty="0"/>
-                  <a:t> = 1, ela é equivalente </a:t>
-                </a:r>
-                <a:r>
-                  <a:rPr lang="pt-BR" dirty="0" smtClean="0"/>
-                  <a:t>a </a:t>
-                </a:r>
-                <a:r>
-                  <a:rPr lang="pt-BR" dirty="0"/>
-                  <a:t>r</a:t>
-                </a:r>
-                <a:r>
-                  <a:rPr lang="pt-BR" dirty="0" smtClean="0"/>
-                  <a:t>egressão LASSO.</a:t>
-                </a:r>
-                <a:endParaRPr lang="pt-BR" dirty="0"/>
+                  <a:t> = 1, ela é equivalente a regressão LASSO.</a:t>
+                </a:r>
               </a:p>
               <a:p>
                 <a:r>
@@ -9164,13 +9005,8 @@
                 </a:r>
                 <a:r>
                   <a:rPr lang="pt-BR" dirty="0"/>
-                  <a:t>. Isso também se aplica ao dois outros métodos </a:t>
-                </a:r>
-                <a:r>
-                  <a:rPr lang="pt-BR" dirty="0" smtClean="0"/>
-                  <a:t>anteriores.</a:t>
-                </a:r>
-                <a:endParaRPr lang="pt-BR" dirty="0"/>
+                  <a:t>. Isso também se aplica ao dois outros métodos anteriores.</a:t>
+                </a:r>
               </a:p>
             </p:txBody>
           </p:sp>
@@ -9307,7 +9143,7 @@
               <a:lstStyle/>
               <a:p>
                 <a:r>
-                  <a:rPr lang="pt-BR" sz="1600" dirty="0" smtClean="0">
+                  <a:rPr lang="pt-BR" sz="1600" dirty="0">
                     <a:ea typeface="Cambria Math" panose="02040503050406030204" pitchFamily="18" charset="0"/>
                   </a:rPr>
                   <a:t>O hiperparâmetro </a:t>
@@ -9324,10 +9160,9 @@
                   </m:oMath>
                 </a14:m>
                 <a:r>
-                  <a:rPr lang="pt-BR" sz="1600" dirty="0" smtClean="0"/>
+                  <a:rPr lang="pt-BR" sz="1600" dirty="0"/>
                   <a:t> dita a relação de compromisso entre as duas regularizações.</a:t>
                 </a:r>
-                <a:endParaRPr lang="pt-BR" sz="1600" dirty="0"/>
               </a:p>
             </p:txBody>
           </p:sp>
@@ -9381,13 +9216,6 @@
   <p:clrMapOvr>
     <a:masterClrMapping/>
   </p:clrMapOvr>
-  <p:timing>
-    <p:tnLst>
-      <p:par>
-        <p:cTn id="1" dur="indefinite" restart="never" nodeType="tmRoot"/>
-      </p:par>
-    </p:tnLst>
-  </p:timing>
 </p:sld>
 </file>
 
@@ -9424,10 +9252,9 @@
           <a:lstStyle/>
           <a:p>
             <a:r>
-              <a:rPr lang="pt-BR" dirty="0" smtClean="0"/>
+              <a:rPr lang="pt-BR" dirty="0"/>
               <a:t>Quando utilizar regressão LASSO, Ridge ou Elastic-Net?</a:t>
             </a:r>
-            <a:endParaRPr lang="pt-BR" dirty="0"/>
           </a:p>
         </p:txBody>
       </p:sp>
@@ -9456,90 +9283,38 @@
               <a:lstStyle/>
               <a:p>
                 <a:r>
-                  <a:rPr lang="pt-BR" b="1" dirty="0" smtClean="0"/>
+                  <a:rPr lang="pt-BR" b="1" dirty="0"/>
                   <a:t>Regressão Ridge</a:t>
                 </a:r>
                 <a:r>
-                  <a:rPr lang="pt-BR" dirty="0" smtClean="0"/>
-                  <a:t>: </a:t>
-                </a:r>
-                <a:r>
-                  <a:rPr lang="pt-BR" dirty="0"/>
-                  <a:t>um bom </a:t>
-                </a:r>
-                <a:r>
-                  <a:rPr lang="pt-BR" dirty="0" smtClean="0"/>
-                  <a:t>começo. </a:t>
-                </a:r>
-                <a:r>
-                  <a:rPr lang="pt-BR" dirty="0"/>
-                  <a:t>No entanto, se </a:t>
-                </a:r>
-                <a:r>
-                  <a:rPr lang="pt-BR" dirty="0" smtClean="0"/>
-                  <a:t>você suspeitar que apenas </a:t>
-                </a:r>
-                <a:r>
-                  <a:rPr lang="pt-BR" dirty="0"/>
-                  <a:t>alguns </a:t>
-                </a:r>
-                <a:r>
-                  <a:rPr lang="pt-BR" dirty="0" smtClean="0"/>
-                  <a:t>atributos </a:t>
-                </a:r>
-                <a:r>
-                  <a:rPr lang="pt-BR" dirty="0"/>
-                  <a:t>são </a:t>
-                </a:r>
-                <a:r>
-                  <a:rPr lang="pt-BR" dirty="0" smtClean="0"/>
-                  <a:t>realmente úteis</a:t>
-                </a:r>
-                <a:r>
-                  <a:rPr lang="pt-BR" dirty="0"/>
-                  <a:t>, você deve preferir LASSO ou </a:t>
-                </a:r>
-                <a:r>
-                  <a:rPr lang="pt-BR" i="1" dirty="0" smtClean="0"/>
+                  <a:rPr lang="pt-BR" dirty="0"/>
+                  <a:t>: um bom começo. No entanto, se você suspeitar que apenas alguns atributos são realmente úteis, você deve preferir LASSO ou </a:t>
+                </a:r>
+                <a:r>
+                  <a:rPr lang="pt-BR" i="1" dirty="0"/>
                   <a:t>Elastic-Net</a:t>
                 </a:r>
                 <a:r>
-                  <a:rPr lang="pt-BR" dirty="0" smtClean="0"/>
+                  <a:rPr lang="pt-BR" dirty="0"/>
                   <a:t>.</a:t>
                 </a:r>
               </a:p>
               <a:p>
                 <a:r>
-                  <a:rPr lang="pt-BR" b="1" dirty="0" smtClean="0"/>
+                  <a:rPr lang="pt-BR" b="1" dirty="0"/>
                   <a:t>Regressão LASSO</a:t>
                 </a:r>
                 <a:r>
-                  <a:rPr lang="pt-BR" dirty="0" smtClean="0"/>
-                  <a:t>: </a:t>
-                </a:r>
-                <a:r>
-                  <a:rPr lang="pt-BR" dirty="0"/>
-                  <a:t>boa para </a:t>
+                  <a:rPr lang="pt-BR" dirty="0"/>
+                  <a:t>: boa para </a:t>
                 </a:r>
                 <a:r>
                   <a:rPr lang="pt-BR" b="1" i="1" dirty="0"/>
-                  <a:t>seleção </a:t>
-                </a:r>
-                <a:r>
-                  <a:rPr lang="pt-BR" b="1" i="1" dirty="0" smtClean="0"/>
-                  <a:t>automática de atributos</a:t>
-                </a:r>
-                <a:r>
-                  <a:rPr lang="pt-BR" dirty="0" smtClean="0"/>
-                  <a:t>. </a:t>
-                </a:r>
-                <a:r>
-                  <a:rPr lang="pt-BR" dirty="0"/>
-                  <a:t>No entanto, se o número de </a:t>
-                </a:r>
-                <a:r>
-                  <a:rPr lang="pt-BR" dirty="0" smtClean="0"/>
-                  <a:t>atributos, </a:t>
+                  <a:t>seleção automática de atributos</a:t>
+                </a:r>
+                <a:r>
+                  <a:rPr lang="pt-BR" dirty="0"/>
+                  <a:t>. No entanto, se o número de atributos, </a:t>
                 </a:r>
                 <a14:m>
                   <m:oMath xmlns:m="http://schemas.openxmlformats.org/officeDocument/2006/math">
@@ -9552,24 +9327,8 @@
                   </m:oMath>
                 </a14:m>
                 <a:r>
-                  <a:rPr lang="pt-BR" dirty="0" smtClean="0"/>
-                  <a:t>, for </a:t>
-                </a:r>
-                <a:r>
-                  <a:rPr lang="pt-BR" dirty="0"/>
-                  <a:t>maior que o número de </a:t>
-                </a:r>
-                <a:r>
-                  <a:rPr lang="pt-BR" dirty="0" smtClean="0"/>
-                  <a:t>exemplos de </a:t>
-                </a:r>
-                <a:r>
-                  <a:rPr lang="pt-BR" dirty="0"/>
-                  <a:t>treinamento</a:t>
-                </a:r>
-                <a:r>
-                  <a:rPr lang="pt-BR" dirty="0" smtClean="0"/>
-                  <a:t>, </a:t>
+                  <a:rPr lang="pt-BR" dirty="0"/>
+                  <a:t>, for maior que o número de exemplos de treinamento, </a:t>
                 </a:r>
                 <a14:m>
                   <m:oMath xmlns:m="http://schemas.openxmlformats.org/officeDocument/2006/math">
@@ -9582,51 +9341,26 @@
                   </m:oMath>
                 </a14:m>
                 <a:r>
-                  <a:rPr lang="pt-BR" dirty="0" smtClean="0"/>
-                  <a:t>, </a:t>
-                </a:r>
-                <a:r>
-                  <a:rPr lang="pt-BR" dirty="0"/>
-                  <a:t>ou quando </a:t>
-                </a:r>
-                <a:r>
-                  <a:rPr lang="pt-BR" dirty="0" smtClean="0"/>
-                  <a:t>houverem atributos fortemente correlacionados</a:t>
-                </a:r>
-                <a:r>
-                  <a:rPr lang="pt-BR" dirty="0"/>
-                  <a:t>, deve-se usar </a:t>
-                </a:r>
-                <a:r>
-                  <a:rPr lang="pt-BR" dirty="0" smtClean="0"/>
-                  <a:t>a regressão </a:t>
-                </a:r>
-                <a:r>
-                  <a:rPr lang="pt-BR" i="1" dirty="0" smtClean="0"/>
+                  <a:rPr lang="pt-BR" dirty="0"/>
+                  <a:t>, ou quando houverem atributos fortemente correlacionados, deve-se usar a regressão </a:t>
+                </a:r>
+                <a:r>
+                  <a:rPr lang="pt-BR" i="1" dirty="0"/>
                   <a:t>Elastic-Net</a:t>
                 </a:r>
                 <a:r>
-                  <a:rPr lang="pt-BR" dirty="0" smtClean="0"/>
+                  <a:rPr lang="pt-BR" dirty="0"/>
                   <a:t>.</a:t>
                 </a:r>
-                <a:endParaRPr lang="pt-BR" dirty="0"/>
-              </a:p>
-              <a:p>
-                <a:r>
-                  <a:rPr lang="pt-BR" b="1" dirty="0" smtClean="0"/>
+              </a:p>
+              <a:p>
+                <a:r>
+                  <a:rPr lang="pt-BR" b="1" dirty="0"/>
                   <a:t>Elastic-Net</a:t>
                 </a:r>
                 <a:r>
-                  <a:rPr lang="pt-BR" dirty="0" smtClean="0"/>
-                  <a:t>: é mais versátil que as anteriores, </a:t>
-                </a:r>
-                <a:r>
-                  <a:rPr lang="pt-BR" dirty="0"/>
-                  <a:t>pois o parâmetro de </a:t>
-                </a:r>
-                <a:r>
-                  <a:rPr lang="pt-BR" dirty="0" smtClean="0"/>
-                  <a:t>elasticidade </a:t>
+                  <a:rPr lang="pt-BR" dirty="0"/>
+                  <a:t>: é mais versátil que as anteriores, pois o parâmetro de elasticidade </a:t>
                 </a:r>
                 <a14:m>
                   <m:oMath xmlns:m="http://schemas.openxmlformats.org/officeDocument/2006/math">
@@ -9648,21 +9382,8 @@
                 </a14:m>
                 <a:r>
                   <a:rPr lang="pt-BR" dirty="0"/>
-                  <a:t>é ajustável. Uma proporção de 50% </a:t>
-                </a:r>
-                <a:r>
-                  <a:rPr lang="pt-BR" dirty="0" smtClean="0"/>
-                  <a:t>entre as penalizações L1 </a:t>
-                </a:r>
-                <a:r>
-                  <a:rPr lang="pt-BR" dirty="0"/>
-                  <a:t>e </a:t>
-                </a:r>
-                <a:r>
-                  <a:rPr lang="pt-BR" dirty="0" smtClean="0"/>
-                  <a:t>L2 é uma boa escolha inicial para esse parâmetro.</a:t>
-                </a:r>
-                <a:endParaRPr lang="pt-BR" dirty="0"/>
+                  <a:t>é ajustável. Uma proporção de 50% entre as penalizações L1 e L2 é uma boa escolha inicial para esse parâmetro.</a:t>
+                </a:r>
               </a:p>
             </p:txBody>
           </p:sp>
@@ -9715,13 +9436,6 @@
   <p:clrMapOvr>
     <a:masterClrMapping/>
   </p:clrMapOvr>
-  <p:timing>
-    <p:tnLst>
-      <p:par>
-        <p:cTn id="1" dur="indefinite" restart="never" nodeType="tmRoot"/>
-      </p:par>
-    </p:tnLst>
-  </p:timing>
 </p:sld>
 </file>
 
@@ -9791,18 +9505,11 @@
           <a:lstStyle/>
           <a:p>
             <a:r>
-              <a:rPr lang="pt-BR" dirty="0" smtClean="0">
-                <a:ea typeface="+mn-lt"/>
-                <a:cs typeface="+mn-lt"/>
-              </a:rPr>
-              <a:t>O algoritmo </a:t>
-            </a:r>
-            <a:r>
               <a:rPr lang="pt-BR" dirty="0">
                 <a:ea typeface="+mn-lt"/>
                 <a:cs typeface="+mn-lt"/>
               </a:rPr>
-              <a:t>do </a:t>
+              <a:t>O algoritmo do </a:t>
             </a:r>
             <a:r>
               <a:rPr lang="pt-BR" b="1" i="1" dirty="0">
@@ -9816,21 +9523,7 @@
                 <a:ea typeface="+mn-lt"/>
                 <a:cs typeface="+mn-lt"/>
               </a:rPr>
-              <a:t> </a:t>
-            </a:r>
-            <a:r>
-              <a:rPr lang="pt-BR" dirty="0" smtClean="0">
-                <a:ea typeface="+mn-lt"/>
-                <a:cs typeface="+mn-lt"/>
-              </a:rPr>
-              <a:t>tende a </a:t>
-            </a:r>
-            <a:r>
-              <a:rPr lang="pt-BR" dirty="0">
-                <a:ea typeface="+mn-lt"/>
-                <a:cs typeface="+mn-lt"/>
-              </a:rPr>
-              <a:t>aprender modelos cada vez mais </a:t>
+              <a:t> tende a aprender modelos cada vez mais </a:t>
             </a:r>
             <a:r>
               <a:rPr lang="pt-BR" b="1" i="1" dirty="0">
@@ -9844,14 +9537,7 @@
                 <a:ea typeface="+mn-lt"/>
                 <a:cs typeface="+mn-lt"/>
               </a:rPr>
-              <a:t> à medida que o número de épocas </a:t>
-            </a:r>
-            <a:r>
-              <a:rPr lang="pt-BR" dirty="0" smtClean="0">
-                <a:ea typeface="+mn-lt"/>
-                <a:cs typeface="+mn-lt"/>
-              </a:rPr>
-              <a:t>aumenta.</a:t>
+              <a:t> à medida que o número de épocas aumenta.</a:t>
             </a:r>
           </a:p>
           <a:p>
@@ -9860,39 +9546,28 @@
                 <a:ea typeface="+mn-lt"/>
                 <a:cs typeface="+mn-lt"/>
               </a:rPr>
-              <a:t>O</a:t>
-            </a:r>
-            <a:r>
-              <a:rPr lang="pt-BR" dirty="0" smtClean="0">
-                <a:ea typeface="+mn-lt"/>
-                <a:cs typeface="+mn-lt"/>
-              </a:rPr>
-              <a:t>u seja, ele se </a:t>
-            </a:r>
-            <a:r>
-              <a:rPr lang="pt-BR" b="1" i="1" dirty="0" smtClean="0">
+              <a:t>Ou seja, ele se </a:t>
+            </a:r>
+            <a:r>
+              <a:rPr lang="pt-BR" b="1" i="1" dirty="0">
                 <a:ea typeface="+mn-lt"/>
                 <a:cs typeface="+mn-lt"/>
               </a:rPr>
               <a:t>sobreajusta</a:t>
             </a:r>
             <a:r>
-              <a:rPr lang="pt-BR" dirty="0" smtClean="0">
+              <a:rPr lang="pt-BR" dirty="0">
                 <a:ea typeface="+mn-lt"/>
                 <a:cs typeface="+mn-lt"/>
               </a:rPr>
               <a:t> ao conjunto de treinamento ao longo do tempo. </a:t>
             </a:r>
-            <a:endParaRPr lang="pt-BR" dirty="0" smtClean="0"/>
-          </a:p>
-          <a:p>
-            <a:r>
-              <a:rPr lang="pt-BR" dirty="0" smtClean="0"/>
-              <a:t>Uma </a:t>
-            </a:r>
+            <a:endParaRPr lang="pt-BR" dirty="0"/>
+          </a:p>
+          <a:p>
             <a:r>
               <a:rPr lang="pt-BR" dirty="0"/>
-              <a:t>forma de se </a:t>
+              <a:t>Uma forma de se </a:t>
             </a:r>
             <a:r>
               <a:rPr lang="pt-BR" b="1" i="1" dirty="0"/>
@@ -9979,18 +9654,11 @@
           </a:p>
           <a:p>
             <a:r>
-              <a:rPr lang="pt-BR" dirty="0" smtClean="0">
-                <a:ea typeface="+mn-lt"/>
-                <a:cs typeface="+mn-lt"/>
-              </a:rPr>
-              <a:t>Ao </a:t>
-            </a:r>
-            <a:r>
               <a:rPr lang="pt-BR" dirty="0">
                 <a:ea typeface="+mn-lt"/>
                 <a:cs typeface="+mn-lt"/>
               </a:rPr>
-              <a:t>se regularizar no </a:t>
+              <a:t>Ao se regularizar no </a:t>
             </a:r>
             <a:r>
               <a:rPr lang="pt-BR" b="1" i="1" dirty="0">
@@ -10027,19 +9695,8 @@
                 <a:ea typeface="+mn-lt"/>
                 <a:cs typeface="+mn-lt"/>
               </a:rPr>
-              <a:t>Mas como saber quando interromper o treinamento? Ou seja, qual é o critério de parada</a:t>
-            </a:r>
-            <a:r>
-              <a:rPr lang="pt-BR" dirty="0" smtClean="0">
-                <a:ea typeface="+mn-lt"/>
-                <a:cs typeface="+mn-lt"/>
-              </a:rPr>
-              <a:t>?</a:t>
-            </a:r>
-            <a:endParaRPr lang="pt-BR" dirty="0">
-              <a:ea typeface="+mn-lt"/>
-              <a:cs typeface="+mn-lt"/>
-            </a:endParaRPr>
+              <a:t>Mas como saber quando interromper o treinamento? Ou seja, qual é o critério de parada?</a:t>
+            </a:r>
           </a:p>
         </p:txBody>
       </p:sp>
@@ -10096,10 +9753,9 @@
           <a:lstStyle/>
           <a:p>
             <a:r>
-              <a:rPr lang="pt-BR" dirty="0" smtClean="0"/>
+              <a:rPr lang="pt-BR" dirty="0"/>
               <a:t>Exemplo: Early-stop</a:t>
             </a:r>
-            <a:endParaRPr lang="pt-BR" dirty="0"/>
           </a:p>
         </p:txBody>
       </p:sp>
@@ -10161,21 +9817,7 @@
                 <a:ea typeface="+mn-lt"/>
                 <a:cs typeface="+mn-lt"/>
               </a:rPr>
-              <a:t> </a:t>
-            </a:r>
-            <a:r>
-              <a:rPr lang="pt-BR" sz="2800" dirty="0" smtClean="0">
-                <a:ea typeface="+mn-lt"/>
-                <a:cs typeface="+mn-lt"/>
-              </a:rPr>
-              <a:t>(paciência) épocas </a:t>
-            </a:r>
-            <a:r>
-              <a:rPr lang="pt-BR" sz="2800" dirty="0">
-                <a:ea typeface="+mn-lt"/>
-                <a:cs typeface="+mn-lt"/>
-              </a:rPr>
-              <a:t>sucessivas.</a:t>
+              <a:t> (paciência) épocas sucessivas.</a:t>
             </a:r>
           </a:p>
           <a:p>
@@ -10208,21 +9850,7 @@
                 <a:ea typeface="+mn-lt"/>
                 <a:cs typeface="+mn-lt"/>
               </a:rPr>
-              <a:t>Permitir que o treinamento </a:t>
-            </a:r>
-            <a:r>
-              <a:rPr lang="pt-BR" sz="2800" dirty="0" smtClean="0">
-                <a:ea typeface="+mn-lt"/>
-                <a:cs typeface="+mn-lt"/>
-              </a:rPr>
-              <a:t>prossiga por um determinado número de épocas, </a:t>
-            </a:r>
-            <a:r>
-              <a:rPr lang="pt-BR" sz="2800" dirty="0">
-                <a:ea typeface="+mn-lt"/>
-                <a:cs typeface="+mn-lt"/>
-              </a:rPr>
-              <a:t>mas sempre armazenando os pesos associados ao </a:t>
+              <a:t>Permitir que o treinamento prossiga por um determinado número de épocas, mas sempre armazenando os pesos associados ao </a:t>
             </a:r>
             <a:r>
               <a:rPr lang="pt-BR" sz="2800" b="1" i="1" dirty="0">
@@ -10232,57 +9860,32 @@
               <a:t>menor erro de validação</a:t>
             </a:r>
             <a:r>
-              <a:rPr lang="pt-BR" sz="2800" dirty="0" smtClean="0">
+              <a:rPr lang="pt-BR" sz="2800" dirty="0">
                 <a:ea typeface="+mn-lt"/>
                 <a:cs typeface="+mn-lt"/>
               </a:rPr>
               <a:t>.</a:t>
             </a:r>
-            <a:endParaRPr lang="pt-BR" dirty="0" smtClean="0"/>
-          </a:p>
-          <a:p>
-            <a:r>
-              <a:rPr lang="pt-BR" dirty="0" smtClean="0"/>
-              <a:t>A </a:t>
-            </a:r>
+            <a:endParaRPr lang="pt-BR" dirty="0"/>
+          </a:p>
+          <a:p>
             <a:r>
               <a:rPr lang="pt-BR" dirty="0"/>
-              <a:t>figura mostra um modelo de regressão polinomial </a:t>
-            </a:r>
-            <a:r>
-              <a:rPr lang="pt-BR" dirty="0" smtClean="0"/>
-              <a:t>com grau igual a 90 sendo </a:t>
+              <a:t>A figura mostra um modelo de regressão polinomial com grau igual a 90 sendo treinado usando o </a:t>
+            </a:r>
+            <a:r>
+              <a:rPr lang="pt-BR" b="1" i="1" dirty="0"/>
+              <a:t>gradiente descendente estocástico</a:t>
             </a:r>
             <a:r>
               <a:rPr lang="pt-BR" dirty="0"/>
-              <a:t>treinado usando o </a:t>
-            </a:r>
-            <a:r>
-              <a:rPr lang="pt-BR" b="1" i="1" dirty="0"/>
-              <a:t>gradiente descendente </a:t>
-            </a:r>
-            <a:r>
-              <a:rPr lang="pt-BR" b="1" i="1" dirty="0" smtClean="0"/>
-              <a:t>estocástico</a:t>
-            </a:r>
-            <a:r>
-              <a:rPr lang="pt-BR" dirty="0" smtClean="0"/>
               <a:t> e apenas 100 amostras de treinamento. </a:t>
             </a:r>
-            <a:endParaRPr lang="pt-BR" dirty="0"/>
           </a:p>
           <a:p>
             <a:r>
               <a:rPr lang="pt-BR" dirty="0"/>
-              <a:t>À medida que as épocas passam, o algoritmo aprende e seu erro quadrático médio no conjunto de treinamento diminui, juntamente com o </a:t>
-            </a:r>
-            <a:r>
-              <a:rPr lang="pt-BR" dirty="0" smtClean="0"/>
-              <a:t>erro no </a:t>
-            </a:r>
-            <a:r>
-              <a:rPr lang="pt-BR" dirty="0"/>
-              <a:t>conjunto de validação. </a:t>
+              <a:t>À medida que as épocas passam, o algoritmo aprende e seu erro quadrático médio no conjunto de treinamento diminui, juntamente com o erro no conjunto de validação. </a:t>
             </a:r>
           </a:p>
           <a:p>
@@ -10290,16 +9893,11 @@
               <a:rPr lang="pt-BR" dirty="0"/>
               <a:t>No entanto, após algumas épocas, o erro de validação para de diminuir e começa a crescer. </a:t>
             </a:r>
-            <a:endParaRPr lang="pt-BR" dirty="0" smtClean="0"/>
-          </a:p>
-          <a:p>
-            <a:r>
-              <a:rPr lang="pt-BR" dirty="0" smtClean="0"/>
-              <a:t>Isso </a:t>
-            </a:r>
+          </a:p>
+          <a:p>
             <a:r>
               <a:rPr lang="pt-BR" dirty="0"/>
-              <a:t>indica que o modelo começou a </a:t>
+              <a:t>Isso indica que o modelo começou a </a:t>
             </a:r>
             <a:r>
               <a:rPr lang="pt-BR" b="1" i="1" dirty="0"/>
@@ -10307,21 +9905,8 @@
             </a:r>
             <a:r>
               <a:rPr lang="pt-BR" dirty="0"/>
-              <a:t> </a:t>
-            </a:r>
-            <a:r>
-              <a:rPr lang="pt-BR" dirty="0" smtClean="0"/>
-              <a:t>aos </a:t>
-            </a:r>
-            <a:r>
-              <a:rPr lang="pt-BR" dirty="0"/>
-              <a:t>dados de treinamento</a:t>
-            </a:r>
-            <a:r>
-              <a:rPr lang="pt-BR" dirty="0" smtClean="0"/>
-              <a:t>.</a:t>
-            </a:r>
-            <a:endParaRPr lang="pt-BR" dirty="0"/>
+              <a:t> aos dados de treinamento.</a:t>
+            </a:r>
           </a:p>
         </p:txBody>
       </p:sp>
@@ -10350,13 +9935,7 @@
               <a:rPr lang="pt-BR" sz="1600" dirty="0">
                 <a:hlinkClick r:id="rId3"/>
               </a:rPr>
-              <a:t>Exemplo: </a:t>
-            </a:r>
-            <a:r>
-              <a:rPr lang="pt-BR" sz="1600" dirty="0" smtClean="0">
-                <a:hlinkClick r:id="rId3"/>
-              </a:rPr>
-              <a:t>early_stopv2.ipynb</a:t>
+              <a:t>Exemplo: early_stopv2.ipynb</a:t>
             </a:r>
             <a:endParaRPr lang="pt-BR" sz="1600" dirty="0"/>
           </a:p>
@@ -10543,7 +10122,7 @@
                     </m:oMath>
                   </m:oMathPara>
                 </a14:m>
-                <a:endParaRPr lang="pt-BR" b="0" i="1" dirty="0" smtClean="0">
+                <a:endParaRPr lang="pt-BR" b="0" i="1" dirty="0">
                   <a:latin typeface="Cambria Math" panose="02040503050406030204" pitchFamily="18" charset="0"/>
                 </a:endParaRPr>
               </a:p>
@@ -10755,13 +10334,6 @@
   <p:clrMapOvr>
     <a:masterClrMapping/>
   </p:clrMapOvr>
-  <p:timing>
-    <p:tnLst>
-      <p:par>
-        <p:cTn id="1" dur="indefinite" restart="never" nodeType="tmRoot"/>
-      </p:par>
-    </p:tnLst>
-  </p:timing>
 </p:sld>
 </file>
 
@@ -10798,10 +10370,9 @@
           <a:lstStyle/>
           <a:p>
             <a:r>
-              <a:rPr lang="pt-BR" dirty="0" smtClean="0"/>
+              <a:rPr lang="pt-BR" dirty="0"/>
               <a:t>Tarefas</a:t>
             </a:r>
-            <a:endParaRPr lang="pt-BR" dirty="0"/>
           </a:p>
         </p:txBody>
       </p:sp>
@@ -10837,19 +10408,11 @@
             </a:r>
             <a:r>
               <a:rPr lang="pt-BR" i="1" dirty="0"/>
-              <a:t>T319 - Quiz - Regressão: Parte </a:t>
-            </a:r>
-            <a:r>
-              <a:rPr lang="pt-BR" i="1" dirty="0" smtClean="0"/>
-              <a:t>VI</a:t>
-            </a:r>
-            <a:r>
-              <a:rPr lang="pt-BR" dirty="0" smtClean="0"/>
-              <a:t>” </a:t>
+              <a:t>T319 - Quiz - Regressão: Parte VI</a:t>
             </a:r>
             <a:r>
               <a:rPr lang="pt-BR" dirty="0"/>
-              <a:t>que se encontra no MS Teams.</a:t>
+              <a:t>” que se encontra no MS Teams.</a:t>
             </a:r>
           </a:p>
           <a:p>
@@ -10858,72 +10421,48 @@
               <a:t>Exercício Prático</a:t>
             </a:r>
             <a:r>
-              <a:rPr lang="pt-BR" dirty="0" smtClean="0"/>
+              <a:rPr lang="pt-BR" dirty="0"/>
               <a:t>: </a:t>
             </a:r>
             <a:r>
-              <a:rPr lang="pt-BR" dirty="0" smtClean="0">
+              <a:rPr lang="pt-BR" dirty="0">
                 <a:hlinkClick r:id="rId3"/>
               </a:rPr>
               <a:t>Projeto Prático</a:t>
             </a:r>
             <a:r>
-              <a:rPr lang="pt-BR" dirty="0" smtClean="0"/>
+              <a:rPr lang="pt-BR" dirty="0"/>
               <a:t>.</a:t>
             </a:r>
           </a:p>
           <a:p>
             <a:pPr lvl="1"/>
-            <a:r>
-              <a:rPr lang="pt-BR" b="1" dirty="0" smtClean="0">
-                <a:solidFill>
-                  <a:srgbClr val="FF0000"/>
-                </a:solidFill>
-              </a:rPr>
-              <a:t>Projeto pode </a:t>
-            </a:r>
             <a:r>
               <a:rPr lang="pt-BR" b="1" dirty="0">
                 <a:solidFill>
                   <a:srgbClr val="FF0000"/>
                 </a:solidFill>
               </a:rPr>
-              <a:t>ser </a:t>
-            </a:r>
-            <a:r>
-              <a:rPr lang="pt-BR" b="1" dirty="0" smtClean="0">
-                <a:solidFill>
-                  <a:srgbClr val="FF0000"/>
-                </a:solidFill>
-              </a:rPr>
-              <a:t>feito </a:t>
-            </a:r>
+              <a:t>Projeto pode ser feito em grupo de no máximo 3 alunos.</a:t>
+            </a:r>
+          </a:p>
+          <a:p>
+            <a:pPr lvl="1"/>
             <a:r>
               <a:rPr lang="pt-BR" b="1" dirty="0">
                 <a:solidFill>
                   <a:srgbClr val="FF0000"/>
                 </a:solidFill>
               </a:rPr>
-              <a:t>em </a:t>
-            </a:r>
-            <a:r>
-              <a:rPr lang="pt-BR" b="1" dirty="0" smtClean="0">
+              <a:t>Atentem-se ao prazo de entrega definido na tarefa do MS </a:t>
+            </a:r>
+            <a:r>
+              <a:rPr lang="pt-BR" b="1" dirty="0" err="1">
                 <a:solidFill>
                   <a:srgbClr val="FF0000"/>
                 </a:solidFill>
               </a:rPr>
-              <a:t>grupo de no máximo 3 alunos.</a:t>
-            </a:r>
-          </a:p>
-          <a:p>
-            <a:pPr lvl="1"/>
-            <a:r>
-              <a:rPr lang="pt-BR" b="1" dirty="0" smtClean="0">
-                <a:solidFill>
-                  <a:srgbClr val="FF0000"/>
-                </a:solidFill>
-              </a:rPr>
-              <a:t>Atentem-se </a:t>
+              <a:t>Teams</a:t>
             </a:r>
             <a:r>
               <a:rPr lang="pt-BR" b="1" dirty="0">
@@ -10931,101 +10470,29 @@
                   <a:srgbClr val="FF0000"/>
                 </a:solidFill>
               </a:rPr>
-              <a:t>ao prazo de entrega definido na tarefa do MS </a:t>
-            </a:r>
-            <a:r>
-              <a:rPr lang="pt-BR" b="1" dirty="0" err="1" smtClean="0">
-                <a:solidFill>
-                  <a:srgbClr val="FF0000"/>
-                </a:solidFill>
-              </a:rPr>
-              <a:t>Teams</a:t>
-            </a:r>
-            <a:r>
-              <a:rPr lang="pt-BR" b="1" dirty="0" smtClean="0">
-                <a:solidFill>
-                  <a:srgbClr val="FF0000"/>
-                </a:solidFill>
-              </a:rPr>
-              <a:t> </a:t>
-            </a:r>
-            <a:r>
-              <a:rPr lang="pt-BR" b="1" dirty="0" smtClean="0">
-                <a:solidFill>
-                  <a:srgbClr val="FF0000"/>
-                </a:solidFill>
-              </a:rPr>
-              <a:t>(</a:t>
-            </a:r>
-            <a:r>
-              <a:rPr lang="pt-BR" b="1" dirty="0" smtClean="0">
-                <a:solidFill>
-                  <a:srgbClr val="FF0000"/>
-                </a:solidFill>
-              </a:rPr>
-              <a:t>11</a:t>
-            </a:r>
-            <a:r>
-              <a:rPr lang="pt-BR" b="1" dirty="0" smtClean="0">
-                <a:solidFill>
-                  <a:srgbClr val="FF0000"/>
-                </a:solidFill>
-              </a:rPr>
-              <a:t>/12/2022</a:t>
-            </a:r>
-            <a:r>
-              <a:rPr lang="pt-BR" b="1" dirty="0" smtClean="0">
-                <a:solidFill>
-                  <a:srgbClr val="FF0000"/>
-                </a:solidFill>
-              </a:rPr>
-              <a:t>). </a:t>
+              <a:t> (11/12/2022). </a:t>
             </a:r>
           </a:p>
           <a:p>
             <a:pPr lvl="1"/>
-            <a:r>
-              <a:rPr lang="pt-BR" b="1" dirty="0" smtClean="0">
-                <a:solidFill>
-                  <a:srgbClr val="FF0000"/>
-                </a:solidFill>
-              </a:rPr>
-              <a:t>Entregas </a:t>
-            </a:r>
             <a:r>
               <a:rPr lang="pt-BR" b="1" dirty="0">
                 <a:solidFill>
                   <a:srgbClr val="FF0000"/>
                 </a:solidFill>
               </a:rPr>
-              <a:t>fora do prazo não serão aceitas</a:t>
-            </a:r>
-            <a:r>
-              <a:rPr lang="pt-BR" b="1" dirty="0" smtClean="0">
-                <a:solidFill>
-                  <a:srgbClr val="FF0000"/>
-                </a:solidFill>
-              </a:rPr>
-              <a:t>.</a:t>
+              <a:t>Entregas fora do prazo não serão aceitas.</a:t>
             </a:r>
           </a:p>
           <a:p>
             <a:pPr lvl="1"/>
-            <a:r>
-              <a:rPr lang="pt-BR" b="1" dirty="0" smtClean="0">
-                <a:solidFill>
-                  <a:srgbClr val="FF0000"/>
-                </a:solidFill>
-              </a:rPr>
-              <a:t>Leiam os enunciados atentamente</a:t>
-            </a:r>
             <a:r>
               <a:rPr lang="pt-BR" b="1" dirty="0">
                 <a:solidFill>
                   <a:srgbClr val="FF0000"/>
                 </a:solidFill>
               </a:rPr>
-              <a:t>.</a:t>
+              <a:t>Leiam os enunciados atentamente.</a:t>
             </a:r>
           </a:p>
         </p:txBody>
@@ -11040,13 +10507,6 @@
   <p:clrMapOvr>
     <a:masterClrMapping/>
   </p:clrMapOvr>
-  <p:timing>
-    <p:tnLst>
-      <p:par>
-        <p:cTn id="1" dur="indefinite" restart="never" nodeType="tmRoot"/>
-      </p:par>
-    </p:tnLst>
-  </p:timing>
 </p:sld>
 </file>
 
@@ -11072,7 +10532,7 @@
           <p:cNvPr id="4" name="Título 1">
             <a:extLst>
               <a:ext uri="{FF2B5EF4-FFF2-40B4-BE49-F238E27FC236}">
-                <a16:creationId xmlns:a16="http://schemas.microsoft.com/office/drawing/2014/main" xmlns="" id="{32666AC8-2E17-4DB4-B0F5-60C640CCFD2E}"/>
+                <a16:creationId xmlns:a16="http://schemas.microsoft.com/office/drawing/2014/main" id="{32666AC8-2E17-4DB4-B0F5-60C640CCFD2E}"/>
               </a:ext>
             </a:extLst>
           </p:cNvPr>
@@ -11485,10 +10945,9 @@
           <a:lstStyle/>
           <a:p>
             <a:r>
-              <a:rPr lang="pt-BR" dirty="0" smtClean="0"/>
+              <a:rPr lang="pt-BR" dirty="0"/>
               <a:t>Recapitulando</a:t>
             </a:r>
-            <a:endParaRPr lang="pt-BR" dirty="0"/>
           </a:p>
         </p:txBody>
       </p:sp>
@@ -11515,27 +10974,27 @@
           <a:lstStyle/>
           <a:p>
             <a:r>
-              <a:rPr lang="pt-BR" dirty="0" smtClean="0"/>
+              <a:rPr lang="pt-BR" dirty="0"/>
               <a:t>Anteriormente, vimos como escolher o melhor modelo de regressão utilizando as técnicas de </a:t>
             </a:r>
             <a:r>
-              <a:rPr lang="pt-BR" b="1" i="1" dirty="0" smtClean="0"/>
+              <a:rPr lang="pt-BR" b="1" i="1" dirty="0"/>
               <a:t>validação cruzada</a:t>
             </a:r>
             <a:r>
-              <a:rPr lang="pt-BR" dirty="0" smtClean="0"/>
+              <a:rPr lang="pt-BR" dirty="0"/>
               <a:t>: holdout, k-Fold e leave-P-out.</a:t>
             </a:r>
           </a:p>
           <a:p>
             <a:r>
-              <a:rPr lang="pt-BR" dirty="0" smtClean="0"/>
+              <a:rPr lang="pt-BR" dirty="0"/>
               <a:t>Escolhemos sempre o modelo menos complexo, mas que generaliza bem. </a:t>
             </a:r>
           </a:p>
           <a:p>
             <a:r>
-              <a:rPr lang="pt-BR" dirty="0" smtClean="0"/>
+              <a:rPr lang="pt-BR" dirty="0"/>
               <a:t>Ou seja, escolhemos o modelo que apresenta valores baixos para ambos os erros, de treinamento e de validação.</a:t>
             </a:r>
           </a:p>
@@ -11545,59 +11004,47 @@
               <a:t>Uma abordagem alternativa é </a:t>
             </a:r>
             <a:r>
-              <a:rPr lang="pt-BR" b="1" i="1" dirty="0" smtClean="0"/>
+              <a:rPr lang="pt-BR" b="1" i="1" dirty="0"/>
               <a:t>minimizar conjuntamente</a:t>
             </a:r>
             <a:r>
-              <a:rPr lang="pt-BR" dirty="0" smtClean="0"/>
-              <a:t> o </a:t>
-            </a:r>
-            <a:r>
               <a:rPr lang="pt-BR" dirty="0"/>
-              <a:t>erro e </a:t>
-            </a:r>
-            <a:r>
-              <a:rPr lang="pt-BR" dirty="0" smtClean="0"/>
-              <a:t>a complexidade da </a:t>
+              <a:t> o erro e a complexidade da </a:t>
             </a:r>
             <a:r>
               <a:rPr lang="pt-BR" b="1" i="1" dirty="0"/>
-              <a:t>função </a:t>
-            </a:r>
-            <a:r>
-              <a:rPr lang="pt-BR" b="1" i="1" dirty="0" smtClean="0"/>
-              <a:t>hipótese</a:t>
-            </a:r>
-            <a:r>
-              <a:rPr lang="pt-BR" dirty="0" smtClean="0"/>
+              <a:t>função hipótese</a:t>
+            </a:r>
+            <a:r>
+              <a:rPr lang="pt-BR" dirty="0"/>
               <a:t>.</a:t>
             </a:r>
           </a:p>
           <a:p>
             <a:r>
-              <a:rPr lang="pt-BR" dirty="0" smtClean="0"/>
+              <a:rPr lang="pt-BR" dirty="0"/>
               <a:t>Como veremos, esta abordagem combina erro e complexidade </a:t>
             </a:r>
             <a:r>
-              <a:rPr lang="pt-BR" b="1" i="1" dirty="0" smtClean="0"/>
+              <a:rPr lang="pt-BR" b="1" i="1" dirty="0"/>
               <a:t>em uma única função de erro</a:t>
             </a:r>
             <a:r>
-              <a:rPr lang="pt-BR" dirty="0" smtClean="0"/>
+              <a:rPr lang="pt-BR" dirty="0"/>
               <a:t>, possibilitando que encontremos a melhor </a:t>
             </a:r>
             <a:r>
-              <a:rPr lang="pt-BR" b="1" i="1" dirty="0" smtClean="0"/>
+              <a:rPr lang="pt-BR" b="1" i="1" dirty="0"/>
               <a:t>função hipótese </a:t>
             </a:r>
             <a:r>
-              <a:rPr lang="pt-BR" dirty="0" smtClean="0"/>
+              <a:rPr lang="pt-BR" dirty="0"/>
               <a:t>de uma só vez.</a:t>
             </a:r>
           </a:p>
           <a:p>
             <a:r>
-              <a:rPr lang="pt-BR" dirty="0" smtClean="0"/>
+              <a:rPr lang="pt-BR" dirty="0"/>
               <a:t>Portanto, hoje, veremos as seguintes abordagens para se encontrar o melhor modelo de regressão:</a:t>
             </a:r>
           </a:p>
@@ -11607,19 +11054,19 @@
               <a:buChar char="§"/>
             </a:pPr>
             <a:r>
-              <a:rPr lang="pt-BR" b="1" dirty="0" smtClean="0"/>
+              <a:rPr lang="pt-BR" b="1" dirty="0"/>
               <a:t>Regularização</a:t>
             </a:r>
             <a:r>
-              <a:rPr lang="pt-BR" dirty="0" smtClean="0"/>
+              <a:rPr lang="pt-BR" dirty="0"/>
               <a:t>: penaliza </a:t>
             </a:r>
             <a:r>
-              <a:rPr lang="pt-BR" b="1" i="1" dirty="0" smtClean="0"/>
+              <a:rPr lang="pt-BR" b="1" i="1" dirty="0"/>
               <a:t>funções hipótese </a:t>
             </a:r>
             <a:r>
-              <a:rPr lang="pt-BR" dirty="0" smtClean="0"/>
+              <a:rPr lang="pt-BR" dirty="0"/>
               <a:t>muito complexas, ou seja, muito flexíveis.</a:t>
             </a:r>
           </a:p>
@@ -11629,22 +11076,21 @@
               <a:buChar char="§"/>
             </a:pPr>
             <a:r>
-              <a:rPr lang="pt-BR" b="1" dirty="0" smtClean="0"/>
+              <a:rPr lang="pt-BR" b="1" dirty="0"/>
               <a:t>Early-stop</a:t>
             </a:r>
             <a:r>
-              <a:rPr lang="pt-BR" dirty="0" smtClean="0"/>
+              <a:rPr lang="pt-BR" dirty="0"/>
               <a:t>: encerra o treinamento de </a:t>
             </a:r>
             <a:r>
-              <a:rPr lang="pt-BR" b="1" i="1" dirty="0" smtClean="0"/>
+              <a:rPr lang="pt-BR" b="1" i="1" dirty="0"/>
               <a:t>algoritmos iterativos </a:t>
             </a:r>
             <a:r>
-              <a:rPr lang="pt-BR" dirty="0" smtClean="0"/>
+              <a:rPr lang="pt-BR" dirty="0"/>
               <a:t>quando o erro de validação for o menor possível.</a:t>
             </a:r>
-            <a:endParaRPr lang="pt-BR" dirty="0"/>
           </a:p>
         </p:txBody>
       </p:sp>
@@ -11701,26 +11147,9 @@
           <a:lstStyle/>
           <a:p>
             <a:r>
-              <a:rPr lang="pt-BR" dirty="0" smtClean="0"/>
-              <a:t>Regularização: </a:t>
-            </a:r>
-            <a:r>
               <a:rPr lang="pt-BR" dirty="0"/>
-              <a:t>p</a:t>
-            </a:r>
-            <a:r>
-              <a:rPr lang="pt-BR" dirty="0" smtClean="0"/>
-              <a:t>enalizando </a:t>
-            </a:r>
-            <a:r>
-              <a:rPr lang="pt-BR" dirty="0"/>
-              <a:t>a c</a:t>
-            </a:r>
-            <a:r>
-              <a:rPr lang="pt-BR" dirty="0" smtClean="0"/>
-              <a:t>omplexidade dos modelos</a:t>
-            </a:r>
-            <a:endParaRPr lang="pt-BR" dirty="0"/>
+              <a:t>Regularização: penalizando a complexidade dos modelos</a:t>
+            </a:r>
           </a:p>
         </p:txBody>
       </p:sp>
@@ -11747,69 +11176,69 @@
           <a:lstStyle/>
           <a:p>
             <a:r>
-              <a:rPr lang="pt-BR" dirty="0" smtClean="0"/>
+              <a:rPr lang="pt-BR" dirty="0"/>
               <a:t>Grandes magnitudes dos pesos de um modelo são um claro sinal de um modelo mais complexo que sobreajustou os dados de treinamento.</a:t>
             </a:r>
           </a:p>
           <a:p>
             <a:r>
-              <a:rPr lang="pt-BR" b="1" i="1" dirty="0" smtClean="0"/>
+              <a:rPr lang="pt-BR" b="1" i="1" dirty="0"/>
               <a:t>Regularização</a:t>
             </a:r>
             <a:r>
-              <a:rPr lang="pt-BR" dirty="0" smtClean="0"/>
+              <a:rPr lang="pt-BR" dirty="0"/>
               <a:t>: deixar o modelo menos flexível (ou seja, complexo).</a:t>
             </a:r>
           </a:p>
           <a:p>
             <a:r>
-              <a:rPr lang="pt-BR" dirty="0" smtClean="0"/>
+              <a:rPr lang="pt-BR" dirty="0"/>
               <a:t>A ideia por trás da </a:t>
             </a:r>
             <a:r>
-              <a:rPr lang="pt-BR" b="1" i="1" dirty="0" smtClean="0"/>
+              <a:rPr lang="pt-BR" b="1" i="1" dirty="0"/>
               <a:t>regularização</a:t>
             </a:r>
             <a:r>
-              <a:rPr lang="pt-BR" dirty="0" smtClean="0"/>
+              <a:rPr lang="pt-BR" dirty="0"/>
               <a:t> é penalizar, explicitamente, </a:t>
             </a:r>
             <a:r>
-              <a:rPr lang="pt-BR" b="1" i="1" dirty="0" smtClean="0"/>
+              <a:rPr lang="pt-BR" b="1" i="1" dirty="0"/>
               <a:t>funções hipótese</a:t>
             </a:r>
             <a:r>
-              <a:rPr lang="pt-BR" dirty="0" smtClean="0"/>
+              <a:rPr lang="pt-BR" dirty="0"/>
               <a:t> complexas.</a:t>
             </a:r>
           </a:p>
           <a:p>
             <a:r>
-              <a:rPr lang="pt-BR" dirty="0" smtClean="0"/>
+              <a:rPr lang="pt-BR" dirty="0"/>
               <a:t>Técnicas de </a:t>
             </a:r>
             <a:r>
-              <a:rPr lang="pt-BR" b="1" i="1" dirty="0" smtClean="0"/>
+              <a:rPr lang="pt-BR" b="1" i="1" dirty="0"/>
               <a:t>regularização</a:t>
             </a:r>
             <a:r>
-              <a:rPr lang="pt-BR" dirty="0" smtClean="0"/>
+              <a:rPr lang="pt-BR" dirty="0"/>
               <a:t> reduzem o risco de </a:t>
             </a:r>
             <a:r>
-              <a:rPr lang="pt-BR" b="1" i="1" dirty="0" err="1" smtClean="0"/>
+              <a:rPr lang="pt-BR" b="1" i="1" dirty="0" err="1"/>
               <a:t>sobreajuste</a:t>
             </a:r>
             <a:r>
-              <a:rPr lang="pt-BR" dirty="0" smtClean="0"/>
+              <a:rPr lang="pt-BR" dirty="0"/>
               <a:t> do modelo ao conjunto de treinamento, aumentando sua capacidade de </a:t>
             </a:r>
             <a:r>
-              <a:rPr lang="pt-BR" b="1" i="1" dirty="0" smtClean="0"/>
+              <a:rPr lang="pt-BR" b="1" i="1" dirty="0"/>
               <a:t>generalização</a:t>
             </a:r>
             <a:r>
-              <a:rPr lang="pt-BR" dirty="0" smtClean="0"/>
+              <a:rPr lang="pt-BR" dirty="0"/>
               <a:t>.</a:t>
             </a:r>
           </a:p>
@@ -11819,104 +11248,103 @@
               <a:buChar char="§"/>
             </a:pPr>
             <a:r>
-              <a:rPr lang="pt-BR" dirty="0" smtClean="0"/>
+              <a:rPr lang="pt-BR" dirty="0"/>
               <a:t>Quanto menos graus de liberdade o modelo tiver, mais difícil será para ele se </a:t>
             </a:r>
             <a:r>
-              <a:rPr lang="pt-BR" b="1" i="1" dirty="0" err="1" smtClean="0"/>
+              <a:rPr lang="pt-BR" b="1" i="1" dirty="0" err="1"/>
               <a:t>sobreajustar</a:t>
             </a:r>
             <a:r>
-              <a:rPr lang="pt-BR" dirty="0" smtClean="0"/>
+              <a:rPr lang="pt-BR" dirty="0"/>
               <a:t> aos dados de treinamento.</a:t>
             </a:r>
           </a:p>
           <a:p>
             <a:r>
-              <a:rPr lang="pt-BR" dirty="0" smtClean="0"/>
+              <a:rPr lang="pt-BR" dirty="0"/>
               <a:t>O risco de </a:t>
             </a:r>
             <a:r>
-              <a:rPr lang="pt-BR" b="1" i="1" dirty="0" err="1" smtClean="0"/>
+              <a:rPr lang="pt-BR" b="1" i="1" dirty="0" err="1"/>
               <a:t>sobreajuste</a:t>
             </a:r>
             <a:r>
-              <a:rPr lang="pt-BR" dirty="0" smtClean="0"/>
+              <a:rPr lang="pt-BR" dirty="0"/>
               <a:t> é reduzido incorporando-se </a:t>
             </a:r>
             <a:r>
-              <a:rPr lang="pt-BR" b="1" i="1" dirty="0" smtClean="0"/>
+              <a:rPr lang="pt-BR" b="1" i="1" dirty="0"/>
               <a:t>penalizações </a:t>
             </a:r>
             <a:r>
-              <a:rPr lang="pt-BR" dirty="0" smtClean="0"/>
+              <a:rPr lang="pt-BR" dirty="0"/>
               <a:t>proporcionais a alguma </a:t>
             </a:r>
             <a:r>
-              <a:rPr lang="pt-BR" b="1" i="1" dirty="0" smtClean="0"/>
+              <a:rPr lang="pt-BR" b="1" i="1" dirty="0"/>
               <a:t>norma</a:t>
             </a:r>
             <a:r>
-              <a:rPr lang="pt-BR" dirty="0" smtClean="0"/>
+              <a:rPr lang="pt-BR" dirty="0"/>
               <a:t> do </a:t>
             </a:r>
             <a:r>
-              <a:rPr lang="pt-BR" b="1" i="1" dirty="0" smtClean="0"/>
+              <a:rPr lang="pt-BR" b="1" i="1" dirty="0"/>
               <a:t>vetor de pesos </a:t>
             </a:r>
             <a:r>
-              <a:rPr lang="pt-BR" dirty="0" smtClean="0"/>
+              <a:rPr lang="pt-BR" dirty="0"/>
               <a:t>ao processo de treinamento.</a:t>
             </a:r>
           </a:p>
           <a:p>
             <a:r>
-              <a:rPr lang="pt-BR" dirty="0" smtClean="0"/>
+              <a:rPr lang="pt-BR" dirty="0"/>
               <a:t>As principais técnicas de </a:t>
             </a:r>
             <a:r>
-              <a:rPr lang="pt-BR" b="1" i="1" dirty="0" smtClean="0"/>
+              <a:rPr lang="pt-BR" b="1" i="1" dirty="0"/>
               <a:t>regularização</a:t>
             </a:r>
             <a:r>
-              <a:rPr lang="pt-BR" dirty="0" smtClean="0"/>
+              <a:rPr lang="pt-BR" dirty="0"/>
               <a:t> são: </a:t>
             </a:r>
             <a:r>
-              <a:rPr lang="pt-BR" i="1" dirty="0" err="1" smtClean="0"/>
+              <a:rPr lang="pt-BR" i="1" dirty="0" err="1"/>
               <a:t>Rigde</a:t>
             </a:r>
             <a:r>
-              <a:rPr lang="pt-BR" dirty="0" smtClean="0"/>
+              <a:rPr lang="pt-BR" dirty="0"/>
               <a:t>, LASSO e </a:t>
             </a:r>
             <a:r>
-              <a:rPr lang="pt-BR" i="1" dirty="0" err="1" smtClean="0"/>
+              <a:rPr lang="pt-BR" i="1" dirty="0" err="1"/>
               <a:t>elastic</a:t>
             </a:r>
             <a:r>
-              <a:rPr lang="pt-BR" i="1" dirty="0" smtClean="0"/>
+              <a:rPr lang="pt-BR" i="1" dirty="0"/>
               <a:t>-net</a:t>
             </a:r>
             <a:r>
-              <a:rPr lang="pt-BR" dirty="0" smtClean="0"/>
+              <a:rPr lang="pt-BR" dirty="0"/>
               <a:t>.</a:t>
             </a:r>
           </a:p>
           <a:p>
             <a:r>
-              <a:rPr lang="pt-BR" dirty="0" smtClean="0"/>
+              <a:rPr lang="pt-BR" dirty="0"/>
               <a:t>A </a:t>
             </a:r>
             <a:r>
-              <a:rPr lang="pt-BR" b="1" i="1" dirty="0" smtClean="0"/>
+              <a:rPr lang="pt-BR" b="1" i="1" dirty="0"/>
               <a:t>regularização</a:t>
             </a:r>
             <a:r>
-              <a:rPr lang="pt-BR" dirty="0" smtClean="0"/>
+              <a:rPr lang="pt-BR" dirty="0"/>
               <a:t> força o algoritmo de aprendizado não apenas a se ajustar aos dados, mas também a manter os pesos do modelo os menores possíveis.</a:t>
             </a:r>
-            <a:endParaRPr lang="pt-BR" dirty="0"/>
           </a:p>
         </p:txBody>
       </p:sp>
@@ -11930,13 +11358,6 @@
   <p:clrMapOvr>
     <a:masterClrMapping/>
   </p:clrMapOvr>
-  <p:timing>
-    <p:tnLst>
-      <p:par>
-        <p:cTn id="1" dur="indefinite" restart="never" nodeType="tmRoot"/>
-      </p:par>
-    </p:tnLst>
-  </p:timing>
 </p:sld>
 </file>
 
@@ -11974,13 +11395,8 @@
           <a:p>
             <a:r>
               <a:rPr lang="pt-BR" dirty="0"/>
-              <a:t>Ridge </a:t>
-            </a:r>
-            <a:r>
-              <a:rPr lang="pt-BR" dirty="0" smtClean="0"/>
-              <a:t>Regression</a:t>
-            </a:r>
-            <a:endParaRPr lang="pt-BR" dirty="0"/>
+              <a:t>Ridge Regression</a:t>
+            </a:r>
           </a:p>
         </p:txBody>
       </p:sp>
@@ -12249,7 +11665,7 @@
                   </m:oMath>
                 </a14:m>
                 <a:r>
-                  <a:rPr lang="pt-BR" sz="2400" dirty="0" smtClean="0"/>
+                  <a:rPr lang="pt-BR" sz="2400" dirty="0"/>
                   <a:t> com </a:t>
                 </a:r>
                 <a14:m>
@@ -12438,14 +11854,10 @@
                 </a:r>
                 <a:r>
                   <a:rPr lang="pt-BR" b="1" i="1" dirty="0"/>
-                  <a:t>fator de </a:t>
-                </a:r>
-                <a:r>
-                  <a:rPr lang="pt-BR" b="1" i="1" dirty="0" smtClean="0"/>
-                  <a:t>regularização</a:t>
-                </a:r>
-                <a:r>
-                  <a:rPr lang="pt-BR" dirty="0" smtClean="0"/>
+                  <a:t>fator de regularização</a:t>
+                </a:r>
+                <a:r>
+                  <a:rPr lang="pt-BR" dirty="0"/>
                   <a:t>, </a:t>
                 </a:r>
                 <a14:m>
@@ -12484,11 +11896,7 @@
                 </a:r>
                 <a:r>
                   <a:rPr lang="pt-BR" dirty="0"/>
-                  <a:t>é o vetor de </a:t>
-                </a:r>
-                <a:r>
-                  <a:rPr lang="pt-BR" dirty="0" smtClean="0"/>
-                  <a:t>pesos.</a:t>
+                  <a:t>é o vetor de pesos.</a:t>
                 </a:r>
               </a:p>
               <a:p>
@@ -12501,12 +11909,8 @@
                   <a:t>problema de regularização </a:t>
                 </a:r>
                 <a:r>
-                  <a:rPr lang="pt-BR" dirty="0" smtClean="0"/>
-                  <a:t>como </a:t>
-                </a:r>
-                <a:r>
-                  <a:rPr lang="pt-BR" dirty="0"/>
-                  <a:t>um </a:t>
+                  <a:rPr lang="pt-BR" dirty="0"/>
+                  <a:t>como um </a:t>
                 </a:r>
                 <a:r>
                   <a:rPr lang="pt-BR" b="1" i="1" dirty="0"/>
@@ -12790,12 +12194,8 @@
                   <a:t>restringe a magnitude dos pesos </a:t>
                 </a:r>
                 <a:r>
-                  <a:rPr lang="pt-BR" dirty="0" smtClean="0"/>
-                  <a:t>e </a:t>
-                </a:r>
-                <a:r>
-                  <a:rPr lang="pt-BR" dirty="0"/>
-                  <a:t>é inversamente proporcional à </a:t>
+                  <a:rPr lang="pt-BR" dirty="0"/>
+                  <a:t>e é inversamente proporcional à </a:t>
                 </a:r>
                 <a14:m>
                   <m:oMath xmlns:m="http://schemas.openxmlformats.org/officeDocument/2006/math">
@@ -12809,13 +12209,13 @@
                   </m:oMath>
                 </a14:m>
                 <a:r>
-                  <a:rPr lang="pt-BR" dirty="0" smtClean="0"/>
+                  <a:rPr lang="pt-BR" dirty="0"/>
                   <a:t>.</a:t>
                 </a:r>
               </a:p>
               <a:p>
                 <a:r>
-                  <a:rPr lang="pt-BR" dirty="0" smtClean="0"/>
+                  <a:rPr lang="pt-BR" dirty="0"/>
                   <a:t>Portanto, </a:t>
                 </a:r>
                 <a14:m>
@@ -12830,13 +12230,13 @@
                   </m:oMath>
                 </a14:m>
                 <a:r>
-                  <a:rPr lang="pt-BR" dirty="0" smtClean="0"/>
+                  <a:rPr lang="pt-BR" dirty="0"/>
                   <a:t> altera a complexidade (ou seja, a flexibilidade) da função hipótese.</a:t>
                 </a:r>
               </a:p>
               <a:p>
                 <a:r>
-                  <a:rPr lang="pt-BR" b="1" dirty="0" smtClean="0"/>
+                  <a:rPr lang="pt-BR" b="1" dirty="0"/>
                   <a:t>OBS</a:t>
                 </a:r>
                 <a:r>
@@ -12874,31 +12274,23 @@
                 </a14:m>
                 <a:r>
                   <a:rPr lang="pt-BR" dirty="0"/>
-                  <a:t> não é considerado no cálculo </a:t>
-                </a:r>
-                <a:r>
-                  <a:rPr lang="pt-BR" dirty="0" smtClean="0"/>
-                  <a:t>da </a:t>
-                </a:r>
-                <a:r>
-                  <a:rPr lang="pt-BR" b="1" i="1" dirty="0" smtClean="0"/>
+                  <a:t> não é considerado no cálculo da </a:t>
+                </a:r>
+                <a:r>
+                  <a:rPr lang="pt-BR" b="1" i="1" dirty="0"/>
                   <a:t>norma L2</a:t>
                 </a:r>
                 <a:r>
-                  <a:rPr lang="pt-BR" dirty="0" smtClean="0"/>
+                  <a:rPr lang="pt-BR" dirty="0"/>
                   <a:t>, pois a </a:t>
                 </a:r>
                 <a:r>
-                  <a:rPr lang="pt-BR" b="1" i="1" dirty="0" smtClean="0"/>
+                  <a:rPr lang="pt-BR" b="1" i="1" dirty="0"/>
                   <a:t>complexidade</a:t>
                 </a:r>
                 <a:r>
-                  <a:rPr lang="pt-BR" dirty="0" smtClean="0"/>
-                  <a:t> </a:t>
-                </a:r>
-                <a:r>
-                  <a:rPr lang="pt-BR" dirty="0"/>
-                  <a:t>se deve à ordem do modelo e </a:t>
+                  <a:rPr lang="pt-BR" dirty="0"/>
+                  <a:t> se deve à ordem do modelo e </a:t>
                 </a:r>
                 <a14:m>
                   <m:oMath xmlns:m="http://schemas.openxmlformats.org/officeDocument/2006/math">
@@ -12944,7 +12336,7 @@
                   </m:oMath>
                 </a14:m>
                 <a:r>
-                  <a:rPr lang="pt-BR" dirty="0" smtClean="0"/>
+                  <a:rPr lang="pt-BR" dirty="0"/>
                   <a:t>.</a:t>
                 </a:r>
               </a:p>
@@ -13102,7 +12494,7 @@
                   <a:buChar char="•"/>
                 </a:pPr>
                 <a:r>
-                  <a:rPr lang="pt-BR" sz="1400" dirty="0" smtClean="0"/>
+                  <a:rPr lang="pt-BR" sz="1400" dirty="0"/>
                   <a:t>Se </a:t>
                 </a:r>
                 <a14:m>
@@ -13117,7 +12509,7 @@
                   </m:oMath>
                 </a14:m>
                 <a:r>
-                  <a:rPr lang="pt-BR" sz="1400" dirty="0" smtClean="0"/>
+                  <a:rPr lang="pt-BR" sz="1400" dirty="0"/>
                   <a:t> diminui, </a:t>
                 </a:r>
                 <a14:m>
@@ -13175,7 +12567,7 @@
                   </m:oMath>
                 </a14:m>
                 <a:r>
-                  <a:rPr lang="pt-BR" sz="1400" dirty="0" smtClean="0"/>
+                  <a:rPr lang="pt-BR" sz="1400" dirty="0"/>
                   <a:t> também diminui até que se </a:t>
                 </a:r>
                 <a14:m>
@@ -13204,7 +12596,7 @@
                   </m:oMath>
                 </a14:m>
                 <a:r>
-                  <a:rPr lang="pt-BR" sz="1400" dirty="0" smtClean="0"/>
+                  <a:rPr lang="pt-BR" sz="1400" dirty="0"/>
                   <a:t>, então </a:t>
                 </a:r>
                 <a14:m>
@@ -13247,7 +12639,7 @@
                   </m:oMath>
                 </a14:m>
                 <a:r>
-                  <a:rPr lang="pt-BR" sz="1400" dirty="0" smtClean="0"/>
+                  <a:rPr lang="pt-BR" sz="1400" dirty="0"/>
                   <a:t>.</a:t>
                 </a:r>
               </a:p>
@@ -13330,7 +12722,7 @@
                   </m:oMath>
                 </a14:m>
                 <a:r>
-                  <a:rPr lang="pt-BR" sz="1400" dirty="0" smtClean="0"/>
+                  <a:rPr lang="pt-BR" sz="1400" dirty="0"/>
                   <a:t> pode assumir valores maiores até que se </a:t>
                 </a:r>
                 <a14:m>
@@ -13352,7 +12744,7 @@
                   </m:oMath>
                 </a14:m>
                 <a:r>
-                  <a:rPr lang="pt-BR" sz="1400" dirty="0" smtClean="0"/>
+                  <a:rPr lang="pt-BR" sz="1400" dirty="0"/>
                   <a:t>, então </a:t>
                 </a:r>
                 <a14:m>
@@ -13388,7 +12780,7 @@
                   </m:oMath>
                 </a14:m>
                 <a:r>
-                  <a:rPr lang="pt-BR" sz="1400" dirty="0" smtClean="0"/>
+                  <a:rPr lang="pt-BR" sz="1400" dirty="0"/>
                   <a:t> pode assumir qualquer valor. </a:t>
                 </a:r>
               </a:p>
@@ -13416,18 +12808,9 @@
                   </m:oMath>
                 </a14:m>
                 <a:r>
-                  <a:rPr lang="pt-BR" sz="1400" dirty="0" smtClean="0"/>
-                  <a:t> define o tamanho da região </a:t>
-                </a:r>
-                <a:r>
                   <a:rPr lang="pt-BR" sz="1400" dirty="0"/>
-                  <a:t>de </a:t>
-                </a:r>
-                <a:r>
-                  <a:rPr lang="pt-BR" sz="1400" dirty="0" smtClean="0"/>
-                  <a:t>factibilidade.</a:t>
-                </a:r>
-                <a:endParaRPr lang="pt-BR" sz="1400" dirty="0"/>
+                  <a:t> define o tamanho da região de factibilidade.</a:t>
+                </a:r>
               </a:p>
             </p:txBody>
           </p:sp>
@@ -13601,19 +12984,11 @@
               <a:lstStyle/>
               <a:p>
                 <a:r>
-                  <a:rPr lang="pt-BR" sz="1200" b="1" dirty="0" smtClean="0"/>
-                  <a:t>Região </a:t>
-                </a:r>
-                <a:r>
                   <a:rPr lang="pt-BR" sz="1200" b="1" dirty="0"/>
-                  <a:t>de </a:t>
-                </a:r>
-                <a:r>
-                  <a:rPr lang="pt-BR" sz="1200" b="1" dirty="0" smtClean="0"/>
-                  <a:t>factibilidade</a:t>
-                </a:r>
-                <a:r>
-                  <a:rPr lang="pt-BR" sz="1200" dirty="0" smtClean="0"/>
+                  <a:t>Região de factibilidade</a:t>
+                </a:r>
+                <a:r>
+                  <a:rPr lang="pt-BR" sz="1200" dirty="0"/>
                   <a:t>: possíveis valores que os pesos podem assumir. O raio do círculo é dado pelo fator de regularização, </a:t>
                 </a:r>
                 <a14:m>
@@ -13628,10 +13003,9 @@
                   </m:oMath>
                 </a14:m>
                 <a:r>
-                  <a:rPr lang="pt-BR" sz="1200" dirty="0" smtClean="0"/>
+                  <a:rPr lang="pt-BR" sz="1200" dirty="0"/>
                   <a:t>.</a:t>
                 </a:r>
-                <a:endParaRPr lang="pt-BR" sz="1200" dirty="0"/>
               </a:p>
             </p:txBody>
           </p:sp>
@@ -13723,13 +13097,6 @@
   <p:clrMapOvr>
     <a:masterClrMapping/>
   </p:clrMapOvr>
-  <p:timing>
-    <p:tnLst>
-      <p:par>
-        <p:cTn id="1" dur="indefinite" restart="never" nodeType="tmRoot"/>
-      </p:par>
-    </p:tnLst>
-  </p:timing>
 </p:sld>
 </file>
 
@@ -13946,7 +13313,7 @@
                   <a:t>equação normal</a:t>
                 </a:r>
                 <a:r>
-                  <a:rPr lang="pt-BR" dirty="0" smtClean="0"/>
+                  <a:rPr lang="pt-BR" dirty="0"/>
                   <a:t>:</a:t>
                 </a:r>
                 <a:endParaRPr lang="pt-BR" b="1" i="1" dirty="0">
@@ -14695,14 +14062,10 @@
                 </a:r>
                 <a:r>
                   <a:rPr lang="pt-BR" b="1" i="1" dirty="0"/>
-                  <a:t>algoritmo do gradiente </a:t>
-                </a:r>
-                <a:r>
-                  <a:rPr lang="pt-BR" b="1" i="1" dirty="0" smtClean="0"/>
-                  <a:t>descendente</a:t>
-                </a:r>
-                <a:r>
-                  <a:rPr lang="pt-BR" dirty="0" smtClean="0"/>
+                  <a:t>algoritmo do gradiente descendente</a:t>
+                </a:r>
+                <a:r>
+                  <a:rPr lang="pt-BR" dirty="0"/>
                   <a:t>.</a:t>
                 </a:r>
               </a:p>
@@ -14712,7 +14075,7 @@
                   <a:buChar char="§"/>
                 </a:pPr>
                 <a:r>
-                  <a:rPr lang="pt-BR" b="1" dirty="0" smtClean="0"/>
+                  <a:rPr lang="pt-BR" b="1" dirty="0"/>
                   <a:t>OBS.3</a:t>
                 </a:r>
                 <a:r>
@@ -14725,21 +14088,8 @@
                 </a:r>
                 <a:r>
                   <a:rPr lang="pt-BR" dirty="0"/>
-                  <a:t>deve ser adicionado apenas à função de erro durante o treinamento. Depois que o modelo é treinado, a avaliação </a:t>
-                </a:r>
-                <a:r>
-                  <a:rPr lang="pt-BR" dirty="0" smtClean="0"/>
-                  <a:t>do seu desempenho não </a:t>
-                </a:r>
-                <a:r>
-                  <a:rPr lang="pt-BR" dirty="0"/>
-                  <a:t>utiliza a regularização</a:t>
-                </a:r>
-                <a:r>
-                  <a:rPr lang="pt-BR" dirty="0" smtClean="0"/>
-                  <a:t>.</a:t>
-                </a:r>
-                <a:endParaRPr lang="pt-BR" dirty="0"/>
+                  <a:t>deve ser adicionado apenas à função de erro durante o treinamento. Depois que o modelo é treinado, a avaliação do seu desempenho não utiliza a regularização.</a:t>
+                </a:r>
               </a:p>
             </p:txBody>
           </p:sp>
@@ -14916,15 +14266,7 @@
           <a:p>
             <a:r>
               <a:rPr lang="pt-BR" dirty="0"/>
-              <a:t>Ridge </a:t>
-            </a:r>
-            <a:r>
-              <a:rPr lang="pt-BR" dirty="0" smtClean="0"/>
-              <a:t>Regression</a:t>
-            </a:r>
-            <a:r>
-              <a:rPr lang="pt-BR" dirty="0"/>
-              <a:t>: Exemplo</a:t>
+              <a:t>Ridge Regression: Exemplo</a:t>
             </a:r>
           </a:p>
         </p:txBody>
@@ -14954,7 +14296,7 @@
               <a:lstStyle/>
               <a:p>
                 <a:r>
-                  <a:rPr lang="pt-BR" dirty="0" smtClean="0"/>
+                  <a:rPr lang="pt-BR" dirty="0"/>
                   <a:t>Função observável: </a:t>
                 </a:r>
                 <a14:m>
@@ -15116,24 +14458,15 @@
                   <a:rPr lang="pt-BR" dirty="0"/>
                   <a:t>.</a:t>
                 </a:r>
-                <a:endParaRPr lang="pt-BR" dirty="0" smtClean="0"/>
-              </a:p>
-              <a:p>
-                <a:r>
-                  <a:rPr lang="pt-BR" b="1" i="1" dirty="0" smtClean="0"/>
-                  <a:t>Função </a:t>
-                </a:r>
+              </a:p>
+              <a:p>
                 <a:r>
                   <a:rPr lang="pt-BR" b="1" i="1" dirty="0"/>
-                  <a:t>hipótese polinomial </a:t>
-                </a:r>
-                <a:r>
-                  <a:rPr lang="pt-BR" dirty="0"/>
-                  <a:t>de </a:t>
-                </a:r>
-                <a:r>
-                  <a:rPr lang="pt-BR" dirty="0" smtClean="0"/>
-                  <a:t>ordem 15 treinada com 30 amostras geradas a partir de </a:t>
+                  <a:t>Função hipótese polinomial </a:t>
+                </a:r>
+                <a:r>
+                  <a:rPr lang="pt-BR" dirty="0"/>
+                  <a:t>de ordem 15 treinada com 30 amostras geradas a partir de </a:t>
                 </a:r>
                 <a14:m>
                   <m:oMath xmlns:m="http://schemas.openxmlformats.org/officeDocument/2006/math">
@@ -15168,13 +14501,13 @@
                   </m:oMath>
                 </a14:m>
                 <a:r>
-                  <a:rPr lang="pt-BR" dirty="0" smtClean="0"/>
+                  <a:rPr lang="pt-BR" dirty="0"/>
                   <a:t>.</a:t>
                 </a:r>
               </a:p>
               <a:p>
                 <a:r>
-                  <a:rPr lang="pt-BR" dirty="0" smtClean="0"/>
+                  <a:rPr lang="pt-BR" dirty="0"/>
                   <a:t>Com </a:t>
                 </a:r>
                 <a14:m>
@@ -15200,14 +14533,13 @@
                   <a:t>, regressão </a:t>
                 </a:r>
                 <a:r>
-                  <a:rPr lang="pt-BR" dirty="0" err="1" smtClean="0"/>
+                  <a:rPr lang="pt-BR" dirty="0" err="1"/>
                   <a:t>Ridge</a:t>
                 </a:r>
                 <a:r>
-                  <a:rPr lang="pt-BR" dirty="0" smtClean="0"/>
+                  <a:rPr lang="pt-BR" dirty="0"/>
                   <a:t> se torna uma regressão polinomial sem regularização e sobreajusta.</a:t>
                 </a:r>
-                <a:endParaRPr lang="pt-BR" dirty="0"/>
               </a:p>
               <a:p>
                 <a:r>
@@ -15227,15 +14559,7 @@
                 </a14:m>
                 <a:r>
                   <a:rPr lang="pt-BR" dirty="0"/>
-                  <a:t> aumenta, o modelo </a:t>
-                </a:r>
-                <a:r>
-                  <a:rPr lang="pt-BR" dirty="0" smtClean="0"/>
-                  <a:t>se </a:t>
-                </a:r>
-                <a:r>
-                  <a:rPr lang="pt-BR" dirty="0"/>
-                  <a:t>“</a:t>
+                  <a:t> aumenta, o modelo se “</a:t>
                 </a:r>
                 <a:r>
                   <a:rPr lang="pt-BR" i="1" dirty="0"/>
@@ -15243,13 +14567,8 @@
                 </a:r>
                 <a:r>
                   <a:rPr lang="pt-BR" dirty="0"/>
-                  <a:t> </a:t>
-                </a:r>
-                <a:r>
-                  <a:rPr lang="pt-BR" dirty="0" smtClean="0"/>
-                  <a:t>menos e passa a se ajustar à função verdadeira.</a:t>
-                </a:r>
-                <a:endParaRPr lang="pt-BR" dirty="0"/>
+                  <a:t> menos e passa a se ajustar à função verdadeira.</a:t>
+                </a:r>
               </a:p>
               <a:p>
                 <a:r>
@@ -15268,20 +14587,8 @@
                   </m:oMath>
                 </a14:m>
                 <a:r>
-                  <a:rPr lang="pt-BR" dirty="0" smtClean="0"/>
-                  <a:t> continuar aumentando, </a:t>
-                </a:r>
-                <a:r>
-                  <a:rPr lang="pt-BR" dirty="0"/>
-                  <a:t>todos os pesos acabarão muito próximos de zero e o resultado será </a:t>
-                </a:r>
-                <a:r>
-                  <a:rPr lang="pt-BR" dirty="0" smtClean="0"/>
-                  <a:t>uma reta </a:t>
-                </a:r>
-                <a:r>
-                  <a:rPr lang="pt-BR" dirty="0"/>
-                  <a:t>que passa pela </a:t>
+                  <a:rPr lang="pt-BR" dirty="0"/>
+                  <a:t> continuar aumentando, todos os pesos acabarão muito próximos de zero e o resultado será uma reta que passa pela </a:t>
                 </a:r>
                 <a:r>
                   <a:rPr lang="pt-BR" b="1" i="1" dirty="0"/>
@@ -15310,7 +14617,7 @@
               </a:p>
               <a:p>
                 <a:r>
-                  <a:rPr lang="pt-BR" b="1" dirty="0" smtClean="0">
+                  <a:rPr lang="pt-BR" b="1" dirty="0">
                     <a:solidFill>
                       <a:srgbClr val="00B050"/>
                     </a:solidFill>
@@ -15337,34 +14644,18 @@
                       <a:srgbClr val="00B050"/>
                     </a:solidFill>
                   </a:rPr>
-                  <a:t> leva a hipóteses </a:t>
-                </a:r>
-                <a:r>
-                  <a:rPr lang="pt-BR" b="1" dirty="0" smtClean="0">
-                    <a:solidFill>
-                      <a:srgbClr val="00B050"/>
-                    </a:solidFill>
-                  </a:rPr>
-                  <a:t>menos complexas. </a:t>
-                </a:r>
-                <a:r>
-                  <a:rPr lang="pt-BR" dirty="0" smtClean="0"/>
-                  <a:t>Isso </a:t>
-                </a:r>
-                <a:r>
-                  <a:rPr lang="pt-BR" dirty="0"/>
-                  <a:t>reduz a variância do modelo, mas aumenta seu bias. Ou seja, </a:t>
-                </a:r>
-                <a:r>
-                  <a:rPr lang="pt-BR" dirty="0" smtClean="0"/>
-                  <a:t>ele tende a </a:t>
-                </a:r>
-                <a:r>
-                  <a:rPr lang="pt-BR" b="1" i="1" dirty="0" smtClean="0"/>
+                  <a:t> leva a hipóteses menos complexas. </a:t>
+                </a:r>
+                <a:r>
+                  <a:rPr lang="pt-BR" dirty="0"/>
+                  <a:t>Isso reduz a variância do modelo, mas aumenta seu bias. Ou seja, ele tende a </a:t>
+                </a:r>
+                <a:r>
+                  <a:rPr lang="pt-BR" b="1" i="1" dirty="0"/>
                   <a:t>subajustar</a:t>
                 </a:r>
                 <a:r>
-                  <a:rPr lang="pt-BR" dirty="0" smtClean="0"/>
+                  <a:rPr lang="pt-BR" dirty="0"/>
                   <a:t>.</a:t>
                 </a:r>
               </a:p>
@@ -15386,32 +14677,20 @@
                 </a14:m>
                 <a:r>
                   <a:rPr lang="pt-BR" dirty="0"/>
-                  <a:t> aumenta, os pesos </a:t>
-                </a:r>
-                <a:r>
-                  <a:rPr lang="pt-BR" dirty="0" smtClean="0"/>
-                  <a:t>e a </a:t>
-                </a:r>
-                <a:r>
-                  <a:rPr lang="pt-BR" dirty="0"/>
-                  <a:t>norma L2 do vetor de </a:t>
-                </a:r>
-                <a:r>
-                  <a:rPr lang="pt-BR" dirty="0" smtClean="0"/>
-                  <a:t>pesos diminuem (figuras 4 e 5).</a:t>
-                </a:r>
-              </a:p>
-              <a:p>
-                <a:r>
-                  <a:rPr lang="pt-BR" dirty="0" smtClean="0"/>
+                  <a:t> aumenta, os pesos e a norma L2 do vetor de pesos diminuem (figuras 4 e 5).</a:t>
+                </a:r>
+              </a:p>
+              <a:p>
+                <a:r>
+                  <a:rPr lang="pt-BR" dirty="0"/>
                   <a:t>Devemos utilizamos técnicas de </a:t>
                 </a:r>
                 <a:r>
-                  <a:rPr lang="pt-BR" b="1" i="1" dirty="0" smtClean="0"/>
+                  <a:rPr lang="pt-BR" b="1" i="1" dirty="0"/>
                   <a:t>validação cruzada </a:t>
                 </a:r>
                 <a:r>
-                  <a:rPr lang="pt-BR" dirty="0" smtClean="0"/>
+                  <a:rPr lang="pt-BR" dirty="0"/>
                   <a:t>para encontrar o valor ideal de </a:t>
                 </a:r>
                 <a14:m>
@@ -15426,10 +14705,9 @@
                   </m:oMath>
                 </a14:m>
                 <a:r>
-                  <a:rPr lang="pt-BR" dirty="0" smtClean="0"/>
+                  <a:rPr lang="pt-BR" dirty="0"/>
                   <a:t>.</a:t>
                 </a:r>
-                <a:endParaRPr lang="pt-BR" dirty="0"/>
               </a:p>
             </p:txBody>
           </p:sp>
@@ -15674,7 +14952,7 @@
           <a:lstStyle/>
           <a:p>
             <a:r>
-              <a:rPr lang="pt-BR" sz="2000" b="1" dirty="0" smtClean="0">
+              <a:rPr lang="pt-BR" sz="2000" b="1" dirty="0">
                 <a:solidFill>
                   <a:srgbClr val="FF0000"/>
                 </a:solidFill>
@@ -15739,7 +15017,7 @@
               <a:p>
                 <a:pPr algn="ctr"/>
                 <a:r>
-                  <a:rPr lang="pt-BR" sz="1400" dirty="0" smtClean="0"/>
+                  <a:rPr lang="pt-BR" sz="1400" dirty="0"/>
                   <a:t>Valor dos pesos diminiu, mas só zera para valores muito grandes de </a:t>
                 </a:r>
                 <a14:m>
@@ -15754,10 +15032,9 @@
                   </m:oMath>
                 </a14:m>
                 <a:r>
-                  <a:rPr lang="pt-BR" sz="1400" dirty="0" smtClean="0"/>
+                  <a:rPr lang="pt-BR" sz="1400" dirty="0"/>
                   <a:t>.</a:t>
                 </a:r>
-                <a:endParaRPr lang="pt-BR" sz="1400" dirty="0"/>
               </a:p>
             </p:txBody>
           </p:sp>
@@ -15857,13 +15134,6 @@
   <p:clrMapOvr>
     <a:masterClrMapping/>
   </p:clrMapOvr>
-  <p:timing>
-    <p:tnLst>
-      <p:par>
-        <p:cTn id="1" dur="indefinite" restart="never" nodeType="tmRoot"/>
-      </p:par>
-    </p:tnLst>
-  </p:timing>
 </p:sld>
 </file>
 
@@ -15901,13 +15171,8 @@
           <a:p>
             <a:r>
               <a:rPr lang="pt-BR" dirty="0"/>
-              <a:t>LASSO </a:t>
-            </a:r>
-            <a:r>
-              <a:rPr lang="pt-BR" dirty="0" smtClean="0"/>
-              <a:t>Regression</a:t>
-            </a:r>
-            <a:endParaRPr lang="pt-BR" dirty="0"/>
+              <a:t>LASSO Regression</a:t>
+            </a:r>
           </a:p>
         </p:txBody>
       </p:sp>
@@ -15936,7 +15201,7 @@
               <a:lstStyle/>
               <a:p>
                 <a:r>
-                  <a:rPr lang="pt-BR" dirty="0" smtClean="0"/>
+                  <a:rPr lang="pt-BR" dirty="0"/>
                   <a:t>A </a:t>
                 </a:r>
                 <a:r>
@@ -15965,11 +15230,7 @@
                 </a:r>
                 <a:r>
                   <a:rPr lang="pt-BR" b="1" dirty="0"/>
-                  <a:t>norma </a:t>
-                </a:r>
-                <a:r>
-                  <a:rPr lang="pt-BR" b="1" dirty="0" smtClean="0"/>
-                  <a:t>L1 </a:t>
+                  <a:t>norma L1 </a:t>
                 </a:r>
                 <a:r>
                   <a:rPr lang="pt-BR" dirty="0"/>
@@ -16167,10 +15428,9 @@
                   </m:oMath>
                 </a14:m>
                 <a:r>
-                  <a:rPr lang="pt-BR" dirty="0" smtClean="0"/>
+                  <a:rPr lang="pt-BR" dirty="0"/>
                   <a:t>,</a:t>
                 </a:r>
-                <a:endParaRPr lang="pt-BR" dirty="0"/>
               </a:p>
               <a:p>
                 <a:pPr marL="0" indent="0">
@@ -16364,18 +15624,14 @@
                   <a:t>fator de regularização</a:t>
                 </a:r>
                 <a:r>
-                  <a:rPr lang="pt-BR" dirty="0" smtClean="0"/>
+                  <a:rPr lang="pt-BR" dirty="0"/>
                   <a:t>.</a:t>
                 </a:r>
               </a:p>
               <a:p>
                 <a:r>
-                  <a:rPr lang="pt-BR" dirty="0" smtClean="0"/>
-                  <a:t>Podemos </a:t>
-                </a:r>
-                <a:r>
-                  <a:rPr lang="pt-BR" dirty="0"/>
-                  <a:t>re-escrever o </a:t>
+                  <a:rPr lang="pt-BR" dirty="0"/>
+                  <a:t>Podemos re-escrever o </a:t>
                 </a:r>
                 <a:r>
                   <a:rPr lang="pt-BR" b="1" i="1" dirty="0"/>
@@ -16665,21 +15921,20 @@
                   </m:oMath>
                 </a14:m>
                 <a:r>
-                  <a:rPr lang="pt-BR" b="1" i="1" dirty="0" smtClean="0"/>
+                  <a:rPr lang="pt-BR" b="1" i="1" dirty="0"/>
                   <a:t>.</a:t>
                 </a:r>
-                <a:endParaRPr lang="pt-BR" b="1" i="1" dirty="0"/>
               </a:p>
               <a:p>
                 <a:pPr marL="0" indent="0">
                   <a:buNone/>
                 </a:pPr>
                 <a:r>
-                  <a:rPr lang="pt-BR" b="1" dirty="0" smtClean="0"/>
+                  <a:rPr lang="pt-BR" b="1" dirty="0"/>
                   <a:t>OBS</a:t>
                 </a:r>
                 <a:r>
-                  <a:rPr lang="pt-BR" dirty="0" smtClean="0"/>
+                  <a:rPr lang="pt-BR" dirty="0"/>
                   <a:t>.: </a:t>
                 </a:r>
                 <a14:m>
@@ -16903,22 +16158,13 @@
           <a:lstStyle/>
           <a:p>
             <a:r>
-              <a:rPr lang="pt-BR" sz="1200" b="1" dirty="0" smtClean="0"/>
-              <a:t>Região </a:t>
-            </a:r>
-            <a:r>
               <a:rPr lang="pt-BR" sz="1200" b="1" dirty="0"/>
-              <a:t>de </a:t>
-            </a:r>
-            <a:r>
-              <a:rPr lang="pt-BR" sz="1200" b="1" dirty="0" smtClean="0"/>
-              <a:t>factibilidade</a:t>
-            </a:r>
-            <a:r>
-              <a:rPr lang="pt-BR" sz="1200" dirty="0" smtClean="0"/>
+              <a:t>Região de factibilidade</a:t>
+            </a:r>
+            <a:r>
+              <a:rPr lang="pt-BR" sz="1200" dirty="0"/>
               <a:t>: possíveis valores que os pesos podem assumir. A área do quadrado é dada pelo fator de regularização.</a:t>
             </a:r>
-            <a:endParaRPr lang="pt-BR" sz="1200" dirty="0"/>
           </a:p>
         </p:txBody>
       </p:sp>
@@ -16968,13 +16214,6 @@
   <p:clrMapOvr>
     <a:masterClrMapping/>
   </p:clrMapOvr>
-  <p:timing>
-    <p:tnLst>
-      <p:par>
-        <p:cTn id="1" dur="indefinite" restart="never" nodeType="tmRoot"/>
-      </p:par>
-    </p:tnLst>
-  </p:timing>
 </p:sld>
 </file>
 
@@ -17017,13 +16256,8 @@
           <a:p>
             <a:r>
               <a:rPr lang="pt-BR" dirty="0"/>
-              <a:t>LASSO </a:t>
-            </a:r>
-            <a:r>
-              <a:rPr lang="pt-BR" dirty="0" smtClean="0"/>
-              <a:t>Regression</a:t>
-            </a:r>
-            <a:endParaRPr lang="pt-BR" dirty="0"/>
+              <a:t>LASSO Regression</a:t>
+            </a:r>
           </a:p>
         </p:txBody>
       </p:sp>
@@ -17052,13 +16286,13 @@
               <a:lstStyle/>
               <a:p>
                 <a:r>
-                  <a:rPr lang="pt-BR" dirty="0" smtClean="0"/>
+                  <a:rPr lang="pt-BR" dirty="0"/>
                   <a:t>Mesmas funções observável e hipótese do exemplo anterior.</a:t>
                 </a:r>
               </a:p>
               <a:p>
                 <a:r>
-                  <a:rPr lang="pt-BR" dirty="0" smtClean="0"/>
+                  <a:rPr lang="pt-BR" dirty="0"/>
                   <a:t>Valores pequenos de </a:t>
                 </a:r>
                 <a14:m>
@@ -17073,45 +16307,45 @@
                   </m:oMath>
                 </a14:m>
                 <a:r>
-                  <a:rPr lang="pt-BR" dirty="0" smtClean="0"/>
+                  <a:rPr lang="pt-BR" dirty="0"/>
                   <a:t> fazem o </a:t>
                 </a:r>
                 <a:r>
-                  <a:rPr lang="pt-BR" dirty="0" err="1" smtClean="0"/>
+                  <a:rPr lang="pt-BR" dirty="0" err="1"/>
                   <a:t>regressor</a:t>
                 </a:r>
                 <a:r>
-                  <a:rPr lang="pt-BR" dirty="0" smtClean="0"/>
+                  <a:rPr lang="pt-BR" dirty="0"/>
                   <a:t> LASSO se comportar com um </a:t>
                 </a:r>
                 <a:r>
-                  <a:rPr lang="pt-BR" dirty="0" err="1" smtClean="0"/>
+                  <a:rPr lang="pt-BR" dirty="0" err="1"/>
                   <a:t>regressor</a:t>
                 </a:r>
                 <a:r>
-                  <a:rPr lang="pt-BR" dirty="0" smtClean="0"/>
+                  <a:rPr lang="pt-BR" dirty="0"/>
                   <a:t> tradicional e valores muito grandes fazem os pesos serem anulados.</a:t>
                 </a:r>
               </a:p>
               <a:p>
                 <a:r>
-                  <a:rPr lang="pt-BR" dirty="0" smtClean="0"/>
+                  <a:rPr lang="pt-BR" dirty="0"/>
                   <a:t>A regularização com </a:t>
                 </a:r>
                 <a:r>
-                  <a:rPr lang="pt-BR" b="1" i="1" dirty="0" smtClean="0"/>
+                  <a:rPr lang="pt-BR" b="1" i="1" dirty="0"/>
                   <a:t>norma L1 </a:t>
                 </a:r>
                 <a:r>
-                  <a:rPr lang="pt-BR" dirty="0" smtClean="0"/>
+                  <a:rPr lang="pt-BR" dirty="0"/>
                   <a:t>tem como vantagem a produção de </a:t>
                 </a:r>
                 <a:r>
-                  <a:rPr lang="pt-BR" b="1" i="1" dirty="0" smtClean="0"/>
+                  <a:rPr lang="pt-BR" b="1" i="1" dirty="0"/>
                   <a:t>modelos esparsos</a:t>
                 </a:r>
                 <a:r>
-                  <a:rPr lang="pt-BR" dirty="0" smtClean="0"/>
+                  <a:rPr lang="pt-BR" dirty="0"/>
                   <a:t>.</a:t>
                 </a:r>
               </a:p>
@@ -17121,54 +16355,30 @@
                   <a:buChar char="§"/>
                 </a:pPr>
                 <a:r>
-                  <a:rPr lang="pt-BR" dirty="0" smtClean="0"/>
-                  <a:t>Ou seja, vários </a:t>
-                </a:r>
-                <a:r>
-                  <a:rPr lang="pt-BR" dirty="0"/>
-                  <a:t>elementos do vetor </a:t>
-                </a:r>
-                <a:r>
-                  <a:rPr lang="pt-BR" dirty="0" smtClean="0"/>
-                  <a:t>de pesos </a:t>
-                </a:r>
-                <a:r>
-                  <a:rPr lang="pt-BR" dirty="0"/>
-                  <a:t>acabam sendo </a:t>
-                </a:r>
-                <a:r>
-                  <a:rPr lang="pt-BR" b="1" i="1" dirty="0" smtClean="0"/>
+                  <a:rPr lang="pt-BR" dirty="0"/>
+                  <a:t>Ou seja, vários elementos do vetor de pesos acabam sendo </a:t>
+                </a:r>
+                <a:r>
+                  <a:rPr lang="pt-BR" b="1" i="1" dirty="0"/>
                   <a:t>anulados</a:t>
                 </a:r>
                 <a:r>
-                  <a:rPr lang="pt-BR" dirty="0" smtClean="0"/>
+                  <a:rPr lang="pt-BR" dirty="0"/>
                   <a:t>, indicando que os atributos correspondentes são irrelevantes para o processo de regressão. </a:t>
                 </a:r>
               </a:p>
               <a:p>
                 <a:r>
-                  <a:rPr lang="pt-BR" dirty="0" smtClean="0"/>
-                  <a:t>Isso </a:t>
-                </a:r>
-                <a:r>
-                  <a:rPr lang="pt-BR" dirty="0"/>
-                  <a:t>sugere a ocorrência implícita de um processo de </a:t>
+                  <a:rPr lang="pt-BR" dirty="0"/>
+                  <a:t>Isso sugere a ocorrência implícita de um processo de </a:t>
                 </a:r>
                 <a:r>
                   <a:rPr lang="pt-BR" b="1" i="1" dirty="0"/>
-                  <a:t>seleção automática de </a:t>
-                </a:r>
-                <a:r>
-                  <a:rPr lang="pt-BR" b="1" i="1" dirty="0" smtClean="0"/>
-                  <a:t>atributos</a:t>
-                </a:r>
-                <a:r>
-                  <a:rPr lang="pt-BR" dirty="0" smtClean="0"/>
-                  <a:t> </a:t>
-                </a:r>
-                <a:r>
-                  <a:rPr lang="pt-BR" dirty="0"/>
-                  <a:t>e leva a </a:t>
+                  <a:t>seleção automática de atributos</a:t>
+                </a:r>
+                <a:r>
+                  <a:rPr lang="pt-BR" dirty="0"/>
+                  <a:t> e leva a </a:t>
                 </a:r>
                 <a:r>
                   <a:rPr lang="pt-BR" b="1" i="1" dirty="0"/>
@@ -17176,11 +16386,7 @@
                 </a:r>
                 <a:r>
                   <a:rPr lang="pt-BR" dirty="0"/>
-                  <a:t> </a:t>
-                </a:r>
-                <a:r>
-                  <a:rPr lang="pt-BR" dirty="0" smtClean="0"/>
-                  <a:t>mais </a:t>
+                  <a:t> mais </a:t>
                 </a:r>
                 <a:r>
                   <a:rPr lang="pt-BR" b="1" i="1" dirty="0"/>
@@ -17209,16 +16415,12 @@
                   <a:t>: como a </a:t>
                 </a:r>
                 <a:r>
-                  <a:rPr lang="pt-BR" b="1" i="1" dirty="0" smtClean="0"/>
+                  <a:rPr lang="pt-BR" b="1" i="1" dirty="0"/>
                   <a:t>norma L1</a:t>
                 </a:r>
                 <a:r>
-                  <a:rPr lang="pt-BR" dirty="0" smtClean="0"/>
-                  <a:t> </a:t>
-                </a:r>
-                <a:r>
-                  <a:rPr lang="pt-BR" dirty="0"/>
-                  <a:t>não possui derivada no ponto </a:t>
+                  <a:rPr lang="pt-BR" dirty="0"/>
+                  <a:t> não possui derivada no ponto </a:t>
                 </a:r>
                 <a14:m>
                   <m:oMath xmlns:m="http://schemas.openxmlformats.org/officeDocument/2006/math">
@@ -17268,11 +16470,7 @@
                 </a14:m>
                 <a:r>
                   <a:rPr lang="pt-BR" dirty="0"/>
-                  <a:t>, o problema da minimização não possui solução em forma </a:t>
-                </a:r>
-                <a:r>
-                  <a:rPr lang="pt-BR" dirty="0" smtClean="0"/>
-                  <a:t>fechada, mas pode ser implementada com o GD.</a:t>
+                  <a:t>, o problema da minimização não possui solução em forma fechada, mas pode ser implementada com o GD.</a:t>
                 </a:r>
               </a:p>
               <a:p>
@@ -17292,10 +16490,9 @@
                   </m:oMath>
                 </a14:m>
                 <a:r>
-                  <a:rPr lang="pt-BR" dirty="0" smtClean="0"/>
+                  <a:rPr lang="pt-BR" dirty="0"/>
                   <a:t>.</a:t>
                 </a:r>
-                <a:endParaRPr lang="pt-BR" dirty="0"/>
               </a:p>
             </p:txBody>
           </p:sp>
@@ -17363,13 +16560,7 @@
               <a:rPr lang="pt-BR" sz="1400" dirty="0">
                 <a:hlinkClick r:id="rId4"/>
               </a:rPr>
-              <a:t>Exemplo: </a:t>
-            </a:r>
-            <a:r>
-              <a:rPr lang="pt-BR" sz="1400" dirty="0" smtClean="0">
-                <a:hlinkClick r:id="rId4"/>
-              </a:rPr>
-              <a:t>lasso_regression.ipynb</a:t>
+              <a:t>Exemplo: lasso_regression.ipynb</a:t>
             </a:r>
             <a:endParaRPr lang="pt-BR" sz="1400" dirty="0"/>
           </a:p>
@@ -17575,7 +16766,7 @@
           <a:lstStyle/>
           <a:p>
             <a:r>
-              <a:rPr lang="pt-BR" sz="2000" b="1" dirty="0" smtClean="0">
+              <a:rPr lang="pt-BR" sz="2000" b="1" dirty="0">
                 <a:solidFill>
                   <a:srgbClr val="FF0000"/>
                 </a:solidFill>
@@ -17609,10 +16800,9 @@
           <a:p>
             <a:pPr algn="ctr"/>
             <a:r>
-              <a:rPr lang="pt-BR" sz="1400" dirty="0" smtClean="0"/>
+              <a:rPr lang="pt-BR" sz="1400" dirty="0"/>
               <a:t>Valor dos pesos se torna igual a zero, restringindo a flexibilidade da hipótese a uma reta.</a:t>
             </a:r>
-            <a:endParaRPr lang="pt-BR" sz="1400" dirty="0"/>
           </a:p>
         </p:txBody>
       </p:sp>
@@ -17662,13 +16852,6 @@
   <p:clrMapOvr>
     <a:masterClrMapping/>
   </p:clrMapOvr>
-  <p:timing>
-    <p:tnLst>
-      <p:par>
-        <p:cTn id="1" dur="indefinite" restart="never" nodeType="tmRoot"/>
-      </p:par>
-    </p:tnLst>
-  </p:timing>
 </p:sld>
 </file>
 
@@ -17713,15 +16896,7 @@
           <a:p>
             <a:r>
               <a:rPr lang="pt-BR" dirty="0"/>
-              <a:t>Por que </a:t>
-            </a:r>
-            <a:r>
-              <a:rPr lang="pt-BR" dirty="0" smtClean="0"/>
-              <a:t>LASSO produz </a:t>
-            </a:r>
-            <a:r>
-              <a:rPr lang="pt-BR" dirty="0"/>
-              <a:t>modelos esparsos?</a:t>
+              <a:t>Por que LASSO produz modelos esparsos?</a:t>
             </a:r>
           </a:p>
         </p:txBody>
@@ -17755,7 +16930,7 @@
                   <a:buChar char="§"/>
                 </a:pPr>
                 <a:r>
-                  <a:rPr lang="pt-BR" dirty="0" smtClean="0"/>
+                  <a:rPr lang="pt-BR" dirty="0"/>
                   <a:t>A figura mostra as </a:t>
                 </a:r>
                 <a:r>
@@ -17772,15 +16947,7 @@
                 </a:r>
                 <a:r>
                   <a:rPr lang="pt-BR" dirty="0"/>
-                  <a:t>de um problema de regressão </a:t>
-                </a:r>
-                <a:r>
-                  <a:rPr lang="pt-BR" dirty="0" smtClean="0"/>
-                  <a:t>linear </a:t>
-                </a:r>
-                <a:r>
-                  <a:rPr lang="pt-BR" dirty="0"/>
-                  <a:t>com dois pesos (</a:t>
+                  <a:t>de um problema de regressão linear com dois pesos (</a:t>
                 </a:r>
                 <a14:m>
                   <m:oMath xmlns:m="http://schemas.openxmlformats.org/officeDocument/2006/math">
@@ -17846,45 +17013,16 @@
                 </a14:m>
                 <a:r>
                   <a:rPr lang="pt-BR" dirty="0"/>
-                  <a:t>) </a:t>
-                </a:r>
-                <a:r>
-                  <a:rPr lang="pt-BR" dirty="0" smtClean="0"/>
-                  <a:t>e as </a:t>
-                </a:r>
-                <a:r>
-                  <a:rPr lang="pt-BR" dirty="0"/>
-                  <a:t>regiões do </a:t>
+                  <a:t>) e as regiões do </a:t>
                 </a:r>
                 <a:r>
                   <a:rPr lang="pt-BR" b="1" i="1" dirty="0"/>
-                  <a:t>espaço </a:t>
-                </a:r>
-                <a:r>
-                  <a:rPr lang="pt-BR" b="1" i="1" dirty="0" smtClean="0"/>
-                  <a:t>de hipóteses </a:t>
-                </a:r>
-                <a:r>
-                  <a:rPr lang="pt-BR" dirty="0" smtClean="0"/>
-                  <a:t>onde as </a:t>
-                </a:r>
-                <a:r>
-                  <a:rPr lang="pt-BR" dirty="0"/>
-                  <a:t>restrições L1 (</a:t>
-                </a:r>
-                <a:r>
-                  <a:rPr lang="pt-BR" dirty="0" smtClean="0"/>
-                  <a:t>esquerda) e L2 </a:t>
-                </a:r>
-                <a:r>
-                  <a:rPr lang="pt-BR" dirty="0"/>
-                  <a:t>(direita) </a:t>
-                </a:r>
-                <a:r>
-                  <a:rPr lang="pt-BR" dirty="0" smtClean="0"/>
-                  <a:t>são válidas.</a:t>
-                </a:r>
-                <a:endParaRPr lang="pt-BR" dirty="0"/>
+                  <a:t>espaço de hipóteses </a:t>
+                </a:r>
+                <a:r>
+                  <a:rPr lang="pt-BR" dirty="0"/>
+                  <a:t>onde as restrições L1 (esquerda) e L2 (direita) são válidas.</a:t>
+                </a:r>
               </a:p>
               <a:p>
                 <a:pPr>
@@ -17893,11 +17031,7 @@
                 </a:pPr>
                 <a:r>
                   <a:rPr lang="pt-BR" dirty="0"/>
-                  <a:t>A solução para ambos os métodos corresponde </a:t>
-                </a:r>
-                <a:r>
-                  <a:rPr lang="pt-BR" dirty="0" smtClean="0"/>
-                  <a:t>ao ponto, dentro da </a:t>
+                  <a:t>A solução para ambos os métodos corresponde ao ponto, dentro da </a:t>
                 </a:r>
                 <a:r>
                   <a:rPr lang="pt-BR" b="1" i="1" dirty="0"/>
@@ -17905,11 +17039,7 @@
                 </a:r>
                 <a:r>
                   <a:rPr lang="pt-BR" dirty="0"/>
-                  <a:t> (área em azul</a:t>
-                </a:r>
-                <a:r>
-                  <a:rPr lang="pt-BR" dirty="0" smtClean="0"/>
-                  <a:t>), mais próximo do ponto de mínimo da função de erro.</a:t>
+                  <a:t> (área em azul), mais próximo do ponto de mínimo da função de erro.</a:t>
                 </a:r>
               </a:p>
               <a:p>
@@ -17918,20 +17048,8 @@
                   <a:buChar char="§"/>
                 </a:pPr>
                 <a:r>
-                  <a:rPr lang="pt-BR" dirty="0" smtClean="0"/>
-                  <a:t>É fácil ver que para </a:t>
-                </a:r>
-                <a:r>
-                  <a:rPr lang="pt-BR" dirty="0"/>
-                  <a:t>uma posição arbitrária do </a:t>
-                </a:r>
-                <a:r>
-                  <a:rPr lang="pt-BR" dirty="0" smtClean="0"/>
-                  <a:t>mínimo, </a:t>
-                </a:r>
-                <a:r>
-                  <a:rPr lang="pt-BR" dirty="0"/>
-                  <a:t>será comum que um </a:t>
+                  <a:rPr lang="pt-BR" dirty="0"/>
+                  <a:t>É fácil ver que para uma posição arbitrária do mínimo, será comum que um </a:t>
                 </a:r>
                 <a:r>
                   <a:rPr lang="pt-BR" b="1" i="1" dirty="0"/>
@@ -17939,27 +17057,7 @@
                 </a:r>
                 <a:r>
                   <a:rPr lang="pt-BR" dirty="0"/>
-                  <a:t> (ou </a:t>
-                </a:r>
-                <a:r>
-                  <a:rPr lang="pt-BR" dirty="0" smtClean="0"/>
-                  <a:t>ponta) do </a:t>
-                </a:r>
-                <a:r>
-                  <a:rPr lang="pt-BR" dirty="0"/>
-                  <a:t>quadrado </a:t>
-                </a:r>
-                <a:r>
-                  <a:rPr lang="pt-BR" dirty="0" smtClean="0"/>
-                  <a:t>seja o </a:t>
-                </a:r>
-                <a:r>
-                  <a:rPr lang="pt-BR" dirty="0"/>
-                  <a:t>ponto mais próximo do ponto de </a:t>
-                </a:r>
-                <a:r>
-                  <a:rPr lang="pt-BR" dirty="0" smtClean="0"/>
-                  <a:t>mínimo da função de erro.</a:t>
+                  <a:t> (ou ponta) do quadrado seja o ponto mais próximo do ponto de mínimo da função de erro.</a:t>
                 </a:r>
               </a:p>
               <a:p>
@@ -17968,15 +17066,15 @@
                   <a:buChar char="§"/>
                 </a:pPr>
                 <a:r>
-                  <a:rPr lang="pt-BR" dirty="0" smtClean="0"/>
+                  <a:rPr lang="pt-BR" dirty="0"/>
                   <a:t>Os </a:t>
                 </a:r>
                 <a:r>
-                  <a:rPr lang="pt-BR" b="1" i="1" dirty="0" smtClean="0"/>
+                  <a:rPr lang="pt-BR" b="1" i="1" dirty="0"/>
                   <a:t>cantos</a:t>
                 </a:r>
                 <a:r>
-                  <a:rPr lang="pt-BR" dirty="0" smtClean="0"/>
+                  <a:rPr lang="pt-BR" dirty="0"/>
                   <a:t> na </a:t>
                 </a:r>
                 <a:r>
@@ -17984,24 +17082,8 @@
                   <a:t>região de factibilidade </a:t>
                 </a:r>
                 <a:r>
-                  <a:rPr lang="pt-BR" dirty="0" smtClean="0"/>
-                  <a:t>da restrição </a:t>
-                </a:r>
-                <a:r>
-                  <a:rPr lang="pt-BR" dirty="0"/>
-                  <a:t>L1 </a:t>
-                </a:r>
-                <a:r>
-                  <a:rPr lang="pt-BR" dirty="0" smtClean="0"/>
-                  <a:t>aumentam </a:t>
-                </a:r>
-                <a:r>
-                  <a:rPr lang="pt-BR" dirty="0"/>
-                  <a:t>as chances de alguns pesos assumirem o valor </a:t>
-                </a:r>
-                <a:r>
-                  <a:rPr lang="pt-BR" dirty="0" smtClean="0"/>
-                  <a:t>zero. </a:t>
+                  <a:rPr lang="pt-BR" dirty="0"/>
+                  <a:t>da restrição L1 aumentam as chances de alguns pesos assumirem o valor zero. </a:t>
                 </a:r>
               </a:p>
               <a:p>
@@ -18010,15 +17092,15 @@
                   <a:buChar char="§"/>
                 </a:pPr>
                 <a:r>
-                  <a:rPr lang="pt-BR" dirty="0" smtClean="0"/>
+                  <a:rPr lang="pt-BR" dirty="0"/>
                   <a:t>E claro, os </a:t>
                 </a:r>
                 <a:r>
-                  <a:rPr lang="pt-BR" b="1" i="1" dirty="0" smtClean="0"/>
+                  <a:rPr lang="pt-BR" b="1" i="1" dirty="0"/>
                   <a:t>cantos</a:t>
                 </a:r>
                 <a:r>
-                  <a:rPr lang="pt-BR" dirty="0" smtClean="0"/>
+                  <a:rPr lang="pt-BR" dirty="0"/>
                   <a:t> são os pontos que possuem valor igual a 0 em alguma das dimensões (i.e., pesos).</a:t>
                 </a:r>
               </a:p>
@@ -18086,10 +17168,9 @@
           <a:lstStyle/>
           <a:p>
             <a:r>
-              <a:rPr lang="pt-BR" dirty="0" smtClean="0"/>
+              <a:rPr lang="pt-BR" dirty="0"/>
               <a:t>LASSO</a:t>
             </a:r>
-            <a:endParaRPr lang="pt-BR" dirty="0"/>
           </a:p>
         </p:txBody>
       </p:sp>
@@ -18116,10 +17197,9 @@
           <a:lstStyle/>
           <a:p>
             <a:r>
-              <a:rPr lang="pt-BR" dirty="0" smtClean="0"/>
+              <a:rPr lang="pt-BR" dirty="0"/>
               <a:t>Ridge</a:t>
             </a:r>
-            <a:endParaRPr lang="pt-BR" dirty="0"/>
           </a:p>
         </p:txBody>
       </p:sp>
@@ -18152,7 +17232,7 @@
                   <a:buChar char="•"/>
                 </a:pPr>
                 <a:r>
-                  <a:rPr lang="pt-BR" dirty="0" smtClean="0"/>
+                  <a:rPr lang="pt-BR" dirty="0"/>
                   <a:t>O quadrado azul representa o conjunto de pontos </a:t>
                 </a:r>
                 <a14:m>
@@ -18166,7 +17246,7 @@
                   </m:oMath>
                 </a14:m>
                 <a:r>
-                  <a:rPr lang="pt-BR" dirty="0" smtClean="0"/>
+                  <a:rPr lang="pt-BR" dirty="0"/>
                   <a:t> no espaço de pesos bidimensional que tenham norma L1 menor do que </a:t>
                 </a:r>
                 <a14:m>
@@ -18180,7 +17260,7 @@
                   </m:oMath>
                 </a14:m>
                 <a:r>
-                  <a:rPr lang="pt-BR" dirty="0" smtClean="0"/>
+                  <a:rPr lang="pt-BR" dirty="0"/>
                   <a:t>. </a:t>
                 </a:r>
               </a:p>
@@ -18190,10 +17270,9 @@
                   <a:buChar char="•"/>
                 </a:pPr>
                 <a:r>
-                  <a:rPr lang="pt-BR" dirty="0" smtClean="0"/>
+                  <a:rPr lang="pt-BR" dirty="0"/>
                   <a:t>A solução deve estar dentro do quadrado, o mais próximo do mínimo.</a:t>
                 </a:r>
-                <a:endParaRPr lang="pt-BR" dirty="0"/>
               </a:p>
             </p:txBody>
           </p:sp>
@@ -18266,7 +17345,7 @@
                   <a:buChar char="•"/>
                 </a:pPr>
                 <a:r>
-                  <a:rPr lang="pt-BR" dirty="0" smtClean="0"/>
+                  <a:rPr lang="pt-BR" dirty="0"/>
                   <a:t>O círculo azul representa o conjunto de pontos </a:t>
                 </a:r>
                 <a14:m>
@@ -18280,7 +17359,7 @@
                   </m:oMath>
                 </a14:m>
                 <a:r>
-                  <a:rPr lang="pt-BR" dirty="0" smtClean="0"/>
+                  <a:rPr lang="pt-BR" dirty="0"/>
                   <a:t> no espaço de pesos bidimensional que tenham norma L2 menor do que </a:t>
                 </a:r>
                 <a14:m>
@@ -18294,7 +17373,7 @@
                   </m:oMath>
                 </a14:m>
                 <a:r>
-                  <a:rPr lang="pt-BR" dirty="0" smtClean="0"/>
+                  <a:rPr lang="pt-BR" dirty="0"/>
                   <a:t>. </a:t>
                 </a:r>
               </a:p>
@@ -18305,21 +17384,8 @@
                 </a:pPr>
                 <a:r>
                   <a:rPr lang="pt-BR" dirty="0"/>
-                  <a:t>A solução deve estar dentro do </a:t>
-                </a:r>
-                <a:r>
-                  <a:rPr lang="pt-BR" dirty="0" smtClean="0"/>
-                  <a:t>círculo, o </a:t>
-                </a:r>
-                <a:r>
-                  <a:rPr lang="pt-BR" dirty="0"/>
-                  <a:t>mais próximo do mínimo</a:t>
-                </a:r>
-                <a:r>
-                  <a:rPr lang="pt-BR" dirty="0" smtClean="0"/>
-                  <a:t>.</a:t>
-                </a:r>
-                <a:endParaRPr lang="pt-BR" dirty="0"/>
+                  <a:t>A solução deve estar dentro do círculo, o mais próximo do mínimo.</a:t>
+                </a:r>
               </a:p>
             </p:txBody>
           </p:sp>
@@ -18445,7 +17511,7 @@
           <a:p>
             <a:pPr algn="ctr"/>
             <a:r>
-              <a:rPr lang="pt-BR" sz="1400" dirty="0" smtClean="0"/>
+              <a:rPr lang="pt-BR" sz="1400" dirty="0"/>
               <a:t>pontos de mínimo</a:t>
             </a:r>
             <a:endParaRPr lang="en-US" sz="1400" dirty="0"/>
@@ -18538,13 +17604,6 @@
   <p:clrMapOvr>
     <a:masterClrMapping/>
   </p:clrMapOvr>
-  <p:timing>
-    <p:tnLst>
-      <p:par>
-        <p:cTn id="1" dur="indefinite" restart="never" nodeType="tmRoot"/>
-      </p:par>
-    </p:tnLst>
-  </p:timing>
 </p:sld>
 </file>
 

--- a/slides/T319_Regressão_Linear (Parte VI).pptx
+++ b/slides/T319_Regressão_Linear (Parte VI).pptx
@@ -539,7 +539,7 @@
           <a:p>
             <a:fld id="{DAF0AF11-6A8A-4E64-94F5-26D4FBA2A01D}" type="datetimeFigureOut">
               <a:rPr lang="nl-BE" smtClean="0"/>
-              <a:t>22/10/2023</a:t>
+              <a:t>28/10/2023</a:t>
             </a:fld>
             <a:endParaRPr lang="nl-BE"/>
           </a:p>
@@ -5564,7 +5564,7 @@
           <a:p>
             <a:fld id="{C80E15A5-E95B-43EB-9AC7-9A96397448C0}" type="datetimeFigureOut">
               <a:rPr lang="nl-BE" smtClean="0"/>
-              <a:t>22/10/2023</a:t>
+              <a:t>28/10/2023</a:t>
             </a:fld>
             <a:endParaRPr lang="nl-BE"/>
           </a:p>
@@ -5734,7 +5734,7 @@
           <a:p>
             <a:fld id="{C80E15A5-E95B-43EB-9AC7-9A96397448C0}" type="datetimeFigureOut">
               <a:rPr lang="nl-BE" smtClean="0"/>
-              <a:t>22/10/2023</a:t>
+              <a:t>28/10/2023</a:t>
             </a:fld>
             <a:endParaRPr lang="nl-BE"/>
           </a:p>
@@ -5914,7 +5914,7 @@
           <a:p>
             <a:fld id="{C80E15A5-E95B-43EB-9AC7-9A96397448C0}" type="datetimeFigureOut">
               <a:rPr lang="nl-BE" smtClean="0"/>
-              <a:t>22/10/2023</a:t>
+              <a:t>28/10/2023</a:t>
             </a:fld>
             <a:endParaRPr lang="nl-BE"/>
           </a:p>
@@ -6084,7 +6084,7 @@
           <a:p>
             <a:fld id="{C80E15A5-E95B-43EB-9AC7-9A96397448C0}" type="datetimeFigureOut">
               <a:rPr lang="nl-BE" smtClean="0"/>
-              <a:t>22/10/2023</a:t>
+              <a:t>28/10/2023</a:t>
             </a:fld>
             <a:endParaRPr lang="nl-BE"/>
           </a:p>
@@ -6330,7 +6330,7 @@
           <a:p>
             <a:fld id="{C80E15A5-E95B-43EB-9AC7-9A96397448C0}" type="datetimeFigureOut">
               <a:rPr lang="nl-BE" smtClean="0"/>
-              <a:t>22/10/2023</a:t>
+              <a:t>28/10/2023</a:t>
             </a:fld>
             <a:endParaRPr lang="nl-BE"/>
           </a:p>
@@ -6562,7 +6562,7 @@
           <a:p>
             <a:fld id="{C80E15A5-E95B-43EB-9AC7-9A96397448C0}" type="datetimeFigureOut">
               <a:rPr lang="nl-BE" smtClean="0"/>
-              <a:t>22/10/2023</a:t>
+              <a:t>28/10/2023</a:t>
             </a:fld>
             <a:endParaRPr lang="nl-BE"/>
           </a:p>
@@ -6929,7 +6929,7 @@
           <a:p>
             <a:fld id="{C80E15A5-E95B-43EB-9AC7-9A96397448C0}" type="datetimeFigureOut">
               <a:rPr lang="nl-BE" smtClean="0"/>
-              <a:t>22/10/2023</a:t>
+              <a:t>28/10/2023</a:t>
             </a:fld>
             <a:endParaRPr lang="nl-BE"/>
           </a:p>
@@ -7047,7 +7047,7 @@
           <a:p>
             <a:fld id="{C80E15A5-E95B-43EB-9AC7-9A96397448C0}" type="datetimeFigureOut">
               <a:rPr lang="nl-BE" smtClean="0"/>
-              <a:t>22/10/2023</a:t>
+              <a:t>28/10/2023</a:t>
             </a:fld>
             <a:endParaRPr lang="nl-BE"/>
           </a:p>
@@ -7142,7 +7142,7 @@
           <a:p>
             <a:fld id="{C80E15A5-E95B-43EB-9AC7-9A96397448C0}" type="datetimeFigureOut">
               <a:rPr lang="nl-BE" smtClean="0"/>
-              <a:t>22/10/2023</a:t>
+              <a:t>28/10/2023</a:t>
             </a:fld>
             <a:endParaRPr lang="nl-BE"/>
           </a:p>
@@ -7419,7 +7419,7 @@
           <a:p>
             <a:fld id="{C80E15A5-E95B-43EB-9AC7-9A96397448C0}" type="datetimeFigureOut">
               <a:rPr lang="nl-BE" smtClean="0"/>
-              <a:t>22/10/2023</a:t>
+              <a:t>28/10/2023</a:t>
             </a:fld>
             <a:endParaRPr lang="nl-BE"/>
           </a:p>
@@ -7672,7 +7672,7 @@
           <a:p>
             <a:fld id="{C80E15A5-E95B-43EB-9AC7-9A96397448C0}" type="datetimeFigureOut">
               <a:rPr lang="nl-BE" smtClean="0"/>
-              <a:t>22/10/2023</a:t>
+              <a:t>28/10/2023</a:t>
             </a:fld>
             <a:endParaRPr lang="nl-BE"/>
           </a:p>
@@ -7885,7 +7885,7 @@
           <a:p>
             <a:fld id="{C80E15A5-E95B-43EB-9AC7-9A96397448C0}" type="datetimeFigureOut">
               <a:rPr lang="nl-BE" smtClean="0"/>
-              <a:t>22/10/2023</a:t>
+              <a:t>28/10/2023</a:t>
             </a:fld>
             <a:endParaRPr lang="nl-BE"/>
           </a:p>
@@ -10412,88 +10412,13 @@
             </a:r>
             <a:r>
               <a:rPr lang="pt-BR" dirty="0"/>
-              <a:t>” que se encontra no MS Teams.</a:t>
-            </a:r>
-          </a:p>
-          <a:p>
-            <a:r>
-              <a:rPr lang="pt-BR" b="1" dirty="0"/>
-              <a:t>Exercício Prático</a:t>
-            </a:r>
-            <a:r>
-              <a:rPr lang="pt-BR" dirty="0"/>
-              <a:t>: </a:t>
-            </a:r>
-            <a:r>
-              <a:rPr lang="pt-BR" dirty="0">
-                <a:hlinkClick r:id="rId3"/>
-              </a:rPr>
-              <a:t>Projeto Prático</a:t>
-            </a:r>
-            <a:r>
-              <a:rPr lang="pt-BR" dirty="0"/>
-              <a:t>.</a:t>
-            </a:r>
-          </a:p>
-          <a:p>
-            <a:pPr lvl="1"/>
-            <a:r>
-              <a:rPr lang="pt-BR" b="1" dirty="0">
-                <a:solidFill>
-                  <a:srgbClr val="FF0000"/>
-                </a:solidFill>
-              </a:rPr>
-              <a:t>Projeto pode ser feito em grupo de no máximo 3 alunos.</a:t>
-            </a:r>
-          </a:p>
-          <a:p>
-            <a:pPr lvl="1"/>
-            <a:r>
-              <a:rPr lang="pt-BR" b="1" dirty="0">
-                <a:solidFill>
-                  <a:srgbClr val="FF0000"/>
-                </a:solidFill>
-              </a:rPr>
-              <a:t>Atentem-se ao prazo de entrega definido na tarefa do MS </a:t>
-            </a:r>
-            <a:r>
-              <a:rPr lang="pt-BR" b="1" dirty="0" err="1">
-                <a:solidFill>
-                  <a:srgbClr val="FF0000"/>
-                </a:solidFill>
-              </a:rPr>
-              <a:t>Teams</a:t>
-            </a:r>
-            <a:r>
-              <a:rPr lang="pt-BR" b="1" dirty="0">
-                <a:solidFill>
-                  <a:srgbClr val="FF0000"/>
-                </a:solidFill>
-              </a:rPr>
-              <a:t> (11/12/2022). </a:t>
-            </a:r>
-          </a:p>
-          <a:p>
-            <a:pPr lvl="1"/>
-            <a:r>
-              <a:rPr lang="pt-BR" b="1" dirty="0">
-                <a:solidFill>
-                  <a:srgbClr val="FF0000"/>
-                </a:solidFill>
-              </a:rPr>
-              <a:t>Entregas fora do prazo não serão aceitas.</a:t>
-            </a:r>
-          </a:p>
-          <a:p>
-            <a:pPr lvl="1"/>
-            <a:r>
-              <a:rPr lang="pt-BR" b="1" dirty="0">
-                <a:solidFill>
-                  <a:srgbClr val="FF0000"/>
-                </a:solidFill>
-              </a:rPr>
-              <a:t>Leiam os enunciados atentamente.</a:t>
-            </a:r>
+              <a:t>” que se encontra no MS </a:t>
+            </a:r>
+            <a:r>
+              <a:rPr lang="pt-BR"/>
+              <a:t>Teams.</a:t>
+            </a:r>
+            <a:endParaRPr lang="pt-BR" dirty="0"/>
           </a:p>
         </p:txBody>
       </p:sp>
